--- a/Docs/Distributed Architecture.pptx
+++ b/Docs/Distributed Architecture.pptx
@@ -2,25 +2,32 @@
 <file path=ppt/presentation.xml><?xml version="1.0" encoding="utf-8"?>
 <p:presentation xmlns:a="http://schemas.openxmlformats.org/drawingml/2006/main" xmlns:r="http://schemas.openxmlformats.org/officeDocument/2006/relationships" xmlns:p="http://schemas.openxmlformats.org/presentationml/2006/main" autoCompressPictures="0">
   <p:sldMasterIdLst>
-    <p:sldMasterId id="2147483869" r:id="rId1"/>
+    <p:sldMasterId id="2147483881" r:id="rId1"/>
   </p:sldMasterIdLst>
   <p:sldIdLst>
     <p:sldId id="256" r:id="rId2"/>
     <p:sldId id="261" r:id="rId3"/>
     <p:sldId id="262" r:id="rId4"/>
-    <p:sldId id="263" r:id="rId5"/>
-    <p:sldId id="264" r:id="rId6"/>
-    <p:sldId id="265" r:id="rId7"/>
-    <p:sldId id="266" r:id="rId8"/>
-    <p:sldId id="267" r:id="rId9"/>
-    <p:sldId id="269" r:id="rId10"/>
-    <p:sldId id="268" r:id="rId11"/>
-    <p:sldId id="270" r:id="rId12"/>
-    <p:sldId id="271" r:id="rId13"/>
-    <p:sldId id="272" r:id="rId14"/>
-    <p:sldId id="258" r:id="rId15"/>
-    <p:sldId id="260" r:id="rId16"/>
-    <p:sldId id="259" r:id="rId17"/>
+    <p:sldId id="276" r:id="rId5"/>
+    <p:sldId id="277" r:id="rId6"/>
+    <p:sldId id="278" r:id="rId7"/>
+    <p:sldId id="263" r:id="rId8"/>
+    <p:sldId id="273" r:id="rId9"/>
+    <p:sldId id="275" r:id="rId10"/>
+    <p:sldId id="274" r:id="rId11"/>
+    <p:sldId id="264" r:id="rId12"/>
+    <p:sldId id="279" r:id="rId13"/>
+    <p:sldId id="265" r:id="rId14"/>
+    <p:sldId id="266" r:id="rId15"/>
+    <p:sldId id="267" r:id="rId16"/>
+    <p:sldId id="269" r:id="rId17"/>
+    <p:sldId id="268" r:id="rId18"/>
+    <p:sldId id="270" r:id="rId19"/>
+    <p:sldId id="271" r:id="rId20"/>
+    <p:sldId id="272" r:id="rId21"/>
+    <p:sldId id="258" r:id="rId22"/>
+    <p:sldId id="260" r:id="rId23"/>
+    <p:sldId id="259" r:id="rId24"/>
   </p:sldIdLst>
   <p:sldSz cx="12192000" cy="6858000"/>
   <p:notesSz cx="6858000" cy="9144000"/>
@@ -123,8 +130,13 @@
 </file>
 
 <file path=ppt/slideLayouts/slideLayout1.xml><?xml version="1.0" encoding="utf-8"?>
-<p:sldLayout xmlns:a="http://schemas.openxmlformats.org/drawingml/2006/main" xmlns:r="http://schemas.openxmlformats.org/officeDocument/2006/relationships" xmlns:p="http://schemas.openxmlformats.org/presentationml/2006/main" type="title" preserve="1">
+<p:sldLayout xmlns:a="http://schemas.openxmlformats.org/drawingml/2006/main" xmlns:r="http://schemas.openxmlformats.org/officeDocument/2006/relationships" xmlns:p="http://schemas.openxmlformats.org/presentationml/2006/main" showMasterSp="0" type="title" preserve="1">
   <p:cSld name="Diapositiva de título">
+    <p:bg>
+      <p:bgRef idx="1003">
+        <a:schemeClr val="bg1"/>
+      </p:bgRef>
+    </p:bg>
     <p:spTree>
       <p:nvGrpSpPr>
         <p:cNvPr id="1" name=""/>
@@ -141,7 +153,380 @@
       </p:grpSpPr>
       <p:sp>
         <p:nvSpPr>
-          <p:cNvPr id="2" name="1 Título"/>
+          <p:cNvPr id="12" name="11 Rectángulo"/>
+          <p:cNvSpPr/>
+          <p:nvPr/>
+        </p:nvSpPr>
+        <p:spPr>
+          <a:xfrm>
+            <a:off x="0" y="0"/>
+            <a:ext cx="12192000" cy="6858000"/>
+          </a:xfrm>
+          <a:prstGeom prst="rect">
+            <a:avLst/>
+          </a:prstGeom>
+          <a:solidFill>
+            <a:srgbClr val="FFFFFF"/>
+          </a:solidFill>
+          <a:ln w="12700" cap="flat" cmpd="sng" algn="ctr">
+            <a:noFill/>
+            <a:prstDash val="solid"/>
+          </a:ln>
+        </p:spPr>
+        <p:style>
+          <a:lnRef idx="2">
+            <a:schemeClr val="accent1"/>
+          </a:lnRef>
+          <a:fillRef idx="1">
+            <a:schemeClr val="accent1"/>
+          </a:fillRef>
+          <a:effectRef idx="0">
+            <a:schemeClr val="accent1"/>
+          </a:effectRef>
+          <a:fontRef idx="minor">
+            <a:schemeClr val="lt1"/>
+          </a:fontRef>
+        </p:style>
+        <p:txBody>
+          <a:bodyPr rtlCol="0" anchor="ctr"/>
+          <a:lstStyle/>
+          <a:p>
+            <a:pPr algn="ctr" eaLnBrk="1" latinLnBrk="0" hangingPunct="1"/>
+            <a:endParaRPr kumimoji="0" lang="en-US"/>
+          </a:p>
+        </p:txBody>
+      </p:sp>
+      <p:sp useBgFill="1">
+        <p:nvSpPr>
+          <p:cNvPr id="13" name="12 Rectángulo redondeado"/>
+          <p:cNvSpPr/>
+          <p:nvPr/>
+        </p:nvSpPr>
+        <p:spPr>
+          <a:xfrm>
+            <a:off x="87084" y="69756"/>
+            <a:ext cx="12017829" cy="6692201"/>
+          </a:xfrm>
+          <a:prstGeom prst="roundRect">
+            <a:avLst>
+              <a:gd name="adj" fmla="val 4929"/>
+            </a:avLst>
+          </a:prstGeom>
+          <a:ln w="6350" cap="sq" cmpd="sng" algn="ctr">
+            <a:solidFill>
+              <a:schemeClr val="tx1">
+                <a:alpha val="100000"/>
+              </a:schemeClr>
+            </a:solidFill>
+            <a:prstDash val="solid"/>
+          </a:ln>
+          <a:effectLst/>
+        </p:spPr>
+        <p:style>
+          <a:lnRef idx="3">
+            <a:schemeClr val="lt1"/>
+          </a:lnRef>
+          <a:fillRef idx="1001">
+            <a:schemeClr val="lt1"/>
+          </a:fillRef>
+          <a:effectRef idx="1">
+            <a:schemeClr val="accent1"/>
+          </a:effectRef>
+          <a:fontRef idx="minor">
+            <a:schemeClr val="lt1"/>
+          </a:fontRef>
+        </p:style>
+        <p:txBody>
+          <a:bodyPr anchor="ctr"/>
+          <a:lstStyle/>
+          <a:p>
+            <a:pPr algn="ctr" eaLnBrk="1" latinLnBrk="0" hangingPunct="1"/>
+            <a:endParaRPr kumimoji="0" lang="en-US"/>
+          </a:p>
+        </p:txBody>
+      </p:sp>
+      <p:sp>
+        <p:nvSpPr>
+          <p:cNvPr id="9" name="8 Subtítulo"/>
+          <p:cNvSpPr>
+            <a:spLocks noGrp="1"/>
+          </p:cNvSpPr>
+          <p:nvPr>
+            <p:ph type="subTitle" idx="1"/>
+          </p:nvPr>
+        </p:nvSpPr>
+        <p:spPr>
+          <a:xfrm>
+            <a:off x="1727200" y="3200400"/>
+            <a:ext cx="8534400" cy="1600200"/>
+          </a:xfrm>
+        </p:spPr>
+        <p:txBody>
+          <a:bodyPr/>
+          <a:lstStyle>
+            <a:lvl1pPr marL="0" indent="0" algn="ctr">
+              <a:buNone/>
+              <a:defRPr sz="2600">
+                <a:solidFill>
+                  <a:schemeClr val="tx2"/>
+                </a:solidFill>
+              </a:defRPr>
+            </a:lvl1pPr>
+            <a:lvl2pPr marL="457200" indent="0" algn="ctr">
+              <a:buNone/>
+            </a:lvl2pPr>
+            <a:lvl3pPr marL="914400" indent="0" algn="ctr">
+              <a:buNone/>
+            </a:lvl3pPr>
+            <a:lvl4pPr marL="1371600" indent="0" algn="ctr">
+              <a:buNone/>
+            </a:lvl4pPr>
+            <a:lvl5pPr marL="1828800" indent="0" algn="ctr">
+              <a:buNone/>
+            </a:lvl5pPr>
+            <a:lvl6pPr marL="2286000" indent="0" algn="ctr">
+              <a:buNone/>
+            </a:lvl6pPr>
+            <a:lvl7pPr marL="2743200" indent="0" algn="ctr">
+              <a:buNone/>
+            </a:lvl7pPr>
+            <a:lvl8pPr marL="3200400" indent="0" algn="ctr">
+              <a:buNone/>
+            </a:lvl8pPr>
+            <a:lvl9pPr marL="3657600" indent="0" algn="ctr">
+              <a:buNone/>
+            </a:lvl9pPr>
+          </a:lstStyle>
+          <a:p>
+            <a:r>
+              <a:rPr kumimoji="0" lang="es-ES" smtClean="0"/>
+              <a:t>Haga clic para modificar el estilo de subtítulo del patrón</a:t>
+            </a:r>
+            <a:endParaRPr kumimoji="0" lang="en-US"/>
+          </a:p>
+        </p:txBody>
+      </p:sp>
+      <p:sp>
+        <p:nvSpPr>
+          <p:cNvPr id="28" name="27 Marcador de fecha"/>
+          <p:cNvSpPr>
+            <a:spLocks noGrp="1"/>
+          </p:cNvSpPr>
+          <p:nvPr>
+            <p:ph type="dt" sz="half" idx="10"/>
+          </p:nvPr>
+        </p:nvSpPr>
+        <p:spPr/>
+        <p:txBody>
+          <a:bodyPr/>
+          <a:lstStyle/>
+          <a:p>
+            <a:fld id="{9E016143-E03C-4CFD-AFDC-14E5BDEA754C}" type="datetimeFigureOut">
+              <a:rPr lang="en-US" smtClean="0"/>
+              <a:t>5/31/2016</a:t>
+            </a:fld>
+            <a:endParaRPr lang="en-US" dirty="0"/>
+          </a:p>
+        </p:txBody>
+      </p:sp>
+      <p:sp>
+        <p:nvSpPr>
+          <p:cNvPr id="17" name="16 Marcador de pie de página"/>
+          <p:cNvSpPr>
+            <a:spLocks noGrp="1"/>
+          </p:cNvSpPr>
+          <p:nvPr>
+            <p:ph type="ftr" sz="quarter" idx="11"/>
+          </p:nvPr>
+        </p:nvSpPr>
+        <p:spPr/>
+        <p:txBody>
+          <a:bodyPr/>
+          <a:lstStyle/>
+          <a:p>
+            <a:endParaRPr lang="en-US" dirty="0"/>
+          </a:p>
+        </p:txBody>
+      </p:sp>
+      <p:sp>
+        <p:nvSpPr>
+          <p:cNvPr id="29" name="28 Marcador de número de diapositiva"/>
+          <p:cNvSpPr>
+            <a:spLocks noGrp="1"/>
+          </p:cNvSpPr>
+          <p:nvPr>
+            <p:ph type="sldNum" sz="quarter" idx="12"/>
+          </p:nvPr>
+        </p:nvSpPr>
+        <p:spPr/>
+        <p:txBody>
+          <a:bodyPr lIns="0" tIns="0" rIns="0" bIns="0">
+            <a:noAutofit/>
+          </a:bodyPr>
+          <a:lstStyle>
+            <a:lvl1pPr>
+              <a:defRPr sz="1400">
+                <a:solidFill>
+                  <a:srgbClr val="FFFFFF"/>
+                </a:solidFill>
+              </a:defRPr>
+            </a:lvl1pPr>
+          </a:lstStyle>
+          <a:p>
+            <a:fld id="{4FAB73BC-B049-4115-A692-8D63A059BFB8}" type="slidenum">
+              <a:rPr lang="en-US" smtClean="0"/>
+              <a:pPr/>
+              <a:t>‹Nº›</a:t>
+            </a:fld>
+            <a:endParaRPr lang="en-US" dirty="0"/>
+          </a:p>
+        </p:txBody>
+      </p:sp>
+      <p:sp>
+        <p:nvSpPr>
+          <p:cNvPr id="7" name="6 Rectángulo"/>
+          <p:cNvSpPr/>
+          <p:nvPr/>
+        </p:nvSpPr>
+        <p:spPr>
+          <a:xfrm>
+            <a:off x="83909" y="1449304"/>
+            <a:ext cx="12028716" cy="1527349"/>
+          </a:xfrm>
+          <a:prstGeom prst="rect">
+            <a:avLst/>
+          </a:prstGeom>
+          <a:solidFill>
+            <a:schemeClr val="accent1">
+              <a:alpha val="100000"/>
+            </a:schemeClr>
+          </a:solidFill>
+          <a:ln w="19050" cap="sq" cmpd="sng" algn="ctr">
+            <a:noFill/>
+            <a:prstDash val="solid"/>
+          </a:ln>
+          <a:effectLst/>
+        </p:spPr>
+        <p:style>
+          <a:lnRef idx="3">
+            <a:schemeClr val="lt1"/>
+          </a:lnRef>
+          <a:fillRef idx="1">
+            <a:schemeClr val="accent1"/>
+          </a:fillRef>
+          <a:effectRef idx="1">
+            <a:schemeClr val="accent1"/>
+          </a:effectRef>
+          <a:fontRef idx="minor">
+            <a:schemeClr val="lt1"/>
+          </a:fontRef>
+        </p:style>
+        <p:txBody>
+          <a:bodyPr anchor="ctr"/>
+          <a:lstStyle/>
+          <a:p>
+            <a:pPr algn="ctr" eaLnBrk="1" latinLnBrk="0" hangingPunct="1"/>
+            <a:endParaRPr kumimoji="0" lang="en-US"/>
+          </a:p>
+        </p:txBody>
+      </p:sp>
+      <p:sp>
+        <p:nvSpPr>
+          <p:cNvPr id="10" name="9 Rectángulo"/>
+          <p:cNvSpPr/>
+          <p:nvPr/>
+        </p:nvSpPr>
+        <p:spPr>
+          <a:xfrm>
+            <a:off x="83909" y="1396720"/>
+            <a:ext cx="12028716" cy="120580"/>
+          </a:xfrm>
+          <a:prstGeom prst="rect">
+            <a:avLst/>
+          </a:prstGeom>
+          <a:solidFill>
+            <a:schemeClr val="accent1">
+              <a:tint val="60000"/>
+            </a:schemeClr>
+          </a:solidFill>
+          <a:ln w="19050" cap="sq" cmpd="sng" algn="ctr">
+            <a:noFill/>
+            <a:prstDash val="solid"/>
+          </a:ln>
+          <a:effectLst/>
+        </p:spPr>
+        <p:style>
+          <a:lnRef idx="3">
+            <a:schemeClr val="lt1"/>
+          </a:lnRef>
+          <a:fillRef idx="1">
+            <a:schemeClr val="accent1"/>
+          </a:fillRef>
+          <a:effectRef idx="1">
+            <a:schemeClr val="accent1"/>
+          </a:effectRef>
+          <a:fontRef idx="minor">
+            <a:schemeClr val="lt1"/>
+          </a:fontRef>
+        </p:style>
+        <p:txBody>
+          <a:bodyPr anchor="ctr"/>
+          <a:lstStyle/>
+          <a:p>
+            <a:pPr algn="ctr" eaLnBrk="1" latinLnBrk="0" hangingPunct="1"/>
+            <a:endParaRPr kumimoji="0" lang="en-US"/>
+          </a:p>
+        </p:txBody>
+      </p:sp>
+      <p:sp>
+        <p:nvSpPr>
+          <p:cNvPr id="11" name="10 Rectángulo"/>
+          <p:cNvSpPr/>
+          <p:nvPr/>
+        </p:nvSpPr>
+        <p:spPr>
+          <a:xfrm>
+            <a:off x="83909" y="2976649"/>
+            <a:ext cx="12028716" cy="110532"/>
+          </a:xfrm>
+          <a:prstGeom prst="rect">
+            <a:avLst/>
+          </a:prstGeom>
+          <a:solidFill>
+            <a:schemeClr val="accent5"/>
+          </a:solidFill>
+          <a:ln w="19050" cap="sq" cmpd="sng" algn="ctr">
+            <a:noFill/>
+            <a:prstDash val="solid"/>
+          </a:ln>
+          <a:effectLst/>
+        </p:spPr>
+        <p:style>
+          <a:lnRef idx="3">
+            <a:schemeClr val="lt1"/>
+          </a:lnRef>
+          <a:fillRef idx="1">
+            <a:schemeClr val="accent1"/>
+          </a:fillRef>
+          <a:effectRef idx="1">
+            <a:schemeClr val="accent1"/>
+          </a:effectRef>
+          <a:fontRef idx="minor">
+            <a:schemeClr val="lt1"/>
+          </a:fontRef>
+        </p:style>
+        <p:txBody>
+          <a:bodyPr anchor="ctr"/>
+          <a:lstStyle/>
+          <a:p>
+            <a:pPr algn="ctr" eaLnBrk="1" latinLnBrk="0" hangingPunct="1"/>
+            <a:endParaRPr kumimoji="0" lang="en-US"/>
+          </a:p>
+        </p:txBody>
+      </p:sp>
+      <p:sp>
+        <p:nvSpPr>
+          <p:cNvPr id="8" name="7 Título"/>
           <p:cNvSpPr>
             <a:spLocks noGrp="1"/>
           </p:cNvSpPr>
@@ -151,216 +536,34 @@
         </p:nvSpPr>
         <p:spPr>
           <a:xfrm>
-            <a:off x="914400" y="2130426"/>
-            <a:ext cx="10363200" cy="1470025"/>
+            <a:off x="609600" y="1505931"/>
+            <a:ext cx="10972800" cy="1470025"/>
           </a:xfrm>
         </p:spPr>
         <p:txBody>
-          <a:bodyPr/>
-          <a:lstStyle/>
-          <a:p>
-            <a:r>
-              <a:rPr lang="es-ES" smtClean="0"/>
-              <a:t>Haga clic para modificar el estilo de título del patrón</a:t>
-            </a:r>
-            <a:endParaRPr lang="es-ES"/>
-          </a:p>
-        </p:txBody>
-      </p:sp>
-      <p:sp>
-        <p:nvSpPr>
-          <p:cNvPr id="3" name="2 Subtítulo"/>
-          <p:cNvSpPr>
-            <a:spLocks noGrp="1"/>
-          </p:cNvSpPr>
-          <p:nvPr>
-            <p:ph type="subTitle" idx="1"/>
-          </p:nvPr>
-        </p:nvSpPr>
-        <p:spPr>
-          <a:xfrm>
-            <a:off x="1828800" y="3886200"/>
-            <a:ext cx="8534400" cy="1752600"/>
-          </a:xfrm>
-        </p:spPr>
-        <p:txBody>
-          <a:bodyPr/>
+          <a:bodyPr anchor="ctr"/>
           <a:lstStyle>
-            <a:lvl1pPr marL="0" indent="0" algn="ctr">
-              <a:buNone/>
-              <a:defRPr>
+            <a:lvl1pPr algn="ctr">
+              <a:defRPr lang="en-US" dirty="0">
                 <a:solidFill>
-                  <a:schemeClr val="tx1">
-                    <a:tint val="75000"/>
-                  </a:schemeClr>
+                  <a:srgbClr val="FFFFFF"/>
                 </a:solidFill>
               </a:defRPr>
             </a:lvl1pPr>
-            <a:lvl2pPr marL="457200" indent="0" algn="ctr">
-              <a:buNone/>
-              <a:defRPr>
-                <a:solidFill>
-                  <a:schemeClr val="tx1">
-                    <a:tint val="75000"/>
-                  </a:schemeClr>
-                </a:solidFill>
-              </a:defRPr>
-            </a:lvl2pPr>
-            <a:lvl3pPr marL="914400" indent="0" algn="ctr">
-              <a:buNone/>
-              <a:defRPr>
-                <a:solidFill>
-                  <a:schemeClr val="tx1">
-                    <a:tint val="75000"/>
-                  </a:schemeClr>
-                </a:solidFill>
-              </a:defRPr>
-            </a:lvl3pPr>
-            <a:lvl4pPr marL="1371600" indent="0" algn="ctr">
-              <a:buNone/>
-              <a:defRPr>
-                <a:solidFill>
-                  <a:schemeClr val="tx1">
-                    <a:tint val="75000"/>
-                  </a:schemeClr>
-                </a:solidFill>
-              </a:defRPr>
-            </a:lvl4pPr>
-            <a:lvl5pPr marL="1828800" indent="0" algn="ctr">
-              <a:buNone/>
-              <a:defRPr>
-                <a:solidFill>
-                  <a:schemeClr val="tx1">
-                    <a:tint val="75000"/>
-                  </a:schemeClr>
-                </a:solidFill>
-              </a:defRPr>
-            </a:lvl5pPr>
-            <a:lvl6pPr marL="2286000" indent="0" algn="ctr">
-              <a:buNone/>
-              <a:defRPr>
-                <a:solidFill>
-                  <a:schemeClr val="tx1">
-                    <a:tint val="75000"/>
-                  </a:schemeClr>
-                </a:solidFill>
-              </a:defRPr>
-            </a:lvl6pPr>
-            <a:lvl7pPr marL="2743200" indent="0" algn="ctr">
-              <a:buNone/>
-              <a:defRPr>
-                <a:solidFill>
-                  <a:schemeClr val="tx1">
-                    <a:tint val="75000"/>
-                  </a:schemeClr>
-                </a:solidFill>
-              </a:defRPr>
-            </a:lvl7pPr>
-            <a:lvl8pPr marL="3200400" indent="0" algn="ctr">
-              <a:buNone/>
-              <a:defRPr>
-                <a:solidFill>
-                  <a:schemeClr val="tx1">
-                    <a:tint val="75000"/>
-                  </a:schemeClr>
-                </a:solidFill>
-              </a:defRPr>
-            </a:lvl8pPr>
-            <a:lvl9pPr marL="3657600" indent="0" algn="ctr">
-              <a:buNone/>
-              <a:defRPr>
-                <a:solidFill>
-                  <a:schemeClr val="tx1">
-                    <a:tint val="75000"/>
-                  </a:schemeClr>
-                </a:solidFill>
-              </a:defRPr>
-            </a:lvl9pPr>
           </a:lstStyle>
           <a:p>
             <a:r>
-              <a:rPr lang="es-ES" smtClean="0"/>
-              <a:t>Haga clic para modificar el estilo de subtítulo del patrón</a:t>
-            </a:r>
-            <a:endParaRPr lang="es-ES"/>
-          </a:p>
-        </p:txBody>
-      </p:sp>
-      <p:sp>
-        <p:nvSpPr>
-          <p:cNvPr id="4" name="3 Marcador de fecha"/>
-          <p:cNvSpPr>
-            <a:spLocks noGrp="1"/>
-          </p:cNvSpPr>
-          <p:nvPr>
-            <p:ph type="dt" sz="half" idx="10"/>
-          </p:nvPr>
-        </p:nvSpPr>
-        <p:spPr/>
-        <p:txBody>
-          <a:bodyPr/>
-          <a:lstStyle/>
-          <a:p>
-            <a:fld id="{9E016143-E03C-4CFD-AFDC-14E5BDEA754C}" type="datetimeFigureOut">
-              <a:rPr lang="en-US" smtClean="0"/>
-              <a:t>5/26/2016</a:t>
-            </a:fld>
-            <a:endParaRPr lang="en-US" dirty="0"/>
-          </a:p>
-        </p:txBody>
-      </p:sp>
-      <p:sp>
-        <p:nvSpPr>
-          <p:cNvPr id="5" name="4 Marcador de pie de página"/>
-          <p:cNvSpPr>
-            <a:spLocks noGrp="1"/>
-          </p:cNvSpPr>
-          <p:nvPr>
-            <p:ph type="ftr" sz="quarter" idx="11"/>
-          </p:nvPr>
-        </p:nvSpPr>
-        <p:spPr/>
-        <p:txBody>
-          <a:bodyPr/>
-          <a:lstStyle/>
-          <a:p>
-            <a:endParaRPr lang="en-US" dirty="0"/>
-          </a:p>
-        </p:txBody>
-      </p:sp>
-      <p:sp>
-        <p:nvSpPr>
-          <p:cNvPr id="6" name="5 Marcador de número de diapositiva"/>
-          <p:cNvSpPr>
-            <a:spLocks noGrp="1"/>
-          </p:cNvSpPr>
-          <p:nvPr>
-            <p:ph type="sldNum" sz="quarter" idx="12"/>
-          </p:nvPr>
-        </p:nvSpPr>
-        <p:spPr/>
-        <p:txBody>
-          <a:bodyPr/>
-          <a:lstStyle/>
-          <a:p>
-            <a:fld id="{4FAB73BC-B049-4115-A692-8D63A059BFB8}" type="slidenum">
-              <a:rPr lang="en-US" smtClean="0"/>
-              <a:pPr/>
-              <a:t>‹Nº›</a:t>
-            </a:fld>
-            <a:endParaRPr lang="en-US" dirty="0"/>
+              <a:rPr kumimoji="0" lang="es-ES" smtClean="0"/>
+              <a:t>Haga clic para modificar el estilo de título del patrón</a:t>
+            </a:r>
+            <a:endParaRPr kumimoji="0" lang="en-US"/>
           </a:p>
         </p:txBody>
       </p:sp>
     </p:spTree>
-    <p:extLst>
-      <p:ext uri="{BB962C8B-B14F-4D97-AF65-F5344CB8AC3E}">
-        <p14:creationId xmlns:p14="http://schemas.microsoft.com/office/powerpoint/2010/main" val="718632376"/>
-      </p:ext>
-    </p:extLst>
   </p:cSld>
   <p:clrMapOvr>
-    <a:masterClrMapping/>
+    <a:overrideClrMapping bg1="lt1" tx1="dk1" bg2="lt2" tx2="dk2" accent1="accent1" accent2="accent2" accent3="accent3" accent4="accent4" accent5="accent5" accent6="accent6" hlink="hlink" folHlink="folHlink"/>
   </p:clrMapOvr>
 </p:sldLayout>
 </file>
@@ -398,10 +601,10 @@
           <a:lstStyle/>
           <a:p>
             <a:r>
-              <a:rPr lang="es-ES" smtClean="0"/>
+              <a:rPr kumimoji="0" lang="es-ES" smtClean="0"/>
               <a:t>Haga clic para modificar el estilo de título del patrón</a:t>
             </a:r>
-            <a:endParaRPr lang="es-ES"/>
+            <a:endParaRPr kumimoji="0" lang="en-US"/>
           </a:p>
         </p:txBody>
       </p:sp>
@@ -420,40 +623,40 @@
           <a:bodyPr vert="eaVert"/>
           <a:lstStyle/>
           <a:p>
-            <a:pPr lvl="0"/>
+            <a:pPr lvl="0" eaLnBrk="1" latinLnBrk="0" hangingPunct="1"/>
             <a:r>
               <a:rPr lang="es-ES" smtClean="0"/>
               <a:t>Haga clic para modificar el estilo de texto del patrón</a:t>
             </a:r>
           </a:p>
           <a:p>
-            <a:pPr lvl="1"/>
+            <a:pPr lvl="1" eaLnBrk="1" latinLnBrk="0" hangingPunct="1"/>
             <a:r>
               <a:rPr lang="es-ES" smtClean="0"/>
               <a:t>Segundo nivel</a:t>
             </a:r>
           </a:p>
           <a:p>
-            <a:pPr lvl="2"/>
+            <a:pPr lvl="2" eaLnBrk="1" latinLnBrk="0" hangingPunct="1"/>
             <a:r>
               <a:rPr lang="es-ES" smtClean="0"/>
               <a:t>Tercer nivel</a:t>
             </a:r>
           </a:p>
           <a:p>
-            <a:pPr lvl="3"/>
+            <a:pPr lvl="3" eaLnBrk="1" latinLnBrk="0" hangingPunct="1"/>
             <a:r>
               <a:rPr lang="es-ES" smtClean="0"/>
               <a:t>Cuarto nivel</a:t>
             </a:r>
           </a:p>
           <a:p>
-            <a:pPr lvl="4"/>
+            <a:pPr lvl="4" eaLnBrk="1" latinLnBrk="0" hangingPunct="1"/>
             <a:r>
               <a:rPr lang="es-ES" smtClean="0"/>
               <a:t>Quinto nivel</a:t>
             </a:r>
-            <a:endParaRPr lang="es-ES"/>
+            <a:endParaRPr kumimoji="0" lang="en-US"/>
           </a:p>
         </p:txBody>
       </p:sp>
@@ -474,7 +677,7 @@
           <a:p>
             <a:fld id="{C033E54A-A8CA-48C1-9504-691B58049D29}" type="datetimeFigureOut">
               <a:rPr lang="en-US" smtClean="0"/>
-              <a:t>5/26/2016</a:t>
+              <a:t>5/31/2016</a:t>
             </a:fld>
             <a:endParaRPr lang="en-US" dirty="0"/>
           </a:p>
@@ -523,11 +726,6 @@
         </p:txBody>
       </p:sp>
     </p:spTree>
-    <p:extLst>
-      <p:ext uri="{BB962C8B-B14F-4D97-AF65-F5344CB8AC3E}">
-        <p14:creationId xmlns:p14="http://schemas.microsoft.com/office/powerpoint/2010/main" val="760732172"/>
-      </p:ext>
-    </p:extLst>
   </p:cSld>
   <p:clrMapOvr>
     <a:masterClrMapping/>
@@ -564,8 +762,8 @@
         </p:nvSpPr>
         <p:spPr>
           <a:xfrm>
-            <a:off x="8839200" y="274639"/>
-            <a:ext cx="2743200" cy="5851525"/>
+            <a:off x="8839200" y="274642"/>
+            <a:ext cx="2682240" cy="5851525"/>
           </a:xfrm>
         </p:spPr>
         <p:txBody>
@@ -573,10 +771,10 @@
           <a:lstStyle/>
           <a:p>
             <a:r>
-              <a:rPr lang="es-ES" smtClean="0"/>
+              <a:rPr kumimoji="0" lang="es-ES" smtClean="0"/>
               <a:t>Haga clic para modificar el estilo de título del patrón</a:t>
             </a:r>
-            <a:endParaRPr lang="es-ES"/>
+            <a:endParaRPr kumimoji="0" lang="en-US"/>
           </a:p>
         </p:txBody>
       </p:sp>
@@ -592,48 +790,48 @@
         </p:nvSpPr>
         <p:spPr>
           <a:xfrm>
-            <a:off x="609600" y="274639"/>
-            <a:ext cx="8026400" cy="5851525"/>
+            <a:off x="1219200" y="274641"/>
+            <a:ext cx="7416800" cy="5851525"/>
           </a:xfrm>
         </p:spPr>
         <p:txBody>
           <a:bodyPr vert="eaVert"/>
           <a:lstStyle/>
           <a:p>
-            <a:pPr lvl="0"/>
+            <a:pPr lvl="0" eaLnBrk="1" latinLnBrk="0" hangingPunct="1"/>
             <a:r>
               <a:rPr lang="es-ES" smtClean="0"/>
               <a:t>Haga clic para modificar el estilo de texto del patrón</a:t>
             </a:r>
           </a:p>
           <a:p>
-            <a:pPr lvl="1"/>
+            <a:pPr lvl="1" eaLnBrk="1" latinLnBrk="0" hangingPunct="1"/>
             <a:r>
               <a:rPr lang="es-ES" smtClean="0"/>
               <a:t>Segundo nivel</a:t>
             </a:r>
           </a:p>
           <a:p>
-            <a:pPr lvl="2"/>
+            <a:pPr lvl="2" eaLnBrk="1" latinLnBrk="0" hangingPunct="1"/>
             <a:r>
               <a:rPr lang="es-ES" smtClean="0"/>
               <a:t>Tercer nivel</a:t>
             </a:r>
           </a:p>
           <a:p>
-            <a:pPr lvl="3"/>
+            <a:pPr lvl="3" eaLnBrk="1" latinLnBrk="0" hangingPunct="1"/>
             <a:r>
               <a:rPr lang="es-ES" smtClean="0"/>
               <a:t>Cuarto nivel</a:t>
             </a:r>
           </a:p>
           <a:p>
-            <a:pPr lvl="4"/>
+            <a:pPr lvl="4" eaLnBrk="1" latinLnBrk="0" hangingPunct="1"/>
             <a:r>
               <a:rPr lang="es-ES" smtClean="0"/>
               <a:t>Quinto nivel</a:t>
             </a:r>
-            <a:endParaRPr lang="es-ES"/>
+            <a:endParaRPr kumimoji="0" lang="en-US"/>
           </a:p>
         </p:txBody>
       </p:sp>
@@ -654,7 +852,7 @@
           <a:p>
             <a:fld id="{B5F6C806-BBF7-471C-9527-881CE2266695}" type="datetimeFigureOut">
               <a:rPr lang="en-US" smtClean="0"/>
-              <a:t>5/26/2016</a:t>
+              <a:t>5/31/2016</a:t>
             </a:fld>
             <a:endParaRPr lang="en-US" dirty="0"/>
           </a:p>
@@ -703,11 +901,6 @@
         </p:txBody>
       </p:sp>
     </p:spTree>
-    <p:extLst>
-      <p:ext uri="{BB962C8B-B14F-4D97-AF65-F5344CB8AC3E}">
-        <p14:creationId xmlns:p14="http://schemas.microsoft.com/office/powerpoint/2010/main" val="1809792826"/>
-      </p:ext>
-    </p:extLst>
   </p:cSld>
   <p:clrMapOvr>
     <a:masterClrMapping/>
@@ -748,62 +941,10 @@
           <a:lstStyle/>
           <a:p>
             <a:r>
-              <a:rPr lang="es-ES" smtClean="0"/>
+              <a:rPr kumimoji="0" lang="es-ES" smtClean="0"/>
               <a:t>Haga clic para modificar el estilo de título del patrón</a:t>
             </a:r>
-            <a:endParaRPr lang="es-ES"/>
-          </a:p>
-        </p:txBody>
-      </p:sp>
-      <p:sp>
-        <p:nvSpPr>
-          <p:cNvPr id="3" name="2 Marcador de contenido"/>
-          <p:cNvSpPr>
-            <a:spLocks noGrp="1"/>
-          </p:cNvSpPr>
-          <p:nvPr>
-            <p:ph idx="1"/>
-          </p:nvPr>
-        </p:nvSpPr>
-        <p:spPr/>
-        <p:txBody>
-          <a:bodyPr/>
-          <a:lstStyle/>
-          <a:p>
-            <a:pPr lvl="0"/>
-            <a:r>
-              <a:rPr lang="es-ES" smtClean="0"/>
-              <a:t>Haga clic para modificar el estilo de texto del patrón</a:t>
-            </a:r>
-          </a:p>
-          <a:p>
-            <a:pPr lvl="1"/>
-            <a:r>
-              <a:rPr lang="es-ES" smtClean="0"/>
-              <a:t>Segundo nivel</a:t>
-            </a:r>
-          </a:p>
-          <a:p>
-            <a:pPr lvl="2"/>
-            <a:r>
-              <a:rPr lang="es-ES" smtClean="0"/>
-              <a:t>Tercer nivel</a:t>
-            </a:r>
-          </a:p>
-          <a:p>
-            <a:pPr lvl="3"/>
-            <a:r>
-              <a:rPr lang="es-ES" smtClean="0"/>
-              <a:t>Cuarto nivel</a:t>
-            </a:r>
-          </a:p>
-          <a:p>
-            <a:pPr lvl="4"/>
-            <a:r>
-              <a:rPr lang="es-ES" smtClean="0"/>
-              <a:t>Quinto nivel</a:t>
-            </a:r>
-            <a:endParaRPr lang="es-ES"/>
+            <a:endParaRPr kumimoji="0" lang="en-US"/>
           </a:p>
         </p:txBody>
       </p:sp>
@@ -824,7 +965,7 @@
           <a:p>
             <a:fld id="{78C94063-DF36-4330-A365-08DA1FA5B7D6}" type="datetimeFigureOut">
               <a:rPr lang="en-US" smtClean="0"/>
-              <a:t>5/26/2016</a:t>
+              <a:t>5/31/2016</a:t>
             </a:fld>
             <a:endParaRPr lang="en-US" dirty="0"/>
           </a:p>
@@ -872,12 +1013,64 @@
           </a:p>
         </p:txBody>
       </p:sp>
+      <p:sp>
+        <p:nvSpPr>
+          <p:cNvPr id="8" name="7 Marcador de contenido"/>
+          <p:cNvSpPr>
+            <a:spLocks noGrp="1"/>
+          </p:cNvSpPr>
+          <p:nvPr>
+            <p:ph sz="quarter" idx="1"/>
+          </p:nvPr>
+        </p:nvSpPr>
+        <p:spPr>
+          <a:xfrm>
+            <a:off x="1219200" y="1447800"/>
+            <a:ext cx="10363200" cy="4572000"/>
+          </a:xfrm>
+        </p:spPr>
+        <p:txBody>
+          <a:bodyPr vert="horz"/>
+          <a:lstStyle/>
+          <a:p>
+            <a:pPr lvl="0" eaLnBrk="1" latinLnBrk="0" hangingPunct="1"/>
+            <a:r>
+              <a:rPr lang="es-ES" smtClean="0"/>
+              <a:t>Haga clic para modificar el estilo de texto del patrón</a:t>
+            </a:r>
+          </a:p>
+          <a:p>
+            <a:pPr lvl="1" eaLnBrk="1" latinLnBrk="0" hangingPunct="1"/>
+            <a:r>
+              <a:rPr lang="es-ES" smtClean="0"/>
+              <a:t>Segundo nivel</a:t>
+            </a:r>
+          </a:p>
+          <a:p>
+            <a:pPr lvl="2" eaLnBrk="1" latinLnBrk="0" hangingPunct="1"/>
+            <a:r>
+              <a:rPr lang="es-ES" smtClean="0"/>
+              <a:t>Tercer nivel</a:t>
+            </a:r>
+          </a:p>
+          <a:p>
+            <a:pPr lvl="3" eaLnBrk="1" latinLnBrk="0" hangingPunct="1"/>
+            <a:r>
+              <a:rPr lang="es-ES" smtClean="0"/>
+              <a:t>Cuarto nivel</a:t>
+            </a:r>
+          </a:p>
+          <a:p>
+            <a:pPr lvl="4" eaLnBrk="1" latinLnBrk="0" hangingPunct="1"/>
+            <a:r>
+              <a:rPr lang="es-ES" smtClean="0"/>
+              <a:t>Quinto nivel</a:t>
+            </a:r>
+            <a:endParaRPr kumimoji="0" lang="en-US"/>
+          </a:p>
+        </p:txBody>
+      </p:sp>
     </p:spTree>
-    <p:extLst>
-      <p:ext uri="{BB962C8B-B14F-4D97-AF65-F5344CB8AC3E}">
-        <p14:creationId xmlns:p14="http://schemas.microsoft.com/office/powerpoint/2010/main" val="3632752816"/>
-      </p:ext>
-    </p:extLst>
   </p:cSld>
   <p:clrMapOvr>
     <a:masterClrMapping/>
@@ -886,8 +1079,13 @@
 </file>
 
 <file path=ppt/slideLayouts/slideLayout3.xml><?xml version="1.0" encoding="utf-8"?>
-<p:sldLayout xmlns:a="http://schemas.openxmlformats.org/drawingml/2006/main" xmlns:r="http://schemas.openxmlformats.org/officeDocument/2006/relationships" xmlns:p="http://schemas.openxmlformats.org/presentationml/2006/main" type="secHead" preserve="1">
+<p:sldLayout xmlns:a="http://schemas.openxmlformats.org/drawingml/2006/main" xmlns:r="http://schemas.openxmlformats.org/officeDocument/2006/relationships" xmlns:p="http://schemas.openxmlformats.org/presentationml/2006/main" showMasterSp="0" type="secHead" preserve="1">
   <p:cSld name="Encabezado de sección">
+    <p:bg>
+      <p:bgRef idx="1003">
+        <a:schemeClr val="bg1"/>
+      </p:bgRef>
+    </p:bg>
     <p:spTree>
       <p:nvGrpSpPr>
         <p:cNvPr id="1" name=""/>
@@ -904,6 +1102,100 @@
       </p:grpSpPr>
       <p:sp>
         <p:nvSpPr>
+          <p:cNvPr id="11" name="10 Rectángulo"/>
+          <p:cNvSpPr/>
+          <p:nvPr/>
+        </p:nvSpPr>
+        <p:spPr>
+          <a:xfrm>
+            <a:off x="0" y="0"/>
+            <a:ext cx="12192000" cy="6858000"/>
+          </a:xfrm>
+          <a:prstGeom prst="rect">
+            <a:avLst/>
+          </a:prstGeom>
+          <a:solidFill>
+            <a:srgbClr val="FFFFFF"/>
+          </a:solidFill>
+          <a:ln w="12700" cap="flat" cmpd="sng" algn="ctr">
+            <a:noFill/>
+            <a:prstDash val="solid"/>
+          </a:ln>
+        </p:spPr>
+        <p:style>
+          <a:lnRef idx="2">
+            <a:schemeClr val="accent1"/>
+          </a:lnRef>
+          <a:fillRef idx="1">
+            <a:schemeClr val="accent1"/>
+          </a:fillRef>
+          <a:effectRef idx="0">
+            <a:schemeClr val="accent1"/>
+          </a:effectRef>
+          <a:fontRef idx="minor">
+            <a:schemeClr val="lt1"/>
+          </a:fontRef>
+        </p:style>
+        <p:txBody>
+          <a:bodyPr rtlCol="0" anchor="ctr"/>
+          <a:lstStyle/>
+          <a:p>
+            <a:pPr algn="ctr" eaLnBrk="1" latinLnBrk="0" hangingPunct="1"/>
+            <a:endParaRPr kumimoji="0" lang="en-US"/>
+          </a:p>
+        </p:txBody>
+      </p:sp>
+      <p:sp useBgFill="1">
+        <p:nvSpPr>
+          <p:cNvPr id="10" name="9 Rectángulo redondeado"/>
+          <p:cNvSpPr/>
+          <p:nvPr/>
+        </p:nvSpPr>
+        <p:spPr>
+          <a:xfrm>
+            <a:off x="87084" y="69756"/>
+            <a:ext cx="12017829" cy="6692201"/>
+          </a:xfrm>
+          <a:prstGeom prst="roundRect">
+            <a:avLst>
+              <a:gd name="adj" fmla="val 4929"/>
+            </a:avLst>
+          </a:prstGeom>
+          <a:ln w="6350" cap="sq" cmpd="sng" algn="ctr">
+            <a:solidFill>
+              <a:schemeClr val="tx1">
+                <a:alpha val="100000"/>
+              </a:schemeClr>
+            </a:solidFill>
+            <a:prstDash val="solid"/>
+          </a:ln>
+          <a:effectLst/>
+        </p:spPr>
+        <p:style>
+          <a:lnRef idx="3">
+            <a:schemeClr val="lt1"/>
+          </a:lnRef>
+          <a:fillRef idx="1003">
+            <a:schemeClr val="lt1"/>
+          </a:fillRef>
+          <a:effectRef idx="1">
+            <a:schemeClr val="accent1"/>
+          </a:effectRef>
+          <a:fontRef idx="minor">
+            <a:schemeClr val="lt1"/>
+          </a:fontRef>
+        </p:style>
+        <p:txBody>
+          <a:bodyPr anchor="ctr"/>
+          <a:lstStyle/>
+          <a:p>
+            <a:pPr algn="ctr" eaLnBrk="1" latinLnBrk="0" hangingPunct="1"/>
+            <a:endParaRPr kumimoji="0" lang="en-US"/>
+          </a:p>
+        </p:txBody>
+      </p:sp>
+      <p:sp>
+        <p:nvSpPr>
           <p:cNvPr id="2" name="1 Título"/>
           <p:cNvSpPr>
             <a:spLocks noGrp="1"/>
@@ -914,23 +1206,24 @@
         </p:nvSpPr>
         <p:spPr>
           <a:xfrm>
-            <a:off x="963084" y="4406901"/>
+            <a:off x="963084" y="952501"/>
             <a:ext cx="10363200" cy="1362075"/>
           </a:xfrm>
         </p:spPr>
         <p:txBody>
-          <a:bodyPr anchor="t"/>
+          <a:bodyPr anchor="b" anchorCtr="0"/>
           <a:lstStyle>
             <a:lvl1pPr algn="l">
-              <a:defRPr sz="4000" b="1" cap="all"/>
+              <a:buNone/>
+              <a:defRPr sz="4000" b="0" cap="none"/>
             </a:lvl1pPr>
           </a:lstStyle>
           <a:p>
             <a:r>
-              <a:rPr lang="es-ES" smtClean="0"/>
+              <a:rPr kumimoji="0" lang="es-ES" smtClean="0"/>
               <a:t>Haga clic para modificar el estilo de título del patrón</a:t>
             </a:r>
-            <a:endParaRPr lang="es-ES"/>
+            <a:endParaRPr kumimoji="0" lang="en-US"/>
           </a:p>
         </p:txBody>
       </p:sp>
@@ -946,16 +1239,16 @@
         </p:nvSpPr>
         <p:spPr>
           <a:xfrm>
-            <a:off x="963084" y="2906713"/>
-            <a:ext cx="10363200" cy="1500187"/>
+            <a:off x="963084" y="2547938"/>
+            <a:ext cx="10363200" cy="1338262"/>
           </a:xfrm>
         </p:spPr>
         <p:txBody>
-          <a:bodyPr anchor="b"/>
+          <a:bodyPr anchor="t" anchorCtr="0"/>
           <a:lstStyle>
             <a:lvl1pPr marL="0" indent="0">
               <a:buNone/>
-              <a:defRPr sz="2000">
+              <a:defRPr sz="2400">
                 <a:solidFill>
                   <a:schemeClr val="tx1">
                     <a:tint val="75000"/>
@@ -963,7 +1256,7 @@
                 </a:solidFill>
               </a:defRPr>
             </a:lvl1pPr>
-            <a:lvl2pPr marL="457200" indent="0">
+            <a:lvl2pPr>
               <a:buNone/>
               <a:defRPr sz="1800">
                 <a:solidFill>
@@ -973,7 +1266,7 @@
                 </a:solidFill>
               </a:defRPr>
             </a:lvl2pPr>
-            <a:lvl3pPr marL="914400" indent="0">
+            <a:lvl3pPr>
               <a:buNone/>
               <a:defRPr sz="1600">
                 <a:solidFill>
@@ -983,7 +1276,7 @@
                 </a:solidFill>
               </a:defRPr>
             </a:lvl3pPr>
-            <a:lvl4pPr marL="1371600" indent="0">
+            <a:lvl4pPr>
               <a:buNone/>
               <a:defRPr sz="1400">
                 <a:solidFill>
@@ -993,7 +1286,7 @@
                 </a:solidFill>
               </a:defRPr>
             </a:lvl4pPr>
-            <a:lvl5pPr marL="1828800" indent="0">
+            <a:lvl5pPr>
               <a:buNone/>
               <a:defRPr sz="1400">
                 <a:solidFill>
@@ -1003,51 +1296,11 @@
                 </a:solidFill>
               </a:defRPr>
             </a:lvl5pPr>
-            <a:lvl6pPr marL="2286000" indent="0">
-              <a:buNone/>
-              <a:defRPr sz="1400">
-                <a:solidFill>
-                  <a:schemeClr val="tx1">
-                    <a:tint val="75000"/>
-                  </a:schemeClr>
-                </a:solidFill>
-              </a:defRPr>
-            </a:lvl6pPr>
-            <a:lvl7pPr marL="2743200" indent="0">
-              <a:buNone/>
-              <a:defRPr sz="1400">
-                <a:solidFill>
-                  <a:schemeClr val="tx1">
-                    <a:tint val="75000"/>
-                  </a:schemeClr>
-                </a:solidFill>
-              </a:defRPr>
-            </a:lvl7pPr>
-            <a:lvl8pPr marL="3200400" indent="0">
-              <a:buNone/>
-              <a:defRPr sz="1400">
-                <a:solidFill>
-                  <a:schemeClr val="tx1">
-                    <a:tint val="75000"/>
-                  </a:schemeClr>
-                </a:solidFill>
-              </a:defRPr>
-            </a:lvl8pPr>
-            <a:lvl9pPr marL="3657600" indent="0">
-              <a:buNone/>
-              <a:defRPr sz="1400">
-                <a:solidFill>
-                  <a:schemeClr val="tx1">
-                    <a:tint val="75000"/>
-                  </a:schemeClr>
-                </a:solidFill>
-              </a:defRPr>
-            </a:lvl9pPr>
           </a:lstStyle>
           <a:p>
-            <a:pPr lvl="0"/>
-            <a:r>
-              <a:rPr lang="es-ES" smtClean="0"/>
+            <a:pPr lvl="0" eaLnBrk="1" latinLnBrk="0" hangingPunct="1"/>
+            <a:r>
+              <a:rPr kumimoji="0" lang="es-ES" smtClean="0"/>
               <a:t>Haga clic para modificar el estilo de texto del patrón</a:t>
             </a:r>
           </a:p>
@@ -1070,7 +1323,7 @@
           <a:p>
             <a:fld id="{908A7C6C-0F39-4D70-8E8D-FE5B9C95FA73}" type="datetimeFigureOut">
               <a:rPr lang="en-US" smtClean="0"/>
-              <a:t>5/26/2016</a:t>
+              <a:t>5/31/2016</a:t>
             </a:fld>
             <a:endParaRPr lang="en-US" dirty="0"/>
           </a:p>
@@ -1086,12 +1339,159 @@
             <p:ph type="ftr" sz="quarter" idx="11"/>
           </p:nvPr>
         </p:nvSpPr>
-        <p:spPr/>
+        <p:spPr>
+          <a:xfrm>
+            <a:off x="1066800" y="6172200"/>
+            <a:ext cx="5334000" cy="457200"/>
+          </a:xfrm>
+        </p:spPr>
         <p:txBody>
           <a:bodyPr/>
           <a:lstStyle/>
           <a:p>
             <a:endParaRPr lang="en-US" dirty="0"/>
+          </a:p>
+        </p:txBody>
+      </p:sp>
+      <p:sp>
+        <p:nvSpPr>
+          <p:cNvPr id="7" name="6 Rectángulo"/>
+          <p:cNvSpPr/>
+          <p:nvPr/>
+        </p:nvSpPr>
+        <p:spPr>
+          <a:xfrm flipV="1">
+            <a:off x="92550" y="2376830"/>
+            <a:ext cx="12018020" cy="91440"/>
+          </a:xfrm>
+          <a:prstGeom prst="rect">
+            <a:avLst/>
+          </a:prstGeom>
+          <a:solidFill>
+            <a:schemeClr val="accent1">
+              <a:alpha val="100000"/>
+            </a:schemeClr>
+          </a:solidFill>
+          <a:ln w="19050" cap="sq" cmpd="sng" algn="ctr">
+            <a:noFill/>
+            <a:prstDash val="solid"/>
+          </a:ln>
+          <a:effectLst/>
+        </p:spPr>
+        <p:style>
+          <a:lnRef idx="3">
+            <a:schemeClr val="lt1"/>
+          </a:lnRef>
+          <a:fillRef idx="1">
+            <a:schemeClr val="accent1"/>
+          </a:fillRef>
+          <a:effectRef idx="1">
+            <a:schemeClr val="accent1"/>
+          </a:effectRef>
+          <a:fontRef idx="minor">
+            <a:schemeClr val="lt1"/>
+          </a:fontRef>
+        </p:style>
+        <p:txBody>
+          <a:bodyPr anchor="ctr"/>
+          <a:lstStyle/>
+          <a:p>
+            <a:pPr algn="ctr" eaLnBrk="1" latinLnBrk="0" hangingPunct="1"/>
+            <a:endParaRPr kumimoji="0" lang="en-US"/>
+          </a:p>
+        </p:txBody>
+      </p:sp>
+      <p:sp>
+        <p:nvSpPr>
+          <p:cNvPr id="8" name="7 Rectángulo"/>
+          <p:cNvSpPr/>
+          <p:nvPr/>
+        </p:nvSpPr>
+        <p:spPr>
+          <a:xfrm>
+            <a:off x="92195" y="2341476"/>
+            <a:ext cx="12018375" cy="45719"/>
+          </a:xfrm>
+          <a:prstGeom prst="rect">
+            <a:avLst/>
+          </a:prstGeom>
+          <a:solidFill>
+            <a:schemeClr val="accent1">
+              <a:tint val="60000"/>
+            </a:schemeClr>
+          </a:solidFill>
+          <a:ln w="19050" cap="sq" cmpd="sng" algn="ctr">
+            <a:noFill/>
+            <a:prstDash val="solid"/>
+          </a:ln>
+          <a:effectLst/>
+        </p:spPr>
+        <p:style>
+          <a:lnRef idx="3">
+            <a:schemeClr val="lt1"/>
+          </a:lnRef>
+          <a:fillRef idx="1">
+            <a:schemeClr val="accent1"/>
+          </a:fillRef>
+          <a:effectRef idx="1">
+            <a:schemeClr val="accent1"/>
+          </a:effectRef>
+          <a:fontRef idx="minor">
+            <a:schemeClr val="lt1"/>
+          </a:fontRef>
+        </p:style>
+        <p:txBody>
+          <a:bodyPr anchor="ctr"/>
+          <a:lstStyle/>
+          <a:p>
+            <a:pPr algn="ctr" eaLnBrk="1" latinLnBrk="0" hangingPunct="1"/>
+            <a:endParaRPr kumimoji="0" lang="en-US"/>
+          </a:p>
+        </p:txBody>
+      </p:sp>
+      <p:sp>
+        <p:nvSpPr>
+          <p:cNvPr id="9" name="8 Rectángulo"/>
+          <p:cNvSpPr/>
+          <p:nvPr/>
+        </p:nvSpPr>
+        <p:spPr>
+          <a:xfrm>
+            <a:off x="91075" y="2468880"/>
+            <a:ext cx="12019495" cy="45720"/>
+          </a:xfrm>
+          <a:prstGeom prst="rect">
+            <a:avLst/>
+          </a:prstGeom>
+          <a:solidFill>
+            <a:schemeClr val="accent5"/>
+          </a:solidFill>
+          <a:ln w="19050" cap="sq" cmpd="sng" algn="ctr">
+            <a:noFill/>
+            <a:prstDash val="solid"/>
+          </a:ln>
+          <a:effectLst/>
+        </p:spPr>
+        <p:style>
+          <a:lnRef idx="3">
+            <a:schemeClr val="lt1"/>
+          </a:lnRef>
+          <a:fillRef idx="1">
+            <a:schemeClr val="accent1"/>
+          </a:fillRef>
+          <a:effectRef idx="1">
+            <a:schemeClr val="accent1"/>
+          </a:effectRef>
+          <a:fontRef idx="minor">
+            <a:schemeClr val="lt1"/>
+          </a:fontRef>
+        </p:style>
+        <p:txBody>
+          <a:bodyPr anchor="ctr"/>
+          <a:lstStyle/>
+          <a:p>
+            <a:pPr algn="ctr" eaLnBrk="1" latinLnBrk="0" hangingPunct="1"/>
+            <a:endParaRPr kumimoji="0" lang="en-US"/>
           </a:p>
         </p:txBody>
       </p:sp>
@@ -1105,7 +1505,12 @@
             <p:ph type="sldNum" sz="quarter" idx="12"/>
           </p:nvPr>
         </p:nvSpPr>
-        <p:spPr/>
+        <p:spPr>
+          <a:xfrm>
+            <a:off x="195072" y="6208776"/>
+            <a:ext cx="609600" cy="457200"/>
+          </a:xfrm>
+        </p:spPr>
         <p:txBody>
           <a:bodyPr/>
           <a:lstStyle/>
@@ -1119,14 +1524,9 @@
         </p:txBody>
       </p:sp>
     </p:spTree>
-    <p:extLst>
-      <p:ext uri="{BB962C8B-B14F-4D97-AF65-F5344CB8AC3E}">
-        <p14:creationId xmlns:p14="http://schemas.microsoft.com/office/powerpoint/2010/main" val="441869675"/>
-      </p:ext>
-    </p:extLst>
   </p:cSld>
   <p:clrMapOvr>
-    <a:masterClrMapping/>
+    <a:overrideClrMapping bg1="lt1" tx1="dk1" bg2="lt2" tx2="dk2" accent1="accent1" accent2="accent2" accent3="accent3" accent4="accent4" accent5="accent5" accent6="accent6" hlink="hlink" folHlink="folHlink"/>
   </p:clrMapOvr>
 </p:sldLayout>
 </file>
@@ -1164,180 +1564,10 @@
           <a:lstStyle/>
           <a:p>
             <a:r>
-              <a:rPr lang="es-ES" smtClean="0"/>
+              <a:rPr kumimoji="0" lang="es-ES" smtClean="0"/>
               <a:t>Haga clic para modificar el estilo de título del patrón</a:t>
             </a:r>
-            <a:endParaRPr lang="es-ES"/>
-          </a:p>
-        </p:txBody>
-      </p:sp>
-      <p:sp>
-        <p:nvSpPr>
-          <p:cNvPr id="3" name="2 Marcador de contenido"/>
-          <p:cNvSpPr>
-            <a:spLocks noGrp="1"/>
-          </p:cNvSpPr>
-          <p:nvPr>
-            <p:ph sz="half" idx="1"/>
-          </p:nvPr>
-        </p:nvSpPr>
-        <p:spPr>
-          <a:xfrm>
-            <a:off x="609600" y="1600201"/>
-            <a:ext cx="5384800" cy="4525963"/>
-          </a:xfrm>
-        </p:spPr>
-        <p:txBody>
-          <a:bodyPr/>
-          <a:lstStyle>
-            <a:lvl1pPr>
-              <a:defRPr sz="2800"/>
-            </a:lvl1pPr>
-            <a:lvl2pPr>
-              <a:defRPr sz="2400"/>
-            </a:lvl2pPr>
-            <a:lvl3pPr>
-              <a:defRPr sz="2000"/>
-            </a:lvl3pPr>
-            <a:lvl4pPr>
-              <a:defRPr sz="1800"/>
-            </a:lvl4pPr>
-            <a:lvl5pPr>
-              <a:defRPr sz="1800"/>
-            </a:lvl5pPr>
-            <a:lvl6pPr>
-              <a:defRPr sz="1800"/>
-            </a:lvl6pPr>
-            <a:lvl7pPr>
-              <a:defRPr sz="1800"/>
-            </a:lvl7pPr>
-            <a:lvl8pPr>
-              <a:defRPr sz="1800"/>
-            </a:lvl8pPr>
-            <a:lvl9pPr>
-              <a:defRPr sz="1800"/>
-            </a:lvl9pPr>
-          </a:lstStyle>
-          <a:p>
-            <a:pPr lvl="0"/>
-            <a:r>
-              <a:rPr lang="es-ES" smtClean="0"/>
-              <a:t>Haga clic para modificar el estilo de texto del patrón</a:t>
-            </a:r>
-          </a:p>
-          <a:p>
-            <a:pPr lvl="1"/>
-            <a:r>
-              <a:rPr lang="es-ES" smtClean="0"/>
-              <a:t>Segundo nivel</a:t>
-            </a:r>
-          </a:p>
-          <a:p>
-            <a:pPr lvl="2"/>
-            <a:r>
-              <a:rPr lang="es-ES" smtClean="0"/>
-              <a:t>Tercer nivel</a:t>
-            </a:r>
-          </a:p>
-          <a:p>
-            <a:pPr lvl="3"/>
-            <a:r>
-              <a:rPr lang="es-ES" smtClean="0"/>
-              <a:t>Cuarto nivel</a:t>
-            </a:r>
-          </a:p>
-          <a:p>
-            <a:pPr lvl="4"/>
-            <a:r>
-              <a:rPr lang="es-ES" smtClean="0"/>
-              <a:t>Quinto nivel</a:t>
-            </a:r>
-            <a:endParaRPr lang="es-ES"/>
-          </a:p>
-        </p:txBody>
-      </p:sp>
-      <p:sp>
-        <p:nvSpPr>
-          <p:cNvPr id="4" name="3 Marcador de contenido"/>
-          <p:cNvSpPr>
-            <a:spLocks noGrp="1"/>
-          </p:cNvSpPr>
-          <p:nvPr>
-            <p:ph sz="half" idx="2"/>
-          </p:nvPr>
-        </p:nvSpPr>
-        <p:spPr>
-          <a:xfrm>
-            <a:off x="6197600" y="1600201"/>
-            <a:ext cx="5384800" cy="4525963"/>
-          </a:xfrm>
-        </p:spPr>
-        <p:txBody>
-          <a:bodyPr/>
-          <a:lstStyle>
-            <a:lvl1pPr>
-              <a:defRPr sz="2800"/>
-            </a:lvl1pPr>
-            <a:lvl2pPr>
-              <a:defRPr sz="2400"/>
-            </a:lvl2pPr>
-            <a:lvl3pPr>
-              <a:defRPr sz="2000"/>
-            </a:lvl3pPr>
-            <a:lvl4pPr>
-              <a:defRPr sz="1800"/>
-            </a:lvl4pPr>
-            <a:lvl5pPr>
-              <a:defRPr sz="1800"/>
-            </a:lvl5pPr>
-            <a:lvl6pPr>
-              <a:defRPr sz="1800"/>
-            </a:lvl6pPr>
-            <a:lvl7pPr>
-              <a:defRPr sz="1800"/>
-            </a:lvl7pPr>
-            <a:lvl8pPr>
-              <a:defRPr sz="1800"/>
-            </a:lvl8pPr>
-            <a:lvl9pPr>
-              <a:defRPr sz="1800"/>
-            </a:lvl9pPr>
-          </a:lstStyle>
-          <a:p>
-            <a:pPr lvl="0"/>
-            <a:r>
-              <a:rPr lang="es-ES" smtClean="0"/>
-              <a:t>Haga clic para modificar el estilo de texto del patrón</a:t>
-            </a:r>
-          </a:p>
-          <a:p>
-            <a:pPr lvl="1"/>
-            <a:r>
-              <a:rPr lang="es-ES" smtClean="0"/>
-              <a:t>Segundo nivel</a:t>
-            </a:r>
-          </a:p>
-          <a:p>
-            <a:pPr lvl="2"/>
-            <a:r>
-              <a:rPr lang="es-ES" smtClean="0"/>
-              <a:t>Tercer nivel</a:t>
-            </a:r>
-          </a:p>
-          <a:p>
-            <a:pPr lvl="3"/>
-            <a:r>
-              <a:rPr lang="es-ES" smtClean="0"/>
-              <a:t>Cuarto nivel</a:t>
-            </a:r>
-          </a:p>
-          <a:p>
-            <a:pPr lvl="4"/>
-            <a:r>
-              <a:rPr lang="es-ES" smtClean="0"/>
-              <a:t>Quinto nivel</a:t>
-            </a:r>
-            <a:endParaRPr lang="es-ES"/>
+            <a:endParaRPr kumimoji="0" lang="en-US"/>
           </a:p>
         </p:txBody>
       </p:sp>
@@ -1358,7 +1588,7 @@
           <a:p>
             <a:fld id="{DFCFA4AC-08CC-42CE-BD01-C191750A04EC}" type="datetimeFigureOut">
               <a:rPr lang="en-US" smtClean="0"/>
-              <a:t>5/26/2016</a:t>
+              <a:t>5/31/2016</a:t>
             </a:fld>
             <a:endParaRPr lang="en-US" dirty="0"/>
           </a:p>
@@ -1406,12 +1636,121 @@
           </a:p>
         </p:txBody>
       </p:sp>
+      <p:sp>
+        <p:nvSpPr>
+          <p:cNvPr id="9" name="8 Marcador de contenido"/>
+          <p:cNvSpPr>
+            <a:spLocks noGrp="1"/>
+          </p:cNvSpPr>
+          <p:nvPr>
+            <p:ph sz="quarter" idx="1"/>
+          </p:nvPr>
+        </p:nvSpPr>
+        <p:spPr>
+          <a:xfrm>
+            <a:off x="1219200" y="1447800"/>
+            <a:ext cx="4998720" cy="4572000"/>
+          </a:xfrm>
+        </p:spPr>
+        <p:txBody>
+          <a:bodyPr vert="horz"/>
+          <a:lstStyle/>
+          <a:p>
+            <a:pPr lvl="0" eaLnBrk="1" latinLnBrk="0" hangingPunct="1"/>
+            <a:r>
+              <a:rPr lang="es-ES" smtClean="0"/>
+              <a:t>Haga clic para modificar el estilo de texto del patrón</a:t>
+            </a:r>
+          </a:p>
+          <a:p>
+            <a:pPr lvl="1" eaLnBrk="1" latinLnBrk="0" hangingPunct="1"/>
+            <a:r>
+              <a:rPr lang="es-ES" smtClean="0"/>
+              <a:t>Segundo nivel</a:t>
+            </a:r>
+          </a:p>
+          <a:p>
+            <a:pPr lvl="2" eaLnBrk="1" latinLnBrk="0" hangingPunct="1"/>
+            <a:r>
+              <a:rPr lang="es-ES" smtClean="0"/>
+              <a:t>Tercer nivel</a:t>
+            </a:r>
+          </a:p>
+          <a:p>
+            <a:pPr lvl="3" eaLnBrk="1" latinLnBrk="0" hangingPunct="1"/>
+            <a:r>
+              <a:rPr lang="es-ES" smtClean="0"/>
+              <a:t>Cuarto nivel</a:t>
+            </a:r>
+          </a:p>
+          <a:p>
+            <a:pPr lvl="4" eaLnBrk="1" latinLnBrk="0" hangingPunct="1"/>
+            <a:r>
+              <a:rPr lang="es-ES" smtClean="0"/>
+              <a:t>Quinto nivel</a:t>
+            </a:r>
+            <a:endParaRPr kumimoji="0" lang="en-US"/>
+          </a:p>
+        </p:txBody>
+      </p:sp>
+      <p:sp>
+        <p:nvSpPr>
+          <p:cNvPr id="11" name="10 Marcador de contenido"/>
+          <p:cNvSpPr>
+            <a:spLocks noGrp="1"/>
+          </p:cNvSpPr>
+          <p:nvPr>
+            <p:ph sz="quarter" idx="2"/>
+          </p:nvPr>
+        </p:nvSpPr>
+        <p:spPr>
+          <a:xfrm>
+            <a:off x="6578600" y="1447800"/>
+            <a:ext cx="4998720" cy="4572000"/>
+          </a:xfrm>
+        </p:spPr>
+        <p:txBody>
+          <a:bodyPr vert="horz"/>
+          <a:lstStyle/>
+          <a:p>
+            <a:pPr lvl="0" eaLnBrk="1" latinLnBrk="0" hangingPunct="1"/>
+            <a:r>
+              <a:rPr lang="es-ES" smtClean="0"/>
+              <a:t>Haga clic para modificar el estilo de texto del patrón</a:t>
+            </a:r>
+          </a:p>
+          <a:p>
+            <a:pPr lvl="1" eaLnBrk="1" latinLnBrk="0" hangingPunct="1"/>
+            <a:r>
+              <a:rPr lang="es-ES" smtClean="0"/>
+              <a:t>Segundo nivel</a:t>
+            </a:r>
+          </a:p>
+          <a:p>
+            <a:pPr lvl="2" eaLnBrk="1" latinLnBrk="0" hangingPunct="1"/>
+            <a:r>
+              <a:rPr lang="es-ES" smtClean="0"/>
+              <a:t>Tercer nivel</a:t>
+            </a:r>
+          </a:p>
+          <a:p>
+            <a:pPr lvl="3" eaLnBrk="1" latinLnBrk="0" hangingPunct="1"/>
+            <a:r>
+              <a:rPr lang="es-ES" smtClean="0"/>
+              <a:t>Cuarto nivel</a:t>
+            </a:r>
+          </a:p>
+          <a:p>
+            <a:pPr lvl="4" eaLnBrk="1" latinLnBrk="0" hangingPunct="1"/>
+            <a:r>
+              <a:rPr lang="es-ES" smtClean="0"/>
+              <a:t>Quinto nivel</a:t>
+            </a:r>
+            <a:endParaRPr kumimoji="0" lang="en-US"/>
+          </a:p>
+        </p:txBody>
+      </p:sp>
     </p:spTree>
-    <p:extLst>
-      <p:ext uri="{BB962C8B-B14F-4D97-AF65-F5344CB8AC3E}">
-        <p14:creationId xmlns:p14="http://schemas.microsoft.com/office/powerpoint/2010/main" val="248393348"/>
-      </p:ext>
-    </p:extLst>
   </p:cSld>
   <p:clrMapOvr>
     <a:masterClrMapping/>
@@ -1446,9 +1785,14 @@
             <p:ph type="title"/>
           </p:nvPr>
         </p:nvSpPr>
-        <p:spPr/>
-        <p:txBody>
-          <a:bodyPr/>
+        <p:spPr>
+          <a:xfrm>
+            <a:off x="1219200" y="273050"/>
+            <a:ext cx="10363200" cy="1143000"/>
+          </a:xfrm>
+        </p:spPr>
+        <p:txBody>
+          <a:bodyPr anchor="b" anchorCtr="0"/>
           <a:lstStyle>
             <a:lvl1pPr>
               <a:defRPr/>
@@ -1456,10 +1800,10 @@
           </a:lstStyle>
           <a:p>
             <a:r>
-              <a:rPr lang="es-ES" smtClean="0"/>
+              <a:rPr kumimoji="0" lang="es-ES" smtClean="0"/>
               <a:t>Haga clic para modificar el estilo de título del patrón</a:t>
             </a:r>
-            <a:endParaRPr lang="es-ES"/>
+            <a:endParaRPr kumimoji="0" lang="en-US"/>
           </a:p>
         </p:txBody>
       </p:sp>
@@ -1475,54 +1819,52 @@
         </p:nvSpPr>
         <p:spPr>
           <a:xfrm>
-            <a:off x="609600" y="1535113"/>
-            <a:ext cx="5386917" cy="639762"/>
+            <a:off x="1219200" y="1447800"/>
+            <a:ext cx="4978400" cy="762000"/>
           </a:xfrm>
+          <a:noFill/>
+          <a:ln w="12700" cap="sq" cmpd="sng" algn="ctr">
+            <a:noFill/>
+            <a:prstDash val="solid"/>
+          </a:ln>
         </p:spPr>
         <p:txBody>
-          <a:bodyPr anchor="b"/>
+          <a:bodyPr lIns="91440" anchor="b" anchorCtr="0">
+            <a:noAutofit/>
+          </a:bodyPr>
           <a:lstStyle>
             <a:lvl1pPr marL="0" indent="0">
               <a:buNone/>
-              <a:defRPr sz="2400" b="1"/>
+              <a:defRPr sz="2400" b="1">
+                <a:solidFill>
+                  <a:schemeClr val="accent1"/>
+                </a:solidFill>
+                <a:latin typeface="+mj-lt"/>
+                <a:ea typeface="+mj-ea"/>
+                <a:cs typeface="+mj-cs"/>
+              </a:defRPr>
             </a:lvl1pPr>
-            <a:lvl2pPr marL="457200" indent="0">
+            <a:lvl2pPr>
               <a:buNone/>
               <a:defRPr sz="2000" b="1"/>
             </a:lvl2pPr>
-            <a:lvl3pPr marL="914400" indent="0">
+            <a:lvl3pPr>
               <a:buNone/>
               <a:defRPr sz="1800" b="1"/>
             </a:lvl3pPr>
-            <a:lvl4pPr marL="1371600" indent="0">
+            <a:lvl4pPr>
               <a:buNone/>
               <a:defRPr sz="1600" b="1"/>
             </a:lvl4pPr>
-            <a:lvl5pPr marL="1828800" indent="0">
+            <a:lvl5pPr>
               <a:buNone/>
               <a:defRPr sz="1600" b="1"/>
             </a:lvl5pPr>
-            <a:lvl6pPr marL="2286000" indent="0">
-              <a:buNone/>
-              <a:defRPr sz="1600" b="1"/>
-            </a:lvl6pPr>
-            <a:lvl7pPr marL="2743200" indent="0">
-              <a:buNone/>
-              <a:defRPr sz="1600" b="1"/>
-            </a:lvl7pPr>
-            <a:lvl8pPr marL="3200400" indent="0">
-              <a:buNone/>
-              <a:defRPr sz="1600" b="1"/>
-            </a:lvl8pPr>
-            <a:lvl9pPr marL="3657600" indent="0">
-              <a:buNone/>
-              <a:defRPr sz="1600" b="1"/>
-            </a:lvl9pPr>
           </a:lstStyle>
           <a:p>
-            <a:pPr lvl="0"/>
-            <a:r>
-              <a:rPr lang="es-ES" smtClean="0"/>
+            <a:pPr lvl="0" eaLnBrk="1" latinLnBrk="0" hangingPunct="1"/>
+            <a:r>
+              <a:rPr kumimoji="0" lang="es-ES" smtClean="0"/>
               <a:t>Haga clic para modificar el estilo de texto del patrón</a:t>
             </a:r>
           </a:p>
@@ -1530,236 +1872,64 @@
       </p:sp>
       <p:sp>
         <p:nvSpPr>
-          <p:cNvPr id="4" name="3 Marcador de contenido"/>
+          <p:cNvPr id="4" name="3 Marcador de texto"/>
           <p:cNvSpPr>
             <a:spLocks noGrp="1"/>
           </p:cNvSpPr>
           <p:nvPr>
-            <p:ph sz="half" idx="2"/>
+            <p:ph type="body" sz="half" idx="3"/>
           </p:nvPr>
         </p:nvSpPr>
         <p:spPr>
           <a:xfrm>
-            <a:off x="609600" y="2174875"/>
-            <a:ext cx="5386917" cy="3951288"/>
+            <a:off x="6604000" y="1447800"/>
+            <a:ext cx="4978400" cy="762000"/>
           </a:xfrm>
+          <a:noFill/>
+          <a:ln w="12700" cap="sq" cmpd="sng" algn="ctr">
+            <a:noFill/>
+            <a:prstDash val="solid"/>
+          </a:ln>
         </p:spPr>
         <p:txBody>
-          <a:bodyPr/>
-          <a:lstStyle>
-            <a:lvl1pPr>
-              <a:defRPr sz="2400"/>
-            </a:lvl1pPr>
-            <a:lvl2pPr>
-              <a:defRPr sz="2000"/>
-            </a:lvl2pPr>
-            <a:lvl3pPr>
-              <a:defRPr sz="1800"/>
-            </a:lvl3pPr>
-            <a:lvl4pPr>
-              <a:defRPr sz="1600"/>
-            </a:lvl4pPr>
-            <a:lvl5pPr>
-              <a:defRPr sz="1600"/>
-            </a:lvl5pPr>
-            <a:lvl6pPr>
-              <a:defRPr sz="1600"/>
-            </a:lvl6pPr>
-            <a:lvl7pPr>
-              <a:defRPr sz="1600"/>
-            </a:lvl7pPr>
-            <a:lvl8pPr>
-              <a:defRPr sz="1600"/>
-            </a:lvl8pPr>
-            <a:lvl9pPr>
-              <a:defRPr sz="1600"/>
-            </a:lvl9pPr>
-          </a:lstStyle>
-          <a:p>
-            <a:pPr lvl="0"/>
-            <a:r>
-              <a:rPr lang="es-ES" smtClean="0"/>
-              <a:t>Haga clic para modificar el estilo de texto del patrón</a:t>
-            </a:r>
-          </a:p>
-          <a:p>
-            <a:pPr lvl="1"/>
-            <a:r>
-              <a:rPr lang="es-ES" smtClean="0"/>
-              <a:t>Segundo nivel</a:t>
-            </a:r>
-          </a:p>
-          <a:p>
-            <a:pPr lvl="2"/>
-            <a:r>
-              <a:rPr lang="es-ES" smtClean="0"/>
-              <a:t>Tercer nivel</a:t>
-            </a:r>
-          </a:p>
-          <a:p>
-            <a:pPr lvl="3"/>
-            <a:r>
-              <a:rPr lang="es-ES" smtClean="0"/>
-              <a:t>Cuarto nivel</a:t>
-            </a:r>
-          </a:p>
-          <a:p>
-            <a:pPr lvl="4"/>
-            <a:r>
-              <a:rPr lang="es-ES" smtClean="0"/>
-              <a:t>Quinto nivel</a:t>
-            </a:r>
-            <a:endParaRPr lang="es-ES"/>
-          </a:p>
-        </p:txBody>
-      </p:sp>
-      <p:sp>
-        <p:nvSpPr>
-          <p:cNvPr id="5" name="4 Marcador de texto"/>
-          <p:cNvSpPr>
-            <a:spLocks noGrp="1"/>
-          </p:cNvSpPr>
-          <p:nvPr>
-            <p:ph type="body" sz="quarter" idx="3"/>
-          </p:nvPr>
-        </p:nvSpPr>
-        <p:spPr>
-          <a:xfrm>
-            <a:off x="6193368" y="1535113"/>
-            <a:ext cx="5389033" cy="639762"/>
-          </a:xfrm>
-        </p:spPr>
-        <p:txBody>
-          <a:bodyPr anchor="b"/>
+          <a:bodyPr lIns="91440" anchor="b" anchorCtr="0">
+            <a:noAutofit/>
+          </a:bodyPr>
           <a:lstStyle>
             <a:lvl1pPr marL="0" indent="0">
               <a:buNone/>
-              <a:defRPr sz="2400" b="1"/>
+              <a:defRPr sz="2400" b="1">
+                <a:solidFill>
+                  <a:schemeClr val="accent1"/>
+                </a:solidFill>
+                <a:latin typeface="+mj-lt"/>
+                <a:ea typeface="+mj-ea"/>
+                <a:cs typeface="+mj-cs"/>
+              </a:defRPr>
             </a:lvl1pPr>
-            <a:lvl2pPr marL="457200" indent="0">
+            <a:lvl2pPr>
               <a:buNone/>
               <a:defRPr sz="2000" b="1"/>
             </a:lvl2pPr>
-            <a:lvl3pPr marL="914400" indent="0">
+            <a:lvl3pPr>
               <a:buNone/>
               <a:defRPr sz="1800" b="1"/>
             </a:lvl3pPr>
-            <a:lvl4pPr marL="1371600" indent="0">
+            <a:lvl4pPr>
               <a:buNone/>
               <a:defRPr sz="1600" b="1"/>
             </a:lvl4pPr>
-            <a:lvl5pPr marL="1828800" indent="0">
+            <a:lvl5pPr>
               <a:buNone/>
               <a:defRPr sz="1600" b="1"/>
             </a:lvl5pPr>
-            <a:lvl6pPr marL="2286000" indent="0">
-              <a:buNone/>
-              <a:defRPr sz="1600" b="1"/>
-            </a:lvl6pPr>
-            <a:lvl7pPr marL="2743200" indent="0">
-              <a:buNone/>
-              <a:defRPr sz="1600" b="1"/>
-            </a:lvl7pPr>
-            <a:lvl8pPr marL="3200400" indent="0">
-              <a:buNone/>
-              <a:defRPr sz="1600" b="1"/>
-            </a:lvl8pPr>
-            <a:lvl9pPr marL="3657600" indent="0">
-              <a:buNone/>
-              <a:defRPr sz="1600" b="1"/>
-            </a:lvl9pPr>
           </a:lstStyle>
           <a:p>
-            <a:pPr lvl="0"/>
-            <a:r>
-              <a:rPr lang="es-ES" smtClean="0"/>
+            <a:pPr lvl="0" eaLnBrk="1" latinLnBrk="0" hangingPunct="1"/>
+            <a:r>
+              <a:rPr kumimoji="0" lang="es-ES" smtClean="0"/>
               <a:t>Haga clic para modificar el estilo de texto del patrón</a:t>
             </a:r>
-          </a:p>
-        </p:txBody>
-      </p:sp>
-      <p:sp>
-        <p:nvSpPr>
-          <p:cNvPr id="6" name="5 Marcador de contenido"/>
-          <p:cNvSpPr>
-            <a:spLocks noGrp="1"/>
-          </p:cNvSpPr>
-          <p:nvPr>
-            <p:ph sz="quarter" idx="4"/>
-          </p:nvPr>
-        </p:nvSpPr>
-        <p:spPr>
-          <a:xfrm>
-            <a:off x="6193368" y="2174875"/>
-            <a:ext cx="5389033" cy="3951288"/>
-          </a:xfrm>
-        </p:spPr>
-        <p:txBody>
-          <a:bodyPr/>
-          <a:lstStyle>
-            <a:lvl1pPr>
-              <a:defRPr sz="2400"/>
-            </a:lvl1pPr>
-            <a:lvl2pPr>
-              <a:defRPr sz="2000"/>
-            </a:lvl2pPr>
-            <a:lvl3pPr>
-              <a:defRPr sz="1800"/>
-            </a:lvl3pPr>
-            <a:lvl4pPr>
-              <a:defRPr sz="1600"/>
-            </a:lvl4pPr>
-            <a:lvl5pPr>
-              <a:defRPr sz="1600"/>
-            </a:lvl5pPr>
-            <a:lvl6pPr>
-              <a:defRPr sz="1600"/>
-            </a:lvl6pPr>
-            <a:lvl7pPr>
-              <a:defRPr sz="1600"/>
-            </a:lvl7pPr>
-            <a:lvl8pPr>
-              <a:defRPr sz="1600"/>
-            </a:lvl8pPr>
-            <a:lvl9pPr>
-              <a:defRPr sz="1600"/>
-            </a:lvl9pPr>
-          </a:lstStyle>
-          <a:p>
-            <a:pPr lvl="0"/>
-            <a:r>
-              <a:rPr lang="es-ES" smtClean="0"/>
-              <a:t>Haga clic para modificar el estilo de texto del patrón</a:t>
-            </a:r>
-          </a:p>
-          <a:p>
-            <a:pPr lvl="1"/>
-            <a:r>
-              <a:rPr lang="es-ES" smtClean="0"/>
-              <a:t>Segundo nivel</a:t>
-            </a:r>
-          </a:p>
-          <a:p>
-            <a:pPr lvl="2"/>
-            <a:r>
-              <a:rPr lang="es-ES" smtClean="0"/>
-              <a:t>Tercer nivel</a:t>
-            </a:r>
-          </a:p>
-          <a:p>
-            <a:pPr lvl="3"/>
-            <a:r>
-              <a:rPr lang="es-ES" smtClean="0"/>
-              <a:t>Cuarto nivel</a:t>
-            </a:r>
-          </a:p>
-          <a:p>
-            <a:pPr lvl="4"/>
-            <a:r>
-              <a:rPr lang="es-ES" smtClean="0"/>
-              <a:t>Quinto nivel</a:t>
-            </a:r>
-            <a:endParaRPr lang="es-ES"/>
           </a:p>
         </p:txBody>
       </p:sp>
@@ -1780,7 +1950,7 @@
           <a:p>
             <a:fld id="{1BA7A723-92A7-435B-B681-F25B092FEFEB}" type="datetimeFigureOut">
               <a:rPr lang="en-US" smtClean="0"/>
-              <a:t>5/26/2016</a:t>
+              <a:t>5/31/2016</a:t>
             </a:fld>
             <a:endParaRPr lang="en-US" dirty="0"/>
           </a:p>
@@ -1828,12 +1998,121 @@
           </a:p>
         </p:txBody>
       </p:sp>
+      <p:sp>
+        <p:nvSpPr>
+          <p:cNvPr id="11" name="10 Marcador de contenido"/>
+          <p:cNvSpPr>
+            <a:spLocks noGrp="1"/>
+          </p:cNvSpPr>
+          <p:nvPr>
+            <p:ph sz="half" idx="2"/>
+          </p:nvPr>
+        </p:nvSpPr>
+        <p:spPr>
+          <a:xfrm>
+            <a:off x="1219200" y="2247900"/>
+            <a:ext cx="4978400" cy="3886200"/>
+          </a:xfrm>
+        </p:spPr>
+        <p:txBody>
+          <a:bodyPr vert="horz"/>
+          <a:lstStyle/>
+          <a:p>
+            <a:pPr lvl="0" eaLnBrk="1" latinLnBrk="0" hangingPunct="1"/>
+            <a:r>
+              <a:rPr lang="es-ES" smtClean="0"/>
+              <a:t>Haga clic para modificar el estilo de texto del patrón</a:t>
+            </a:r>
+          </a:p>
+          <a:p>
+            <a:pPr lvl="1" eaLnBrk="1" latinLnBrk="0" hangingPunct="1"/>
+            <a:r>
+              <a:rPr lang="es-ES" smtClean="0"/>
+              <a:t>Segundo nivel</a:t>
+            </a:r>
+          </a:p>
+          <a:p>
+            <a:pPr lvl="2" eaLnBrk="1" latinLnBrk="0" hangingPunct="1"/>
+            <a:r>
+              <a:rPr lang="es-ES" smtClean="0"/>
+              <a:t>Tercer nivel</a:t>
+            </a:r>
+          </a:p>
+          <a:p>
+            <a:pPr lvl="3" eaLnBrk="1" latinLnBrk="0" hangingPunct="1"/>
+            <a:r>
+              <a:rPr lang="es-ES" smtClean="0"/>
+              <a:t>Cuarto nivel</a:t>
+            </a:r>
+          </a:p>
+          <a:p>
+            <a:pPr lvl="4" eaLnBrk="1" latinLnBrk="0" hangingPunct="1"/>
+            <a:r>
+              <a:rPr lang="es-ES" smtClean="0"/>
+              <a:t>Quinto nivel</a:t>
+            </a:r>
+            <a:endParaRPr kumimoji="0" lang="en-US"/>
+          </a:p>
+        </p:txBody>
+      </p:sp>
+      <p:sp>
+        <p:nvSpPr>
+          <p:cNvPr id="13" name="12 Marcador de contenido"/>
+          <p:cNvSpPr>
+            <a:spLocks noGrp="1"/>
+          </p:cNvSpPr>
+          <p:nvPr>
+            <p:ph sz="half" idx="4"/>
+          </p:nvPr>
+        </p:nvSpPr>
+        <p:spPr>
+          <a:xfrm>
+            <a:off x="6604000" y="2247900"/>
+            <a:ext cx="4978400" cy="3886200"/>
+          </a:xfrm>
+        </p:spPr>
+        <p:txBody>
+          <a:bodyPr vert="horz"/>
+          <a:lstStyle/>
+          <a:p>
+            <a:pPr lvl="0" eaLnBrk="1" latinLnBrk="0" hangingPunct="1"/>
+            <a:r>
+              <a:rPr lang="es-ES" smtClean="0"/>
+              <a:t>Haga clic para modificar el estilo de texto del patrón</a:t>
+            </a:r>
+          </a:p>
+          <a:p>
+            <a:pPr lvl="1" eaLnBrk="1" latinLnBrk="0" hangingPunct="1"/>
+            <a:r>
+              <a:rPr lang="es-ES" smtClean="0"/>
+              <a:t>Segundo nivel</a:t>
+            </a:r>
+          </a:p>
+          <a:p>
+            <a:pPr lvl="2" eaLnBrk="1" latinLnBrk="0" hangingPunct="1"/>
+            <a:r>
+              <a:rPr lang="es-ES" smtClean="0"/>
+              <a:t>Tercer nivel</a:t>
+            </a:r>
+          </a:p>
+          <a:p>
+            <a:pPr lvl="3" eaLnBrk="1" latinLnBrk="0" hangingPunct="1"/>
+            <a:r>
+              <a:rPr lang="es-ES" smtClean="0"/>
+              <a:t>Cuarto nivel</a:t>
+            </a:r>
+          </a:p>
+          <a:p>
+            <a:pPr lvl="4" eaLnBrk="1" latinLnBrk="0" hangingPunct="1"/>
+            <a:r>
+              <a:rPr lang="es-ES" smtClean="0"/>
+              <a:t>Quinto nivel</a:t>
+            </a:r>
+            <a:endParaRPr kumimoji="0" lang="en-US"/>
+          </a:p>
+        </p:txBody>
+      </p:sp>
     </p:spTree>
-    <p:extLst>
-      <p:ext uri="{BB962C8B-B14F-4D97-AF65-F5344CB8AC3E}">
-        <p14:creationId xmlns:p14="http://schemas.microsoft.com/office/powerpoint/2010/main" val="569886929"/>
-      </p:ext>
-    </p:extLst>
   </p:cSld>
   <p:clrMapOvr>
     <a:masterClrMapping/>
@@ -1874,10 +2153,10 @@
           <a:lstStyle/>
           <a:p>
             <a:r>
-              <a:rPr lang="es-ES" smtClean="0"/>
+              <a:rPr kumimoji="0" lang="es-ES" smtClean="0"/>
               <a:t>Haga clic para modificar el estilo de título del patrón</a:t>
             </a:r>
-            <a:endParaRPr lang="es-ES"/>
+            <a:endParaRPr kumimoji="0" lang="en-US"/>
           </a:p>
         </p:txBody>
       </p:sp>
@@ -1898,7 +2177,7 @@
           <a:p>
             <a:fld id="{0E59FD0C-5451-4CA0-86AF-E70AE3279989}" type="datetimeFigureOut">
               <a:rPr lang="en-US" smtClean="0"/>
-              <a:t>5/26/2016</a:t>
+              <a:t>5/31/2016</a:t>
             </a:fld>
             <a:endParaRPr lang="en-US" dirty="0"/>
           </a:p>
@@ -1948,11 +2227,6 @@
         </p:txBody>
       </p:sp>
     </p:spTree>
-    <p:extLst>
-      <p:ext uri="{BB962C8B-B14F-4D97-AF65-F5344CB8AC3E}">
-        <p14:creationId xmlns:p14="http://schemas.microsoft.com/office/powerpoint/2010/main" val="1928420845"/>
-      </p:ext>
-    </p:extLst>
   </p:cSld>
   <p:clrMapOvr>
     <a:masterClrMapping/>
@@ -1995,7 +2269,7 @@
           <a:p>
             <a:fld id="{22230651-31F4-45D2-98AE-A2108F41BC07}" type="datetimeFigureOut">
               <a:rPr lang="en-US" smtClean="0"/>
-              <a:t>5/26/2016</a:t>
+              <a:t>5/31/2016</a:t>
             </a:fld>
             <a:endParaRPr lang="en-US" dirty="0"/>
           </a:p>
@@ -2044,11 +2318,6 @@
         </p:txBody>
       </p:sp>
     </p:spTree>
-    <p:extLst>
-      <p:ext uri="{BB962C8B-B14F-4D97-AF65-F5344CB8AC3E}">
-        <p14:creationId xmlns:p14="http://schemas.microsoft.com/office/powerpoint/2010/main" val="3971497226"/>
-      </p:ext>
-    </p:extLst>
   </p:cSld>
   <p:clrMapOvr>
     <a:masterClrMapping/>
@@ -2075,6 +2344,101 @@
       </p:grpSpPr>
       <p:sp>
         <p:nvSpPr>
+          <p:cNvPr id="8" name="7 Rectángulo"/>
+          <p:cNvSpPr/>
+          <p:nvPr/>
+        </p:nvSpPr>
+        <p:spPr>
+          <a:xfrm>
+            <a:off x="0" y="0"/>
+            <a:ext cx="12192000" cy="6858000"/>
+          </a:xfrm>
+          <a:prstGeom prst="rect">
+            <a:avLst/>
+          </a:prstGeom>
+          <a:solidFill>
+            <a:srgbClr val="FFFFFF"/>
+          </a:solidFill>
+          <a:ln w="19050" cap="sq" cmpd="sng" algn="ctr">
+            <a:noFill/>
+            <a:prstDash val="solid"/>
+          </a:ln>
+          <a:effectLst/>
+        </p:spPr>
+        <p:style>
+          <a:lnRef idx="3">
+            <a:schemeClr val="lt1"/>
+          </a:lnRef>
+          <a:fillRef idx="1">
+            <a:schemeClr val="accent1"/>
+          </a:fillRef>
+          <a:effectRef idx="1">
+            <a:schemeClr val="accent1"/>
+          </a:effectRef>
+          <a:fontRef idx="minor">
+            <a:schemeClr val="lt1"/>
+          </a:fontRef>
+        </p:style>
+        <p:txBody>
+          <a:bodyPr anchor="ctr"/>
+          <a:lstStyle/>
+          <a:p>
+            <a:pPr algn="ctr" eaLnBrk="1" latinLnBrk="0" hangingPunct="1"/>
+            <a:endParaRPr kumimoji="0" lang="en-US"/>
+          </a:p>
+        </p:txBody>
+      </p:sp>
+      <p:sp useBgFill="1">
+        <p:nvSpPr>
+          <p:cNvPr id="9" name="8 Rectángulo redondeado"/>
+          <p:cNvSpPr/>
+          <p:nvPr/>
+        </p:nvSpPr>
+        <p:spPr>
+          <a:xfrm>
+            <a:off x="85344" y="69755"/>
+            <a:ext cx="12017829" cy="6693408"/>
+          </a:xfrm>
+          <a:prstGeom prst="roundRect">
+            <a:avLst>
+              <a:gd name="adj" fmla="val 4929"/>
+            </a:avLst>
+          </a:prstGeom>
+          <a:ln w="6350" cap="sq" cmpd="sng" algn="ctr">
+            <a:solidFill>
+              <a:schemeClr val="tx1">
+                <a:alpha val="100000"/>
+              </a:schemeClr>
+            </a:solidFill>
+            <a:prstDash val="solid"/>
+          </a:ln>
+          <a:effectLst/>
+        </p:spPr>
+        <p:style>
+          <a:lnRef idx="3">
+            <a:schemeClr val="lt1"/>
+          </a:lnRef>
+          <a:fillRef idx="1001">
+            <a:schemeClr val="lt1"/>
+          </a:fillRef>
+          <a:effectRef idx="1">
+            <a:schemeClr val="accent1"/>
+          </a:effectRef>
+          <a:fontRef idx="minor">
+            <a:schemeClr val="lt1"/>
+          </a:fontRef>
+        </p:style>
+        <p:txBody>
+          <a:bodyPr anchor="ctr"/>
+          <a:lstStyle/>
+          <a:p>
+            <a:pPr algn="ctr" eaLnBrk="1" latinLnBrk="0" hangingPunct="1"/>
+            <a:endParaRPr kumimoji="0" lang="en-US"/>
+          </a:p>
+        </p:txBody>
+      </p:sp>
+      <p:sp>
+        <p:nvSpPr>
           <p:cNvPr id="2" name="1 Título"/>
           <p:cNvSpPr>
             <a:spLocks noGrp="1"/>
@@ -2085,125 +2449,41 @@
         </p:nvSpPr>
         <p:spPr>
           <a:xfrm>
-            <a:off x="609601" y="273050"/>
-            <a:ext cx="4011084" cy="1162050"/>
+            <a:off x="1219200" y="273050"/>
+            <a:ext cx="10363200" cy="1143000"/>
           </a:xfrm>
         </p:spPr>
         <p:txBody>
-          <a:bodyPr anchor="b"/>
+          <a:bodyPr anchor="b" anchorCtr="0"/>
           <a:lstStyle>
             <a:lvl1pPr algn="l">
-              <a:defRPr sz="2000" b="1"/>
+              <a:buNone/>
+              <a:defRPr sz="4000" b="0"/>
             </a:lvl1pPr>
           </a:lstStyle>
           <a:p>
             <a:r>
-              <a:rPr lang="es-ES" smtClean="0"/>
+              <a:rPr kumimoji="0" lang="es-ES" smtClean="0"/>
               <a:t>Haga clic para modificar el estilo de título del patrón</a:t>
             </a:r>
-            <a:endParaRPr lang="es-ES"/>
-          </a:p>
-        </p:txBody>
-      </p:sp>
-      <p:sp>
-        <p:nvSpPr>
-          <p:cNvPr id="3" name="2 Marcador de contenido"/>
+            <a:endParaRPr kumimoji="0" lang="en-US"/>
+          </a:p>
+        </p:txBody>
+      </p:sp>
+      <p:sp>
+        <p:nvSpPr>
+          <p:cNvPr id="3" name="2 Marcador de texto"/>
           <p:cNvSpPr>
             <a:spLocks noGrp="1"/>
           </p:cNvSpPr>
           <p:nvPr>
-            <p:ph idx="1"/>
+            <p:ph type="body" idx="2"/>
           </p:nvPr>
         </p:nvSpPr>
         <p:spPr>
           <a:xfrm>
-            <a:off x="4766733" y="273051"/>
-            <a:ext cx="6815667" cy="5853113"/>
-          </a:xfrm>
-        </p:spPr>
-        <p:txBody>
-          <a:bodyPr/>
-          <a:lstStyle>
-            <a:lvl1pPr>
-              <a:defRPr sz="3200"/>
-            </a:lvl1pPr>
-            <a:lvl2pPr>
-              <a:defRPr sz="2800"/>
-            </a:lvl2pPr>
-            <a:lvl3pPr>
-              <a:defRPr sz="2400"/>
-            </a:lvl3pPr>
-            <a:lvl4pPr>
-              <a:defRPr sz="2000"/>
-            </a:lvl4pPr>
-            <a:lvl5pPr>
-              <a:defRPr sz="2000"/>
-            </a:lvl5pPr>
-            <a:lvl6pPr>
-              <a:defRPr sz="2000"/>
-            </a:lvl6pPr>
-            <a:lvl7pPr>
-              <a:defRPr sz="2000"/>
-            </a:lvl7pPr>
-            <a:lvl8pPr>
-              <a:defRPr sz="2000"/>
-            </a:lvl8pPr>
-            <a:lvl9pPr>
-              <a:defRPr sz="2000"/>
-            </a:lvl9pPr>
-          </a:lstStyle>
-          <a:p>
-            <a:pPr lvl="0"/>
-            <a:r>
-              <a:rPr lang="es-ES" smtClean="0"/>
-              <a:t>Haga clic para modificar el estilo de texto del patrón</a:t>
-            </a:r>
-          </a:p>
-          <a:p>
-            <a:pPr lvl="1"/>
-            <a:r>
-              <a:rPr lang="es-ES" smtClean="0"/>
-              <a:t>Segundo nivel</a:t>
-            </a:r>
-          </a:p>
-          <a:p>
-            <a:pPr lvl="2"/>
-            <a:r>
-              <a:rPr lang="es-ES" smtClean="0"/>
-              <a:t>Tercer nivel</a:t>
-            </a:r>
-          </a:p>
-          <a:p>
-            <a:pPr lvl="3"/>
-            <a:r>
-              <a:rPr lang="es-ES" smtClean="0"/>
-              <a:t>Cuarto nivel</a:t>
-            </a:r>
-          </a:p>
-          <a:p>
-            <a:pPr lvl="4"/>
-            <a:r>
-              <a:rPr lang="es-ES" smtClean="0"/>
-              <a:t>Quinto nivel</a:t>
-            </a:r>
-            <a:endParaRPr lang="es-ES"/>
-          </a:p>
-        </p:txBody>
-      </p:sp>
-      <p:sp>
-        <p:nvSpPr>
-          <p:cNvPr id="4" name="3 Marcador de texto"/>
-          <p:cNvSpPr>
-            <a:spLocks noGrp="1"/>
-          </p:cNvSpPr>
-          <p:nvPr>
-            <p:ph type="body" sz="half" idx="2"/>
-          </p:nvPr>
-        </p:nvSpPr>
-        <p:spPr>
-          <a:xfrm>
-            <a:off x="609601" y="1435101"/>
-            <a:ext cx="4011084" cy="4691063"/>
+            <a:off x="1219200" y="1600200"/>
+            <a:ext cx="2540000" cy="4495800"/>
           </a:xfrm>
         </p:spPr>
         <p:txBody>
@@ -2211,45 +2491,29 @@
           <a:lstStyle>
             <a:lvl1pPr marL="0" indent="0">
               <a:buNone/>
-              <a:defRPr sz="1400"/>
+              <a:defRPr sz="1800"/>
             </a:lvl1pPr>
-            <a:lvl2pPr marL="457200" indent="0">
+            <a:lvl2pPr>
               <a:buNone/>
               <a:defRPr sz="1200"/>
             </a:lvl2pPr>
-            <a:lvl3pPr marL="914400" indent="0">
+            <a:lvl3pPr>
               <a:buNone/>
               <a:defRPr sz="1000"/>
             </a:lvl3pPr>
-            <a:lvl4pPr marL="1371600" indent="0">
+            <a:lvl4pPr>
               <a:buNone/>
               <a:defRPr sz="900"/>
             </a:lvl4pPr>
-            <a:lvl5pPr marL="1828800" indent="0">
+            <a:lvl5pPr>
               <a:buNone/>
               <a:defRPr sz="900"/>
             </a:lvl5pPr>
-            <a:lvl6pPr marL="2286000" indent="0">
-              <a:buNone/>
-              <a:defRPr sz="900"/>
-            </a:lvl6pPr>
-            <a:lvl7pPr marL="2743200" indent="0">
-              <a:buNone/>
-              <a:defRPr sz="900"/>
-            </a:lvl7pPr>
-            <a:lvl8pPr marL="3200400" indent="0">
-              <a:buNone/>
-              <a:defRPr sz="900"/>
-            </a:lvl8pPr>
-            <a:lvl9pPr marL="3657600" indent="0">
-              <a:buNone/>
-              <a:defRPr sz="900"/>
-            </a:lvl9pPr>
           </a:lstStyle>
           <a:p>
-            <a:pPr lvl="0"/>
-            <a:r>
-              <a:rPr lang="es-ES" smtClean="0"/>
+            <a:pPr lvl="0" eaLnBrk="1" latinLnBrk="0" hangingPunct="1"/>
+            <a:r>
+              <a:rPr kumimoji="0" lang="es-ES" smtClean="0"/>
               <a:t>Haga clic para modificar el estilo de texto del patrón</a:t>
             </a:r>
           </a:p>
@@ -2272,7 +2536,7 @@
           <a:p>
             <a:fld id="{6F53789A-C914-4DB1-8815-80B5EC7335C5}" type="datetimeFigureOut">
               <a:rPr lang="en-US" smtClean="0"/>
-              <a:t>5/26/2016</a:t>
+              <a:t>5/31/2016</a:t>
             </a:fld>
             <a:endParaRPr lang="en-US" dirty="0"/>
           </a:p>
@@ -2320,12 +2584,64 @@
           </a:p>
         </p:txBody>
       </p:sp>
+      <p:sp>
+        <p:nvSpPr>
+          <p:cNvPr id="11" name="10 Marcador de contenido"/>
+          <p:cNvSpPr>
+            <a:spLocks noGrp="1"/>
+          </p:cNvSpPr>
+          <p:nvPr>
+            <p:ph sz="quarter" idx="1"/>
+          </p:nvPr>
+        </p:nvSpPr>
+        <p:spPr>
+          <a:xfrm>
+            <a:off x="3962400" y="1600200"/>
+            <a:ext cx="7620000" cy="4495800"/>
+          </a:xfrm>
+        </p:spPr>
+        <p:txBody>
+          <a:bodyPr vert="horz"/>
+          <a:lstStyle/>
+          <a:p>
+            <a:pPr lvl="0" eaLnBrk="1" latinLnBrk="0" hangingPunct="1"/>
+            <a:r>
+              <a:rPr lang="es-ES" smtClean="0"/>
+              <a:t>Haga clic para modificar el estilo de texto del patrón</a:t>
+            </a:r>
+          </a:p>
+          <a:p>
+            <a:pPr lvl="1" eaLnBrk="1" latinLnBrk="0" hangingPunct="1"/>
+            <a:r>
+              <a:rPr lang="es-ES" smtClean="0"/>
+              <a:t>Segundo nivel</a:t>
+            </a:r>
+          </a:p>
+          <a:p>
+            <a:pPr lvl="2" eaLnBrk="1" latinLnBrk="0" hangingPunct="1"/>
+            <a:r>
+              <a:rPr lang="es-ES" smtClean="0"/>
+              <a:t>Tercer nivel</a:t>
+            </a:r>
+          </a:p>
+          <a:p>
+            <a:pPr lvl="3" eaLnBrk="1" latinLnBrk="0" hangingPunct="1"/>
+            <a:r>
+              <a:rPr lang="es-ES" smtClean="0"/>
+              <a:t>Cuarto nivel</a:t>
+            </a:r>
+          </a:p>
+          <a:p>
+            <a:pPr lvl="4" eaLnBrk="1" latinLnBrk="0" hangingPunct="1"/>
+            <a:r>
+              <a:rPr lang="es-ES" smtClean="0"/>
+              <a:t>Quinto nivel</a:t>
+            </a:r>
+            <a:endParaRPr kumimoji="0" lang="en-US"/>
+          </a:p>
+        </p:txBody>
+      </p:sp>
     </p:spTree>
-    <p:extLst>
-      <p:ext uri="{BB962C8B-B14F-4D97-AF65-F5344CB8AC3E}">
-        <p14:creationId xmlns:p14="http://schemas.microsoft.com/office/powerpoint/2010/main" val="457554632"/>
-      </p:ext>
-    </p:extLst>
   </p:cSld>
   <p:clrMapOvr>
     <a:masterClrMapping/>
@@ -2362,23 +2678,289 @@
         </p:nvSpPr>
         <p:spPr>
           <a:xfrm>
-            <a:off x="2389717" y="4800600"/>
-            <a:ext cx="7315200" cy="566738"/>
+            <a:off x="1219200" y="4900550"/>
+            <a:ext cx="9753600" cy="522288"/>
           </a:xfrm>
         </p:spPr>
         <p:txBody>
-          <a:bodyPr anchor="b"/>
+          <a:bodyPr anchor="ctr">
+            <a:noAutofit/>
+          </a:bodyPr>
           <a:lstStyle>
             <a:lvl1pPr algn="l">
-              <a:defRPr sz="2000" b="1"/>
+              <a:buNone/>
+              <a:defRPr sz="2800" b="0"/>
             </a:lvl1pPr>
           </a:lstStyle>
           <a:p>
             <a:r>
-              <a:rPr lang="es-ES" smtClean="0"/>
+              <a:rPr kumimoji="0" lang="es-ES" smtClean="0"/>
               <a:t>Haga clic para modificar el estilo de título del patrón</a:t>
             </a:r>
-            <a:endParaRPr lang="es-ES"/>
+            <a:endParaRPr kumimoji="0" lang="en-US"/>
+          </a:p>
+        </p:txBody>
+      </p:sp>
+      <p:sp>
+        <p:nvSpPr>
+          <p:cNvPr id="4" name="3 Marcador de texto"/>
+          <p:cNvSpPr>
+            <a:spLocks noGrp="1"/>
+          </p:cNvSpPr>
+          <p:nvPr>
+            <p:ph type="body" sz="half" idx="2"/>
+          </p:nvPr>
+        </p:nvSpPr>
+        <p:spPr>
+          <a:xfrm>
+            <a:off x="1219200" y="5445825"/>
+            <a:ext cx="9753600" cy="685800"/>
+          </a:xfrm>
+        </p:spPr>
+        <p:txBody>
+          <a:bodyPr/>
+          <a:lstStyle>
+            <a:lvl1pPr marL="0" indent="0">
+              <a:buFontTx/>
+              <a:buNone/>
+              <a:defRPr sz="1600"/>
+            </a:lvl1pPr>
+            <a:lvl2pPr>
+              <a:defRPr sz="1200"/>
+            </a:lvl2pPr>
+            <a:lvl3pPr>
+              <a:defRPr sz="1000"/>
+            </a:lvl3pPr>
+            <a:lvl4pPr>
+              <a:defRPr sz="900"/>
+            </a:lvl4pPr>
+            <a:lvl5pPr>
+              <a:defRPr sz="900"/>
+            </a:lvl5pPr>
+          </a:lstStyle>
+          <a:p>
+            <a:pPr lvl="0" eaLnBrk="1" latinLnBrk="0" hangingPunct="1"/>
+            <a:r>
+              <a:rPr kumimoji="0" lang="es-ES" smtClean="0"/>
+              <a:t>Haga clic para modificar el estilo de texto del patrón</a:t>
+            </a:r>
+          </a:p>
+        </p:txBody>
+      </p:sp>
+      <p:sp>
+        <p:nvSpPr>
+          <p:cNvPr id="5" name="4 Marcador de fecha"/>
+          <p:cNvSpPr>
+            <a:spLocks noGrp="1"/>
+          </p:cNvSpPr>
+          <p:nvPr>
+            <p:ph type="dt" sz="half" idx="10"/>
+          </p:nvPr>
+        </p:nvSpPr>
+        <p:spPr/>
+        <p:txBody>
+          <a:bodyPr/>
+          <a:lstStyle/>
+          <a:p>
+            <a:fld id="{5E6440AA-91A0-436F-8FDB-C0F939DCAE21}" type="datetimeFigureOut">
+              <a:rPr lang="en-US" smtClean="0"/>
+              <a:t>5/31/2016</a:t>
+            </a:fld>
+            <a:endParaRPr lang="en-US" dirty="0"/>
+          </a:p>
+        </p:txBody>
+      </p:sp>
+      <p:sp>
+        <p:nvSpPr>
+          <p:cNvPr id="6" name="5 Marcador de pie de página"/>
+          <p:cNvSpPr>
+            <a:spLocks noGrp="1"/>
+          </p:cNvSpPr>
+          <p:nvPr>
+            <p:ph type="ftr" sz="quarter" idx="11"/>
+          </p:nvPr>
+        </p:nvSpPr>
+        <p:spPr>
+          <a:xfrm>
+            <a:off x="1219200" y="6172200"/>
+            <a:ext cx="5181600" cy="457200"/>
+          </a:xfrm>
+        </p:spPr>
+        <p:txBody>
+          <a:bodyPr/>
+          <a:lstStyle/>
+          <a:p>
+            <a:endParaRPr lang="en-US" dirty="0"/>
+          </a:p>
+        </p:txBody>
+      </p:sp>
+      <p:sp>
+        <p:nvSpPr>
+          <p:cNvPr id="7" name="6 Marcador de número de diapositiva"/>
+          <p:cNvSpPr>
+            <a:spLocks noGrp="1"/>
+          </p:cNvSpPr>
+          <p:nvPr>
+            <p:ph type="sldNum" sz="quarter" idx="12"/>
+          </p:nvPr>
+        </p:nvSpPr>
+        <p:spPr>
+          <a:xfrm>
+            <a:off x="195072" y="6208776"/>
+            <a:ext cx="609600" cy="457200"/>
+          </a:xfrm>
+        </p:spPr>
+        <p:txBody>
+          <a:bodyPr/>
+          <a:lstStyle/>
+          <a:p>
+            <a:fld id="{4FAB73BC-B049-4115-A692-8D63A059BFB8}" type="slidenum">
+              <a:rPr lang="en-US" smtClean="0"/>
+              <a:t>‹Nº›</a:t>
+            </a:fld>
+            <a:endParaRPr lang="en-US" dirty="0"/>
+          </a:p>
+        </p:txBody>
+      </p:sp>
+      <p:sp>
+        <p:nvSpPr>
+          <p:cNvPr id="11" name="10 Rectángulo"/>
+          <p:cNvSpPr/>
+          <p:nvPr/>
+        </p:nvSpPr>
+        <p:spPr>
+          <a:xfrm flipV="1">
+            <a:off x="91076" y="4683555"/>
+            <a:ext cx="12009120" cy="91440"/>
+          </a:xfrm>
+          <a:prstGeom prst="rect">
+            <a:avLst/>
+          </a:prstGeom>
+          <a:solidFill>
+            <a:schemeClr val="accent1">
+              <a:alpha val="100000"/>
+            </a:schemeClr>
+          </a:solidFill>
+          <a:ln w="19050" cap="sq" cmpd="sng" algn="ctr">
+            <a:noFill/>
+            <a:prstDash val="solid"/>
+          </a:ln>
+          <a:effectLst/>
+        </p:spPr>
+        <p:style>
+          <a:lnRef idx="3">
+            <a:schemeClr val="lt1"/>
+          </a:lnRef>
+          <a:fillRef idx="1">
+            <a:schemeClr val="accent1"/>
+          </a:fillRef>
+          <a:effectRef idx="1">
+            <a:schemeClr val="accent1"/>
+          </a:effectRef>
+          <a:fontRef idx="minor">
+            <a:schemeClr val="lt1"/>
+          </a:fontRef>
+        </p:style>
+        <p:txBody>
+          <a:bodyPr anchor="ctr"/>
+          <a:lstStyle/>
+          <a:p>
+            <a:pPr algn="ctr" eaLnBrk="1" latinLnBrk="0" hangingPunct="1"/>
+            <a:endParaRPr kumimoji="0" lang="en-US"/>
+          </a:p>
+        </p:txBody>
+      </p:sp>
+      <p:sp>
+        <p:nvSpPr>
+          <p:cNvPr id="12" name="11 Rectángulo"/>
+          <p:cNvSpPr/>
+          <p:nvPr/>
+        </p:nvSpPr>
+        <p:spPr>
+          <a:xfrm>
+            <a:off x="91345" y="4650475"/>
+            <a:ext cx="12008852" cy="45719"/>
+          </a:xfrm>
+          <a:prstGeom prst="rect">
+            <a:avLst/>
+          </a:prstGeom>
+          <a:solidFill>
+            <a:schemeClr val="accent1">
+              <a:tint val="60000"/>
+            </a:schemeClr>
+          </a:solidFill>
+          <a:ln w="19050" cap="sq" cmpd="sng" algn="ctr">
+            <a:noFill/>
+            <a:prstDash val="solid"/>
+          </a:ln>
+          <a:effectLst/>
+        </p:spPr>
+        <p:style>
+          <a:lnRef idx="3">
+            <a:schemeClr val="lt1"/>
+          </a:lnRef>
+          <a:fillRef idx="1">
+            <a:schemeClr val="accent1"/>
+          </a:fillRef>
+          <a:effectRef idx="1">
+            <a:schemeClr val="accent1"/>
+          </a:effectRef>
+          <a:fontRef idx="minor">
+            <a:schemeClr val="lt1"/>
+          </a:fontRef>
+        </p:style>
+        <p:txBody>
+          <a:bodyPr anchor="ctr"/>
+          <a:lstStyle/>
+          <a:p>
+            <a:pPr algn="ctr" eaLnBrk="1" latinLnBrk="0" hangingPunct="1"/>
+            <a:endParaRPr kumimoji="0" lang="en-US"/>
+          </a:p>
+        </p:txBody>
+      </p:sp>
+      <p:sp>
+        <p:nvSpPr>
+          <p:cNvPr id="13" name="12 Rectángulo"/>
+          <p:cNvSpPr/>
+          <p:nvPr/>
+        </p:nvSpPr>
+        <p:spPr>
+          <a:xfrm>
+            <a:off x="91348" y="4773225"/>
+            <a:ext cx="12008849" cy="48807"/>
+          </a:xfrm>
+          <a:prstGeom prst="rect">
+            <a:avLst/>
+          </a:prstGeom>
+          <a:solidFill>
+            <a:schemeClr val="accent5"/>
+          </a:solidFill>
+          <a:ln w="19050" cap="sq" cmpd="sng" algn="ctr">
+            <a:noFill/>
+            <a:prstDash val="solid"/>
+          </a:ln>
+          <a:effectLst/>
+        </p:spPr>
+        <p:style>
+          <a:lnRef idx="3">
+            <a:schemeClr val="lt1"/>
+          </a:lnRef>
+          <a:fillRef idx="1">
+            <a:schemeClr val="accent1"/>
+          </a:fillRef>
+          <a:effectRef idx="1">
+            <a:schemeClr val="accent1"/>
+          </a:effectRef>
+          <a:fontRef idx="minor">
+            <a:schemeClr val="lt1"/>
+          </a:fontRef>
+        </p:style>
+        <p:txBody>
+          <a:bodyPr anchor="ctr"/>
+          <a:lstStyle/>
+          <a:p>
+            <a:pPr algn="ctr" eaLnBrk="1" latinLnBrk="0" hangingPunct="1"/>
+            <a:endParaRPr kumimoji="0" lang="en-US"/>
           </a:p>
         </p:txBody>
       </p:sp>
@@ -2394,9 +2976,23 @@
         </p:nvSpPr>
         <p:spPr>
           <a:xfrm>
-            <a:off x="2389717" y="612775"/>
-            <a:ext cx="7315200" cy="4114800"/>
+            <a:off x="91078" y="66676"/>
+            <a:ext cx="12002497" cy="4581525"/>
           </a:xfrm>
+          <a:prstGeom prst="round2SameRect">
+            <a:avLst>
+              <a:gd name="adj1" fmla="val 7101"/>
+              <a:gd name="adj2" fmla="val 0"/>
+            </a:avLst>
+          </a:prstGeom>
+          <a:solidFill>
+            <a:schemeClr val="bg2"/>
+          </a:solidFill>
+          <a:ln w="6350">
+            <a:solidFill>
+              <a:schemeClr val="tx1"/>
+            </a:solidFill>
+          </a:ln>
         </p:spPr>
         <p:txBody>
           <a:bodyPr/>
@@ -2405,180 +3001,17 @@
               <a:buNone/>
               <a:defRPr sz="3200"/>
             </a:lvl1pPr>
-            <a:lvl2pPr marL="457200" indent="0">
-              <a:buNone/>
-              <a:defRPr sz="2800"/>
-            </a:lvl2pPr>
-            <a:lvl3pPr marL="914400" indent="0">
-              <a:buNone/>
-              <a:defRPr sz="2400"/>
-            </a:lvl3pPr>
-            <a:lvl4pPr marL="1371600" indent="0">
-              <a:buNone/>
-              <a:defRPr sz="2000"/>
-            </a:lvl4pPr>
-            <a:lvl5pPr marL="1828800" indent="0">
-              <a:buNone/>
-              <a:defRPr sz="2000"/>
-            </a:lvl5pPr>
-            <a:lvl6pPr marL="2286000" indent="0">
-              <a:buNone/>
-              <a:defRPr sz="2000"/>
-            </a:lvl6pPr>
-            <a:lvl7pPr marL="2743200" indent="0">
-              <a:buNone/>
-              <a:defRPr sz="2000"/>
-            </a:lvl7pPr>
-            <a:lvl8pPr marL="3200400" indent="0">
-              <a:buNone/>
-              <a:defRPr sz="2000"/>
-            </a:lvl8pPr>
-            <a:lvl9pPr marL="3657600" indent="0">
-              <a:buNone/>
-              <a:defRPr sz="2000"/>
-            </a:lvl9pPr>
           </a:lstStyle>
           <a:p>
-            <a:endParaRPr lang="es-ES"/>
-          </a:p>
-        </p:txBody>
-      </p:sp>
-      <p:sp>
-        <p:nvSpPr>
-          <p:cNvPr id="4" name="3 Marcador de texto"/>
-          <p:cNvSpPr>
-            <a:spLocks noGrp="1"/>
-          </p:cNvSpPr>
-          <p:nvPr>
-            <p:ph type="body" sz="half" idx="2"/>
-          </p:nvPr>
-        </p:nvSpPr>
-        <p:spPr>
-          <a:xfrm>
-            <a:off x="2389717" y="5367338"/>
-            <a:ext cx="7315200" cy="804862"/>
-          </a:xfrm>
-        </p:spPr>
-        <p:txBody>
-          <a:bodyPr/>
-          <a:lstStyle>
-            <a:lvl1pPr marL="0" indent="0">
-              <a:buNone/>
-              <a:defRPr sz="1400"/>
-            </a:lvl1pPr>
-            <a:lvl2pPr marL="457200" indent="0">
-              <a:buNone/>
-              <a:defRPr sz="1200"/>
-            </a:lvl2pPr>
-            <a:lvl3pPr marL="914400" indent="0">
-              <a:buNone/>
-              <a:defRPr sz="1000"/>
-            </a:lvl3pPr>
-            <a:lvl4pPr marL="1371600" indent="0">
-              <a:buNone/>
-              <a:defRPr sz="900"/>
-            </a:lvl4pPr>
-            <a:lvl5pPr marL="1828800" indent="0">
-              <a:buNone/>
-              <a:defRPr sz="900"/>
-            </a:lvl5pPr>
-            <a:lvl6pPr marL="2286000" indent="0">
-              <a:buNone/>
-              <a:defRPr sz="900"/>
-            </a:lvl6pPr>
-            <a:lvl7pPr marL="2743200" indent="0">
-              <a:buNone/>
-              <a:defRPr sz="900"/>
-            </a:lvl7pPr>
-            <a:lvl8pPr marL="3200400" indent="0">
-              <a:buNone/>
-              <a:defRPr sz="900"/>
-            </a:lvl8pPr>
-            <a:lvl9pPr marL="3657600" indent="0">
-              <a:buNone/>
-              <a:defRPr sz="900"/>
-            </a:lvl9pPr>
-          </a:lstStyle>
-          <a:p>
-            <a:pPr lvl="0"/>
-            <a:r>
-              <a:rPr lang="es-ES" smtClean="0"/>
-              <a:t>Haga clic para modificar el estilo de texto del patrón</a:t>
-            </a:r>
-          </a:p>
-        </p:txBody>
-      </p:sp>
-      <p:sp>
-        <p:nvSpPr>
-          <p:cNvPr id="5" name="4 Marcador de fecha"/>
-          <p:cNvSpPr>
-            <a:spLocks noGrp="1"/>
-          </p:cNvSpPr>
-          <p:nvPr>
-            <p:ph type="dt" sz="half" idx="10"/>
-          </p:nvPr>
-        </p:nvSpPr>
-        <p:spPr/>
-        <p:txBody>
-          <a:bodyPr/>
-          <a:lstStyle/>
-          <a:p>
-            <a:fld id="{5E6440AA-91A0-436F-8FDB-C0F939DCAE21}" type="datetimeFigureOut">
-              <a:rPr lang="en-US" smtClean="0"/>
-              <a:t>5/26/2016</a:t>
-            </a:fld>
-            <a:endParaRPr lang="en-US" dirty="0"/>
-          </a:p>
-        </p:txBody>
-      </p:sp>
-      <p:sp>
-        <p:nvSpPr>
-          <p:cNvPr id="6" name="5 Marcador de pie de página"/>
-          <p:cNvSpPr>
-            <a:spLocks noGrp="1"/>
-          </p:cNvSpPr>
-          <p:nvPr>
-            <p:ph type="ftr" sz="quarter" idx="11"/>
-          </p:nvPr>
-        </p:nvSpPr>
-        <p:spPr/>
-        <p:txBody>
-          <a:bodyPr/>
-          <a:lstStyle/>
-          <a:p>
-            <a:endParaRPr lang="en-US" dirty="0"/>
-          </a:p>
-        </p:txBody>
-      </p:sp>
-      <p:sp>
-        <p:nvSpPr>
-          <p:cNvPr id="7" name="6 Marcador de número de diapositiva"/>
-          <p:cNvSpPr>
-            <a:spLocks noGrp="1"/>
-          </p:cNvSpPr>
-          <p:nvPr>
-            <p:ph type="sldNum" sz="quarter" idx="12"/>
-          </p:nvPr>
-        </p:nvSpPr>
-        <p:spPr/>
-        <p:txBody>
-          <a:bodyPr/>
-          <a:lstStyle/>
-          <a:p>
-            <a:fld id="{4FAB73BC-B049-4115-A692-8D63A059BFB8}" type="slidenum">
-              <a:rPr lang="en-US" smtClean="0"/>
-              <a:t>‹Nº›</a:t>
-            </a:fld>
-            <a:endParaRPr lang="en-US" dirty="0"/>
+            <a:r>
+              <a:rPr kumimoji="0" lang="es-ES" smtClean="0"/>
+              <a:t>Haga clic en el icono para agregar una imagen</a:t>
+            </a:r>
+            <a:endParaRPr kumimoji="0" lang="en-US" dirty="0"/>
           </a:p>
         </p:txBody>
       </p:sp>
     </p:spTree>
-    <p:extLst>
-      <p:ext uri="{BB962C8B-B14F-4D97-AF65-F5344CB8AC3E}">
-        <p14:creationId xmlns:p14="http://schemas.microsoft.com/office/powerpoint/2010/main" val="2616531154"/>
-      </p:ext>
-    </p:extLst>
   </p:cSld>
   <p:clrMapOvr>
     <a:masterClrMapping/>
@@ -2610,7 +3043,101 @@
       </p:grpSpPr>
       <p:sp>
         <p:nvSpPr>
-          <p:cNvPr id="2" name="1 Marcador de título"/>
+          <p:cNvPr id="9" name="8 Rectángulo"/>
+          <p:cNvSpPr/>
+          <p:nvPr/>
+        </p:nvSpPr>
+        <p:spPr>
+          <a:xfrm>
+            <a:off x="0" y="0"/>
+            <a:ext cx="12192000" cy="6858000"/>
+          </a:xfrm>
+          <a:prstGeom prst="rect">
+            <a:avLst/>
+          </a:prstGeom>
+          <a:solidFill>
+            <a:srgbClr val="FFFFFF"/>
+          </a:solidFill>
+          <a:ln w="12700" cap="flat" cmpd="sng" algn="ctr">
+            <a:noFill/>
+            <a:prstDash val="solid"/>
+          </a:ln>
+        </p:spPr>
+        <p:style>
+          <a:lnRef idx="2">
+            <a:schemeClr val="accent1"/>
+          </a:lnRef>
+          <a:fillRef idx="1">
+            <a:schemeClr val="accent1"/>
+          </a:fillRef>
+          <a:effectRef idx="0">
+            <a:schemeClr val="accent1"/>
+          </a:effectRef>
+          <a:fontRef idx="minor">
+            <a:schemeClr val="lt1"/>
+          </a:fontRef>
+        </p:style>
+        <p:txBody>
+          <a:bodyPr rtlCol="0" anchor="ctr"/>
+          <a:lstStyle/>
+          <a:p>
+            <a:pPr algn="ctr" eaLnBrk="1" latinLnBrk="0" hangingPunct="1"/>
+            <a:endParaRPr kumimoji="0" lang="en-US"/>
+          </a:p>
+        </p:txBody>
+      </p:sp>
+      <p:sp useBgFill="1">
+        <p:nvSpPr>
+          <p:cNvPr id="8" name="7 Rectángulo redondeado"/>
+          <p:cNvSpPr/>
+          <p:nvPr/>
+        </p:nvSpPr>
+        <p:spPr>
+          <a:xfrm>
+            <a:off x="85344" y="69755"/>
+            <a:ext cx="12017829" cy="6693408"/>
+          </a:xfrm>
+          <a:prstGeom prst="roundRect">
+            <a:avLst>
+              <a:gd name="adj" fmla="val 4929"/>
+            </a:avLst>
+          </a:prstGeom>
+          <a:ln w="6350" cap="sq" cmpd="sng" algn="ctr">
+            <a:solidFill>
+              <a:schemeClr val="tx1">
+                <a:alpha val="100000"/>
+              </a:schemeClr>
+            </a:solidFill>
+            <a:prstDash val="solid"/>
+          </a:ln>
+          <a:effectLst/>
+        </p:spPr>
+        <p:style>
+          <a:lnRef idx="3">
+            <a:schemeClr val="lt1"/>
+          </a:lnRef>
+          <a:fillRef idx="1001">
+            <a:schemeClr val="lt1"/>
+          </a:fillRef>
+          <a:effectRef idx="1">
+            <a:schemeClr val="accent1"/>
+          </a:effectRef>
+          <a:fontRef idx="minor">
+            <a:schemeClr val="lt1"/>
+          </a:fontRef>
+        </p:style>
+        <p:txBody>
+          <a:bodyPr anchor="ctr"/>
+          <a:lstStyle/>
+          <a:p>
+            <a:pPr algn="ctr" eaLnBrk="1" latinLnBrk="0" hangingPunct="1"/>
+            <a:endParaRPr kumimoji="0" lang="en-US"/>
+          </a:p>
+        </p:txBody>
+      </p:sp>
+      <p:sp>
+        <p:nvSpPr>
+          <p:cNvPr id="22" name="21 Marcador de título"/>
           <p:cNvSpPr>
             <a:spLocks noGrp="1"/>
           </p:cNvSpPr>
@@ -2620,30 +3147,30 @@
         </p:nvSpPr>
         <p:spPr>
           <a:xfrm>
-            <a:off x="609600" y="274638"/>
-            <a:ext cx="10972800" cy="1143000"/>
+            <a:off x="1219200" y="274638"/>
+            <a:ext cx="10363200" cy="1143000"/>
           </a:xfrm>
           <a:prstGeom prst="rect">
             <a:avLst/>
           </a:prstGeom>
         </p:spPr>
         <p:txBody>
-          <a:bodyPr vert="horz" lIns="91440" tIns="45720" rIns="91440" bIns="45720" rtlCol="0" anchor="ctr">
+          <a:bodyPr bIns="91440" anchor="b" anchorCtr="0">
             <a:normAutofit/>
           </a:bodyPr>
           <a:lstStyle/>
           <a:p>
             <a:r>
-              <a:rPr lang="es-ES" smtClean="0"/>
+              <a:rPr kumimoji="0" lang="es-ES" smtClean="0"/>
               <a:t>Haga clic para modificar el estilo de título del patrón</a:t>
             </a:r>
-            <a:endParaRPr lang="es-ES"/>
-          </a:p>
-        </p:txBody>
-      </p:sp>
-      <p:sp>
-        <p:nvSpPr>
-          <p:cNvPr id="3" name="2 Marcador de texto"/>
+            <a:endParaRPr kumimoji="0" lang="en-US"/>
+          </a:p>
+        </p:txBody>
+      </p:sp>
+      <p:sp>
+        <p:nvSpPr>
+          <p:cNvPr id="13" name="12 Marcador de texto"/>
           <p:cNvSpPr>
             <a:spLocks noGrp="1"/>
           </p:cNvSpPr>
@@ -2653,59 +3180,59 @@
         </p:nvSpPr>
         <p:spPr>
           <a:xfrm>
-            <a:off x="609600" y="1600201"/>
-            <a:ext cx="10972800" cy="4525963"/>
+            <a:off x="1219200" y="1447800"/>
+            <a:ext cx="10363200" cy="4572000"/>
           </a:xfrm>
           <a:prstGeom prst="rect">
             <a:avLst/>
           </a:prstGeom>
         </p:spPr>
         <p:txBody>
-          <a:bodyPr vert="horz" lIns="91440" tIns="45720" rIns="91440" bIns="45720" rtlCol="0">
+          <a:bodyPr>
             <a:normAutofit/>
           </a:bodyPr>
           <a:lstStyle/>
           <a:p>
-            <a:pPr lvl="0"/>
-            <a:r>
-              <a:rPr lang="es-ES" smtClean="0"/>
+            <a:pPr lvl="0" eaLnBrk="1" latinLnBrk="0" hangingPunct="1"/>
+            <a:r>
+              <a:rPr kumimoji="0" lang="es-ES" smtClean="0"/>
               <a:t>Haga clic para modificar el estilo de texto del patrón</a:t>
             </a:r>
           </a:p>
           <a:p>
-            <a:pPr lvl="1"/>
-            <a:r>
-              <a:rPr lang="es-ES" smtClean="0"/>
+            <a:pPr lvl="1" eaLnBrk="1" latinLnBrk="0" hangingPunct="1"/>
+            <a:r>
+              <a:rPr kumimoji="0" lang="es-ES" smtClean="0"/>
               <a:t>Segundo nivel</a:t>
             </a:r>
           </a:p>
           <a:p>
-            <a:pPr lvl="2"/>
-            <a:r>
-              <a:rPr lang="es-ES" smtClean="0"/>
+            <a:pPr lvl="2" eaLnBrk="1" latinLnBrk="0" hangingPunct="1"/>
+            <a:r>
+              <a:rPr kumimoji="0" lang="es-ES" smtClean="0"/>
               <a:t>Tercer nivel</a:t>
             </a:r>
           </a:p>
           <a:p>
-            <a:pPr lvl="3"/>
-            <a:r>
-              <a:rPr lang="es-ES" smtClean="0"/>
+            <a:pPr lvl="3" eaLnBrk="1" latinLnBrk="0" hangingPunct="1"/>
+            <a:r>
+              <a:rPr kumimoji="0" lang="es-ES" smtClean="0"/>
               <a:t>Cuarto nivel</a:t>
             </a:r>
           </a:p>
           <a:p>
-            <a:pPr lvl="4"/>
-            <a:r>
-              <a:rPr lang="es-ES" smtClean="0"/>
+            <a:pPr lvl="4" eaLnBrk="1" latinLnBrk="0" hangingPunct="1"/>
+            <a:r>
+              <a:rPr kumimoji="0" lang="es-ES" smtClean="0"/>
               <a:t>Quinto nivel</a:t>
             </a:r>
-            <a:endParaRPr lang="es-ES"/>
-          </a:p>
-        </p:txBody>
-      </p:sp>
-      <p:sp>
-        <p:nvSpPr>
-          <p:cNvPr id="4" name="3 Marcador de fecha"/>
+            <a:endParaRPr kumimoji="0" lang="en-US"/>
+          </a:p>
+        </p:txBody>
+      </p:sp>
+      <p:sp>
+        <p:nvSpPr>
+          <p:cNvPr id="14" name="13 Marcador de fecha"/>
           <p:cNvSpPr>
             <a:spLocks noGrp="1"/>
           </p:cNvSpPr>
@@ -2715,22 +3242,20 @@
         </p:nvSpPr>
         <p:spPr>
           <a:xfrm>
-            <a:off x="609600" y="6356351"/>
-            <a:ext cx="2844800" cy="365125"/>
+            <a:off x="8229600" y="6191250"/>
+            <a:ext cx="3302000" cy="476250"/>
           </a:xfrm>
           <a:prstGeom prst="rect">
             <a:avLst/>
           </a:prstGeom>
         </p:spPr>
         <p:txBody>
-          <a:bodyPr vert="horz" lIns="91440" tIns="45720" rIns="91440" bIns="45720" rtlCol="0" anchor="ctr"/>
+          <a:bodyPr anchor="ctr" anchorCtr="0"/>
           <a:lstStyle>
-            <a:lvl1pPr algn="l">
-              <a:defRPr sz="1200">
+            <a:lvl1pPr algn="r" eaLnBrk="1" latinLnBrk="0" hangingPunct="1">
+              <a:defRPr kumimoji="0" sz="1400">
                 <a:solidFill>
-                  <a:schemeClr val="tx1">
-                    <a:tint val="75000"/>
-                  </a:schemeClr>
+                  <a:schemeClr val="tx2"/>
                 </a:solidFill>
               </a:defRPr>
             </a:lvl1pPr>
@@ -2738,7 +3263,7 @@
           <a:p>
             <a:fld id="{0E59FD0C-5451-4CA0-86AF-E70AE3279989}" type="datetimeFigureOut">
               <a:rPr lang="en-US" smtClean="0"/>
-              <a:t>5/26/2016</a:t>
+              <a:t>5/31/2016</a:t>
             </a:fld>
             <a:endParaRPr lang="en-US" dirty="0"/>
           </a:p>
@@ -2746,7 +3271,7 @@
       </p:sp>
       <p:sp>
         <p:nvSpPr>
-          <p:cNvPr id="5" name="4 Marcador de pie de página"/>
+          <p:cNvPr id="3" name="2 Marcador de pie de página"/>
           <p:cNvSpPr>
             <a:spLocks noGrp="1"/>
           </p:cNvSpPr>
@@ -2756,22 +3281,20 @@
         </p:nvSpPr>
         <p:spPr>
           <a:xfrm>
-            <a:off x="4165600" y="6356351"/>
-            <a:ext cx="3860800" cy="365125"/>
+            <a:off x="1219200" y="6172200"/>
+            <a:ext cx="5283200" cy="457200"/>
           </a:xfrm>
           <a:prstGeom prst="rect">
             <a:avLst/>
           </a:prstGeom>
         </p:spPr>
         <p:txBody>
-          <a:bodyPr vert="horz" lIns="91440" tIns="45720" rIns="91440" bIns="45720" rtlCol="0" anchor="ctr"/>
+          <a:bodyPr anchor="ctr" anchorCtr="0"/>
           <a:lstStyle>
-            <a:lvl1pPr algn="ctr">
-              <a:defRPr sz="1200">
+            <a:lvl1pPr eaLnBrk="1" latinLnBrk="0" hangingPunct="1">
+              <a:defRPr kumimoji="0" sz="1400">
                 <a:solidFill>
-                  <a:schemeClr val="tx1">
-                    <a:tint val="75000"/>
-                  </a:schemeClr>
+                  <a:schemeClr val="tx2"/>
                 </a:solidFill>
               </a:defRPr>
             </a:lvl1pPr>
@@ -2783,7 +3306,7 @@
       </p:sp>
       <p:sp>
         <p:nvSpPr>
-          <p:cNvPr id="6" name="5 Marcador de número de diapositiva"/>
+          <p:cNvPr id="23" name="22 Marcador de número de diapositiva"/>
           <p:cNvSpPr>
             <a:spLocks noGrp="1"/>
           </p:cNvSpPr>
@@ -2793,23 +3316,29 @@
         </p:nvSpPr>
         <p:spPr>
           <a:xfrm>
-            <a:off x="8737600" y="6356351"/>
-            <a:ext cx="2844800" cy="365125"/>
+            <a:off x="195072" y="6210300"/>
+            <a:ext cx="609600" cy="457200"/>
           </a:xfrm>
-          <a:prstGeom prst="rect">
+          <a:prstGeom prst="ellipse">
             <a:avLst/>
           </a:prstGeom>
+          <a:solidFill>
+            <a:schemeClr val="accent1"/>
+          </a:solidFill>
         </p:spPr>
         <p:txBody>
-          <a:bodyPr vert="horz" lIns="91440" tIns="45720" rIns="91440" bIns="45720" rtlCol="0" anchor="ctr"/>
+          <a:bodyPr wrap="none" lIns="0" tIns="0" rIns="0" bIns="0" anchor="ctr" anchorCtr="1">
+            <a:noAutofit/>
+          </a:bodyPr>
           <a:lstStyle>
-            <a:lvl1pPr algn="r">
-              <a:defRPr sz="1200">
+            <a:lvl1pPr algn="ctr" eaLnBrk="1" latinLnBrk="0" hangingPunct="1">
+              <a:defRPr kumimoji="0" sz="1400">
                 <a:solidFill>
-                  <a:schemeClr val="tx1">
-                    <a:tint val="75000"/>
-                  </a:schemeClr>
+                  <a:srgbClr val="FFFFFF"/>
                 </a:solidFill>
+                <a:latin typeface="+mj-lt"/>
+                <a:ea typeface="+mj-ea"/>
+                <a:cs typeface="+mj-cs"/>
               </a:defRPr>
             </a:lvl1pPr>
           </a:lstStyle>
@@ -2824,37 +3353,32 @@
         </p:txBody>
       </p:sp>
     </p:spTree>
-    <p:extLst>
-      <p:ext uri="{BB962C8B-B14F-4D97-AF65-F5344CB8AC3E}">
-        <p14:creationId xmlns:p14="http://schemas.microsoft.com/office/powerpoint/2010/main" val="1823653295"/>
-      </p:ext>
-    </p:extLst>
   </p:cSld>
   <p:clrMap bg1="lt1" tx1="dk1" bg2="lt2" tx2="dk2" accent1="accent1" accent2="accent2" accent3="accent3" accent4="accent4" accent5="accent5" accent6="accent6" hlink="hlink" folHlink="folHlink"/>
   <p:sldLayoutIdLst>
-    <p:sldLayoutId id="2147483870" r:id="rId1"/>
-    <p:sldLayoutId id="2147483871" r:id="rId2"/>
-    <p:sldLayoutId id="2147483872" r:id="rId3"/>
-    <p:sldLayoutId id="2147483873" r:id="rId4"/>
-    <p:sldLayoutId id="2147483874" r:id="rId5"/>
-    <p:sldLayoutId id="2147483875" r:id="rId6"/>
-    <p:sldLayoutId id="2147483876" r:id="rId7"/>
-    <p:sldLayoutId id="2147483877" r:id="rId8"/>
-    <p:sldLayoutId id="2147483878" r:id="rId9"/>
-    <p:sldLayoutId id="2147483879" r:id="rId10"/>
-    <p:sldLayoutId id="2147483880" r:id="rId11"/>
+    <p:sldLayoutId id="2147483882" r:id="rId1"/>
+    <p:sldLayoutId id="2147483883" r:id="rId2"/>
+    <p:sldLayoutId id="2147483884" r:id="rId3"/>
+    <p:sldLayoutId id="2147483885" r:id="rId4"/>
+    <p:sldLayoutId id="2147483886" r:id="rId5"/>
+    <p:sldLayoutId id="2147483887" r:id="rId6"/>
+    <p:sldLayoutId id="2147483888" r:id="rId7"/>
+    <p:sldLayoutId id="2147483889" r:id="rId8"/>
+    <p:sldLayoutId id="2147483890" r:id="rId9"/>
+    <p:sldLayoutId id="2147483891" r:id="rId10"/>
+    <p:sldLayoutId id="2147483892" r:id="rId11"/>
   </p:sldLayoutIdLst>
   <p:hf sldNum="0" hdr="0" ftr="0" dt="0"/>
   <p:txStyles>
     <p:titleStyle>
-      <a:lvl1pPr algn="ctr" defTabSz="914400" rtl="0" eaLnBrk="1" latinLnBrk="0" hangingPunct="1">
+      <a:lvl1pPr algn="l" rtl="0" eaLnBrk="1" latinLnBrk="0" hangingPunct="1">
         <a:spcBef>
           <a:spcPct val="0"/>
         </a:spcBef>
         <a:buNone/>
-        <a:defRPr sz="4400" kern="1200">
+        <a:defRPr kumimoji="0" sz="4000" kern="1200">
           <a:solidFill>
-            <a:schemeClr val="tx1"/>
+            <a:schemeClr val="tx2"/>
           </a:solidFill>
           <a:latin typeface="+mj-lt"/>
           <a:ea typeface="+mj-ea"/>
@@ -2863,13 +3387,17 @@
       </a:lvl1pPr>
     </p:titleStyle>
     <p:bodyStyle>
-      <a:lvl1pPr marL="342900" indent="-342900" algn="l" defTabSz="914400" rtl="0" eaLnBrk="1" latinLnBrk="0" hangingPunct="1">
+      <a:lvl1pPr marL="274320" indent="-274320" algn="l" rtl="0" eaLnBrk="1" latinLnBrk="0" hangingPunct="1">
         <a:spcBef>
-          <a:spcPct val="20000"/>
+          <a:spcPts val="580"/>
         </a:spcBef>
-        <a:buFont typeface="Arial" panose="020B0604020202020204" pitchFamily="34" charset="0"/>
-        <a:buChar char="•"/>
-        <a:defRPr sz="3200" kern="1200">
+        <a:buClr>
+          <a:schemeClr val="accent1"/>
+        </a:buClr>
+        <a:buSzPct val="85000"/>
+        <a:buFont typeface="Wingdings 2"/>
+        <a:buChar char=""/>
+        <a:defRPr kumimoji="0" sz="2600" kern="1200">
           <a:solidFill>
             <a:schemeClr val="tx1"/>
           </a:solidFill>
@@ -2878,13 +3406,17 @@
           <a:cs typeface="+mn-cs"/>
         </a:defRPr>
       </a:lvl1pPr>
-      <a:lvl2pPr marL="742950" indent="-285750" algn="l" defTabSz="914400" rtl="0" eaLnBrk="1" latinLnBrk="0" hangingPunct="1">
+      <a:lvl2pPr marL="548640" indent="-228600" algn="l" rtl="0" eaLnBrk="1" latinLnBrk="0" hangingPunct="1">
         <a:spcBef>
-          <a:spcPct val="20000"/>
+          <a:spcPts val="370"/>
         </a:spcBef>
-        <a:buFont typeface="Arial" panose="020B0604020202020204" pitchFamily="34" charset="0"/>
-        <a:buChar char="–"/>
-        <a:defRPr sz="2800" kern="1200">
+        <a:buClr>
+          <a:schemeClr val="accent2"/>
+        </a:buClr>
+        <a:buSzPct val="85000"/>
+        <a:buFont typeface="Wingdings 2"/>
+        <a:buChar char=""/>
+        <a:defRPr kumimoji="0" sz="2400" kern="1200">
           <a:solidFill>
             <a:schemeClr val="tx1"/>
           </a:solidFill>
@@ -2893,13 +3425,19 @@
           <a:cs typeface="+mn-cs"/>
         </a:defRPr>
       </a:lvl2pPr>
-      <a:lvl3pPr marL="1143000" indent="-228600" algn="l" defTabSz="914400" rtl="0" eaLnBrk="1" latinLnBrk="0" hangingPunct="1">
+      <a:lvl3pPr marL="822960" indent="-228600" algn="l" rtl="0" eaLnBrk="1" latinLnBrk="0" hangingPunct="1">
         <a:spcBef>
-          <a:spcPct val="20000"/>
+          <a:spcPts val="370"/>
         </a:spcBef>
-        <a:buFont typeface="Arial" panose="020B0604020202020204" pitchFamily="34" charset="0"/>
-        <a:buChar char="•"/>
-        <a:defRPr sz="2400" kern="1200">
+        <a:buClr>
+          <a:schemeClr val="accent1">
+            <a:tint val="60000"/>
+          </a:schemeClr>
+        </a:buClr>
+        <a:buSzPct val="85000"/>
+        <a:buFont typeface="Wingdings 2"/>
+        <a:buChar char=""/>
+        <a:defRPr kumimoji="0" sz="2000" kern="1200">
           <a:solidFill>
             <a:schemeClr val="tx1"/>
           </a:solidFill>
@@ -2908,13 +3446,17 @@
           <a:cs typeface="+mn-cs"/>
         </a:defRPr>
       </a:lvl3pPr>
-      <a:lvl4pPr marL="1600200" indent="-228600" algn="l" defTabSz="914400" rtl="0" eaLnBrk="1" latinLnBrk="0" hangingPunct="1">
+      <a:lvl4pPr marL="1097280" indent="-228600" algn="l" rtl="0" eaLnBrk="1" latinLnBrk="0" hangingPunct="1">
         <a:spcBef>
-          <a:spcPct val="20000"/>
+          <a:spcPts val="370"/>
         </a:spcBef>
-        <a:buFont typeface="Arial" panose="020B0604020202020204" pitchFamily="34" charset="0"/>
-        <a:buChar char="–"/>
-        <a:defRPr sz="2000" kern="1200">
+        <a:buClr>
+          <a:schemeClr val="accent3"/>
+        </a:buClr>
+        <a:buSzPct val="80000"/>
+        <a:buFont typeface="Wingdings 2"/>
+        <a:buChar char=""/>
+        <a:defRPr kumimoji="0" sz="2000" kern="1200">
           <a:solidFill>
             <a:schemeClr val="tx1"/>
           </a:solidFill>
@@ -2923,13 +3465,16 @@
           <a:cs typeface="+mn-cs"/>
         </a:defRPr>
       </a:lvl4pPr>
-      <a:lvl5pPr marL="2057400" indent="-228600" algn="l" defTabSz="914400" rtl="0" eaLnBrk="1" latinLnBrk="0" hangingPunct="1">
+      <a:lvl5pPr marL="1371600" indent="-228600" algn="l" rtl="0" eaLnBrk="1" latinLnBrk="0" hangingPunct="1">
         <a:spcBef>
-          <a:spcPct val="20000"/>
+          <a:spcPts val="370"/>
         </a:spcBef>
-        <a:buFont typeface="Arial" panose="020B0604020202020204" pitchFamily="34" charset="0"/>
-        <a:buChar char="»"/>
-        <a:defRPr sz="2000" kern="1200">
+        <a:buClr>
+          <a:schemeClr val="accent3"/>
+        </a:buClr>
+        <a:buFontTx/>
+        <a:buChar char="o"/>
+        <a:defRPr kumimoji="0" sz="2000" kern="1200">
           <a:solidFill>
             <a:schemeClr val="tx1"/>
           </a:solidFill>
@@ -2938,13 +3483,15 @@
           <a:cs typeface="+mn-cs"/>
         </a:defRPr>
       </a:lvl5pPr>
-      <a:lvl6pPr marL="2514600" indent="-228600" algn="l" defTabSz="914400" rtl="0" eaLnBrk="1" latinLnBrk="0" hangingPunct="1">
+      <a:lvl6pPr marL="1645920" indent="-228600" algn="l" rtl="0" eaLnBrk="1" latinLnBrk="0" hangingPunct="1">
         <a:spcBef>
-          <a:spcPct val="20000"/>
+          <a:spcPts val="370"/>
         </a:spcBef>
-        <a:buFont typeface="Arial" panose="020B0604020202020204" pitchFamily="34" charset="0"/>
+        <a:buClr>
+          <a:schemeClr val="accent3"/>
+        </a:buClr>
         <a:buChar char="•"/>
-        <a:defRPr sz="2000" kern="1200">
+        <a:defRPr kumimoji="0" sz="1800" kern="1200" baseline="0">
           <a:solidFill>
             <a:schemeClr val="tx1"/>
           </a:solidFill>
@@ -2953,13 +3500,15 @@
           <a:cs typeface="+mn-cs"/>
         </a:defRPr>
       </a:lvl6pPr>
-      <a:lvl7pPr marL="2971800" indent="-228600" algn="l" defTabSz="914400" rtl="0" eaLnBrk="1" latinLnBrk="0" hangingPunct="1">
+      <a:lvl7pPr marL="1920240" indent="-228600" algn="l" rtl="0" eaLnBrk="1" latinLnBrk="0" hangingPunct="1">
         <a:spcBef>
-          <a:spcPct val="20000"/>
+          <a:spcPts val="370"/>
         </a:spcBef>
-        <a:buFont typeface="Arial" panose="020B0604020202020204" pitchFamily="34" charset="0"/>
+        <a:buClr>
+          <a:schemeClr val="accent2"/>
+        </a:buClr>
         <a:buChar char="•"/>
-        <a:defRPr sz="2000" kern="1200">
+        <a:defRPr kumimoji="0" sz="1800" kern="1200">
           <a:solidFill>
             <a:schemeClr val="tx1"/>
           </a:solidFill>
@@ -2968,13 +3517,17 @@
           <a:cs typeface="+mn-cs"/>
         </a:defRPr>
       </a:lvl7pPr>
-      <a:lvl8pPr marL="3429000" indent="-228600" algn="l" defTabSz="914400" rtl="0" eaLnBrk="1" latinLnBrk="0" hangingPunct="1">
+      <a:lvl8pPr marL="2194560" indent="-228600" algn="l" rtl="0" eaLnBrk="1" latinLnBrk="0" hangingPunct="1">
         <a:spcBef>
-          <a:spcPct val="20000"/>
+          <a:spcPts val="370"/>
         </a:spcBef>
-        <a:buFont typeface="Arial" panose="020B0604020202020204" pitchFamily="34" charset="0"/>
+        <a:buClr>
+          <a:schemeClr val="accent1">
+            <a:tint val="60000"/>
+          </a:schemeClr>
+        </a:buClr>
         <a:buChar char="•"/>
-        <a:defRPr sz="2000" kern="1200">
+        <a:defRPr kumimoji="0" sz="1800" kern="1200">
           <a:solidFill>
             <a:schemeClr val="tx1"/>
           </a:solidFill>
@@ -2983,13 +3536,17 @@
           <a:cs typeface="+mn-cs"/>
         </a:defRPr>
       </a:lvl8pPr>
-      <a:lvl9pPr marL="3886200" indent="-228600" algn="l" defTabSz="914400" rtl="0" eaLnBrk="1" latinLnBrk="0" hangingPunct="1">
+      <a:lvl9pPr marL="2468880" indent="-228600" algn="l" rtl="0" eaLnBrk="1" latinLnBrk="0" hangingPunct="1">
         <a:spcBef>
-          <a:spcPct val="20000"/>
+          <a:spcPts val="370"/>
         </a:spcBef>
-        <a:buFont typeface="Arial" panose="020B0604020202020204" pitchFamily="34" charset="0"/>
+        <a:buClr>
+          <a:schemeClr val="accent2">
+            <a:tint val="60000"/>
+          </a:schemeClr>
+        </a:buClr>
         <a:buChar char="•"/>
-        <a:defRPr sz="2000" kern="1200">
+        <a:defRPr kumimoji="0" sz="1800" kern="1200">
           <a:solidFill>
             <a:schemeClr val="tx1"/>
           </a:solidFill>
@@ -3000,11 +3557,8 @@
       </a:lvl9pPr>
     </p:bodyStyle>
     <p:otherStyle>
-      <a:defPPr>
-        <a:defRPr lang="es-ES"/>
-      </a:defPPr>
-      <a:lvl1pPr marL="0" algn="l" defTabSz="914400" rtl="0" eaLnBrk="1" latinLnBrk="0" hangingPunct="1">
-        <a:defRPr sz="1800" kern="1200">
+      <a:lvl1pPr marL="0" algn="l" rtl="0" eaLnBrk="1" latinLnBrk="0" hangingPunct="1">
+        <a:defRPr kumimoji="0" kern="1200">
           <a:solidFill>
             <a:schemeClr val="tx1"/>
           </a:solidFill>
@@ -3013,8 +3567,8 @@
           <a:cs typeface="+mn-cs"/>
         </a:defRPr>
       </a:lvl1pPr>
-      <a:lvl2pPr marL="457200" algn="l" defTabSz="914400" rtl="0" eaLnBrk="1" latinLnBrk="0" hangingPunct="1">
-        <a:defRPr sz="1800" kern="1200">
+      <a:lvl2pPr marL="457200" algn="l" rtl="0" eaLnBrk="1" latinLnBrk="0" hangingPunct="1">
+        <a:defRPr kumimoji="0" kern="1200">
           <a:solidFill>
             <a:schemeClr val="tx1"/>
           </a:solidFill>
@@ -3023,8 +3577,8 @@
           <a:cs typeface="+mn-cs"/>
         </a:defRPr>
       </a:lvl2pPr>
-      <a:lvl3pPr marL="914400" algn="l" defTabSz="914400" rtl="0" eaLnBrk="1" latinLnBrk="0" hangingPunct="1">
-        <a:defRPr sz="1800" kern="1200">
+      <a:lvl3pPr marL="914400" algn="l" rtl="0" eaLnBrk="1" latinLnBrk="0" hangingPunct="1">
+        <a:defRPr kumimoji="0" kern="1200">
           <a:solidFill>
             <a:schemeClr val="tx1"/>
           </a:solidFill>
@@ -3033,8 +3587,8 @@
           <a:cs typeface="+mn-cs"/>
         </a:defRPr>
       </a:lvl3pPr>
-      <a:lvl4pPr marL="1371600" algn="l" defTabSz="914400" rtl="0" eaLnBrk="1" latinLnBrk="0" hangingPunct="1">
-        <a:defRPr sz="1800" kern="1200">
+      <a:lvl4pPr marL="1371600" algn="l" rtl="0" eaLnBrk="1" latinLnBrk="0" hangingPunct="1">
+        <a:defRPr kumimoji="0" kern="1200">
           <a:solidFill>
             <a:schemeClr val="tx1"/>
           </a:solidFill>
@@ -3043,8 +3597,8 @@
           <a:cs typeface="+mn-cs"/>
         </a:defRPr>
       </a:lvl4pPr>
-      <a:lvl5pPr marL="1828800" algn="l" defTabSz="914400" rtl="0" eaLnBrk="1" latinLnBrk="0" hangingPunct="1">
-        <a:defRPr sz="1800" kern="1200">
+      <a:lvl5pPr marL="1828800" algn="l" rtl="0" eaLnBrk="1" latinLnBrk="0" hangingPunct="1">
+        <a:defRPr kumimoji="0" kern="1200">
           <a:solidFill>
             <a:schemeClr val="tx1"/>
           </a:solidFill>
@@ -3053,8 +3607,8 @@
           <a:cs typeface="+mn-cs"/>
         </a:defRPr>
       </a:lvl5pPr>
-      <a:lvl6pPr marL="2286000" algn="l" defTabSz="914400" rtl="0" eaLnBrk="1" latinLnBrk="0" hangingPunct="1">
-        <a:defRPr sz="1800" kern="1200">
+      <a:lvl6pPr marL="2286000" algn="l" rtl="0" eaLnBrk="1" latinLnBrk="0" hangingPunct="1">
+        <a:defRPr kumimoji="0" kern="1200">
           <a:solidFill>
             <a:schemeClr val="tx1"/>
           </a:solidFill>
@@ -3063,8 +3617,8 @@
           <a:cs typeface="+mn-cs"/>
         </a:defRPr>
       </a:lvl6pPr>
-      <a:lvl7pPr marL="2743200" algn="l" defTabSz="914400" rtl="0" eaLnBrk="1" latinLnBrk="0" hangingPunct="1">
-        <a:defRPr sz="1800" kern="1200">
+      <a:lvl7pPr marL="2743200" algn="l" rtl="0" eaLnBrk="1" latinLnBrk="0" hangingPunct="1">
+        <a:defRPr kumimoji="0" kern="1200">
           <a:solidFill>
             <a:schemeClr val="tx1"/>
           </a:solidFill>
@@ -3073,8 +3627,8 @@
           <a:cs typeface="+mn-cs"/>
         </a:defRPr>
       </a:lvl7pPr>
-      <a:lvl8pPr marL="3200400" algn="l" defTabSz="914400" rtl="0" eaLnBrk="1" latinLnBrk="0" hangingPunct="1">
-        <a:defRPr sz="1800" kern="1200">
+      <a:lvl8pPr marL="3200400" algn="l" rtl="0" eaLnBrk="1" latinLnBrk="0" hangingPunct="1">
+        <a:defRPr kumimoji="0" kern="1200">
           <a:solidFill>
             <a:schemeClr val="tx1"/>
           </a:solidFill>
@@ -3083,8 +3637,8 @@
           <a:cs typeface="+mn-cs"/>
         </a:defRPr>
       </a:lvl8pPr>
-      <a:lvl9pPr marL="3657600" algn="l" defTabSz="914400" rtl="0" eaLnBrk="1" latinLnBrk="0" hangingPunct="1">
-        <a:defRPr sz="1800" kern="1200">
+      <a:lvl9pPr marL="3657600" algn="l" rtl="0" eaLnBrk="1" latinLnBrk="0" hangingPunct="1">
+        <a:defRPr kumimoji="0" kern="1200">
           <a:solidFill>
             <a:schemeClr val="tx1"/>
           </a:solidFill>
@@ -3117,6 +3671,43 @@
       </p:grpSpPr>
       <p:sp>
         <p:nvSpPr>
+          <p:cNvPr id="3" name="Subtítulo 2"/>
+          <p:cNvSpPr>
+            <a:spLocks noGrp="1"/>
+          </p:cNvSpPr>
+          <p:nvPr>
+            <p:ph type="subTitle" idx="1"/>
+          </p:nvPr>
+        </p:nvSpPr>
+        <p:spPr/>
+        <p:txBody>
+          <a:bodyPr/>
+          <a:lstStyle/>
+          <a:p>
+            <a:r>
+              <a:rPr lang="en-US" dirty="0" err="1" smtClean="0"/>
+              <a:t>Iskander</a:t>
+            </a:r>
+            <a:r>
+              <a:rPr lang="en-US" dirty="0" smtClean="0"/>
+              <a:t> Sierra</a:t>
+            </a:r>
+          </a:p>
+          <a:p>
+            <a:r>
+              <a:rPr lang="en-US" dirty="0" err="1" smtClean="0"/>
+              <a:t>JGIngenieros</a:t>
+            </a:r>
+            <a:r>
+              <a:rPr lang="en-US" dirty="0" smtClean="0"/>
+              <a:t> S.A.</a:t>
+            </a:r>
+            <a:endParaRPr lang="es-ES" dirty="0"/>
+          </a:p>
+        </p:txBody>
+      </p:sp>
+      <p:sp>
+        <p:nvSpPr>
           <p:cNvPr id="2" name="Título 1"/>
           <p:cNvSpPr>
             <a:spLocks noGrp="1"/>
@@ -3141,43 +3732,6 @@
             <a:r>
               <a:rPr lang="es-ES" dirty="0" err="1"/>
               <a:t>Architecture</a:t>
-            </a:r>
-            <a:endParaRPr lang="es-ES" dirty="0"/>
-          </a:p>
-        </p:txBody>
-      </p:sp>
-      <p:sp>
-        <p:nvSpPr>
-          <p:cNvPr id="3" name="Subtítulo 2"/>
-          <p:cNvSpPr>
-            <a:spLocks noGrp="1"/>
-          </p:cNvSpPr>
-          <p:nvPr>
-            <p:ph type="subTitle" idx="1"/>
-          </p:nvPr>
-        </p:nvSpPr>
-        <p:spPr/>
-        <p:txBody>
-          <a:bodyPr/>
-          <a:lstStyle/>
-          <a:p>
-            <a:r>
-              <a:rPr lang="en-US" dirty="0" err="1" smtClean="0"/>
-              <a:t>Iskander</a:t>
-            </a:r>
-            <a:r>
-              <a:rPr lang="en-US" dirty="0" smtClean="0"/>
-              <a:t> Sierra</a:t>
-            </a:r>
-          </a:p>
-          <a:p>
-            <a:r>
-              <a:rPr lang="en-US" dirty="0" err="1" smtClean="0"/>
-              <a:t>JGIngenieros</a:t>
-            </a:r>
-            <a:r>
-              <a:rPr lang="en-US" dirty="0" smtClean="0"/>
-              <a:t> S.A.</a:t>
             </a:r>
             <a:endParaRPr lang="es-ES" dirty="0"/>
           </a:p>
@@ -3237,7 +3791,11 @@
           <a:p>
             <a:r>
               <a:rPr lang="en-US" dirty="0" smtClean="0"/>
-              <a:t>Data Visualization</a:t>
+              <a:t>Message Oriented </a:t>
+            </a:r>
+            <a:r>
+              <a:rPr lang="en-US" dirty="0"/>
+              <a:t>Architecture</a:t>
             </a:r>
             <a:endParaRPr lang="es-ES" dirty="0"/>
           </a:p>
@@ -3250,22 +3808,126 @@
             <a:spLocks noGrp="1"/>
           </p:cNvSpPr>
           <p:nvPr>
-            <p:ph idx="1"/>
+            <p:ph sz="quarter" idx="1"/>
           </p:nvPr>
         </p:nvSpPr>
         <p:spPr/>
         <p:txBody>
-          <a:bodyPr/>
-          <a:lstStyle/>
-          <a:p>
-            <a:endParaRPr lang="es-ES"/>
-          </a:p>
-        </p:txBody>
-      </p:sp>
+          <a:bodyPr>
+            <a:normAutofit lnSpcReduction="10000"/>
+          </a:bodyPr>
+          <a:lstStyle/>
+          <a:p>
+            <a:pPr marL="0" indent="0">
+              <a:buNone/>
+            </a:pPr>
+            <a:r>
+              <a:rPr lang="en-US" b="1" dirty="0" smtClean="0"/>
+              <a:t>Message queues features</a:t>
+            </a:r>
+          </a:p>
+          <a:p>
+            <a:r>
+              <a:rPr lang="en-US" dirty="0" smtClean="0"/>
+              <a:t>Decoupling</a:t>
+            </a:r>
+          </a:p>
+          <a:p>
+            <a:r>
+              <a:rPr lang="en-US" dirty="0" smtClean="0"/>
+              <a:t>Persistence</a:t>
+            </a:r>
+            <a:endParaRPr lang="en-US" dirty="0" smtClean="0"/>
+          </a:p>
+          <a:p>
+            <a:r>
+              <a:rPr lang="en-US" dirty="0" smtClean="0"/>
+              <a:t>Scalability</a:t>
+            </a:r>
+          </a:p>
+          <a:p>
+            <a:r>
+              <a:rPr lang="en-US" dirty="0" smtClean="0"/>
+              <a:t>Security</a:t>
+            </a:r>
+          </a:p>
+          <a:p>
+            <a:r>
+              <a:rPr lang="en-US" dirty="0" smtClean="0"/>
+              <a:t>Delivery policies</a:t>
+            </a:r>
+          </a:p>
+          <a:p>
+            <a:r>
+              <a:rPr lang="en-US" dirty="0" smtClean="0"/>
+              <a:t>Batching</a:t>
+            </a:r>
+          </a:p>
+          <a:p>
+            <a:r>
+              <a:rPr lang="en-US" dirty="0" smtClean="0"/>
+              <a:t>Priority</a:t>
+            </a:r>
+          </a:p>
+          <a:p>
+            <a:r>
+              <a:rPr lang="en-US" dirty="0" smtClean="0"/>
+              <a:t>Purging</a:t>
+            </a:r>
+          </a:p>
+          <a:p>
+            <a:r>
+              <a:rPr lang="en-US" dirty="0"/>
+              <a:t>Routing</a:t>
+            </a:r>
+          </a:p>
+        </p:txBody>
+      </p:sp>
+      <p:pic>
+        <p:nvPicPr>
+          <p:cNvPr id="1028" name="Picture 4" descr="https://www.cloudamqp.com/images/blog/message_queue_example.png"/>
+          <p:cNvPicPr>
+            <a:picLocks noChangeAspect="1" noChangeArrowheads="1"/>
+          </p:cNvPicPr>
+          <p:nvPr/>
+        </p:nvPicPr>
+        <p:blipFill>
+          <a:blip r:embed="rId2">
+            <a:extLst>
+              <a:ext uri="{28A0092B-C50C-407E-A947-70E740481C1C}">
+                <a14:useLocalDpi xmlns:a14="http://schemas.microsoft.com/office/drawing/2010/main" val="0"/>
+              </a:ext>
+            </a:extLst>
+          </a:blip>
+          <a:srcRect/>
+          <a:stretch>
+            <a:fillRect/>
+          </a:stretch>
+        </p:blipFill>
+        <p:spPr bwMode="auto">
+          <a:xfrm>
+            <a:off x="5329153" y="2755648"/>
+            <a:ext cx="5162550" cy="2533651"/>
+          </a:xfrm>
+          <a:prstGeom prst="rect">
+            <a:avLst/>
+          </a:prstGeom>
+          <a:noFill/>
+          <a:extLst>
+            <a:ext uri="{909E8E84-426E-40DD-AFC4-6F175D3DCCD1}">
+              <a14:hiddenFill xmlns:a14="http://schemas.microsoft.com/office/drawing/2010/main">
+                <a:solidFill>
+                  <a:srgbClr val="FFFFFF"/>
+                </a:solidFill>
+              </a14:hiddenFill>
+            </a:ext>
+          </a:extLst>
+        </p:spPr>
+      </p:pic>
     </p:spTree>
     <p:extLst>
       <p:ext uri="{BB962C8B-B14F-4D97-AF65-F5344CB8AC3E}">
-        <p14:creationId xmlns:p14="http://schemas.microsoft.com/office/powerpoint/2010/main" val="980619019"/>
+        <p14:creationId xmlns:p14="http://schemas.microsoft.com/office/powerpoint/2010/main" val="2432291334"/>
       </p:ext>
     </p:extLst>
   </p:cSld>
@@ -3316,7 +3978,7 @@
           <a:p>
             <a:r>
               <a:rPr lang="en-US" dirty="0" smtClean="0"/>
-              <a:t>HTTP and REST</a:t>
+              <a:t>Data Persistence</a:t>
             </a:r>
             <a:endParaRPr lang="es-ES" dirty="0"/>
           </a:p>
@@ -3329,22 +3991,368 @@
             <a:spLocks noGrp="1"/>
           </p:cNvSpPr>
           <p:nvPr>
-            <p:ph idx="1"/>
+            <p:ph sz="quarter" idx="1"/>
           </p:nvPr>
         </p:nvSpPr>
         <p:spPr/>
         <p:txBody>
-          <a:bodyPr/>
-          <a:lstStyle/>
-          <a:p>
-            <a:endParaRPr lang="es-ES"/>
-          </a:p>
-        </p:txBody>
-      </p:sp>
+          <a:bodyPr>
+            <a:normAutofit fontScale="92500" lnSpcReduction="10000"/>
+          </a:bodyPr>
+          <a:lstStyle/>
+          <a:p>
+            <a:pPr marL="0" indent="0">
+              <a:buNone/>
+            </a:pPr>
+            <a:r>
+              <a:rPr lang="en-US" b="1" dirty="0" smtClean="0"/>
+              <a:t>Data-Model</a:t>
+            </a:r>
+          </a:p>
+          <a:p>
+            <a:r>
+              <a:rPr lang="en-US" dirty="0" smtClean="0"/>
+              <a:t>Relational database</a:t>
+            </a:r>
+            <a:endParaRPr lang="en-US" dirty="0" smtClean="0"/>
+          </a:p>
+          <a:p>
+            <a:r>
+              <a:rPr lang="en-US" dirty="0" smtClean="0"/>
+              <a:t>Document </a:t>
+            </a:r>
+            <a:r>
+              <a:rPr lang="en-US" dirty="0" smtClean="0"/>
+              <a:t>database</a:t>
+            </a:r>
+            <a:endParaRPr lang="en-US" dirty="0" smtClean="0"/>
+          </a:p>
+          <a:p>
+            <a:r>
+              <a:rPr lang="en-US" dirty="0" smtClean="0"/>
+              <a:t>Key-Value </a:t>
+            </a:r>
+            <a:r>
+              <a:rPr lang="en-US" dirty="0" smtClean="0"/>
+              <a:t>store</a:t>
+            </a:r>
+            <a:endParaRPr lang="en-US" dirty="0" smtClean="0"/>
+          </a:p>
+          <a:p>
+            <a:r>
+              <a:rPr lang="en-US" dirty="0" smtClean="0"/>
+              <a:t>Blob </a:t>
+            </a:r>
+            <a:r>
+              <a:rPr lang="en-US" dirty="0" smtClean="0"/>
+              <a:t>store</a:t>
+            </a:r>
+            <a:endParaRPr lang="en-US" dirty="0" smtClean="0"/>
+          </a:p>
+          <a:p>
+            <a:r>
+              <a:rPr lang="en-US" dirty="0" smtClean="0"/>
+              <a:t>Table </a:t>
+            </a:r>
+            <a:r>
+              <a:rPr lang="en-US" dirty="0" smtClean="0"/>
+              <a:t>store</a:t>
+            </a:r>
+            <a:endParaRPr lang="es-ES" dirty="0" smtClean="0"/>
+          </a:p>
+          <a:p>
+            <a:r>
+              <a:rPr lang="en-US" dirty="0" smtClean="0"/>
+              <a:t>Column </a:t>
+            </a:r>
+            <a:r>
+              <a:rPr lang="en-US" dirty="0" smtClean="0"/>
+              <a:t>store</a:t>
+            </a:r>
+            <a:endParaRPr lang="en-US" dirty="0" smtClean="0"/>
+          </a:p>
+          <a:p>
+            <a:r>
+              <a:rPr lang="en-US" dirty="0" smtClean="0"/>
+              <a:t>Index </a:t>
+            </a:r>
+            <a:r>
+              <a:rPr lang="en-US" dirty="0" smtClean="0"/>
+              <a:t>store</a:t>
+            </a:r>
+            <a:endParaRPr lang="en-US" dirty="0" smtClean="0"/>
+          </a:p>
+          <a:p>
+            <a:r>
+              <a:rPr lang="en-US" dirty="0" smtClean="0"/>
+              <a:t>Graph </a:t>
+            </a:r>
+            <a:r>
+              <a:rPr lang="en-US" dirty="0" smtClean="0"/>
+              <a:t>store</a:t>
+            </a:r>
+          </a:p>
+          <a:p>
+            <a:r>
+              <a:rPr lang="en-US" dirty="0" smtClean="0"/>
+              <a:t>Event store</a:t>
+            </a:r>
+          </a:p>
+          <a:p>
+            <a:r>
+              <a:rPr lang="en-US" dirty="0" err="1" smtClean="0"/>
+              <a:t>Datawarehouse</a:t>
+            </a:r>
+            <a:endParaRPr lang="en-US" dirty="0" smtClean="0"/>
+          </a:p>
+        </p:txBody>
+      </p:sp>
+      <p:pic>
+        <p:nvPicPr>
+          <p:cNvPr id="8198" name="Picture 6" descr="https://azure.microsoft.com/svghandler/sql-database/?width=600&amp;height=315"/>
+          <p:cNvPicPr>
+            <a:picLocks noChangeAspect="1" noChangeArrowheads="1"/>
+          </p:cNvPicPr>
+          <p:nvPr/>
+        </p:nvPicPr>
+        <p:blipFill rotWithShape="1">
+          <a:blip r:embed="rId2">
+            <a:extLst>
+              <a:ext uri="{28A0092B-C50C-407E-A947-70E740481C1C}">
+                <a14:useLocalDpi xmlns:a14="http://schemas.microsoft.com/office/drawing/2010/main" val="0"/>
+              </a:ext>
+            </a:extLst>
+          </a:blip>
+          <a:srcRect l="29115" r="29509"/>
+          <a:stretch/>
+        </p:blipFill>
+        <p:spPr bwMode="auto">
+          <a:xfrm>
+            <a:off x="5317959" y="1062706"/>
+            <a:ext cx="1864894" cy="2366294"/>
+          </a:xfrm>
+          <a:prstGeom prst="rect">
+            <a:avLst/>
+          </a:prstGeom>
+          <a:noFill/>
+          <a:extLst>
+            <a:ext uri="{909E8E84-426E-40DD-AFC4-6F175D3DCCD1}">
+              <a14:hiddenFill xmlns:a14="http://schemas.microsoft.com/office/drawing/2010/main">
+                <a:solidFill>
+                  <a:srgbClr val="FFFFFF"/>
+                </a:solidFill>
+              </a14:hiddenFill>
+            </a:ext>
+          </a:extLst>
+        </p:spPr>
+      </p:pic>
+      <p:pic>
+        <p:nvPicPr>
+          <p:cNvPr id="8200" name="Picture 8" descr="https://azure.microsoft.com/svghandler/documentdb/?width=600&amp;height=315"/>
+          <p:cNvPicPr>
+            <a:picLocks noChangeAspect="1" noChangeArrowheads="1"/>
+          </p:cNvPicPr>
+          <p:nvPr/>
+        </p:nvPicPr>
+        <p:blipFill rotWithShape="1">
+          <a:blip r:embed="rId3">
+            <a:extLst>
+              <a:ext uri="{28A0092B-C50C-407E-A947-70E740481C1C}">
+                <a14:useLocalDpi xmlns:a14="http://schemas.microsoft.com/office/drawing/2010/main" val="0"/>
+              </a:ext>
+            </a:extLst>
+          </a:blip>
+          <a:srcRect l="28948" r="28527"/>
+          <a:stretch/>
+        </p:blipFill>
+        <p:spPr bwMode="auto">
+          <a:xfrm>
+            <a:off x="7375358" y="1062707"/>
+            <a:ext cx="1920208" cy="2370627"/>
+          </a:xfrm>
+          <a:prstGeom prst="rect">
+            <a:avLst/>
+          </a:prstGeom>
+          <a:noFill/>
+          <a:extLst>
+            <a:ext uri="{909E8E84-426E-40DD-AFC4-6F175D3DCCD1}">
+              <a14:hiddenFill xmlns:a14="http://schemas.microsoft.com/office/drawing/2010/main">
+                <a:solidFill>
+                  <a:srgbClr val="FFFFFF"/>
+                </a:solidFill>
+              </a14:hiddenFill>
+            </a:ext>
+          </a:extLst>
+        </p:spPr>
+      </p:pic>
+      <p:pic>
+        <p:nvPicPr>
+          <p:cNvPr id="8202" name="Picture 10" descr="http://cloudacademy.com/blog/wp-content/uploads/2015/11/Azure-Storage.jpg"/>
+          <p:cNvPicPr>
+            <a:picLocks noChangeAspect="1" noChangeArrowheads="1"/>
+          </p:cNvPicPr>
+          <p:nvPr/>
+        </p:nvPicPr>
+        <p:blipFill>
+          <a:blip r:embed="rId4">
+            <a:extLst>
+              <a:ext uri="{28A0092B-C50C-407E-A947-70E740481C1C}">
+                <a14:useLocalDpi xmlns:a14="http://schemas.microsoft.com/office/drawing/2010/main" val="0"/>
+              </a:ext>
+            </a:extLst>
+          </a:blip>
+          <a:srcRect/>
+          <a:stretch>
+            <a:fillRect/>
+          </a:stretch>
+        </p:blipFill>
+        <p:spPr bwMode="auto">
+          <a:xfrm>
+            <a:off x="9648491" y="1062707"/>
+            <a:ext cx="2190750" cy="2190750"/>
+          </a:xfrm>
+          <a:prstGeom prst="rect">
+            <a:avLst/>
+          </a:prstGeom>
+          <a:noFill/>
+          <a:extLst>
+            <a:ext uri="{909E8E84-426E-40DD-AFC4-6F175D3DCCD1}">
+              <a14:hiddenFill xmlns:a14="http://schemas.microsoft.com/office/drawing/2010/main">
+                <a:solidFill>
+                  <a:srgbClr val="FFFFFF"/>
+                </a:solidFill>
+              </a14:hiddenFill>
+            </a:ext>
+          </a:extLst>
+        </p:spPr>
+      </p:pic>
+      <p:pic>
+        <p:nvPicPr>
+          <p:cNvPr id="8204" name="Picture 12" descr="https://jaxenter.com/wp-content/uploads/2013/01/Cassandra.jpg"/>
+          <p:cNvPicPr>
+            <a:picLocks noChangeAspect="1" noChangeArrowheads="1"/>
+          </p:cNvPicPr>
+          <p:nvPr/>
+        </p:nvPicPr>
+        <p:blipFill>
+          <a:blip r:embed="rId5">
+            <a:extLst>
+              <a:ext uri="{28A0092B-C50C-407E-A947-70E740481C1C}">
+                <a14:useLocalDpi xmlns:a14="http://schemas.microsoft.com/office/drawing/2010/main" val="0"/>
+              </a:ext>
+            </a:extLst>
+          </a:blip>
+          <a:srcRect/>
+          <a:stretch>
+            <a:fillRect/>
+          </a:stretch>
+        </p:blipFill>
+        <p:spPr bwMode="auto">
+          <a:xfrm>
+            <a:off x="5946608" y="3838073"/>
+            <a:ext cx="1428750" cy="952500"/>
+          </a:xfrm>
+          <a:prstGeom prst="rect">
+            <a:avLst/>
+          </a:prstGeom>
+          <a:noFill/>
+          <a:extLst>
+            <a:ext uri="{909E8E84-426E-40DD-AFC4-6F175D3DCCD1}">
+              <a14:hiddenFill xmlns:a14="http://schemas.microsoft.com/office/drawing/2010/main">
+                <a:solidFill>
+                  <a:srgbClr val="FFFFFF"/>
+                </a:solidFill>
+              </a14:hiddenFill>
+            </a:ext>
+          </a:extLst>
+        </p:spPr>
+      </p:pic>
+      <p:pic>
+        <p:nvPicPr>
+          <p:cNvPr id="8206" name="Picture 14" descr="https://s3.amazonaws.com/dev.assets.neo4j.com/wp-content/uploads/20140926224303/neo4j_logo-facebook.png"/>
+          <p:cNvPicPr>
+            <a:picLocks noChangeAspect="1" noChangeArrowheads="1"/>
+          </p:cNvPicPr>
+          <p:nvPr/>
+        </p:nvPicPr>
+        <p:blipFill>
+          <a:blip r:embed="rId6">
+            <a:extLst>
+              <a:ext uri="{28A0092B-C50C-407E-A947-70E740481C1C}">
+                <a14:useLocalDpi xmlns:a14="http://schemas.microsoft.com/office/drawing/2010/main" val="0"/>
+              </a:ext>
+            </a:extLst>
+          </a:blip>
+          <a:srcRect/>
+          <a:stretch>
+            <a:fillRect/>
+          </a:stretch>
+        </p:blipFill>
+        <p:spPr bwMode="auto">
+          <a:xfrm>
+            <a:off x="8237203" y="3578437"/>
+            <a:ext cx="2822575" cy="1471771"/>
+          </a:xfrm>
+          <a:prstGeom prst="rect">
+            <a:avLst/>
+          </a:prstGeom>
+          <a:noFill/>
+          <a:extLst>
+            <a:ext uri="{909E8E84-426E-40DD-AFC4-6F175D3DCCD1}">
+              <a14:hiddenFill xmlns:a14="http://schemas.microsoft.com/office/drawing/2010/main">
+                <a:solidFill>
+                  <a:srgbClr val="FFFFFF"/>
+                </a:solidFill>
+              </a14:hiddenFill>
+            </a:ext>
+          </a:extLst>
+        </p:spPr>
+      </p:pic>
+      <p:pic>
+        <p:nvPicPr>
+          <p:cNvPr id="8208" name="Picture 16" descr="http://blog.sysfore.com/wp-content/uploads/2014/12/Event-Hubs.png"/>
+          <p:cNvPicPr>
+            <a:picLocks noChangeAspect="1" noChangeArrowheads="1"/>
+          </p:cNvPicPr>
+          <p:nvPr/>
+        </p:nvPicPr>
+        <p:blipFill>
+          <a:blip r:embed="rId7">
+            <a:extLst>
+              <a:ext uri="{28A0092B-C50C-407E-A947-70E740481C1C}">
+                <a14:useLocalDpi xmlns:a14="http://schemas.microsoft.com/office/drawing/2010/main" val="0"/>
+              </a:ext>
+            </a:extLst>
+          </a:blip>
+          <a:srcRect/>
+          <a:stretch>
+            <a:fillRect/>
+          </a:stretch>
+        </p:blipFill>
+        <p:spPr bwMode="auto">
+          <a:xfrm>
+            <a:off x="7574966" y="5050208"/>
+            <a:ext cx="1520992" cy="1520992"/>
+          </a:xfrm>
+          <a:prstGeom prst="rect">
+            <a:avLst/>
+          </a:prstGeom>
+          <a:noFill/>
+          <a:extLst>
+            <a:ext uri="{909E8E84-426E-40DD-AFC4-6F175D3DCCD1}">
+              <a14:hiddenFill xmlns:a14="http://schemas.microsoft.com/office/drawing/2010/main">
+                <a:solidFill>
+                  <a:srgbClr val="FFFFFF"/>
+                </a:solidFill>
+              </a14:hiddenFill>
+            </a:ext>
+          </a:extLst>
+        </p:spPr>
+      </p:pic>
     </p:spTree>
     <p:extLst>
       <p:ext uri="{BB962C8B-B14F-4D97-AF65-F5344CB8AC3E}">
-        <p14:creationId xmlns:p14="http://schemas.microsoft.com/office/powerpoint/2010/main" val="3232929249"/>
+        <p14:creationId xmlns:p14="http://schemas.microsoft.com/office/powerpoint/2010/main" val="3178203531"/>
       </p:ext>
     </p:extLst>
   </p:cSld>
@@ -3395,7 +4403,7 @@
           <a:p>
             <a:r>
               <a:rPr lang="en-US" dirty="0" smtClean="0"/>
-              <a:t>Azure IaaS and PaaS</a:t>
+              <a:t>Data Persistence</a:t>
             </a:r>
             <a:endParaRPr lang="es-ES" dirty="0"/>
           </a:p>
@@ -3403,27 +4411,169 @@
       </p:sp>
       <p:sp>
         <p:nvSpPr>
-          <p:cNvPr id="3" name="2 Marcador de contenido"/>
+          <p:cNvPr id="4" name="3 Marcador de contenido"/>
           <p:cNvSpPr>
             <a:spLocks noGrp="1"/>
           </p:cNvSpPr>
           <p:nvPr>
-            <p:ph idx="1"/>
+            <p:ph sz="quarter" idx="1"/>
           </p:nvPr>
         </p:nvSpPr>
-        <p:spPr/>
+        <p:spPr>
+          <a:xfrm>
+            <a:off x="1219200" y="1447800"/>
+            <a:ext cx="5241758" cy="4572000"/>
+          </a:xfrm>
+        </p:spPr>
+        <p:txBody>
+          <a:bodyPr>
+            <a:normAutofit/>
+          </a:bodyPr>
+          <a:lstStyle/>
+          <a:p>
+            <a:pPr marL="0" indent="0">
+              <a:buNone/>
+            </a:pPr>
+            <a:r>
+              <a:rPr lang="en-US" b="1" dirty="0"/>
+              <a:t>On-line </a:t>
+            </a:r>
+            <a:r>
+              <a:rPr lang="en-US" b="1" dirty="0" smtClean="0"/>
+              <a:t>Transaction Processing</a:t>
+            </a:r>
+          </a:p>
+          <a:p>
+            <a:r>
+              <a:rPr lang="en-US" dirty="0" smtClean="0"/>
+              <a:t>Operational data</a:t>
+            </a:r>
+          </a:p>
+          <a:p>
+            <a:r>
+              <a:rPr lang="en-US" dirty="0" smtClean="0"/>
+              <a:t>Control and run fundamental business tasks</a:t>
+            </a:r>
+            <a:endParaRPr lang="en-US" dirty="0"/>
+          </a:p>
+          <a:p>
+            <a:r>
+              <a:rPr lang="en-US" dirty="0" smtClean="0"/>
+              <a:t>Source of business facts</a:t>
+            </a:r>
+          </a:p>
+          <a:p>
+            <a:r>
+              <a:rPr lang="en-US" dirty="0" smtClean="0"/>
+              <a:t>Short and fast updates</a:t>
+            </a:r>
+            <a:endParaRPr lang="en-US" dirty="0"/>
+          </a:p>
+          <a:p>
+            <a:r>
+              <a:rPr lang="en-US" dirty="0" smtClean="0"/>
+              <a:t>Simple queries and short results</a:t>
+            </a:r>
+            <a:endParaRPr lang="en-US" dirty="0"/>
+          </a:p>
+          <a:p>
+            <a:r>
+              <a:rPr lang="en-US" dirty="0" smtClean="0"/>
+              <a:t>Requires small space</a:t>
+            </a:r>
+          </a:p>
+          <a:p>
+            <a:r>
+              <a:rPr lang="en-US" dirty="0" smtClean="0"/>
+              <a:t>Backup critical</a:t>
+            </a:r>
+            <a:endParaRPr lang="es-ES" dirty="0"/>
+          </a:p>
+        </p:txBody>
+      </p:sp>
+      <p:sp>
+        <p:nvSpPr>
+          <p:cNvPr id="6" name="5 Marcador de contenido"/>
+          <p:cNvSpPr>
+            <a:spLocks noGrp="1"/>
+          </p:cNvSpPr>
+          <p:nvPr>
+            <p:ph sz="quarter" idx="2"/>
+          </p:nvPr>
+        </p:nvSpPr>
+        <p:spPr>
+          <a:xfrm>
+            <a:off x="6578600" y="1447800"/>
+            <a:ext cx="5308600" cy="4572000"/>
+          </a:xfrm>
+        </p:spPr>
         <p:txBody>
           <a:bodyPr/>
           <a:lstStyle/>
           <a:p>
-            <a:endParaRPr lang="es-ES"/>
+            <a:pPr marL="0" indent="0">
+              <a:buNone/>
+            </a:pPr>
+            <a:r>
+              <a:rPr lang="en-US" b="1" dirty="0"/>
+              <a:t>On-line Analytical Processing</a:t>
+            </a:r>
+            <a:endParaRPr lang="en-US" b="1" dirty="0" smtClean="0"/>
+          </a:p>
+          <a:p>
+            <a:r>
+              <a:rPr lang="en-US" dirty="0" smtClean="0"/>
+              <a:t>Consolidation data</a:t>
+            </a:r>
+            <a:endParaRPr lang="en-US" dirty="0"/>
+          </a:p>
+          <a:p>
+            <a:r>
+              <a:rPr lang="en-US" dirty="0" smtClean="0"/>
+              <a:t>Planning, problem solving and decision support</a:t>
+            </a:r>
+          </a:p>
+          <a:p>
+            <a:r>
+              <a:rPr lang="en-US" dirty="0" smtClean="0"/>
+              <a:t>Multidimensional views</a:t>
+            </a:r>
+          </a:p>
+          <a:p>
+            <a:r>
+              <a:rPr lang="en-US" dirty="0" smtClean="0"/>
+              <a:t>Complex stream/batch updates</a:t>
+            </a:r>
+          </a:p>
+          <a:p>
+            <a:r>
+              <a:rPr lang="en-US" dirty="0" smtClean="0"/>
+              <a:t>Complex indexed queries</a:t>
+            </a:r>
+            <a:endParaRPr lang="en-US" dirty="0"/>
+          </a:p>
+          <a:p>
+            <a:r>
+              <a:rPr lang="en-US" dirty="0" smtClean="0"/>
+              <a:t>Large space, data duplication</a:t>
+            </a:r>
+          </a:p>
+          <a:p>
+            <a:r>
+              <a:rPr lang="en-US" dirty="0" smtClean="0"/>
+              <a:t>Derived from OLTP system</a:t>
+            </a:r>
+            <a:endParaRPr lang="en-US" dirty="0"/>
+          </a:p>
+          <a:p>
+            <a:endParaRPr lang="en-US" dirty="0" smtClean="0"/>
           </a:p>
         </p:txBody>
       </p:sp>
     </p:spTree>
     <p:extLst>
       <p:ext uri="{BB962C8B-B14F-4D97-AF65-F5344CB8AC3E}">
-        <p14:creationId xmlns:p14="http://schemas.microsoft.com/office/powerpoint/2010/main" val="3468625466"/>
+        <p14:creationId xmlns:p14="http://schemas.microsoft.com/office/powerpoint/2010/main" val="2051132868"/>
       </p:ext>
     </p:extLst>
   </p:cSld>
@@ -3474,7 +4624,7 @@
           <a:p>
             <a:r>
               <a:rPr lang="en-US" dirty="0" smtClean="0"/>
-              <a:t>GIT and Source Control</a:t>
+              <a:t>Domain Driven Design</a:t>
             </a:r>
             <a:endParaRPr lang="es-ES" dirty="0"/>
           </a:p>
@@ -3487,7 +4637,684 @@
             <a:spLocks noGrp="1"/>
           </p:cNvSpPr>
           <p:nvPr>
-            <p:ph idx="1"/>
+            <p:ph sz="quarter" idx="1"/>
+          </p:nvPr>
+        </p:nvSpPr>
+        <p:spPr/>
+        <p:txBody>
+          <a:bodyPr/>
+          <a:lstStyle/>
+          <a:p>
+            <a:endParaRPr lang="es-ES"/>
+          </a:p>
+        </p:txBody>
+      </p:sp>
+    </p:spTree>
+    <p:extLst>
+      <p:ext uri="{BB962C8B-B14F-4D97-AF65-F5344CB8AC3E}">
+        <p14:creationId xmlns:p14="http://schemas.microsoft.com/office/powerpoint/2010/main" val="2506892404"/>
+      </p:ext>
+    </p:extLst>
+  </p:cSld>
+  <p:clrMapOvr>
+    <a:masterClrMapping/>
+  </p:clrMapOvr>
+  <p:timing>
+    <p:tnLst>
+      <p:par>
+        <p:cTn id="1" dur="indefinite" restart="never" nodeType="tmRoot"/>
+      </p:par>
+    </p:tnLst>
+  </p:timing>
+</p:sld>
+</file>
+
+<file path=ppt/slides/slide14.xml><?xml version="1.0" encoding="utf-8"?>
+<p:sld xmlns:a="http://schemas.openxmlformats.org/drawingml/2006/main" xmlns:r="http://schemas.openxmlformats.org/officeDocument/2006/relationships" xmlns:p="http://schemas.openxmlformats.org/presentationml/2006/main">
+  <p:cSld>
+    <p:spTree>
+      <p:nvGrpSpPr>
+        <p:cNvPr id="1" name=""/>
+        <p:cNvGrpSpPr/>
+        <p:nvPr/>
+      </p:nvGrpSpPr>
+      <p:grpSpPr>
+        <a:xfrm>
+          <a:off x="0" y="0"/>
+          <a:ext cx="0" cy="0"/>
+          <a:chOff x="0" y="0"/>
+          <a:chExt cx="0" cy="0"/>
+        </a:xfrm>
+      </p:grpSpPr>
+      <p:sp>
+        <p:nvSpPr>
+          <p:cNvPr id="2" name="1 Título"/>
+          <p:cNvSpPr>
+            <a:spLocks noGrp="1"/>
+          </p:cNvSpPr>
+          <p:nvPr>
+            <p:ph type="title"/>
+          </p:nvPr>
+        </p:nvSpPr>
+        <p:spPr/>
+        <p:txBody>
+          <a:bodyPr/>
+          <a:lstStyle/>
+          <a:p>
+            <a:r>
+              <a:rPr lang="en-US" dirty="0" smtClean="0"/>
+              <a:t>CQRS</a:t>
+            </a:r>
+            <a:endParaRPr lang="es-ES" dirty="0"/>
+          </a:p>
+        </p:txBody>
+      </p:sp>
+      <p:sp>
+        <p:nvSpPr>
+          <p:cNvPr id="3" name="2 Marcador de contenido"/>
+          <p:cNvSpPr>
+            <a:spLocks noGrp="1"/>
+          </p:cNvSpPr>
+          <p:nvPr>
+            <p:ph sz="quarter" idx="1"/>
+          </p:nvPr>
+        </p:nvSpPr>
+        <p:spPr/>
+        <p:txBody>
+          <a:bodyPr/>
+          <a:lstStyle/>
+          <a:p>
+            <a:endParaRPr lang="es-ES"/>
+          </a:p>
+        </p:txBody>
+      </p:sp>
+    </p:spTree>
+    <p:extLst>
+      <p:ext uri="{BB962C8B-B14F-4D97-AF65-F5344CB8AC3E}">
+        <p14:creationId xmlns:p14="http://schemas.microsoft.com/office/powerpoint/2010/main" val="4070178371"/>
+      </p:ext>
+    </p:extLst>
+  </p:cSld>
+  <p:clrMapOvr>
+    <a:masterClrMapping/>
+  </p:clrMapOvr>
+  <p:timing>
+    <p:tnLst>
+      <p:par>
+        <p:cTn id="1" dur="indefinite" restart="never" nodeType="tmRoot"/>
+      </p:par>
+    </p:tnLst>
+  </p:timing>
+</p:sld>
+</file>
+
+<file path=ppt/slides/slide15.xml><?xml version="1.0" encoding="utf-8"?>
+<p:sld xmlns:a="http://schemas.openxmlformats.org/drawingml/2006/main" xmlns:r="http://schemas.openxmlformats.org/officeDocument/2006/relationships" xmlns:p="http://schemas.openxmlformats.org/presentationml/2006/main">
+  <p:cSld>
+    <p:spTree>
+      <p:nvGrpSpPr>
+        <p:cNvPr id="1" name=""/>
+        <p:cNvGrpSpPr/>
+        <p:nvPr/>
+      </p:nvGrpSpPr>
+      <p:grpSpPr>
+        <a:xfrm>
+          <a:off x="0" y="0"/>
+          <a:ext cx="0" cy="0"/>
+          <a:chOff x="0" y="0"/>
+          <a:chExt cx="0" cy="0"/>
+        </a:xfrm>
+      </p:grpSpPr>
+      <p:sp>
+        <p:nvSpPr>
+          <p:cNvPr id="2" name="1 Título"/>
+          <p:cNvSpPr>
+            <a:spLocks noGrp="1"/>
+          </p:cNvSpPr>
+          <p:nvPr>
+            <p:ph type="title"/>
+          </p:nvPr>
+        </p:nvSpPr>
+        <p:spPr/>
+        <p:txBody>
+          <a:bodyPr/>
+          <a:lstStyle/>
+          <a:p>
+            <a:r>
+              <a:rPr lang="en-US" dirty="0" smtClean="0"/>
+              <a:t>Functional Programming</a:t>
+            </a:r>
+            <a:endParaRPr lang="es-ES" dirty="0"/>
+          </a:p>
+        </p:txBody>
+      </p:sp>
+      <p:sp>
+        <p:nvSpPr>
+          <p:cNvPr id="3" name="2 Marcador de contenido"/>
+          <p:cNvSpPr>
+            <a:spLocks noGrp="1"/>
+          </p:cNvSpPr>
+          <p:nvPr>
+            <p:ph sz="quarter" idx="1"/>
+          </p:nvPr>
+        </p:nvSpPr>
+        <p:spPr/>
+        <p:txBody>
+          <a:bodyPr/>
+          <a:lstStyle/>
+          <a:p>
+            <a:endParaRPr lang="es-ES"/>
+          </a:p>
+        </p:txBody>
+      </p:sp>
+    </p:spTree>
+    <p:extLst>
+      <p:ext uri="{BB962C8B-B14F-4D97-AF65-F5344CB8AC3E}">
+        <p14:creationId xmlns:p14="http://schemas.microsoft.com/office/powerpoint/2010/main" val="2456586473"/>
+      </p:ext>
+    </p:extLst>
+  </p:cSld>
+  <p:clrMapOvr>
+    <a:masterClrMapping/>
+  </p:clrMapOvr>
+  <p:timing>
+    <p:tnLst>
+      <p:par>
+        <p:cTn id="1" dur="indefinite" restart="never" nodeType="tmRoot"/>
+      </p:par>
+    </p:tnLst>
+  </p:timing>
+</p:sld>
+</file>
+
+<file path=ppt/slides/slide16.xml><?xml version="1.0" encoding="utf-8"?>
+<p:sld xmlns:a="http://schemas.openxmlformats.org/drawingml/2006/main" xmlns:r="http://schemas.openxmlformats.org/officeDocument/2006/relationships" xmlns:p="http://schemas.openxmlformats.org/presentationml/2006/main">
+  <p:cSld>
+    <p:spTree>
+      <p:nvGrpSpPr>
+        <p:cNvPr id="1" name=""/>
+        <p:cNvGrpSpPr/>
+        <p:nvPr/>
+      </p:nvGrpSpPr>
+      <p:grpSpPr>
+        <a:xfrm>
+          <a:off x="0" y="0"/>
+          <a:ext cx="0" cy="0"/>
+          <a:chOff x="0" y="0"/>
+          <a:chExt cx="0" cy="0"/>
+        </a:xfrm>
+      </p:grpSpPr>
+      <p:sp>
+        <p:nvSpPr>
+          <p:cNvPr id="2" name="1 Título"/>
+          <p:cNvSpPr>
+            <a:spLocks noGrp="1"/>
+          </p:cNvSpPr>
+          <p:nvPr>
+            <p:ph type="title"/>
+          </p:nvPr>
+        </p:nvSpPr>
+        <p:spPr/>
+        <p:txBody>
+          <a:bodyPr/>
+          <a:lstStyle/>
+          <a:p>
+            <a:r>
+              <a:rPr lang="en-US" dirty="0" smtClean="0"/>
+              <a:t>Actors Model</a:t>
+            </a:r>
+            <a:endParaRPr lang="es-ES" dirty="0"/>
+          </a:p>
+        </p:txBody>
+      </p:sp>
+      <p:sp>
+        <p:nvSpPr>
+          <p:cNvPr id="3" name="2 Marcador de contenido"/>
+          <p:cNvSpPr>
+            <a:spLocks noGrp="1"/>
+          </p:cNvSpPr>
+          <p:nvPr>
+            <p:ph sz="quarter" idx="1"/>
+          </p:nvPr>
+        </p:nvSpPr>
+        <p:spPr/>
+        <p:txBody>
+          <a:bodyPr/>
+          <a:lstStyle/>
+          <a:p>
+            <a:endParaRPr lang="es-ES"/>
+          </a:p>
+        </p:txBody>
+      </p:sp>
+    </p:spTree>
+    <p:extLst>
+      <p:ext uri="{BB962C8B-B14F-4D97-AF65-F5344CB8AC3E}">
+        <p14:creationId xmlns:p14="http://schemas.microsoft.com/office/powerpoint/2010/main" val="2102007711"/>
+      </p:ext>
+    </p:extLst>
+  </p:cSld>
+  <p:clrMapOvr>
+    <a:masterClrMapping/>
+  </p:clrMapOvr>
+  <p:timing>
+    <p:tnLst>
+      <p:par>
+        <p:cTn id="1" dur="indefinite" restart="never" nodeType="tmRoot"/>
+      </p:par>
+    </p:tnLst>
+  </p:timing>
+</p:sld>
+</file>
+
+<file path=ppt/slides/slide17.xml><?xml version="1.0" encoding="utf-8"?>
+<p:sld xmlns:a="http://schemas.openxmlformats.org/drawingml/2006/main" xmlns:r="http://schemas.openxmlformats.org/officeDocument/2006/relationships" xmlns:p="http://schemas.openxmlformats.org/presentationml/2006/main">
+  <p:cSld>
+    <p:spTree>
+      <p:nvGrpSpPr>
+        <p:cNvPr id="1" name=""/>
+        <p:cNvGrpSpPr/>
+        <p:nvPr/>
+      </p:nvGrpSpPr>
+      <p:grpSpPr>
+        <a:xfrm>
+          <a:off x="0" y="0"/>
+          <a:ext cx="0" cy="0"/>
+          <a:chOff x="0" y="0"/>
+          <a:chExt cx="0" cy="0"/>
+        </a:xfrm>
+      </p:grpSpPr>
+      <p:sp>
+        <p:nvSpPr>
+          <p:cNvPr id="2" name="1 Título"/>
+          <p:cNvSpPr>
+            <a:spLocks noGrp="1"/>
+          </p:cNvSpPr>
+          <p:nvPr>
+            <p:ph type="title"/>
+          </p:nvPr>
+        </p:nvSpPr>
+        <p:spPr/>
+        <p:txBody>
+          <a:bodyPr/>
+          <a:lstStyle/>
+          <a:p>
+            <a:r>
+              <a:rPr lang="en-US" dirty="0" smtClean="0"/>
+              <a:t>Data Visualization</a:t>
+            </a:r>
+            <a:endParaRPr lang="es-ES" dirty="0"/>
+          </a:p>
+        </p:txBody>
+      </p:sp>
+      <p:sp>
+        <p:nvSpPr>
+          <p:cNvPr id="3" name="2 Marcador de contenido"/>
+          <p:cNvSpPr>
+            <a:spLocks noGrp="1"/>
+          </p:cNvSpPr>
+          <p:nvPr>
+            <p:ph sz="quarter" idx="1"/>
+          </p:nvPr>
+        </p:nvSpPr>
+        <p:spPr/>
+        <p:txBody>
+          <a:bodyPr/>
+          <a:lstStyle/>
+          <a:p>
+            <a:endParaRPr lang="es-ES"/>
+          </a:p>
+        </p:txBody>
+      </p:sp>
+    </p:spTree>
+    <p:extLst>
+      <p:ext uri="{BB962C8B-B14F-4D97-AF65-F5344CB8AC3E}">
+        <p14:creationId xmlns:p14="http://schemas.microsoft.com/office/powerpoint/2010/main" val="980619019"/>
+      </p:ext>
+    </p:extLst>
+  </p:cSld>
+  <p:clrMapOvr>
+    <a:masterClrMapping/>
+  </p:clrMapOvr>
+  <p:timing>
+    <p:tnLst>
+      <p:par>
+        <p:cTn id="1" dur="indefinite" restart="never" nodeType="tmRoot"/>
+      </p:par>
+    </p:tnLst>
+  </p:timing>
+</p:sld>
+</file>
+
+<file path=ppt/slides/slide18.xml><?xml version="1.0" encoding="utf-8"?>
+<p:sld xmlns:a="http://schemas.openxmlformats.org/drawingml/2006/main" xmlns:r="http://schemas.openxmlformats.org/officeDocument/2006/relationships" xmlns:p="http://schemas.openxmlformats.org/presentationml/2006/main">
+  <p:cSld>
+    <p:spTree>
+      <p:nvGrpSpPr>
+        <p:cNvPr id="1" name=""/>
+        <p:cNvGrpSpPr/>
+        <p:nvPr/>
+      </p:nvGrpSpPr>
+      <p:grpSpPr>
+        <a:xfrm>
+          <a:off x="0" y="0"/>
+          <a:ext cx="0" cy="0"/>
+          <a:chOff x="0" y="0"/>
+          <a:chExt cx="0" cy="0"/>
+        </a:xfrm>
+      </p:grpSpPr>
+      <p:sp>
+        <p:nvSpPr>
+          <p:cNvPr id="2" name="1 Título"/>
+          <p:cNvSpPr>
+            <a:spLocks noGrp="1"/>
+          </p:cNvSpPr>
+          <p:nvPr>
+            <p:ph type="title"/>
+          </p:nvPr>
+        </p:nvSpPr>
+        <p:spPr/>
+        <p:txBody>
+          <a:bodyPr/>
+          <a:lstStyle/>
+          <a:p>
+            <a:r>
+              <a:rPr lang="en-US" dirty="0" smtClean="0"/>
+              <a:t>HTTP and REST</a:t>
+            </a:r>
+            <a:endParaRPr lang="es-ES" dirty="0"/>
+          </a:p>
+        </p:txBody>
+      </p:sp>
+      <p:sp>
+        <p:nvSpPr>
+          <p:cNvPr id="3" name="2 Marcador de contenido"/>
+          <p:cNvSpPr>
+            <a:spLocks noGrp="1"/>
+          </p:cNvSpPr>
+          <p:nvPr>
+            <p:ph sz="quarter" idx="1"/>
+          </p:nvPr>
+        </p:nvSpPr>
+        <p:spPr/>
+        <p:txBody>
+          <a:bodyPr/>
+          <a:lstStyle/>
+          <a:p>
+            <a:endParaRPr lang="es-ES"/>
+          </a:p>
+        </p:txBody>
+      </p:sp>
+    </p:spTree>
+    <p:extLst>
+      <p:ext uri="{BB962C8B-B14F-4D97-AF65-F5344CB8AC3E}">
+        <p14:creationId xmlns:p14="http://schemas.microsoft.com/office/powerpoint/2010/main" val="3232929249"/>
+      </p:ext>
+    </p:extLst>
+  </p:cSld>
+  <p:clrMapOvr>
+    <a:masterClrMapping/>
+  </p:clrMapOvr>
+  <p:timing>
+    <p:tnLst>
+      <p:par>
+        <p:cTn id="1" dur="indefinite" restart="never" nodeType="tmRoot"/>
+      </p:par>
+    </p:tnLst>
+  </p:timing>
+</p:sld>
+</file>
+
+<file path=ppt/slides/slide19.xml><?xml version="1.0" encoding="utf-8"?>
+<p:sld xmlns:a="http://schemas.openxmlformats.org/drawingml/2006/main" xmlns:r="http://schemas.openxmlformats.org/officeDocument/2006/relationships" xmlns:p="http://schemas.openxmlformats.org/presentationml/2006/main">
+  <p:cSld>
+    <p:spTree>
+      <p:nvGrpSpPr>
+        <p:cNvPr id="1" name=""/>
+        <p:cNvGrpSpPr/>
+        <p:nvPr/>
+      </p:nvGrpSpPr>
+      <p:grpSpPr>
+        <a:xfrm>
+          <a:off x="0" y="0"/>
+          <a:ext cx="0" cy="0"/>
+          <a:chOff x="0" y="0"/>
+          <a:chExt cx="0" cy="0"/>
+        </a:xfrm>
+      </p:grpSpPr>
+      <p:sp>
+        <p:nvSpPr>
+          <p:cNvPr id="2" name="1 Título"/>
+          <p:cNvSpPr>
+            <a:spLocks noGrp="1"/>
+          </p:cNvSpPr>
+          <p:nvPr>
+            <p:ph type="title"/>
+          </p:nvPr>
+        </p:nvSpPr>
+        <p:spPr/>
+        <p:txBody>
+          <a:bodyPr/>
+          <a:lstStyle/>
+          <a:p>
+            <a:r>
+              <a:rPr lang="en-US" dirty="0" smtClean="0"/>
+              <a:t>Azure IaaS and PaaS</a:t>
+            </a:r>
+            <a:endParaRPr lang="es-ES" dirty="0"/>
+          </a:p>
+        </p:txBody>
+      </p:sp>
+      <p:sp>
+        <p:nvSpPr>
+          <p:cNvPr id="3" name="2 Marcador de contenido"/>
+          <p:cNvSpPr>
+            <a:spLocks noGrp="1"/>
+          </p:cNvSpPr>
+          <p:nvPr>
+            <p:ph sz="quarter" idx="1"/>
+          </p:nvPr>
+        </p:nvSpPr>
+        <p:spPr/>
+        <p:txBody>
+          <a:bodyPr/>
+          <a:lstStyle/>
+          <a:p>
+            <a:endParaRPr lang="es-ES"/>
+          </a:p>
+        </p:txBody>
+      </p:sp>
+    </p:spTree>
+    <p:extLst>
+      <p:ext uri="{BB962C8B-B14F-4D97-AF65-F5344CB8AC3E}">
+        <p14:creationId xmlns:p14="http://schemas.microsoft.com/office/powerpoint/2010/main" val="3468625466"/>
+      </p:ext>
+    </p:extLst>
+  </p:cSld>
+  <p:clrMapOvr>
+    <a:masterClrMapping/>
+  </p:clrMapOvr>
+  <p:timing>
+    <p:tnLst>
+      <p:par>
+        <p:cTn id="1" dur="indefinite" restart="never" nodeType="tmRoot"/>
+      </p:par>
+    </p:tnLst>
+  </p:timing>
+</p:sld>
+</file>
+
+<file path=ppt/slides/slide2.xml><?xml version="1.0" encoding="utf-8"?>
+<p:sld xmlns:a="http://schemas.openxmlformats.org/drawingml/2006/main" xmlns:r="http://schemas.openxmlformats.org/officeDocument/2006/relationships" xmlns:p="http://schemas.openxmlformats.org/presentationml/2006/main">
+  <p:cSld>
+    <p:spTree>
+      <p:nvGrpSpPr>
+        <p:cNvPr id="1" name=""/>
+        <p:cNvGrpSpPr/>
+        <p:nvPr/>
+      </p:nvGrpSpPr>
+      <p:grpSpPr>
+        <a:xfrm>
+          <a:off x="0" y="0"/>
+          <a:ext cx="0" cy="0"/>
+          <a:chOff x="0" y="0"/>
+          <a:chExt cx="0" cy="0"/>
+        </a:xfrm>
+      </p:grpSpPr>
+      <p:sp>
+        <p:nvSpPr>
+          <p:cNvPr id="2" name="1 Título"/>
+          <p:cNvSpPr>
+            <a:spLocks noGrp="1"/>
+          </p:cNvSpPr>
+          <p:nvPr>
+            <p:ph type="title"/>
+          </p:nvPr>
+        </p:nvSpPr>
+        <p:spPr/>
+        <p:txBody>
+          <a:bodyPr/>
+          <a:lstStyle/>
+          <a:p>
+            <a:r>
+              <a:rPr lang="en-US" dirty="0" smtClean="0"/>
+              <a:t>CAP Theorem</a:t>
+            </a:r>
+            <a:endParaRPr lang="es-ES" dirty="0"/>
+          </a:p>
+        </p:txBody>
+      </p:sp>
+      <p:sp>
+        <p:nvSpPr>
+          <p:cNvPr id="5" name="4 Marcador de contenido"/>
+          <p:cNvSpPr>
+            <a:spLocks noGrp="1"/>
+          </p:cNvSpPr>
+          <p:nvPr>
+            <p:ph sz="quarter" idx="1"/>
+          </p:nvPr>
+        </p:nvSpPr>
+        <p:spPr/>
+        <p:txBody>
+          <a:bodyPr/>
+          <a:lstStyle/>
+          <a:p>
+            <a:r>
+              <a:rPr lang="en-US" dirty="0" smtClean="0"/>
+              <a:t>The CAP theorem states that it is impossible for a distributed computer system to simultaneously provide all three of the following guarantees:</a:t>
+            </a:r>
+          </a:p>
+          <a:p>
+            <a:pPr lvl="1"/>
+            <a:r>
+              <a:rPr lang="en-US" b="1" dirty="0" smtClean="0"/>
+              <a:t>Consistency</a:t>
+            </a:r>
+            <a:r>
+              <a:rPr lang="en-US" dirty="0" smtClean="0"/>
+              <a:t>: all nodes see the same data at the same time</a:t>
+            </a:r>
+          </a:p>
+          <a:p>
+            <a:pPr lvl="1"/>
+            <a:r>
+              <a:rPr lang="en-US" b="1" dirty="0" smtClean="0"/>
+              <a:t>Availability</a:t>
+            </a:r>
+            <a:r>
+              <a:rPr lang="en-US" dirty="0" smtClean="0"/>
+              <a:t>: every request receives a response about whether it succeeded or failed</a:t>
+            </a:r>
+          </a:p>
+          <a:p>
+            <a:pPr lvl="1"/>
+            <a:r>
+              <a:rPr lang="en-US" b="1" dirty="0" smtClean="0"/>
+              <a:t>Partition</a:t>
+            </a:r>
+            <a:r>
+              <a:rPr lang="en-US" dirty="0" smtClean="0"/>
+              <a:t> </a:t>
+            </a:r>
+            <a:r>
+              <a:rPr lang="en-US" b="1" dirty="0" smtClean="0"/>
+              <a:t>tolerance</a:t>
+            </a:r>
+            <a:r>
+              <a:rPr lang="en-US" dirty="0" smtClean="0"/>
+              <a:t>: the system continues to operate despite arbitrary partitioning due to network failures</a:t>
+            </a:r>
+            <a:endParaRPr lang="es-ES" dirty="0"/>
+          </a:p>
+        </p:txBody>
+      </p:sp>
+    </p:spTree>
+    <p:extLst>
+      <p:ext uri="{BB962C8B-B14F-4D97-AF65-F5344CB8AC3E}">
+        <p14:creationId xmlns:p14="http://schemas.microsoft.com/office/powerpoint/2010/main" val="1893210387"/>
+      </p:ext>
+    </p:extLst>
+  </p:cSld>
+  <p:clrMapOvr>
+    <a:masterClrMapping/>
+  </p:clrMapOvr>
+  <p:timing>
+    <p:tnLst>
+      <p:par>
+        <p:cTn id="1" dur="indefinite" restart="never" nodeType="tmRoot"/>
+      </p:par>
+    </p:tnLst>
+  </p:timing>
+</p:sld>
+</file>
+
+<file path=ppt/slides/slide20.xml><?xml version="1.0" encoding="utf-8"?>
+<p:sld xmlns:a="http://schemas.openxmlformats.org/drawingml/2006/main" xmlns:r="http://schemas.openxmlformats.org/officeDocument/2006/relationships" xmlns:p="http://schemas.openxmlformats.org/presentationml/2006/main">
+  <p:cSld>
+    <p:spTree>
+      <p:nvGrpSpPr>
+        <p:cNvPr id="1" name=""/>
+        <p:cNvGrpSpPr/>
+        <p:nvPr/>
+      </p:nvGrpSpPr>
+      <p:grpSpPr>
+        <a:xfrm>
+          <a:off x="0" y="0"/>
+          <a:ext cx="0" cy="0"/>
+          <a:chOff x="0" y="0"/>
+          <a:chExt cx="0" cy="0"/>
+        </a:xfrm>
+      </p:grpSpPr>
+      <p:sp>
+        <p:nvSpPr>
+          <p:cNvPr id="2" name="1 Título"/>
+          <p:cNvSpPr>
+            <a:spLocks noGrp="1"/>
+          </p:cNvSpPr>
+          <p:nvPr>
+            <p:ph type="title"/>
+          </p:nvPr>
+        </p:nvSpPr>
+        <p:spPr/>
+        <p:txBody>
+          <a:bodyPr/>
+          <a:lstStyle/>
+          <a:p>
+            <a:r>
+              <a:rPr lang="en-US" dirty="0" smtClean="0"/>
+              <a:t>GIT and Source Control</a:t>
+            </a:r>
+            <a:endParaRPr lang="es-ES" dirty="0"/>
+          </a:p>
+        </p:txBody>
+      </p:sp>
+      <p:sp>
+        <p:nvSpPr>
+          <p:cNvPr id="3" name="2 Marcador de contenido"/>
+          <p:cNvSpPr>
+            <a:spLocks noGrp="1"/>
+          </p:cNvSpPr>
+          <p:nvPr>
+            <p:ph sz="quarter" idx="1"/>
           </p:nvPr>
         </p:nvSpPr>
         <p:spPr/>
@@ -3529,7 +5356,7 @@
 </p:sld>
 </file>
 
-<file path=ppt/slides/slide14.xml><?xml version="1.0" encoding="utf-8"?>
+<file path=ppt/slides/slide21.xml><?xml version="1.0" encoding="utf-8"?>
 <p:sld xmlns:a="http://schemas.openxmlformats.org/drawingml/2006/main" xmlns:r="http://schemas.openxmlformats.org/officeDocument/2006/relationships" xmlns:p="http://schemas.openxmlformats.org/presentationml/2006/main">
   <p:cSld>
     <p:spTree>
@@ -4046,7 +5873,7 @@
 </p:sld>
 </file>
 
-<file path=ppt/slides/slide15.xml><?xml version="1.0" encoding="utf-8"?>
+<file path=ppt/slides/slide22.xml><?xml version="1.0" encoding="utf-8"?>
 <p:sld xmlns:a="http://schemas.openxmlformats.org/drawingml/2006/main" xmlns:r="http://schemas.openxmlformats.org/officeDocument/2006/relationships" xmlns:p="http://schemas.openxmlformats.org/presentationml/2006/main">
   <p:cSld>
     <p:spTree>
@@ -7041,7 +8868,7 @@
 </p:sld>
 </file>
 
-<file path=ppt/slides/slide16.xml><?xml version="1.0" encoding="utf-8"?>
+<file path=ppt/slides/slide23.xml><?xml version="1.0" encoding="utf-8"?>
 <p:sld xmlns:a="http://schemas.openxmlformats.org/drawingml/2006/main" xmlns:r="http://schemas.openxmlformats.org/officeDocument/2006/relationships" xmlns:p="http://schemas.openxmlformats.org/presentationml/2006/main">
   <p:cSld>
     <p:spTree>
@@ -7091,7 +8918,7 @@
             <a:graphicFrameLocks noGrp="1"/>
           </p:cNvGraphicFramePr>
           <p:nvPr>
-            <p:ph idx="1"/>
+            <p:ph sz="quarter" idx="1"/>
             <p:extLst>
               <p:ext uri="{D42A27DB-BD31-4B8C-83A1-F6EECF244321}">
                 <p14:modId xmlns:p14="http://schemas.microsoft.com/office/powerpoint/2010/main" val="3841776917"/>
@@ -7100,8 +8927,8 @@
           </p:nvPr>
         </p:nvGraphicFramePr>
         <p:xfrm>
-          <a:off x="609600" y="1600200"/>
-          <a:ext cx="10972800" cy="2595880"/>
+          <a:off x="1219200" y="1447800"/>
+          <a:ext cx="10363200" cy="2595880"/>
         </p:xfrm>
         <a:graphic>
           <a:graphicData uri="http://schemas.openxmlformats.org/drawingml/2006/table">
@@ -7110,45 +8937,45 @@
                 <a:tableStyleId>{5C22544A-7EE6-4342-B048-85BDC9FD1C3A}</a:tableStyleId>
               </a:tblPr>
               <a:tblGrid>
-                <a:gridCol w="1828800">
+                <a:gridCol w="1727200">
                   <a:extLst>
                     <a:ext uri="{9D8B030D-6E8A-4147-A177-3AD203B41FA5}">
-                      <a16:colId xmlns:a16="http://schemas.microsoft.com/office/drawing/2014/main" xmlns="" val="2691101568"/>
+                      <a16:colId xmlns="" xmlns:a16="http://schemas.microsoft.com/office/drawing/2014/main" val="2691101568"/>
                     </a:ext>
                   </a:extLst>
                 </a:gridCol>
-                <a:gridCol w="1828800">
+                <a:gridCol w="1727200">
                   <a:extLst>
                     <a:ext uri="{9D8B030D-6E8A-4147-A177-3AD203B41FA5}">
-                      <a16:colId xmlns:a16="http://schemas.microsoft.com/office/drawing/2014/main" xmlns="" val="3750635945"/>
+                      <a16:colId xmlns="" xmlns:a16="http://schemas.microsoft.com/office/drawing/2014/main" val="3750635945"/>
                     </a:ext>
                   </a:extLst>
                 </a:gridCol>
-                <a:gridCol w="1828800">
+                <a:gridCol w="1727200">
                   <a:extLst>
                     <a:ext uri="{9D8B030D-6E8A-4147-A177-3AD203B41FA5}">
-                      <a16:colId xmlns:a16="http://schemas.microsoft.com/office/drawing/2014/main" xmlns="" val="3085604721"/>
+                      <a16:colId xmlns="" xmlns:a16="http://schemas.microsoft.com/office/drawing/2014/main" val="3085604721"/>
                     </a:ext>
                   </a:extLst>
                 </a:gridCol>
-                <a:gridCol w="1828800">
+                <a:gridCol w="1727200">
                   <a:extLst>
                     <a:ext uri="{9D8B030D-6E8A-4147-A177-3AD203B41FA5}">
-                      <a16:colId xmlns:a16="http://schemas.microsoft.com/office/drawing/2014/main" xmlns="" val="2859422141"/>
+                      <a16:colId xmlns="" xmlns:a16="http://schemas.microsoft.com/office/drawing/2014/main" val="2859422141"/>
                     </a:ext>
                   </a:extLst>
                 </a:gridCol>
-                <a:gridCol w="1828800">
+                <a:gridCol w="1727200">
                   <a:extLst>
                     <a:ext uri="{9D8B030D-6E8A-4147-A177-3AD203B41FA5}">
-                      <a16:colId xmlns:a16="http://schemas.microsoft.com/office/drawing/2014/main" xmlns="" val="792373700"/>
+                      <a16:colId xmlns="" xmlns:a16="http://schemas.microsoft.com/office/drawing/2014/main" val="792373700"/>
                     </a:ext>
                   </a:extLst>
                 </a:gridCol>
-                <a:gridCol w="1828800">
+                <a:gridCol w="1727200">
                   <a:extLst>
                     <a:ext uri="{9D8B030D-6E8A-4147-A177-3AD203B41FA5}">
-                      <a16:colId xmlns:a16="http://schemas.microsoft.com/office/drawing/2014/main" xmlns="" val="1596226727"/>
+                      <a16:colId xmlns="" xmlns:a16="http://schemas.microsoft.com/office/drawing/2014/main" val="1596226727"/>
                     </a:ext>
                   </a:extLst>
                 </a:gridCol>
@@ -7162,7 +8989,7 @@
                       <a:endParaRPr lang="es-ES" sz="1600" dirty="0"/>
                     </a:p>
                   </a:txBody>
-                  <a:tcPr marL="116719" marR="116719"/>
+                  <a:tcPr marL="110235" marR="110235"/>
                 </a:tc>
                 <a:tc>
                   <a:txBody>
@@ -7176,7 +9003,7 @@
                       </a:r>
                     </a:p>
                   </a:txBody>
-                  <a:tcPr marL="116719" marR="116719"/>
+                  <a:tcPr marL="110235" marR="110235"/>
                 </a:tc>
                 <a:tc>
                   <a:txBody>
@@ -7191,7 +9018,7 @@
                       <a:endParaRPr lang="es-ES" dirty="0"/>
                     </a:p>
                   </a:txBody>
-                  <a:tcPr marL="116719" marR="116719"/>
+                  <a:tcPr marL="110235" marR="110235"/>
                 </a:tc>
                 <a:tc>
                   <a:txBody>
@@ -7206,7 +9033,7 @@
                       <a:endParaRPr lang="es-ES" dirty="0"/>
                     </a:p>
                   </a:txBody>
-                  <a:tcPr marL="116719" marR="116719"/>
+                  <a:tcPr marL="110235" marR="110235"/>
                 </a:tc>
                 <a:tc>
                   <a:txBody>
@@ -7221,7 +9048,7 @@
                       <a:endParaRPr lang="es-ES" dirty="0"/>
                     </a:p>
                   </a:txBody>
-                  <a:tcPr marL="116719" marR="116719"/>
+                  <a:tcPr marL="110235" marR="110235"/>
                 </a:tc>
                 <a:tc>
                   <a:txBody>
@@ -7235,11 +9062,11 @@
                       </a:r>
                     </a:p>
                   </a:txBody>
-                  <a:tcPr marL="116719" marR="116719"/>
+                  <a:tcPr marL="110235" marR="110235"/>
                 </a:tc>
                 <a:extLst>
                   <a:ext uri="{0D108BD9-81ED-4DB2-BD59-A6C34878D82A}">
-                    <a16:rowId xmlns:a16="http://schemas.microsoft.com/office/drawing/2014/main" xmlns="" val="2267519754"/>
+                    <a16:rowId xmlns="" xmlns:a16="http://schemas.microsoft.com/office/drawing/2014/main" val="2267519754"/>
                   </a:ext>
                 </a:extLst>
               </a:tr>
@@ -7260,7 +9087,7 @@
                       </a:r>
                     </a:p>
                   </a:txBody>
-                  <a:tcPr marL="116719" marR="116719">
+                  <a:tcPr marL="110235" marR="110235">
                     <a:solidFill>
                       <a:schemeClr val="accent5">
                         <a:lumMod val="50000"/>
@@ -7284,7 +9111,7 @@
                       </a:r>
                     </a:p>
                   </a:txBody>
-                  <a:tcPr marL="116719" marR="116719">
+                  <a:tcPr marL="110235" marR="110235">
                     <a:solidFill>
                       <a:schemeClr val="accent5">
                         <a:lumMod val="50000"/>
@@ -7308,7 +9135,7 @@
                       </a:r>
                     </a:p>
                   </a:txBody>
-                  <a:tcPr marL="116719" marR="116719">
+                  <a:tcPr marL="110235" marR="110235">
                     <a:solidFill>
                       <a:schemeClr val="accent5">
                         <a:lumMod val="50000"/>
@@ -7332,7 +9159,7 @@
                       </a:r>
                     </a:p>
                   </a:txBody>
-                  <a:tcPr marL="116719" marR="116719">
+                  <a:tcPr marL="110235" marR="110235">
                     <a:solidFill>
                       <a:schemeClr val="accent5">
                         <a:lumMod val="50000"/>
@@ -7356,7 +9183,7 @@
                       </a:r>
                     </a:p>
                   </a:txBody>
-                  <a:tcPr marL="116719" marR="116719">
+                  <a:tcPr marL="110235" marR="110235">
                     <a:solidFill>
                       <a:schemeClr val="accent5">
                         <a:lumMod val="50000"/>
@@ -7380,7 +9207,7 @@
                       </a:r>
                     </a:p>
                   </a:txBody>
-                  <a:tcPr marL="116719" marR="116719">
+                  <a:tcPr marL="110235" marR="110235">
                     <a:solidFill>
                       <a:schemeClr val="accent5">
                         <a:lumMod val="50000"/>
@@ -7390,7 +9217,7 @@
                 </a:tc>
                 <a:extLst>
                   <a:ext uri="{0D108BD9-81ED-4DB2-BD59-A6C34878D82A}">
-                    <a16:rowId xmlns:a16="http://schemas.microsoft.com/office/drawing/2014/main" xmlns="" val="4130436109"/>
+                    <a16:rowId xmlns="" xmlns:a16="http://schemas.microsoft.com/office/drawing/2014/main" val="4130436109"/>
                   </a:ext>
                 </a:extLst>
               </a:tr>
@@ -7407,7 +9234,7 @@
                       </a:r>
                     </a:p>
                   </a:txBody>
-                  <a:tcPr marL="116719" marR="116719"/>
+                  <a:tcPr marL="110235" marR="110235"/>
                 </a:tc>
                 <a:tc>
                   <a:txBody>
@@ -7421,7 +9248,7 @@
                       </a:r>
                     </a:p>
                   </a:txBody>
-                  <a:tcPr marL="116719" marR="116719"/>
+                  <a:tcPr marL="110235" marR="110235"/>
                 </a:tc>
                 <a:tc>
                   <a:txBody>
@@ -7435,7 +9262,7 @@
                       </a:r>
                     </a:p>
                   </a:txBody>
-                  <a:tcPr marL="116719" marR="116719"/>
+                  <a:tcPr marL="110235" marR="110235"/>
                 </a:tc>
                 <a:tc>
                   <a:txBody>
@@ -7449,7 +9276,7 @@
                       </a:r>
                     </a:p>
                   </a:txBody>
-                  <a:tcPr marL="116719" marR="116719"/>
+                  <a:tcPr marL="110235" marR="110235"/>
                 </a:tc>
                 <a:tc>
                   <a:txBody>
@@ -7463,7 +9290,7 @@
                       </a:r>
                     </a:p>
                   </a:txBody>
-                  <a:tcPr marL="116719" marR="116719"/>
+                  <a:tcPr marL="110235" marR="110235"/>
                 </a:tc>
                 <a:tc>
                   <a:txBody>
@@ -7477,11 +9304,11 @@
                       </a:r>
                     </a:p>
                   </a:txBody>
-                  <a:tcPr marL="116719" marR="116719"/>
+                  <a:tcPr marL="110235" marR="110235"/>
                 </a:tc>
                 <a:extLst>
                   <a:ext uri="{0D108BD9-81ED-4DB2-BD59-A6C34878D82A}">
-                    <a16:rowId xmlns:a16="http://schemas.microsoft.com/office/drawing/2014/main" xmlns="" val="3240719446"/>
+                    <a16:rowId xmlns="" xmlns:a16="http://schemas.microsoft.com/office/drawing/2014/main" val="3240719446"/>
                   </a:ext>
                 </a:extLst>
               </a:tr>
@@ -7507,7 +9334,7 @@
                       <a:endParaRPr lang="es-ES" sz="1600" dirty="0"/>
                     </a:p>
                   </a:txBody>
-                  <a:tcPr marL="116719" marR="116719"/>
+                  <a:tcPr marL="110235" marR="110235"/>
                 </a:tc>
                 <a:tc>
                   <a:txBody>
@@ -7521,7 +9348,7 @@
                       </a:r>
                     </a:p>
                   </a:txBody>
-                  <a:tcPr marL="116719" marR="116719"/>
+                  <a:tcPr marL="110235" marR="110235"/>
                 </a:tc>
                 <a:tc>
                   <a:txBody>
@@ -7535,7 +9362,7 @@
                       </a:r>
                     </a:p>
                   </a:txBody>
-                  <a:tcPr marL="116719" marR="116719"/>
+                  <a:tcPr marL="110235" marR="110235"/>
                 </a:tc>
                 <a:tc>
                   <a:txBody>
@@ -7549,7 +9376,7 @@
                       </a:r>
                     </a:p>
                   </a:txBody>
-                  <a:tcPr marL="116719" marR="116719"/>
+                  <a:tcPr marL="110235" marR="110235"/>
                 </a:tc>
                 <a:tc>
                   <a:txBody>
@@ -7563,7 +9390,7 @@
                       </a:r>
                     </a:p>
                   </a:txBody>
-                  <a:tcPr marL="116719" marR="116719"/>
+                  <a:tcPr marL="110235" marR="110235"/>
                 </a:tc>
                 <a:tc>
                   <a:txBody>
@@ -7577,11 +9404,11 @@
                       </a:r>
                     </a:p>
                   </a:txBody>
-                  <a:tcPr marL="116719" marR="116719"/>
+                  <a:tcPr marL="110235" marR="110235"/>
                 </a:tc>
                 <a:extLst>
                   <a:ext uri="{0D108BD9-81ED-4DB2-BD59-A6C34878D82A}">
-                    <a16:rowId xmlns:a16="http://schemas.microsoft.com/office/drawing/2014/main" xmlns="" val="2761823154"/>
+                    <a16:rowId xmlns="" xmlns:a16="http://schemas.microsoft.com/office/drawing/2014/main" val="2761823154"/>
                   </a:ext>
                 </a:extLst>
               </a:tr>
@@ -7607,7 +9434,7 @@
                       <a:endParaRPr lang="es-ES" sz="1600" dirty="0"/>
                     </a:p>
                   </a:txBody>
-                  <a:tcPr marL="116719" marR="116719"/>
+                  <a:tcPr marL="110235" marR="110235"/>
                 </a:tc>
                 <a:tc>
                   <a:txBody>
@@ -7621,7 +9448,7 @@
                       </a:r>
                     </a:p>
                   </a:txBody>
-                  <a:tcPr marL="116719" marR="116719"/>
+                  <a:tcPr marL="110235" marR="110235"/>
                 </a:tc>
                 <a:tc>
                   <a:txBody>
@@ -7635,7 +9462,7 @@
                       </a:r>
                     </a:p>
                   </a:txBody>
-                  <a:tcPr marL="116719" marR="116719"/>
+                  <a:tcPr marL="110235" marR="110235"/>
                 </a:tc>
                 <a:tc>
                   <a:txBody>
@@ -7649,7 +9476,7 @@
                       </a:r>
                     </a:p>
                   </a:txBody>
-                  <a:tcPr marL="116719" marR="116719"/>
+                  <a:tcPr marL="110235" marR="110235"/>
                 </a:tc>
                 <a:tc>
                   <a:txBody>
@@ -7663,7 +9490,7 @@
                       </a:r>
                     </a:p>
                   </a:txBody>
-                  <a:tcPr marL="116719" marR="116719"/>
+                  <a:tcPr marL="110235" marR="110235"/>
                 </a:tc>
                 <a:tc>
                   <a:txBody>
@@ -7677,11 +9504,11 @@
                       </a:r>
                     </a:p>
                   </a:txBody>
-                  <a:tcPr marL="116719" marR="116719"/>
+                  <a:tcPr marL="110235" marR="110235"/>
                 </a:tc>
                 <a:extLst>
                   <a:ext uri="{0D108BD9-81ED-4DB2-BD59-A6C34878D82A}">
-                    <a16:rowId xmlns:a16="http://schemas.microsoft.com/office/drawing/2014/main" xmlns="" val="2554094136"/>
+                    <a16:rowId xmlns="" xmlns:a16="http://schemas.microsoft.com/office/drawing/2014/main" val="2554094136"/>
                   </a:ext>
                 </a:extLst>
               </a:tr>
@@ -7702,7 +9529,7 @@
                       </a:r>
                     </a:p>
                   </a:txBody>
-                  <a:tcPr marL="116719" marR="116719"/>
+                  <a:tcPr marL="110235" marR="110235"/>
                 </a:tc>
                 <a:tc>
                   <a:txBody>
@@ -7716,7 +9543,7 @@
                       </a:r>
                     </a:p>
                   </a:txBody>
-                  <a:tcPr marL="116719" marR="116719"/>
+                  <a:tcPr marL="110235" marR="110235"/>
                 </a:tc>
                 <a:tc>
                   <a:txBody>
@@ -7730,7 +9557,7 @@
                       </a:r>
                     </a:p>
                   </a:txBody>
-                  <a:tcPr marL="116719" marR="116719"/>
+                  <a:tcPr marL="110235" marR="110235"/>
                 </a:tc>
                 <a:tc>
                   <a:txBody>
@@ -7744,7 +9571,7 @@
                       </a:r>
                     </a:p>
                   </a:txBody>
-                  <a:tcPr marL="116719" marR="116719"/>
+                  <a:tcPr marL="110235" marR="110235"/>
                 </a:tc>
                 <a:tc>
                   <a:txBody>
@@ -7758,7 +9585,7 @@
                       </a:r>
                     </a:p>
                   </a:txBody>
-                  <a:tcPr marL="116719" marR="116719"/>
+                  <a:tcPr marL="110235" marR="110235"/>
                 </a:tc>
                 <a:tc>
                   <a:txBody>
@@ -7772,11 +9599,11 @@
                       </a:r>
                     </a:p>
                   </a:txBody>
-                  <a:tcPr marL="116719" marR="116719"/>
+                  <a:tcPr marL="110235" marR="110235"/>
                 </a:tc>
                 <a:extLst>
                   <a:ext uri="{0D108BD9-81ED-4DB2-BD59-A6C34878D82A}">
-                    <a16:rowId xmlns:a16="http://schemas.microsoft.com/office/drawing/2014/main" xmlns="" val="1368826944"/>
+                    <a16:rowId xmlns="" xmlns:a16="http://schemas.microsoft.com/office/drawing/2014/main" val="1368826944"/>
                   </a:ext>
                 </a:extLst>
               </a:tr>
@@ -7793,7 +9620,7 @@
                       </a:r>
                     </a:p>
                   </a:txBody>
-                  <a:tcPr marL="116719" marR="116719"/>
+                  <a:tcPr marL="110235" marR="110235"/>
                 </a:tc>
                 <a:tc>
                   <a:txBody>
@@ -7807,7 +9634,7 @@
                       </a:r>
                     </a:p>
                   </a:txBody>
-                  <a:tcPr marL="116719" marR="116719"/>
+                  <a:tcPr marL="110235" marR="110235"/>
                 </a:tc>
                 <a:tc>
                   <a:txBody>
@@ -7821,7 +9648,7 @@
                       </a:r>
                     </a:p>
                   </a:txBody>
-                  <a:tcPr marL="116719" marR="116719"/>
+                  <a:tcPr marL="110235" marR="110235"/>
                 </a:tc>
                 <a:tc>
                   <a:txBody>
@@ -7835,7 +9662,7 @@
                       </a:r>
                     </a:p>
                   </a:txBody>
-                  <a:tcPr marL="116719" marR="116719"/>
+                  <a:tcPr marL="110235" marR="110235"/>
                 </a:tc>
                 <a:tc>
                   <a:txBody>
@@ -7849,7 +9676,7 @@
                       </a:r>
                     </a:p>
                   </a:txBody>
-                  <a:tcPr marL="116719" marR="116719"/>
+                  <a:tcPr marL="110235" marR="110235"/>
                 </a:tc>
                 <a:tc>
                   <a:txBody>
@@ -7863,11 +9690,11 @@
                       </a:r>
                     </a:p>
                   </a:txBody>
-                  <a:tcPr marL="116719" marR="116719"/>
+                  <a:tcPr marL="110235" marR="110235"/>
                 </a:tc>
                 <a:extLst>
                   <a:ext uri="{0D108BD9-81ED-4DB2-BD59-A6C34878D82A}">
-                    <a16:rowId xmlns:a16="http://schemas.microsoft.com/office/drawing/2014/main" xmlns="" val="2033652620"/>
+                    <a16:rowId xmlns="" xmlns:a16="http://schemas.microsoft.com/office/drawing/2014/main" val="2033652620"/>
                   </a:ext>
                 </a:extLst>
               </a:tr>
@@ -7879,130 +9706,6 @@
     <p:extLst>
       <p:ext uri="{BB962C8B-B14F-4D97-AF65-F5344CB8AC3E}">
         <p14:creationId xmlns:p14="http://schemas.microsoft.com/office/powerpoint/2010/main" val="2890404914"/>
-      </p:ext>
-    </p:extLst>
-  </p:cSld>
-  <p:clrMapOvr>
-    <a:masterClrMapping/>
-  </p:clrMapOvr>
-  <p:timing>
-    <p:tnLst>
-      <p:par>
-        <p:cTn id="1" dur="indefinite" restart="never" nodeType="tmRoot"/>
-      </p:par>
-    </p:tnLst>
-  </p:timing>
-</p:sld>
-</file>
-
-<file path=ppt/slides/slide2.xml><?xml version="1.0" encoding="utf-8"?>
-<p:sld xmlns:a="http://schemas.openxmlformats.org/drawingml/2006/main" xmlns:r="http://schemas.openxmlformats.org/officeDocument/2006/relationships" xmlns:p="http://schemas.openxmlformats.org/presentationml/2006/main">
-  <p:cSld>
-    <p:spTree>
-      <p:nvGrpSpPr>
-        <p:cNvPr id="1" name=""/>
-        <p:cNvGrpSpPr/>
-        <p:nvPr/>
-      </p:nvGrpSpPr>
-      <p:grpSpPr>
-        <a:xfrm>
-          <a:off x="0" y="0"/>
-          <a:ext cx="0" cy="0"/>
-          <a:chOff x="0" y="0"/>
-          <a:chExt cx="0" cy="0"/>
-        </a:xfrm>
-      </p:grpSpPr>
-      <p:sp>
-        <p:nvSpPr>
-          <p:cNvPr id="2" name="1 Título"/>
-          <p:cNvSpPr>
-            <a:spLocks noGrp="1"/>
-          </p:cNvSpPr>
-          <p:nvPr>
-            <p:ph type="title"/>
-          </p:nvPr>
-        </p:nvSpPr>
-        <p:spPr/>
-        <p:txBody>
-          <a:bodyPr/>
-          <a:lstStyle/>
-          <a:p>
-            <a:r>
-              <a:rPr lang="en-US" dirty="0" smtClean="0"/>
-              <a:t>CAP Theorem</a:t>
-            </a:r>
-            <a:endParaRPr lang="es-ES" dirty="0"/>
-          </a:p>
-        </p:txBody>
-      </p:sp>
-      <p:sp>
-        <p:nvSpPr>
-          <p:cNvPr id="5" name="4 Marcador de contenido"/>
-          <p:cNvSpPr>
-            <a:spLocks noGrp="1"/>
-          </p:cNvSpPr>
-          <p:nvPr>
-            <p:ph idx="1"/>
-          </p:nvPr>
-        </p:nvSpPr>
-        <p:spPr/>
-        <p:txBody>
-          <a:bodyPr/>
-          <a:lstStyle/>
-          <a:p>
-            <a:r>
-              <a:rPr lang="en-US" dirty="0" smtClean="0"/>
-              <a:t>The CAP theorem states that it is impossible for a distributed computer system to simultaneously provide all three of the following guarantees:</a:t>
-            </a:r>
-          </a:p>
-          <a:p>
-            <a:pPr lvl="1"/>
-            <a:r>
-              <a:rPr lang="en-US" b="1" dirty="0" smtClean="0"/>
-              <a:t>Consistency</a:t>
-            </a:r>
-            <a:r>
-              <a:rPr lang="en-US" dirty="0" smtClean="0"/>
-              <a:t>: all nodes see the same data at the same time</a:t>
-            </a:r>
-          </a:p>
-          <a:p>
-            <a:pPr lvl="1"/>
-            <a:r>
-              <a:rPr lang="en-US" b="1" dirty="0" smtClean="0"/>
-              <a:t>Availability</a:t>
-            </a:r>
-            <a:r>
-              <a:rPr lang="en-US" dirty="0" smtClean="0"/>
-              <a:t>: every request receives a response about whether it succeeded or failed</a:t>
-            </a:r>
-          </a:p>
-          <a:p>
-            <a:pPr lvl="1"/>
-            <a:r>
-              <a:rPr lang="en-US" b="1" dirty="0" smtClean="0"/>
-              <a:t>Partition</a:t>
-            </a:r>
-            <a:r>
-              <a:rPr lang="en-US" dirty="0" smtClean="0"/>
-              <a:t> </a:t>
-            </a:r>
-            <a:r>
-              <a:rPr lang="en-US" b="1" dirty="0" smtClean="0"/>
-              <a:t>tolerance</a:t>
-            </a:r>
-            <a:r>
-              <a:rPr lang="en-US" dirty="0" smtClean="0"/>
-              <a:t>: the system continues to operate despite arbitrary partitioning due to network failures</a:t>
-            </a:r>
-            <a:endParaRPr lang="es-ES" dirty="0"/>
-          </a:p>
-        </p:txBody>
-      </p:sp>
-    </p:spTree>
-    <p:extLst>
-      <p:ext uri="{BB962C8B-B14F-4D97-AF65-F5344CB8AC3E}">
-        <p14:creationId xmlns:p14="http://schemas.microsoft.com/office/powerpoint/2010/main" val="1893210387"/>
       </p:ext>
     </p:extLst>
   </p:cSld>
@@ -8053,7 +9756,7 @@
           <a:p>
             <a:r>
               <a:rPr lang="en-US" dirty="0" smtClean="0"/>
-              <a:t>Fallacies of Distributed Computing</a:t>
+              <a:t>Distributed Computing</a:t>
             </a:r>
             <a:endParaRPr lang="es-ES" dirty="0"/>
           </a:p>
@@ -8066,15 +9769,151 @@
             <a:spLocks noGrp="1"/>
           </p:cNvSpPr>
           <p:nvPr>
-            <p:ph idx="1"/>
+            <p:ph sz="quarter" idx="1"/>
           </p:nvPr>
         </p:nvSpPr>
-        <p:spPr/>
+        <p:spPr>
+          <a:xfrm>
+            <a:off x="1219200" y="1447800"/>
+            <a:ext cx="7899901" cy="4572000"/>
+          </a:xfrm>
+        </p:spPr>
         <p:txBody>
           <a:bodyPr/>
           <a:lstStyle/>
           <a:p>
-            <a:endParaRPr lang="es-ES"/>
+            <a:r>
+              <a:rPr lang="en-US" dirty="0" smtClean="0"/>
+              <a:t>Several autonomous nodes with their own local memory and processors</a:t>
+            </a:r>
+          </a:p>
+          <a:p>
+            <a:r>
+              <a:rPr lang="en-US" dirty="0" smtClean="0"/>
+              <a:t>The nodes communicate with each other by message passing</a:t>
+            </a:r>
+          </a:p>
+          <a:p>
+            <a:r>
+              <a:rPr lang="en-US" dirty="0" smtClean="0"/>
+              <a:t>Th</a:t>
+            </a:r>
+            <a:r>
+              <a:rPr lang="en-US" dirty="0" smtClean="0"/>
+              <a:t>e system has to tolerate failures in individual nodes</a:t>
+            </a:r>
+          </a:p>
+          <a:p>
+            <a:r>
+              <a:rPr lang="en-US" dirty="0" smtClean="0"/>
+              <a:t>The topology of the system is not known in advance and can change anytime</a:t>
+            </a:r>
+          </a:p>
+          <a:p>
+            <a:r>
+              <a:rPr lang="en-US" dirty="0" smtClean="0"/>
+              <a:t>Each node has only a limited and incomplete view of the system</a:t>
+            </a:r>
+            <a:endParaRPr lang="es-ES" dirty="0"/>
+          </a:p>
+        </p:txBody>
+      </p:sp>
+      <p:pic>
+        <p:nvPicPr>
+          <p:cNvPr id="3074" name="Picture 2" descr="https://upload.wikimedia.org/wikipedia/commons/thumb/c/c6/Distributed-parallel.svg/300px-Distributed-parallel.svg.png"/>
+          <p:cNvPicPr>
+            <a:picLocks noChangeAspect="1" noChangeArrowheads="1"/>
+          </p:cNvPicPr>
+          <p:nvPr/>
+        </p:nvPicPr>
+        <p:blipFill rotWithShape="1">
+          <a:blip r:embed="rId2">
+            <a:extLst>
+              <a:ext uri="{28A0092B-C50C-407E-A947-70E740481C1C}">
+                <a14:useLocalDpi xmlns:a14="http://schemas.microsoft.com/office/drawing/2010/main" val="0"/>
+              </a:ext>
+            </a:extLst>
+          </a:blip>
+          <a:srcRect t="20957"/>
+          <a:stretch/>
+        </p:blipFill>
+        <p:spPr bwMode="auto">
+          <a:xfrm>
+            <a:off x="9119101" y="2117557"/>
+            <a:ext cx="2857500" cy="3101893"/>
+          </a:xfrm>
+          <a:prstGeom prst="rect">
+            <a:avLst/>
+          </a:prstGeom>
+          <a:noFill/>
+          <a:extLst>
+            <a:ext uri="{909E8E84-426E-40DD-AFC4-6F175D3DCCD1}">
+              <a14:hiddenFill xmlns:a14="http://schemas.microsoft.com/office/drawing/2010/main">
+                <a:solidFill>
+                  <a:srgbClr val="FFFFFF"/>
+                </a:solidFill>
+              </a14:hiddenFill>
+            </a:ext>
+          </a:extLst>
+        </p:spPr>
+      </p:pic>
+      <p:sp>
+        <p:nvSpPr>
+          <p:cNvPr id="4" name="3 CuadroTexto"/>
+          <p:cNvSpPr txBox="1"/>
+          <p:nvPr/>
+        </p:nvSpPr>
+        <p:spPr>
+          <a:xfrm>
+            <a:off x="9506540" y="1708484"/>
+            <a:ext cx="2082621" cy="369332"/>
+          </a:xfrm>
+          <a:prstGeom prst="rect">
+            <a:avLst/>
+          </a:prstGeom>
+          <a:noFill/>
+        </p:spPr>
+        <p:txBody>
+          <a:bodyPr wrap="none" rtlCol="0">
+            <a:spAutoFit/>
+          </a:bodyPr>
+          <a:lstStyle/>
+          <a:p>
+            <a:r>
+              <a:rPr lang="en-US" dirty="0" smtClean="0"/>
+              <a:t>Distributed system</a:t>
+            </a:r>
+            <a:endParaRPr lang="es-ES" dirty="0"/>
+          </a:p>
+        </p:txBody>
+      </p:sp>
+      <p:sp>
+        <p:nvSpPr>
+          <p:cNvPr id="6" name="5 CuadroTexto"/>
+          <p:cNvSpPr txBox="1"/>
+          <p:nvPr/>
+        </p:nvSpPr>
+        <p:spPr>
+          <a:xfrm>
+            <a:off x="9673252" y="5329990"/>
+            <a:ext cx="1749197" cy="369332"/>
+          </a:xfrm>
+          <a:prstGeom prst="rect">
+            <a:avLst/>
+          </a:prstGeom>
+          <a:noFill/>
+        </p:spPr>
+        <p:txBody>
+          <a:bodyPr wrap="none" rtlCol="0">
+            <a:spAutoFit/>
+          </a:bodyPr>
+          <a:lstStyle/>
+          <a:p>
+            <a:r>
+              <a:rPr lang="en-US" dirty="0" smtClean="0"/>
+              <a:t>Parallel system</a:t>
+            </a:r>
+            <a:endParaRPr lang="es-ES" dirty="0"/>
           </a:p>
         </p:txBody>
       </p:sp>
@@ -8132,11 +9971,7 @@
           <a:p>
             <a:r>
               <a:rPr lang="en-US" dirty="0" smtClean="0"/>
-              <a:t>Message Oriented </a:t>
-            </a:r>
-            <a:r>
-              <a:rPr lang="en-US" dirty="0" err="1" smtClean="0"/>
-              <a:t>Arquitecture</a:t>
+              <a:t>Distributed Computing</a:t>
             </a:r>
             <a:endParaRPr lang="es-ES" dirty="0"/>
           </a:p>
@@ -8149,7 +9984,7 @@
             <a:spLocks noGrp="1"/>
           </p:cNvSpPr>
           <p:nvPr>
-            <p:ph idx="1"/>
+            <p:ph sz="quarter" idx="1"/>
           </p:nvPr>
         </p:nvSpPr>
         <p:spPr/>
@@ -8157,38 +9992,107 @@
           <a:bodyPr/>
           <a:lstStyle/>
           <a:p>
+            <a:pPr marL="0" indent="0">
+              <a:buNone/>
+            </a:pPr>
+            <a:r>
+              <a:rPr lang="en-US" b="1" dirty="0" smtClean="0"/>
+              <a:t>Architectures</a:t>
+            </a:r>
+          </a:p>
+          <a:p>
             <a:r>
               <a:rPr lang="en-US" dirty="0" smtClean="0"/>
-              <a:t>Messages</a:t>
+              <a:t>Client-Server</a:t>
             </a:r>
           </a:p>
           <a:p>
             <a:r>
               <a:rPr lang="en-US" dirty="0" smtClean="0"/>
-              <a:t>Queues</a:t>
+              <a:t>Multi-tier</a:t>
             </a:r>
           </a:p>
           <a:p>
             <a:r>
               <a:rPr lang="en-US" dirty="0" smtClean="0"/>
-              <a:t>Event Sourcing</a:t>
-            </a:r>
-          </a:p>
-          <a:p>
-            <a:r>
-              <a:rPr lang="en-US" dirty="0" smtClean="0"/>
-              <a:t>Scaling</a:t>
-            </a:r>
-          </a:p>
-          <a:p>
+              <a:t>Peer-to-peer</a:t>
+            </a:r>
+          </a:p>
+          <a:p>
+            <a:pPr marL="0" indent="0">
+              <a:buNone/>
+            </a:pPr>
+            <a:r>
+              <a:rPr lang="en-US" b="1" dirty="0"/>
+              <a:t>Communication mode</a:t>
+            </a:r>
+          </a:p>
+          <a:p>
+            <a:r>
+              <a:rPr lang="en-US" dirty="0"/>
+              <a:t>Synchronous</a:t>
+            </a:r>
+          </a:p>
+          <a:p>
+            <a:r>
+              <a:rPr lang="en-US" dirty="0"/>
+              <a:t>Asynchronous</a:t>
+            </a:r>
             <a:endParaRPr lang="es-ES" dirty="0"/>
           </a:p>
-        </p:txBody>
-      </p:sp>
+          <a:p>
+            <a:pPr marL="0" indent="0">
+              <a:buNone/>
+            </a:pPr>
+            <a:endParaRPr lang="es-ES" dirty="0"/>
+          </a:p>
+        </p:txBody>
+      </p:sp>
+      <p:pic>
+        <p:nvPicPr>
+          <p:cNvPr id="4098" name="Picture 2" descr="Cc949110.EntIntegDistribComp01(en-us,MSDN.10).jpg"/>
+          <p:cNvPicPr>
+            <a:picLocks noChangeAspect="1" noChangeArrowheads="1"/>
+          </p:cNvPicPr>
+          <p:nvPr/>
+        </p:nvPicPr>
+        <p:blipFill>
+          <a:blip r:embed="rId2">
+            <a:extLst>
+              <a:ext uri="{28A0092B-C50C-407E-A947-70E740481C1C}">
+                <a14:useLocalDpi xmlns:a14="http://schemas.microsoft.com/office/drawing/2010/main" val="0"/>
+              </a:ext>
+            </a:extLst>
+          </a:blip>
+          <a:srcRect/>
+          <a:stretch>
+            <a:fillRect/>
+          </a:stretch>
+        </p:blipFill>
+        <p:spPr bwMode="auto">
+          <a:xfrm>
+            <a:off x="6255586" y="1411789"/>
+            <a:ext cx="4762500" cy="4781551"/>
+          </a:xfrm>
+          <a:prstGeom prst="rect">
+            <a:avLst/>
+          </a:prstGeom>
+          <a:noFill/>
+          <a:extLst>
+            <a:ext uri="{909E8E84-426E-40DD-AFC4-6F175D3DCCD1}">
+              <a14:hiddenFill xmlns:a14="http://schemas.microsoft.com/office/drawing/2010/main">
+                <a:solidFill>
+                  <a:srgbClr val="FFFFFF"/>
+                </a:solidFill>
+              </a14:hiddenFill>
+            </a:ext>
+          </a:extLst>
+        </p:spPr>
+      </p:pic>
     </p:spTree>
     <p:extLst>
       <p:ext uri="{BB962C8B-B14F-4D97-AF65-F5344CB8AC3E}">
-        <p14:creationId xmlns:p14="http://schemas.microsoft.com/office/powerpoint/2010/main" val="2012315513"/>
+        <p14:creationId xmlns:p14="http://schemas.microsoft.com/office/powerpoint/2010/main" val="3621854191"/>
       </p:ext>
     </p:extLst>
   </p:cSld>
@@ -8239,7 +10143,7 @@
           <a:p>
             <a:r>
               <a:rPr lang="en-US" dirty="0" smtClean="0"/>
-              <a:t>Data Persistence</a:t>
+              <a:t>Distributed Computing</a:t>
             </a:r>
             <a:endParaRPr lang="es-ES" dirty="0"/>
           </a:p>
@@ -8252,70 +10156,135 @@
             <a:spLocks noGrp="1"/>
           </p:cNvSpPr>
           <p:nvPr>
-            <p:ph idx="1"/>
+            <p:ph sz="quarter" idx="1"/>
           </p:nvPr>
         </p:nvSpPr>
         <p:spPr/>
         <p:txBody>
-          <a:bodyPr>
-            <a:normAutofit lnSpcReduction="10000"/>
+          <a:bodyPr/>
+          <a:lstStyle/>
+          <a:p>
+            <a:pPr marL="0" indent="0">
+              <a:buNone/>
+            </a:pPr>
+            <a:r>
+              <a:rPr lang="en-US" b="1" dirty="0" smtClean="0"/>
+              <a:t>Challenges</a:t>
+            </a:r>
+          </a:p>
+          <a:p>
+            <a:r>
+              <a:rPr lang="en-US" dirty="0" smtClean="0"/>
+              <a:t>Identity and Access Management</a:t>
+            </a:r>
+          </a:p>
+          <a:p>
+            <a:r>
+              <a:rPr lang="en-US" dirty="0" smtClean="0"/>
+              <a:t>Load Balancing and Concurrency</a:t>
+            </a:r>
+          </a:p>
+          <a:p>
+            <a:r>
+              <a:rPr lang="en-US" dirty="0" smtClean="0"/>
+              <a:t>Security</a:t>
+            </a:r>
+          </a:p>
+          <a:p>
+            <a:r>
+              <a:rPr lang="en-US" dirty="0" smtClean="0"/>
+              <a:t>Governance and Monitoring</a:t>
+            </a:r>
+          </a:p>
+          <a:p>
+            <a:r>
+              <a:rPr lang="en-US" dirty="0" smtClean="0"/>
+              <a:t>Message Exchange Models</a:t>
+            </a:r>
+          </a:p>
+          <a:p>
+            <a:r>
+              <a:rPr lang="en-US" dirty="0" smtClean="0"/>
+              <a:t>Mobile Devices</a:t>
+            </a:r>
+          </a:p>
+          <a:p>
+            <a:endParaRPr lang="es-ES" dirty="0"/>
+          </a:p>
+        </p:txBody>
+      </p:sp>
+      <p:sp>
+        <p:nvSpPr>
+          <p:cNvPr id="4" name="3 CuadroTexto"/>
+          <p:cNvSpPr txBox="1"/>
+          <p:nvPr/>
+        </p:nvSpPr>
+        <p:spPr>
+          <a:xfrm>
+            <a:off x="1179094" y="6252228"/>
+            <a:ext cx="5874237" cy="369332"/>
+          </a:xfrm>
+          <a:prstGeom prst="rect">
+            <a:avLst/>
+          </a:prstGeom>
+          <a:noFill/>
+        </p:spPr>
+        <p:txBody>
+          <a:bodyPr wrap="none" rtlCol="0">
+            <a:spAutoFit/>
           </a:bodyPr>
           <a:lstStyle/>
           <a:p>
             <a:r>
-              <a:rPr lang="en-US" dirty="0" smtClean="0"/>
-              <a:t>SQL Store</a:t>
-            </a:r>
-          </a:p>
-          <a:p>
-            <a:r>
-              <a:rPr lang="en-US" dirty="0" smtClean="0"/>
-              <a:t>Document Store</a:t>
-            </a:r>
-          </a:p>
-          <a:p>
-            <a:r>
-              <a:rPr lang="en-US" dirty="0" smtClean="0"/>
-              <a:t>Key-Value Store</a:t>
-            </a:r>
-          </a:p>
-          <a:p>
-            <a:r>
-              <a:rPr lang="en-US" dirty="0" smtClean="0"/>
-              <a:t>Blob Store</a:t>
-            </a:r>
-          </a:p>
-          <a:p>
-            <a:r>
-              <a:rPr lang="en-US" dirty="0" smtClean="0"/>
-              <a:t>Table Store</a:t>
-            </a:r>
-            <a:endParaRPr lang="es-ES" dirty="0" smtClean="0"/>
-          </a:p>
-          <a:p>
-            <a:r>
-              <a:rPr lang="en-US" dirty="0" smtClean="0"/>
-              <a:t>Column Store</a:t>
-            </a:r>
-          </a:p>
-          <a:p>
-            <a:r>
-              <a:rPr lang="en-US" dirty="0" smtClean="0"/>
-              <a:t>Index Store</a:t>
-            </a:r>
-          </a:p>
-          <a:p>
-            <a:r>
-              <a:rPr lang="en-US" dirty="0" smtClean="0"/>
-              <a:t>Graph Store</a:t>
-            </a:r>
-          </a:p>
-        </p:txBody>
-      </p:sp>
+              <a:rPr lang="es-ES" dirty="0"/>
+              <a:t>https://msdn.microsoft.com/en-us/library/cc949110.aspx</a:t>
+            </a:r>
+          </a:p>
+        </p:txBody>
+      </p:sp>
+      <p:pic>
+        <p:nvPicPr>
+          <p:cNvPr id="5122" name="Picture 2" descr="Cc949110.EntIntegDistribComp06(en-us,MSDN.10).jpg"/>
+          <p:cNvPicPr>
+            <a:picLocks noChangeAspect="1" noChangeArrowheads="1"/>
+          </p:cNvPicPr>
+          <p:nvPr/>
+        </p:nvPicPr>
+        <p:blipFill rotWithShape="1">
+          <a:blip r:embed="rId2">
+            <a:extLst>
+              <a:ext uri="{28A0092B-C50C-407E-A947-70E740481C1C}">
+                <a14:useLocalDpi xmlns:a14="http://schemas.microsoft.com/office/drawing/2010/main" val="0"/>
+              </a:ext>
+            </a:extLst>
+          </a:blip>
+          <a:srcRect b="7463"/>
+          <a:stretch/>
+        </p:blipFill>
+        <p:spPr bwMode="auto">
+          <a:xfrm>
+            <a:off x="5894638" y="2907632"/>
+            <a:ext cx="5838825" cy="2362200"/>
+          </a:xfrm>
+          <a:prstGeom prst="rect">
+            <a:avLst/>
+          </a:prstGeom>
+          <a:noFill/>
+          <a:extLst>
+            <a:ext uri="{909E8E84-426E-40DD-AFC4-6F175D3DCCD1}">
+              <a14:hiddenFill xmlns:a14="http://schemas.microsoft.com/office/drawing/2010/main">
+                <a:solidFill>
+                  <a:srgbClr val="FFFFFF"/>
+                </a:solidFill>
+              </a14:hiddenFill>
+            </a:ext>
+          </a:extLst>
+        </p:spPr>
+      </p:pic>
     </p:spTree>
     <p:extLst>
       <p:ext uri="{BB962C8B-B14F-4D97-AF65-F5344CB8AC3E}">
-        <p14:creationId xmlns:p14="http://schemas.microsoft.com/office/powerpoint/2010/main" val="3178203531"/>
+        <p14:creationId xmlns:p14="http://schemas.microsoft.com/office/powerpoint/2010/main" val="3780736101"/>
       </p:ext>
     </p:extLst>
   </p:cSld>
@@ -8366,7 +10335,7 @@
           <a:p>
             <a:r>
               <a:rPr lang="en-US" dirty="0" smtClean="0"/>
-              <a:t>Domain Driven Design</a:t>
+              <a:t>Distributed Computing</a:t>
             </a:r>
             <a:endParaRPr lang="es-ES" dirty="0"/>
           </a:p>
@@ -8379,22 +10348,161 @@
             <a:spLocks noGrp="1"/>
           </p:cNvSpPr>
           <p:nvPr>
-            <p:ph idx="1"/>
+            <p:ph sz="quarter" idx="1"/>
           </p:nvPr>
         </p:nvSpPr>
         <p:spPr/>
         <p:txBody>
-          <a:bodyPr/>
-          <a:lstStyle/>
-          <a:p>
-            <a:endParaRPr lang="es-ES"/>
-          </a:p>
-        </p:txBody>
-      </p:sp>
+          <a:bodyPr>
+            <a:normAutofit lnSpcReduction="10000"/>
+          </a:bodyPr>
+          <a:lstStyle/>
+          <a:p>
+            <a:pPr marL="0" indent="0">
+              <a:buNone/>
+            </a:pPr>
+            <a:r>
+              <a:rPr lang="en-US" b="1" dirty="0" smtClean="0"/>
+              <a:t>Fallacies</a:t>
+            </a:r>
+          </a:p>
+          <a:p>
+            <a:r>
+              <a:rPr lang="en-US" dirty="0" smtClean="0"/>
+              <a:t>The network is </a:t>
+            </a:r>
+            <a:r>
+              <a:rPr lang="en-US" b="1" dirty="0" smtClean="0"/>
+              <a:t>reliable</a:t>
+            </a:r>
+          </a:p>
+          <a:p>
+            <a:r>
+              <a:rPr lang="en-US" b="1" dirty="0" smtClean="0"/>
+              <a:t>Latency</a:t>
+            </a:r>
+            <a:r>
+              <a:rPr lang="en-US" dirty="0" smtClean="0"/>
+              <a:t> is zero</a:t>
+            </a:r>
+          </a:p>
+          <a:p>
+            <a:r>
+              <a:rPr lang="en-US" b="1" dirty="0" smtClean="0"/>
+              <a:t>Bandwidth</a:t>
+            </a:r>
+            <a:r>
+              <a:rPr lang="en-US" dirty="0" smtClean="0"/>
+              <a:t> is infinite</a:t>
+            </a:r>
+          </a:p>
+          <a:p>
+            <a:r>
+              <a:rPr lang="en-US" dirty="0" smtClean="0"/>
+              <a:t>The network is </a:t>
+            </a:r>
+            <a:r>
+              <a:rPr lang="en-US" b="1" dirty="0" smtClean="0"/>
+              <a:t>secure</a:t>
+            </a:r>
+          </a:p>
+          <a:p>
+            <a:r>
+              <a:rPr lang="en-US" b="1" dirty="0" smtClean="0"/>
+              <a:t>Topology</a:t>
+            </a:r>
+            <a:r>
+              <a:rPr lang="en-US" dirty="0" smtClean="0"/>
+              <a:t> doesn’t change</a:t>
+            </a:r>
+          </a:p>
+          <a:p>
+            <a:r>
+              <a:rPr lang="en-US" dirty="0" smtClean="0"/>
+              <a:t>There is </a:t>
+            </a:r>
+            <a:r>
+              <a:rPr lang="en-US" b="1" dirty="0" smtClean="0"/>
+              <a:t>one administrator</a:t>
+            </a:r>
+          </a:p>
+          <a:p>
+            <a:r>
+              <a:rPr lang="en-US" b="1" dirty="0" smtClean="0"/>
+              <a:t>Transport cost</a:t>
+            </a:r>
+            <a:r>
+              <a:rPr lang="en-US" dirty="0" smtClean="0"/>
+              <a:t> is zero</a:t>
+            </a:r>
+            <a:endParaRPr lang="en-US" dirty="0"/>
+          </a:p>
+          <a:p>
+            <a:r>
+              <a:rPr lang="en-US" dirty="0" smtClean="0"/>
+              <a:t>The network is </a:t>
+            </a:r>
+            <a:r>
+              <a:rPr lang="en-US" b="1" dirty="0" smtClean="0"/>
+              <a:t>homogeneous</a:t>
+            </a:r>
+          </a:p>
+          <a:p>
+            <a:pPr marL="0" indent="0">
+              <a:buNone/>
+            </a:pPr>
+            <a:r>
+              <a:rPr lang="es-ES" sz="2000" dirty="0"/>
+              <a:t>https://pages.cs.wisc.edu/~zuyu/files/fallacies.pdf</a:t>
+            </a:r>
+          </a:p>
+        </p:txBody>
+      </p:sp>
+      <p:pic>
+        <p:nvPicPr>
+          <p:cNvPr id="7170" name="Picture 2" descr="https://i.ytimg.com/vi/NiBka2FIfzQ/maxresdefault.jpg"/>
+          <p:cNvPicPr>
+            <a:picLocks noChangeAspect="1" noChangeArrowheads="1"/>
+          </p:cNvPicPr>
+          <p:nvPr/>
+        </p:nvPicPr>
+        <p:blipFill>
+          <a:blip r:embed="rId2">
+            <a:extLst>
+              <a:ext uri="{28A0092B-C50C-407E-A947-70E740481C1C}">
+                <a14:useLocalDpi xmlns:a14="http://schemas.microsoft.com/office/drawing/2010/main" val="0"/>
+              </a:ext>
+            </a:extLst>
+          </a:blip>
+          <a:srcRect/>
+          <a:stretch>
+            <a:fillRect/>
+          </a:stretch>
+        </p:blipFill>
+        <p:spPr bwMode="auto">
+          <a:xfrm>
+            <a:off x="6003759" y="1511687"/>
+            <a:ext cx="5868348" cy="3300946"/>
+          </a:xfrm>
+          <a:prstGeom prst="rect">
+            <a:avLst/>
+          </a:prstGeom>
+          <a:noFill/>
+          <a:extLst>
+            <a:ext uri="{909E8E84-426E-40DD-AFC4-6F175D3DCCD1}">
+              <a14:hiddenFill xmlns:a14="http://schemas.microsoft.com/office/drawing/2010/main">
+                <a:solidFill>
+                  <a:srgbClr val="FFFFFF"/>
+                </a:solidFill>
+              </a14:hiddenFill>
+            </a:ext>
+          </a:extLst>
+        </p:spPr>
+      </p:pic>
     </p:spTree>
     <p:extLst>
       <p:ext uri="{BB962C8B-B14F-4D97-AF65-F5344CB8AC3E}">
-        <p14:creationId xmlns:p14="http://schemas.microsoft.com/office/powerpoint/2010/main" val="2506892404"/>
+        <p14:creationId xmlns:p14="http://schemas.microsoft.com/office/powerpoint/2010/main" val="133314685"/>
       </p:ext>
     </p:extLst>
   </p:cSld>
@@ -8445,7 +10553,11 @@
           <a:p>
             <a:r>
               <a:rPr lang="en-US" dirty="0" smtClean="0"/>
-              <a:t>CQRS</a:t>
+              <a:t>Message Oriented </a:t>
+            </a:r>
+            <a:r>
+              <a:rPr lang="en-US" dirty="0"/>
+              <a:t>Architecture</a:t>
             </a:r>
             <a:endParaRPr lang="es-ES" dirty="0"/>
           </a:p>
@@ -8458,7 +10570,7 @@
             <a:spLocks noGrp="1"/>
           </p:cNvSpPr>
           <p:nvPr>
-            <p:ph idx="1"/>
+            <p:ph sz="quarter" idx="1"/>
           </p:nvPr>
         </p:nvSpPr>
         <p:spPr/>
@@ -8466,14 +10578,116 @@
           <a:bodyPr/>
           <a:lstStyle/>
           <a:p>
-            <a:endParaRPr lang="es-ES"/>
-          </a:p>
-        </p:txBody>
-      </p:sp>
+            <a:r>
+              <a:rPr lang="en-US" b="1" dirty="0" smtClean="0"/>
+              <a:t>Messages</a:t>
+            </a:r>
+            <a:r>
+              <a:rPr lang="en-US" dirty="0" smtClean="0"/>
+              <a:t>: Unit of data exchange</a:t>
+            </a:r>
+            <a:endParaRPr lang="en-US" dirty="0" smtClean="0"/>
+          </a:p>
+          <a:p>
+            <a:r>
+              <a:rPr lang="en-US" b="1" dirty="0" smtClean="0"/>
+              <a:t>Queues</a:t>
+            </a:r>
+            <a:r>
+              <a:rPr lang="en-US" dirty="0" smtClean="0"/>
+              <a:t>: </a:t>
+            </a:r>
+            <a:r>
+              <a:rPr lang="en-US" u="sng" dirty="0" smtClean="0"/>
+              <a:t>Asynchronous</a:t>
+            </a:r>
+            <a:r>
+              <a:rPr lang="en-US" dirty="0" smtClean="0"/>
+              <a:t> transport mean for a consumer</a:t>
+            </a:r>
+          </a:p>
+          <a:p>
+            <a:r>
+              <a:rPr lang="en-US" b="1" dirty="0" smtClean="0"/>
+              <a:t>Routing</a:t>
+            </a:r>
+            <a:r>
+              <a:rPr lang="en-US" dirty="0" smtClean="0"/>
+              <a:t>: Location transparency of consumers and producers</a:t>
+            </a:r>
+          </a:p>
+          <a:p>
+            <a:r>
+              <a:rPr lang="en-US" b="1" dirty="0" smtClean="0"/>
+              <a:t>Services</a:t>
+            </a:r>
+            <a:r>
+              <a:rPr lang="en-US" dirty="0" smtClean="0"/>
+              <a:t>: Produce and consume messages</a:t>
+            </a:r>
+          </a:p>
+          <a:p>
+            <a:r>
+              <a:rPr lang="en-US" b="1" dirty="0"/>
+              <a:t>Integration</a:t>
+            </a:r>
+            <a:r>
+              <a:rPr lang="en-US" dirty="0"/>
+              <a:t>: Allows transforming messages for </a:t>
+            </a:r>
+            <a:r>
+              <a:rPr lang="en-US" dirty="0" smtClean="0"/>
+              <a:t>decoupling</a:t>
+            </a:r>
+            <a:endParaRPr lang="en-US" dirty="0"/>
+          </a:p>
+        </p:txBody>
+      </p:sp>
+      <p:pic>
+        <p:nvPicPr>
+          <p:cNvPr id="6146" name="Picture 2" descr="https://cloudcasts.blob.core.windows.net/bookimages/ServiceBusOverview_files/image009.png"/>
+          <p:cNvPicPr>
+            <a:picLocks noChangeAspect="1" noChangeArrowheads="1"/>
+          </p:cNvPicPr>
+          <p:nvPr/>
+        </p:nvPicPr>
+        <p:blipFill>
+          <a:blip r:embed="rId2">
+            <a:extLst>
+              <a:ext uri="{28A0092B-C50C-407E-A947-70E740481C1C}">
+                <a14:useLocalDpi xmlns:a14="http://schemas.microsoft.com/office/drawing/2010/main" val="0"/>
+              </a:ext>
+            </a:extLst>
+          </a:blip>
+          <a:srcRect/>
+          <a:stretch>
+            <a:fillRect/>
+          </a:stretch>
+        </p:blipFill>
+        <p:spPr bwMode="auto">
+          <a:xfrm>
+            <a:off x="2826585" y="4222833"/>
+            <a:ext cx="5934075" cy="2333626"/>
+          </a:xfrm>
+          <a:prstGeom prst="rect">
+            <a:avLst/>
+          </a:prstGeom>
+          <a:noFill/>
+          <a:extLst>
+            <a:ext uri="{909E8E84-426E-40DD-AFC4-6F175D3DCCD1}">
+              <a14:hiddenFill xmlns:a14="http://schemas.microsoft.com/office/drawing/2010/main">
+                <a:solidFill>
+                  <a:srgbClr val="FFFFFF"/>
+                </a:solidFill>
+              </a14:hiddenFill>
+            </a:ext>
+          </a:extLst>
+        </p:spPr>
+      </p:pic>
     </p:spTree>
     <p:extLst>
       <p:ext uri="{BB962C8B-B14F-4D97-AF65-F5344CB8AC3E}">
-        <p14:creationId xmlns:p14="http://schemas.microsoft.com/office/powerpoint/2010/main" val="4070178371"/>
+        <p14:creationId xmlns:p14="http://schemas.microsoft.com/office/powerpoint/2010/main" val="2012315513"/>
       </p:ext>
     </p:extLst>
   </p:cSld>
@@ -8524,7 +10738,11 @@
           <a:p>
             <a:r>
               <a:rPr lang="en-US" dirty="0" smtClean="0"/>
-              <a:t>Functional Programming</a:t>
+              <a:t>Message Oriented </a:t>
+            </a:r>
+            <a:r>
+              <a:rPr lang="en-US" dirty="0"/>
+              <a:t>Architecture</a:t>
             </a:r>
             <a:endParaRPr lang="es-ES" dirty="0"/>
           </a:p>
@@ -8537,7 +10755,7 @@
             <a:spLocks noGrp="1"/>
           </p:cNvSpPr>
           <p:nvPr>
-            <p:ph idx="1"/>
+            <p:ph sz="quarter" idx="1"/>
           </p:nvPr>
         </p:nvSpPr>
         <p:spPr/>
@@ -8545,14 +10763,85 @@
           <a:bodyPr/>
           <a:lstStyle/>
           <a:p>
-            <a:endParaRPr lang="es-ES"/>
+            <a:pPr marL="0" indent="0">
+              <a:buNone/>
+            </a:pPr>
+            <a:r>
+              <a:rPr lang="en-US" b="1" dirty="0" smtClean="0"/>
+              <a:t>Examples of messages</a:t>
+            </a:r>
+          </a:p>
+          <a:p>
+            <a:r>
+              <a:rPr lang="en-US" dirty="0"/>
+              <a:t>A </a:t>
+            </a:r>
+            <a:r>
+              <a:rPr lang="en-US" dirty="0" smtClean="0"/>
+              <a:t>message is any relatively short data unit which conveys some information for the system producing/consuming it</a:t>
+            </a:r>
+            <a:endParaRPr lang="en-US" dirty="0"/>
+          </a:p>
+          <a:p>
+            <a:pPr lvl="1"/>
+            <a:r>
+              <a:rPr lang="en-US" b="1" dirty="0" smtClean="0"/>
+              <a:t>1</a:t>
+            </a:r>
+          </a:p>
+          <a:p>
+            <a:pPr lvl="1"/>
+            <a:r>
+              <a:rPr lang="en-US" b="1" dirty="0" smtClean="0"/>
+              <a:t>“Hello”</a:t>
+            </a:r>
+          </a:p>
+          <a:p>
+            <a:pPr lvl="1"/>
+            <a:r>
+              <a:rPr lang="en-US" b="1" dirty="0" smtClean="0"/>
+              <a:t>&lt;</a:t>
+            </a:r>
+            <a:r>
+              <a:rPr lang="en-US" b="1" dirty="0" err="1" smtClean="0"/>
+              <a:t>LogError</a:t>
+            </a:r>
+            <a:r>
+              <a:rPr lang="en-US" b="1" dirty="0" smtClean="0"/>
+              <a:t>&gt;Error on remote system&lt;/</a:t>
+            </a:r>
+            <a:r>
+              <a:rPr lang="en-US" b="1" dirty="0" err="1" smtClean="0"/>
+              <a:t>LogError</a:t>
+            </a:r>
+            <a:r>
+              <a:rPr lang="en-US" b="1" dirty="0" smtClean="0"/>
+              <a:t>&gt;</a:t>
+            </a:r>
+          </a:p>
+          <a:p>
+            <a:pPr lvl="1"/>
+            <a:r>
+              <a:rPr lang="en-US" b="1" dirty="0" smtClean="0"/>
+              <a:t>{ command: “create-order”, zone: “East Building”, date: …}</a:t>
+            </a:r>
+          </a:p>
+          <a:p>
+            <a:pPr marL="0" indent="0">
+              <a:buNone/>
+            </a:pPr>
+            <a:endParaRPr lang="en-US" b="1" dirty="0"/>
+          </a:p>
+          <a:p>
+            <a:pPr lvl="1"/>
+            <a:endParaRPr lang="en-US" b="1" dirty="0" smtClean="0"/>
           </a:p>
         </p:txBody>
       </p:sp>
     </p:spTree>
     <p:extLst>
       <p:ext uri="{BB962C8B-B14F-4D97-AF65-F5344CB8AC3E}">
-        <p14:creationId xmlns:p14="http://schemas.microsoft.com/office/powerpoint/2010/main" val="2456586473"/>
+        <p14:creationId xmlns:p14="http://schemas.microsoft.com/office/powerpoint/2010/main" val="3313039464"/>
       </p:ext>
     </p:extLst>
   </p:cSld>
@@ -8603,7 +10892,11 @@
           <a:p>
             <a:r>
               <a:rPr lang="en-US" dirty="0" smtClean="0"/>
-              <a:t>Actors Model</a:t>
+              <a:t>Message Oriented </a:t>
+            </a:r>
+            <a:r>
+              <a:rPr lang="en-US" dirty="0" smtClean="0"/>
+              <a:t>Architecture</a:t>
             </a:r>
             <a:endParaRPr lang="es-ES" dirty="0"/>
           </a:p>
@@ -8616,7 +10909,7 @@
             <a:spLocks noGrp="1"/>
           </p:cNvSpPr>
           <p:nvPr>
-            <p:ph idx="1"/>
+            <p:ph sz="quarter" idx="1"/>
           </p:nvPr>
         </p:nvSpPr>
         <p:spPr/>
@@ -8624,14 +10917,93 @@
           <a:bodyPr/>
           <a:lstStyle/>
           <a:p>
-            <a:endParaRPr lang="es-ES"/>
-          </a:p>
-        </p:txBody>
-      </p:sp>
+            <a:pPr marL="0" indent="0">
+              <a:buNone/>
+            </a:pPr>
+            <a:r>
+              <a:rPr lang="en-US" b="1" dirty="0" smtClean="0"/>
+              <a:t>Message queues</a:t>
+            </a:r>
+          </a:p>
+          <a:p>
+            <a:pPr marL="0" indent="0">
+              <a:buNone/>
+            </a:pPr>
+            <a:r>
+              <a:rPr lang="en-US" dirty="0"/>
+              <a:t>A queue is a line of things waiting to be handled - in sequential order starting at the beginning of the line. A message queue is a queue of messages sent between applications. It includes a sequence of work objects that are waiting to be processed.</a:t>
+            </a:r>
+          </a:p>
+          <a:p>
+            <a:pPr marL="0" indent="0">
+              <a:buNone/>
+            </a:pPr>
+            <a:endParaRPr lang="en-US" b="1" dirty="0"/>
+          </a:p>
+          <a:p>
+            <a:pPr lvl="1"/>
+            <a:endParaRPr lang="en-US" b="1" dirty="0" smtClean="0"/>
+          </a:p>
+        </p:txBody>
+      </p:sp>
+      <p:pic>
+        <p:nvPicPr>
+          <p:cNvPr id="1026" name="Picture 2"/>
+          <p:cNvPicPr>
+            <a:picLocks noChangeAspect="1" noChangeArrowheads="1"/>
+          </p:cNvPicPr>
+          <p:nvPr/>
+        </p:nvPicPr>
+        <p:blipFill>
+          <a:blip r:embed="rId2">
+            <a:extLst>
+              <a:ext uri="{28A0092B-C50C-407E-A947-70E740481C1C}">
+                <a14:useLocalDpi xmlns:a14="http://schemas.microsoft.com/office/drawing/2010/main" val="0"/>
+              </a:ext>
+            </a:extLst>
+          </a:blip>
+          <a:srcRect/>
+          <a:stretch>
+            <a:fillRect/>
+          </a:stretch>
+        </p:blipFill>
+        <p:spPr bwMode="auto">
+          <a:xfrm>
+            <a:off x="2984583" y="3816517"/>
+            <a:ext cx="5934075" cy="2305050"/>
+          </a:xfrm>
+          <a:prstGeom prst="rect">
+            <a:avLst/>
+          </a:prstGeom>
+          <a:noFill/>
+          <a:ln>
+            <a:noFill/>
+          </a:ln>
+          <a:extLst>
+            <a:ext uri="{909E8E84-426E-40DD-AFC4-6F175D3DCCD1}">
+              <a14:hiddenFill xmlns:a14="http://schemas.microsoft.com/office/drawing/2010/main">
+                <a:solidFill>
+                  <a:schemeClr val="accent1"/>
+                </a:solidFill>
+              </a14:hiddenFill>
+            </a:ext>
+            <a:ext uri="{91240B29-F687-4F45-9708-019B960494DF}">
+              <a14:hiddenLine xmlns:a14="http://schemas.microsoft.com/office/drawing/2010/main" w="9525">
+                <a:solidFill>
+                  <a:schemeClr val="tx1"/>
+                </a:solidFill>
+                <a:miter lim="800000"/>
+                <a:headEnd/>
+                <a:tailEnd/>
+              </a14:hiddenLine>
+            </a:ext>
+          </a:extLst>
+        </p:spPr>
+      </p:pic>
     </p:spTree>
     <p:extLst>
       <p:ext uri="{BB962C8B-B14F-4D97-AF65-F5344CB8AC3E}">
-        <p14:creationId xmlns:p14="http://schemas.microsoft.com/office/powerpoint/2010/main" val="2102007711"/>
+        <p14:creationId xmlns:p14="http://schemas.microsoft.com/office/powerpoint/2010/main" val="4242366704"/>
       </p:ext>
     </p:extLst>
   </p:cSld>
@@ -8649,9 +11021,9 @@
 </file>
 
 <file path=ppt/theme/theme1.xml><?xml version="1.0" encoding="utf-8"?>
-<a:theme xmlns:a="http://schemas.openxmlformats.org/drawingml/2006/main" name="Tema de Office">
+<a:theme xmlns:a="http://schemas.openxmlformats.org/drawingml/2006/main" name="Equidad">
   <a:themeElements>
-    <a:clrScheme name="Office">
+    <a:clrScheme name="Equidad">
       <a:dk1>
         <a:sysClr val="windowText" lastClr="000000"/>
       </a:dk1>
@@ -8659,48 +11031,87 @@
         <a:sysClr val="window" lastClr="FFFFFF"/>
       </a:lt1>
       <a:dk2>
-        <a:srgbClr val="1F497D"/>
+        <a:srgbClr val="696464"/>
       </a:dk2>
       <a:lt2>
-        <a:srgbClr val="EEECE1"/>
+        <a:srgbClr val="E9E5DC"/>
       </a:lt2>
       <a:accent1>
-        <a:srgbClr val="4F81BD"/>
+        <a:srgbClr val="D34817"/>
       </a:accent1>
       <a:accent2>
-        <a:srgbClr val="C0504D"/>
+        <a:srgbClr val="9B2D1F"/>
       </a:accent2>
       <a:accent3>
-        <a:srgbClr val="9BBB59"/>
+        <a:srgbClr val="A28E6A"/>
       </a:accent3>
       <a:accent4>
-        <a:srgbClr val="8064A2"/>
+        <a:srgbClr val="956251"/>
       </a:accent4>
       <a:accent5>
-        <a:srgbClr val="4BACC6"/>
+        <a:srgbClr val="918485"/>
       </a:accent5>
       <a:accent6>
-        <a:srgbClr val="F79646"/>
+        <a:srgbClr val="855D5D"/>
       </a:accent6>
       <a:hlink>
-        <a:srgbClr val="0000FF"/>
+        <a:srgbClr val="CC9900"/>
       </a:hlink>
       <a:folHlink>
-        <a:srgbClr val="800080"/>
+        <a:srgbClr val="96A9A9"/>
       </a:folHlink>
     </a:clrScheme>
-    <a:fontScheme name="Office">
+    <a:fontScheme name="Equidad">
       <a:majorFont>
-        <a:latin typeface="Calibri"/>
+        <a:latin typeface="Franklin Gothic Book"/>
         <a:ea typeface=""/>
         <a:cs typeface=""/>
-        <a:font script="Jpan" typeface="ＭＳ Ｐゴシック"/>
+        <a:font script="Grek" typeface="Calibri"/>
+        <a:font script="Cyrl" typeface="Calibri"/>
+        <a:font script="Jpan" typeface="HGｺﾞｼｯｸM"/>
+        <a:font script="Hang" typeface="바탕"/>
+        <a:font script="Hans" typeface="幼圆"/>
+        <a:font script="Hant" typeface="微軟正黑體"/>
+        <a:font script="Arab" typeface="Tahoma"/>
+        <a:font script="Hebr" typeface="Aharoni"/>
+        <a:font script="Thai" typeface="LilyUPC"/>
+        <a:font script="Ethi" typeface="Nyala"/>
+        <a:font script="Beng" typeface="Vrinda"/>
+        <a:font script="Gujr" typeface="Shruti"/>
+        <a:font script="Khmr" typeface="DaunPenh"/>
+        <a:font script="Knda" typeface="Tunga"/>
+        <a:font script="Guru" typeface="Raavi"/>
+        <a:font script="Cans" typeface="Euphemia"/>
+        <a:font script="Cher" typeface="Plantagenet Cherokee"/>
+        <a:font script="Yiii" typeface="Microsoft Yi Baiti"/>
+        <a:font script="Tibt" typeface="Microsoft Himalaya"/>
+        <a:font script="Thaa" typeface="MV Boli"/>
+        <a:font script="Deva" typeface="Mangal"/>
+        <a:font script="Telu" typeface="Gautami"/>
+        <a:font script="Taml" typeface="Latha"/>
+        <a:font script="Syrc" typeface="Estrangelo Edessa"/>
+        <a:font script="Orya" typeface="Kalinga"/>
+        <a:font script="Mlym" typeface="Kartika"/>
+        <a:font script="Laoo" typeface="DokChampa"/>
+        <a:font script="Sinh" typeface="Iskoola Pota"/>
+        <a:font script="Mong" typeface="Mongolian Baiti"/>
+        <a:font script="Viet" typeface="Tahoma"/>
+        <a:font script="Uigh" typeface="Microsoft Uighur"/>
+        <a:font script="Geor" typeface="Sylfaen"/>
+      </a:majorFont>
+      <a:minorFont>
+        <a:latin typeface="Perpetua"/>
+        <a:ea typeface=""/>
+        <a:cs typeface=""/>
+        <a:font script="Grek" typeface="Cambria"/>
+        <a:font script="Cyrl" typeface="Cambria"/>
+        <a:font script="Jpan" typeface="HG創英ﾌﾟﾚｾﾞﾝｽEB"/>
         <a:font script="Hang" typeface="맑은 고딕"/>
         <a:font script="Hans" typeface="宋体"/>
         <a:font script="Hant" typeface="新細明體"/>
         <a:font script="Arab" typeface="Times New Roman"/>
-        <a:font script="Hebr" typeface="Times New Roman"/>
-        <a:font script="Thai" typeface="Angsana New"/>
+        <a:font script="Hebr" typeface="Aharoni"/>
+        <a:font script="Thai" typeface="EucrosiaUPC"/>
         <a:font script="Ethi" typeface="Nyala"/>
         <a:font script="Beng" typeface="Vrinda"/>
         <a:font script="Gujr" typeface="Shruti"/>
@@ -8724,106 +11135,55 @@
         <a:font script="Viet" typeface="Times New Roman"/>
         <a:font script="Uigh" typeface="Microsoft Uighur"/>
         <a:font script="Geor" typeface="Sylfaen"/>
-      </a:majorFont>
-      <a:minorFont>
-        <a:latin typeface="Calibri"/>
-        <a:ea typeface=""/>
-        <a:cs typeface=""/>
-        <a:font script="Jpan" typeface="ＭＳ Ｐゴシック"/>
-        <a:font script="Hang" typeface="맑은 고딕"/>
-        <a:font script="Hans" typeface="宋体"/>
-        <a:font script="Hant" typeface="新細明體"/>
-        <a:font script="Arab" typeface="Arial"/>
-        <a:font script="Hebr" typeface="Arial"/>
-        <a:font script="Thai" typeface="Cordia New"/>
-        <a:font script="Ethi" typeface="Nyala"/>
-        <a:font script="Beng" typeface="Vrinda"/>
-        <a:font script="Gujr" typeface="Shruti"/>
-        <a:font script="Khmr" typeface="DaunPenh"/>
-        <a:font script="Knda" typeface="Tunga"/>
-        <a:font script="Guru" typeface="Raavi"/>
-        <a:font script="Cans" typeface="Euphemia"/>
-        <a:font script="Cher" typeface="Plantagenet Cherokee"/>
-        <a:font script="Yiii" typeface="Microsoft Yi Baiti"/>
-        <a:font script="Tibt" typeface="Microsoft Himalaya"/>
-        <a:font script="Thaa" typeface="MV Boli"/>
-        <a:font script="Deva" typeface="Mangal"/>
-        <a:font script="Telu" typeface="Gautami"/>
-        <a:font script="Taml" typeface="Latha"/>
-        <a:font script="Syrc" typeface="Estrangelo Edessa"/>
-        <a:font script="Orya" typeface="Kalinga"/>
-        <a:font script="Mlym" typeface="Kartika"/>
-        <a:font script="Laoo" typeface="DokChampa"/>
-        <a:font script="Sinh" typeface="Iskoola Pota"/>
-        <a:font script="Mong" typeface="Mongolian Baiti"/>
-        <a:font script="Viet" typeface="Arial"/>
-        <a:font script="Uigh" typeface="Microsoft Uighur"/>
-        <a:font script="Geor" typeface="Sylfaen"/>
       </a:minorFont>
     </a:fontScheme>
-    <a:fmtScheme name="Office">
+    <a:fmtScheme name="Equidad">
       <a:fillStyleLst>
         <a:solidFill>
           <a:schemeClr val="phClr"/>
         </a:solidFill>
-        <a:gradFill rotWithShape="1">
-          <a:gsLst>
-            <a:gs pos="0">
+        <a:blipFill>
+          <a:blip xmlns:r="http://schemas.openxmlformats.org/officeDocument/2006/relationships" r:embed="rId1">
+            <a:duotone>
               <a:schemeClr val="phClr">
-                <a:tint val="50000"/>
+                <a:tint val="30000"/>
                 <a:satMod val="300000"/>
               </a:schemeClr>
-            </a:gs>
-            <a:gs pos="35000">
               <a:schemeClr val="phClr">
-                <a:tint val="37000"/>
-                <a:satMod val="300000"/>
+                <a:tint val="40000"/>
+                <a:satMod val="200000"/>
               </a:schemeClr>
-            </a:gs>
-            <a:gs pos="100000">
+            </a:duotone>
+          </a:blip>
+          <a:tile tx="0" ty="0" sx="70000" sy="70000" flip="none" algn="ctr"/>
+        </a:blipFill>
+        <a:blipFill>
+          <a:blip xmlns:r="http://schemas.openxmlformats.org/officeDocument/2006/relationships" r:embed="rId1">
+            <a:duotone>
               <a:schemeClr val="phClr">
-                <a:tint val="15000"/>
-                <a:satMod val="350000"/>
+                <a:shade val="22000"/>
+                <a:satMod val="160000"/>
               </a:schemeClr>
-            </a:gs>
-          </a:gsLst>
-          <a:lin ang="16200000" scaled="1"/>
-        </a:gradFill>
-        <a:gradFill rotWithShape="1">
-          <a:gsLst>
-            <a:gs pos="0">
               <a:schemeClr val="phClr">
-                <a:shade val="51000"/>
-                <a:satMod val="130000"/>
+                <a:shade val="45000"/>
+                <a:satMod val="100000"/>
               </a:schemeClr>
-            </a:gs>
-            <a:gs pos="80000">
-              <a:schemeClr val="phClr">
-                <a:shade val="93000"/>
-                <a:satMod val="130000"/>
-              </a:schemeClr>
-            </a:gs>
-            <a:gs pos="100000">
-              <a:schemeClr val="phClr">
-                <a:shade val="94000"/>
-                <a:satMod val="135000"/>
-              </a:schemeClr>
-            </a:gs>
-          </a:gsLst>
-          <a:lin ang="16200000" scaled="0"/>
-        </a:gradFill>
+            </a:duotone>
+          </a:blip>
+          <a:tile tx="0" ty="0" sx="65000" sy="65000" flip="none" algn="ctr"/>
+        </a:blipFill>
       </a:fillStyleLst>
       <a:lnStyleLst>
         <a:ln w="9525" cap="flat" cmpd="sng" algn="ctr">
           <a:solidFill>
             <a:schemeClr val="phClr">
-              <a:shade val="95000"/>
-              <a:satMod val="105000"/>
+              <a:shade val="60000"/>
+              <a:satMod val="110000"/>
             </a:schemeClr>
           </a:solidFill>
           <a:prstDash val="solid"/>
         </a:ln>
-        <a:ln w="25400" cap="flat" cmpd="sng" algn="ctr">
+        <a:ln w="12700" cap="flat" cmpd="sng" algn="ctr">
           <a:solidFill>
             <a:schemeClr val="phClr"/>
           </a:solidFill>
@@ -8839,40 +11199,46 @@
       <a:effectStyleLst>
         <a:effectStyle>
           <a:effectLst>
-            <a:outerShdw blurRad="40000" dist="20000" dir="5400000" rotWithShape="0">
+            <a:outerShdw blurRad="38100" dist="25400" dir="5400000" algn="t" rotWithShape="0">
               <a:srgbClr val="000000">
-                <a:alpha val="38000"/>
+                <a:alpha val="50000"/>
               </a:srgbClr>
             </a:outerShdw>
           </a:effectLst>
         </a:effectStyle>
         <a:effectStyle>
           <a:effectLst>
-            <a:outerShdw blurRad="40000" dist="23000" dir="5400000" rotWithShape="0">
+            <a:outerShdw blurRad="38100" dist="25400" dir="5400000" algn="t" rotWithShape="0">
               <a:srgbClr val="000000">
-                <a:alpha val="35000"/>
+                <a:alpha val="50000"/>
               </a:srgbClr>
             </a:outerShdw>
           </a:effectLst>
         </a:effectStyle>
         <a:effectStyle>
           <a:effectLst>
-            <a:outerShdw blurRad="40000" dist="23000" dir="5400000" rotWithShape="0">
+            <a:outerShdw blurRad="50800" dist="50800" dir="5400000" algn="t" rotWithShape="0">
               <a:srgbClr val="000000">
-                <a:alpha val="35000"/>
+                <a:alpha val="60000"/>
               </a:srgbClr>
             </a:outerShdw>
           </a:effectLst>
           <a:scene3d>
-            <a:camera prst="orthographicFront">
+            <a:camera prst="isometricBottomUp" fov="0">
               <a:rot lat="0" lon="0" rev="0"/>
             </a:camera>
-            <a:lightRig rig="threePt" dir="t">
-              <a:rot lat="0" lon="0" rev="1200000"/>
+            <a:lightRig rig="soft" dir="b">
+              <a:rot lat="0" lon="0" rev="9000000"/>
             </a:lightRig>
           </a:scene3d>
-          <a:sp3d>
-            <a:bevelT w="63500" h="25400"/>
+          <a:sp3d contourW="35000" prstMaterial="matte">
+            <a:bevelT w="45000" h="38100" prst="convex"/>
+            <a:contourClr>
+              <a:schemeClr val="phClr">
+                <a:tint val="10000"/>
+                <a:satMod val="130000"/>
+              </a:schemeClr>
+            </a:contourClr>
           </a:sp3d>
         </a:effectStyle>
       </a:effectStyleLst>
@@ -8884,47 +11250,40 @@
           <a:gsLst>
             <a:gs pos="0">
               <a:schemeClr val="phClr">
-                <a:tint val="40000"/>
-                <a:satMod val="350000"/>
+                <a:shade val="40000"/>
+                <a:satMod val="165000"/>
               </a:schemeClr>
             </a:gs>
-            <a:gs pos="40000">
+            <a:gs pos="50000">
               <a:schemeClr val="phClr">
-                <a:tint val="45000"/>
-                <a:shade val="99000"/>
-                <a:satMod val="350000"/>
+                <a:shade val="80000"/>
+                <a:satMod val="155000"/>
               </a:schemeClr>
             </a:gs>
             <a:gs pos="100000">
               <a:schemeClr val="phClr">
-                <a:shade val="20000"/>
-                <a:satMod val="255000"/>
-              </a:schemeClr>
-            </a:gs>
-          </a:gsLst>
-          <a:path path="circle">
-            <a:fillToRect l="50000" t="-80000" r="50000" b="180000"/>
-          </a:path>
-        </a:gradFill>
-        <a:gradFill rotWithShape="1">
-          <a:gsLst>
-            <a:gs pos="0">
-              <a:schemeClr val="phClr">
-                <a:tint val="80000"/>
-                <a:satMod val="300000"/>
-              </a:schemeClr>
-            </a:gs>
-            <a:gs pos="100000">
-              <a:schemeClr val="phClr">
-                <a:shade val="30000"/>
+                <a:tint val="95000"/>
                 <a:satMod val="200000"/>
               </a:schemeClr>
             </a:gs>
           </a:gsLst>
-          <a:path path="circle">
-            <a:fillToRect l="50000" t="50000" r="50000" b="50000"/>
-          </a:path>
+          <a:lin ang="16200000" scaled="1"/>
         </a:gradFill>
+        <a:blipFill>
+          <a:blip xmlns:r="http://schemas.openxmlformats.org/officeDocument/2006/relationships" r:embed="rId1">
+            <a:duotone>
+              <a:schemeClr val="phClr">
+                <a:tint val="95000"/>
+                <a:satMod val="200000"/>
+              </a:schemeClr>
+              <a:schemeClr val="phClr">
+                <a:shade val="80000"/>
+                <a:satMod val="100000"/>
+              </a:schemeClr>
+            </a:duotone>
+          </a:blip>
+          <a:tile tx="0" ty="0" sx="55000" sy="55000" flip="none" algn="tl"/>
+        </a:blipFill>
       </a:bgFillStyleLst>
     </a:fmtScheme>
   </a:themeElements>

--- a/Docs/Distributed Architecture.pptx
+++ b/Docs/Distributed Architecture.pptx
@@ -8,9 +8,9 @@
     <p:sldId id="256" r:id="rId2"/>
     <p:sldId id="261" r:id="rId3"/>
     <p:sldId id="262" r:id="rId4"/>
-    <p:sldId id="276" r:id="rId5"/>
-    <p:sldId id="277" r:id="rId6"/>
-    <p:sldId id="278" r:id="rId7"/>
+    <p:sldId id="278" r:id="rId5"/>
+    <p:sldId id="276" r:id="rId6"/>
+    <p:sldId id="277" r:id="rId7"/>
     <p:sldId id="263" r:id="rId8"/>
     <p:sldId id="273" r:id="rId9"/>
     <p:sldId id="275" r:id="rId10"/>
@@ -323,7 +323,7 @@
           <a:p>
             <a:fld id="{9E016143-E03C-4CFD-AFDC-14E5BDEA754C}" type="datetimeFigureOut">
               <a:rPr lang="en-US" smtClean="0"/>
-              <a:t>5/31/2016</a:t>
+              <a:t>6/1/2016</a:t>
             </a:fld>
             <a:endParaRPr lang="en-US" dirty="0"/>
           </a:p>
@@ -677,7 +677,7 @@
           <a:p>
             <a:fld id="{C033E54A-A8CA-48C1-9504-691B58049D29}" type="datetimeFigureOut">
               <a:rPr lang="en-US" smtClean="0"/>
-              <a:t>5/31/2016</a:t>
+              <a:t>6/1/2016</a:t>
             </a:fld>
             <a:endParaRPr lang="en-US" dirty="0"/>
           </a:p>
@@ -852,7 +852,7 @@
           <a:p>
             <a:fld id="{B5F6C806-BBF7-471C-9527-881CE2266695}" type="datetimeFigureOut">
               <a:rPr lang="en-US" smtClean="0"/>
-              <a:t>5/31/2016</a:t>
+              <a:t>6/1/2016</a:t>
             </a:fld>
             <a:endParaRPr lang="en-US" dirty="0"/>
           </a:p>
@@ -965,7 +965,7 @@
           <a:p>
             <a:fld id="{78C94063-DF36-4330-A365-08DA1FA5B7D6}" type="datetimeFigureOut">
               <a:rPr lang="en-US" smtClean="0"/>
-              <a:t>5/31/2016</a:t>
+              <a:t>6/1/2016</a:t>
             </a:fld>
             <a:endParaRPr lang="en-US" dirty="0"/>
           </a:p>
@@ -1323,7 +1323,7 @@
           <a:p>
             <a:fld id="{908A7C6C-0F39-4D70-8E8D-FE5B9C95FA73}" type="datetimeFigureOut">
               <a:rPr lang="en-US" smtClean="0"/>
-              <a:t>5/31/2016</a:t>
+              <a:t>6/1/2016</a:t>
             </a:fld>
             <a:endParaRPr lang="en-US" dirty="0"/>
           </a:p>
@@ -1588,7 +1588,7 @@
           <a:p>
             <a:fld id="{DFCFA4AC-08CC-42CE-BD01-C191750A04EC}" type="datetimeFigureOut">
               <a:rPr lang="en-US" smtClean="0"/>
-              <a:t>5/31/2016</a:t>
+              <a:t>6/1/2016</a:t>
             </a:fld>
             <a:endParaRPr lang="en-US" dirty="0"/>
           </a:p>
@@ -1950,7 +1950,7 @@
           <a:p>
             <a:fld id="{1BA7A723-92A7-435B-B681-F25B092FEFEB}" type="datetimeFigureOut">
               <a:rPr lang="en-US" smtClean="0"/>
-              <a:t>5/31/2016</a:t>
+              <a:t>6/1/2016</a:t>
             </a:fld>
             <a:endParaRPr lang="en-US" dirty="0"/>
           </a:p>
@@ -2177,7 +2177,7 @@
           <a:p>
             <a:fld id="{0E59FD0C-5451-4CA0-86AF-E70AE3279989}" type="datetimeFigureOut">
               <a:rPr lang="en-US" smtClean="0"/>
-              <a:t>5/31/2016</a:t>
+              <a:t>6/1/2016</a:t>
             </a:fld>
             <a:endParaRPr lang="en-US" dirty="0"/>
           </a:p>
@@ -2269,7 +2269,7 @@
           <a:p>
             <a:fld id="{22230651-31F4-45D2-98AE-A2108F41BC07}" type="datetimeFigureOut">
               <a:rPr lang="en-US" smtClean="0"/>
-              <a:t>5/31/2016</a:t>
+              <a:t>6/1/2016</a:t>
             </a:fld>
             <a:endParaRPr lang="en-US" dirty="0"/>
           </a:p>
@@ -2536,7 +2536,7 @@
           <a:p>
             <a:fld id="{6F53789A-C914-4DB1-8815-80B5EC7335C5}" type="datetimeFigureOut">
               <a:rPr lang="en-US" smtClean="0"/>
-              <a:t>5/31/2016</a:t>
+              <a:t>6/1/2016</a:t>
             </a:fld>
             <a:endParaRPr lang="en-US" dirty="0"/>
           </a:p>
@@ -2764,7 +2764,7 @@
           <a:p>
             <a:fld id="{5E6440AA-91A0-436F-8FDB-C0F939DCAE21}" type="datetimeFigureOut">
               <a:rPr lang="en-US" smtClean="0"/>
-              <a:t>5/31/2016</a:t>
+              <a:t>6/1/2016</a:t>
             </a:fld>
             <a:endParaRPr lang="en-US" dirty="0"/>
           </a:p>
@@ -3263,7 +3263,7 @@
           <a:p>
             <a:fld id="{0E59FD0C-5451-4CA0-86AF-E70AE3279989}" type="datetimeFigureOut">
               <a:rPr lang="en-US" smtClean="0"/>
-              <a:t>5/31/2016</a:t>
+              <a:t>6/1/2016</a:t>
             </a:fld>
             <a:endParaRPr lang="en-US" dirty="0"/>
           </a:p>
@@ -3837,7 +3837,6 @@
               <a:rPr lang="en-US" dirty="0" smtClean="0"/>
               <a:t>Persistence</a:t>
             </a:r>
-            <a:endParaRPr lang="en-US" dirty="0" smtClean="0"/>
           </a:p>
           <a:p>
             <a:r>
@@ -4014,82 +4013,48 @@
               <a:rPr lang="en-US" dirty="0" smtClean="0"/>
               <a:t>Relational database</a:t>
             </a:r>
-            <a:endParaRPr lang="en-US" dirty="0" smtClean="0"/>
           </a:p>
           <a:p>
             <a:r>
               <a:rPr lang="en-US" dirty="0" smtClean="0"/>
-              <a:t>Document </a:t>
-            </a:r>
+              <a:t>Document database</a:t>
+            </a:r>
+          </a:p>
+          <a:p>
             <a:r>
               <a:rPr lang="en-US" dirty="0" smtClean="0"/>
-              <a:t>database</a:t>
-            </a:r>
-            <a:endParaRPr lang="en-US" dirty="0" smtClean="0"/>
+              <a:t>Key-Value store</a:t>
+            </a:r>
           </a:p>
           <a:p>
             <a:r>
               <a:rPr lang="en-US" dirty="0" smtClean="0"/>
-              <a:t>Key-Value </a:t>
-            </a:r>
+              <a:t>Blob store</a:t>
+            </a:r>
+          </a:p>
+          <a:p>
             <a:r>
               <a:rPr lang="en-US" dirty="0" smtClean="0"/>
-              <a:t>store</a:t>
-            </a:r>
-            <a:endParaRPr lang="en-US" dirty="0" smtClean="0"/>
+              <a:t>Table store</a:t>
+            </a:r>
+            <a:endParaRPr lang="es-ES" dirty="0" smtClean="0"/>
           </a:p>
           <a:p>
             <a:r>
               <a:rPr lang="en-US" dirty="0" smtClean="0"/>
-              <a:t>Blob </a:t>
-            </a:r>
+              <a:t>Column store</a:t>
+            </a:r>
+          </a:p>
+          <a:p>
             <a:r>
               <a:rPr lang="en-US" dirty="0" smtClean="0"/>
-              <a:t>store</a:t>
-            </a:r>
-            <a:endParaRPr lang="en-US" dirty="0" smtClean="0"/>
+              <a:t>Index store</a:t>
+            </a:r>
           </a:p>
           <a:p>
             <a:r>
               <a:rPr lang="en-US" dirty="0" smtClean="0"/>
-              <a:t>Table </a:t>
-            </a:r>
-            <a:r>
-              <a:rPr lang="en-US" dirty="0" smtClean="0"/>
-              <a:t>store</a:t>
-            </a:r>
-            <a:endParaRPr lang="es-ES" dirty="0" smtClean="0"/>
-          </a:p>
-          <a:p>
-            <a:r>
-              <a:rPr lang="en-US" dirty="0" smtClean="0"/>
-              <a:t>Column </a:t>
-            </a:r>
-            <a:r>
-              <a:rPr lang="en-US" dirty="0" smtClean="0"/>
-              <a:t>store</a:t>
-            </a:r>
-            <a:endParaRPr lang="en-US" dirty="0" smtClean="0"/>
-          </a:p>
-          <a:p>
-            <a:r>
-              <a:rPr lang="en-US" dirty="0" smtClean="0"/>
-              <a:t>Index </a:t>
-            </a:r>
-            <a:r>
-              <a:rPr lang="en-US" dirty="0" smtClean="0"/>
-              <a:t>store</a:t>
-            </a:r>
-            <a:endParaRPr lang="en-US" dirty="0" smtClean="0"/>
-          </a:p>
-          <a:p>
-            <a:r>
-              <a:rPr lang="en-US" dirty="0" smtClean="0"/>
-              <a:t>Graph </a:t>
-            </a:r>
-            <a:r>
-              <a:rPr lang="en-US" dirty="0" smtClean="0"/>
-              <a:t>store</a:t>
+              <a:t>Graph store</a:t>
             </a:r>
           </a:p>
           <a:p>
@@ -8940,42 +8905,42 @@
                 <a:gridCol w="1727200">
                   <a:extLst>
                     <a:ext uri="{9D8B030D-6E8A-4147-A177-3AD203B41FA5}">
-                      <a16:colId xmlns="" xmlns:a16="http://schemas.microsoft.com/office/drawing/2014/main" val="2691101568"/>
+                      <a16:colId xmlns:a16="http://schemas.microsoft.com/office/drawing/2014/main" xmlns="" val="2691101568"/>
                     </a:ext>
                   </a:extLst>
                 </a:gridCol>
                 <a:gridCol w="1727200">
                   <a:extLst>
                     <a:ext uri="{9D8B030D-6E8A-4147-A177-3AD203B41FA5}">
-                      <a16:colId xmlns="" xmlns:a16="http://schemas.microsoft.com/office/drawing/2014/main" val="3750635945"/>
+                      <a16:colId xmlns:a16="http://schemas.microsoft.com/office/drawing/2014/main" xmlns="" val="3750635945"/>
                     </a:ext>
                   </a:extLst>
                 </a:gridCol>
                 <a:gridCol w="1727200">
                   <a:extLst>
                     <a:ext uri="{9D8B030D-6E8A-4147-A177-3AD203B41FA5}">
-                      <a16:colId xmlns="" xmlns:a16="http://schemas.microsoft.com/office/drawing/2014/main" val="3085604721"/>
+                      <a16:colId xmlns:a16="http://schemas.microsoft.com/office/drawing/2014/main" xmlns="" val="3085604721"/>
                     </a:ext>
                   </a:extLst>
                 </a:gridCol>
                 <a:gridCol w="1727200">
                   <a:extLst>
                     <a:ext uri="{9D8B030D-6E8A-4147-A177-3AD203B41FA5}">
-                      <a16:colId xmlns="" xmlns:a16="http://schemas.microsoft.com/office/drawing/2014/main" val="2859422141"/>
+                      <a16:colId xmlns:a16="http://schemas.microsoft.com/office/drawing/2014/main" xmlns="" val="2859422141"/>
                     </a:ext>
                   </a:extLst>
                 </a:gridCol>
                 <a:gridCol w="1727200">
                   <a:extLst>
                     <a:ext uri="{9D8B030D-6E8A-4147-A177-3AD203B41FA5}">
-                      <a16:colId xmlns="" xmlns:a16="http://schemas.microsoft.com/office/drawing/2014/main" val="792373700"/>
+                      <a16:colId xmlns:a16="http://schemas.microsoft.com/office/drawing/2014/main" xmlns="" val="792373700"/>
                     </a:ext>
                   </a:extLst>
                 </a:gridCol>
                 <a:gridCol w="1727200">
                   <a:extLst>
                     <a:ext uri="{9D8B030D-6E8A-4147-A177-3AD203B41FA5}">
-                      <a16:colId xmlns="" xmlns:a16="http://schemas.microsoft.com/office/drawing/2014/main" val="1596226727"/>
+                      <a16:colId xmlns:a16="http://schemas.microsoft.com/office/drawing/2014/main" xmlns="" val="1596226727"/>
                     </a:ext>
                   </a:extLst>
                 </a:gridCol>
@@ -9066,7 +9031,7 @@
                 </a:tc>
                 <a:extLst>
                   <a:ext uri="{0D108BD9-81ED-4DB2-BD59-A6C34878D82A}">
-                    <a16:rowId xmlns="" xmlns:a16="http://schemas.microsoft.com/office/drawing/2014/main" val="2267519754"/>
+                    <a16:rowId xmlns:a16="http://schemas.microsoft.com/office/drawing/2014/main" xmlns="" val="2267519754"/>
                   </a:ext>
                 </a:extLst>
               </a:tr>
@@ -9217,7 +9182,7 @@
                 </a:tc>
                 <a:extLst>
                   <a:ext uri="{0D108BD9-81ED-4DB2-BD59-A6C34878D82A}">
-                    <a16:rowId xmlns="" xmlns:a16="http://schemas.microsoft.com/office/drawing/2014/main" val="4130436109"/>
+                    <a16:rowId xmlns:a16="http://schemas.microsoft.com/office/drawing/2014/main" xmlns="" val="4130436109"/>
                   </a:ext>
                 </a:extLst>
               </a:tr>
@@ -9308,7 +9273,7 @@
                 </a:tc>
                 <a:extLst>
                   <a:ext uri="{0D108BD9-81ED-4DB2-BD59-A6C34878D82A}">
-                    <a16:rowId xmlns="" xmlns:a16="http://schemas.microsoft.com/office/drawing/2014/main" val="3240719446"/>
+                    <a16:rowId xmlns:a16="http://schemas.microsoft.com/office/drawing/2014/main" xmlns="" val="3240719446"/>
                   </a:ext>
                 </a:extLst>
               </a:tr>
@@ -9408,7 +9373,7 @@
                 </a:tc>
                 <a:extLst>
                   <a:ext uri="{0D108BD9-81ED-4DB2-BD59-A6C34878D82A}">
-                    <a16:rowId xmlns="" xmlns:a16="http://schemas.microsoft.com/office/drawing/2014/main" val="2761823154"/>
+                    <a16:rowId xmlns:a16="http://schemas.microsoft.com/office/drawing/2014/main" xmlns="" val="2761823154"/>
                   </a:ext>
                 </a:extLst>
               </a:tr>
@@ -9508,7 +9473,7 @@
                 </a:tc>
                 <a:extLst>
                   <a:ext uri="{0D108BD9-81ED-4DB2-BD59-A6C34878D82A}">
-                    <a16:rowId xmlns="" xmlns:a16="http://schemas.microsoft.com/office/drawing/2014/main" val="2554094136"/>
+                    <a16:rowId xmlns:a16="http://schemas.microsoft.com/office/drawing/2014/main" xmlns="" val="2554094136"/>
                   </a:ext>
                 </a:extLst>
               </a:tr>
@@ -9603,7 +9568,7 @@
                 </a:tc>
                 <a:extLst>
                   <a:ext uri="{0D108BD9-81ED-4DB2-BD59-A6C34878D82A}">
-                    <a16:rowId xmlns="" xmlns:a16="http://schemas.microsoft.com/office/drawing/2014/main" val="1368826944"/>
+                    <a16:rowId xmlns:a16="http://schemas.microsoft.com/office/drawing/2014/main" xmlns="" val="1368826944"/>
                   </a:ext>
                 </a:extLst>
               </a:tr>
@@ -9694,7 +9659,7 @@
                 </a:tc>
                 <a:extLst>
                   <a:ext uri="{0D108BD9-81ED-4DB2-BD59-A6C34878D82A}">
-                    <a16:rowId xmlns="" xmlns:a16="http://schemas.microsoft.com/office/drawing/2014/main" val="2033652620"/>
+                    <a16:rowId xmlns:a16="http://schemas.microsoft.com/office/drawing/2014/main" xmlns="" val="2033652620"/>
                   </a:ext>
                 </a:extLst>
               </a:tr>
@@ -9775,7 +9740,7 @@
         <p:spPr>
           <a:xfrm>
             <a:off x="1219200" y="1447800"/>
-            <a:ext cx="7899901" cy="4572000"/>
+            <a:ext cx="7611143" cy="4572000"/>
           </a:xfrm>
         </p:spPr>
         <p:txBody>
@@ -9796,11 +9761,7 @@
           <a:p>
             <a:r>
               <a:rPr lang="en-US" dirty="0" smtClean="0"/>
-              <a:t>Th</a:t>
-            </a:r>
-            <a:r>
-              <a:rPr lang="en-US" dirty="0" smtClean="0"/>
-              <a:t>e system has to tolerate failures in individual nodes</a:t>
+              <a:t>The system has to tolerate failures in individual nodes</a:t>
             </a:r>
           </a:p>
           <a:p>
@@ -9839,7 +9800,7 @@
         </p:blipFill>
         <p:spPr bwMode="auto">
           <a:xfrm>
-            <a:off x="9119101" y="2117557"/>
+            <a:off x="8830343" y="2117556"/>
             <a:ext cx="2857500" cy="3101893"/>
           </a:xfrm>
           <a:prstGeom prst="rect">
@@ -9865,7 +9826,7 @@
         </p:nvSpPr>
         <p:spPr>
           <a:xfrm>
-            <a:off x="9506540" y="1708484"/>
+            <a:off x="9217782" y="1708483"/>
             <a:ext cx="2082621" cy="369332"/>
           </a:xfrm>
           <a:prstGeom prst="rect">
@@ -9895,7 +9856,7 @@
         </p:nvSpPr>
         <p:spPr>
           <a:xfrm>
-            <a:off x="9673252" y="5329990"/>
+            <a:off x="9384494" y="5329989"/>
             <a:ext cx="1749197" cy="369332"/>
           </a:xfrm>
           <a:prstGeom prst="rect">
@@ -9938,6 +9899,224 @@
 </file>
 
 <file path=ppt/slides/slide4.xml><?xml version="1.0" encoding="utf-8"?>
+<p:sld xmlns:a="http://schemas.openxmlformats.org/drawingml/2006/main" xmlns:r="http://schemas.openxmlformats.org/officeDocument/2006/relationships" xmlns:p="http://schemas.openxmlformats.org/presentationml/2006/main">
+  <p:cSld>
+    <p:spTree>
+      <p:nvGrpSpPr>
+        <p:cNvPr id="1" name=""/>
+        <p:cNvGrpSpPr/>
+        <p:nvPr/>
+      </p:nvGrpSpPr>
+      <p:grpSpPr>
+        <a:xfrm>
+          <a:off x="0" y="0"/>
+          <a:ext cx="0" cy="0"/>
+          <a:chOff x="0" y="0"/>
+          <a:chExt cx="0" cy="0"/>
+        </a:xfrm>
+      </p:grpSpPr>
+      <p:sp>
+        <p:nvSpPr>
+          <p:cNvPr id="2" name="1 Título"/>
+          <p:cNvSpPr>
+            <a:spLocks noGrp="1"/>
+          </p:cNvSpPr>
+          <p:nvPr>
+            <p:ph type="title"/>
+          </p:nvPr>
+        </p:nvSpPr>
+        <p:spPr/>
+        <p:txBody>
+          <a:bodyPr/>
+          <a:lstStyle/>
+          <a:p>
+            <a:r>
+              <a:rPr lang="en-US" dirty="0" smtClean="0"/>
+              <a:t>Distributed Computing</a:t>
+            </a:r>
+            <a:endParaRPr lang="es-ES" dirty="0"/>
+          </a:p>
+        </p:txBody>
+      </p:sp>
+      <p:sp>
+        <p:nvSpPr>
+          <p:cNvPr id="3" name="2 Marcador de contenido"/>
+          <p:cNvSpPr>
+            <a:spLocks noGrp="1"/>
+          </p:cNvSpPr>
+          <p:nvPr>
+            <p:ph sz="quarter" idx="1"/>
+          </p:nvPr>
+        </p:nvSpPr>
+        <p:spPr/>
+        <p:txBody>
+          <a:bodyPr>
+            <a:normAutofit lnSpcReduction="10000"/>
+          </a:bodyPr>
+          <a:lstStyle/>
+          <a:p>
+            <a:pPr marL="0" indent="0">
+              <a:buNone/>
+            </a:pPr>
+            <a:r>
+              <a:rPr lang="en-US" b="1" dirty="0" smtClean="0"/>
+              <a:t>Fallacies</a:t>
+            </a:r>
+          </a:p>
+          <a:p>
+            <a:r>
+              <a:rPr lang="en-US" dirty="0" smtClean="0"/>
+              <a:t>The network is </a:t>
+            </a:r>
+            <a:r>
+              <a:rPr lang="en-US" b="1" dirty="0" smtClean="0"/>
+              <a:t>reliable</a:t>
+            </a:r>
+          </a:p>
+          <a:p>
+            <a:r>
+              <a:rPr lang="en-US" b="1" dirty="0" smtClean="0"/>
+              <a:t>Latency</a:t>
+            </a:r>
+            <a:r>
+              <a:rPr lang="en-US" dirty="0" smtClean="0"/>
+              <a:t> is zero</a:t>
+            </a:r>
+          </a:p>
+          <a:p>
+            <a:r>
+              <a:rPr lang="en-US" b="1" dirty="0" smtClean="0"/>
+              <a:t>Bandwidth</a:t>
+            </a:r>
+            <a:r>
+              <a:rPr lang="en-US" dirty="0" smtClean="0"/>
+              <a:t> is infinite</a:t>
+            </a:r>
+          </a:p>
+          <a:p>
+            <a:r>
+              <a:rPr lang="en-US" dirty="0" smtClean="0"/>
+              <a:t>The network is </a:t>
+            </a:r>
+            <a:r>
+              <a:rPr lang="en-US" b="1" dirty="0" smtClean="0"/>
+              <a:t>secure</a:t>
+            </a:r>
+          </a:p>
+          <a:p>
+            <a:r>
+              <a:rPr lang="en-US" b="1" dirty="0" smtClean="0"/>
+              <a:t>Topology</a:t>
+            </a:r>
+            <a:r>
+              <a:rPr lang="en-US" dirty="0" smtClean="0"/>
+              <a:t> doesn’t change</a:t>
+            </a:r>
+          </a:p>
+          <a:p>
+            <a:r>
+              <a:rPr lang="en-US" dirty="0" smtClean="0"/>
+              <a:t>There is </a:t>
+            </a:r>
+            <a:r>
+              <a:rPr lang="en-US" b="1" dirty="0" smtClean="0"/>
+              <a:t>one administrator</a:t>
+            </a:r>
+          </a:p>
+          <a:p>
+            <a:r>
+              <a:rPr lang="en-US" b="1" dirty="0" smtClean="0"/>
+              <a:t>Transport cost</a:t>
+            </a:r>
+            <a:r>
+              <a:rPr lang="en-US" dirty="0" smtClean="0"/>
+              <a:t> is zero</a:t>
+            </a:r>
+            <a:endParaRPr lang="en-US" dirty="0"/>
+          </a:p>
+          <a:p>
+            <a:r>
+              <a:rPr lang="en-US" dirty="0" smtClean="0"/>
+              <a:t>The network is </a:t>
+            </a:r>
+            <a:r>
+              <a:rPr lang="en-US" b="1" dirty="0" smtClean="0"/>
+              <a:t>homogeneous</a:t>
+            </a:r>
+          </a:p>
+          <a:p>
+            <a:pPr marL="0" indent="0">
+              <a:buNone/>
+            </a:pPr>
+            <a:r>
+              <a:rPr lang="es-ES" sz="2000" dirty="0"/>
+              <a:t>https://pages.cs.wisc.edu/~zuyu/files/fallacies.pdf</a:t>
+            </a:r>
+          </a:p>
+        </p:txBody>
+      </p:sp>
+      <p:pic>
+        <p:nvPicPr>
+          <p:cNvPr id="7170" name="Picture 2" descr="https://i.ytimg.com/vi/NiBka2FIfzQ/maxresdefault.jpg"/>
+          <p:cNvPicPr>
+            <a:picLocks noChangeAspect="1" noChangeArrowheads="1"/>
+          </p:cNvPicPr>
+          <p:nvPr/>
+        </p:nvPicPr>
+        <p:blipFill>
+          <a:blip r:embed="rId2">
+            <a:extLst>
+              <a:ext uri="{28A0092B-C50C-407E-A947-70E740481C1C}">
+                <a14:useLocalDpi xmlns:a14="http://schemas.microsoft.com/office/drawing/2010/main" val="0"/>
+              </a:ext>
+            </a:extLst>
+          </a:blip>
+          <a:srcRect/>
+          <a:stretch>
+            <a:fillRect/>
+          </a:stretch>
+        </p:blipFill>
+        <p:spPr bwMode="auto">
+          <a:xfrm>
+            <a:off x="6003759" y="1511687"/>
+            <a:ext cx="5868348" cy="3300946"/>
+          </a:xfrm>
+          <a:prstGeom prst="rect">
+            <a:avLst/>
+          </a:prstGeom>
+          <a:noFill/>
+          <a:extLst>
+            <a:ext uri="{909E8E84-426E-40DD-AFC4-6F175D3DCCD1}">
+              <a14:hiddenFill xmlns:a14="http://schemas.microsoft.com/office/drawing/2010/main">
+                <a:solidFill>
+                  <a:srgbClr val="FFFFFF"/>
+                </a:solidFill>
+              </a14:hiddenFill>
+            </a:ext>
+          </a:extLst>
+        </p:spPr>
+      </p:pic>
+    </p:spTree>
+    <p:extLst>
+      <p:ext uri="{BB962C8B-B14F-4D97-AF65-F5344CB8AC3E}">
+        <p14:creationId xmlns:p14="http://schemas.microsoft.com/office/powerpoint/2010/main" val="133314685"/>
+      </p:ext>
+    </p:extLst>
+  </p:cSld>
+  <p:clrMapOvr>
+    <a:masterClrMapping/>
+  </p:clrMapOvr>
+  <p:timing>
+    <p:tnLst>
+      <p:par>
+        <p:cTn id="1" dur="indefinite" restart="never" nodeType="tmRoot"/>
+      </p:par>
+    </p:tnLst>
+  </p:timing>
+</p:sld>
+</file>
+
+<file path=ppt/slides/slide5.xml><?xml version="1.0" encoding="utf-8"?>
 <p:sld xmlns:a="http://schemas.openxmlformats.org/drawingml/2006/main" xmlns:r="http://schemas.openxmlformats.org/officeDocument/2006/relationships" xmlns:p="http://schemas.openxmlformats.org/presentationml/2006/main">
   <p:cSld>
     <p:spTree>
@@ -10109,7 +10288,7 @@
 </p:sld>
 </file>
 
-<file path=ppt/slides/slide5.xml><?xml version="1.0" encoding="utf-8"?>
+<file path=ppt/slides/slide6.xml><?xml version="1.0" encoding="utf-8"?>
 <p:sld xmlns:a="http://schemas.openxmlformats.org/drawingml/2006/main" xmlns:r="http://schemas.openxmlformats.org/officeDocument/2006/relationships" xmlns:p="http://schemas.openxmlformats.org/presentationml/2006/main">
   <p:cSld>
     <p:spTree>
@@ -10301,224 +10480,6 @@
 </p:sld>
 </file>
 
-<file path=ppt/slides/slide6.xml><?xml version="1.0" encoding="utf-8"?>
-<p:sld xmlns:a="http://schemas.openxmlformats.org/drawingml/2006/main" xmlns:r="http://schemas.openxmlformats.org/officeDocument/2006/relationships" xmlns:p="http://schemas.openxmlformats.org/presentationml/2006/main">
-  <p:cSld>
-    <p:spTree>
-      <p:nvGrpSpPr>
-        <p:cNvPr id="1" name=""/>
-        <p:cNvGrpSpPr/>
-        <p:nvPr/>
-      </p:nvGrpSpPr>
-      <p:grpSpPr>
-        <a:xfrm>
-          <a:off x="0" y="0"/>
-          <a:ext cx="0" cy="0"/>
-          <a:chOff x="0" y="0"/>
-          <a:chExt cx="0" cy="0"/>
-        </a:xfrm>
-      </p:grpSpPr>
-      <p:sp>
-        <p:nvSpPr>
-          <p:cNvPr id="2" name="1 Título"/>
-          <p:cNvSpPr>
-            <a:spLocks noGrp="1"/>
-          </p:cNvSpPr>
-          <p:nvPr>
-            <p:ph type="title"/>
-          </p:nvPr>
-        </p:nvSpPr>
-        <p:spPr/>
-        <p:txBody>
-          <a:bodyPr/>
-          <a:lstStyle/>
-          <a:p>
-            <a:r>
-              <a:rPr lang="en-US" dirty="0" smtClean="0"/>
-              <a:t>Distributed Computing</a:t>
-            </a:r>
-            <a:endParaRPr lang="es-ES" dirty="0"/>
-          </a:p>
-        </p:txBody>
-      </p:sp>
-      <p:sp>
-        <p:nvSpPr>
-          <p:cNvPr id="3" name="2 Marcador de contenido"/>
-          <p:cNvSpPr>
-            <a:spLocks noGrp="1"/>
-          </p:cNvSpPr>
-          <p:nvPr>
-            <p:ph sz="quarter" idx="1"/>
-          </p:nvPr>
-        </p:nvSpPr>
-        <p:spPr/>
-        <p:txBody>
-          <a:bodyPr>
-            <a:normAutofit lnSpcReduction="10000"/>
-          </a:bodyPr>
-          <a:lstStyle/>
-          <a:p>
-            <a:pPr marL="0" indent="0">
-              <a:buNone/>
-            </a:pPr>
-            <a:r>
-              <a:rPr lang="en-US" b="1" dirty="0" smtClean="0"/>
-              <a:t>Fallacies</a:t>
-            </a:r>
-          </a:p>
-          <a:p>
-            <a:r>
-              <a:rPr lang="en-US" dirty="0" smtClean="0"/>
-              <a:t>The network is </a:t>
-            </a:r>
-            <a:r>
-              <a:rPr lang="en-US" b="1" dirty="0" smtClean="0"/>
-              <a:t>reliable</a:t>
-            </a:r>
-          </a:p>
-          <a:p>
-            <a:r>
-              <a:rPr lang="en-US" b="1" dirty="0" smtClean="0"/>
-              <a:t>Latency</a:t>
-            </a:r>
-            <a:r>
-              <a:rPr lang="en-US" dirty="0" smtClean="0"/>
-              <a:t> is zero</a:t>
-            </a:r>
-          </a:p>
-          <a:p>
-            <a:r>
-              <a:rPr lang="en-US" b="1" dirty="0" smtClean="0"/>
-              <a:t>Bandwidth</a:t>
-            </a:r>
-            <a:r>
-              <a:rPr lang="en-US" dirty="0" smtClean="0"/>
-              <a:t> is infinite</a:t>
-            </a:r>
-          </a:p>
-          <a:p>
-            <a:r>
-              <a:rPr lang="en-US" dirty="0" smtClean="0"/>
-              <a:t>The network is </a:t>
-            </a:r>
-            <a:r>
-              <a:rPr lang="en-US" b="1" dirty="0" smtClean="0"/>
-              <a:t>secure</a:t>
-            </a:r>
-          </a:p>
-          <a:p>
-            <a:r>
-              <a:rPr lang="en-US" b="1" dirty="0" smtClean="0"/>
-              <a:t>Topology</a:t>
-            </a:r>
-            <a:r>
-              <a:rPr lang="en-US" dirty="0" smtClean="0"/>
-              <a:t> doesn’t change</a:t>
-            </a:r>
-          </a:p>
-          <a:p>
-            <a:r>
-              <a:rPr lang="en-US" dirty="0" smtClean="0"/>
-              <a:t>There is </a:t>
-            </a:r>
-            <a:r>
-              <a:rPr lang="en-US" b="1" dirty="0" smtClean="0"/>
-              <a:t>one administrator</a:t>
-            </a:r>
-          </a:p>
-          <a:p>
-            <a:r>
-              <a:rPr lang="en-US" b="1" dirty="0" smtClean="0"/>
-              <a:t>Transport cost</a:t>
-            </a:r>
-            <a:r>
-              <a:rPr lang="en-US" dirty="0" smtClean="0"/>
-              <a:t> is zero</a:t>
-            </a:r>
-            <a:endParaRPr lang="en-US" dirty="0"/>
-          </a:p>
-          <a:p>
-            <a:r>
-              <a:rPr lang="en-US" dirty="0" smtClean="0"/>
-              <a:t>The network is </a:t>
-            </a:r>
-            <a:r>
-              <a:rPr lang="en-US" b="1" dirty="0" smtClean="0"/>
-              <a:t>homogeneous</a:t>
-            </a:r>
-          </a:p>
-          <a:p>
-            <a:pPr marL="0" indent="0">
-              <a:buNone/>
-            </a:pPr>
-            <a:r>
-              <a:rPr lang="es-ES" sz="2000" dirty="0"/>
-              <a:t>https://pages.cs.wisc.edu/~zuyu/files/fallacies.pdf</a:t>
-            </a:r>
-          </a:p>
-        </p:txBody>
-      </p:sp>
-      <p:pic>
-        <p:nvPicPr>
-          <p:cNvPr id="7170" name="Picture 2" descr="https://i.ytimg.com/vi/NiBka2FIfzQ/maxresdefault.jpg"/>
-          <p:cNvPicPr>
-            <a:picLocks noChangeAspect="1" noChangeArrowheads="1"/>
-          </p:cNvPicPr>
-          <p:nvPr/>
-        </p:nvPicPr>
-        <p:blipFill>
-          <a:blip r:embed="rId2">
-            <a:extLst>
-              <a:ext uri="{28A0092B-C50C-407E-A947-70E740481C1C}">
-                <a14:useLocalDpi xmlns:a14="http://schemas.microsoft.com/office/drawing/2010/main" val="0"/>
-              </a:ext>
-            </a:extLst>
-          </a:blip>
-          <a:srcRect/>
-          <a:stretch>
-            <a:fillRect/>
-          </a:stretch>
-        </p:blipFill>
-        <p:spPr bwMode="auto">
-          <a:xfrm>
-            <a:off x="6003759" y="1511687"/>
-            <a:ext cx="5868348" cy="3300946"/>
-          </a:xfrm>
-          <a:prstGeom prst="rect">
-            <a:avLst/>
-          </a:prstGeom>
-          <a:noFill/>
-          <a:extLst>
-            <a:ext uri="{909E8E84-426E-40DD-AFC4-6F175D3DCCD1}">
-              <a14:hiddenFill xmlns:a14="http://schemas.microsoft.com/office/drawing/2010/main">
-                <a:solidFill>
-                  <a:srgbClr val="FFFFFF"/>
-                </a:solidFill>
-              </a14:hiddenFill>
-            </a:ext>
-          </a:extLst>
-        </p:spPr>
-      </p:pic>
-    </p:spTree>
-    <p:extLst>
-      <p:ext uri="{BB962C8B-B14F-4D97-AF65-F5344CB8AC3E}">
-        <p14:creationId xmlns:p14="http://schemas.microsoft.com/office/powerpoint/2010/main" val="133314685"/>
-      </p:ext>
-    </p:extLst>
-  </p:cSld>
-  <p:clrMapOvr>
-    <a:masterClrMapping/>
-  </p:clrMapOvr>
-  <p:timing>
-    <p:tnLst>
-      <p:par>
-        <p:cTn id="1" dur="indefinite" restart="never" nodeType="tmRoot"/>
-      </p:par>
-    </p:tnLst>
-  </p:timing>
-</p:sld>
-</file>
-
 <file path=ppt/slides/slide7.xml><?xml version="1.0" encoding="utf-8"?>
 <p:sld xmlns:a="http://schemas.openxmlformats.org/drawingml/2006/main" xmlns:r="http://schemas.openxmlformats.org/officeDocument/2006/relationships" xmlns:p="http://schemas.openxmlformats.org/presentationml/2006/main">
   <p:cSld>
@@ -10586,7 +10547,6 @@
               <a:rPr lang="en-US" dirty="0" smtClean="0"/>
               <a:t>: Unit of data exchange</a:t>
             </a:r>
-            <a:endParaRPr lang="en-US" dirty="0" smtClean="0"/>
           </a:p>
           <a:p>
             <a:r>
@@ -10892,11 +10852,7 @@
           <a:p>
             <a:r>
               <a:rPr lang="en-US" dirty="0" smtClean="0"/>
-              <a:t>Message Oriented </a:t>
-            </a:r>
-            <a:r>
-              <a:rPr lang="en-US" dirty="0" smtClean="0"/>
-              <a:t>Architecture</a:t>
+              <a:t>Message Oriented Architecture</a:t>
             </a:r>
             <a:endParaRPr lang="es-ES" dirty="0"/>
           </a:p>

--- a/Docs/Distributed Architecture.pptx
+++ b/Docs/Distributed Architecture.pptx
@@ -10,24 +10,28 @@
     <p:sldId id="262" r:id="rId4"/>
     <p:sldId id="278" r:id="rId5"/>
     <p:sldId id="276" r:id="rId6"/>
-    <p:sldId id="277" r:id="rId7"/>
-    <p:sldId id="263" r:id="rId8"/>
-    <p:sldId id="273" r:id="rId9"/>
-    <p:sldId id="275" r:id="rId10"/>
-    <p:sldId id="274" r:id="rId11"/>
-    <p:sldId id="264" r:id="rId12"/>
-    <p:sldId id="279" r:id="rId13"/>
-    <p:sldId id="265" r:id="rId14"/>
-    <p:sldId id="266" r:id="rId15"/>
-    <p:sldId id="267" r:id="rId16"/>
-    <p:sldId id="269" r:id="rId17"/>
-    <p:sldId id="268" r:id="rId18"/>
-    <p:sldId id="270" r:id="rId19"/>
-    <p:sldId id="271" r:id="rId20"/>
-    <p:sldId id="272" r:id="rId21"/>
-    <p:sldId id="258" r:id="rId22"/>
-    <p:sldId id="260" r:id="rId23"/>
-    <p:sldId id="259" r:id="rId24"/>
+    <p:sldId id="283" r:id="rId7"/>
+    <p:sldId id="277" r:id="rId8"/>
+    <p:sldId id="263" r:id="rId9"/>
+    <p:sldId id="273" r:id="rId10"/>
+    <p:sldId id="280" r:id="rId11"/>
+    <p:sldId id="281" r:id="rId12"/>
+    <p:sldId id="275" r:id="rId13"/>
+    <p:sldId id="274" r:id="rId14"/>
+    <p:sldId id="265" r:id="rId15"/>
+    <p:sldId id="266" r:id="rId16"/>
+    <p:sldId id="282" r:id="rId17"/>
+    <p:sldId id="267" r:id="rId18"/>
+    <p:sldId id="264" r:id="rId19"/>
+    <p:sldId id="279" r:id="rId20"/>
+    <p:sldId id="269" r:id="rId21"/>
+    <p:sldId id="268" r:id="rId22"/>
+    <p:sldId id="270" r:id="rId23"/>
+    <p:sldId id="271" r:id="rId24"/>
+    <p:sldId id="272" r:id="rId25"/>
+    <p:sldId id="258" r:id="rId26"/>
+    <p:sldId id="260" r:id="rId27"/>
+    <p:sldId id="259" r:id="rId28"/>
   </p:sldIdLst>
   <p:sldSz cx="12192000" cy="6858000"/>
   <p:notesSz cx="6858000" cy="9144000"/>
@@ -3811,7 +3815,1697 @@
             <p:ph sz="quarter" idx="1"/>
           </p:nvPr>
         </p:nvSpPr>
+        <p:spPr>
+          <a:xfrm>
+            <a:off x="1219200" y="1447800"/>
+            <a:ext cx="10363200" cy="513347"/>
+          </a:xfrm>
+        </p:spPr>
+        <p:txBody>
+          <a:bodyPr/>
+          <a:lstStyle/>
+          <a:p>
+            <a:pPr marL="0" indent="0">
+              <a:buNone/>
+            </a:pPr>
+            <a:r>
+              <a:rPr lang="en-US" b="1" dirty="0" smtClean="0"/>
+              <a:t>Examples of </a:t>
+            </a:r>
+            <a:r>
+              <a:rPr lang="en-US" b="1" dirty="0" smtClean="0"/>
+              <a:t>messages</a:t>
+            </a:r>
+            <a:endParaRPr lang="en-US" b="1" dirty="0" smtClean="0"/>
+          </a:p>
+        </p:txBody>
+      </p:sp>
+      <p:pic>
+        <p:nvPicPr>
+          <p:cNvPr id="1026" name="Picture 2"/>
+          <p:cNvPicPr>
+            <a:picLocks noChangeAspect="1" noChangeArrowheads="1"/>
+          </p:cNvPicPr>
+          <p:nvPr/>
+        </p:nvPicPr>
+        <p:blipFill rotWithShape="1">
+          <a:blip r:embed="rId2">
+            <a:extLst>
+              <a:ext uri="{28A0092B-C50C-407E-A947-70E740481C1C}">
+                <a14:useLocalDpi xmlns:a14="http://schemas.microsoft.com/office/drawing/2010/main" val="0"/>
+              </a:ext>
+            </a:extLst>
+          </a:blip>
+          <a:srcRect/>
+          <a:stretch/>
+        </p:blipFill>
+        <p:spPr bwMode="auto">
+          <a:xfrm>
+            <a:off x="1227221" y="2582704"/>
+            <a:ext cx="4066674" cy="2550695"/>
+          </a:xfrm>
+          <a:prstGeom prst="rect">
+            <a:avLst/>
+          </a:prstGeom>
+          <a:noFill/>
+          <a:ln>
+            <a:noFill/>
+          </a:ln>
+          <a:extLst>
+            <a:ext uri="{909E8E84-426E-40DD-AFC4-6F175D3DCCD1}">
+              <a14:hiddenFill xmlns:a14="http://schemas.microsoft.com/office/drawing/2010/main">
+                <a:solidFill>
+                  <a:schemeClr val="accent1"/>
+                </a:solidFill>
+              </a14:hiddenFill>
+            </a:ext>
+            <a:ext uri="{91240B29-F687-4F45-9708-019B960494DF}">
+              <a14:hiddenLine xmlns:a14="http://schemas.microsoft.com/office/drawing/2010/main" w="9525">
+                <a:solidFill>
+                  <a:schemeClr val="tx1"/>
+                </a:solidFill>
+                <a:miter lim="800000"/>
+                <a:headEnd/>
+                <a:tailEnd/>
+              </a14:hiddenLine>
+            </a:ext>
+          </a:extLst>
+        </p:spPr>
+      </p:pic>
+      <p:grpSp>
+        <p:nvGrpSpPr>
+          <p:cNvPr id="7" name="6 Grupo"/>
+          <p:cNvGrpSpPr/>
+          <p:nvPr/>
+        </p:nvGrpSpPr>
+        <p:grpSpPr>
+          <a:xfrm>
+            <a:off x="6726564" y="2382252"/>
+            <a:ext cx="3621505" cy="769441"/>
+            <a:chOff x="6292515" y="2466762"/>
+            <a:chExt cx="3621505" cy="769441"/>
+          </a:xfrm>
+        </p:grpSpPr>
+        <p:sp>
+          <p:nvSpPr>
+            <p:cNvPr id="5" name="4 Rectángulo redondeado"/>
+            <p:cNvSpPr/>
+            <p:nvPr/>
+          </p:nvSpPr>
+          <p:spPr>
+            <a:xfrm>
+              <a:off x="6292515" y="2538663"/>
+              <a:ext cx="950495" cy="625641"/>
+            </a:xfrm>
+            <a:prstGeom prst="roundRect">
+              <a:avLst/>
+            </a:prstGeom>
+          </p:spPr>
+          <p:style>
+            <a:lnRef idx="1">
+              <a:schemeClr val="accent4"/>
+            </a:lnRef>
+            <a:fillRef idx="3">
+              <a:schemeClr val="accent4"/>
+            </a:fillRef>
+            <a:effectRef idx="2">
+              <a:schemeClr val="accent4"/>
+            </a:effectRef>
+            <a:fontRef idx="minor">
+              <a:schemeClr val="lt1"/>
+            </a:fontRef>
+          </p:style>
+          <p:txBody>
+            <a:bodyPr rtlCol="0" anchor="ctr"/>
+            <a:lstStyle/>
+            <a:p>
+              <a:pPr algn="ctr"/>
+              <a:r>
+                <a:rPr lang="en-US" sz="4400" dirty="0">
+                  <a:latin typeface="Arial" panose="020B0604020202020204" pitchFamily="34" charset="0"/>
+                  <a:cs typeface="Arial" panose="020B0604020202020204" pitchFamily="34" charset="0"/>
+                </a:rPr>
+                <a:t>-</a:t>
+              </a:r>
+              <a:endParaRPr lang="es-ES" sz="4400" dirty="0">
+                <a:latin typeface="Arial" panose="020B0604020202020204" pitchFamily="34" charset="0"/>
+                <a:cs typeface="Arial" panose="020B0604020202020204" pitchFamily="34" charset="0"/>
+              </a:endParaRPr>
+            </a:p>
+          </p:txBody>
+        </p:sp>
+        <p:sp>
+          <p:nvSpPr>
+            <p:cNvPr id="8" name="7 Rectángulo redondeado"/>
+            <p:cNvSpPr/>
+            <p:nvPr/>
+          </p:nvSpPr>
+          <p:spPr>
+            <a:xfrm>
+              <a:off x="8963525" y="2538663"/>
+              <a:ext cx="950495" cy="625641"/>
+            </a:xfrm>
+            <a:prstGeom prst="roundRect">
+              <a:avLst/>
+            </a:prstGeom>
+          </p:spPr>
+          <p:style>
+            <a:lnRef idx="1">
+              <a:schemeClr val="accent4"/>
+            </a:lnRef>
+            <a:fillRef idx="3">
+              <a:schemeClr val="accent4"/>
+            </a:fillRef>
+            <a:effectRef idx="2">
+              <a:schemeClr val="accent4"/>
+            </a:effectRef>
+            <a:fontRef idx="minor">
+              <a:schemeClr val="lt1"/>
+            </a:fontRef>
+          </p:style>
+          <p:txBody>
+            <a:bodyPr rtlCol="0" anchor="ctr"/>
+            <a:lstStyle/>
+            <a:p>
+              <a:pPr algn="ctr"/>
+              <a:r>
+                <a:rPr lang="en-US" sz="4400" dirty="0" smtClean="0">
+                  <a:latin typeface="Arial" panose="020B0604020202020204" pitchFamily="34" charset="0"/>
+                  <a:cs typeface="Arial" panose="020B0604020202020204" pitchFamily="34" charset="0"/>
+                </a:rPr>
+                <a:t>+</a:t>
+              </a:r>
+              <a:endParaRPr lang="es-ES" sz="4400" dirty="0">
+                <a:latin typeface="Arial" panose="020B0604020202020204" pitchFamily="34" charset="0"/>
+                <a:cs typeface="Arial" panose="020B0604020202020204" pitchFamily="34" charset="0"/>
+              </a:endParaRPr>
+            </a:p>
+          </p:txBody>
+        </p:sp>
+        <p:sp>
+          <p:nvSpPr>
+            <p:cNvPr id="6" name="5 CuadroTexto"/>
+            <p:cNvSpPr txBox="1"/>
+            <p:nvPr/>
+          </p:nvSpPr>
+          <p:spPr>
+            <a:xfrm>
+              <a:off x="7724274" y="2466762"/>
+              <a:ext cx="813043" cy="769441"/>
+            </a:xfrm>
+            <a:prstGeom prst="rect">
+              <a:avLst/>
+            </a:prstGeom>
+            <a:noFill/>
+          </p:spPr>
+          <p:txBody>
+            <a:bodyPr wrap="none" rtlCol="0">
+              <a:spAutoFit/>
+            </a:bodyPr>
+            <a:lstStyle/>
+            <a:p>
+              <a:r>
+                <a:rPr lang="en-US" sz="4400" dirty="0" smtClean="0">
+                  <a:latin typeface="Arial" panose="020B0604020202020204" pitchFamily="34" charset="0"/>
+                  <a:cs typeface="Arial" panose="020B0604020202020204" pitchFamily="34" charset="0"/>
+                </a:rPr>
+                <a:t>42</a:t>
+              </a:r>
+              <a:endParaRPr lang="es-ES" sz="4400" dirty="0">
+                <a:latin typeface="Arial" panose="020B0604020202020204" pitchFamily="34" charset="0"/>
+                <a:cs typeface="Arial" panose="020B0604020202020204" pitchFamily="34" charset="0"/>
+              </a:endParaRPr>
+            </a:p>
+          </p:txBody>
+        </p:sp>
+      </p:grpSp>
+      <p:grpSp>
+        <p:nvGrpSpPr>
+          <p:cNvPr id="11" name="10 Grupo"/>
+          <p:cNvGrpSpPr/>
+          <p:nvPr/>
+        </p:nvGrpSpPr>
+        <p:grpSpPr>
+          <a:xfrm>
+            <a:off x="8910146" y="3665692"/>
+            <a:ext cx="1864897" cy="400110"/>
+            <a:chOff x="6292515" y="2466762"/>
+            <a:chExt cx="3621505" cy="800221"/>
+          </a:xfrm>
+        </p:grpSpPr>
+        <p:sp>
+          <p:nvSpPr>
+            <p:cNvPr id="12" name="11 Rectángulo redondeado"/>
+            <p:cNvSpPr/>
+            <p:nvPr/>
+          </p:nvSpPr>
+          <p:spPr>
+            <a:xfrm>
+              <a:off x="6292515" y="2538663"/>
+              <a:ext cx="950495" cy="625641"/>
+            </a:xfrm>
+            <a:prstGeom prst="roundRect">
+              <a:avLst/>
+            </a:prstGeom>
+          </p:spPr>
+          <p:style>
+            <a:lnRef idx="1">
+              <a:schemeClr val="accent4"/>
+            </a:lnRef>
+            <a:fillRef idx="3">
+              <a:schemeClr val="accent4"/>
+            </a:fillRef>
+            <a:effectRef idx="2">
+              <a:schemeClr val="accent4"/>
+            </a:effectRef>
+            <a:fontRef idx="minor">
+              <a:schemeClr val="lt1"/>
+            </a:fontRef>
+          </p:style>
+          <p:txBody>
+            <a:bodyPr rtlCol="0" anchor="ctr"/>
+            <a:lstStyle/>
+            <a:p>
+              <a:pPr algn="ctr"/>
+              <a:r>
+                <a:rPr lang="en-US" sz="2000" dirty="0">
+                  <a:latin typeface="Arial" panose="020B0604020202020204" pitchFamily="34" charset="0"/>
+                  <a:cs typeface="Arial" panose="020B0604020202020204" pitchFamily="34" charset="0"/>
+                </a:rPr>
+                <a:t>-</a:t>
+              </a:r>
+              <a:endParaRPr lang="es-ES" sz="2000" dirty="0">
+                <a:latin typeface="Arial" panose="020B0604020202020204" pitchFamily="34" charset="0"/>
+                <a:cs typeface="Arial" panose="020B0604020202020204" pitchFamily="34" charset="0"/>
+              </a:endParaRPr>
+            </a:p>
+          </p:txBody>
+        </p:sp>
+        <p:sp>
+          <p:nvSpPr>
+            <p:cNvPr id="13" name="12 Rectángulo redondeado"/>
+            <p:cNvSpPr/>
+            <p:nvPr/>
+          </p:nvSpPr>
+          <p:spPr>
+            <a:xfrm>
+              <a:off x="8963525" y="2538663"/>
+              <a:ext cx="950495" cy="625641"/>
+            </a:xfrm>
+            <a:prstGeom prst="roundRect">
+              <a:avLst/>
+            </a:prstGeom>
+          </p:spPr>
+          <p:style>
+            <a:lnRef idx="1">
+              <a:schemeClr val="accent4"/>
+            </a:lnRef>
+            <a:fillRef idx="3">
+              <a:schemeClr val="accent4"/>
+            </a:fillRef>
+            <a:effectRef idx="2">
+              <a:schemeClr val="accent4"/>
+            </a:effectRef>
+            <a:fontRef idx="minor">
+              <a:schemeClr val="lt1"/>
+            </a:fontRef>
+          </p:style>
+          <p:txBody>
+            <a:bodyPr rtlCol="0" anchor="ctr"/>
+            <a:lstStyle/>
+            <a:p>
+              <a:pPr algn="ctr"/>
+              <a:r>
+                <a:rPr lang="en-US" sz="2000" dirty="0" smtClean="0">
+                  <a:latin typeface="Arial" panose="020B0604020202020204" pitchFamily="34" charset="0"/>
+                  <a:cs typeface="Arial" panose="020B0604020202020204" pitchFamily="34" charset="0"/>
+                </a:rPr>
+                <a:t>+</a:t>
+              </a:r>
+              <a:endParaRPr lang="es-ES" sz="2000" dirty="0">
+                <a:latin typeface="Arial" panose="020B0604020202020204" pitchFamily="34" charset="0"/>
+                <a:cs typeface="Arial" panose="020B0604020202020204" pitchFamily="34" charset="0"/>
+              </a:endParaRPr>
+            </a:p>
+          </p:txBody>
+        </p:sp>
+        <p:sp>
+          <p:nvSpPr>
+            <p:cNvPr id="14" name="13 CuadroTexto"/>
+            <p:cNvSpPr txBox="1"/>
+            <p:nvPr/>
+          </p:nvSpPr>
+          <p:spPr>
+            <a:xfrm>
+              <a:off x="7724275" y="2466762"/>
+              <a:ext cx="823734" cy="800221"/>
+            </a:xfrm>
+            <a:prstGeom prst="rect">
+              <a:avLst/>
+            </a:prstGeom>
+            <a:noFill/>
+          </p:spPr>
+          <p:txBody>
+            <a:bodyPr wrap="none" rtlCol="0">
+              <a:spAutoFit/>
+            </a:bodyPr>
+            <a:lstStyle/>
+            <a:p>
+              <a:r>
+                <a:rPr lang="en-US" sz="2000" dirty="0" smtClean="0">
+                  <a:latin typeface="Arial" panose="020B0604020202020204" pitchFamily="34" charset="0"/>
+                  <a:cs typeface="Arial" panose="020B0604020202020204" pitchFamily="34" charset="0"/>
+                </a:rPr>
+                <a:t>41</a:t>
+              </a:r>
+              <a:endParaRPr lang="es-ES" sz="2000" dirty="0">
+                <a:latin typeface="Arial" panose="020B0604020202020204" pitchFamily="34" charset="0"/>
+                <a:cs typeface="Arial" panose="020B0604020202020204" pitchFamily="34" charset="0"/>
+              </a:endParaRPr>
+            </a:p>
+          </p:txBody>
+        </p:sp>
+      </p:grpSp>
+      <p:cxnSp>
+        <p:nvCxnSpPr>
+          <p:cNvPr id="10" name="9 Conector curvado"/>
+          <p:cNvCxnSpPr>
+            <a:stCxn id="5" idx="2"/>
+            <a:endCxn id="18" idx="0"/>
+          </p:cNvCxnSpPr>
+          <p:nvPr/>
+        </p:nvCxnSpPr>
+        <p:spPr>
+          <a:xfrm rot="5400000">
+            <a:off x="5774489" y="3786543"/>
+            <a:ext cx="2134072" cy="720574"/>
+          </a:xfrm>
+          <a:prstGeom prst="curvedConnector3">
+            <a:avLst/>
+          </a:prstGeom>
+          <a:ln w="28575">
+            <a:solidFill>
+              <a:schemeClr val="tx1"/>
+            </a:solidFill>
+            <a:tailEnd type="arrow"/>
+          </a:ln>
+        </p:spPr>
+        <p:style>
+          <a:lnRef idx="1">
+            <a:schemeClr val="accent1"/>
+          </a:lnRef>
+          <a:fillRef idx="0">
+            <a:schemeClr val="accent1"/>
+          </a:fillRef>
+          <a:effectRef idx="0">
+            <a:schemeClr val="accent1"/>
+          </a:effectRef>
+          <a:fontRef idx="minor">
+            <a:schemeClr val="tx1"/>
+          </a:fontRef>
+        </p:style>
+      </p:cxnSp>
+      <p:sp>
+        <p:nvSpPr>
+          <p:cNvPr id="15" name="14 CuadroTexto"/>
+          <p:cNvSpPr txBox="1"/>
+          <p:nvPr/>
+        </p:nvSpPr>
+        <p:spPr>
+          <a:xfrm>
+            <a:off x="5991224" y="3946066"/>
+            <a:ext cx="1313180" cy="369332"/>
+          </a:xfrm>
+          <a:prstGeom prst="rect">
+            <a:avLst/>
+          </a:prstGeom>
+          <a:solidFill>
+            <a:srgbClr val="D9D9D9">
+              <a:alpha val="80000"/>
+            </a:srgbClr>
+          </a:solidFill>
+        </p:spPr>
+        <p:txBody>
+          <a:bodyPr wrap="none" rtlCol="0">
+            <a:spAutoFit/>
+          </a:bodyPr>
+          <a:lstStyle/>
+          <a:p>
+            <a:r>
+              <a:rPr lang="en-US" dirty="0" smtClean="0"/>
+              <a:t>Decrement</a:t>
+            </a:r>
+            <a:endParaRPr lang="es-ES" dirty="0"/>
+          </a:p>
+        </p:txBody>
+      </p:sp>
+      <p:sp>
+        <p:nvSpPr>
+          <p:cNvPr id="18" name="17 CuadroTexto"/>
+          <p:cNvSpPr txBox="1"/>
+          <p:nvPr/>
+        </p:nvSpPr>
+        <p:spPr>
+          <a:xfrm>
+            <a:off x="4995895" y="5213866"/>
+            <a:ext cx="2970685" cy="369332"/>
+          </a:xfrm>
+          <a:prstGeom prst="rect">
+            <a:avLst/>
+          </a:prstGeom>
+          <a:solidFill>
+            <a:srgbClr val="D9D9D9">
+              <a:alpha val="80000"/>
+            </a:srgbClr>
+          </a:solidFill>
+        </p:spPr>
+        <p:txBody>
+          <a:bodyPr wrap="none" rtlCol="0">
+            <a:spAutoFit/>
+          </a:bodyPr>
+          <a:lstStyle/>
+          <a:p>
+            <a:r>
+              <a:rPr lang="en-US" dirty="0" smtClean="0">
+                <a:latin typeface="Consolas" panose="020B0609020204030204" pitchFamily="49" charset="0"/>
+                <a:cs typeface="Consolas" panose="020B0609020204030204" pitchFamily="49" charset="0"/>
+              </a:rPr>
+              <a:t>Update (42, Increment)</a:t>
+            </a:r>
+            <a:endParaRPr lang="es-ES" dirty="0">
+              <a:latin typeface="Consolas" panose="020B0609020204030204" pitchFamily="49" charset="0"/>
+              <a:cs typeface="Consolas" panose="020B0609020204030204" pitchFamily="49" charset="0"/>
+            </a:endParaRPr>
+          </a:p>
+        </p:txBody>
+      </p:sp>
+      <p:sp>
+        <p:nvSpPr>
+          <p:cNvPr id="22" name="21 CuadroTexto"/>
+          <p:cNvSpPr txBox="1"/>
+          <p:nvPr/>
+        </p:nvSpPr>
+        <p:spPr>
+          <a:xfrm>
+            <a:off x="9693339" y="5065840"/>
+            <a:ext cx="1324402" cy="369332"/>
+          </a:xfrm>
+          <a:prstGeom prst="rect">
+            <a:avLst/>
+          </a:prstGeom>
+          <a:solidFill>
+            <a:srgbClr val="D9D9D9">
+              <a:alpha val="80000"/>
+            </a:srgbClr>
+          </a:solidFill>
+        </p:spPr>
+        <p:txBody>
+          <a:bodyPr wrap="none" rtlCol="0">
+            <a:spAutoFit/>
+          </a:bodyPr>
+          <a:lstStyle/>
+          <a:p>
+            <a:r>
+              <a:rPr lang="en-US" dirty="0" smtClean="0">
+                <a:latin typeface="Consolas" panose="020B0609020204030204" pitchFamily="49" charset="0"/>
+                <a:cs typeface="Consolas" panose="020B0609020204030204" pitchFamily="49" charset="0"/>
+              </a:rPr>
+              <a:t>View (41)</a:t>
+            </a:r>
+            <a:endParaRPr lang="es-ES" dirty="0">
+              <a:latin typeface="Consolas" panose="020B0609020204030204" pitchFamily="49" charset="0"/>
+              <a:cs typeface="Consolas" panose="020B0609020204030204" pitchFamily="49" charset="0"/>
+            </a:endParaRPr>
+          </a:p>
+        </p:txBody>
+      </p:sp>
+      <p:cxnSp>
+        <p:nvCxnSpPr>
+          <p:cNvPr id="21" name="20 Conector curvado"/>
+          <p:cNvCxnSpPr>
+            <a:stCxn id="18" idx="2"/>
+            <a:endCxn id="22" idx="2"/>
+          </p:cNvCxnSpPr>
+          <p:nvPr/>
+        </p:nvCxnSpPr>
+        <p:spPr>
+          <a:xfrm rot="5400000" flipH="1" flipV="1">
+            <a:off x="8344376" y="3572034"/>
+            <a:ext cx="148026" cy="3874302"/>
+          </a:xfrm>
+          <a:prstGeom prst="curvedConnector3">
+            <a:avLst>
+              <a:gd name="adj1" fmla="val -430785"/>
+            </a:avLst>
+          </a:prstGeom>
+          <a:ln w="28575">
+            <a:solidFill>
+              <a:schemeClr val="tx1"/>
+            </a:solidFill>
+            <a:tailEnd type="arrow"/>
+          </a:ln>
+        </p:spPr>
+        <p:style>
+          <a:lnRef idx="1">
+            <a:schemeClr val="accent1"/>
+          </a:lnRef>
+          <a:fillRef idx="0">
+            <a:schemeClr val="accent1"/>
+          </a:fillRef>
+          <a:effectRef idx="0">
+            <a:schemeClr val="accent1"/>
+          </a:effectRef>
+          <a:fontRef idx="minor">
+            <a:schemeClr val="tx1"/>
+          </a:fontRef>
+        </p:style>
+      </p:cxnSp>
+      <p:sp>
+        <p:nvSpPr>
+          <p:cNvPr id="29" name="28 CuadroTexto"/>
+          <p:cNvSpPr txBox="1"/>
+          <p:nvPr/>
+        </p:nvSpPr>
+        <p:spPr>
+          <a:xfrm>
+            <a:off x="7281253" y="6356574"/>
+            <a:ext cx="2561342" cy="369332"/>
+          </a:xfrm>
+          <a:prstGeom prst="rect">
+            <a:avLst/>
+          </a:prstGeom>
+          <a:solidFill>
+            <a:srgbClr val="D9D9D9">
+              <a:alpha val="80000"/>
+            </a:srgbClr>
+          </a:solidFill>
+        </p:spPr>
+        <p:txBody>
+          <a:bodyPr wrap="none" rtlCol="0">
+            <a:spAutoFit/>
+          </a:bodyPr>
+          <a:lstStyle/>
+          <a:p>
+            <a:r>
+              <a:rPr lang="en-US" dirty="0" smtClean="0"/>
+              <a:t>(41, </a:t>
+            </a:r>
+            <a:r>
+              <a:rPr lang="en-US" dirty="0" err="1" smtClean="0"/>
+              <a:t>WasDecremented</a:t>
+            </a:r>
+            <a:r>
+              <a:rPr lang="en-US" dirty="0" smtClean="0"/>
+              <a:t>)</a:t>
+            </a:r>
+            <a:endParaRPr lang="es-ES" dirty="0"/>
+          </a:p>
+        </p:txBody>
+      </p:sp>
+      <p:cxnSp>
+        <p:nvCxnSpPr>
+          <p:cNvPr id="30" name="29 Conector recto de flecha"/>
+          <p:cNvCxnSpPr>
+            <a:stCxn id="22" idx="0"/>
+            <a:endCxn id="14" idx="2"/>
+          </p:cNvCxnSpPr>
+          <p:nvPr/>
+        </p:nvCxnSpPr>
+        <p:spPr>
+          <a:xfrm flipH="1" flipV="1">
+            <a:off x="9859524" y="4065802"/>
+            <a:ext cx="496016" cy="1000038"/>
+          </a:xfrm>
+          <a:prstGeom prst="straightConnector1">
+            <a:avLst/>
+          </a:prstGeom>
+          <a:ln w="28575">
+            <a:solidFill>
+              <a:schemeClr val="tx1"/>
+            </a:solidFill>
+            <a:tailEnd type="arrow"/>
+          </a:ln>
+        </p:spPr>
+        <p:style>
+          <a:lnRef idx="1">
+            <a:schemeClr val="accent1"/>
+          </a:lnRef>
+          <a:fillRef idx="0">
+            <a:schemeClr val="accent1"/>
+          </a:fillRef>
+          <a:effectRef idx="0">
+            <a:schemeClr val="accent1"/>
+          </a:effectRef>
+          <a:fontRef idx="minor">
+            <a:schemeClr val="tx1"/>
+          </a:fontRef>
+        </p:style>
+      </p:cxnSp>
+      <p:sp>
+        <p:nvSpPr>
+          <p:cNvPr id="31" name="30 Rectángulo"/>
+          <p:cNvSpPr/>
+          <p:nvPr/>
+        </p:nvSpPr>
+        <p:spPr>
+          <a:xfrm>
+            <a:off x="1227221" y="2090261"/>
+            <a:ext cx="2012089" cy="492443"/>
+          </a:xfrm>
+          <a:prstGeom prst="rect">
+            <a:avLst/>
+          </a:prstGeom>
+        </p:spPr>
+        <p:txBody>
+          <a:bodyPr wrap="none">
+            <a:spAutoFit/>
+          </a:bodyPr>
+          <a:lstStyle/>
+          <a:p>
+            <a:pPr algn="just"/>
+            <a:r>
+              <a:rPr lang="en-US" sz="2600" dirty="0" err="1" smtClean="0">
+                <a:latin typeface="Consolas" panose="020B0609020204030204" pitchFamily="49" charset="0"/>
+                <a:cs typeface="Consolas" panose="020B0609020204030204" pitchFamily="49" charset="0"/>
+              </a:rPr>
+              <a:t>Counter.fs</a:t>
+            </a:r>
+            <a:endParaRPr lang="en-US" sz="2600" dirty="0">
+              <a:latin typeface="Consolas" panose="020B0609020204030204" pitchFamily="49" charset="0"/>
+              <a:cs typeface="Consolas" panose="020B0609020204030204" pitchFamily="49" charset="0"/>
+            </a:endParaRPr>
+          </a:p>
+        </p:txBody>
+      </p:sp>
+      <p:cxnSp>
+        <p:nvCxnSpPr>
+          <p:cNvPr id="1025" name="1024 Conector recto de flecha"/>
+          <p:cNvCxnSpPr>
+            <a:stCxn id="14" idx="0"/>
+            <a:endCxn id="6" idx="2"/>
+          </p:cNvCxnSpPr>
+          <p:nvPr/>
+        </p:nvCxnSpPr>
+        <p:spPr>
+          <a:xfrm flipH="1" flipV="1">
+            <a:off x="8564845" y="3151693"/>
+            <a:ext cx="1294679" cy="513999"/>
+          </a:xfrm>
+          <a:prstGeom prst="straightConnector1">
+            <a:avLst/>
+          </a:prstGeom>
+          <a:ln w="28575">
+            <a:solidFill>
+              <a:schemeClr val="tx1"/>
+            </a:solidFill>
+            <a:tailEnd type="arrow"/>
+          </a:ln>
+        </p:spPr>
+        <p:style>
+          <a:lnRef idx="1">
+            <a:schemeClr val="accent1"/>
+          </a:lnRef>
+          <a:fillRef idx="0">
+            <a:schemeClr val="accent1"/>
+          </a:fillRef>
+          <a:effectRef idx="0">
+            <a:schemeClr val="accent1"/>
+          </a:effectRef>
+          <a:fontRef idx="minor">
+            <a:schemeClr val="tx1"/>
+          </a:fontRef>
+        </p:style>
+      </p:cxnSp>
+    </p:spTree>
+    <p:extLst>
+      <p:ext uri="{BB962C8B-B14F-4D97-AF65-F5344CB8AC3E}">
+        <p14:creationId xmlns:p14="http://schemas.microsoft.com/office/powerpoint/2010/main" val="3368844555"/>
+      </p:ext>
+    </p:extLst>
+  </p:cSld>
+  <p:clrMapOvr>
+    <a:masterClrMapping/>
+  </p:clrMapOvr>
+  <p:timing>
+    <p:tnLst>
+      <p:par>
+        <p:cTn id="1" dur="indefinite" restart="never" nodeType="tmRoot"/>
+      </p:par>
+    </p:tnLst>
+  </p:timing>
+</p:sld>
+</file>
+
+<file path=ppt/slides/slide11.xml><?xml version="1.0" encoding="utf-8"?>
+<p:sld xmlns:a="http://schemas.openxmlformats.org/drawingml/2006/main" xmlns:r="http://schemas.openxmlformats.org/officeDocument/2006/relationships" xmlns:p="http://schemas.openxmlformats.org/presentationml/2006/main">
+  <p:cSld>
+    <p:spTree>
+      <p:nvGrpSpPr>
+        <p:cNvPr id="1" name=""/>
+        <p:cNvGrpSpPr/>
+        <p:nvPr/>
+      </p:nvGrpSpPr>
+      <p:grpSpPr>
+        <a:xfrm>
+          <a:off x="0" y="0"/>
+          <a:ext cx="0" cy="0"/>
+          <a:chOff x="0" y="0"/>
+          <a:chExt cx="0" cy="0"/>
+        </a:xfrm>
+      </p:grpSpPr>
+      <p:sp>
+        <p:nvSpPr>
+          <p:cNvPr id="2" name="1 Título"/>
+          <p:cNvSpPr>
+            <a:spLocks noGrp="1"/>
+          </p:cNvSpPr>
+          <p:nvPr>
+            <p:ph type="title"/>
+          </p:nvPr>
+        </p:nvSpPr>
         <p:spPr/>
+        <p:txBody>
+          <a:bodyPr/>
+          <a:lstStyle/>
+          <a:p>
+            <a:r>
+              <a:rPr lang="en-US" dirty="0" smtClean="0"/>
+              <a:t>Message Oriented </a:t>
+            </a:r>
+            <a:r>
+              <a:rPr lang="en-US" dirty="0"/>
+              <a:t>Architecture</a:t>
+            </a:r>
+            <a:endParaRPr lang="es-ES" dirty="0"/>
+          </a:p>
+        </p:txBody>
+      </p:sp>
+      <p:sp>
+        <p:nvSpPr>
+          <p:cNvPr id="3" name="2 Marcador de contenido"/>
+          <p:cNvSpPr>
+            <a:spLocks noGrp="1"/>
+          </p:cNvSpPr>
+          <p:nvPr>
+            <p:ph sz="quarter" idx="1"/>
+          </p:nvPr>
+        </p:nvSpPr>
+        <p:spPr/>
+        <p:txBody>
+          <a:bodyPr>
+            <a:normAutofit/>
+          </a:bodyPr>
+          <a:lstStyle/>
+          <a:p>
+            <a:pPr marL="0" indent="0">
+              <a:buNone/>
+            </a:pPr>
+            <a:r>
+              <a:rPr lang="en-US" sz="2000" dirty="0"/>
+              <a:t>http://todomvc.com/examples/elm/</a:t>
+            </a:r>
+          </a:p>
+        </p:txBody>
+      </p:sp>
+      <p:sp>
+        <p:nvSpPr>
+          <p:cNvPr id="4" name="3 Marcador de contenido"/>
+          <p:cNvSpPr>
+            <a:spLocks noGrp="1"/>
+          </p:cNvSpPr>
+          <p:nvPr>
+            <p:ph sz="quarter" idx="2"/>
+          </p:nvPr>
+        </p:nvSpPr>
+        <p:spPr/>
+        <p:txBody>
+          <a:bodyPr/>
+          <a:lstStyle/>
+          <a:p>
+            <a:pPr marL="0" indent="0" algn="just">
+              <a:spcAft>
+                <a:spcPts val="0"/>
+              </a:spcAft>
+              <a:buNone/>
+            </a:pPr>
+            <a:endParaRPr lang="en-US" dirty="0" smtClean="0"/>
+          </a:p>
+          <a:p>
+            <a:pPr marL="0" indent="0" algn="just">
+              <a:spcAft>
+                <a:spcPts val="0"/>
+              </a:spcAft>
+              <a:buNone/>
+            </a:pPr>
+            <a:r>
+              <a:rPr lang="en-US" dirty="0" err="1" smtClean="0">
+                <a:latin typeface="Consolas" panose="020B0609020204030204" pitchFamily="49" charset="0"/>
+                <a:cs typeface="Consolas" panose="020B0609020204030204" pitchFamily="49" charset="0"/>
+              </a:rPr>
+              <a:t>Todo.elm</a:t>
+            </a:r>
+            <a:endParaRPr lang="en-US" dirty="0" smtClean="0">
+              <a:latin typeface="Consolas" panose="020B0609020204030204" pitchFamily="49" charset="0"/>
+              <a:cs typeface="Consolas" panose="020B0609020204030204" pitchFamily="49" charset="0"/>
+            </a:endParaRPr>
+          </a:p>
+          <a:p>
+            <a:pPr marL="0" indent="0" algn="just">
+              <a:lnSpc>
+                <a:spcPts val="1400"/>
+              </a:lnSpc>
+              <a:spcAft>
+                <a:spcPts val="0"/>
+              </a:spcAft>
+              <a:buNone/>
+            </a:pPr>
+            <a:endParaRPr lang="es-ES" dirty="0"/>
+          </a:p>
+          <a:p>
+            <a:pPr marL="0" indent="0" algn="just">
+              <a:lnSpc>
+                <a:spcPts val="1400"/>
+              </a:lnSpc>
+              <a:spcAft>
+                <a:spcPts val="0"/>
+              </a:spcAft>
+              <a:buNone/>
+            </a:pPr>
+            <a:r>
+              <a:rPr lang="es-ES" sz="1800" dirty="0" err="1" smtClean="0">
+                <a:solidFill>
+                  <a:srgbClr val="943634"/>
+                </a:solidFill>
+                <a:latin typeface="Consolas"/>
+                <a:ea typeface="Times New Roman"/>
+                <a:cs typeface="Times New Roman"/>
+              </a:rPr>
+              <a:t>type</a:t>
+            </a:r>
+            <a:r>
+              <a:rPr lang="es-ES" sz="1800" dirty="0" smtClean="0">
+                <a:latin typeface="Consolas"/>
+                <a:ea typeface="Times New Roman"/>
+                <a:cs typeface="Times New Roman"/>
+              </a:rPr>
+              <a:t> </a:t>
+            </a:r>
+            <a:r>
+              <a:rPr lang="es-ES" sz="1800" dirty="0" err="1">
+                <a:solidFill>
+                  <a:srgbClr val="365F91"/>
+                </a:solidFill>
+                <a:latin typeface="Consolas"/>
+                <a:ea typeface="Times New Roman"/>
+                <a:cs typeface="Times New Roman"/>
+              </a:rPr>
+              <a:t>Action</a:t>
+            </a:r>
+            <a:endParaRPr lang="es-ES" sz="1800" dirty="0">
+              <a:latin typeface="MetaCorr"/>
+              <a:ea typeface="Times New Roman"/>
+              <a:cs typeface="Times New Roman"/>
+            </a:endParaRPr>
+          </a:p>
+          <a:p>
+            <a:pPr marL="0" indent="0" algn="just">
+              <a:lnSpc>
+                <a:spcPts val="1400"/>
+              </a:lnSpc>
+              <a:spcAft>
+                <a:spcPts val="0"/>
+              </a:spcAft>
+              <a:buNone/>
+            </a:pPr>
+            <a:r>
+              <a:rPr lang="es-ES" sz="1800" dirty="0">
+                <a:solidFill>
+                  <a:srgbClr val="365F91"/>
+                </a:solidFill>
+                <a:latin typeface="Consolas"/>
+                <a:ea typeface="Times New Roman"/>
+                <a:cs typeface="Times New Roman"/>
+              </a:rPr>
+              <a:t>    </a:t>
+            </a:r>
+            <a:r>
+              <a:rPr lang="es-ES" sz="1800" dirty="0">
+                <a:solidFill>
+                  <a:srgbClr val="943634"/>
+                </a:solidFill>
+                <a:latin typeface="Consolas"/>
+                <a:ea typeface="Times New Roman"/>
+                <a:cs typeface="Times New Roman"/>
+              </a:rPr>
+              <a:t>= </a:t>
+            </a:r>
+            <a:r>
+              <a:rPr lang="es-ES" sz="1800" dirty="0" err="1">
+                <a:solidFill>
+                  <a:srgbClr val="365F91"/>
+                </a:solidFill>
+                <a:latin typeface="Consolas"/>
+                <a:ea typeface="Times New Roman"/>
+                <a:cs typeface="Times New Roman"/>
+              </a:rPr>
+              <a:t>NoOp</a:t>
+            </a:r>
+            <a:endParaRPr lang="es-ES" sz="1800" dirty="0">
+              <a:latin typeface="MetaCorr"/>
+              <a:ea typeface="Times New Roman"/>
+              <a:cs typeface="Times New Roman"/>
+            </a:endParaRPr>
+          </a:p>
+          <a:p>
+            <a:pPr marL="0" indent="0" algn="just">
+              <a:lnSpc>
+                <a:spcPts val="1400"/>
+              </a:lnSpc>
+              <a:spcAft>
+                <a:spcPts val="0"/>
+              </a:spcAft>
+              <a:buNone/>
+            </a:pPr>
+            <a:r>
+              <a:rPr lang="es-ES" sz="1800" dirty="0">
+                <a:solidFill>
+                  <a:srgbClr val="365F91"/>
+                </a:solidFill>
+                <a:latin typeface="Consolas"/>
+                <a:ea typeface="Times New Roman"/>
+                <a:cs typeface="Times New Roman"/>
+              </a:rPr>
+              <a:t>    </a:t>
+            </a:r>
+            <a:r>
+              <a:rPr lang="es-ES" sz="1800" dirty="0">
+                <a:solidFill>
+                  <a:srgbClr val="943634"/>
+                </a:solidFill>
+                <a:latin typeface="Consolas"/>
+                <a:ea typeface="Times New Roman"/>
+                <a:cs typeface="Times New Roman"/>
+              </a:rPr>
+              <a:t>| </a:t>
+            </a:r>
+            <a:r>
+              <a:rPr lang="es-ES" sz="1800" dirty="0" err="1">
+                <a:solidFill>
+                  <a:srgbClr val="365F91"/>
+                </a:solidFill>
+                <a:latin typeface="Consolas"/>
+                <a:ea typeface="Times New Roman"/>
+                <a:cs typeface="Times New Roman"/>
+              </a:rPr>
+              <a:t>UpdateField</a:t>
+            </a:r>
+            <a:r>
+              <a:rPr lang="es-ES" sz="1800" dirty="0">
+                <a:solidFill>
+                  <a:srgbClr val="365F91"/>
+                </a:solidFill>
+                <a:latin typeface="Consolas"/>
+                <a:ea typeface="Times New Roman"/>
+                <a:cs typeface="Times New Roman"/>
+              </a:rPr>
+              <a:t> </a:t>
+            </a:r>
+            <a:r>
+              <a:rPr lang="es-ES" sz="1800" dirty="0" err="1">
+                <a:solidFill>
+                  <a:srgbClr val="365F91"/>
+                </a:solidFill>
+                <a:latin typeface="Consolas"/>
+                <a:ea typeface="Times New Roman"/>
+                <a:cs typeface="Times New Roman"/>
+              </a:rPr>
+              <a:t>String</a:t>
+            </a:r>
+            <a:endParaRPr lang="es-ES" sz="1800" dirty="0">
+              <a:latin typeface="MetaCorr"/>
+              <a:ea typeface="Times New Roman"/>
+              <a:cs typeface="Times New Roman"/>
+            </a:endParaRPr>
+          </a:p>
+          <a:p>
+            <a:pPr marL="0" indent="0" algn="just">
+              <a:lnSpc>
+                <a:spcPts val="1400"/>
+              </a:lnSpc>
+              <a:spcAft>
+                <a:spcPts val="0"/>
+              </a:spcAft>
+              <a:buNone/>
+            </a:pPr>
+            <a:r>
+              <a:rPr lang="es-ES" sz="1800" dirty="0">
+                <a:solidFill>
+                  <a:srgbClr val="365F91"/>
+                </a:solidFill>
+                <a:latin typeface="Consolas"/>
+                <a:ea typeface="Times New Roman"/>
+                <a:cs typeface="Times New Roman"/>
+              </a:rPr>
+              <a:t>    </a:t>
+            </a:r>
+            <a:r>
+              <a:rPr lang="es-ES" sz="1800" dirty="0">
+                <a:solidFill>
+                  <a:srgbClr val="943634"/>
+                </a:solidFill>
+                <a:latin typeface="Consolas"/>
+                <a:ea typeface="Times New Roman"/>
+                <a:cs typeface="Times New Roman"/>
+              </a:rPr>
+              <a:t>| </a:t>
+            </a:r>
+            <a:r>
+              <a:rPr lang="es-ES" sz="1800" dirty="0" err="1">
+                <a:solidFill>
+                  <a:srgbClr val="365F91"/>
+                </a:solidFill>
+                <a:latin typeface="Consolas"/>
+                <a:ea typeface="Times New Roman"/>
+                <a:cs typeface="Times New Roman"/>
+              </a:rPr>
+              <a:t>Add</a:t>
+            </a:r>
+            <a:endParaRPr lang="es-ES" sz="1800" dirty="0">
+              <a:latin typeface="MetaCorr"/>
+              <a:ea typeface="Times New Roman"/>
+              <a:cs typeface="Times New Roman"/>
+            </a:endParaRPr>
+          </a:p>
+          <a:p>
+            <a:pPr marL="0" indent="0" algn="just">
+              <a:lnSpc>
+                <a:spcPts val="1400"/>
+              </a:lnSpc>
+              <a:spcAft>
+                <a:spcPts val="0"/>
+              </a:spcAft>
+              <a:buNone/>
+            </a:pPr>
+            <a:r>
+              <a:rPr lang="es-ES" sz="1800" dirty="0">
+                <a:solidFill>
+                  <a:srgbClr val="365F91"/>
+                </a:solidFill>
+                <a:latin typeface="Consolas"/>
+                <a:ea typeface="Times New Roman"/>
+                <a:cs typeface="Times New Roman"/>
+              </a:rPr>
+              <a:t>    </a:t>
+            </a:r>
+            <a:r>
+              <a:rPr lang="es-ES" sz="1800" dirty="0">
+                <a:solidFill>
+                  <a:srgbClr val="943634"/>
+                </a:solidFill>
+                <a:latin typeface="Consolas"/>
+                <a:ea typeface="Times New Roman"/>
+                <a:cs typeface="Times New Roman"/>
+              </a:rPr>
+              <a:t>| </a:t>
+            </a:r>
+            <a:r>
+              <a:rPr lang="es-ES" sz="1800" dirty="0" err="1">
+                <a:solidFill>
+                  <a:srgbClr val="365F91"/>
+                </a:solidFill>
+                <a:latin typeface="Consolas"/>
+                <a:ea typeface="Times New Roman"/>
+                <a:cs typeface="Times New Roman"/>
+              </a:rPr>
+              <a:t>UpdateTask</a:t>
+            </a:r>
+            <a:r>
+              <a:rPr lang="es-ES" sz="1800" dirty="0">
+                <a:solidFill>
+                  <a:srgbClr val="365F91"/>
+                </a:solidFill>
+                <a:latin typeface="Consolas"/>
+                <a:ea typeface="Times New Roman"/>
+                <a:cs typeface="Times New Roman"/>
+              </a:rPr>
+              <a:t> </a:t>
+            </a:r>
+            <a:r>
+              <a:rPr lang="es-ES" sz="1800" dirty="0">
+                <a:solidFill>
+                  <a:srgbClr val="943634"/>
+                </a:solidFill>
+                <a:latin typeface="Consolas"/>
+                <a:ea typeface="Times New Roman"/>
+                <a:cs typeface="Times New Roman"/>
+              </a:rPr>
+              <a:t>(</a:t>
+            </a:r>
+            <a:r>
+              <a:rPr lang="es-ES" sz="1800" dirty="0" err="1">
+                <a:solidFill>
+                  <a:srgbClr val="365F91"/>
+                </a:solidFill>
+                <a:latin typeface="Consolas"/>
+                <a:ea typeface="Times New Roman"/>
+                <a:cs typeface="Times New Roman"/>
+              </a:rPr>
+              <a:t>Int</a:t>
+            </a:r>
+            <a:r>
+              <a:rPr lang="es-ES" sz="1800" dirty="0">
+                <a:solidFill>
+                  <a:srgbClr val="943634"/>
+                </a:solidFill>
+                <a:latin typeface="Consolas"/>
+                <a:ea typeface="Times New Roman"/>
+                <a:cs typeface="Times New Roman"/>
+              </a:rPr>
+              <a:t>,</a:t>
+            </a:r>
+            <a:r>
+              <a:rPr lang="es-ES" sz="1800" dirty="0">
+                <a:solidFill>
+                  <a:srgbClr val="365F91"/>
+                </a:solidFill>
+                <a:latin typeface="Consolas"/>
+                <a:ea typeface="Times New Roman"/>
+                <a:cs typeface="Times New Roman"/>
+              </a:rPr>
+              <a:t> </a:t>
+            </a:r>
+            <a:r>
+              <a:rPr lang="es-ES" sz="1800" dirty="0" err="1">
+                <a:solidFill>
+                  <a:srgbClr val="365F91"/>
+                </a:solidFill>
+                <a:latin typeface="Consolas"/>
+                <a:ea typeface="Times New Roman"/>
+                <a:cs typeface="Times New Roman"/>
+              </a:rPr>
+              <a:t>Task.Action</a:t>
+            </a:r>
+            <a:r>
+              <a:rPr lang="es-ES" sz="1800" dirty="0">
+                <a:solidFill>
+                  <a:srgbClr val="943634"/>
+                </a:solidFill>
+                <a:latin typeface="Consolas"/>
+                <a:ea typeface="Times New Roman"/>
+                <a:cs typeface="Times New Roman"/>
+              </a:rPr>
+              <a:t>)</a:t>
+            </a:r>
+          </a:p>
+          <a:p>
+            <a:pPr marL="0" indent="0" algn="just">
+              <a:lnSpc>
+                <a:spcPts val="1400"/>
+              </a:lnSpc>
+              <a:spcAft>
+                <a:spcPts val="0"/>
+              </a:spcAft>
+              <a:buNone/>
+            </a:pPr>
+            <a:r>
+              <a:rPr lang="es-ES" sz="1800" dirty="0">
+                <a:solidFill>
+                  <a:srgbClr val="365F91"/>
+                </a:solidFill>
+                <a:latin typeface="Consolas"/>
+                <a:ea typeface="Times New Roman"/>
+                <a:cs typeface="Times New Roman"/>
+              </a:rPr>
+              <a:t>    </a:t>
+            </a:r>
+            <a:r>
+              <a:rPr lang="es-ES" sz="1800" dirty="0">
+                <a:solidFill>
+                  <a:srgbClr val="943634"/>
+                </a:solidFill>
+                <a:latin typeface="Consolas"/>
+                <a:ea typeface="Times New Roman"/>
+                <a:cs typeface="Times New Roman"/>
+              </a:rPr>
+              <a:t>| </a:t>
+            </a:r>
+            <a:r>
+              <a:rPr lang="es-ES" sz="1800" dirty="0" err="1">
+                <a:solidFill>
+                  <a:srgbClr val="365F91"/>
+                </a:solidFill>
+                <a:latin typeface="Consolas"/>
+                <a:ea typeface="Times New Roman"/>
+                <a:cs typeface="Times New Roman"/>
+              </a:rPr>
+              <a:t>DeleteComplete</a:t>
+            </a:r>
+            <a:endParaRPr lang="es-ES" sz="1800" dirty="0">
+              <a:latin typeface="MetaCorr"/>
+              <a:ea typeface="Times New Roman"/>
+              <a:cs typeface="Times New Roman"/>
+            </a:endParaRPr>
+          </a:p>
+          <a:p>
+            <a:pPr marL="0" indent="0" algn="just">
+              <a:lnSpc>
+                <a:spcPts val="1400"/>
+              </a:lnSpc>
+              <a:spcAft>
+                <a:spcPts val="0"/>
+              </a:spcAft>
+              <a:buNone/>
+            </a:pPr>
+            <a:r>
+              <a:rPr lang="es-ES" sz="1800" dirty="0">
+                <a:solidFill>
+                  <a:srgbClr val="365F91"/>
+                </a:solidFill>
+                <a:latin typeface="Consolas"/>
+                <a:ea typeface="Times New Roman"/>
+                <a:cs typeface="Times New Roman"/>
+              </a:rPr>
+              <a:t>    </a:t>
+            </a:r>
+            <a:r>
+              <a:rPr lang="es-ES" sz="1800" dirty="0">
+                <a:solidFill>
+                  <a:srgbClr val="943634"/>
+                </a:solidFill>
+                <a:latin typeface="Consolas"/>
+                <a:ea typeface="Times New Roman"/>
+                <a:cs typeface="Times New Roman"/>
+              </a:rPr>
+              <a:t>| </a:t>
+            </a:r>
+            <a:r>
+              <a:rPr lang="es-ES" sz="1800" dirty="0" err="1">
+                <a:solidFill>
+                  <a:srgbClr val="365F91"/>
+                </a:solidFill>
+                <a:latin typeface="Consolas"/>
+                <a:ea typeface="Times New Roman"/>
+                <a:cs typeface="Times New Roman"/>
+              </a:rPr>
+              <a:t>CheckAll</a:t>
+            </a:r>
+            <a:r>
+              <a:rPr lang="es-ES" sz="1800" dirty="0">
+                <a:solidFill>
+                  <a:srgbClr val="365F91"/>
+                </a:solidFill>
+                <a:latin typeface="Consolas"/>
+                <a:ea typeface="Times New Roman"/>
+                <a:cs typeface="Times New Roman"/>
+              </a:rPr>
+              <a:t> </a:t>
+            </a:r>
+            <a:r>
+              <a:rPr lang="es-ES" sz="1800" dirty="0" err="1">
+                <a:solidFill>
+                  <a:srgbClr val="365F91"/>
+                </a:solidFill>
+                <a:latin typeface="Consolas"/>
+                <a:ea typeface="Times New Roman"/>
+                <a:cs typeface="Times New Roman"/>
+              </a:rPr>
+              <a:t>Bool</a:t>
+            </a:r>
+            <a:endParaRPr lang="es-ES" sz="1800" dirty="0">
+              <a:latin typeface="MetaCorr"/>
+              <a:ea typeface="Times New Roman"/>
+              <a:cs typeface="Times New Roman"/>
+            </a:endParaRPr>
+          </a:p>
+          <a:p>
+            <a:pPr marL="0" indent="0" algn="just">
+              <a:lnSpc>
+                <a:spcPts val="1400"/>
+              </a:lnSpc>
+              <a:spcAft>
+                <a:spcPts val="0"/>
+              </a:spcAft>
+              <a:buNone/>
+            </a:pPr>
+            <a:r>
+              <a:rPr lang="es-ES" sz="1800" dirty="0">
+                <a:solidFill>
+                  <a:srgbClr val="365F91"/>
+                </a:solidFill>
+                <a:latin typeface="Consolas"/>
+                <a:ea typeface="Times New Roman"/>
+                <a:cs typeface="Times New Roman"/>
+              </a:rPr>
+              <a:t>    </a:t>
+            </a:r>
+            <a:r>
+              <a:rPr lang="es-ES" sz="1800" dirty="0">
+                <a:solidFill>
+                  <a:srgbClr val="943634"/>
+                </a:solidFill>
+                <a:latin typeface="Consolas"/>
+                <a:ea typeface="Times New Roman"/>
+                <a:cs typeface="Times New Roman"/>
+              </a:rPr>
+              <a:t>| </a:t>
+            </a:r>
+            <a:r>
+              <a:rPr lang="es-ES" sz="1800" dirty="0" err="1">
+                <a:solidFill>
+                  <a:srgbClr val="365F91"/>
+                </a:solidFill>
+                <a:latin typeface="Consolas"/>
+                <a:ea typeface="Times New Roman"/>
+                <a:cs typeface="Times New Roman"/>
+              </a:rPr>
+              <a:t>ChangeVisibility</a:t>
+            </a:r>
+            <a:r>
+              <a:rPr lang="es-ES" sz="1800" dirty="0">
+                <a:solidFill>
+                  <a:srgbClr val="365F91"/>
+                </a:solidFill>
+                <a:latin typeface="Consolas"/>
+                <a:ea typeface="Times New Roman"/>
+                <a:cs typeface="Times New Roman"/>
+              </a:rPr>
+              <a:t> </a:t>
+            </a:r>
+            <a:r>
+              <a:rPr lang="es-ES" sz="1800" dirty="0" err="1">
+                <a:solidFill>
+                  <a:srgbClr val="365F91"/>
+                </a:solidFill>
+                <a:latin typeface="Consolas"/>
+                <a:ea typeface="Times New Roman"/>
+                <a:cs typeface="Times New Roman"/>
+              </a:rPr>
+              <a:t>String</a:t>
+            </a:r>
+            <a:endParaRPr lang="es-ES" sz="1800" dirty="0">
+              <a:latin typeface="MetaCorr"/>
+              <a:ea typeface="Times New Roman"/>
+              <a:cs typeface="Times New Roman"/>
+            </a:endParaRPr>
+          </a:p>
+          <a:p>
+            <a:pPr marL="0" indent="0">
+              <a:buNone/>
+            </a:pPr>
+            <a:endParaRPr lang="es-ES" dirty="0"/>
+          </a:p>
+        </p:txBody>
+      </p:sp>
+      <p:pic>
+        <p:nvPicPr>
+          <p:cNvPr id="2051" name="Picture 3"/>
+          <p:cNvPicPr>
+            <a:picLocks noChangeAspect="1" noChangeArrowheads="1"/>
+          </p:cNvPicPr>
+          <p:nvPr/>
+        </p:nvPicPr>
+        <p:blipFill rotWithShape="1">
+          <a:blip r:embed="rId2">
+            <a:extLst>
+              <a:ext uri="{28A0092B-C50C-407E-A947-70E740481C1C}">
+                <a14:useLocalDpi xmlns:a14="http://schemas.microsoft.com/office/drawing/2010/main" val="0"/>
+              </a:ext>
+            </a:extLst>
+          </a:blip>
+          <a:srcRect l="37697" t="7428" r="14835" b="43265"/>
+          <a:stretch/>
+        </p:blipFill>
+        <p:spPr bwMode="auto">
+          <a:xfrm>
+            <a:off x="475245" y="1985211"/>
+            <a:ext cx="5787191" cy="4668251"/>
+          </a:xfrm>
+          <a:prstGeom prst="rect">
+            <a:avLst/>
+          </a:prstGeom>
+          <a:noFill/>
+          <a:ln>
+            <a:noFill/>
+          </a:ln>
+          <a:extLst>
+            <a:ext uri="{909E8E84-426E-40DD-AFC4-6F175D3DCCD1}">
+              <a14:hiddenFill xmlns:a14="http://schemas.microsoft.com/office/drawing/2010/main">
+                <a:solidFill>
+                  <a:schemeClr val="accent1"/>
+                </a:solidFill>
+              </a14:hiddenFill>
+            </a:ext>
+            <a:ext uri="{91240B29-F687-4F45-9708-019B960494DF}">
+              <a14:hiddenLine xmlns:a14="http://schemas.microsoft.com/office/drawing/2010/main" w="9525">
+                <a:solidFill>
+                  <a:schemeClr val="tx1"/>
+                </a:solidFill>
+                <a:miter lim="800000"/>
+                <a:headEnd/>
+                <a:tailEnd/>
+              </a14:hiddenLine>
+            </a:ext>
+          </a:extLst>
+        </p:spPr>
+      </p:pic>
+    </p:spTree>
+    <p:extLst>
+      <p:ext uri="{BB962C8B-B14F-4D97-AF65-F5344CB8AC3E}">
+        <p14:creationId xmlns:p14="http://schemas.microsoft.com/office/powerpoint/2010/main" val="1476663953"/>
+      </p:ext>
+    </p:extLst>
+  </p:cSld>
+  <p:clrMapOvr>
+    <a:masterClrMapping/>
+  </p:clrMapOvr>
+  <p:timing>
+    <p:tnLst>
+      <p:par>
+        <p:cTn id="1" dur="indefinite" restart="never" nodeType="tmRoot"/>
+      </p:par>
+    </p:tnLst>
+  </p:timing>
+</p:sld>
+</file>
+
+<file path=ppt/slides/slide12.xml><?xml version="1.0" encoding="utf-8"?>
+<p:sld xmlns:a="http://schemas.openxmlformats.org/drawingml/2006/main" xmlns:r="http://schemas.openxmlformats.org/officeDocument/2006/relationships" xmlns:p="http://schemas.openxmlformats.org/presentationml/2006/main">
+  <p:cSld>
+    <p:spTree>
+      <p:nvGrpSpPr>
+        <p:cNvPr id="1" name=""/>
+        <p:cNvGrpSpPr/>
+        <p:nvPr/>
+      </p:nvGrpSpPr>
+      <p:grpSpPr>
+        <a:xfrm>
+          <a:off x="0" y="0"/>
+          <a:ext cx="0" cy="0"/>
+          <a:chOff x="0" y="0"/>
+          <a:chExt cx="0" cy="0"/>
+        </a:xfrm>
+      </p:grpSpPr>
+      <p:sp>
+        <p:nvSpPr>
+          <p:cNvPr id="2" name="1 Título"/>
+          <p:cNvSpPr>
+            <a:spLocks noGrp="1"/>
+          </p:cNvSpPr>
+          <p:nvPr>
+            <p:ph type="title"/>
+          </p:nvPr>
+        </p:nvSpPr>
+        <p:spPr/>
+        <p:txBody>
+          <a:bodyPr/>
+          <a:lstStyle/>
+          <a:p>
+            <a:r>
+              <a:rPr lang="en-US" dirty="0" smtClean="0"/>
+              <a:t>Message Oriented Architecture</a:t>
+            </a:r>
+            <a:endParaRPr lang="es-ES" dirty="0"/>
+          </a:p>
+        </p:txBody>
+      </p:sp>
+      <p:sp>
+        <p:nvSpPr>
+          <p:cNvPr id="3" name="2 Marcador de contenido"/>
+          <p:cNvSpPr>
+            <a:spLocks noGrp="1"/>
+          </p:cNvSpPr>
+          <p:nvPr>
+            <p:ph sz="quarter" idx="1"/>
+          </p:nvPr>
+        </p:nvSpPr>
+        <p:spPr/>
+        <p:txBody>
+          <a:bodyPr/>
+          <a:lstStyle/>
+          <a:p>
+            <a:pPr marL="0" indent="0">
+              <a:buNone/>
+            </a:pPr>
+            <a:r>
+              <a:rPr lang="en-US" b="1" dirty="0" smtClean="0"/>
+              <a:t>Message queues</a:t>
+            </a:r>
+          </a:p>
+          <a:p>
+            <a:pPr marL="0" indent="0">
+              <a:buNone/>
+            </a:pPr>
+            <a:r>
+              <a:rPr lang="en-US" dirty="0"/>
+              <a:t>A queue is a line of things waiting to be handled - in sequential order starting at the beginning of the line. A message queue is a queue of messages sent between applications. It includes a sequence of work objects that are waiting to be processed.</a:t>
+            </a:r>
+          </a:p>
+          <a:p>
+            <a:pPr marL="0" indent="0">
+              <a:buNone/>
+            </a:pPr>
+            <a:endParaRPr lang="en-US" b="1" dirty="0"/>
+          </a:p>
+          <a:p>
+            <a:pPr lvl="1"/>
+            <a:endParaRPr lang="en-US" b="1" dirty="0" smtClean="0"/>
+          </a:p>
+        </p:txBody>
+      </p:sp>
+      <p:pic>
+        <p:nvPicPr>
+          <p:cNvPr id="1026" name="Picture 2"/>
+          <p:cNvPicPr>
+            <a:picLocks noChangeAspect="1" noChangeArrowheads="1"/>
+          </p:cNvPicPr>
+          <p:nvPr/>
+        </p:nvPicPr>
+        <p:blipFill>
+          <a:blip r:embed="rId2">
+            <a:extLst>
+              <a:ext uri="{28A0092B-C50C-407E-A947-70E740481C1C}">
+                <a14:useLocalDpi xmlns:a14="http://schemas.microsoft.com/office/drawing/2010/main" val="0"/>
+              </a:ext>
+            </a:extLst>
+          </a:blip>
+          <a:srcRect/>
+          <a:stretch>
+            <a:fillRect/>
+          </a:stretch>
+        </p:blipFill>
+        <p:spPr bwMode="auto">
+          <a:xfrm>
+            <a:off x="2984583" y="3816517"/>
+            <a:ext cx="5934075" cy="2305050"/>
+          </a:xfrm>
+          <a:prstGeom prst="rect">
+            <a:avLst/>
+          </a:prstGeom>
+          <a:noFill/>
+          <a:ln>
+            <a:noFill/>
+          </a:ln>
+          <a:extLst>
+            <a:ext uri="{909E8E84-426E-40DD-AFC4-6F175D3DCCD1}">
+              <a14:hiddenFill xmlns:a14="http://schemas.microsoft.com/office/drawing/2010/main">
+                <a:solidFill>
+                  <a:schemeClr val="accent1"/>
+                </a:solidFill>
+              </a14:hiddenFill>
+            </a:ext>
+            <a:ext uri="{91240B29-F687-4F45-9708-019B960494DF}">
+              <a14:hiddenLine xmlns:a14="http://schemas.microsoft.com/office/drawing/2010/main" w="9525">
+                <a:solidFill>
+                  <a:schemeClr val="tx1"/>
+                </a:solidFill>
+                <a:miter lim="800000"/>
+                <a:headEnd/>
+                <a:tailEnd/>
+              </a14:hiddenLine>
+            </a:ext>
+          </a:extLst>
+        </p:spPr>
+      </p:pic>
+    </p:spTree>
+    <p:extLst>
+      <p:ext uri="{BB962C8B-B14F-4D97-AF65-F5344CB8AC3E}">
+        <p14:creationId xmlns:p14="http://schemas.microsoft.com/office/powerpoint/2010/main" val="4242366704"/>
+      </p:ext>
+    </p:extLst>
+  </p:cSld>
+  <p:clrMapOvr>
+    <a:masterClrMapping/>
+  </p:clrMapOvr>
+  <p:timing>
+    <p:tnLst>
+      <p:par>
+        <p:cTn id="1" dur="indefinite" restart="never" nodeType="tmRoot"/>
+      </p:par>
+    </p:tnLst>
+  </p:timing>
+</p:sld>
+</file>
+
+<file path=ppt/slides/slide13.xml><?xml version="1.0" encoding="utf-8"?>
+<p:sld xmlns:a="http://schemas.openxmlformats.org/drawingml/2006/main" xmlns:r="http://schemas.openxmlformats.org/officeDocument/2006/relationships" xmlns:p="http://schemas.openxmlformats.org/presentationml/2006/main">
+  <p:cSld>
+    <p:spTree>
+      <p:nvGrpSpPr>
+        <p:cNvPr id="1" name=""/>
+        <p:cNvGrpSpPr/>
+        <p:nvPr/>
+      </p:nvGrpSpPr>
+      <p:grpSpPr>
+        <a:xfrm>
+          <a:off x="0" y="0"/>
+          <a:ext cx="0" cy="0"/>
+          <a:chOff x="0" y="0"/>
+          <a:chExt cx="0" cy="0"/>
+        </a:xfrm>
+      </p:grpSpPr>
+      <p:sp>
+        <p:nvSpPr>
+          <p:cNvPr id="2" name="1 Título"/>
+          <p:cNvSpPr>
+            <a:spLocks noGrp="1"/>
+          </p:cNvSpPr>
+          <p:nvPr>
+            <p:ph type="title"/>
+          </p:nvPr>
+        </p:nvSpPr>
+        <p:spPr/>
+        <p:txBody>
+          <a:bodyPr/>
+          <a:lstStyle/>
+          <a:p>
+            <a:r>
+              <a:rPr lang="en-US" dirty="0" smtClean="0"/>
+              <a:t>Message Oriented </a:t>
+            </a:r>
+            <a:r>
+              <a:rPr lang="en-US" dirty="0"/>
+              <a:t>Architecture</a:t>
+            </a:r>
+            <a:endParaRPr lang="es-ES" dirty="0"/>
+          </a:p>
+        </p:txBody>
+      </p:sp>
+      <p:sp>
+        <p:nvSpPr>
+          <p:cNvPr id="3" name="2 Marcador de contenido"/>
+          <p:cNvSpPr>
+            <a:spLocks noGrp="1"/>
+          </p:cNvSpPr>
+          <p:nvPr>
+            <p:ph sz="quarter" idx="1"/>
+          </p:nvPr>
+        </p:nvSpPr>
+        <p:spPr>
+          <a:xfrm>
+            <a:off x="1219200" y="1447799"/>
+            <a:ext cx="10363200" cy="5025189"/>
+          </a:xfrm>
+        </p:spPr>
         <p:txBody>
           <a:bodyPr>
             <a:normAutofit lnSpcReduction="10000"/>
@@ -3876,9 +5570,16 @@
           </a:p>
           <a:p>
             <a:r>
-              <a:rPr lang="en-US" dirty="0"/>
+              <a:rPr lang="en-US" dirty="0" smtClean="0"/>
               <a:t>Routing</a:t>
             </a:r>
+          </a:p>
+          <a:p>
+            <a:r>
+              <a:rPr lang="en-US" dirty="0" smtClean="0"/>
+              <a:t>Auditing</a:t>
+            </a:r>
+            <a:endParaRPr lang="en-US" dirty="0"/>
           </a:p>
         </p:txBody>
       </p:sp>
@@ -3905,8 +5606,8 @@
         </p:blipFill>
         <p:spPr bwMode="auto">
           <a:xfrm>
-            <a:off x="5329153" y="2755648"/>
-            <a:ext cx="5162550" cy="2533651"/>
+            <a:off x="5064457" y="2142038"/>
+            <a:ext cx="6495747" cy="3187951"/>
           </a:xfrm>
           <a:prstGeom prst="rect">
             <a:avLst/>
@@ -3943,7 +5644,7 @@
 </p:sld>
 </file>
 
-<file path=ppt/slides/slide11.xml><?xml version="1.0" encoding="utf-8"?>
+<file path=ppt/slides/slide14.xml><?xml version="1.0" encoding="utf-8"?>
 <p:sld xmlns:a="http://schemas.openxmlformats.org/drawingml/2006/main" xmlns:r="http://schemas.openxmlformats.org/officeDocument/2006/relationships" xmlns:p="http://schemas.openxmlformats.org/presentationml/2006/main">
   <p:cSld>
     <p:spTree>
@@ -3977,7 +5678,7 @@
           <a:p>
             <a:r>
               <a:rPr lang="en-US" dirty="0" smtClean="0"/>
-              <a:t>Data Persistence</a:t>
+              <a:t>Domain Driven Design</a:t>
             </a:r>
             <a:endParaRPr lang="es-ES" dirty="0"/>
           </a:p>
@@ -3996,14 +5697,841 @@
         <p:spPr/>
         <p:txBody>
           <a:bodyPr>
-            <a:normAutofit fontScale="92500" lnSpcReduction="10000"/>
+            <a:normAutofit/>
           </a:bodyPr>
           <a:lstStyle/>
+          <a:p>
+            <a:r>
+              <a:rPr lang="en-US" dirty="0" smtClean="0"/>
+              <a:t>An approach to software development for complex needs</a:t>
+            </a:r>
+          </a:p>
+          <a:p>
+            <a:pPr lvl="1"/>
+            <a:r>
+              <a:rPr lang="en-US" b="1" dirty="0" smtClean="0"/>
+              <a:t>Context</a:t>
+            </a:r>
+            <a:r>
+              <a:rPr lang="en-US" dirty="0" smtClean="0"/>
+              <a:t>: The setting in which a word or statement appears that determines its meaning (part of specification)</a:t>
+            </a:r>
+          </a:p>
+          <a:p>
+            <a:pPr lvl="1"/>
+            <a:r>
+              <a:rPr lang="en-US" b="1" dirty="0" smtClean="0"/>
+              <a:t>Ubiquitous Language</a:t>
+            </a:r>
+            <a:r>
+              <a:rPr lang="en-US" dirty="0" smtClean="0"/>
+              <a:t>: Natural language words and statements to communicate experts with development team</a:t>
+            </a:r>
+          </a:p>
+          <a:p>
+            <a:pPr lvl="1"/>
+            <a:r>
+              <a:rPr lang="en-US" b="1" dirty="0" smtClean="0"/>
+              <a:t>Domain</a:t>
+            </a:r>
+            <a:r>
+              <a:rPr lang="en-US" dirty="0" smtClean="0"/>
+              <a:t>: A sphere of knowledge, influence or activity (part of solution)</a:t>
+            </a:r>
+          </a:p>
+          <a:p>
+            <a:pPr lvl="1"/>
+            <a:r>
+              <a:rPr lang="en-US" b="1" dirty="0" smtClean="0"/>
+              <a:t>Model</a:t>
+            </a:r>
+            <a:r>
+              <a:rPr lang="en-US" dirty="0" smtClean="0"/>
+              <a:t>: Abstractions that describes selected aspects of a domain</a:t>
+            </a:r>
+            <a:endParaRPr lang="en-US" dirty="0" smtClean="0"/>
+          </a:p>
+          <a:p>
+            <a:pPr lvl="1"/>
+            <a:r>
+              <a:rPr lang="en-US" b="1" dirty="0" smtClean="0"/>
+              <a:t>Building blocks</a:t>
+            </a:r>
+            <a:r>
+              <a:rPr lang="en-US" dirty="0" smtClean="0"/>
+              <a:t>: Entity, Value Object, Aggregate, Domain Event, Service, Repository, Factory</a:t>
+            </a:r>
+          </a:p>
+          <a:p>
+            <a:pPr marL="320040" lvl="1" indent="0">
+              <a:buNone/>
+            </a:pPr>
+            <a:r>
+              <a:rPr lang="en-US" dirty="0" smtClean="0"/>
+              <a:t>Eric Evans</a:t>
+            </a:r>
+          </a:p>
+          <a:p>
+            <a:pPr marL="320040" lvl="1" indent="0">
+              <a:buNone/>
+            </a:pPr>
+            <a:r>
+              <a:rPr lang="es-ES" sz="1800" dirty="0">
+                <a:hlinkClick r:id="rId2"/>
+              </a:rPr>
+              <a:t>https://msdn.microsoft.com/en-us/library/ee658117.aspx#DomainModelStyle</a:t>
+            </a:r>
+            <a:endParaRPr lang="es-ES" sz="1800" dirty="0"/>
+          </a:p>
+        </p:txBody>
+      </p:sp>
+    </p:spTree>
+    <p:extLst>
+      <p:ext uri="{BB962C8B-B14F-4D97-AF65-F5344CB8AC3E}">
+        <p14:creationId xmlns:p14="http://schemas.microsoft.com/office/powerpoint/2010/main" val="2506892404"/>
+      </p:ext>
+    </p:extLst>
+  </p:cSld>
+  <p:clrMapOvr>
+    <a:masterClrMapping/>
+  </p:clrMapOvr>
+  <p:timing>
+    <p:tnLst>
+      <p:par>
+        <p:cTn id="1" dur="indefinite" restart="never" nodeType="tmRoot"/>
+      </p:par>
+    </p:tnLst>
+  </p:timing>
+</p:sld>
+</file>
+
+<file path=ppt/slides/slide15.xml><?xml version="1.0" encoding="utf-8"?>
+<p:sld xmlns:a="http://schemas.openxmlformats.org/drawingml/2006/main" xmlns:r="http://schemas.openxmlformats.org/officeDocument/2006/relationships" xmlns:p="http://schemas.openxmlformats.org/presentationml/2006/main">
+  <p:cSld>
+    <p:spTree>
+      <p:nvGrpSpPr>
+        <p:cNvPr id="1" name=""/>
+        <p:cNvGrpSpPr/>
+        <p:nvPr/>
+      </p:nvGrpSpPr>
+      <p:grpSpPr>
+        <a:xfrm>
+          <a:off x="0" y="0"/>
+          <a:ext cx="0" cy="0"/>
+          <a:chOff x="0" y="0"/>
+          <a:chExt cx="0" cy="0"/>
+        </a:xfrm>
+      </p:grpSpPr>
+      <p:sp>
+        <p:nvSpPr>
+          <p:cNvPr id="2" name="1 Título"/>
+          <p:cNvSpPr>
+            <a:spLocks noGrp="1"/>
+          </p:cNvSpPr>
+          <p:nvPr>
+            <p:ph type="title"/>
+          </p:nvPr>
+        </p:nvSpPr>
+        <p:spPr/>
+        <p:txBody>
+          <a:bodyPr/>
+          <a:lstStyle/>
+          <a:p>
+            <a:r>
+              <a:rPr lang="en-US" dirty="0" smtClean="0"/>
+              <a:t>CQRS</a:t>
+            </a:r>
+            <a:endParaRPr lang="es-ES" dirty="0"/>
+          </a:p>
+        </p:txBody>
+      </p:sp>
+      <p:sp>
+        <p:nvSpPr>
+          <p:cNvPr id="3" name="2 Marcador de contenido"/>
+          <p:cNvSpPr>
+            <a:spLocks noGrp="1"/>
+          </p:cNvSpPr>
+          <p:nvPr>
+            <p:ph sz="quarter" idx="1"/>
+          </p:nvPr>
+        </p:nvSpPr>
+        <p:spPr>
+          <a:xfrm>
+            <a:off x="1219201" y="1447800"/>
+            <a:ext cx="4207042" cy="4572000"/>
+          </a:xfrm>
+        </p:spPr>
+        <p:txBody>
+          <a:bodyPr/>
+          <a:lstStyle/>
+          <a:p>
+            <a:r>
+              <a:rPr lang="en-US" dirty="0"/>
+              <a:t>CQRS is simply the creation of two objects where there was previously only one. The separation occurs based upon whether the methods are a command or a </a:t>
+            </a:r>
+            <a:r>
+              <a:rPr lang="en-US" dirty="0" smtClean="0"/>
+              <a:t>query</a:t>
+            </a:r>
+          </a:p>
+          <a:p>
+            <a:pPr algn="r"/>
+            <a:endParaRPr lang="es-ES" dirty="0"/>
+          </a:p>
+        </p:txBody>
+      </p:sp>
+      <p:pic>
+        <p:nvPicPr>
+          <p:cNvPr id="3074" name="Picture 2" descr="http://martinfowler.com/bliki/images/cqrs/cqrs.png"/>
+          <p:cNvPicPr>
+            <a:picLocks noChangeAspect="1" noChangeArrowheads="1"/>
+          </p:cNvPicPr>
+          <p:nvPr/>
+        </p:nvPicPr>
+        <p:blipFill>
+          <a:blip r:embed="rId2">
+            <a:extLst>
+              <a:ext uri="{28A0092B-C50C-407E-A947-70E740481C1C}">
+                <a14:useLocalDpi xmlns:a14="http://schemas.microsoft.com/office/drawing/2010/main" val="0"/>
+              </a:ext>
+            </a:extLst>
+          </a:blip>
+          <a:srcRect/>
+          <a:stretch>
+            <a:fillRect/>
+          </a:stretch>
+        </p:blipFill>
+        <p:spPr bwMode="auto">
+          <a:xfrm>
+            <a:off x="5641975" y="1985043"/>
+            <a:ext cx="6067425" cy="4419600"/>
+          </a:xfrm>
+          <a:prstGeom prst="rect">
+            <a:avLst/>
+          </a:prstGeom>
+          <a:noFill/>
+          <a:extLst>
+            <a:ext uri="{909E8E84-426E-40DD-AFC4-6F175D3DCCD1}">
+              <a14:hiddenFill xmlns:a14="http://schemas.microsoft.com/office/drawing/2010/main">
+                <a:solidFill>
+                  <a:srgbClr val="FFFFFF"/>
+                </a:solidFill>
+              </a14:hiddenFill>
+            </a:ext>
+          </a:extLst>
+        </p:spPr>
+      </p:pic>
+    </p:spTree>
+    <p:extLst>
+      <p:ext uri="{BB962C8B-B14F-4D97-AF65-F5344CB8AC3E}">
+        <p14:creationId xmlns:p14="http://schemas.microsoft.com/office/powerpoint/2010/main" val="4070178371"/>
+      </p:ext>
+    </p:extLst>
+  </p:cSld>
+  <p:clrMapOvr>
+    <a:masterClrMapping/>
+  </p:clrMapOvr>
+  <p:timing>
+    <p:tnLst>
+      <p:par>
+        <p:cTn id="1" dur="indefinite" restart="never" nodeType="tmRoot"/>
+      </p:par>
+    </p:tnLst>
+  </p:timing>
+</p:sld>
+</file>
+
+<file path=ppt/slides/slide16.xml><?xml version="1.0" encoding="utf-8"?>
+<p:sld xmlns:a="http://schemas.openxmlformats.org/drawingml/2006/main" xmlns:r="http://schemas.openxmlformats.org/officeDocument/2006/relationships" xmlns:p="http://schemas.openxmlformats.org/presentationml/2006/main">
+  <p:cSld>
+    <p:spTree>
+      <p:nvGrpSpPr>
+        <p:cNvPr id="1" name=""/>
+        <p:cNvGrpSpPr/>
+        <p:nvPr/>
+      </p:nvGrpSpPr>
+      <p:grpSpPr>
+        <a:xfrm>
+          <a:off x="0" y="0"/>
+          <a:ext cx="0" cy="0"/>
+          <a:chOff x="0" y="0"/>
+          <a:chExt cx="0" cy="0"/>
+        </a:xfrm>
+      </p:grpSpPr>
+      <p:sp>
+        <p:nvSpPr>
+          <p:cNvPr id="2" name="1 Título"/>
+          <p:cNvSpPr>
+            <a:spLocks noGrp="1"/>
+          </p:cNvSpPr>
+          <p:nvPr>
+            <p:ph type="title"/>
+          </p:nvPr>
+        </p:nvSpPr>
+        <p:spPr/>
+        <p:txBody>
+          <a:bodyPr/>
+          <a:lstStyle/>
+          <a:p>
+            <a:r>
+              <a:rPr lang="en-US" dirty="0" smtClean="0"/>
+              <a:t>CQRS</a:t>
+            </a:r>
+            <a:endParaRPr lang="es-ES" dirty="0"/>
+          </a:p>
+        </p:txBody>
+      </p:sp>
+      <p:sp>
+        <p:nvSpPr>
+          <p:cNvPr id="3" name="2 Marcador de contenido"/>
+          <p:cNvSpPr>
+            <a:spLocks noGrp="1"/>
+          </p:cNvSpPr>
+          <p:nvPr>
+            <p:ph sz="quarter" idx="1"/>
+          </p:nvPr>
+        </p:nvSpPr>
+        <p:spPr>
+          <a:xfrm>
+            <a:off x="1219200" y="1447800"/>
+            <a:ext cx="10258925" cy="4572000"/>
+          </a:xfrm>
+        </p:spPr>
+        <p:txBody>
+          <a:bodyPr/>
+          <a:lstStyle/>
+          <a:p>
+            <a:r>
+              <a:rPr lang="en-US" dirty="0" smtClean="0"/>
+              <a:t>Responsibility Segregation</a:t>
+            </a:r>
+          </a:p>
+          <a:p>
+            <a:r>
+              <a:rPr lang="en-US" dirty="0" smtClean="0"/>
+              <a:t>Task based UI</a:t>
+            </a:r>
+          </a:p>
+          <a:p>
+            <a:r>
+              <a:rPr lang="en-US" dirty="0" smtClean="0"/>
+              <a:t>Event Sourcing</a:t>
+            </a:r>
+          </a:p>
+          <a:p>
+            <a:r>
+              <a:rPr lang="en-US" dirty="0" smtClean="0"/>
+              <a:t>Messaging Patterns</a:t>
+            </a:r>
+          </a:p>
+          <a:p>
+            <a:r>
+              <a:rPr lang="en-US" dirty="0" smtClean="0"/>
+              <a:t>Eventual Consistency</a:t>
+            </a:r>
+          </a:p>
+          <a:p>
+            <a:endParaRPr lang="en-US" dirty="0" smtClean="0"/>
+          </a:p>
           <a:p>
             <a:pPr marL="0" indent="0">
               <a:buNone/>
             </a:pPr>
             <a:r>
+              <a:rPr lang="en-US" dirty="0" smtClean="0"/>
+              <a:t>Greg Young</a:t>
+            </a:r>
+            <a:endParaRPr lang="en-US" dirty="0"/>
+          </a:p>
+          <a:p>
+            <a:pPr marL="0" indent="0">
+              <a:buNone/>
+            </a:pPr>
+            <a:r>
+              <a:rPr lang="en-US" sz="2000" dirty="0"/>
+              <a:t>http://codebetter.com/gregyoung/2010/02/16/cqrs-task-based-uis-event-sourcing-agh/</a:t>
+            </a:r>
+            <a:endParaRPr lang="en-US" sz="2000" dirty="0" smtClean="0"/>
+          </a:p>
+          <a:p>
+            <a:pPr algn="r"/>
+            <a:endParaRPr lang="es-ES" dirty="0"/>
+          </a:p>
+        </p:txBody>
+      </p:sp>
+    </p:spTree>
+    <p:extLst>
+      <p:ext uri="{BB962C8B-B14F-4D97-AF65-F5344CB8AC3E}">
+        <p14:creationId xmlns:p14="http://schemas.microsoft.com/office/powerpoint/2010/main" val="187045800"/>
+      </p:ext>
+    </p:extLst>
+  </p:cSld>
+  <p:clrMapOvr>
+    <a:masterClrMapping/>
+  </p:clrMapOvr>
+  <p:timing>
+    <p:tnLst>
+      <p:par>
+        <p:cTn id="1" dur="indefinite" restart="never" nodeType="tmRoot"/>
+      </p:par>
+    </p:tnLst>
+  </p:timing>
+</p:sld>
+</file>
+
+<file path=ppt/slides/slide17.xml><?xml version="1.0" encoding="utf-8"?>
+<p:sld xmlns:a="http://schemas.openxmlformats.org/drawingml/2006/main" xmlns:r="http://schemas.openxmlformats.org/officeDocument/2006/relationships" xmlns:p="http://schemas.openxmlformats.org/presentationml/2006/main">
+  <p:cSld>
+    <p:spTree>
+      <p:nvGrpSpPr>
+        <p:cNvPr id="1" name=""/>
+        <p:cNvGrpSpPr/>
+        <p:nvPr/>
+      </p:nvGrpSpPr>
+      <p:grpSpPr>
+        <a:xfrm>
+          <a:off x="0" y="0"/>
+          <a:ext cx="0" cy="0"/>
+          <a:chOff x="0" y="0"/>
+          <a:chExt cx="0" cy="0"/>
+        </a:xfrm>
+      </p:grpSpPr>
+      <p:sp>
+        <p:nvSpPr>
+          <p:cNvPr id="2" name="1 Título"/>
+          <p:cNvSpPr>
+            <a:spLocks noGrp="1"/>
+          </p:cNvSpPr>
+          <p:nvPr>
+            <p:ph type="title"/>
+          </p:nvPr>
+        </p:nvSpPr>
+        <p:spPr/>
+        <p:txBody>
+          <a:bodyPr/>
+          <a:lstStyle/>
+          <a:p>
+            <a:r>
+              <a:rPr lang="en-US" dirty="0" smtClean="0"/>
+              <a:t>Functional Programming</a:t>
+            </a:r>
+            <a:endParaRPr lang="es-ES" dirty="0"/>
+          </a:p>
+        </p:txBody>
+      </p:sp>
+      <p:sp>
+        <p:nvSpPr>
+          <p:cNvPr id="3" name="2 Marcador de contenido"/>
+          <p:cNvSpPr>
+            <a:spLocks noGrp="1"/>
+          </p:cNvSpPr>
+          <p:nvPr>
+            <p:ph sz="quarter" idx="1"/>
+          </p:nvPr>
+        </p:nvSpPr>
+        <p:spPr>
+          <a:xfrm>
+            <a:off x="1219200" y="1447801"/>
+            <a:ext cx="10363200" cy="886325"/>
+          </a:xfrm>
+        </p:spPr>
+        <p:txBody>
+          <a:bodyPr>
+            <a:normAutofit fontScale="92500"/>
+          </a:bodyPr>
+          <a:lstStyle/>
+          <a:p>
+            <a:r>
+              <a:rPr lang="en-US" dirty="0" smtClean="0"/>
+              <a:t>Is a programming paradigm that treats computation as the evaluation of mathematical functions and avoids changing state and mutable data</a:t>
+            </a:r>
+          </a:p>
+          <a:p>
+            <a:pPr marL="0" indent="0">
+              <a:buNone/>
+            </a:pPr>
+            <a:endParaRPr lang="en-US" dirty="0" smtClean="0"/>
+          </a:p>
+        </p:txBody>
+      </p:sp>
+      <p:graphicFrame>
+        <p:nvGraphicFramePr>
+          <p:cNvPr id="4" name="3 Tabla"/>
+          <p:cNvGraphicFramePr>
+            <a:graphicFrameLocks noGrp="1"/>
+          </p:cNvGraphicFramePr>
+          <p:nvPr>
+            <p:extLst>
+              <p:ext uri="{D42A27DB-BD31-4B8C-83A1-F6EECF244321}">
+                <p14:modId xmlns:p14="http://schemas.microsoft.com/office/powerpoint/2010/main" val="1504778000"/>
+              </p:ext>
+            </p:extLst>
+          </p:nvPr>
+        </p:nvGraphicFramePr>
+        <p:xfrm>
+          <a:off x="673767" y="2548466"/>
+          <a:ext cx="10744200" cy="3752190"/>
+        </p:xfrm>
+        <a:graphic>
+          <a:graphicData uri="http://schemas.openxmlformats.org/drawingml/2006/table">
+            <a:tbl>
+              <a:tblPr firstRow="1" bandRow="1">
+                <a:tableStyleId>{5C22544A-7EE6-4342-B048-85BDC9FD1C3A}</a:tableStyleId>
+              </a:tblPr>
+              <a:tblGrid>
+                <a:gridCol w="1949117"/>
+                <a:gridCol w="4094319"/>
+                <a:gridCol w="4700764"/>
+              </a:tblGrid>
+              <a:tr h="595935">
+                <a:tc>
+                  <a:txBody>
+                    <a:bodyPr/>
+                    <a:lstStyle/>
+                    <a:p>
+                      <a:r>
+                        <a:rPr lang="en-US" dirty="0" smtClean="0"/>
+                        <a:t>Characteristic</a:t>
+                      </a:r>
+                      <a:endParaRPr lang="es-ES" dirty="0"/>
+                    </a:p>
+                  </a:txBody>
+                  <a:tcPr/>
+                </a:tc>
+                <a:tc>
+                  <a:txBody>
+                    <a:bodyPr/>
+                    <a:lstStyle/>
+                    <a:p>
+                      <a:r>
+                        <a:rPr lang="en-US" dirty="0" smtClean="0"/>
+                        <a:t>Imperative</a:t>
+                      </a:r>
+                      <a:endParaRPr lang="es-ES" dirty="0"/>
+                    </a:p>
+                  </a:txBody>
+                  <a:tcPr/>
+                </a:tc>
+                <a:tc>
+                  <a:txBody>
+                    <a:bodyPr/>
+                    <a:lstStyle/>
+                    <a:p>
+                      <a:r>
+                        <a:rPr lang="en-US" dirty="0" smtClean="0"/>
+                        <a:t>Functional</a:t>
+                      </a:r>
+                      <a:endParaRPr lang="es-ES" dirty="0"/>
+                    </a:p>
+                  </a:txBody>
+                  <a:tcPr/>
+                </a:tc>
+              </a:tr>
+              <a:tr h="595935">
+                <a:tc>
+                  <a:txBody>
+                    <a:bodyPr/>
+                    <a:lstStyle/>
+                    <a:p>
+                      <a:r>
+                        <a:rPr lang="en-US" dirty="0" smtClean="0"/>
+                        <a:t>Focus</a:t>
+                      </a:r>
+                      <a:endParaRPr lang="es-ES" dirty="0"/>
+                    </a:p>
+                  </a:txBody>
+                  <a:tcPr/>
+                </a:tc>
+                <a:tc>
+                  <a:txBody>
+                    <a:bodyPr/>
+                    <a:lstStyle/>
+                    <a:p>
+                      <a:r>
+                        <a:rPr lang="en-US" dirty="0" smtClean="0"/>
+                        <a:t>How to perform tasks and track change in state</a:t>
+                      </a:r>
+                      <a:endParaRPr lang="es-ES" dirty="0"/>
+                    </a:p>
+                  </a:txBody>
+                  <a:tcPr/>
+                </a:tc>
+                <a:tc>
+                  <a:txBody>
+                    <a:bodyPr/>
+                    <a:lstStyle/>
+                    <a:p>
+                      <a:r>
+                        <a:rPr lang="en-US" dirty="0" smtClean="0"/>
+                        <a:t>What information is desired and what transformations are required</a:t>
+                      </a:r>
+                      <a:endParaRPr lang="es-ES" dirty="0"/>
+                    </a:p>
+                  </a:txBody>
+                  <a:tcPr/>
+                </a:tc>
+              </a:tr>
+              <a:tr h="595935">
+                <a:tc>
+                  <a:txBody>
+                    <a:bodyPr/>
+                    <a:lstStyle/>
+                    <a:p>
+                      <a:r>
+                        <a:rPr lang="en-US" dirty="0" smtClean="0"/>
+                        <a:t>State change</a:t>
+                      </a:r>
+                      <a:endParaRPr lang="es-ES" dirty="0"/>
+                    </a:p>
+                  </a:txBody>
+                  <a:tcPr/>
+                </a:tc>
+                <a:tc>
+                  <a:txBody>
+                    <a:bodyPr/>
+                    <a:lstStyle/>
+                    <a:p>
+                      <a:r>
+                        <a:rPr lang="en-US" dirty="0" smtClean="0"/>
+                        <a:t>Important</a:t>
+                      </a:r>
+                      <a:endParaRPr lang="es-ES" dirty="0"/>
+                    </a:p>
+                  </a:txBody>
+                  <a:tcPr/>
+                </a:tc>
+                <a:tc>
+                  <a:txBody>
+                    <a:bodyPr/>
+                    <a:lstStyle/>
+                    <a:p>
+                      <a:r>
+                        <a:rPr lang="en-US" dirty="0" smtClean="0"/>
+                        <a:t>Non-existent</a:t>
+                      </a:r>
+                      <a:endParaRPr lang="es-ES" dirty="0"/>
+                    </a:p>
+                  </a:txBody>
+                  <a:tcPr/>
+                </a:tc>
+              </a:tr>
+              <a:tr h="595935">
+                <a:tc>
+                  <a:txBody>
+                    <a:bodyPr/>
+                    <a:lstStyle/>
+                    <a:p>
+                      <a:r>
+                        <a:rPr lang="en-US" dirty="0" smtClean="0"/>
+                        <a:t>Order of execution</a:t>
+                      </a:r>
+                      <a:endParaRPr lang="es-ES" dirty="0"/>
+                    </a:p>
+                  </a:txBody>
+                  <a:tcPr/>
+                </a:tc>
+                <a:tc>
+                  <a:txBody>
+                    <a:bodyPr/>
+                    <a:lstStyle/>
+                    <a:p>
+                      <a:r>
+                        <a:rPr lang="en-US" dirty="0" smtClean="0"/>
+                        <a:t>Important</a:t>
+                      </a:r>
+                      <a:endParaRPr lang="es-ES" dirty="0"/>
+                    </a:p>
+                  </a:txBody>
+                  <a:tcPr/>
+                </a:tc>
+                <a:tc>
+                  <a:txBody>
+                    <a:bodyPr/>
+                    <a:lstStyle/>
+                    <a:p>
+                      <a:r>
+                        <a:rPr lang="en-US" dirty="0" smtClean="0"/>
+                        <a:t>Low importance</a:t>
+                      </a:r>
+                      <a:endParaRPr lang="es-ES" dirty="0"/>
+                    </a:p>
+                  </a:txBody>
+                  <a:tcPr/>
+                </a:tc>
+              </a:tr>
+              <a:tr h="595935">
+                <a:tc>
+                  <a:txBody>
+                    <a:bodyPr/>
+                    <a:lstStyle/>
+                    <a:p>
+                      <a:r>
+                        <a:rPr lang="en-US" dirty="0" smtClean="0"/>
+                        <a:t>Primary flow control</a:t>
+                      </a:r>
+                      <a:endParaRPr lang="es-ES" dirty="0"/>
+                    </a:p>
+                  </a:txBody>
+                  <a:tcPr/>
+                </a:tc>
+                <a:tc>
+                  <a:txBody>
+                    <a:bodyPr/>
+                    <a:lstStyle/>
+                    <a:p>
+                      <a:r>
+                        <a:rPr lang="en-US" dirty="0" smtClean="0"/>
+                        <a:t>Loops, conditionals and function calls</a:t>
+                      </a:r>
+                      <a:endParaRPr lang="es-ES" dirty="0"/>
+                    </a:p>
+                  </a:txBody>
+                  <a:tcPr/>
+                </a:tc>
+                <a:tc>
+                  <a:txBody>
+                    <a:bodyPr/>
+                    <a:lstStyle/>
+                    <a:p>
+                      <a:r>
+                        <a:rPr lang="en-US" dirty="0" smtClean="0"/>
+                        <a:t>Function calls</a:t>
+                      </a:r>
+                      <a:endParaRPr lang="es-ES" dirty="0"/>
+                    </a:p>
+                  </a:txBody>
+                  <a:tcPr/>
+                </a:tc>
+              </a:tr>
+              <a:tr h="595935">
+                <a:tc>
+                  <a:txBody>
+                    <a:bodyPr/>
+                    <a:lstStyle/>
+                    <a:p>
+                      <a:r>
+                        <a:rPr lang="en-US" dirty="0" smtClean="0"/>
+                        <a:t>Primary manipulation unit</a:t>
+                      </a:r>
+                      <a:endParaRPr lang="es-ES" dirty="0"/>
+                    </a:p>
+                  </a:txBody>
+                  <a:tcPr/>
+                </a:tc>
+                <a:tc>
+                  <a:txBody>
+                    <a:bodyPr/>
+                    <a:lstStyle/>
+                    <a:p>
+                      <a:r>
+                        <a:rPr lang="en-US" dirty="0" smtClean="0"/>
+                        <a:t>Instances of structures and classes</a:t>
+                      </a:r>
+                      <a:endParaRPr lang="es-ES" dirty="0"/>
+                    </a:p>
+                  </a:txBody>
+                  <a:tcPr/>
+                </a:tc>
+                <a:tc>
+                  <a:txBody>
+                    <a:bodyPr/>
+                    <a:lstStyle/>
+                    <a:p>
+                      <a:r>
+                        <a:rPr lang="en-US" dirty="0" smtClean="0"/>
+                        <a:t>Functions and data collections</a:t>
+                      </a:r>
+                      <a:endParaRPr lang="es-ES" dirty="0"/>
+                    </a:p>
+                  </a:txBody>
+                  <a:tcPr/>
+                </a:tc>
+              </a:tr>
+            </a:tbl>
+          </a:graphicData>
+        </a:graphic>
+      </p:graphicFrame>
+    </p:spTree>
+    <p:extLst>
+      <p:ext uri="{BB962C8B-B14F-4D97-AF65-F5344CB8AC3E}">
+        <p14:creationId xmlns:p14="http://schemas.microsoft.com/office/powerpoint/2010/main" val="2456586473"/>
+      </p:ext>
+    </p:extLst>
+  </p:cSld>
+  <p:clrMapOvr>
+    <a:masterClrMapping/>
+  </p:clrMapOvr>
+  <p:timing>
+    <p:tnLst>
+      <p:par>
+        <p:cTn id="1" dur="indefinite" restart="never" nodeType="tmRoot"/>
+      </p:par>
+    </p:tnLst>
+  </p:timing>
+</p:sld>
+</file>
+
+<file path=ppt/slides/slide18.xml><?xml version="1.0" encoding="utf-8"?>
+<p:sld xmlns:a="http://schemas.openxmlformats.org/drawingml/2006/main" xmlns:r="http://schemas.openxmlformats.org/officeDocument/2006/relationships" xmlns:p="http://schemas.openxmlformats.org/presentationml/2006/main">
+  <p:cSld>
+    <p:spTree>
+      <p:nvGrpSpPr>
+        <p:cNvPr id="1" name=""/>
+        <p:cNvGrpSpPr/>
+        <p:nvPr/>
+      </p:nvGrpSpPr>
+      <p:grpSpPr>
+        <a:xfrm>
+          <a:off x="0" y="0"/>
+          <a:ext cx="0" cy="0"/>
+          <a:chOff x="0" y="0"/>
+          <a:chExt cx="0" cy="0"/>
+        </a:xfrm>
+      </p:grpSpPr>
+      <p:sp>
+        <p:nvSpPr>
+          <p:cNvPr id="2" name="1 Título"/>
+          <p:cNvSpPr>
+            <a:spLocks noGrp="1"/>
+          </p:cNvSpPr>
+          <p:nvPr>
+            <p:ph type="title"/>
+          </p:nvPr>
+        </p:nvSpPr>
+        <p:spPr/>
+        <p:txBody>
+          <a:bodyPr/>
+          <a:lstStyle/>
+          <a:p>
+            <a:r>
+              <a:rPr lang="en-US" dirty="0" smtClean="0"/>
+              <a:t>Data Persistence</a:t>
+            </a:r>
+            <a:endParaRPr lang="es-ES" dirty="0"/>
+          </a:p>
+        </p:txBody>
+      </p:sp>
+      <p:sp>
+        <p:nvSpPr>
+          <p:cNvPr id="3" name="2 Marcador de contenido"/>
+          <p:cNvSpPr>
+            <a:spLocks noGrp="1"/>
+          </p:cNvSpPr>
+          <p:nvPr>
+            <p:ph sz="quarter" idx="1"/>
+          </p:nvPr>
+        </p:nvSpPr>
+        <p:spPr/>
+        <p:txBody>
+          <a:bodyPr>
+            <a:normAutofit fontScale="92500" lnSpcReduction="10000"/>
+          </a:bodyPr>
+          <a:lstStyle/>
+          <a:p>
+            <a:pPr marL="0" indent="0">
+              <a:buNone/>
+            </a:pPr>
+            <a:r>
               <a:rPr lang="en-US" b="1" dirty="0" smtClean="0"/>
               <a:t>Data-Model</a:t>
             </a:r>
@@ -4065,8 +6593,8 @@
           </a:p>
           <a:p>
             <a:r>
-              <a:rPr lang="en-US" dirty="0" err="1" smtClean="0"/>
-              <a:t>Datawarehouse</a:t>
+              <a:rPr lang="en-US" dirty="0" smtClean="0"/>
+              <a:t>Hadoop</a:t>
             </a:r>
             <a:endParaRPr lang="en-US" dirty="0" smtClean="0"/>
           </a:p>
@@ -4093,7 +6621,7 @@
         </p:blipFill>
         <p:spPr bwMode="auto">
           <a:xfrm>
-            <a:off x="5317959" y="1062706"/>
+            <a:off x="6688640" y="1062706"/>
             <a:ext cx="1864894" cy="2366294"/>
           </a:xfrm>
           <a:prstGeom prst="rect">
@@ -4132,7 +6660,7 @@
         </p:blipFill>
         <p:spPr bwMode="auto">
           <a:xfrm>
-            <a:off x="7375358" y="1062707"/>
+            <a:off x="9049333" y="1062707"/>
             <a:ext cx="1920208" cy="2370627"/>
           </a:xfrm>
           <a:prstGeom prst="rect">
@@ -4173,8 +6701,8 @@
         </p:blipFill>
         <p:spPr bwMode="auto">
           <a:xfrm>
-            <a:off x="9648491" y="1062707"/>
-            <a:ext cx="2190750" cy="2190750"/>
+            <a:off x="9163174" y="5050208"/>
+            <a:ext cx="1692525" cy="1692525"/>
           </a:xfrm>
           <a:prstGeom prst="rect">
             <a:avLst/>
@@ -4214,7 +6742,7 @@
         </p:blipFill>
         <p:spPr bwMode="auto">
           <a:xfrm>
-            <a:off x="5946608" y="3838073"/>
+            <a:off x="6906712" y="3838073"/>
             <a:ext cx="1428750" cy="952500"/>
           </a:xfrm>
           <a:prstGeom prst="rect">
@@ -4255,7 +6783,7 @@
         </p:blipFill>
         <p:spPr bwMode="auto">
           <a:xfrm>
-            <a:off x="8237203" y="3578437"/>
+            <a:off x="8598150" y="3578437"/>
             <a:ext cx="2822575" cy="1471771"/>
           </a:xfrm>
           <a:prstGeom prst="rect">
@@ -4296,7 +6824,7 @@
         </p:blipFill>
         <p:spPr bwMode="auto">
           <a:xfrm>
-            <a:off x="7574966" y="5050208"/>
+            <a:off x="6913229" y="5050208"/>
             <a:ext cx="1520992" cy="1520992"/>
           </a:xfrm>
           <a:prstGeom prst="rect">
@@ -4334,701 +6862,6 @@
 </p:sld>
 </file>
 
-<file path=ppt/slides/slide12.xml><?xml version="1.0" encoding="utf-8"?>
-<p:sld xmlns:a="http://schemas.openxmlformats.org/drawingml/2006/main" xmlns:r="http://schemas.openxmlformats.org/officeDocument/2006/relationships" xmlns:p="http://schemas.openxmlformats.org/presentationml/2006/main">
-  <p:cSld>
-    <p:spTree>
-      <p:nvGrpSpPr>
-        <p:cNvPr id="1" name=""/>
-        <p:cNvGrpSpPr/>
-        <p:nvPr/>
-      </p:nvGrpSpPr>
-      <p:grpSpPr>
-        <a:xfrm>
-          <a:off x="0" y="0"/>
-          <a:ext cx="0" cy="0"/>
-          <a:chOff x="0" y="0"/>
-          <a:chExt cx="0" cy="0"/>
-        </a:xfrm>
-      </p:grpSpPr>
-      <p:sp>
-        <p:nvSpPr>
-          <p:cNvPr id="2" name="1 Título"/>
-          <p:cNvSpPr>
-            <a:spLocks noGrp="1"/>
-          </p:cNvSpPr>
-          <p:nvPr>
-            <p:ph type="title"/>
-          </p:nvPr>
-        </p:nvSpPr>
-        <p:spPr/>
-        <p:txBody>
-          <a:bodyPr/>
-          <a:lstStyle/>
-          <a:p>
-            <a:r>
-              <a:rPr lang="en-US" dirty="0" smtClean="0"/>
-              <a:t>Data Persistence</a:t>
-            </a:r>
-            <a:endParaRPr lang="es-ES" dirty="0"/>
-          </a:p>
-        </p:txBody>
-      </p:sp>
-      <p:sp>
-        <p:nvSpPr>
-          <p:cNvPr id="4" name="3 Marcador de contenido"/>
-          <p:cNvSpPr>
-            <a:spLocks noGrp="1"/>
-          </p:cNvSpPr>
-          <p:nvPr>
-            <p:ph sz="quarter" idx="1"/>
-          </p:nvPr>
-        </p:nvSpPr>
-        <p:spPr>
-          <a:xfrm>
-            <a:off x="1219200" y="1447800"/>
-            <a:ext cx="5241758" cy="4572000"/>
-          </a:xfrm>
-        </p:spPr>
-        <p:txBody>
-          <a:bodyPr>
-            <a:normAutofit/>
-          </a:bodyPr>
-          <a:lstStyle/>
-          <a:p>
-            <a:pPr marL="0" indent="0">
-              <a:buNone/>
-            </a:pPr>
-            <a:r>
-              <a:rPr lang="en-US" b="1" dirty="0"/>
-              <a:t>On-line </a:t>
-            </a:r>
-            <a:r>
-              <a:rPr lang="en-US" b="1" dirty="0" smtClean="0"/>
-              <a:t>Transaction Processing</a:t>
-            </a:r>
-          </a:p>
-          <a:p>
-            <a:r>
-              <a:rPr lang="en-US" dirty="0" smtClean="0"/>
-              <a:t>Operational data</a:t>
-            </a:r>
-          </a:p>
-          <a:p>
-            <a:r>
-              <a:rPr lang="en-US" dirty="0" smtClean="0"/>
-              <a:t>Control and run fundamental business tasks</a:t>
-            </a:r>
-            <a:endParaRPr lang="en-US" dirty="0"/>
-          </a:p>
-          <a:p>
-            <a:r>
-              <a:rPr lang="en-US" dirty="0" smtClean="0"/>
-              <a:t>Source of business facts</a:t>
-            </a:r>
-          </a:p>
-          <a:p>
-            <a:r>
-              <a:rPr lang="en-US" dirty="0" smtClean="0"/>
-              <a:t>Short and fast updates</a:t>
-            </a:r>
-            <a:endParaRPr lang="en-US" dirty="0"/>
-          </a:p>
-          <a:p>
-            <a:r>
-              <a:rPr lang="en-US" dirty="0" smtClean="0"/>
-              <a:t>Simple queries and short results</a:t>
-            </a:r>
-            <a:endParaRPr lang="en-US" dirty="0"/>
-          </a:p>
-          <a:p>
-            <a:r>
-              <a:rPr lang="en-US" dirty="0" smtClean="0"/>
-              <a:t>Requires small space</a:t>
-            </a:r>
-          </a:p>
-          <a:p>
-            <a:r>
-              <a:rPr lang="en-US" dirty="0" smtClean="0"/>
-              <a:t>Backup critical</a:t>
-            </a:r>
-            <a:endParaRPr lang="es-ES" dirty="0"/>
-          </a:p>
-        </p:txBody>
-      </p:sp>
-      <p:sp>
-        <p:nvSpPr>
-          <p:cNvPr id="6" name="5 Marcador de contenido"/>
-          <p:cNvSpPr>
-            <a:spLocks noGrp="1"/>
-          </p:cNvSpPr>
-          <p:nvPr>
-            <p:ph sz="quarter" idx="2"/>
-          </p:nvPr>
-        </p:nvSpPr>
-        <p:spPr>
-          <a:xfrm>
-            <a:off x="6578600" y="1447800"/>
-            <a:ext cx="5308600" cy="4572000"/>
-          </a:xfrm>
-        </p:spPr>
-        <p:txBody>
-          <a:bodyPr/>
-          <a:lstStyle/>
-          <a:p>
-            <a:pPr marL="0" indent="0">
-              <a:buNone/>
-            </a:pPr>
-            <a:r>
-              <a:rPr lang="en-US" b="1" dirty="0"/>
-              <a:t>On-line Analytical Processing</a:t>
-            </a:r>
-            <a:endParaRPr lang="en-US" b="1" dirty="0" smtClean="0"/>
-          </a:p>
-          <a:p>
-            <a:r>
-              <a:rPr lang="en-US" dirty="0" smtClean="0"/>
-              <a:t>Consolidation data</a:t>
-            </a:r>
-            <a:endParaRPr lang="en-US" dirty="0"/>
-          </a:p>
-          <a:p>
-            <a:r>
-              <a:rPr lang="en-US" dirty="0" smtClean="0"/>
-              <a:t>Planning, problem solving and decision support</a:t>
-            </a:r>
-          </a:p>
-          <a:p>
-            <a:r>
-              <a:rPr lang="en-US" dirty="0" smtClean="0"/>
-              <a:t>Multidimensional views</a:t>
-            </a:r>
-          </a:p>
-          <a:p>
-            <a:r>
-              <a:rPr lang="en-US" dirty="0" smtClean="0"/>
-              <a:t>Complex stream/batch updates</a:t>
-            </a:r>
-          </a:p>
-          <a:p>
-            <a:r>
-              <a:rPr lang="en-US" dirty="0" smtClean="0"/>
-              <a:t>Complex indexed queries</a:t>
-            </a:r>
-            <a:endParaRPr lang="en-US" dirty="0"/>
-          </a:p>
-          <a:p>
-            <a:r>
-              <a:rPr lang="en-US" dirty="0" smtClean="0"/>
-              <a:t>Large space, data duplication</a:t>
-            </a:r>
-          </a:p>
-          <a:p>
-            <a:r>
-              <a:rPr lang="en-US" dirty="0" smtClean="0"/>
-              <a:t>Derived from OLTP system</a:t>
-            </a:r>
-            <a:endParaRPr lang="en-US" dirty="0"/>
-          </a:p>
-          <a:p>
-            <a:endParaRPr lang="en-US" dirty="0" smtClean="0"/>
-          </a:p>
-        </p:txBody>
-      </p:sp>
-    </p:spTree>
-    <p:extLst>
-      <p:ext uri="{BB962C8B-B14F-4D97-AF65-F5344CB8AC3E}">
-        <p14:creationId xmlns:p14="http://schemas.microsoft.com/office/powerpoint/2010/main" val="2051132868"/>
-      </p:ext>
-    </p:extLst>
-  </p:cSld>
-  <p:clrMapOvr>
-    <a:masterClrMapping/>
-  </p:clrMapOvr>
-  <p:timing>
-    <p:tnLst>
-      <p:par>
-        <p:cTn id="1" dur="indefinite" restart="never" nodeType="tmRoot"/>
-      </p:par>
-    </p:tnLst>
-  </p:timing>
-</p:sld>
-</file>
-
-<file path=ppt/slides/slide13.xml><?xml version="1.0" encoding="utf-8"?>
-<p:sld xmlns:a="http://schemas.openxmlformats.org/drawingml/2006/main" xmlns:r="http://schemas.openxmlformats.org/officeDocument/2006/relationships" xmlns:p="http://schemas.openxmlformats.org/presentationml/2006/main">
-  <p:cSld>
-    <p:spTree>
-      <p:nvGrpSpPr>
-        <p:cNvPr id="1" name=""/>
-        <p:cNvGrpSpPr/>
-        <p:nvPr/>
-      </p:nvGrpSpPr>
-      <p:grpSpPr>
-        <a:xfrm>
-          <a:off x="0" y="0"/>
-          <a:ext cx="0" cy="0"/>
-          <a:chOff x="0" y="0"/>
-          <a:chExt cx="0" cy="0"/>
-        </a:xfrm>
-      </p:grpSpPr>
-      <p:sp>
-        <p:nvSpPr>
-          <p:cNvPr id="2" name="1 Título"/>
-          <p:cNvSpPr>
-            <a:spLocks noGrp="1"/>
-          </p:cNvSpPr>
-          <p:nvPr>
-            <p:ph type="title"/>
-          </p:nvPr>
-        </p:nvSpPr>
-        <p:spPr/>
-        <p:txBody>
-          <a:bodyPr/>
-          <a:lstStyle/>
-          <a:p>
-            <a:r>
-              <a:rPr lang="en-US" dirty="0" smtClean="0"/>
-              <a:t>Domain Driven Design</a:t>
-            </a:r>
-            <a:endParaRPr lang="es-ES" dirty="0"/>
-          </a:p>
-        </p:txBody>
-      </p:sp>
-      <p:sp>
-        <p:nvSpPr>
-          <p:cNvPr id="3" name="2 Marcador de contenido"/>
-          <p:cNvSpPr>
-            <a:spLocks noGrp="1"/>
-          </p:cNvSpPr>
-          <p:nvPr>
-            <p:ph sz="quarter" idx="1"/>
-          </p:nvPr>
-        </p:nvSpPr>
-        <p:spPr/>
-        <p:txBody>
-          <a:bodyPr/>
-          <a:lstStyle/>
-          <a:p>
-            <a:endParaRPr lang="es-ES"/>
-          </a:p>
-        </p:txBody>
-      </p:sp>
-    </p:spTree>
-    <p:extLst>
-      <p:ext uri="{BB962C8B-B14F-4D97-AF65-F5344CB8AC3E}">
-        <p14:creationId xmlns:p14="http://schemas.microsoft.com/office/powerpoint/2010/main" val="2506892404"/>
-      </p:ext>
-    </p:extLst>
-  </p:cSld>
-  <p:clrMapOvr>
-    <a:masterClrMapping/>
-  </p:clrMapOvr>
-  <p:timing>
-    <p:tnLst>
-      <p:par>
-        <p:cTn id="1" dur="indefinite" restart="never" nodeType="tmRoot"/>
-      </p:par>
-    </p:tnLst>
-  </p:timing>
-</p:sld>
-</file>
-
-<file path=ppt/slides/slide14.xml><?xml version="1.0" encoding="utf-8"?>
-<p:sld xmlns:a="http://schemas.openxmlformats.org/drawingml/2006/main" xmlns:r="http://schemas.openxmlformats.org/officeDocument/2006/relationships" xmlns:p="http://schemas.openxmlformats.org/presentationml/2006/main">
-  <p:cSld>
-    <p:spTree>
-      <p:nvGrpSpPr>
-        <p:cNvPr id="1" name=""/>
-        <p:cNvGrpSpPr/>
-        <p:nvPr/>
-      </p:nvGrpSpPr>
-      <p:grpSpPr>
-        <a:xfrm>
-          <a:off x="0" y="0"/>
-          <a:ext cx="0" cy="0"/>
-          <a:chOff x="0" y="0"/>
-          <a:chExt cx="0" cy="0"/>
-        </a:xfrm>
-      </p:grpSpPr>
-      <p:sp>
-        <p:nvSpPr>
-          <p:cNvPr id="2" name="1 Título"/>
-          <p:cNvSpPr>
-            <a:spLocks noGrp="1"/>
-          </p:cNvSpPr>
-          <p:nvPr>
-            <p:ph type="title"/>
-          </p:nvPr>
-        </p:nvSpPr>
-        <p:spPr/>
-        <p:txBody>
-          <a:bodyPr/>
-          <a:lstStyle/>
-          <a:p>
-            <a:r>
-              <a:rPr lang="en-US" dirty="0" smtClean="0"/>
-              <a:t>CQRS</a:t>
-            </a:r>
-            <a:endParaRPr lang="es-ES" dirty="0"/>
-          </a:p>
-        </p:txBody>
-      </p:sp>
-      <p:sp>
-        <p:nvSpPr>
-          <p:cNvPr id="3" name="2 Marcador de contenido"/>
-          <p:cNvSpPr>
-            <a:spLocks noGrp="1"/>
-          </p:cNvSpPr>
-          <p:nvPr>
-            <p:ph sz="quarter" idx="1"/>
-          </p:nvPr>
-        </p:nvSpPr>
-        <p:spPr/>
-        <p:txBody>
-          <a:bodyPr/>
-          <a:lstStyle/>
-          <a:p>
-            <a:endParaRPr lang="es-ES"/>
-          </a:p>
-        </p:txBody>
-      </p:sp>
-    </p:spTree>
-    <p:extLst>
-      <p:ext uri="{BB962C8B-B14F-4D97-AF65-F5344CB8AC3E}">
-        <p14:creationId xmlns:p14="http://schemas.microsoft.com/office/powerpoint/2010/main" val="4070178371"/>
-      </p:ext>
-    </p:extLst>
-  </p:cSld>
-  <p:clrMapOvr>
-    <a:masterClrMapping/>
-  </p:clrMapOvr>
-  <p:timing>
-    <p:tnLst>
-      <p:par>
-        <p:cTn id="1" dur="indefinite" restart="never" nodeType="tmRoot"/>
-      </p:par>
-    </p:tnLst>
-  </p:timing>
-</p:sld>
-</file>
-
-<file path=ppt/slides/slide15.xml><?xml version="1.0" encoding="utf-8"?>
-<p:sld xmlns:a="http://schemas.openxmlformats.org/drawingml/2006/main" xmlns:r="http://schemas.openxmlformats.org/officeDocument/2006/relationships" xmlns:p="http://schemas.openxmlformats.org/presentationml/2006/main">
-  <p:cSld>
-    <p:spTree>
-      <p:nvGrpSpPr>
-        <p:cNvPr id="1" name=""/>
-        <p:cNvGrpSpPr/>
-        <p:nvPr/>
-      </p:nvGrpSpPr>
-      <p:grpSpPr>
-        <a:xfrm>
-          <a:off x="0" y="0"/>
-          <a:ext cx="0" cy="0"/>
-          <a:chOff x="0" y="0"/>
-          <a:chExt cx="0" cy="0"/>
-        </a:xfrm>
-      </p:grpSpPr>
-      <p:sp>
-        <p:nvSpPr>
-          <p:cNvPr id="2" name="1 Título"/>
-          <p:cNvSpPr>
-            <a:spLocks noGrp="1"/>
-          </p:cNvSpPr>
-          <p:nvPr>
-            <p:ph type="title"/>
-          </p:nvPr>
-        </p:nvSpPr>
-        <p:spPr/>
-        <p:txBody>
-          <a:bodyPr/>
-          <a:lstStyle/>
-          <a:p>
-            <a:r>
-              <a:rPr lang="en-US" dirty="0" smtClean="0"/>
-              <a:t>Functional Programming</a:t>
-            </a:r>
-            <a:endParaRPr lang="es-ES" dirty="0"/>
-          </a:p>
-        </p:txBody>
-      </p:sp>
-      <p:sp>
-        <p:nvSpPr>
-          <p:cNvPr id="3" name="2 Marcador de contenido"/>
-          <p:cNvSpPr>
-            <a:spLocks noGrp="1"/>
-          </p:cNvSpPr>
-          <p:nvPr>
-            <p:ph sz="quarter" idx="1"/>
-          </p:nvPr>
-        </p:nvSpPr>
-        <p:spPr/>
-        <p:txBody>
-          <a:bodyPr/>
-          <a:lstStyle/>
-          <a:p>
-            <a:endParaRPr lang="es-ES"/>
-          </a:p>
-        </p:txBody>
-      </p:sp>
-    </p:spTree>
-    <p:extLst>
-      <p:ext uri="{BB962C8B-B14F-4D97-AF65-F5344CB8AC3E}">
-        <p14:creationId xmlns:p14="http://schemas.microsoft.com/office/powerpoint/2010/main" val="2456586473"/>
-      </p:ext>
-    </p:extLst>
-  </p:cSld>
-  <p:clrMapOvr>
-    <a:masterClrMapping/>
-  </p:clrMapOvr>
-  <p:timing>
-    <p:tnLst>
-      <p:par>
-        <p:cTn id="1" dur="indefinite" restart="never" nodeType="tmRoot"/>
-      </p:par>
-    </p:tnLst>
-  </p:timing>
-</p:sld>
-</file>
-
-<file path=ppt/slides/slide16.xml><?xml version="1.0" encoding="utf-8"?>
-<p:sld xmlns:a="http://schemas.openxmlformats.org/drawingml/2006/main" xmlns:r="http://schemas.openxmlformats.org/officeDocument/2006/relationships" xmlns:p="http://schemas.openxmlformats.org/presentationml/2006/main">
-  <p:cSld>
-    <p:spTree>
-      <p:nvGrpSpPr>
-        <p:cNvPr id="1" name=""/>
-        <p:cNvGrpSpPr/>
-        <p:nvPr/>
-      </p:nvGrpSpPr>
-      <p:grpSpPr>
-        <a:xfrm>
-          <a:off x="0" y="0"/>
-          <a:ext cx="0" cy="0"/>
-          <a:chOff x="0" y="0"/>
-          <a:chExt cx="0" cy="0"/>
-        </a:xfrm>
-      </p:grpSpPr>
-      <p:sp>
-        <p:nvSpPr>
-          <p:cNvPr id="2" name="1 Título"/>
-          <p:cNvSpPr>
-            <a:spLocks noGrp="1"/>
-          </p:cNvSpPr>
-          <p:nvPr>
-            <p:ph type="title"/>
-          </p:nvPr>
-        </p:nvSpPr>
-        <p:spPr/>
-        <p:txBody>
-          <a:bodyPr/>
-          <a:lstStyle/>
-          <a:p>
-            <a:r>
-              <a:rPr lang="en-US" dirty="0" smtClean="0"/>
-              <a:t>Actors Model</a:t>
-            </a:r>
-            <a:endParaRPr lang="es-ES" dirty="0"/>
-          </a:p>
-        </p:txBody>
-      </p:sp>
-      <p:sp>
-        <p:nvSpPr>
-          <p:cNvPr id="3" name="2 Marcador de contenido"/>
-          <p:cNvSpPr>
-            <a:spLocks noGrp="1"/>
-          </p:cNvSpPr>
-          <p:nvPr>
-            <p:ph sz="quarter" idx="1"/>
-          </p:nvPr>
-        </p:nvSpPr>
-        <p:spPr/>
-        <p:txBody>
-          <a:bodyPr/>
-          <a:lstStyle/>
-          <a:p>
-            <a:endParaRPr lang="es-ES"/>
-          </a:p>
-        </p:txBody>
-      </p:sp>
-    </p:spTree>
-    <p:extLst>
-      <p:ext uri="{BB962C8B-B14F-4D97-AF65-F5344CB8AC3E}">
-        <p14:creationId xmlns:p14="http://schemas.microsoft.com/office/powerpoint/2010/main" val="2102007711"/>
-      </p:ext>
-    </p:extLst>
-  </p:cSld>
-  <p:clrMapOvr>
-    <a:masterClrMapping/>
-  </p:clrMapOvr>
-  <p:timing>
-    <p:tnLst>
-      <p:par>
-        <p:cTn id="1" dur="indefinite" restart="never" nodeType="tmRoot"/>
-      </p:par>
-    </p:tnLst>
-  </p:timing>
-</p:sld>
-</file>
-
-<file path=ppt/slides/slide17.xml><?xml version="1.0" encoding="utf-8"?>
-<p:sld xmlns:a="http://schemas.openxmlformats.org/drawingml/2006/main" xmlns:r="http://schemas.openxmlformats.org/officeDocument/2006/relationships" xmlns:p="http://schemas.openxmlformats.org/presentationml/2006/main">
-  <p:cSld>
-    <p:spTree>
-      <p:nvGrpSpPr>
-        <p:cNvPr id="1" name=""/>
-        <p:cNvGrpSpPr/>
-        <p:nvPr/>
-      </p:nvGrpSpPr>
-      <p:grpSpPr>
-        <a:xfrm>
-          <a:off x="0" y="0"/>
-          <a:ext cx="0" cy="0"/>
-          <a:chOff x="0" y="0"/>
-          <a:chExt cx="0" cy="0"/>
-        </a:xfrm>
-      </p:grpSpPr>
-      <p:sp>
-        <p:nvSpPr>
-          <p:cNvPr id="2" name="1 Título"/>
-          <p:cNvSpPr>
-            <a:spLocks noGrp="1"/>
-          </p:cNvSpPr>
-          <p:nvPr>
-            <p:ph type="title"/>
-          </p:nvPr>
-        </p:nvSpPr>
-        <p:spPr/>
-        <p:txBody>
-          <a:bodyPr/>
-          <a:lstStyle/>
-          <a:p>
-            <a:r>
-              <a:rPr lang="en-US" dirty="0" smtClean="0"/>
-              <a:t>Data Visualization</a:t>
-            </a:r>
-            <a:endParaRPr lang="es-ES" dirty="0"/>
-          </a:p>
-        </p:txBody>
-      </p:sp>
-      <p:sp>
-        <p:nvSpPr>
-          <p:cNvPr id="3" name="2 Marcador de contenido"/>
-          <p:cNvSpPr>
-            <a:spLocks noGrp="1"/>
-          </p:cNvSpPr>
-          <p:nvPr>
-            <p:ph sz="quarter" idx="1"/>
-          </p:nvPr>
-        </p:nvSpPr>
-        <p:spPr/>
-        <p:txBody>
-          <a:bodyPr/>
-          <a:lstStyle/>
-          <a:p>
-            <a:endParaRPr lang="es-ES"/>
-          </a:p>
-        </p:txBody>
-      </p:sp>
-    </p:spTree>
-    <p:extLst>
-      <p:ext uri="{BB962C8B-B14F-4D97-AF65-F5344CB8AC3E}">
-        <p14:creationId xmlns:p14="http://schemas.microsoft.com/office/powerpoint/2010/main" val="980619019"/>
-      </p:ext>
-    </p:extLst>
-  </p:cSld>
-  <p:clrMapOvr>
-    <a:masterClrMapping/>
-  </p:clrMapOvr>
-  <p:timing>
-    <p:tnLst>
-      <p:par>
-        <p:cTn id="1" dur="indefinite" restart="never" nodeType="tmRoot"/>
-      </p:par>
-    </p:tnLst>
-  </p:timing>
-</p:sld>
-</file>
-
-<file path=ppt/slides/slide18.xml><?xml version="1.0" encoding="utf-8"?>
-<p:sld xmlns:a="http://schemas.openxmlformats.org/drawingml/2006/main" xmlns:r="http://schemas.openxmlformats.org/officeDocument/2006/relationships" xmlns:p="http://schemas.openxmlformats.org/presentationml/2006/main">
-  <p:cSld>
-    <p:spTree>
-      <p:nvGrpSpPr>
-        <p:cNvPr id="1" name=""/>
-        <p:cNvGrpSpPr/>
-        <p:nvPr/>
-      </p:nvGrpSpPr>
-      <p:grpSpPr>
-        <a:xfrm>
-          <a:off x="0" y="0"/>
-          <a:ext cx="0" cy="0"/>
-          <a:chOff x="0" y="0"/>
-          <a:chExt cx="0" cy="0"/>
-        </a:xfrm>
-      </p:grpSpPr>
-      <p:sp>
-        <p:nvSpPr>
-          <p:cNvPr id="2" name="1 Título"/>
-          <p:cNvSpPr>
-            <a:spLocks noGrp="1"/>
-          </p:cNvSpPr>
-          <p:nvPr>
-            <p:ph type="title"/>
-          </p:nvPr>
-        </p:nvSpPr>
-        <p:spPr/>
-        <p:txBody>
-          <a:bodyPr/>
-          <a:lstStyle/>
-          <a:p>
-            <a:r>
-              <a:rPr lang="en-US" dirty="0" smtClean="0"/>
-              <a:t>HTTP and REST</a:t>
-            </a:r>
-            <a:endParaRPr lang="es-ES" dirty="0"/>
-          </a:p>
-        </p:txBody>
-      </p:sp>
-      <p:sp>
-        <p:nvSpPr>
-          <p:cNvPr id="3" name="2 Marcador de contenido"/>
-          <p:cNvSpPr>
-            <a:spLocks noGrp="1"/>
-          </p:cNvSpPr>
-          <p:nvPr>
-            <p:ph sz="quarter" idx="1"/>
-          </p:nvPr>
-        </p:nvSpPr>
-        <p:spPr/>
-        <p:txBody>
-          <a:bodyPr/>
-          <a:lstStyle/>
-          <a:p>
-            <a:endParaRPr lang="es-ES"/>
-          </a:p>
-        </p:txBody>
-      </p:sp>
-    </p:spTree>
-    <p:extLst>
-      <p:ext uri="{BB962C8B-B14F-4D97-AF65-F5344CB8AC3E}">
-        <p14:creationId xmlns:p14="http://schemas.microsoft.com/office/powerpoint/2010/main" val="3232929249"/>
-      </p:ext>
-    </p:extLst>
-  </p:cSld>
-  <p:clrMapOvr>
-    <a:masterClrMapping/>
-  </p:clrMapOvr>
-  <p:timing>
-    <p:tnLst>
-      <p:par>
-        <p:cTn id="1" dur="indefinite" restart="never" nodeType="tmRoot"/>
-      </p:par>
-    </p:tnLst>
-  </p:timing>
-</p:sld>
-</file>
-
 <file path=ppt/slides/slide19.xml><?xml version="1.0" encoding="utf-8"?>
 <p:sld xmlns:a="http://schemas.openxmlformats.org/drawingml/2006/main" xmlns:r="http://schemas.openxmlformats.org/officeDocument/2006/relationships" xmlns:p="http://schemas.openxmlformats.org/presentationml/2006/main">
   <p:cSld>
@@ -5063,7 +6896,7 @@
           <a:p>
             <a:r>
               <a:rPr lang="en-US" dirty="0" smtClean="0"/>
-              <a:t>Azure IaaS and PaaS</a:t>
+              <a:t>Data Persistence</a:t>
             </a:r>
             <a:endParaRPr lang="es-ES" dirty="0"/>
           </a:p>
@@ -5071,7 +6904,7 @@
       </p:sp>
       <p:sp>
         <p:nvSpPr>
-          <p:cNvPr id="3" name="2 Marcador de contenido"/>
+          <p:cNvPr id="4" name="3 Marcador de contenido"/>
           <p:cNvSpPr>
             <a:spLocks noGrp="1"/>
           </p:cNvSpPr>
@@ -5079,19 +6912,161 @@
             <p:ph sz="quarter" idx="1"/>
           </p:nvPr>
         </p:nvSpPr>
-        <p:spPr/>
+        <p:spPr>
+          <a:xfrm>
+            <a:off x="1219200" y="1447800"/>
+            <a:ext cx="5241758" cy="4572000"/>
+          </a:xfrm>
+        </p:spPr>
+        <p:txBody>
+          <a:bodyPr>
+            <a:normAutofit/>
+          </a:bodyPr>
+          <a:lstStyle/>
+          <a:p>
+            <a:pPr marL="0" indent="0">
+              <a:buNone/>
+            </a:pPr>
+            <a:r>
+              <a:rPr lang="en-US" b="1" dirty="0"/>
+              <a:t>On-line </a:t>
+            </a:r>
+            <a:r>
+              <a:rPr lang="en-US" b="1" dirty="0" smtClean="0"/>
+              <a:t>Transaction Processing</a:t>
+            </a:r>
+          </a:p>
+          <a:p>
+            <a:r>
+              <a:rPr lang="en-US" dirty="0" smtClean="0"/>
+              <a:t>Operational data</a:t>
+            </a:r>
+          </a:p>
+          <a:p>
+            <a:r>
+              <a:rPr lang="en-US" dirty="0" smtClean="0"/>
+              <a:t>Control and run fundamental business tasks</a:t>
+            </a:r>
+            <a:endParaRPr lang="en-US" dirty="0"/>
+          </a:p>
+          <a:p>
+            <a:r>
+              <a:rPr lang="en-US" dirty="0" smtClean="0"/>
+              <a:t>Source of business facts</a:t>
+            </a:r>
+          </a:p>
+          <a:p>
+            <a:r>
+              <a:rPr lang="en-US" dirty="0" smtClean="0"/>
+              <a:t>Short and fast updates</a:t>
+            </a:r>
+            <a:endParaRPr lang="en-US" dirty="0"/>
+          </a:p>
+          <a:p>
+            <a:r>
+              <a:rPr lang="en-US" dirty="0" smtClean="0"/>
+              <a:t>Simple queries and short results</a:t>
+            </a:r>
+            <a:endParaRPr lang="en-US" dirty="0"/>
+          </a:p>
+          <a:p>
+            <a:r>
+              <a:rPr lang="en-US" dirty="0" smtClean="0"/>
+              <a:t>Requires small space</a:t>
+            </a:r>
+          </a:p>
+          <a:p>
+            <a:r>
+              <a:rPr lang="en-US" dirty="0" smtClean="0"/>
+              <a:t>Backup critical</a:t>
+            </a:r>
+            <a:endParaRPr lang="es-ES" dirty="0"/>
+          </a:p>
+        </p:txBody>
+      </p:sp>
+      <p:sp>
+        <p:nvSpPr>
+          <p:cNvPr id="6" name="5 Marcador de contenido"/>
+          <p:cNvSpPr>
+            <a:spLocks noGrp="1"/>
+          </p:cNvSpPr>
+          <p:nvPr>
+            <p:ph sz="quarter" idx="2"/>
+          </p:nvPr>
+        </p:nvSpPr>
+        <p:spPr>
+          <a:xfrm>
+            <a:off x="6578600" y="1447800"/>
+            <a:ext cx="5308600" cy="4572000"/>
+          </a:xfrm>
+        </p:spPr>
         <p:txBody>
           <a:bodyPr/>
           <a:lstStyle/>
           <a:p>
-            <a:endParaRPr lang="es-ES"/>
+            <a:pPr marL="0" indent="0">
+              <a:buNone/>
+            </a:pPr>
+            <a:r>
+              <a:rPr lang="en-US" b="1" dirty="0"/>
+              <a:t>On-line Analytical Processing</a:t>
+            </a:r>
+            <a:endParaRPr lang="en-US" b="1" dirty="0" smtClean="0"/>
+          </a:p>
+          <a:p>
+            <a:r>
+              <a:rPr lang="en-US" dirty="0" smtClean="0"/>
+              <a:t>Consolidation data</a:t>
+            </a:r>
+            <a:endParaRPr lang="en-US" dirty="0"/>
+          </a:p>
+          <a:p>
+            <a:r>
+              <a:rPr lang="en-US" dirty="0" smtClean="0"/>
+              <a:t>Planning, problem solving and decision support</a:t>
+            </a:r>
+          </a:p>
+          <a:p>
+            <a:r>
+              <a:rPr lang="en-US" dirty="0" smtClean="0"/>
+              <a:t>Multidimensional views</a:t>
+            </a:r>
+          </a:p>
+          <a:p>
+            <a:r>
+              <a:rPr lang="en-US" dirty="0" smtClean="0"/>
+              <a:t>Complex stream/batch updates</a:t>
+            </a:r>
+          </a:p>
+          <a:p>
+            <a:r>
+              <a:rPr lang="en-US" dirty="0" smtClean="0"/>
+              <a:t>Complex indexed queries</a:t>
+            </a:r>
+            <a:endParaRPr lang="en-US" dirty="0"/>
+          </a:p>
+          <a:p>
+            <a:r>
+              <a:rPr lang="en-US" dirty="0" smtClean="0"/>
+              <a:t>Large space, data duplication</a:t>
+            </a:r>
+          </a:p>
+          <a:p>
+            <a:r>
+              <a:rPr lang="en-US" dirty="0" smtClean="0"/>
+              <a:t>Derived from OLTP system</a:t>
+            </a:r>
+            <a:endParaRPr lang="en-US" dirty="0"/>
+          </a:p>
+          <a:p>
+            <a:endParaRPr lang="en-US" dirty="0" smtClean="0"/>
           </a:p>
         </p:txBody>
       </p:sp>
     </p:spTree>
     <p:extLst>
       <p:ext uri="{BB962C8B-B14F-4D97-AF65-F5344CB8AC3E}">
-        <p14:creationId xmlns:p14="http://schemas.microsoft.com/office/powerpoint/2010/main" val="3468625466"/>
+        <p14:creationId xmlns:p14="http://schemas.microsoft.com/office/powerpoint/2010/main" val="2051132868"/>
       </p:ext>
     </p:extLst>
   </p:cSld>
@@ -5266,7 +7241,7 @@
           <a:p>
             <a:r>
               <a:rPr lang="en-US" dirty="0" smtClean="0"/>
-              <a:t>GIT and Source Control</a:t>
+              <a:t>Actors Model</a:t>
             </a:r>
             <a:endParaRPr lang="es-ES" dirty="0"/>
           </a:p>
@@ -5287,24 +7262,14 @@
           <a:bodyPr/>
           <a:lstStyle/>
           <a:p>
-            <a:r>
-              <a:rPr lang="en-US" dirty="0" smtClean="0"/>
-              <a:t>Operations</a:t>
-            </a:r>
-          </a:p>
-          <a:p>
-            <a:r>
-              <a:rPr lang="en-US" dirty="0" err="1" smtClean="0"/>
-              <a:t>GitFlow</a:t>
-            </a:r>
-            <a:endParaRPr lang="es-ES" dirty="0"/>
+            <a:endParaRPr lang="es-ES"/>
           </a:p>
         </p:txBody>
       </p:sp>
     </p:spTree>
     <p:extLst>
       <p:ext uri="{BB962C8B-B14F-4D97-AF65-F5344CB8AC3E}">
-        <p14:creationId xmlns:p14="http://schemas.microsoft.com/office/powerpoint/2010/main" val="2673204019"/>
+        <p14:creationId xmlns:p14="http://schemas.microsoft.com/office/powerpoint/2010/main" val="2102007711"/>
       </p:ext>
     </p:extLst>
   </p:cSld>
@@ -5340,7 +7305,7 @@
       </p:grpSpPr>
       <p:sp>
         <p:nvSpPr>
-          <p:cNvPr id="2" name="Título 1"/>
+          <p:cNvPr id="2" name="1 Título"/>
           <p:cNvSpPr>
             <a:spLocks noGrp="1"/>
           </p:cNvSpPr>
@@ -5354,24 +7319,8 @@
           <a:lstStyle/>
           <a:p>
             <a:r>
-              <a:rPr lang="es-ES" dirty="0" err="1"/>
-              <a:t>Distributed</a:t>
-            </a:r>
-            <a:r>
-              <a:rPr lang="es-ES" dirty="0"/>
-              <a:t> </a:t>
-            </a:r>
-            <a:r>
-              <a:rPr lang="es-ES" dirty="0" err="1"/>
-              <a:t>Application</a:t>
-            </a:r>
-            <a:r>
-              <a:rPr lang="es-ES" dirty="0"/>
-              <a:t> </a:t>
-            </a:r>
-            <a:r>
-              <a:rPr lang="es-ES" dirty="0" err="1"/>
-              <a:t>Architecture</a:t>
+              <a:rPr lang="en-US" dirty="0" smtClean="0"/>
+              <a:t>Data Visualization</a:t>
             </a:r>
             <a:endParaRPr lang="es-ES" dirty="0"/>
           </a:p>
@@ -5379,449 +7328,27 @@
       </p:sp>
       <p:sp>
         <p:nvSpPr>
-          <p:cNvPr id="4" name="CuadroTexto 3"/>
-          <p:cNvSpPr txBox="1"/>
-          <p:nvPr/>
-        </p:nvSpPr>
-        <p:spPr>
-          <a:xfrm>
-            <a:off x="5776639" y="4934257"/>
-            <a:ext cx="1804086" cy="646331"/>
-          </a:xfrm>
-          <a:prstGeom prst="rect">
-            <a:avLst/>
-          </a:prstGeom>
-          <a:noFill/>
-        </p:spPr>
-        <p:txBody>
-          <a:bodyPr wrap="square" rtlCol="0">
-            <a:spAutoFit/>
-          </a:bodyPr>
-          <a:lstStyle/>
-          <a:p>
-            <a:pPr algn="ctr"/>
-            <a:r>
-              <a:rPr lang="es-ES" dirty="0" err="1"/>
-              <a:t>Communication</a:t>
-            </a:r>
-            <a:r>
-              <a:rPr lang="es-ES" dirty="0"/>
-              <a:t> Interface</a:t>
-            </a:r>
-          </a:p>
-        </p:txBody>
-      </p:sp>
-      <p:pic>
-        <p:nvPicPr>
-          <p:cNvPr id="1026" name="Picture 2" descr="http://thumb7.shutterstock.com/thumb_small/80835/80835,1175875372,5/stock-photo-blue-interface-orb-button-with-a-computer-communication-network-icon-3025065.jpg"/>
-          <p:cNvPicPr>
-            <a:picLocks noChangeAspect="1" noChangeArrowheads="1"/>
-          </p:cNvPicPr>
-          <p:nvPr/>
-        </p:nvPicPr>
-        <p:blipFill>
-          <a:blip r:embed="rId2">
-            <a:extLst>
-              <a:ext uri="{28A0092B-C50C-407E-A947-70E740481C1C}">
-                <a14:useLocalDpi xmlns:a14="http://schemas.microsoft.com/office/drawing/2010/main" val="0"/>
-              </a:ext>
-            </a:extLst>
-          </a:blip>
-          <a:srcRect/>
-          <a:stretch>
-            <a:fillRect/>
-          </a:stretch>
-        </p:blipFill>
-        <p:spPr bwMode="auto">
-          <a:xfrm>
-            <a:off x="8052196" y="2648170"/>
-            <a:ext cx="1645233" cy="1455958"/>
-          </a:xfrm>
-          <a:prstGeom prst="rect">
-            <a:avLst/>
-          </a:prstGeom>
-          <a:noFill/>
-          <a:extLst>
-            <a:ext uri="{909E8E84-426E-40DD-AFC4-6F175D3DCCD1}">
-              <a14:hiddenFill xmlns:a14="http://schemas.microsoft.com/office/drawing/2010/main">
-                <a:solidFill>
-                  <a:srgbClr val="FFFFFF"/>
-                </a:solidFill>
-              </a14:hiddenFill>
-            </a:ext>
-          </a:extLst>
-        </p:spPr>
-      </p:pic>
-      <p:sp>
-        <p:nvSpPr>
-          <p:cNvPr id="7" name="CuadroTexto 6"/>
-          <p:cNvSpPr txBox="1"/>
-          <p:nvPr/>
-        </p:nvSpPr>
-        <p:spPr>
-          <a:xfrm>
-            <a:off x="7972769" y="4795758"/>
-            <a:ext cx="1804086" cy="923330"/>
-          </a:xfrm>
-          <a:prstGeom prst="rect">
-            <a:avLst/>
-          </a:prstGeom>
-          <a:noFill/>
-        </p:spPr>
-        <p:txBody>
-          <a:bodyPr wrap="square" rtlCol="0">
-            <a:spAutoFit/>
-          </a:bodyPr>
-          <a:lstStyle/>
-          <a:p>
-            <a:pPr algn="ctr"/>
-            <a:r>
-              <a:rPr lang="es-ES" dirty="0" err="1"/>
-              <a:t>Distributed</a:t>
-            </a:r>
-            <a:endParaRPr lang="es-ES" dirty="0"/>
-          </a:p>
-          <a:p>
-            <a:pPr algn="ctr"/>
-            <a:r>
-              <a:rPr lang="es-ES" dirty="0" err="1"/>
-              <a:t>Application</a:t>
-            </a:r>
-            <a:endParaRPr lang="es-ES" dirty="0"/>
-          </a:p>
-          <a:p>
-            <a:pPr algn="ctr"/>
-            <a:r>
-              <a:rPr lang="es-ES" dirty="0" err="1"/>
-              <a:t>Services</a:t>
-            </a:r>
-            <a:endParaRPr lang="es-ES" dirty="0"/>
-          </a:p>
-        </p:txBody>
-      </p:sp>
-      <p:pic>
-        <p:nvPicPr>
-          <p:cNvPr id="1028" name="Picture 4" descr="http://i.istockimg.com/file_thumbview_approve/54816942/3/stock-illustration-54816942-comments-icon-glossy-green-round-button.jpg"/>
-          <p:cNvPicPr>
-            <a:picLocks noChangeAspect="1" noChangeArrowheads="1"/>
-          </p:cNvPicPr>
-          <p:nvPr/>
-        </p:nvPicPr>
-        <p:blipFill>
-          <a:blip r:embed="rId3">
-            <a:extLst>
-              <a:ext uri="{28A0092B-C50C-407E-A947-70E740481C1C}">
-                <a14:useLocalDpi xmlns:a14="http://schemas.microsoft.com/office/drawing/2010/main" val="0"/>
-              </a:ext>
-            </a:extLst>
-          </a:blip>
-          <a:srcRect/>
-          <a:stretch>
-            <a:fillRect/>
-          </a:stretch>
-        </p:blipFill>
-        <p:spPr bwMode="auto">
-          <a:xfrm>
-            <a:off x="5954782" y="2538864"/>
-            <a:ext cx="1447800" cy="1809751"/>
-          </a:xfrm>
-          <a:prstGeom prst="rect">
-            <a:avLst/>
-          </a:prstGeom>
-          <a:noFill/>
-          <a:extLst>
-            <a:ext uri="{909E8E84-426E-40DD-AFC4-6F175D3DCCD1}">
-              <a14:hiddenFill xmlns:a14="http://schemas.microsoft.com/office/drawing/2010/main">
-                <a:solidFill>
-                  <a:srgbClr val="FFFFFF"/>
-                </a:solidFill>
-              </a14:hiddenFill>
-            </a:ext>
-          </a:extLst>
-        </p:spPr>
-      </p:pic>
-      <p:sp>
-        <p:nvSpPr>
-          <p:cNvPr id="6" name="Flecha izquierda y derecha 5"/>
-          <p:cNvSpPr/>
-          <p:nvPr/>
-        </p:nvSpPr>
-        <p:spPr>
-          <a:xfrm>
-            <a:off x="7386106" y="3192623"/>
-            <a:ext cx="754287" cy="447869"/>
-          </a:xfrm>
-          <a:prstGeom prst="leftRightArrow">
-            <a:avLst/>
-          </a:prstGeom>
-        </p:spPr>
-        <p:style>
-          <a:lnRef idx="2">
-            <a:schemeClr val="dk1"/>
-          </a:lnRef>
-          <a:fillRef idx="1">
-            <a:schemeClr val="lt1"/>
-          </a:fillRef>
-          <a:effectRef idx="0">
-            <a:schemeClr val="dk1"/>
-          </a:effectRef>
-          <a:fontRef idx="minor">
-            <a:schemeClr val="dk1"/>
-          </a:fontRef>
-        </p:style>
-        <p:txBody>
-          <a:bodyPr rtlCol="0" anchor="ctr"/>
-          <a:lstStyle/>
-          <a:p>
-            <a:pPr algn="ctr"/>
+          <p:cNvPr id="3" name="2 Marcador de contenido"/>
+          <p:cNvSpPr>
+            <a:spLocks noGrp="1"/>
+          </p:cNvSpPr>
+          <p:nvPr>
+            <p:ph sz="quarter" idx="1"/>
+          </p:nvPr>
+        </p:nvSpPr>
+        <p:spPr/>
+        <p:txBody>
+          <a:bodyPr/>
+          <a:lstStyle/>
+          <a:p>
             <a:endParaRPr lang="es-ES"/>
-          </a:p>
-        </p:txBody>
-      </p:sp>
-      <p:pic>
-        <p:nvPicPr>
-          <p:cNvPr id="1030" name="Picture 6" descr="http://photos.gograph.com/thumbs/CSP/CSP265/k2652517.jpg"/>
-          <p:cNvPicPr>
-            <a:picLocks noChangeAspect="1" noChangeArrowheads="1"/>
-          </p:cNvPicPr>
-          <p:nvPr/>
-        </p:nvPicPr>
-        <p:blipFill>
-          <a:blip r:embed="rId4">
-            <a:extLst>
-              <a:ext uri="{28A0092B-C50C-407E-A947-70E740481C1C}">
-                <a14:useLocalDpi xmlns:a14="http://schemas.microsoft.com/office/drawing/2010/main" val="0"/>
-              </a:ext>
-            </a:extLst>
-          </a:blip>
-          <a:srcRect/>
-          <a:stretch>
-            <a:fillRect/>
-          </a:stretch>
-        </p:blipFill>
-        <p:spPr bwMode="auto">
-          <a:xfrm>
-            <a:off x="3355009" y="4186157"/>
-            <a:ext cx="1619250" cy="1219201"/>
-          </a:xfrm>
-          <a:prstGeom prst="rect">
-            <a:avLst/>
-          </a:prstGeom>
-          <a:noFill/>
-          <a:extLst>
-            <a:ext uri="{909E8E84-426E-40DD-AFC4-6F175D3DCCD1}">
-              <a14:hiddenFill xmlns:a14="http://schemas.microsoft.com/office/drawing/2010/main">
-                <a:solidFill>
-                  <a:srgbClr val="FFFFFF"/>
-                </a:solidFill>
-              </a14:hiddenFill>
-            </a:ext>
-          </a:extLst>
-        </p:spPr>
-      </p:pic>
-      <p:sp>
-        <p:nvSpPr>
-          <p:cNvPr id="11" name="CuadroTexto 10"/>
-          <p:cNvSpPr txBox="1"/>
-          <p:nvPr/>
-        </p:nvSpPr>
-        <p:spPr>
-          <a:xfrm>
-            <a:off x="3170173" y="5405358"/>
-            <a:ext cx="1804086" cy="646331"/>
-          </a:xfrm>
-          <a:prstGeom prst="rect">
-            <a:avLst/>
-          </a:prstGeom>
-          <a:noFill/>
-        </p:spPr>
-        <p:txBody>
-          <a:bodyPr wrap="square" rtlCol="0">
-            <a:spAutoFit/>
-          </a:bodyPr>
-          <a:lstStyle/>
-          <a:p>
-            <a:pPr algn="ctr"/>
-            <a:r>
-              <a:rPr lang="es-ES" dirty="0" err="1"/>
-              <a:t>Power</a:t>
-            </a:r>
-            <a:r>
-              <a:rPr lang="es-ES" dirty="0"/>
-              <a:t> Apps</a:t>
-            </a:r>
-          </a:p>
-          <a:p>
-            <a:pPr algn="ctr"/>
-            <a:r>
-              <a:rPr lang="es-ES" dirty="0"/>
-              <a:t>Desktop / Web</a:t>
-            </a:r>
-          </a:p>
-        </p:txBody>
-      </p:sp>
-      <p:sp>
-        <p:nvSpPr>
-          <p:cNvPr id="12" name="Flecha izquierda y derecha 11"/>
-          <p:cNvSpPr/>
-          <p:nvPr/>
-        </p:nvSpPr>
-        <p:spPr>
-          <a:xfrm rot="19192441">
-            <a:off x="5292546" y="3753262"/>
-            <a:ext cx="754287" cy="447869"/>
-          </a:xfrm>
-          <a:prstGeom prst="leftRightArrow">
-            <a:avLst/>
-          </a:prstGeom>
-        </p:spPr>
-        <p:style>
-          <a:lnRef idx="2">
-            <a:schemeClr val="dk1"/>
-          </a:lnRef>
-          <a:fillRef idx="1">
-            <a:schemeClr val="lt1"/>
-          </a:fillRef>
-          <a:effectRef idx="0">
-            <a:schemeClr val="dk1"/>
-          </a:effectRef>
-          <a:fontRef idx="minor">
-            <a:schemeClr val="dk1"/>
-          </a:fontRef>
-        </p:style>
-        <p:txBody>
-          <a:bodyPr rtlCol="0" anchor="ctr"/>
-          <a:lstStyle/>
-          <a:p>
-            <a:pPr algn="ctr"/>
-            <a:endParaRPr lang="es-ES"/>
-          </a:p>
-        </p:txBody>
-      </p:sp>
-      <p:pic>
-        <p:nvPicPr>
-          <p:cNvPr id="1032" name="Picture 8" descr="http://regmedia.co.uk/2011/06/02/asus_1.jpg"/>
-          <p:cNvPicPr>
-            <a:picLocks noChangeAspect="1" noChangeArrowheads="1"/>
-          </p:cNvPicPr>
-          <p:nvPr/>
-        </p:nvPicPr>
-        <p:blipFill>
-          <a:blip r:embed="rId5">
-            <a:extLst>
-              <a:ext uri="{28A0092B-C50C-407E-A947-70E740481C1C}">
-                <a14:useLocalDpi xmlns:a14="http://schemas.microsoft.com/office/drawing/2010/main" val="0"/>
-              </a:ext>
-            </a:extLst>
-          </a:blip>
-          <a:srcRect/>
-          <a:stretch>
-            <a:fillRect/>
-          </a:stretch>
-        </p:blipFill>
-        <p:spPr bwMode="auto">
-          <a:xfrm>
-            <a:off x="3037742" y="2246669"/>
-            <a:ext cx="2068947" cy="1211812"/>
-          </a:xfrm>
-          <a:prstGeom prst="rect">
-            <a:avLst/>
-          </a:prstGeom>
-          <a:noFill/>
-          <a:extLst>
-            <a:ext uri="{909E8E84-426E-40DD-AFC4-6F175D3DCCD1}">
-              <a14:hiddenFill xmlns:a14="http://schemas.microsoft.com/office/drawing/2010/main">
-                <a:solidFill>
-                  <a:srgbClr val="FFFFFF"/>
-                </a:solidFill>
-              </a14:hiddenFill>
-            </a:ext>
-          </a:extLst>
-        </p:spPr>
-      </p:pic>
-      <p:sp>
-        <p:nvSpPr>
-          <p:cNvPr id="14" name="Flecha izquierda y derecha 13"/>
-          <p:cNvSpPr/>
-          <p:nvPr/>
-        </p:nvSpPr>
-        <p:spPr>
-          <a:xfrm rot="1403436">
-            <a:off x="5231245" y="2864549"/>
-            <a:ext cx="754287" cy="447869"/>
-          </a:xfrm>
-          <a:prstGeom prst="leftRightArrow">
-            <a:avLst/>
-          </a:prstGeom>
-        </p:spPr>
-        <p:style>
-          <a:lnRef idx="2">
-            <a:schemeClr val="dk1"/>
-          </a:lnRef>
-          <a:fillRef idx="1">
-            <a:schemeClr val="lt1"/>
-          </a:fillRef>
-          <a:effectRef idx="0">
-            <a:schemeClr val="dk1"/>
-          </a:effectRef>
-          <a:fontRef idx="minor">
-            <a:schemeClr val="dk1"/>
-          </a:fontRef>
-        </p:style>
-        <p:txBody>
-          <a:bodyPr rtlCol="0" anchor="ctr"/>
-          <a:lstStyle/>
-          <a:p>
-            <a:pPr algn="ctr"/>
-            <a:endParaRPr lang="es-ES"/>
-          </a:p>
-        </p:txBody>
-      </p:sp>
-      <p:sp>
-        <p:nvSpPr>
-          <p:cNvPr id="15" name="CuadroTexto 14"/>
-          <p:cNvSpPr txBox="1"/>
-          <p:nvPr/>
-        </p:nvSpPr>
-        <p:spPr>
-          <a:xfrm>
-            <a:off x="3170173" y="1674046"/>
-            <a:ext cx="1804086" cy="646331"/>
-          </a:xfrm>
-          <a:prstGeom prst="rect">
-            <a:avLst/>
-          </a:prstGeom>
-          <a:noFill/>
-        </p:spPr>
-        <p:txBody>
-          <a:bodyPr wrap="square" rtlCol="0">
-            <a:spAutoFit/>
-          </a:bodyPr>
-          <a:lstStyle/>
-          <a:p>
-            <a:pPr algn="ctr"/>
-            <a:r>
-              <a:rPr lang="es-ES" dirty="0" err="1"/>
-              <a:t>Targeted</a:t>
-            </a:r>
-            <a:r>
-              <a:rPr lang="es-ES" dirty="0"/>
-              <a:t> Apps</a:t>
-            </a:r>
-          </a:p>
-          <a:p>
-            <a:pPr algn="ctr"/>
-            <a:r>
-              <a:rPr lang="es-ES" dirty="0"/>
-              <a:t>Mobile</a:t>
-            </a:r>
           </a:p>
         </p:txBody>
       </p:sp>
     </p:spTree>
     <p:extLst>
       <p:ext uri="{BB962C8B-B14F-4D97-AF65-F5344CB8AC3E}">
-        <p14:creationId xmlns:p14="http://schemas.microsoft.com/office/powerpoint/2010/main" val="2956723897"/>
+        <p14:creationId xmlns:p14="http://schemas.microsoft.com/office/powerpoint/2010/main" val="980619019"/>
       </p:ext>
     </p:extLst>
   </p:cSld>
@@ -5857,6 +7384,269 @@
       </p:grpSpPr>
       <p:sp>
         <p:nvSpPr>
+          <p:cNvPr id="2" name="1 Título"/>
+          <p:cNvSpPr>
+            <a:spLocks noGrp="1"/>
+          </p:cNvSpPr>
+          <p:nvPr>
+            <p:ph type="title"/>
+          </p:nvPr>
+        </p:nvSpPr>
+        <p:spPr/>
+        <p:txBody>
+          <a:bodyPr/>
+          <a:lstStyle/>
+          <a:p>
+            <a:r>
+              <a:rPr lang="en-US" dirty="0" smtClean="0"/>
+              <a:t>HTTP and REST</a:t>
+            </a:r>
+            <a:endParaRPr lang="es-ES" dirty="0"/>
+          </a:p>
+        </p:txBody>
+      </p:sp>
+      <p:sp>
+        <p:nvSpPr>
+          <p:cNvPr id="3" name="2 Marcador de contenido"/>
+          <p:cNvSpPr>
+            <a:spLocks noGrp="1"/>
+          </p:cNvSpPr>
+          <p:nvPr>
+            <p:ph sz="quarter" idx="1"/>
+          </p:nvPr>
+        </p:nvSpPr>
+        <p:spPr/>
+        <p:txBody>
+          <a:bodyPr/>
+          <a:lstStyle/>
+          <a:p>
+            <a:endParaRPr lang="es-ES"/>
+          </a:p>
+        </p:txBody>
+      </p:sp>
+    </p:spTree>
+    <p:extLst>
+      <p:ext uri="{BB962C8B-B14F-4D97-AF65-F5344CB8AC3E}">
+        <p14:creationId xmlns:p14="http://schemas.microsoft.com/office/powerpoint/2010/main" val="3232929249"/>
+      </p:ext>
+    </p:extLst>
+  </p:cSld>
+  <p:clrMapOvr>
+    <a:masterClrMapping/>
+  </p:clrMapOvr>
+  <p:timing>
+    <p:tnLst>
+      <p:par>
+        <p:cTn id="1" dur="indefinite" restart="never" nodeType="tmRoot"/>
+      </p:par>
+    </p:tnLst>
+  </p:timing>
+</p:sld>
+</file>
+
+<file path=ppt/slides/slide23.xml><?xml version="1.0" encoding="utf-8"?>
+<p:sld xmlns:a="http://schemas.openxmlformats.org/drawingml/2006/main" xmlns:r="http://schemas.openxmlformats.org/officeDocument/2006/relationships" xmlns:p="http://schemas.openxmlformats.org/presentationml/2006/main">
+  <p:cSld>
+    <p:spTree>
+      <p:nvGrpSpPr>
+        <p:cNvPr id="1" name=""/>
+        <p:cNvGrpSpPr/>
+        <p:nvPr/>
+      </p:nvGrpSpPr>
+      <p:grpSpPr>
+        <a:xfrm>
+          <a:off x="0" y="0"/>
+          <a:ext cx="0" cy="0"/>
+          <a:chOff x="0" y="0"/>
+          <a:chExt cx="0" cy="0"/>
+        </a:xfrm>
+      </p:grpSpPr>
+      <p:sp>
+        <p:nvSpPr>
+          <p:cNvPr id="2" name="1 Título"/>
+          <p:cNvSpPr>
+            <a:spLocks noGrp="1"/>
+          </p:cNvSpPr>
+          <p:nvPr>
+            <p:ph type="title"/>
+          </p:nvPr>
+        </p:nvSpPr>
+        <p:spPr/>
+        <p:txBody>
+          <a:bodyPr/>
+          <a:lstStyle/>
+          <a:p>
+            <a:r>
+              <a:rPr lang="en-US" dirty="0" smtClean="0"/>
+              <a:t>Azure IaaS and PaaS</a:t>
+            </a:r>
+            <a:endParaRPr lang="es-ES" dirty="0"/>
+          </a:p>
+        </p:txBody>
+      </p:sp>
+      <p:sp>
+        <p:nvSpPr>
+          <p:cNvPr id="3" name="2 Marcador de contenido"/>
+          <p:cNvSpPr>
+            <a:spLocks noGrp="1"/>
+          </p:cNvSpPr>
+          <p:nvPr>
+            <p:ph sz="quarter" idx="1"/>
+          </p:nvPr>
+        </p:nvSpPr>
+        <p:spPr/>
+        <p:txBody>
+          <a:bodyPr/>
+          <a:lstStyle/>
+          <a:p>
+            <a:endParaRPr lang="es-ES"/>
+          </a:p>
+        </p:txBody>
+      </p:sp>
+    </p:spTree>
+    <p:extLst>
+      <p:ext uri="{BB962C8B-B14F-4D97-AF65-F5344CB8AC3E}">
+        <p14:creationId xmlns:p14="http://schemas.microsoft.com/office/powerpoint/2010/main" val="3468625466"/>
+      </p:ext>
+    </p:extLst>
+  </p:cSld>
+  <p:clrMapOvr>
+    <a:masterClrMapping/>
+  </p:clrMapOvr>
+  <p:timing>
+    <p:tnLst>
+      <p:par>
+        <p:cTn id="1" dur="indefinite" restart="never" nodeType="tmRoot"/>
+      </p:par>
+    </p:tnLst>
+  </p:timing>
+</p:sld>
+</file>
+
+<file path=ppt/slides/slide24.xml><?xml version="1.0" encoding="utf-8"?>
+<p:sld xmlns:a="http://schemas.openxmlformats.org/drawingml/2006/main" xmlns:r="http://schemas.openxmlformats.org/officeDocument/2006/relationships" xmlns:p="http://schemas.openxmlformats.org/presentationml/2006/main">
+  <p:cSld>
+    <p:spTree>
+      <p:nvGrpSpPr>
+        <p:cNvPr id="1" name=""/>
+        <p:cNvGrpSpPr/>
+        <p:nvPr/>
+      </p:nvGrpSpPr>
+      <p:grpSpPr>
+        <a:xfrm>
+          <a:off x="0" y="0"/>
+          <a:ext cx="0" cy="0"/>
+          <a:chOff x="0" y="0"/>
+          <a:chExt cx="0" cy="0"/>
+        </a:xfrm>
+      </p:grpSpPr>
+      <p:sp>
+        <p:nvSpPr>
+          <p:cNvPr id="2" name="1 Título"/>
+          <p:cNvSpPr>
+            <a:spLocks noGrp="1"/>
+          </p:cNvSpPr>
+          <p:nvPr>
+            <p:ph type="title"/>
+          </p:nvPr>
+        </p:nvSpPr>
+        <p:spPr/>
+        <p:txBody>
+          <a:bodyPr>
+            <a:normAutofit/>
+          </a:bodyPr>
+          <a:lstStyle/>
+          <a:p>
+            <a:r>
+              <a:rPr lang="en-US" dirty="0" smtClean="0"/>
+              <a:t>Source Control and Continuous Integration</a:t>
+            </a:r>
+            <a:endParaRPr lang="es-ES" dirty="0"/>
+          </a:p>
+        </p:txBody>
+      </p:sp>
+      <p:sp>
+        <p:nvSpPr>
+          <p:cNvPr id="3" name="2 Marcador de contenido"/>
+          <p:cNvSpPr>
+            <a:spLocks noGrp="1"/>
+          </p:cNvSpPr>
+          <p:nvPr>
+            <p:ph sz="quarter" idx="1"/>
+          </p:nvPr>
+        </p:nvSpPr>
+        <p:spPr/>
+        <p:txBody>
+          <a:bodyPr/>
+          <a:lstStyle/>
+          <a:p>
+            <a:r>
+              <a:rPr lang="en-US" dirty="0" err="1" smtClean="0"/>
+              <a:t>Git</a:t>
+            </a:r>
+            <a:endParaRPr lang="en-US" dirty="0" smtClean="0"/>
+          </a:p>
+          <a:p>
+            <a:r>
+              <a:rPr lang="en-US" dirty="0" err="1"/>
+              <a:t>GitFlow</a:t>
+            </a:r>
+            <a:endParaRPr lang="es-ES" dirty="0"/>
+          </a:p>
+          <a:p>
+            <a:r>
+              <a:rPr lang="en-US" dirty="0" smtClean="0"/>
+              <a:t>DevOps</a:t>
+            </a:r>
+          </a:p>
+          <a:p>
+            <a:r>
+              <a:rPr lang="en-US" dirty="0" smtClean="0"/>
+              <a:t>Automation</a:t>
+            </a:r>
+            <a:endParaRPr lang="en-US" dirty="0" smtClean="0"/>
+          </a:p>
+        </p:txBody>
+      </p:sp>
+    </p:spTree>
+    <p:extLst>
+      <p:ext uri="{BB962C8B-B14F-4D97-AF65-F5344CB8AC3E}">
+        <p14:creationId xmlns:p14="http://schemas.microsoft.com/office/powerpoint/2010/main" val="2673204019"/>
+      </p:ext>
+    </p:extLst>
+  </p:cSld>
+  <p:clrMapOvr>
+    <a:masterClrMapping/>
+  </p:clrMapOvr>
+  <p:timing>
+    <p:tnLst>
+      <p:par>
+        <p:cTn id="1" dur="indefinite" restart="never" nodeType="tmRoot"/>
+      </p:par>
+    </p:tnLst>
+  </p:timing>
+</p:sld>
+</file>
+
+<file path=ppt/slides/slide25.xml><?xml version="1.0" encoding="utf-8"?>
+<p:sld xmlns:a="http://schemas.openxmlformats.org/drawingml/2006/main" xmlns:r="http://schemas.openxmlformats.org/officeDocument/2006/relationships" xmlns:p="http://schemas.openxmlformats.org/presentationml/2006/main">
+  <p:cSld>
+    <p:spTree>
+      <p:nvGrpSpPr>
+        <p:cNvPr id="1" name=""/>
+        <p:cNvGrpSpPr/>
+        <p:nvPr/>
+      </p:nvGrpSpPr>
+      <p:grpSpPr>
+        <a:xfrm>
+          <a:off x="0" y="0"/>
+          <a:ext cx="0" cy="0"/>
+          <a:chOff x="0" y="0"/>
+          <a:chExt cx="0" cy="0"/>
+        </a:xfrm>
+      </p:grpSpPr>
+      <p:sp>
+        <p:nvSpPr>
           <p:cNvPr id="2" name="Título 1"/>
           <p:cNvSpPr>
             <a:spLocks noGrp="1"/>
@@ -5865,6 +7655,523 @@
             <p:ph type="title"/>
           </p:nvPr>
         </p:nvSpPr>
+        <p:spPr/>
+        <p:txBody>
+          <a:bodyPr/>
+          <a:lstStyle/>
+          <a:p>
+            <a:r>
+              <a:rPr lang="es-ES" dirty="0" err="1"/>
+              <a:t>Distributed</a:t>
+            </a:r>
+            <a:r>
+              <a:rPr lang="es-ES" dirty="0"/>
+              <a:t> </a:t>
+            </a:r>
+            <a:r>
+              <a:rPr lang="es-ES" dirty="0" err="1"/>
+              <a:t>Application</a:t>
+            </a:r>
+            <a:r>
+              <a:rPr lang="es-ES" dirty="0"/>
+              <a:t> </a:t>
+            </a:r>
+            <a:r>
+              <a:rPr lang="es-ES" dirty="0" err="1"/>
+              <a:t>Architecture</a:t>
+            </a:r>
+            <a:endParaRPr lang="es-ES" dirty="0"/>
+          </a:p>
+        </p:txBody>
+      </p:sp>
+      <p:sp>
+        <p:nvSpPr>
+          <p:cNvPr id="4" name="CuadroTexto 3"/>
+          <p:cNvSpPr txBox="1"/>
+          <p:nvPr/>
+        </p:nvSpPr>
+        <p:spPr>
+          <a:xfrm>
+            <a:off x="4954023" y="4943692"/>
+            <a:ext cx="1804086" cy="646331"/>
+          </a:xfrm>
+          <a:prstGeom prst="rect">
+            <a:avLst/>
+          </a:prstGeom>
+          <a:noFill/>
+        </p:spPr>
+        <p:txBody>
+          <a:bodyPr wrap="square" rtlCol="0">
+            <a:spAutoFit/>
+          </a:bodyPr>
+          <a:lstStyle/>
+          <a:p>
+            <a:pPr algn="ctr"/>
+            <a:r>
+              <a:rPr lang="es-ES" dirty="0" err="1"/>
+              <a:t>Communication</a:t>
+            </a:r>
+            <a:r>
+              <a:rPr lang="es-ES" dirty="0"/>
+              <a:t> Interface</a:t>
+            </a:r>
+          </a:p>
+        </p:txBody>
+      </p:sp>
+      <p:pic>
+        <p:nvPicPr>
+          <p:cNvPr id="1026" name="Picture 2" descr="http://thumb7.shutterstock.com/thumb_small/80835/80835,1175875372,5/stock-photo-blue-interface-orb-button-with-a-computer-communication-network-icon-3025065.jpg"/>
+          <p:cNvPicPr>
+            <a:picLocks noChangeAspect="1" noChangeArrowheads="1"/>
+          </p:cNvPicPr>
+          <p:nvPr/>
+        </p:nvPicPr>
+        <p:blipFill>
+          <a:blip r:embed="rId2">
+            <a:extLst>
+              <a:ext uri="{28A0092B-C50C-407E-A947-70E740481C1C}">
+                <a14:useLocalDpi xmlns:a14="http://schemas.microsoft.com/office/drawing/2010/main" val="0"/>
+              </a:ext>
+            </a:extLst>
+          </a:blip>
+          <a:srcRect/>
+          <a:stretch>
+            <a:fillRect/>
+          </a:stretch>
+        </p:blipFill>
+        <p:spPr bwMode="auto">
+          <a:xfrm>
+            <a:off x="7229580" y="2657605"/>
+            <a:ext cx="1645233" cy="1455958"/>
+          </a:xfrm>
+          <a:prstGeom prst="rect">
+            <a:avLst/>
+          </a:prstGeom>
+          <a:noFill/>
+          <a:extLst>
+            <a:ext uri="{909E8E84-426E-40DD-AFC4-6F175D3DCCD1}">
+              <a14:hiddenFill xmlns:a14="http://schemas.microsoft.com/office/drawing/2010/main">
+                <a:solidFill>
+                  <a:srgbClr val="FFFFFF"/>
+                </a:solidFill>
+              </a14:hiddenFill>
+            </a:ext>
+          </a:extLst>
+        </p:spPr>
+      </p:pic>
+      <p:sp>
+        <p:nvSpPr>
+          <p:cNvPr id="7" name="CuadroTexto 6"/>
+          <p:cNvSpPr txBox="1"/>
+          <p:nvPr/>
+        </p:nvSpPr>
+        <p:spPr>
+          <a:xfrm>
+            <a:off x="7150153" y="4805193"/>
+            <a:ext cx="1804086" cy="923330"/>
+          </a:xfrm>
+          <a:prstGeom prst="rect">
+            <a:avLst/>
+          </a:prstGeom>
+          <a:noFill/>
+        </p:spPr>
+        <p:txBody>
+          <a:bodyPr wrap="square" rtlCol="0">
+            <a:spAutoFit/>
+          </a:bodyPr>
+          <a:lstStyle/>
+          <a:p>
+            <a:pPr algn="ctr"/>
+            <a:r>
+              <a:rPr lang="es-ES" dirty="0" err="1"/>
+              <a:t>Distributed</a:t>
+            </a:r>
+            <a:endParaRPr lang="es-ES" dirty="0"/>
+          </a:p>
+          <a:p>
+            <a:pPr algn="ctr"/>
+            <a:r>
+              <a:rPr lang="es-ES" dirty="0" err="1"/>
+              <a:t>Application</a:t>
+            </a:r>
+            <a:endParaRPr lang="es-ES" dirty="0"/>
+          </a:p>
+          <a:p>
+            <a:pPr algn="ctr"/>
+            <a:r>
+              <a:rPr lang="es-ES" dirty="0" err="1"/>
+              <a:t>Services</a:t>
+            </a:r>
+            <a:endParaRPr lang="es-ES" dirty="0"/>
+          </a:p>
+        </p:txBody>
+      </p:sp>
+      <p:pic>
+        <p:nvPicPr>
+          <p:cNvPr id="1028" name="Picture 4" descr="http://i.istockimg.com/file_thumbview_approve/54816942/3/stock-illustration-54816942-comments-icon-glossy-green-round-button.jpg"/>
+          <p:cNvPicPr>
+            <a:picLocks noChangeAspect="1" noChangeArrowheads="1"/>
+          </p:cNvPicPr>
+          <p:nvPr/>
+        </p:nvPicPr>
+        <p:blipFill>
+          <a:blip r:embed="rId3">
+            <a:extLst>
+              <a:ext uri="{28A0092B-C50C-407E-A947-70E740481C1C}">
+                <a14:useLocalDpi xmlns:a14="http://schemas.microsoft.com/office/drawing/2010/main" val="0"/>
+              </a:ext>
+            </a:extLst>
+          </a:blip>
+          <a:srcRect/>
+          <a:stretch>
+            <a:fillRect/>
+          </a:stretch>
+        </p:blipFill>
+        <p:spPr bwMode="auto">
+          <a:xfrm>
+            <a:off x="5132166" y="2548299"/>
+            <a:ext cx="1447800" cy="1809751"/>
+          </a:xfrm>
+          <a:prstGeom prst="rect">
+            <a:avLst/>
+          </a:prstGeom>
+          <a:noFill/>
+          <a:extLst>
+            <a:ext uri="{909E8E84-426E-40DD-AFC4-6F175D3DCCD1}">
+              <a14:hiddenFill xmlns:a14="http://schemas.microsoft.com/office/drawing/2010/main">
+                <a:solidFill>
+                  <a:srgbClr val="FFFFFF"/>
+                </a:solidFill>
+              </a14:hiddenFill>
+            </a:ext>
+          </a:extLst>
+        </p:spPr>
+      </p:pic>
+      <p:sp>
+        <p:nvSpPr>
+          <p:cNvPr id="6" name="Flecha izquierda y derecha 5"/>
+          <p:cNvSpPr/>
+          <p:nvPr/>
+        </p:nvSpPr>
+        <p:spPr>
+          <a:xfrm>
+            <a:off x="6563490" y="3202058"/>
+            <a:ext cx="754287" cy="447869"/>
+          </a:xfrm>
+          <a:prstGeom prst="leftRightArrow">
+            <a:avLst/>
+          </a:prstGeom>
+        </p:spPr>
+        <p:style>
+          <a:lnRef idx="2">
+            <a:schemeClr val="dk1"/>
+          </a:lnRef>
+          <a:fillRef idx="1">
+            <a:schemeClr val="lt1"/>
+          </a:fillRef>
+          <a:effectRef idx="0">
+            <a:schemeClr val="dk1"/>
+          </a:effectRef>
+          <a:fontRef idx="minor">
+            <a:schemeClr val="dk1"/>
+          </a:fontRef>
+        </p:style>
+        <p:txBody>
+          <a:bodyPr rtlCol="0" anchor="ctr"/>
+          <a:lstStyle/>
+          <a:p>
+            <a:pPr algn="ctr"/>
+            <a:endParaRPr lang="es-ES"/>
+          </a:p>
+        </p:txBody>
+      </p:sp>
+      <p:pic>
+        <p:nvPicPr>
+          <p:cNvPr id="1030" name="Picture 6" descr="http://photos.gograph.com/thumbs/CSP/CSP265/k2652517.jpg"/>
+          <p:cNvPicPr>
+            <a:picLocks noChangeAspect="1" noChangeArrowheads="1"/>
+          </p:cNvPicPr>
+          <p:nvPr/>
+        </p:nvPicPr>
+        <p:blipFill>
+          <a:blip r:embed="rId4">
+            <a:extLst>
+              <a:ext uri="{28A0092B-C50C-407E-A947-70E740481C1C}">
+                <a14:useLocalDpi xmlns:a14="http://schemas.microsoft.com/office/drawing/2010/main" val="0"/>
+              </a:ext>
+            </a:extLst>
+          </a:blip>
+          <a:srcRect/>
+          <a:stretch>
+            <a:fillRect/>
+          </a:stretch>
+        </p:blipFill>
+        <p:spPr bwMode="auto">
+          <a:xfrm>
+            <a:off x="2532393" y="4195592"/>
+            <a:ext cx="1619250" cy="1219201"/>
+          </a:xfrm>
+          <a:prstGeom prst="rect">
+            <a:avLst/>
+          </a:prstGeom>
+          <a:noFill/>
+          <a:extLst>
+            <a:ext uri="{909E8E84-426E-40DD-AFC4-6F175D3DCCD1}">
+              <a14:hiddenFill xmlns:a14="http://schemas.microsoft.com/office/drawing/2010/main">
+                <a:solidFill>
+                  <a:srgbClr val="FFFFFF"/>
+                </a:solidFill>
+              </a14:hiddenFill>
+            </a:ext>
+          </a:extLst>
+        </p:spPr>
+      </p:pic>
+      <p:sp>
+        <p:nvSpPr>
+          <p:cNvPr id="11" name="CuadroTexto 10"/>
+          <p:cNvSpPr txBox="1"/>
+          <p:nvPr/>
+        </p:nvSpPr>
+        <p:spPr>
+          <a:xfrm>
+            <a:off x="2347557" y="5414793"/>
+            <a:ext cx="1804086" cy="646331"/>
+          </a:xfrm>
+          <a:prstGeom prst="rect">
+            <a:avLst/>
+          </a:prstGeom>
+          <a:noFill/>
+        </p:spPr>
+        <p:txBody>
+          <a:bodyPr wrap="square" rtlCol="0">
+            <a:spAutoFit/>
+          </a:bodyPr>
+          <a:lstStyle/>
+          <a:p>
+            <a:pPr algn="ctr"/>
+            <a:r>
+              <a:rPr lang="es-ES" dirty="0" err="1"/>
+              <a:t>Power</a:t>
+            </a:r>
+            <a:r>
+              <a:rPr lang="es-ES" dirty="0"/>
+              <a:t> Apps</a:t>
+            </a:r>
+          </a:p>
+          <a:p>
+            <a:pPr algn="ctr"/>
+            <a:r>
+              <a:rPr lang="es-ES" dirty="0"/>
+              <a:t>Desktop / Web</a:t>
+            </a:r>
+          </a:p>
+        </p:txBody>
+      </p:sp>
+      <p:sp>
+        <p:nvSpPr>
+          <p:cNvPr id="12" name="Flecha izquierda y derecha 11"/>
+          <p:cNvSpPr/>
+          <p:nvPr/>
+        </p:nvSpPr>
+        <p:spPr>
+          <a:xfrm rot="19192441">
+            <a:off x="4469930" y="3762697"/>
+            <a:ext cx="754287" cy="447869"/>
+          </a:xfrm>
+          <a:prstGeom prst="leftRightArrow">
+            <a:avLst/>
+          </a:prstGeom>
+        </p:spPr>
+        <p:style>
+          <a:lnRef idx="2">
+            <a:schemeClr val="dk1"/>
+          </a:lnRef>
+          <a:fillRef idx="1">
+            <a:schemeClr val="lt1"/>
+          </a:fillRef>
+          <a:effectRef idx="0">
+            <a:schemeClr val="dk1"/>
+          </a:effectRef>
+          <a:fontRef idx="minor">
+            <a:schemeClr val="dk1"/>
+          </a:fontRef>
+        </p:style>
+        <p:txBody>
+          <a:bodyPr rtlCol="0" anchor="ctr"/>
+          <a:lstStyle/>
+          <a:p>
+            <a:pPr algn="ctr"/>
+            <a:endParaRPr lang="es-ES"/>
+          </a:p>
+        </p:txBody>
+      </p:sp>
+      <p:pic>
+        <p:nvPicPr>
+          <p:cNvPr id="1032" name="Picture 8" descr="http://regmedia.co.uk/2011/06/02/asus_1.jpg"/>
+          <p:cNvPicPr>
+            <a:picLocks noChangeAspect="1" noChangeArrowheads="1"/>
+          </p:cNvPicPr>
+          <p:nvPr/>
+        </p:nvPicPr>
+        <p:blipFill>
+          <a:blip r:embed="rId5">
+            <a:extLst>
+              <a:ext uri="{28A0092B-C50C-407E-A947-70E740481C1C}">
+                <a14:useLocalDpi xmlns:a14="http://schemas.microsoft.com/office/drawing/2010/main" val="0"/>
+              </a:ext>
+            </a:extLst>
+          </a:blip>
+          <a:srcRect/>
+          <a:stretch>
+            <a:fillRect/>
+          </a:stretch>
+        </p:blipFill>
+        <p:spPr bwMode="auto">
+          <a:xfrm>
+            <a:off x="2215126" y="2256104"/>
+            <a:ext cx="2068947" cy="1211812"/>
+          </a:xfrm>
+          <a:prstGeom prst="rect">
+            <a:avLst/>
+          </a:prstGeom>
+          <a:noFill/>
+          <a:extLst>
+            <a:ext uri="{909E8E84-426E-40DD-AFC4-6F175D3DCCD1}">
+              <a14:hiddenFill xmlns:a14="http://schemas.microsoft.com/office/drawing/2010/main">
+                <a:solidFill>
+                  <a:srgbClr val="FFFFFF"/>
+                </a:solidFill>
+              </a14:hiddenFill>
+            </a:ext>
+          </a:extLst>
+        </p:spPr>
+      </p:pic>
+      <p:sp>
+        <p:nvSpPr>
+          <p:cNvPr id="14" name="Flecha izquierda y derecha 13"/>
+          <p:cNvSpPr/>
+          <p:nvPr/>
+        </p:nvSpPr>
+        <p:spPr>
+          <a:xfrm rot="1403436">
+            <a:off x="4408629" y="2873984"/>
+            <a:ext cx="754287" cy="447869"/>
+          </a:xfrm>
+          <a:prstGeom prst="leftRightArrow">
+            <a:avLst/>
+          </a:prstGeom>
+        </p:spPr>
+        <p:style>
+          <a:lnRef idx="2">
+            <a:schemeClr val="dk1"/>
+          </a:lnRef>
+          <a:fillRef idx="1">
+            <a:schemeClr val="lt1"/>
+          </a:fillRef>
+          <a:effectRef idx="0">
+            <a:schemeClr val="dk1"/>
+          </a:effectRef>
+          <a:fontRef idx="minor">
+            <a:schemeClr val="dk1"/>
+          </a:fontRef>
+        </p:style>
+        <p:txBody>
+          <a:bodyPr rtlCol="0" anchor="ctr"/>
+          <a:lstStyle/>
+          <a:p>
+            <a:pPr algn="ctr"/>
+            <a:endParaRPr lang="es-ES"/>
+          </a:p>
+        </p:txBody>
+      </p:sp>
+      <p:sp>
+        <p:nvSpPr>
+          <p:cNvPr id="15" name="CuadroTexto 14"/>
+          <p:cNvSpPr txBox="1"/>
+          <p:nvPr/>
+        </p:nvSpPr>
+        <p:spPr>
+          <a:xfrm>
+            <a:off x="2347557" y="1683481"/>
+            <a:ext cx="1804086" cy="646331"/>
+          </a:xfrm>
+          <a:prstGeom prst="rect">
+            <a:avLst/>
+          </a:prstGeom>
+          <a:noFill/>
+        </p:spPr>
+        <p:txBody>
+          <a:bodyPr wrap="square" rtlCol="0">
+            <a:spAutoFit/>
+          </a:bodyPr>
+          <a:lstStyle/>
+          <a:p>
+            <a:pPr algn="ctr"/>
+            <a:r>
+              <a:rPr lang="es-ES" dirty="0" err="1"/>
+              <a:t>Targeted</a:t>
+            </a:r>
+            <a:r>
+              <a:rPr lang="es-ES" dirty="0"/>
+              <a:t> Apps</a:t>
+            </a:r>
+          </a:p>
+          <a:p>
+            <a:pPr algn="ctr"/>
+            <a:r>
+              <a:rPr lang="es-ES" dirty="0"/>
+              <a:t>Mobile</a:t>
+            </a:r>
+          </a:p>
+        </p:txBody>
+      </p:sp>
+    </p:spTree>
+    <p:extLst>
+      <p:ext uri="{BB962C8B-B14F-4D97-AF65-F5344CB8AC3E}">
+        <p14:creationId xmlns:p14="http://schemas.microsoft.com/office/powerpoint/2010/main" val="2956723897"/>
+      </p:ext>
+    </p:extLst>
+  </p:cSld>
+  <p:clrMapOvr>
+    <a:masterClrMapping/>
+  </p:clrMapOvr>
+  <p:timing>
+    <p:tnLst>
+      <p:par>
+        <p:cTn id="1" dur="indefinite" restart="never" nodeType="tmRoot"/>
+      </p:par>
+    </p:tnLst>
+  </p:timing>
+</p:sld>
+</file>
+
+<file path=ppt/slides/slide26.xml><?xml version="1.0" encoding="utf-8"?>
+<p:sld xmlns:a="http://schemas.openxmlformats.org/drawingml/2006/main" xmlns:r="http://schemas.openxmlformats.org/officeDocument/2006/relationships" xmlns:p="http://schemas.openxmlformats.org/presentationml/2006/main">
+  <p:cSld>
+    <p:spTree>
+      <p:nvGrpSpPr>
+        <p:cNvPr id="1" name=""/>
+        <p:cNvGrpSpPr/>
+        <p:nvPr/>
+      </p:nvGrpSpPr>
+      <p:grpSpPr>
+        <a:xfrm>
+          <a:off x="0" y="0"/>
+          <a:ext cx="0" cy="0"/>
+          <a:chOff x="0" y="0"/>
+          <a:chExt cx="0" cy="0"/>
+        </a:xfrm>
+      </p:grpSpPr>
+      <p:sp>
+        <p:nvSpPr>
+          <p:cNvPr id="2" name="Título 1"/>
+          <p:cNvSpPr>
+            <a:spLocks noGrp="1"/>
+          </p:cNvSpPr>
+          <p:nvPr>
+            <p:ph type="title"/>
+          </p:nvPr>
+        </p:nvSpPr>
         <p:spPr>
           <a:xfrm>
             <a:off x="639417" y="0"/>
@@ -5891,8 +8198,8 @@
         </p:nvSpPr>
         <p:spPr>
           <a:xfrm rot="16200000">
-            <a:off x="720439" y="3245021"/>
-            <a:ext cx="1287123" cy="646331"/>
+            <a:off x="537985" y="3152146"/>
+            <a:ext cx="1652033" cy="646331"/>
           </a:xfrm>
           <a:prstGeom prst="rect">
             <a:avLst/>
@@ -8833,7 +11140,7 @@
 </p:sld>
 </file>
 
-<file path=ppt/slides/slide23.xml><?xml version="1.0" encoding="utf-8"?>
+<file path=ppt/slides/slide27.xml><?xml version="1.0" encoding="utf-8"?>
 <p:sld xmlns:a="http://schemas.openxmlformats.org/drawingml/2006/main" xmlns:r="http://schemas.openxmlformats.org/officeDocument/2006/relationships" xmlns:p="http://schemas.openxmlformats.org/presentationml/2006/main">
   <p:cSld>
     <p:spTree>
@@ -8905,42 +11212,42 @@
                 <a:gridCol w="1727200">
                   <a:extLst>
                     <a:ext uri="{9D8B030D-6E8A-4147-A177-3AD203B41FA5}">
-                      <a16:colId xmlns:a16="http://schemas.microsoft.com/office/drawing/2014/main" xmlns="" val="2691101568"/>
+                      <a16:colId xmlns="" xmlns:a16="http://schemas.microsoft.com/office/drawing/2014/main" val="2691101568"/>
                     </a:ext>
                   </a:extLst>
                 </a:gridCol>
                 <a:gridCol w="1727200">
                   <a:extLst>
                     <a:ext uri="{9D8B030D-6E8A-4147-A177-3AD203B41FA5}">
-                      <a16:colId xmlns:a16="http://schemas.microsoft.com/office/drawing/2014/main" xmlns="" val="3750635945"/>
+                      <a16:colId xmlns="" xmlns:a16="http://schemas.microsoft.com/office/drawing/2014/main" val="3750635945"/>
                     </a:ext>
                   </a:extLst>
                 </a:gridCol>
                 <a:gridCol w="1727200">
                   <a:extLst>
                     <a:ext uri="{9D8B030D-6E8A-4147-A177-3AD203B41FA5}">
-                      <a16:colId xmlns:a16="http://schemas.microsoft.com/office/drawing/2014/main" xmlns="" val="3085604721"/>
+                      <a16:colId xmlns="" xmlns:a16="http://schemas.microsoft.com/office/drawing/2014/main" val="3085604721"/>
                     </a:ext>
                   </a:extLst>
                 </a:gridCol>
                 <a:gridCol w="1727200">
                   <a:extLst>
                     <a:ext uri="{9D8B030D-6E8A-4147-A177-3AD203B41FA5}">
-                      <a16:colId xmlns:a16="http://schemas.microsoft.com/office/drawing/2014/main" xmlns="" val="2859422141"/>
+                      <a16:colId xmlns="" xmlns:a16="http://schemas.microsoft.com/office/drawing/2014/main" val="2859422141"/>
                     </a:ext>
                   </a:extLst>
                 </a:gridCol>
                 <a:gridCol w="1727200">
                   <a:extLst>
                     <a:ext uri="{9D8B030D-6E8A-4147-A177-3AD203B41FA5}">
-                      <a16:colId xmlns:a16="http://schemas.microsoft.com/office/drawing/2014/main" xmlns="" val="792373700"/>
+                      <a16:colId xmlns="" xmlns:a16="http://schemas.microsoft.com/office/drawing/2014/main" val="792373700"/>
                     </a:ext>
                   </a:extLst>
                 </a:gridCol>
                 <a:gridCol w="1727200">
                   <a:extLst>
                     <a:ext uri="{9D8B030D-6E8A-4147-A177-3AD203B41FA5}">
-                      <a16:colId xmlns:a16="http://schemas.microsoft.com/office/drawing/2014/main" xmlns="" val="1596226727"/>
+                      <a16:colId xmlns="" xmlns:a16="http://schemas.microsoft.com/office/drawing/2014/main" val="1596226727"/>
                     </a:ext>
                   </a:extLst>
                 </a:gridCol>
@@ -9031,7 +11338,7 @@
                 </a:tc>
                 <a:extLst>
                   <a:ext uri="{0D108BD9-81ED-4DB2-BD59-A6C34878D82A}">
-                    <a16:rowId xmlns:a16="http://schemas.microsoft.com/office/drawing/2014/main" xmlns="" val="2267519754"/>
+                    <a16:rowId xmlns="" xmlns:a16="http://schemas.microsoft.com/office/drawing/2014/main" val="2267519754"/>
                   </a:ext>
                 </a:extLst>
               </a:tr>
@@ -9182,7 +11489,7 @@
                 </a:tc>
                 <a:extLst>
                   <a:ext uri="{0D108BD9-81ED-4DB2-BD59-A6C34878D82A}">
-                    <a16:rowId xmlns:a16="http://schemas.microsoft.com/office/drawing/2014/main" xmlns="" val="4130436109"/>
+                    <a16:rowId xmlns="" xmlns:a16="http://schemas.microsoft.com/office/drawing/2014/main" val="4130436109"/>
                   </a:ext>
                 </a:extLst>
               </a:tr>
@@ -9273,7 +11580,7 @@
                 </a:tc>
                 <a:extLst>
                   <a:ext uri="{0D108BD9-81ED-4DB2-BD59-A6C34878D82A}">
-                    <a16:rowId xmlns:a16="http://schemas.microsoft.com/office/drawing/2014/main" xmlns="" val="3240719446"/>
+                    <a16:rowId xmlns="" xmlns:a16="http://schemas.microsoft.com/office/drawing/2014/main" val="3240719446"/>
                   </a:ext>
                 </a:extLst>
               </a:tr>
@@ -9373,7 +11680,7 @@
                 </a:tc>
                 <a:extLst>
                   <a:ext uri="{0D108BD9-81ED-4DB2-BD59-A6C34878D82A}">
-                    <a16:rowId xmlns:a16="http://schemas.microsoft.com/office/drawing/2014/main" xmlns="" val="2761823154"/>
+                    <a16:rowId xmlns="" xmlns:a16="http://schemas.microsoft.com/office/drawing/2014/main" val="2761823154"/>
                   </a:ext>
                 </a:extLst>
               </a:tr>
@@ -9473,7 +11780,7 @@
                 </a:tc>
                 <a:extLst>
                   <a:ext uri="{0D108BD9-81ED-4DB2-BD59-A6C34878D82A}">
-                    <a16:rowId xmlns:a16="http://schemas.microsoft.com/office/drawing/2014/main" xmlns="" val="2554094136"/>
+                    <a16:rowId xmlns="" xmlns:a16="http://schemas.microsoft.com/office/drawing/2014/main" val="2554094136"/>
                   </a:ext>
                 </a:extLst>
               </a:tr>
@@ -9568,7 +11875,7 @@
                 </a:tc>
                 <a:extLst>
                   <a:ext uri="{0D108BD9-81ED-4DB2-BD59-A6C34878D82A}">
-                    <a16:rowId xmlns:a16="http://schemas.microsoft.com/office/drawing/2014/main" xmlns="" val="1368826944"/>
+                    <a16:rowId xmlns="" xmlns:a16="http://schemas.microsoft.com/office/drawing/2014/main" val="1368826944"/>
                   </a:ext>
                 </a:extLst>
               </a:tr>
@@ -9659,7 +11966,7 @@
                 </a:tc>
                 <a:extLst>
                   <a:ext uri="{0D108BD9-81ED-4DB2-BD59-A6C34878D82A}">
-                    <a16:rowId xmlns:a16="http://schemas.microsoft.com/office/drawing/2014/main" xmlns="" val="2033652620"/>
+                    <a16:rowId xmlns="" xmlns:a16="http://schemas.microsoft.com/office/drawing/2014/main" val="2033652620"/>
                   </a:ext>
                 </a:extLst>
               </a:tr>
@@ -10166,9 +12473,16 @@
             <p:ph sz="quarter" idx="1"/>
           </p:nvPr>
         </p:nvSpPr>
-        <p:spPr/>
-        <p:txBody>
-          <a:bodyPr/>
+        <p:spPr>
+          <a:xfrm>
+            <a:off x="1219199" y="1447800"/>
+            <a:ext cx="10367211" cy="4572000"/>
+          </a:xfrm>
+        </p:spPr>
+        <p:txBody>
+          <a:bodyPr>
+            <a:normAutofit fontScale="92500" lnSpcReduction="10000"/>
+          </a:bodyPr>
           <a:lstStyle/>
           <a:p>
             <a:pPr marL="0" indent="0">
@@ -10176,98 +12490,94 @@
             </a:pPr>
             <a:r>
               <a:rPr lang="en-US" b="1" dirty="0" smtClean="0"/>
-              <a:t>Architectures</a:t>
-            </a:r>
-          </a:p>
-          <a:p>
+              <a:t>Architectural Styles</a:t>
+            </a:r>
+            <a:endParaRPr lang="en-US" b="1" dirty="0" smtClean="0"/>
+          </a:p>
+          <a:p>
+            <a:r>
+              <a:rPr lang="en-US" b="1" dirty="0" smtClean="0"/>
+              <a:t>Client/Server</a:t>
+            </a:r>
             <a:r>
               <a:rPr lang="en-US" dirty="0" smtClean="0"/>
-              <a:t>Client-Server</a:t>
-            </a:r>
-          </a:p>
-          <a:p>
+              <a:t>: </a:t>
+            </a:r>
+            <a:r>
+              <a:rPr lang="en-US" dirty="0"/>
+              <a:t>Segregates the system into two applications, where the client makes requests to the server. In many cases, the server is a database with application logic represented as stored procedures.</a:t>
+            </a:r>
+            <a:endParaRPr lang="en-US" dirty="0" smtClean="0"/>
+          </a:p>
+          <a:p>
+            <a:r>
+              <a:rPr lang="en-US" b="1" dirty="0" smtClean="0"/>
+              <a:t>Domain </a:t>
+            </a:r>
+            <a:r>
+              <a:rPr lang="en-US" b="1" dirty="0"/>
+              <a:t>Driven </a:t>
+            </a:r>
+            <a:r>
+              <a:rPr lang="en-US" b="1" dirty="0" smtClean="0"/>
+              <a:t>Design</a:t>
+            </a:r>
             <a:r>
               <a:rPr lang="en-US" dirty="0" smtClean="0"/>
-              <a:t>Multi-tier</a:t>
-            </a:r>
-          </a:p>
-          <a:p>
+              <a:t>: </a:t>
+            </a:r>
+            <a:r>
+              <a:rPr lang="en-US" dirty="0"/>
+              <a:t>An object-oriented architectural style focused on modeling a business domain and defining business objects based on entities within the business domain</a:t>
+            </a:r>
             <a:r>
               <a:rPr lang="en-US" dirty="0" smtClean="0"/>
-              <a:t>Peer-to-peer</a:t>
-            </a:r>
-          </a:p>
-          <a:p>
-            <a:pPr marL="0" indent="0">
-              <a:buNone/>
-            </a:pPr>
+              <a:t>.</a:t>
+            </a:r>
+          </a:p>
+          <a:p>
             <a:r>
               <a:rPr lang="en-US" b="1" dirty="0"/>
-              <a:t>Communication mode</a:t>
-            </a:r>
-          </a:p>
-          <a:p>
+              <a:t>Layered </a:t>
+            </a:r>
+            <a:r>
+              <a:rPr lang="en-US" b="1" dirty="0" smtClean="0"/>
+              <a:t>Architecture</a:t>
+            </a:r>
+            <a:r>
+              <a:rPr lang="en-US" dirty="0" smtClean="0"/>
+              <a:t>: </a:t>
+            </a:r>
             <a:r>
               <a:rPr lang="en-US" dirty="0"/>
-              <a:t>Synchronous</a:t>
-            </a:r>
-          </a:p>
-          <a:p>
+              <a:t>Partitions the concerns of the application into stacked groups (layers</a:t>
+            </a:r>
+            <a:r>
+              <a:rPr lang="en-US" dirty="0" smtClean="0"/>
+              <a:t>).</a:t>
+            </a:r>
+          </a:p>
+          <a:p>
+            <a:r>
+              <a:rPr lang="en-US" b="1" dirty="0"/>
+              <a:t>Service-Oriented Architecture (SOA</a:t>
+            </a:r>
+            <a:r>
+              <a:rPr lang="en-US" b="1" dirty="0" smtClean="0"/>
+              <a:t>)</a:t>
+            </a:r>
+            <a:r>
+              <a:rPr lang="en-US" dirty="0" smtClean="0"/>
+              <a:t>: </a:t>
+            </a:r>
             <a:r>
               <a:rPr lang="en-US" dirty="0"/>
-              <a:t>Asynchronous</a:t>
-            </a:r>
-            <a:endParaRPr lang="es-ES" dirty="0"/>
-          </a:p>
-          <a:p>
-            <a:pPr marL="0" indent="0">
-              <a:buNone/>
-            </a:pPr>
-            <a:endParaRPr lang="es-ES" dirty="0"/>
-          </a:p>
-        </p:txBody>
-      </p:sp>
-      <p:pic>
-        <p:nvPicPr>
-          <p:cNvPr id="4098" name="Picture 2" descr="Cc949110.EntIntegDistribComp01(en-us,MSDN.10).jpg"/>
-          <p:cNvPicPr>
-            <a:picLocks noChangeAspect="1" noChangeArrowheads="1"/>
-          </p:cNvPicPr>
-          <p:nvPr/>
-        </p:nvPicPr>
-        <p:blipFill>
-          <a:blip r:embed="rId2">
-            <a:extLst>
-              <a:ext uri="{28A0092B-C50C-407E-A947-70E740481C1C}">
-                <a14:useLocalDpi xmlns:a14="http://schemas.microsoft.com/office/drawing/2010/main" val="0"/>
-              </a:ext>
-            </a:extLst>
-          </a:blip>
-          <a:srcRect/>
-          <a:stretch>
-            <a:fillRect/>
-          </a:stretch>
-        </p:blipFill>
-        <p:spPr bwMode="auto">
-          <a:xfrm>
-            <a:off x="6255586" y="1411789"/>
-            <a:ext cx="4762500" cy="4781551"/>
-          </a:xfrm>
-          <a:prstGeom prst="rect">
-            <a:avLst/>
-          </a:prstGeom>
-          <a:noFill/>
-          <a:extLst>
-            <a:ext uri="{909E8E84-426E-40DD-AFC4-6F175D3DCCD1}">
-              <a14:hiddenFill xmlns:a14="http://schemas.microsoft.com/office/drawing/2010/main">
-                <a:solidFill>
-                  <a:srgbClr val="FFFFFF"/>
-                </a:solidFill>
-              </a14:hiddenFill>
-            </a:ext>
-          </a:extLst>
-        </p:spPr>
-      </p:pic>
+              <a:t>Refers to applications that expose and consume functionality as a service using contracts and messages.</a:t>
+            </a:r>
+            <a:endParaRPr lang="en-US" dirty="0" smtClean="0"/>
+          </a:p>
+        </p:txBody>
+      </p:sp>
     </p:spTree>
     <p:extLst>
       <p:ext uri="{BB962C8B-B14F-4D97-AF65-F5344CB8AC3E}">
@@ -10289,6 +12599,147 @@
 </file>
 
 <file path=ppt/slides/slide6.xml><?xml version="1.0" encoding="utf-8"?>
+<p:sld xmlns:a="http://schemas.openxmlformats.org/drawingml/2006/main" xmlns:r="http://schemas.openxmlformats.org/officeDocument/2006/relationships" xmlns:p="http://schemas.openxmlformats.org/presentationml/2006/main">
+  <p:cSld>
+    <p:spTree>
+      <p:nvGrpSpPr>
+        <p:cNvPr id="1" name=""/>
+        <p:cNvGrpSpPr/>
+        <p:nvPr/>
+      </p:nvGrpSpPr>
+      <p:grpSpPr>
+        <a:xfrm>
+          <a:off x="0" y="0"/>
+          <a:ext cx="0" cy="0"/>
+          <a:chOff x="0" y="0"/>
+          <a:chExt cx="0" cy="0"/>
+        </a:xfrm>
+      </p:grpSpPr>
+      <p:sp>
+        <p:nvSpPr>
+          <p:cNvPr id="2" name="1 Título"/>
+          <p:cNvSpPr>
+            <a:spLocks noGrp="1"/>
+          </p:cNvSpPr>
+          <p:nvPr>
+            <p:ph type="title"/>
+          </p:nvPr>
+        </p:nvSpPr>
+        <p:spPr/>
+        <p:txBody>
+          <a:bodyPr/>
+          <a:lstStyle/>
+          <a:p>
+            <a:r>
+              <a:rPr lang="en-US" dirty="0" smtClean="0"/>
+              <a:t>Distributed Computing</a:t>
+            </a:r>
+            <a:endParaRPr lang="es-ES" dirty="0"/>
+          </a:p>
+        </p:txBody>
+      </p:sp>
+      <p:sp>
+        <p:nvSpPr>
+          <p:cNvPr id="3" name="2 Marcador de contenido"/>
+          <p:cNvSpPr>
+            <a:spLocks noGrp="1"/>
+          </p:cNvSpPr>
+          <p:nvPr>
+            <p:ph sz="quarter" idx="1"/>
+          </p:nvPr>
+        </p:nvSpPr>
+        <p:spPr>
+          <a:xfrm>
+            <a:off x="1219199" y="1447800"/>
+            <a:ext cx="10367211" cy="4572000"/>
+          </a:xfrm>
+        </p:spPr>
+        <p:txBody>
+          <a:bodyPr>
+            <a:normAutofit fontScale="92500"/>
+          </a:bodyPr>
+          <a:lstStyle/>
+          <a:p>
+            <a:pPr marL="0" indent="0">
+              <a:buNone/>
+            </a:pPr>
+            <a:r>
+              <a:rPr lang="en-US" b="1" dirty="0" smtClean="0"/>
+              <a:t>Architectural Styles</a:t>
+            </a:r>
+            <a:endParaRPr lang="en-US" b="1" dirty="0" smtClean="0"/>
+          </a:p>
+          <a:p>
+            <a:r>
+              <a:rPr lang="en-US" b="1" dirty="0"/>
+              <a:t>Message Bus</a:t>
+            </a:r>
+            <a:r>
+              <a:rPr lang="en-US" dirty="0" smtClean="0"/>
+              <a:t>: </a:t>
+            </a:r>
+            <a:r>
+              <a:rPr lang="en-US" dirty="0"/>
+              <a:t>An architecture style that prescribes use of a software system that can receive and send messages using one or more communication channels, so that applications can interact without needing to know specific details about each other.</a:t>
+            </a:r>
+            <a:endParaRPr lang="en-US" dirty="0" smtClean="0"/>
+          </a:p>
+          <a:p>
+            <a:r>
+              <a:rPr lang="en-US" b="1" dirty="0"/>
+              <a:t>N-Tier / 3-Tier</a:t>
+            </a:r>
+            <a:r>
+              <a:rPr lang="en-US" dirty="0" smtClean="0"/>
+              <a:t>: </a:t>
+            </a:r>
+            <a:r>
+              <a:rPr lang="en-US" dirty="0"/>
+              <a:t>Segregates functionality into separate segments in much the same way as the layered style, but with each segment being a tier located on a physically separate computer.</a:t>
+            </a:r>
+            <a:endParaRPr lang="en-US" dirty="0" smtClean="0"/>
+          </a:p>
+          <a:p>
+            <a:r>
+              <a:rPr lang="en-US" b="1" dirty="0"/>
+              <a:t>Object-Oriented</a:t>
+            </a:r>
+            <a:r>
+              <a:rPr lang="en-US" dirty="0" smtClean="0"/>
+              <a:t>: </a:t>
+            </a:r>
+            <a:r>
+              <a:rPr lang="en-US" dirty="0"/>
+              <a:t>A design paradigm based on division of responsibilities for an application or system into individual reusable and self-sufficient objects, each containing the data and the behavior relevant to the object</a:t>
+            </a:r>
+            <a:r>
+              <a:rPr lang="en-US" dirty="0" smtClean="0"/>
+              <a:t>.</a:t>
+            </a:r>
+          </a:p>
+        </p:txBody>
+      </p:sp>
+    </p:spTree>
+    <p:extLst>
+      <p:ext uri="{BB962C8B-B14F-4D97-AF65-F5344CB8AC3E}">
+        <p14:creationId xmlns:p14="http://schemas.microsoft.com/office/powerpoint/2010/main" val="989142667"/>
+      </p:ext>
+    </p:extLst>
+  </p:cSld>
+  <p:clrMapOvr>
+    <a:masterClrMapping/>
+  </p:clrMapOvr>
+  <p:timing>
+    <p:tnLst>
+      <p:par>
+        <p:cTn id="1" dur="indefinite" restart="never" nodeType="tmRoot"/>
+      </p:par>
+    </p:tnLst>
+  </p:timing>
+</p:sld>
+</file>
+
+<file path=ppt/slides/slide7.xml><?xml version="1.0" encoding="utf-8"?>
 <p:sld xmlns:a="http://schemas.openxmlformats.org/drawingml/2006/main" xmlns:r="http://schemas.openxmlformats.org/officeDocument/2006/relationships" xmlns:p="http://schemas.openxmlformats.org/presentationml/2006/main">
   <p:cSld>
     <p:spTree>
@@ -10480,7 +12931,7 @@
 </p:sld>
 </file>
 
-<file path=ppt/slides/slide7.xml><?xml version="1.0" encoding="utf-8"?>
+<file path=ppt/slides/slide8.xml><?xml version="1.0" encoding="utf-8"?>
 <p:sld xmlns:a="http://schemas.openxmlformats.org/drawingml/2006/main" xmlns:r="http://schemas.openxmlformats.org/officeDocument/2006/relationships" xmlns:p="http://schemas.openxmlformats.org/presentationml/2006/main">
   <p:cSld>
     <p:spTree>
@@ -10664,160 +13115,6 @@
 </p:sld>
 </file>
 
-<file path=ppt/slides/slide8.xml><?xml version="1.0" encoding="utf-8"?>
-<p:sld xmlns:a="http://schemas.openxmlformats.org/drawingml/2006/main" xmlns:r="http://schemas.openxmlformats.org/officeDocument/2006/relationships" xmlns:p="http://schemas.openxmlformats.org/presentationml/2006/main">
-  <p:cSld>
-    <p:spTree>
-      <p:nvGrpSpPr>
-        <p:cNvPr id="1" name=""/>
-        <p:cNvGrpSpPr/>
-        <p:nvPr/>
-      </p:nvGrpSpPr>
-      <p:grpSpPr>
-        <a:xfrm>
-          <a:off x="0" y="0"/>
-          <a:ext cx="0" cy="0"/>
-          <a:chOff x="0" y="0"/>
-          <a:chExt cx="0" cy="0"/>
-        </a:xfrm>
-      </p:grpSpPr>
-      <p:sp>
-        <p:nvSpPr>
-          <p:cNvPr id="2" name="1 Título"/>
-          <p:cNvSpPr>
-            <a:spLocks noGrp="1"/>
-          </p:cNvSpPr>
-          <p:nvPr>
-            <p:ph type="title"/>
-          </p:nvPr>
-        </p:nvSpPr>
-        <p:spPr/>
-        <p:txBody>
-          <a:bodyPr/>
-          <a:lstStyle/>
-          <a:p>
-            <a:r>
-              <a:rPr lang="en-US" dirty="0" smtClean="0"/>
-              <a:t>Message Oriented </a:t>
-            </a:r>
-            <a:r>
-              <a:rPr lang="en-US" dirty="0"/>
-              <a:t>Architecture</a:t>
-            </a:r>
-            <a:endParaRPr lang="es-ES" dirty="0"/>
-          </a:p>
-        </p:txBody>
-      </p:sp>
-      <p:sp>
-        <p:nvSpPr>
-          <p:cNvPr id="3" name="2 Marcador de contenido"/>
-          <p:cNvSpPr>
-            <a:spLocks noGrp="1"/>
-          </p:cNvSpPr>
-          <p:nvPr>
-            <p:ph sz="quarter" idx="1"/>
-          </p:nvPr>
-        </p:nvSpPr>
-        <p:spPr/>
-        <p:txBody>
-          <a:bodyPr/>
-          <a:lstStyle/>
-          <a:p>
-            <a:pPr marL="0" indent="0">
-              <a:buNone/>
-            </a:pPr>
-            <a:r>
-              <a:rPr lang="en-US" b="1" dirty="0" smtClean="0"/>
-              <a:t>Examples of messages</a:t>
-            </a:r>
-          </a:p>
-          <a:p>
-            <a:r>
-              <a:rPr lang="en-US" dirty="0"/>
-              <a:t>A </a:t>
-            </a:r>
-            <a:r>
-              <a:rPr lang="en-US" dirty="0" smtClean="0"/>
-              <a:t>message is any relatively short data unit which conveys some information for the system producing/consuming it</a:t>
-            </a:r>
-            <a:endParaRPr lang="en-US" dirty="0"/>
-          </a:p>
-          <a:p>
-            <a:pPr lvl="1"/>
-            <a:r>
-              <a:rPr lang="en-US" b="1" dirty="0" smtClean="0"/>
-              <a:t>1</a:t>
-            </a:r>
-          </a:p>
-          <a:p>
-            <a:pPr lvl="1"/>
-            <a:r>
-              <a:rPr lang="en-US" b="1" dirty="0" smtClean="0"/>
-              <a:t>“Hello”</a:t>
-            </a:r>
-          </a:p>
-          <a:p>
-            <a:pPr lvl="1"/>
-            <a:r>
-              <a:rPr lang="en-US" b="1" dirty="0" smtClean="0"/>
-              <a:t>&lt;</a:t>
-            </a:r>
-            <a:r>
-              <a:rPr lang="en-US" b="1" dirty="0" err="1" smtClean="0"/>
-              <a:t>LogError</a:t>
-            </a:r>
-            <a:r>
-              <a:rPr lang="en-US" b="1" dirty="0" smtClean="0"/>
-              <a:t>&gt;Error on remote system&lt;/</a:t>
-            </a:r>
-            <a:r>
-              <a:rPr lang="en-US" b="1" dirty="0" err="1" smtClean="0"/>
-              <a:t>LogError</a:t>
-            </a:r>
-            <a:r>
-              <a:rPr lang="en-US" b="1" dirty="0" smtClean="0"/>
-              <a:t>&gt;</a:t>
-            </a:r>
-          </a:p>
-          <a:p>
-            <a:pPr lvl="1"/>
-            <a:r>
-              <a:rPr lang="en-US" b="1" dirty="0" smtClean="0"/>
-              <a:t>{ command: “create-order”, zone: “East Building”, date: …}</a:t>
-            </a:r>
-          </a:p>
-          <a:p>
-            <a:pPr marL="0" indent="0">
-              <a:buNone/>
-            </a:pPr>
-            <a:endParaRPr lang="en-US" b="1" dirty="0"/>
-          </a:p>
-          <a:p>
-            <a:pPr lvl="1"/>
-            <a:endParaRPr lang="en-US" b="1" dirty="0" smtClean="0"/>
-          </a:p>
-        </p:txBody>
-      </p:sp>
-    </p:spTree>
-    <p:extLst>
-      <p:ext uri="{BB962C8B-B14F-4D97-AF65-F5344CB8AC3E}">
-        <p14:creationId xmlns:p14="http://schemas.microsoft.com/office/powerpoint/2010/main" val="3313039464"/>
-      </p:ext>
-    </p:extLst>
-  </p:cSld>
-  <p:clrMapOvr>
-    <a:masterClrMapping/>
-  </p:clrMapOvr>
-  <p:timing>
-    <p:tnLst>
-      <p:par>
-        <p:cTn id="1" dur="indefinite" restart="never" nodeType="tmRoot"/>
-      </p:par>
-    </p:tnLst>
-  </p:timing>
-</p:sld>
-</file>
-
 <file path=ppt/slides/slide9.xml><?xml version="1.0" encoding="utf-8"?>
 <p:sld xmlns:a="http://schemas.openxmlformats.org/drawingml/2006/main" xmlns:r="http://schemas.openxmlformats.org/officeDocument/2006/relationships" xmlns:p="http://schemas.openxmlformats.org/presentationml/2006/main">
   <p:cSld>
@@ -10852,7 +13149,11 @@
           <a:p>
             <a:r>
               <a:rPr lang="en-US" dirty="0" smtClean="0"/>
-              <a:t>Message Oriented Architecture</a:t>
+              <a:t>Message Oriented </a:t>
+            </a:r>
+            <a:r>
+              <a:rPr lang="en-US" dirty="0"/>
+              <a:t>Architecture</a:t>
             </a:r>
             <a:endParaRPr lang="es-ES" dirty="0"/>
           </a:p>
@@ -10878,16 +13179,62 @@
             </a:pPr>
             <a:r>
               <a:rPr lang="en-US" b="1" dirty="0" smtClean="0"/>
-              <a:t>Message queues</a:t>
-            </a:r>
-          </a:p>
-          <a:p>
-            <a:pPr marL="0" indent="0">
-              <a:buNone/>
-            </a:pPr>
+              <a:t>Examples of messages</a:t>
+            </a:r>
+          </a:p>
+          <a:p>
             <a:r>
               <a:rPr lang="en-US" dirty="0"/>
-              <a:t>A queue is a line of things waiting to be handled - in sequential order starting at the beginning of the line. A message queue is a queue of messages sent between applications. It includes a sequence of work objects that are waiting to be processed.</a:t>
+              <a:t>A </a:t>
+            </a:r>
+            <a:r>
+              <a:rPr lang="en-US" dirty="0" smtClean="0"/>
+              <a:t>message is any relatively short data unit which conveys some information for the system producing/consuming it</a:t>
+            </a:r>
+            <a:endParaRPr lang="en-US" dirty="0"/>
+          </a:p>
+          <a:p>
+            <a:pPr lvl="1"/>
+            <a:r>
+              <a:rPr lang="en-US" b="1" dirty="0" smtClean="0"/>
+              <a:t>1</a:t>
+            </a:r>
+          </a:p>
+          <a:p>
+            <a:pPr lvl="1"/>
+            <a:r>
+              <a:rPr lang="en-US" b="1" dirty="0" smtClean="0"/>
+              <a:t>“Hello”</a:t>
+            </a:r>
+          </a:p>
+          <a:p>
+            <a:pPr lvl="1"/>
+            <a:r>
+              <a:rPr lang="en-US" b="1" dirty="0" smtClean="0"/>
+              <a:t>&lt;</a:t>
+            </a:r>
+            <a:r>
+              <a:rPr lang="en-US" b="1" dirty="0" err="1" smtClean="0"/>
+              <a:t>LogError</a:t>
+            </a:r>
+            <a:r>
+              <a:rPr lang="en-US" b="1" dirty="0" smtClean="0"/>
+              <a:t>&gt;Error on remote system&lt;/</a:t>
+            </a:r>
+            <a:r>
+              <a:rPr lang="en-US" b="1" dirty="0" err="1" smtClean="0"/>
+              <a:t>LogError</a:t>
+            </a:r>
+            <a:r>
+              <a:rPr lang="en-US" b="1" dirty="0" smtClean="0"/>
+              <a:t>&gt;</a:t>
+            </a:r>
+          </a:p>
+          <a:p>
+            <a:pPr lvl="1"/>
+            <a:r>
+              <a:rPr lang="en-US" b="1" dirty="0" smtClean="0"/>
+              <a:t>{ command: “create-order”, zone: “East Building”, date: …}</a:t>
             </a:r>
           </a:p>
           <a:p>
@@ -10902,64 +13249,10 @@
           </a:p>
         </p:txBody>
       </p:sp>
-      <p:pic>
-        <p:nvPicPr>
-          <p:cNvPr id="1026" name="Picture 2"/>
-          <p:cNvPicPr>
-            <a:picLocks noChangeAspect="1" noChangeArrowheads="1"/>
-          </p:cNvPicPr>
-          <p:nvPr/>
-        </p:nvPicPr>
-        <p:blipFill>
-          <a:blip r:embed="rId2">
-            <a:extLst>
-              <a:ext uri="{28A0092B-C50C-407E-A947-70E740481C1C}">
-                <a14:useLocalDpi xmlns:a14="http://schemas.microsoft.com/office/drawing/2010/main" val="0"/>
-              </a:ext>
-            </a:extLst>
-          </a:blip>
-          <a:srcRect/>
-          <a:stretch>
-            <a:fillRect/>
-          </a:stretch>
-        </p:blipFill>
-        <p:spPr bwMode="auto">
-          <a:xfrm>
-            <a:off x="2984583" y="3816517"/>
-            <a:ext cx="5934075" cy="2305050"/>
-          </a:xfrm>
-          <a:prstGeom prst="rect">
-            <a:avLst/>
-          </a:prstGeom>
-          <a:noFill/>
-          <a:ln>
-            <a:noFill/>
-          </a:ln>
-          <a:extLst>
-            <a:ext uri="{909E8E84-426E-40DD-AFC4-6F175D3DCCD1}">
-              <a14:hiddenFill xmlns:a14="http://schemas.microsoft.com/office/drawing/2010/main">
-                <a:solidFill>
-                  <a:schemeClr val="accent1"/>
-                </a:solidFill>
-              </a14:hiddenFill>
-            </a:ext>
-            <a:ext uri="{91240B29-F687-4F45-9708-019B960494DF}">
-              <a14:hiddenLine xmlns:a14="http://schemas.microsoft.com/office/drawing/2010/main" w="9525">
-                <a:solidFill>
-                  <a:schemeClr val="tx1"/>
-                </a:solidFill>
-                <a:miter lim="800000"/>
-                <a:headEnd/>
-                <a:tailEnd/>
-              </a14:hiddenLine>
-            </a:ext>
-          </a:extLst>
-        </p:spPr>
-      </p:pic>
     </p:spTree>
     <p:extLst>
       <p:ext uri="{BB962C8B-B14F-4D97-AF65-F5344CB8AC3E}">
-        <p14:creationId xmlns:p14="http://schemas.microsoft.com/office/powerpoint/2010/main" val="4242366704"/>
+        <p14:creationId xmlns:p14="http://schemas.microsoft.com/office/powerpoint/2010/main" val="3313039464"/>
       </p:ext>
     </p:extLst>
   </p:cSld>

--- a/Docs/Distributed Architecture.pptx
+++ b/Docs/Distributed Architecture.pptx
@@ -22,16 +22,17 @@
     <p:sldId id="266" r:id="rId16"/>
     <p:sldId id="282" r:id="rId17"/>
     <p:sldId id="267" r:id="rId18"/>
-    <p:sldId id="264" r:id="rId19"/>
-    <p:sldId id="279" r:id="rId20"/>
-    <p:sldId id="269" r:id="rId21"/>
-    <p:sldId id="268" r:id="rId22"/>
-    <p:sldId id="270" r:id="rId23"/>
-    <p:sldId id="271" r:id="rId24"/>
-    <p:sldId id="272" r:id="rId25"/>
-    <p:sldId id="258" r:id="rId26"/>
-    <p:sldId id="260" r:id="rId27"/>
-    <p:sldId id="259" r:id="rId28"/>
+    <p:sldId id="284" r:id="rId19"/>
+    <p:sldId id="285" r:id="rId20"/>
+    <p:sldId id="264" r:id="rId21"/>
+    <p:sldId id="279" r:id="rId22"/>
+    <p:sldId id="269" r:id="rId23"/>
+    <p:sldId id="268" r:id="rId24"/>
+    <p:sldId id="270" r:id="rId25"/>
+    <p:sldId id="271" r:id="rId26"/>
+    <p:sldId id="272" r:id="rId27"/>
+    <p:sldId id="258" r:id="rId28"/>
+    <p:sldId id="260" r:id="rId29"/>
   </p:sldIdLst>
   <p:sldSz cx="12192000" cy="6858000"/>
   <p:notesSz cx="6858000" cy="9144000"/>
@@ -327,7 +328,7 @@
           <a:p>
             <a:fld id="{9E016143-E03C-4CFD-AFDC-14E5BDEA754C}" type="datetimeFigureOut">
               <a:rPr lang="en-US" smtClean="0"/>
-              <a:t>6/1/2016</a:t>
+              <a:t>6/2/2016</a:t>
             </a:fld>
             <a:endParaRPr lang="en-US" dirty="0"/>
           </a:p>
@@ -681,7 +682,7 @@
           <a:p>
             <a:fld id="{C033E54A-A8CA-48C1-9504-691B58049D29}" type="datetimeFigureOut">
               <a:rPr lang="en-US" smtClean="0"/>
-              <a:t>6/1/2016</a:t>
+              <a:t>6/2/2016</a:t>
             </a:fld>
             <a:endParaRPr lang="en-US" dirty="0"/>
           </a:p>
@@ -856,7 +857,7 @@
           <a:p>
             <a:fld id="{B5F6C806-BBF7-471C-9527-881CE2266695}" type="datetimeFigureOut">
               <a:rPr lang="en-US" smtClean="0"/>
-              <a:t>6/1/2016</a:t>
+              <a:t>6/2/2016</a:t>
             </a:fld>
             <a:endParaRPr lang="en-US" dirty="0"/>
           </a:p>
@@ -969,7 +970,7 @@
           <a:p>
             <a:fld id="{78C94063-DF36-4330-A365-08DA1FA5B7D6}" type="datetimeFigureOut">
               <a:rPr lang="en-US" smtClean="0"/>
-              <a:t>6/1/2016</a:t>
+              <a:t>6/2/2016</a:t>
             </a:fld>
             <a:endParaRPr lang="en-US" dirty="0"/>
           </a:p>
@@ -1327,7 +1328,7 @@
           <a:p>
             <a:fld id="{908A7C6C-0F39-4D70-8E8D-FE5B9C95FA73}" type="datetimeFigureOut">
               <a:rPr lang="en-US" smtClean="0"/>
-              <a:t>6/1/2016</a:t>
+              <a:t>6/2/2016</a:t>
             </a:fld>
             <a:endParaRPr lang="en-US" dirty="0"/>
           </a:p>
@@ -1592,7 +1593,7 @@
           <a:p>
             <a:fld id="{DFCFA4AC-08CC-42CE-BD01-C191750A04EC}" type="datetimeFigureOut">
               <a:rPr lang="en-US" smtClean="0"/>
-              <a:t>6/1/2016</a:t>
+              <a:t>6/2/2016</a:t>
             </a:fld>
             <a:endParaRPr lang="en-US" dirty="0"/>
           </a:p>
@@ -1954,7 +1955,7 @@
           <a:p>
             <a:fld id="{1BA7A723-92A7-435B-B681-F25B092FEFEB}" type="datetimeFigureOut">
               <a:rPr lang="en-US" smtClean="0"/>
-              <a:t>6/1/2016</a:t>
+              <a:t>6/2/2016</a:t>
             </a:fld>
             <a:endParaRPr lang="en-US" dirty="0"/>
           </a:p>
@@ -2181,7 +2182,7 @@
           <a:p>
             <a:fld id="{0E59FD0C-5451-4CA0-86AF-E70AE3279989}" type="datetimeFigureOut">
               <a:rPr lang="en-US" smtClean="0"/>
-              <a:t>6/1/2016</a:t>
+              <a:t>6/2/2016</a:t>
             </a:fld>
             <a:endParaRPr lang="en-US" dirty="0"/>
           </a:p>
@@ -2273,7 +2274,7 @@
           <a:p>
             <a:fld id="{22230651-31F4-45D2-98AE-A2108F41BC07}" type="datetimeFigureOut">
               <a:rPr lang="en-US" smtClean="0"/>
-              <a:t>6/1/2016</a:t>
+              <a:t>6/2/2016</a:t>
             </a:fld>
             <a:endParaRPr lang="en-US" dirty="0"/>
           </a:p>
@@ -2540,7 +2541,7 @@
           <a:p>
             <a:fld id="{6F53789A-C914-4DB1-8815-80B5EC7335C5}" type="datetimeFigureOut">
               <a:rPr lang="en-US" smtClean="0"/>
-              <a:t>6/1/2016</a:t>
+              <a:t>6/2/2016</a:t>
             </a:fld>
             <a:endParaRPr lang="en-US" dirty="0"/>
           </a:p>
@@ -2768,7 +2769,7 @@
           <a:p>
             <a:fld id="{5E6440AA-91A0-436F-8FDB-C0F939DCAE21}" type="datetimeFigureOut">
               <a:rPr lang="en-US" smtClean="0"/>
-              <a:t>6/1/2016</a:t>
+              <a:t>6/2/2016</a:t>
             </a:fld>
             <a:endParaRPr lang="en-US" dirty="0"/>
           </a:p>
@@ -3267,7 +3268,7 @@
           <a:p>
             <a:fld id="{0E59FD0C-5451-4CA0-86AF-E70AE3279989}" type="datetimeFigureOut">
               <a:rPr lang="en-US" smtClean="0"/>
-              <a:t>6/1/2016</a:t>
+              <a:t>6/2/2016</a:t>
             </a:fld>
             <a:endParaRPr lang="en-US" dirty="0"/>
           </a:p>
@@ -3699,12 +3700,12 @@
           </a:p>
           <a:p>
             <a:r>
-              <a:rPr lang="en-US" dirty="0" err="1" smtClean="0"/>
-              <a:t>JGIngenieros</a:t>
-            </a:r>
-            <a:r>
               <a:rPr lang="en-US" dirty="0" smtClean="0"/>
-              <a:t> S.A.</a:t>
+              <a:t>JG Ingenieros </a:t>
+            </a:r>
+            <a:r>
+              <a:rPr lang="en-US" dirty="0" smtClean="0"/>
+              <a:t>S.A.</a:t>
             </a:r>
             <a:endParaRPr lang="es-ES" dirty="0"/>
           </a:p>
@@ -3726,11 +3727,15 @@
           <a:lstStyle/>
           <a:p>
             <a:r>
-              <a:rPr lang="es-ES" dirty="0" err="1"/>
+              <a:rPr lang="es-ES" dirty="0" smtClean="0"/>
+              <a:t>MantTest </a:t>
+            </a:r>
+            <a:r>
+              <a:rPr lang="es-ES" dirty="0" err="1" smtClean="0"/>
               <a:t>Distributed</a:t>
             </a:r>
             <a:r>
-              <a:rPr lang="es-ES" dirty="0"/>
+              <a:rPr lang="es-ES" dirty="0" smtClean="0"/>
               <a:t> </a:t>
             </a:r>
             <a:r>
@@ -3830,13 +3835,8 @@
             </a:pPr>
             <a:r>
               <a:rPr lang="en-US" b="1" dirty="0" smtClean="0"/>
-              <a:t>Examples of </a:t>
-            </a:r>
-            <a:r>
-              <a:rPr lang="en-US" b="1" dirty="0" smtClean="0"/>
-              <a:t>messages</a:t>
-            </a:r>
-            <a:endParaRPr lang="en-US" b="1" dirty="0" smtClean="0"/>
+              <a:t>Examples of messages</a:t>
+            </a:r>
           </a:p>
         </p:txBody>
       </p:sp>
@@ -4039,153 +4039,6 @@
           </p:txBody>
         </p:sp>
       </p:grpSp>
-      <p:grpSp>
-        <p:nvGrpSpPr>
-          <p:cNvPr id="11" name="10 Grupo"/>
-          <p:cNvGrpSpPr/>
-          <p:nvPr/>
-        </p:nvGrpSpPr>
-        <p:grpSpPr>
-          <a:xfrm>
-            <a:off x="8910146" y="3665692"/>
-            <a:ext cx="1864897" cy="400110"/>
-            <a:chOff x="6292515" y="2466762"/>
-            <a:chExt cx="3621505" cy="800221"/>
-          </a:xfrm>
-        </p:grpSpPr>
-        <p:sp>
-          <p:nvSpPr>
-            <p:cNvPr id="12" name="11 Rectángulo redondeado"/>
-            <p:cNvSpPr/>
-            <p:nvPr/>
-          </p:nvSpPr>
-          <p:spPr>
-            <a:xfrm>
-              <a:off x="6292515" y="2538663"/>
-              <a:ext cx="950495" cy="625641"/>
-            </a:xfrm>
-            <a:prstGeom prst="roundRect">
-              <a:avLst/>
-            </a:prstGeom>
-          </p:spPr>
-          <p:style>
-            <a:lnRef idx="1">
-              <a:schemeClr val="accent4"/>
-            </a:lnRef>
-            <a:fillRef idx="3">
-              <a:schemeClr val="accent4"/>
-            </a:fillRef>
-            <a:effectRef idx="2">
-              <a:schemeClr val="accent4"/>
-            </a:effectRef>
-            <a:fontRef idx="minor">
-              <a:schemeClr val="lt1"/>
-            </a:fontRef>
-          </p:style>
-          <p:txBody>
-            <a:bodyPr rtlCol="0" anchor="ctr"/>
-            <a:lstStyle/>
-            <a:p>
-              <a:pPr algn="ctr"/>
-              <a:r>
-                <a:rPr lang="en-US" sz="2000" dirty="0">
-                  <a:latin typeface="Arial" panose="020B0604020202020204" pitchFamily="34" charset="0"/>
-                  <a:cs typeface="Arial" panose="020B0604020202020204" pitchFamily="34" charset="0"/>
-                </a:rPr>
-                <a:t>-</a:t>
-              </a:r>
-              <a:endParaRPr lang="es-ES" sz="2000" dirty="0">
-                <a:latin typeface="Arial" panose="020B0604020202020204" pitchFamily="34" charset="0"/>
-                <a:cs typeface="Arial" panose="020B0604020202020204" pitchFamily="34" charset="0"/>
-              </a:endParaRPr>
-            </a:p>
-          </p:txBody>
-        </p:sp>
-        <p:sp>
-          <p:nvSpPr>
-            <p:cNvPr id="13" name="12 Rectángulo redondeado"/>
-            <p:cNvSpPr/>
-            <p:nvPr/>
-          </p:nvSpPr>
-          <p:spPr>
-            <a:xfrm>
-              <a:off x="8963525" y="2538663"/>
-              <a:ext cx="950495" cy="625641"/>
-            </a:xfrm>
-            <a:prstGeom prst="roundRect">
-              <a:avLst/>
-            </a:prstGeom>
-          </p:spPr>
-          <p:style>
-            <a:lnRef idx="1">
-              <a:schemeClr val="accent4"/>
-            </a:lnRef>
-            <a:fillRef idx="3">
-              <a:schemeClr val="accent4"/>
-            </a:fillRef>
-            <a:effectRef idx="2">
-              <a:schemeClr val="accent4"/>
-            </a:effectRef>
-            <a:fontRef idx="minor">
-              <a:schemeClr val="lt1"/>
-            </a:fontRef>
-          </p:style>
-          <p:txBody>
-            <a:bodyPr rtlCol="0" anchor="ctr"/>
-            <a:lstStyle/>
-            <a:p>
-              <a:pPr algn="ctr"/>
-              <a:r>
-                <a:rPr lang="en-US" sz="2000" dirty="0" smtClean="0">
-                  <a:latin typeface="Arial" panose="020B0604020202020204" pitchFamily="34" charset="0"/>
-                  <a:cs typeface="Arial" panose="020B0604020202020204" pitchFamily="34" charset="0"/>
-                </a:rPr>
-                <a:t>+</a:t>
-              </a:r>
-              <a:endParaRPr lang="es-ES" sz="2000" dirty="0">
-                <a:latin typeface="Arial" panose="020B0604020202020204" pitchFamily="34" charset="0"/>
-                <a:cs typeface="Arial" panose="020B0604020202020204" pitchFamily="34" charset="0"/>
-              </a:endParaRPr>
-            </a:p>
-          </p:txBody>
-        </p:sp>
-        <p:sp>
-          <p:nvSpPr>
-            <p:cNvPr id="14" name="13 CuadroTexto"/>
-            <p:cNvSpPr txBox="1"/>
-            <p:nvPr/>
-          </p:nvSpPr>
-          <p:spPr>
-            <a:xfrm>
-              <a:off x="7724275" y="2466762"/>
-              <a:ext cx="823734" cy="800221"/>
-            </a:xfrm>
-            <a:prstGeom prst="rect">
-              <a:avLst/>
-            </a:prstGeom>
-            <a:noFill/>
-          </p:spPr>
-          <p:txBody>
-            <a:bodyPr wrap="none" rtlCol="0">
-              <a:spAutoFit/>
-            </a:bodyPr>
-            <a:lstStyle/>
-            <a:p>
-              <a:r>
-                <a:rPr lang="en-US" sz="2000" dirty="0" smtClean="0">
-                  <a:latin typeface="Arial" panose="020B0604020202020204" pitchFamily="34" charset="0"/>
-                  <a:cs typeface="Arial" panose="020B0604020202020204" pitchFamily="34" charset="0"/>
-                </a:rPr>
-                <a:t>41</a:t>
-              </a:r>
-              <a:endParaRPr lang="es-ES" sz="2000" dirty="0">
-                <a:latin typeface="Arial" panose="020B0604020202020204" pitchFamily="34" charset="0"/>
-                <a:cs typeface="Arial" panose="020B0604020202020204" pitchFamily="34" charset="0"/>
-              </a:endParaRPr>
-            </a:p>
-          </p:txBody>
-        </p:sp>
-      </p:grpSp>
       <p:cxnSp>
         <p:nvCxnSpPr>
           <p:cNvPr id="10" name="9 Conector curvado"/>
@@ -4427,14 +4280,14 @@
           <p:cNvPr id="30" name="29 Conector recto de flecha"/>
           <p:cNvCxnSpPr>
             <a:stCxn id="22" idx="0"/>
-            <a:endCxn id="14" idx="2"/>
+            <a:endCxn id="26" idx="2"/>
           </p:cNvCxnSpPr>
           <p:nvPr/>
         </p:nvCxnSpPr>
         <p:spPr>
           <a:xfrm flipH="1" flipV="1">
-            <a:off x="9859524" y="4065802"/>
-            <a:ext cx="496016" cy="1000038"/>
+            <a:off x="8559584" y="3156030"/>
+            <a:ext cx="1795956" cy="1909810"/>
           </a:xfrm>
           <a:prstGeom prst="straightConnector1">
             <a:avLst/>
@@ -4497,45 +4350,184 @@
           </a:p>
         </p:txBody>
       </p:sp>
-      <p:cxnSp>
-        <p:nvCxnSpPr>
-          <p:cNvPr id="1025" name="1024 Conector recto de flecha"/>
-          <p:cNvCxnSpPr>
-            <a:stCxn id="14" idx="0"/>
-            <a:endCxn id="6" idx="2"/>
-          </p:cNvCxnSpPr>
+      <p:sp>
+        <p:nvSpPr>
+          <p:cNvPr id="4" name="3 Rectángulo"/>
+          <p:cNvSpPr/>
           <p:nvPr/>
-        </p:nvCxnSpPr>
+        </p:nvSpPr>
         <p:spPr>
-          <a:xfrm flipH="1" flipV="1">
-            <a:off x="8564845" y="3151693"/>
-            <a:ext cx="1294679" cy="513999"/>
+          <a:xfrm>
+            <a:off x="1227221" y="5829879"/>
+            <a:ext cx="3095719" cy="369332"/>
           </a:xfrm>
-          <a:prstGeom prst="straightConnector1">
+          <a:prstGeom prst="rect">
             <a:avLst/>
           </a:prstGeom>
-          <a:ln w="28575">
-            <a:solidFill>
-              <a:schemeClr val="tx1"/>
-            </a:solidFill>
-            <a:tailEnd type="arrow"/>
-          </a:ln>
         </p:spPr>
-        <p:style>
-          <a:lnRef idx="1">
-            <a:schemeClr val="accent1"/>
-          </a:lnRef>
-          <a:fillRef idx="0">
-            <a:schemeClr val="accent1"/>
-          </a:fillRef>
-          <a:effectRef idx="0">
-            <a:schemeClr val="accent1"/>
-          </a:effectRef>
-          <a:fontRef idx="minor">
-            <a:schemeClr val="tx1"/>
-          </a:fontRef>
-        </p:style>
-      </p:cxnSp>
+        <p:txBody>
+          <a:bodyPr wrap="none">
+            <a:spAutoFit/>
+          </a:bodyPr>
+          <a:lstStyle/>
+          <a:p>
+            <a:r>
+              <a:rPr lang="es-ES" dirty="0">
+                <a:hlinkClick r:id="rId3"/>
+              </a:rPr>
+              <a:t>http://elm-lang.org/examples</a:t>
+            </a:r>
+            <a:endParaRPr lang="es-ES" dirty="0"/>
+          </a:p>
+        </p:txBody>
+      </p:sp>
+      <p:grpSp>
+        <p:nvGrpSpPr>
+          <p:cNvPr id="23" name="22 Grupo"/>
+          <p:cNvGrpSpPr/>
+          <p:nvPr/>
+        </p:nvGrpSpPr>
+        <p:grpSpPr>
+          <a:xfrm>
+            <a:off x="6721303" y="2386589"/>
+            <a:ext cx="3621505" cy="769441"/>
+            <a:chOff x="6292515" y="2466762"/>
+            <a:chExt cx="3621505" cy="769441"/>
+          </a:xfrm>
+        </p:grpSpPr>
+        <p:sp>
+          <p:nvSpPr>
+            <p:cNvPr id="24" name="23 Rectángulo redondeado"/>
+            <p:cNvSpPr/>
+            <p:nvPr/>
+          </p:nvSpPr>
+          <p:spPr>
+            <a:xfrm>
+              <a:off x="6292515" y="2538663"/>
+              <a:ext cx="950495" cy="625641"/>
+            </a:xfrm>
+            <a:prstGeom prst="roundRect">
+              <a:avLst/>
+            </a:prstGeom>
+          </p:spPr>
+          <p:style>
+            <a:lnRef idx="1">
+              <a:schemeClr val="accent4"/>
+            </a:lnRef>
+            <a:fillRef idx="3">
+              <a:schemeClr val="accent4"/>
+            </a:fillRef>
+            <a:effectRef idx="2">
+              <a:schemeClr val="accent4"/>
+            </a:effectRef>
+            <a:fontRef idx="minor">
+              <a:schemeClr val="lt1"/>
+            </a:fontRef>
+          </p:style>
+          <p:txBody>
+            <a:bodyPr rtlCol="0" anchor="ctr"/>
+            <a:lstStyle/>
+            <a:p>
+              <a:pPr algn="ctr"/>
+              <a:r>
+                <a:rPr lang="en-US" sz="4400" dirty="0">
+                  <a:latin typeface="Arial" panose="020B0604020202020204" pitchFamily="34" charset="0"/>
+                  <a:cs typeface="Arial" panose="020B0604020202020204" pitchFamily="34" charset="0"/>
+                </a:rPr>
+                <a:t>-</a:t>
+              </a:r>
+              <a:endParaRPr lang="es-ES" sz="4400" dirty="0">
+                <a:latin typeface="Arial" panose="020B0604020202020204" pitchFamily="34" charset="0"/>
+                <a:cs typeface="Arial" panose="020B0604020202020204" pitchFamily="34" charset="0"/>
+              </a:endParaRPr>
+            </a:p>
+          </p:txBody>
+        </p:sp>
+        <p:sp>
+          <p:nvSpPr>
+            <p:cNvPr id="25" name="24 Rectángulo redondeado"/>
+            <p:cNvSpPr/>
+            <p:nvPr/>
+          </p:nvSpPr>
+          <p:spPr>
+            <a:xfrm>
+              <a:off x="8963525" y="2538663"/>
+              <a:ext cx="950495" cy="625641"/>
+            </a:xfrm>
+            <a:prstGeom prst="roundRect">
+              <a:avLst/>
+            </a:prstGeom>
+          </p:spPr>
+          <p:style>
+            <a:lnRef idx="1">
+              <a:schemeClr val="accent4"/>
+            </a:lnRef>
+            <a:fillRef idx="3">
+              <a:schemeClr val="accent4"/>
+            </a:fillRef>
+            <a:effectRef idx="2">
+              <a:schemeClr val="accent4"/>
+            </a:effectRef>
+            <a:fontRef idx="minor">
+              <a:schemeClr val="lt1"/>
+            </a:fontRef>
+          </p:style>
+          <p:txBody>
+            <a:bodyPr rtlCol="0" anchor="ctr"/>
+            <a:lstStyle/>
+            <a:p>
+              <a:pPr algn="ctr"/>
+              <a:r>
+                <a:rPr lang="en-US" sz="4400" dirty="0" smtClean="0">
+                  <a:latin typeface="Arial" panose="020B0604020202020204" pitchFamily="34" charset="0"/>
+                  <a:cs typeface="Arial" panose="020B0604020202020204" pitchFamily="34" charset="0"/>
+                </a:rPr>
+                <a:t>+</a:t>
+              </a:r>
+              <a:endParaRPr lang="es-ES" sz="4400" dirty="0">
+                <a:latin typeface="Arial" panose="020B0604020202020204" pitchFamily="34" charset="0"/>
+                <a:cs typeface="Arial" panose="020B0604020202020204" pitchFamily="34" charset="0"/>
+              </a:endParaRPr>
+            </a:p>
+          </p:txBody>
+        </p:sp>
+        <p:sp>
+          <p:nvSpPr>
+            <p:cNvPr id="26" name="25 CuadroTexto"/>
+            <p:cNvSpPr txBox="1"/>
+            <p:nvPr/>
+          </p:nvSpPr>
+          <p:spPr>
+            <a:xfrm>
+              <a:off x="7724274" y="2466762"/>
+              <a:ext cx="813043" cy="769441"/>
+            </a:xfrm>
+            <a:prstGeom prst="rect">
+              <a:avLst/>
+            </a:prstGeom>
+            <a:noFill/>
+          </p:spPr>
+          <p:txBody>
+            <a:bodyPr wrap="none" rtlCol="0">
+              <a:spAutoFit/>
+            </a:bodyPr>
+            <a:lstStyle/>
+            <a:p>
+              <a:r>
+                <a:rPr lang="en-US" sz="4400" dirty="0" smtClean="0">
+                  <a:latin typeface="Arial" panose="020B0604020202020204" pitchFamily="34" charset="0"/>
+                  <a:cs typeface="Arial" panose="020B0604020202020204" pitchFamily="34" charset="0"/>
+                </a:rPr>
+                <a:t>41</a:t>
+              </a:r>
+              <a:endParaRPr lang="es-ES" sz="4400" dirty="0">
+                <a:latin typeface="Arial" panose="020B0604020202020204" pitchFamily="34" charset="0"/>
+                <a:cs typeface="Arial" panose="020B0604020202020204" pitchFamily="34" charset="0"/>
+              </a:endParaRPr>
+            </a:p>
+          </p:txBody>
+        </p:sp>
+      </p:grpSp>
     </p:spTree>
     <p:extLst>
       <p:ext uri="{BB962C8B-B14F-4D97-AF65-F5344CB8AC3E}">
@@ -4549,9 +4541,609 @@
   <p:timing>
     <p:tnLst>
       <p:par>
-        <p:cTn id="1" dur="indefinite" restart="never" nodeType="tmRoot"/>
+        <p:cTn id="1" dur="indefinite" restart="never" nodeType="tmRoot">
+          <p:childTnLst>
+            <p:seq concurrent="1" nextAc="seek">
+              <p:cTn id="2" dur="indefinite" nodeType="mainSeq">
+                <p:childTnLst>
+                  <p:par>
+                    <p:cTn id="3" fill="hold">
+                      <p:stCondLst>
+                        <p:cond delay="indefinite"/>
+                      </p:stCondLst>
+                      <p:childTnLst>
+                        <p:par>
+                          <p:cTn id="4" fill="hold">
+                            <p:stCondLst>
+                              <p:cond delay="0"/>
+                            </p:stCondLst>
+                            <p:childTnLst>
+                              <p:par>
+                                <p:cTn id="5" presetID="22" presetClass="entr" presetSubtype="1" fill="hold" nodeType="clickEffect">
+                                  <p:stCondLst>
+                                    <p:cond delay="0"/>
+                                  </p:stCondLst>
+                                  <p:childTnLst>
+                                    <p:set>
+                                      <p:cBhvr>
+                                        <p:cTn id="6" dur="1" fill="hold">
+                                          <p:stCondLst>
+                                            <p:cond delay="0"/>
+                                          </p:stCondLst>
+                                        </p:cTn>
+                                        <p:tgtEl>
+                                          <p:spTgt spid="10"/>
+                                        </p:tgtEl>
+                                        <p:attrNameLst>
+                                          <p:attrName>style.visibility</p:attrName>
+                                        </p:attrNameLst>
+                                      </p:cBhvr>
+                                      <p:to>
+                                        <p:strVal val="visible"/>
+                                      </p:to>
+                                    </p:set>
+                                    <p:animEffect transition="in" filter="wipe(up)">
+                                      <p:cBhvr>
+                                        <p:cTn id="7" dur="500"/>
+                                        <p:tgtEl>
+                                          <p:spTgt spid="10"/>
+                                        </p:tgtEl>
+                                      </p:cBhvr>
+                                    </p:animEffect>
+                                  </p:childTnLst>
+                                </p:cTn>
+                              </p:par>
+                              <p:par>
+                                <p:cTn id="8" presetID="53" presetClass="entr" presetSubtype="16" fill="hold" grpId="0" nodeType="withEffect">
+                                  <p:stCondLst>
+                                    <p:cond delay="0"/>
+                                  </p:stCondLst>
+                                  <p:childTnLst>
+                                    <p:set>
+                                      <p:cBhvr>
+                                        <p:cTn id="9" dur="1" fill="hold">
+                                          <p:stCondLst>
+                                            <p:cond delay="0"/>
+                                          </p:stCondLst>
+                                        </p:cTn>
+                                        <p:tgtEl>
+                                          <p:spTgt spid="15"/>
+                                        </p:tgtEl>
+                                        <p:attrNameLst>
+                                          <p:attrName>style.visibility</p:attrName>
+                                        </p:attrNameLst>
+                                      </p:cBhvr>
+                                      <p:to>
+                                        <p:strVal val="visible"/>
+                                      </p:to>
+                                    </p:set>
+                                    <p:anim calcmode="lin" valueType="num">
+                                      <p:cBhvr>
+                                        <p:cTn id="10" dur="500" fill="hold"/>
+                                        <p:tgtEl>
+                                          <p:spTgt spid="15"/>
+                                        </p:tgtEl>
+                                        <p:attrNameLst>
+                                          <p:attrName>ppt_w</p:attrName>
+                                        </p:attrNameLst>
+                                      </p:cBhvr>
+                                      <p:tavLst>
+                                        <p:tav tm="0">
+                                          <p:val>
+                                            <p:fltVal val="0"/>
+                                          </p:val>
+                                        </p:tav>
+                                        <p:tav tm="100000">
+                                          <p:val>
+                                            <p:strVal val="#ppt_w"/>
+                                          </p:val>
+                                        </p:tav>
+                                      </p:tavLst>
+                                    </p:anim>
+                                    <p:anim calcmode="lin" valueType="num">
+                                      <p:cBhvr>
+                                        <p:cTn id="11" dur="500" fill="hold"/>
+                                        <p:tgtEl>
+                                          <p:spTgt spid="15"/>
+                                        </p:tgtEl>
+                                        <p:attrNameLst>
+                                          <p:attrName>ppt_h</p:attrName>
+                                        </p:attrNameLst>
+                                      </p:cBhvr>
+                                      <p:tavLst>
+                                        <p:tav tm="0">
+                                          <p:val>
+                                            <p:fltVal val="0"/>
+                                          </p:val>
+                                        </p:tav>
+                                        <p:tav tm="100000">
+                                          <p:val>
+                                            <p:strVal val="#ppt_h"/>
+                                          </p:val>
+                                        </p:tav>
+                                      </p:tavLst>
+                                    </p:anim>
+                                    <p:animEffect transition="in" filter="fade">
+                                      <p:cBhvr>
+                                        <p:cTn id="12" dur="500"/>
+                                        <p:tgtEl>
+                                          <p:spTgt spid="15"/>
+                                        </p:tgtEl>
+                                      </p:cBhvr>
+                                    </p:animEffect>
+                                  </p:childTnLst>
+                                </p:cTn>
+                              </p:par>
+                            </p:childTnLst>
+                          </p:cTn>
+                        </p:par>
+                        <p:par>
+                          <p:cTn id="13" fill="hold">
+                            <p:stCondLst>
+                              <p:cond delay="500"/>
+                            </p:stCondLst>
+                            <p:childTnLst>
+                              <p:par>
+                                <p:cTn id="14" presetID="53" presetClass="entr" presetSubtype="16" fill="hold" grpId="0" nodeType="afterEffect">
+                                  <p:stCondLst>
+                                    <p:cond delay="0"/>
+                                  </p:stCondLst>
+                                  <p:childTnLst>
+                                    <p:set>
+                                      <p:cBhvr>
+                                        <p:cTn id="15" dur="1" fill="hold">
+                                          <p:stCondLst>
+                                            <p:cond delay="0"/>
+                                          </p:stCondLst>
+                                        </p:cTn>
+                                        <p:tgtEl>
+                                          <p:spTgt spid="18"/>
+                                        </p:tgtEl>
+                                        <p:attrNameLst>
+                                          <p:attrName>style.visibility</p:attrName>
+                                        </p:attrNameLst>
+                                      </p:cBhvr>
+                                      <p:to>
+                                        <p:strVal val="visible"/>
+                                      </p:to>
+                                    </p:set>
+                                    <p:anim calcmode="lin" valueType="num">
+                                      <p:cBhvr>
+                                        <p:cTn id="16" dur="500" fill="hold"/>
+                                        <p:tgtEl>
+                                          <p:spTgt spid="18"/>
+                                        </p:tgtEl>
+                                        <p:attrNameLst>
+                                          <p:attrName>ppt_w</p:attrName>
+                                        </p:attrNameLst>
+                                      </p:cBhvr>
+                                      <p:tavLst>
+                                        <p:tav tm="0">
+                                          <p:val>
+                                            <p:fltVal val="0"/>
+                                          </p:val>
+                                        </p:tav>
+                                        <p:tav tm="100000">
+                                          <p:val>
+                                            <p:strVal val="#ppt_w"/>
+                                          </p:val>
+                                        </p:tav>
+                                      </p:tavLst>
+                                    </p:anim>
+                                    <p:anim calcmode="lin" valueType="num">
+                                      <p:cBhvr>
+                                        <p:cTn id="17" dur="500" fill="hold"/>
+                                        <p:tgtEl>
+                                          <p:spTgt spid="18"/>
+                                        </p:tgtEl>
+                                        <p:attrNameLst>
+                                          <p:attrName>ppt_h</p:attrName>
+                                        </p:attrNameLst>
+                                      </p:cBhvr>
+                                      <p:tavLst>
+                                        <p:tav tm="0">
+                                          <p:val>
+                                            <p:fltVal val="0"/>
+                                          </p:val>
+                                        </p:tav>
+                                        <p:tav tm="100000">
+                                          <p:val>
+                                            <p:strVal val="#ppt_h"/>
+                                          </p:val>
+                                        </p:tav>
+                                      </p:tavLst>
+                                    </p:anim>
+                                    <p:animEffect transition="in" filter="fade">
+                                      <p:cBhvr>
+                                        <p:cTn id="18" dur="500"/>
+                                        <p:tgtEl>
+                                          <p:spTgt spid="18"/>
+                                        </p:tgtEl>
+                                      </p:cBhvr>
+                                    </p:animEffect>
+                                  </p:childTnLst>
+                                </p:cTn>
+                              </p:par>
+                            </p:childTnLst>
+                          </p:cTn>
+                        </p:par>
+                      </p:childTnLst>
+                    </p:cTn>
+                  </p:par>
+                  <p:par>
+                    <p:cTn id="19" fill="hold">
+                      <p:stCondLst>
+                        <p:cond delay="indefinite"/>
+                      </p:stCondLst>
+                      <p:childTnLst>
+                        <p:par>
+                          <p:cTn id="20" fill="hold">
+                            <p:stCondLst>
+                              <p:cond delay="0"/>
+                            </p:stCondLst>
+                            <p:childTnLst>
+                              <p:par>
+                                <p:cTn id="21" presetID="22" presetClass="entr" presetSubtype="8" fill="hold" nodeType="clickEffect">
+                                  <p:stCondLst>
+                                    <p:cond delay="0"/>
+                                  </p:stCondLst>
+                                  <p:childTnLst>
+                                    <p:set>
+                                      <p:cBhvr>
+                                        <p:cTn id="22" dur="1" fill="hold">
+                                          <p:stCondLst>
+                                            <p:cond delay="0"/>
+                                          </p:stCondLst>
+                                        </p:cTn>
+                                        <p:tgtEl>
+                                          <p:spTgt spid="21"/>
+                                        </p:tgtEl>
+                                        <p:attrNameLst>
+                                          <p:attrName>style.visibility</p:attrName>
+                                        </p:attrNameLst>
+                                      </p:cBhvr>
+                                      <p:to>
+                                        <p:strVal val="visible"/>
+                                      </p:to>
+                                    </p:set>
+                                    <p:animEffect transition="in" filter="wipe(left)">
+                                      <p:cBhvr>
+                                        <p:cTn id="23" dur="500"/>
+                                        <p:tgtEl>
+                                          <p:spTgt spid="21"/>
+                                        </p:tgtEl>
+                                      </p:cBhvr>
+                                    </p:animEffect>
+                                  </p:childTnLst>
+                                </p:cTn>
+                              </p:par>
+                              <p:par>
+                                <p:cTn id="24" presetID="53" presetClass="entr" presetSubtype="16" fill="hold" grpId="0" nodeType="withEffect">
+                                  <p:stCondLst>
+                                    <p:cond delay="0"/>
+                                  </p:stCondLst>
+                                  <p:childTnLst>
+                                    <p:set>
+                                      <p:cBhvr>
+                                        <p:cTn id="25" dur="1" fill="hold">
+                                          <p:stCondLst>
+                                            <p:cond delay="0"/>
+                                          </p:stCondLst>
+                                        </p:cTn>
+                                        <p:tgtEl>
+                                          <p:spTgt spid="29"/>
+                                        </p:tgtEl>
+                                        <p:attrNameLst>
+                                          <p:attrName>style.visibility</p:attrName>
+                                        </p:attrNameLst>
+                                      </p:cBhvr>
+                                      <p:to>
+                                        <p:strVal val="visible"/>
+                                      </p:to>
+                                    </p:set>
+                                    <p:anim calcmode="lin" valueType="num">
+                                      <p:cBhvr>
+                                        <p:cTn id="26" dur="500" fill="hold"/>
+                                        <p:tgtEl>
+                                          <p:spTgt spid="29"/>
+                                        </p:tgtEl>
+                                        <p:attrNameLst>
+                                          <p:attrName>ppt_w</p:attrName>
+                                        </p:attrNameLst>
+                                      </p:cBhvr>
+                                      <p:tavLst>
+                                        <p:tav tm="0">
+                                          <p:val>
+                                            <p:fltVal val="0"/>
+                                          </p:val>
+                                        </p:tav>
+                                        <p:tav tm="100000">
+                                          <p:val>
+                                            <p:strVal val="#ppt_w"/>
+                                          </p:val>
+                                        </p:tav>
+                                      </p:tavLst>
+                                    </p:anim>
+                                    <p:anim calcmode="lin" valueType="num">
+                                      <p:cBhvr>
+                                        <p:cTn id="27" dur="500" fill="hold"/>
+                                        <p:tgtEl>
+                                          <p:spTgt spid="29"/>
+                                        </p:tgtEl>
+                                        <p:attrNameLst>
+                                          <p:attrName>ppt_h</p:attrName>
+                                        </p:attrNameLst>
+                                      </p:cBhvr>
+                                      <p:tavLst>
+                                        <p:tav tm="0">
+                                          <p:val>
+                                            <p:fltVal val="0"/>
+                                          </p:val>
+                                        </p:tav>
+                                        <p:tav tm="100000">
+                                          <p:val>
+                                            <p:strVal val="#ppt_h"/>
+                                          </p:val>
+                                        </p:tav>
+                                      </p:tavLst>
+                                    </p:anim>
+                                    <p:animEffect transition="in" filter="fade">
+                                      <p:cBhvr>
+                                        <p:cTn id="28" dur="500"/>
+                                        <p:tgtEl>
+                                          <p:spTgt spid="29"/>
+                                        </p:tgtEl>
+                                      </p:cBhvr>
+                                    </p:animEffect>
+                                  </p:childTnLst>
+                                </p:cTn>
+                              </p:par>
+                            </p:childTnLst>
+                          </p:cTn>
+                        </p:par>
+                        <p:par>
+                          <p:cTn id="29" fill="hold">
+                            <p:stCondLst>
+                              <p:cond delay="500"/>
+                            </p:stCondLst>
+                            <p:childTnLst>
+                              <p:par>
+                                <p:cTn id="30" presetID="53" presetClass="entr" presetSubtype="16" fill="hold" grpId="0" nodeType="afterEffect">
+                                  <p:stCondLst>
+                                    <p:cond delay="0"/>
+                                  </p:stCondLst>
+                                  <p:childTnLst>
+                                    <p:set>
+                                      <p:cBhvr>
+                                        <p:cTn id="31" dur="1" fill="hold">
+                                          <p:stCondLst>
+                                            <p:cond delay="0"/>
+                                          </p:stCondLst>
+                                        </p:cTn>
+                                        <p:tgtEl>
+                                          <p:spTgt spid="22"/>
+                                        </p:tgtEl>
+                                        <p:attrNameLst>
+                                          <p:attrName>style.visibility</p:attrName>
+                                        </p:attrNameLst>
+                                      </p:cBhvr>
+                                      <p:to>
+                                        <p:strVal val="visible"/>
+                                      </p:to>
+                                    </p:set>
+                                    <p:anim calcmode="lin" valueType="num">
+                                      <p:cBhvr>
+                                        <p:cTn id="32" dur="500" fill="hold"/>
+                                        <p:tgtEl>
+                                          <p:spTgt spid="22"/>
+                                        </p:tgtEl>
+                                        <p:attrNameLst>
+                                          <p:attrName>ppt_w</p:attrName>
+                                        </p:attrNameLst>
+                                      </p:cBhvr>
+                                      <p:tavLst>
+                                        <p:tav tm="0">
+                                          <p:val>
+                                            <p:fltVal val="0"/>
+                                          </p:val>
+                                        </p:tav>
+                                        <p:tav tm="100000">
+                                          <p:val>
+                                            <p:strVal val="#ppt_w"/>
+                                          </p:val>
+                                        </p:tav>
+                                      </p:tavLst>
+                                    </p:anim>
+                                    <p:anim calcmode="lin" valueType="num">
+                                      <p:cBhvr>
+                                        <p:cTn id="33" dur="500" fill="hold"/>
+                                        <p:tgtEl>
+                                          <p:spTgt spid="22"/>
+                                        </p:tgtEl>
+                                        <p:attrNameLst>
+                                          <p:attrName>ppt_h</p:attrName>
+                                        </p:attrNameLst>
+                                      </p:cBhvr>
+                                      <p:tavLst>
+                                        <p:tav tm="0">
+                                          <p:val>
+                                            <p:fltVal val="0"/>
+                                          </p:val>
+                                        </p:tav>
+                                        <p:tav tm="100000">
+                                          <p:val>
+                                            <p:strVal val="#ppt_h"/>
+                                          </p:val>
+                                        </p:tav>
+                                      </p:tavLst>
+                                    </p:anim>
+                                    <p:animEffect transition="in" filter="fade">
+                                      <p:cBhvr>
+                                        <p:cTn id="34" dur="500"/>
+                                        <p:tgtEl>
+                                          <p:spTgt spid="22"/>
+                                        </p:tgtEl>
+                                      </p:cBhvr>
+                                    </p:animEffect>
+                                  </p:childTnLst>
+                                </p:cTn>
+                              </p:par>
+                            </p:childTnLst>
+                          </p:cTn>
+                        </p:par>
+                      </p:childTnLst>
+                    </p:cTn>
+                  </p:par>
+                  <p:par>
+                    <p:cTn id="35" fill="hold">
+                      <p:stCondLst>
+                        <p:cond delay="indefinite"/>
+                      </p:stCondLst>
+                      <p:childTnLst>
+                        <p:par>
+                          <p:cTn id="36" fill="hold">
+                            <p:stCondLst>
+                              <p:cond delay="0"/>
+                            </p:stCondLst>
+                            <p:childTnLst>
+                              <p:par>
+                                <p:cTn id="37" presetID="22" presetClass="entr" presetSubtype="4" fill="hold" nodeType="clickEffect">
+                                  <p:stCondLst>
+                                    <p:cond delay="0"/>
+                                  </p:stCondLst>
+                                  <p:childTnLst>
+                                    <p:set>
+                                      <p:cBhvr>
+                                        <p:cTn id="38" dur="1" fill="hold">
+                                          <p:stCondLst>
+                                            <p:cond delay="0"/>
+                                          </p:stCondLst>
+                                        </p:cTn>
+                                        <p:tgtEl>
+                                          <p:spTgt spid="30"/>
+                                        </p:tgtEl>
+                                        <p:attrNameLst>
+                                          <p:attrName>style.visibility</p:attrName>
+                                        </p:attrNameLst>
+                                      </p:cBhvr>
+                                      <p:to>
+                                        <p:strVal val="visible"/>
+                                      </p:to>
+                                    </p:set>
+                                    <p:animEffect transition="in" filter="wipe(down)">
+                                      <p:cBhvr>
+                                        <p:cTn id="39" dur="500"/>
+                                        <p:tgtEl>
+                                          <p:spTgt spid="30"/>
+                                        </p:tgtEl>
+                                      </p:cBhvr>
+                                    </p:animEffect>
+                                  </p:childTnLst>
+                                </p:cTn>
+                              </p:par>
+                              <p:par>
+                                <p:cTn id="40" presetID="10" presetClass="entr" presetSubtype="0" fill="hold" nodeType="withEffect">
+                                  <p:stCondLst>
+                                    <p:cond delay="0"/>
+                                  </p:stCondLst>
+                                  <p:childTnLst>
+                                    <p:set>
+                                      <p:cBhvr>
+                                        <p:cTn id="41" dur="1" fill="hold">
+                                          <p:stCondLst>
+                                            <p:cond delay="0"/>
+                                          </p:stCondLst>
+                                        </p:cTn>
+                                        <p:tgtEl>
+                                          <p:spTgt spid="23"/>
+                                        </p:tgtEl>
+                                        <p:attrNameLst>
+                                          <p:attrName>style.visibility</p:attrName>
+                                        </p:attrNameLst>
+                                      </p:cBhvr>
+                                      <p:to>
+                                        <p:strVal val="visible"/>
+                                      </p:to>
+                                    </p:set>
+                                    <p:animEffect transition="in" filter="fade">
+                                      <p:cBhvr>
+                                        <p:cTn id="42" dur="500"/>
+                                        <p:tgtEl>
+                                          <p:spTgt spid="23"/>
+                                        </p:tgtEl>
+                                      </p:cBhvr>
+                                    </p:animEffect>
+                                  </p:childTnLst>
+                                </p:cTn>
+                              </p:par>
+                              <p:par>
+                                <p:cTn id="43" presetID="10" presetClass="exit" presetSubtype="0" fill="hold" nodeType="withEffect">
+                                  <p:stCondLst>
+                                    <p:cond delay="0"/>
+                                  </p:stCondLst>
+                                  <p:childTnLst>
+                                    <p:animEffect transition="out" filter="fade">
+                                      <p:cBhvr>
+                                        <p:cTn id="44" dur="500"/>
+                                        <p:tgtEl>
+                                          <p:spTgt spid="7"/>
+                                        </p:tgtEl>
+                                      </p:cBhvr>
+                                    </p:animEffect>
+                                    <p:set>
+                                      <p:cBhvr>
+                                        <p:cTn id="45" dur="1" fill="hold">
+                                          <p:stCondLst>
+                                            <p:cond delay="499"/>
+                                          </p:stCondLst>
+                                        </p:cTn>
+                                        <p:tgtEl>
+                                          <p:spTgt spid="7"/>
+                                        </p:tgtEl>
+                                        <p:attrNameLst>
+                                          <p:attrName>style.visibility</p:attrName>
+                                        </p:attrNameLst>
+                                      </p:cBhvr>
+                                      <p:to>
+                                        <p:strVal val="hidden"/>
+                                      </p:to>
+                                    </p:set>
+                                  </p:childTnLst>
+                                </p:cTn>
+                              </p:par>
+                            </p:childTnLst>
+                          </p:cTn>
+                        </p:par>
+                      </p:childTnLst>
+                    </p:cTn>
+                  </p:par>
+                </p:childTnLst>
+              </p:cTn>
+              <p:prevCondLst>
+                <p:cond evt="onPrev" delay="0">
+                  <p:tgtEl>
+                    <p:sldTgt/>
+                  </p:tgtEl>
+                </p:cond>
+              </p:prevCondLst>
+              <p:nextCondLst>
+                <p:cond evt="onNext" delay="0">
+                  <p:tgtEl>
+                    <p:sldTgt/>
+                  </p:tgtEl>
+                </p:cond>
+              </p:nextCondLst>
+            </p:seq>
+          </p:childTnLst>
+        </p:cTn>
       </p:par>
     </p:tnLst>
+    <p:bldLst>
+      <p:bldP spid="15" grpId="0" animBg="1"/>
+      <p:bldP spid="18" grpId="0" animBg="1"/>
+      <p:bldP spid="22" grpId="0" animBg="1"/>
+      <p:bldP spid="29" grpId="0" animBg="1"/>
+    </p:bldLst>
   </p:timing>
 </p:sld>
 </file>
@@ -4621,9 +5213,12 @@
               <a:buNone/>
             </a:pPr>
             <a:r>
-              <a:rPr lang="en-US" sz="2000" dirty="0"/>
+              <a:rPr lang="en-US" sz="2000" dirty="0">
+                <a:hlinkClick r:id="rId2"/>
+              </a:rPr>
               <a:t>http://todomvc.com/examples/elm/</a:t>
             </a:r>
+            <a:endParaRPr lang="en-US" sz="2000" dirty="0"/>
           </a:p>
         </p:txBody>
       </p:sp>
@@ -5225,7 +5820,7 @@
           <p:nvPr/>
         </p:nvPicPr>
         <p:blipFill rotWithShape="1">
-          <a:blip r:embed="rId2">
+          <a:blip r:embed="rId3">
             <a:extLst>
               <a:ext uri="{28A0092B-C50C-407E-A947-70E740481C1C}">
                 <a14:useLocalDpi xmlns:a14="http://schemas.microsoft.com/office/drawing/2010/main" val="0"/>
@@ -5749,7 +6344,6 @@
               <a:rPr lang="en-US" dirty="0" smtClean="0"/>
               <a:t>: Abstractions that describes selected aspects of a domain</a:t>
             </a:r>
-            <a:endParaRPr lang="en-US" dirty="0" smtClean="0"/>
           </a:p>
           <a:p>
             <a:pPr lvl="1"/>
@@ -6505,6 +7099,1021 @@
           <a:p>
             <a:r>
               <a:rPr lang="en-US" dirty="0" smtClean="0"/>
+              <a:t>Functional Programming</a:t>
+            </a:r>
+            <a:endParaRPr lang="es-ES" dirty="0"/>
+          </a:p>
+        </p:txBody>
+      </p:sp>
+      <p:pic>
+        <p:nvPicPr>
+          <p:cNvPr id="2050" name="Picture 2"/>
+          <p:cNvPicPr>
+            <a:picLocks noChangeAspect="1" noChangeArrowheads="1"/>
+          </p:cNvPicPr>
+          <p:nvPr/>
+        </p:nvPicPr>
+        <p:blipFill rotWithShape="1">
+          <a:blip r:embed="rId2">
+            <a:extLst>
+              <a:ext uri="{28A0092B-C50C-407E-A947-70E740481C1C}">
+                <a14:useLocalDpi xmlns:a14="http://schemas.microsoft.com/office/drawing/2010/main" val="0"/>
+              </a:ext>
+            </a:extLst>
+          </a:blip>
+          <a:srcRect/>
+          <a:stretch/>
+        </p:blipFill>
+        <p:spPr bwMode="auto">
+          <a:xfrm>
+            <a:off x="1204686" y="1748971"/>
+            <a:ext cx="4608363" cy="4084414"/>
+          </a:xfrm>
+          <a:prstGeom prst="rect">
+            <a:avLst/>
+          </a:prstGeom>
+          <a:noFill/>
+          <a:ln>
+            <a:noFill/>
+          </a:ln>
+          <a:extLst>
+            <a:ext uri="{909E8E84-426E-40DD-AFC4-6F175D3DCCD1}">
+              <a14:hiddenFill xmlns:a14="http://schemas.microsoft.com/office/drawing/2010/main">
+                <a:solidFill>
+                  <a:schemeClr val="accent1"/>
+                </a:solidFill>
+              </a14:hiddenFill>
+            </a:ext>
+            <a:ext uri="{91240B29-F687-4F45-9708-019B960494DF}">
+              <a14:hiddenLine xmlns:a14="http://schemas.microsoft.com/office/drawing/2010/main" w="9525">
+                <a:solidFill>
+                  <a:schemeClr val="tx1"/>
+                </a:solidFill>
+                <a:miter lim="800000"/>
+                <a:headEnd/>
+                <a:tailEnd/>
+              </a14:hiddenLine>
+            </a:ext>
+          </a:extLst>
+        </p:spPr>
+      </p:pic>
+      <p:pic>
+        <p:nvPicPr>
+          <p:cNvPr id="2051" name="Picture 3"/>
+          <p:cNvPicPr>
+            <a:picLocks noChangeAspect="1" noChangeArrowheads="1"/>
+          </p:cNvPicPr>
+          <p:nvPr/>
+        </p:nvPicPr>
+        <p:blipFill rotWithShape="1">
+          <a:blip r:embed="rId3">
+            <a:extLst>
+              <a:ext uri="{28A0092B-C50C-407E-A947-70E740481C1C}">
+                <a14:useLocalDpi xmlns:a14="http://schemas.microsoft.com/office/drawing/2010/main" val="0"/>
+              </a:ext>
+            </a:extLst>
+          </a:blip>
+          <a:srcRect/>
+          <a:stretch/>
+        </p:blipFill>
+        <p:spPr bwMode="auto">
+          <a:xfrm>
+            <a:off x="6734627" y="2242456"/>
+            <a:ext cx="3301899" cy="2721534"/>
+          </a:xfrm>
+          <a:prstGeom prst="rect">
+            <a:avLst/>
+          </a:prstGeom>
+          <a:noFill/>
+          <a:ln>
+            <a:noFill/>
+          </a:ln>
+          <a:extLst>
+            <a:ext uri="{909E8E84-426E-40DD-AFC4-6F175D3DCCD1}">
+              <a14:hiddenFill xmlns:a14="http://schemas.microsoft.com/office/drawing/2010/main">
+                <a:solidFill>
+                  <a:schemeClr val="accent1"/>
+                </a:solidFill>
+              </a14:hiddenFill>
+            </a:ext>
+            <a:ext uri="{91240B29-F687-4F45-9708-019B960494DF}">
+              <a14:hiddenLine xmlns:a14="http://schemas.microsoft.com/office/drawing/2010/main" w="9525">
+                <a:solidFill>
+                  <a:schemeClr val="tx1"/>
+                </a:solidFill>
+                <a:miter lim="800000"/>
+                <a:headEnd/>
+                <a:tailEnd/>
+              </a14:hiddenLine>
+            </a:ext>
+          </a:extLst>
+        </p:spPr>
+      </p:pic>
+    </p:spTree>
+    <p:extLst>
+      <p:ext uri="{BB962C8B-B14F-4D97-AF65-F5344CB8AC3E}">
+        <p14:creationId xmlns:p14="http://schemas.microsoft.com/office/powerpoint/2010/main" val="4054217829"/>
+      </p:ext>
+    </p:extLst>
+  </p:cSld>
+  <p:clrMapOvr>
+    <a:masterClrMapping/>
+  </p:clrMapOvr>
+  <p:timing>
+    <p:tnLst>
+      <p:par>
+        <p:cTn id="1" dur="indefinite" restart="never" nodeType="tmRoot"/>
+      </p:par>
+    </p:tnLst>
+  </p:timing>
+</p:sld>
+</file>
+
+<file path=ppt/slides/slide19.xml><?xml version="1.0" encoding="utf-8"?>
+<p:sld xmlns:a="http://schemas.openxmlformats.org/drawingml/2006/main" xmlns:r="http://schemas.openxmlformats.org/officeDocument/2006/relationships" xmlns:p="http://schemas.openxmlformats.org/presentationml/2006/main">
+  <p:cSld>
+    <p:spTree>
+      <p:nvGrpSpPr>
+        <p:cNvPr id="1" name=""/>
+        <p:cNvGrpSpPr/>
+        <p:nvPr/>
+      </p:nvGrpSpPr>
+      <p:grpSpPr>
+        <a:xfrm>
+          <a:off x="0" y="0"/>
+          <a:ext cx="0" cy="0"/>
+          <a:chOff x="0" y="0"/>
+          <a:chExt cx="0" cy="0"/>
+        </a:xfrm>
+      </p:grpSpPr>
+      <p:sp>
+        <p:nvSpPr>
+          <p:cNvPr id="2" name="1 Título"/>
+          <p:cNvSpPr>
+            <a:spLocks noGrp="1"/>
+          </p:cNvSpPr>
+          <p:nvPr>
+            <p:ph type="title"/>
+          </p:nvPr>
+        </p:nvSpPr>
+        <p:spPr/>
+        <p:txBody>
+          <a:bodyPr/>
+          <a:lstStyle/>
+          <a:p>
+            <a:r>
+              <a:rPr lang="en-US" dirty="0" smtClean="0"/>
+              <a:t>Functional Programming</a:t>
+            </a:r>
+            <a:endParaRPr lang="es-ES" dirty="0"/>
+          </a:p>
+        </p:txBody>
+      </p:sp>
+      <p:pic>
+        <p:nvPicPr>
+          <p:cNvPr id="3074" name="Picture 2"/>
+          <p:cNvPicPr>
+            <a:picLocks noChangeAspect="1" noChangeArrowheads="1"/>
+          </p:cNvPicPr>
+          <p:nvPr/>
+        </p:nvPicPr>
+        <p:blipFill rotWithShape="1">
+          <a:blip r:embed="rId2">
+            <a:extLst>
+              <a:ext uri="{28A0092B-C50C-407E-A947-70E740481C1C}">
+                <a14:useLocalDpi xmlns:a14="http://schemas.microsoft.com/office/drawing/2010/main" val="0"/>
+              </a:ext>
+            </a:extLst>
+          </a:blip>
+          <a:srcRect l="42261" t="17936" r="17619" b="43279"/>
+          <a:stretch/>
+        </p:blipFill>
+        <p:spPr bwMode="auto">
+          <a:xfrm>
+            <a:off x="1306285" y="1698170"/>
+            <a:ext cx="6114288" cy="4590133"/>
+          </a:xfrm>
+          <a:prstGeom prst="rect">
+            <a:avLst/>
+          </a:prstGeom>
+          <a:noFill/>
+          <a:ln>
+            <a:noFill/>
+          </a:ln>
+          <a:extLst>
+            <a:ext uri="{909E8E84-426E-40DD-AFC4-6F175D3DCCD1}">
+              <a14:hiddenFill xmlns:a14="http://schemas.microsoft.com/office/drawing/2010/main">
+                <a:solidFill>
+                  <a:schemeClr val="accent1"/>
+                </a:solidFill>
+              </a14:hiddenFill>
+            </a:ext>
+            <a:ext uri="{91240B29-F687-4F45-9708-019B960494DF}">
+              <a14:hiddenLine xmlns:a14="http://schemas.microsoft.com/office/drawing/2010/main" w="9525">
+                <a:solidFill>
+                  <a:schemeClr val="tx1"/>
+                </a:solidFill>
+                <a:miter lim="800000"/>
+                <a:headEnd/>
+                <a:tailEnd/>
+              </a14:hiddenLine>
+            </a:ext>
+          </a:extLst>
+        </p:spPr>
+      </p:pic>
+    </p:spTree>
+    <p:extLst>
+      <p:ext uri="{BB962C8B-B14F-4D97-AF65-F5344CB8AC3E}">
+        <p14:creationId xmlns:p14="http://schemas.microsoft.com/office/powerpoint/2010/main" val="2709292743"/>
+      </p:ext>
+    </p:extLst>
+  </p:cSld>
+  <p:clrMapOvr>
+    <a:masterClrMapping/>
+  </p:clrMapOvr>
+  <p:timing>
+    <p:tnLst>
+      <p:par>
+        <p:cTn id="1" dur="indefinite" restart="never" nodeType="tmRoot"/>
+      </p:par>
+    </p:tnLst>
+  </p:timing>
+</p:sld>
+</file>
+
+<file path=ppt/slides/slide2.xml><?xml version="1.0" encoding="utf-8"?>
+<p:sld xmlns:a="http://schemas.openxmlformats.org/drawingml/2006/main" xmlns:r="http://schemas.openxmlformats.org/officeDocument/2006/relationships" xmlns:p="http://schemas.openxmlformats.org/presentationml/2006/main">
+  <p:cSld>
+    <p:spTree>
+      <p:nvGrpSpPr>
+        <p:cNvPr id="1" name=""/>
+        <p:cNvGrpSpPr/>
+        <p:nvPr/>
+      </p:nvGrpSpPr>
+      <p:grpSpPr>
+        <a:xfrm>
+          <a:off x="0" y="0"/>
+          <a:ext cx="0" cy="0"/>
+          <a:chOff x="0" y="0"/>
+          <a:chExt cx="0" cy="0"/>
+        </a:xfrm>
+      </p:grpSpPr>
+      <p:sp>
+        <p:nvSpPr>
+          <p:cNvPr id="2" name="1 Título"/>
+          <p:cNvSpPr>
+            <a:spLocks noGrp="1"/>
+          </p:cNvSpPr>
+          <p:nvPr>
+            <p:ph type="title"/>
+          </p:nvPr>
+        </p:nvSpPr>
+        <p:spPr/>
+        <p:txBody>
+          <a:bodyPr/>
+          <a:lstStyle/>
+          <a:p>
+            <a:r>
+              <a:rPr lang="en-US" dirty="0" smtClean="0"/>
+              <a:t>CAP Theorem</a:t>
+            </a:r>
+            <a:endParaRPr lang="es-ES" dirty="0"/>
+          </a:p>
+        </p:txBody>
+      </p:sp>
+      <p:sp>
+        <p:nvSpPr>
+          <p:cNvPr id="5" name="4 Marcador de contenido"/>
+          <p:cNvSpPr>
+            <a:spLocks noGrp="1"/>
+          </p:cNvSpPr>
+          <p:nvPr>
+            <p:ph sz="quarter" idx="1"/>
+          </p:nvPr>
+        </p:nvSpPr>
+        <p:spPr>
+          <a:xfrm>
+            <a:off x="1219200" y="1447800"/>
+            <a:ext cx="5903495" cy="4572000"/>
+          </a:xfrm>
+        </p:spPr>
+        <p:txBody>
+          <a:bodyPr>
+            <a:normAutofit lnSpcReduction="10000"/>
+          </a:bodyPr>
+          <a:lstStyle/>
+          <a:p>
+            <a:r>
+              <a:rPr lang="en-US" dirty="0" smtClean="0"/>
+              <a:t>The CAP theorem states that it is impossible for a distributed computer system to simultaneously provide all three of the following guarantees:</a:t>
+            </a:r>
+          </a:p>
+          <a:p>
+            <a:pPr lvl="1"/>
+            <a:r>
+              <a:rPr lang="en-US" b="1" dirty="0" smtClean="0"/>
+              <a:t>Consistency</a:t>
+            </a:r>
+            <a:r>
+              <a:rPr lang="en-US" dirty="0" smtClean="0"/>
+              <a:t>: all nodes see the same data at the same time</a:t>
+            </a:r>
+          </a:p>
+          <a:p>
+            <a:pPr lvl="1"/>
+            <a:r>
+              <a:rPr lang="en-US" b="1" dirty="0" smtClean="0"/>
+              <a:t>Availability</a:t>
+            </a:r>
+            <a:r>
+              <a:rPr lang="en-US" dirty="0" smtClean="0"/>
+              <a:t>: every request receives a response about whether it succeeded or failed</a:t>
+            </a:r>
+          </a:p>
+          <a:p>
+            <a:pPr lvl="1"/>
+            <a:r>
+              <a:rPr lang="en-US" b="1" dirty="0" smtClean="0"/>
+              <a:t>Partition</a:t>
+            </a:r>
+            <a:r>
+              <a:rPr lang="en-US" dirty="0" smtClean="0"/>
+              <a:t> </a:t>
+            </a:r>
+            <a:r>
+              <a:rPr lang="en-US" b="1" dirty="0" smtClean="0"/>
+              <a:t>tolerance</a:t>
+            </a:r>
+            <a:r>
+              <a:rPr lang="en-US" dirty="0" smtClean="0"/>
+              <a:t>: the system continues to operate despite arbitrary partitioning due to network failures</a:t>
+            </a:r>
+            <a:endParaRPr lang="es-ES" dirty="0"/>
+          </a:p>
+        </p:txBody>
+      </p:sp>
+      <p:pic>
+        <p:nvPicPr>
+          <p:cNvPr id="1026" name="Picture 2" descr="http://gaboesquivel.com/images/2013/09/cap_venn.png"/>
+          <p:cNvPicPr>
+            <a:picLocks noChangeAspect="1" noChangeArrowheads="1"/>
+          </p:cNvPicPr>
+          <p:nvPr/>
+        </p:nvPicPr>
+        <p:blipFill>
+          <a:blip r:embed="rId2">
+            <a:extLst>
+              <a:ext uri="{28A0092B-C50C-407E-A947-70E740481C1C}">
+                <a14:useLocalDpi xmlns:a14="http://schemas.microsoft.com/office/drawing/2010/main" val="0"/>
+              </a:ext>
+            </a:extLst>
+          </a:blip>
+          <a:srcRect/>
+          <a:stretch>
+            <a:fillRect/>
+          </a:stretch>
+        </p:blipFill>
+        <p:spPr bwMode="auto">
+          <a:xfrm>
+            <a:off x="7122891" y="1143000"/>
+            <a:ext cx="4910643" cy="4668254"/>
+          </a:xfrm>
+          <a:prstGeom prst="rect">
+            <a:avLst/>
+          </a:prstGeom>
+          <a:noFill/>
+          <a:extLst>
+            <a:ext uri="{909E8E84-426E-40DD-AFC4-6F175D3DCCD1}">
+              <a14:hiddenFill xmlns:a14="http://schemas.microsoft.com/office/drawing/2010/main">
+                <a:solidFill>
+                  <a:srgbClr val="FFFFFF"/>
+                </a:solidFill>
+              </a14:hiddenFill>
+            </a:ext>
+          </a:extLst>
+        </p:spPr>
+      </p:pic>
+    </p:spTree>
+    <p:extLst>
+      <p:ext uri="{BB962C8B-B14F-4D97-AF65-F5344CB8AC3E}">
+        <p14:creationId xmlns:p14="http://schemas.microsoft.com/office/powerpoint/2010/main" val="1893210387"/>
+      </p:ext>
+    </p:extLst>
+  </p:cSld>
+  <p:clrMapOvr>
+    <a:masterClrMapping/>
+  </p:clrMapOvr>
+  <p:timing>
+    <p:tnLst>
+      <p:par>
+        <p:cTn id="1" dur="indefinite" restart="never" nodeType="tmRoot">
+          <p:childTnLst>
+            <p:seq concurrent="1" nextAc="seek">
+              <p:cTn id="2" dur="indefinite" nodeType="mainSeq">
+                <p:childTnLst>
+                  <p:par>
+                    <p:cTn id="3" fill="hold">
+                      <p:stCondLst>
+                        <p:cond delay="indefinite"/>
+                        <p:cond evt="onBegin" delay="0">
+                          <p:tn val="2"/>
+                        </p:cond>
+                      </p:stCondLst>
+                      <p:childTnLst>
+                        <p:par>
+                          <p:cTn id="4" fill="hold">
+                            <p:stCondLst>
+                              <p:cond delay="0"/>
+                            </p:stCondLst>
+                            <p:childTnLst>
+                              <p:par>
+                                <p:cTn id="5" presetID="42" presetClass="entr" presetSubtype="0" fill="hold" nodeType="withEffect">
+                                  <p:stCondLst>
+                                    <p:cond delay="0"/>
+                                  </p:stCondLst>
+                                  <p:childTnLst>
+                                    <p:set>
+                                      <p:cBhvr>
+                                        <p:cTn id="6" dur="1" fill="hold">
+                                          <p:stCondLst>
+                                            <p:cond delay="0"/>
+                                          </p:stCondLst>
+                                        </p:cTn>
+                                        <p:tgtEl>
+                                          <p:spTgt spid="5">
+                                            <p:txEl>
+                                              <p:pRg st="0" end="0"/>
+                                            </p:txEl>
+                                          </p:spTgt>
+                                        </p:tgtEl>
+                                        <p:attrNameLst>
+                                          <p:attrName>style.visibility</p:attrName>
+                                        </p:attrNameLst>
+                                      </p:cBhvr>
+                                      <p:to>
+                                        <p:strVal val="visible"/>
+                                      </p:to>
+                                    </p:set>
+                                    <p:animEffect transition="in" filter="fade">
+                                      <p:cBhvr>
+                                        <p:cTn id="7" dur="500"/>
+                                        <p:tgtEl>
+                                          <p:spTgt spid="5">
+                                            <p:txEl>
+                                              <p:pRg st="0" end="0"/>
+                                            </p:txEl>
+                                          </p:spTgt>
+                                        </p:tgtEl>
+                                      </p:cBhvr>
+                                    </p:animEffect>
+                                    <p:anim calcmode="lin" valueType="num">
+                                      <p:cBhvr>
+                                        <p:cTn id="8" dur="500" fill="hold"/>
+                                        <p:tgtEl>
+                                          <p:spTgt spid="5">
+                                            <p:txEl>
+                                              <p:pRg st="0" end="0"/>
+                                            </p:txEl>
+                                          </p:spTgt>
+                                        </p:tgtEl>
+                                        <p:attrNameLst>
+                                          <p:attrName>ppt_x</p:attrName>
+                                        </p:attrNameLst>
+                                      </p:cBhvr>
+                                      <p:tavLst>
+                                        <p:tav tm="0">
+                                          <p:val>
+                                            <p:strVal val="#ppt_x"/>
+                                          </p:val>
+                                        </p:tav>
+                                        <p:tav tm="100000">
+                                          <p:val>
+                                            <p:strVal val="#ppt_x"/>
+                                          </p:val>
+                                        </p:tav>
+                                      </p:tavLst>
+                                    </p:anim>
+                                    <p:anim calcmode="lin" valueType="num">
+                                      <p:cBhvr>
+                                        <p:cTn id="9" dur="500" fill="hold"/>
+                                        <p:tgtEl>
+                                          <p:spTgt spid="5">
+                                            <p:txEl>
+                                              <p:pRg st="0" end="0"/>
+                                            </p:txEl>
+                                          </p:spTgt>
+                                        </p:tgtEl>
+                                        <p:attrNameLst>
+                                          <p:attrName>ppt_y</p:attrName>
+                                        </p:attrNameLst>
+                                      </p:cBhvr>
+                                      <p:tavLst>
+                                        <p:tav tm="0">
+                                          <p:val>
+                                            <p:strVal val="#ppt_y+.1"/>
+                                          </p:val>
+                                        </p:tav>
+                                        <p:tav tm="100000">
+                                          <p:val>
+                                            <p:strVal val="#ppt_y"/>
+                                          </p:val>
+                                        </p:tav>
+                                      </p:tavLst>
+                                    </p:anim>
+                                  </p:childTnLst>
+                                </p:cTn>
+                              </p:par>
+                            </p:childTnLst>
+                          </p:cTn>
+                        </p:par>
+                      </p:childTnLst>
+                    </p:cTn>
+                  </p:par>
+                  <p:par>
+                    <p:cTn id="10" fill="hold">
+                      <p:stCondLst>
+                        <p:cond delay="indefinite"/>
+                      </p:stCondLst>
+                      <p:childTnLst>
+                        <p:par>
+                          <p:cTn id="11" fill="hold">
+                            <p:stCondLst>
+                              <p:cond delay="0"/>
+                            </p:stCondLst>
+                            <p:childTnLst>
+                              <p:par>
+                                <p:cTn id="12" presetID="42" presetClass="entr" presetSubtype="0" fill="hold" nodeType="clickEffect">
+                                  <p:stCondLst>
+                                    <p:cond delay="0"/>
+                                  </p:stCondLst>
+                                  <p:childTnLst>
+                                    <p:set>
+                                      <p:cBhvr>
+                                        <p:cTn id="13" dur="1" fill="hold">
+                                          <p:stCondLst>
+                                            <p:cond delay="0"/>
+                                          </p:stCondLst>
+                                        </p:cTn>
+                                        <p:tgtEl>
+                                          <p:spTgt spid="5">
+                                            <p:txEl>
+                                              <p:pRg st="1" end="1"/>
+                                            </p:txEl>
+                                          </p:spTgt>
+                                        </p:tgtEl>
+                                        <p:attrNameLst>
+                                          <p:attrName>style.visibility</p:attrName>
+                                        </p:attrNameLst>
+                                      </p:cBhvr>
+                                      <p:to>
+                                        <p:strVal val="visible"/>
+                                      </p:to>
+                                    </p:set>
+                                    <p:animEffect transition="in" filter="fade">
+                                      <p:cBhvr>
+                                        <p:cTn id="14" dur="500"/>
+                                        <p:tgtEl>
+                                          <p:spTgt spid="5">
+                                            <p:txEl>
+                                              <p:pRg st="1" end="1"/>
+                                            </p:txEl>
+                                          </p:spTgt>
+                                        </p:tgtEl>
+                                      </p:cBhvr>
+                                    </p:animEffect>
+                                    <p:anim calcmode="lin" valueType="num">
+                                      <p:cBhvr>
+                                        <p:cTn id="15" dur="500" fill="hold"/>
+                                        <p:tgtEl>
+                                          <p:spTgt spid="5">
+                                            <p:txEl>
+                                              <p:pRg st="1" end="1"/>
+                                            </p:txEl>
+                                          </p:spTgt>
+                                        </p:tgtEl>
+                                        <p:attrNameLst>
+                                          <p:attrName>ppt_x</p:attrName>
+                                        </p:attrNameLst>
+                                      </p:cBhvr>
+                                      <p:tavLst>
+                                        <p:tav tm="0">
+                                          <p:val>
+                                            <p:strVal val="#ppt_x"/>
+                                          </p:val>
+                                        </p:tav>
+                                        <p:tav tm="100000">
+                                          <p:val>
+                                            <p:strVal val="#ppt_x"/>
+                                          </p:val>
+                                        </p:tav>
+                                      </p:tavLst>
+                                    </p:anim>
+                                    <p:anim calcmode="lin" valueType="num">
+                                      <p:cBhvr>
+                                        <p:cTn id="16" dur="500" fill="hold"/>
+                                        <p:tgtEl>
+                                          <p:spTgt spid="5">
+                                            <p:txEl>
+                                              <p:pRg st="1" end="1"/>
+                                            </p:txEl>
+                                          </p:spTgt>
+                                        </p:tgtEl>
+                                        <p:attrNameLst>
+                                          <p:attrName>ppt_y</p:attrName>
+                                        </p:attrNameLst>
+                                      </p:cBhvr>
+                                      <p:tavLst>
+                                        <p:tav tm="0">
+                                          <p:val>
+                                            <p:strVal val="#ppt_y+.1"/>
+                                          </p:val>
+                                        </p:tav>
+                                        <p:tav tm="100000">
+                                          <p:val>
+                                            <p:strVal val="#ppt_y"/>
+                                          </p:val>
+                                        </p:tav>
+                                      </p:tavLst>
+                                    </p:anim>
+                                  </p:childTnLst>
+                                </p:cTn>
+                              </p:par>
+                            </p:childTnLst>
+                          </p:cTn>
+                        </p:par>
+                      </p:childTnLst>
+                    </p:cTn>
+                  </p:par>
+                  <p:par>
+                    <p:cTn id="17" fill="hold">
+                      <p:stCondLst>
+                        <p:cond delay="indefinite"/>
+                      </p:stCondLst>
+                      <p:childTnLst>
+                        <p:par>
+                          <p:cTn id="18" fill="hold">
+                            <p:stCondLst>
+                              <p:cond delay="0"/>
+                            </p:stCondLst>
+                            <p:childTnLst>
+                              <p:par>
+                                <p:cTn id="19" presetID="42" presetClass="entr" presetSubtype="0" fill="hold" nodeType="clickEffect">
+                                  <p:stCondLst>
+                                    <p:cond delay="0"/>
+                                  </p:stCondLst>
+                                  <p:childTnLst>
+                                    <p:set>
+                                      <p:cBhvr>
+                                        <p:cTn id="20" dur="1" fill="hold">
+                                          <p:stCondLst>
+                                            <p:cond delay="0"/>
+                                          </p:stCondLst>
+                                        </p:cTn>
+                                        <p:tgtEl>
+                                          <p:spTgt spid="5">
+                                            <p:txEl>
+                                              <p:pRg st="2" end="2"/>
+                                            </p:txEl>
+                                          </p:spTgt>
+                                        </p:tgtEl>
+                                        <p:attrNameLst>
+                                          <p:attrName>style.visibility</p:attrName>
+                                        </p:attrNameLst>
+                                      </p:cBhvr>
+                                      <p:to>
+                                        <p:strVal val="visible"/>
+                                      </p:to>
+                                    </p:set>
+                                    <p:animEffect transition="in" filter="fade">
+                                      <p:cBhvr>
+                                        <p:cTn id="21" dur="500"/>
+                                        <p:tgtEl>
+                                          <p:spTgt spid="5">
+                                            <p:txEl>
+                                              <p:pRg st="2" end="2"/>
+                                            </p:txEl>
+                                          </p:spTgt>
+                                        </p:tgtEl>
+                                      </p:cBhvr>
+                                    </p:animEffect>
+                                    <p:anim calcmode="lin" valueType="num">
+                                      <p:cBhvr>
+                                        <p:cTn id="22" dur="500" fill="hold"/>
+                                        <p:tgtEl>
+                                          <p:spTgt spid="5">
+                                            <p:txEl>
+                                              <p:pRg st="2" end="2"/>
+                                            </p:txEl>
+                                          </p:spTgt>
+                                        </p:tgtEl>
+                                        <p:attrNameLst>
+                                          <p:attrName>ppt_x</p:attrName>
+                                        </p:attrNameLst>
+                                      </p:cBhvr>
+                                      <p:tavLst>
+                                        <p:tav tm="0">
+                                          <p:val>
+                                            <p:strVal val="#ppt_x"/>
+                                          </p:val>
+                                        </p:tav>
+                                        <p:tav tm="100000">
+                                          <p:val>
+                                            <p:strVal val="#ppt_x"/>
+                                          </p:val>
+                                        </p:tav>
+                                      </p:tavLst>
+                                    </p:anim>
+                                    <p:anim calcmode="lin" valueType="num">
+                                      <p:cBhvr>
+                                        <p:cTn id="23" dur="500" fill="hold"/>
+                                        <p:tgtEl>
+                                          <p:spTgt spid="5">
+                                            <p:txEl>
+                                              <p:pRg st="2" end="2"/>
+                                            </p:txEl>
+                                          </p:spTgt>
+                                        </p:tgtEl>
+                                        <p:attrNameLst>
+                                          <p:attrName>ppt_y</p:attrName>
+                                        </p:attrNameLst>
+                                      </p:cBhvr>
+                                      <p:tavLst>
+                                        <p:tav tm="0">
+                                          <p:val>
+                                            <p:strVal val="#ppt_y+.1"/>
+                                          </p:val>
+                                        </p:tav>
+                                        <p:tav tm="100000">
+                                          <p:val>
+                                            <p:strVal val="#ppt_y"/>
+                                          </p:val>
+                                        </p:tav>
+                                      </p:tavLst>
+                                    </p:anim>
+                                  </p:childTnLst>
+                                </p:cTn>
+                              </p:par>
+                            </p:childTnLst>
+                          </p:cTn>
+                        </p:par>
+                      </p:childTnLst>
+                    </p:cTn>
+                  </p:par>
+                  <p:par>
+                    <p:cTn id="24" fill="hold">
+                      <p:stCondLst>
+                        <p:cond delay="indefinite"/>
+                      </p:stCondLst>
+                      <p:childTnLst>
+                        <p:par>
+                          <p:cTn id="25" fill="hold">
+                            <p:stCondLst>
+                              <p:cond delay="0"/>
+                            </p:stCondLst>
+                            <p:childTnLst>
+                              <p:par>
+                                <p:cTn id="26" presetID="42" presetClass="entr" presetSubtype="0" fill="hold" nodeType="clickEffect">
+                                  <p:stCondLst>
+                                    <p:cond delay="0"/>
+                                  </p:stCondLst>
+                                  <p:childTnLst>
+                                    <p:set>
+                                      <p:cBhvr>
+                                        <p:cTn id="27" dur="1" fill="hold">
+                                          <p:stCondLst>
+                                            <p:cond delay="0"/>
+                                          </p:stCondLst>
+                                        </p:cTn>
+                                        <p:tgtEl>
+                                          <p:spTgt spid="5">
+                                            <p:txEl>
+                                              <p:pRg st="3" end="3"/>
+                                            </p:txEl>
+                                          </p:spTgt>
+                                        </p:tgtEl>
+                                        <p:attrNameLst>
+                                          <p:attrName>style.visibility</p:attrName>
+                                        </p:attrNameLst>
+                                      </p:cBhvr>
+                                      <p:to>
+                                        <p:strVal val="visible"/>
+                                      </p:to>
+                                    </p:set>
+                                    <p:animEffect transition="in" filter="fade">
+                                      <p:cBhvr>
+                                        <p:cTn id="28" dur="500"/>
+                                        <p:tgtEl>
+                                          <p:spTgt spid="5">
+                                            <p:txEl>
+                                              <p:pRg st="3" end="3"/>
+                                            </p:txEl>
+                                          </p:spTgt>
+                                        </p:tgtEl>
+                                      </p:cBhvr>
+                                    </p:animEffect>
+                                    <p:anim calcmode="lin" valueType="num">
+                                      <p:cBhvr>
+                                        <p:cTn id="29" dur="500" fill="hold"/>
+                                        <p:tgtEl>
+                                          <p:spTgt spid="5">
+                                            <p:txEl>
+                                              <p:pRg st="3" end="3"/>
+                                            </p:txEl>
+                                          </p:spTgt>
+                                        </p:tgtEl>
+                                        <p:attrNameLst>
+                                          <p:attrName>ppt_x</p:attrName>
+                                        </p:attrNameLst>
+                                      </p:cBhvr>
+                                      <p:tavLst>
+                                        <p:tav tm="0">
+                                          <p:val>
+                                            <p:strVal val="#ppt_x"/>
+                                          </p:val>
+                                        </p:tav>
+                                        <p:tav tm="100000">
+                                          <p:val>
+                                            <p:strVal val="#ppt_x"/>
+                                          </p:val>
+                                        </p:tav>
+                                      </p:tavLst>
+                                    </p:anim>
+                                    <p:anim calcmode="lin" valueType="num">
+                                      <p:cBhvr>
+                                        <p:cTn id="30" dur="500" fill="hold"/>
+                                        <p:tgtEl>
+                                          <p:spTgt spid="5">
+                                            <p:txEl>
+                                              <p:pRg st="3" end="3"/>
+                                            </p:txEl>
+                                          </p:spTgt>
+                                        </p:tgtEl>
+                                        <p:attrNameLst>
+                                          <p:attrName>ppt_y</p:attrName>
+                                        </p:attrNameLst>
+                                      </p:cBhvr>
+                                      <p:tavLst>
+                                        <p:tav tm="0">
+                                          <p:val>
+                                            <p:strVal val="#ppt_y+.1"/>
+                                          </p:val>
+                                        </p:tav>
+                                        <p:tav tm="100000">
+                                          <p:val>
+                                            <p:strVal val="#ppt_y"/>
+                                          </p:val>
+                                        </p:tav>
+                                      </p:tavLst>
+                                    </p:anim>
+                                  </p:childTnLst>
+                                </p:cTn>
+                              </p:par>
+                              <p:par>
+                                <p:cTn id="31" presetID="42" presetClass="entr" presetSubtype="0" fill="hold" nodeType="withEffect">
+                                  <p:stCondLst>
+                                    <p:cond delay="0"/>
+                                  </p:stCondLst>
+                                  <p:childTnLst>
+                                    <p:set>
+                                      <p:cBhvr>
+                                        <p:cTn id="32" dur="1" fill="hold">
+                                          <p:stCondLst>
+                                            <p:cond delay="0"/>
+                                          </p:stCondLst>
+                                        </p:cTn>
+                                        <p:tgtEl>
+                                          <p:spTgt spid="1026"/>
+                                        </p:tgtEl>
+                                        <p:attrNameLst>
+                                          <p:attrName>style.visibility</p:attrName>
+                                        </p:attrNameLst>
+                                      </p:cBhvr>
+                                      <p:to>
+                                        <p:strVal val="visible"/>
+                                      </p:to>
+                                    </p:set>
+                                    <p:animEffect transition="in" filter="fade">
+                                      <p:cBhvr>
+                                        <p:cTn id="33" dur="500"/>
+                                        <p:tgtEl>
+                                          <p:spTgt spid="1026"/>
+                                        </p:tgtEl>
+                                      </p:cBhvr>
+                                    </p:animEffect>
+                                    <p:anim calcmode="lin" valueType="num">
+                                      <p:cBhvr>
+                                        <p:cTn id="34" dur="500" fill="hold"/>
+                                        <p:tgtEl>
+                                          <p:spTgt spid="1026"/>
+                                        </p:tgtEl>
+                                        <p:attrNameLst>
+                                          <p:attrName>ppt_x</p:attrName>
+                                        </p:attrNameLst>
+                                      </p:cBhvr>
+                                      <p:tavLst>
+                                        <p:tav tm="0">
+                                          <p:val>
+                                            <p:strVal val="#ppt_x"/>
+                                          </p:val>
+                                        </p:tav>
+                                        <p:tav tm="100000">
+                                          <p:val>
+                                            <p:strVal val="#ppt_x"/>
+                                          </p:val>
+                                        </p:tav>
+                                      </p:tavLst>
+                                    </p:anim>
+                                    <p:anim calcmode="lin" valueType="num">
+                                      <p:cBhvr>
+                                        <p:cTn id="35" dur="500" fill="hold"/>
+                                        <p:tgtEl>
+                                          <p:spTgt spid="1026"/>
+                                        </p:tgtEl>
+                                        <p:attrNameLst>
+                                          <p:attrName>ppt_y</p:attrName>
+                                        </p:attrNameLst>
+                                      </p:cBhvr>
+                                      <p:tavLst>
+                                        <p:tav tm="0">
+                                          <p:val>
+                                            <p:strVal val="#ppt_y+.1"/>
+                                          </p:val>
+                                        </p:tav>
+                                        <p:tav tm="100000">
+                                          <p:val>
+                                            <p:strVal val="#ppt_y"/>
+                                          </p:val>
+                                        </p:tav>
+                                      </p:tavLst>
+                                    </p:anim>
+                                  </p:childTnLst>
+                                </p:cTn>
+                              </p:par>
+                            </p:childTnLst>
+                          </p:cTn>
+                        </p:par>
+                      </p:childTnLst>
+                    </p:cTn>
+                  </p:par>
+                </p:childTnLst>
+              </p:cTn>
+              <p:prevCondLst>
+                <p:cond evt="onPrev" delay="0">
+                  <p:tgtEl>
+                    <p:sldTgt/>
+                  </p:tgtEl>
+                </p:cond>
+              </p:prevCondLst>
+              <p:nextCondLst>
+                <p:cond evt="onNext" delay="0">
+                  <p:tgtEl>
+                    <p:sldTgt/>
+                  </p:tgtEl>
+                </p:cond>
+              </p:nextCondLst>
+            </p:seq>
+          </p:childTnLst>
+        </p:cTn>
+      </p:par>
+    </p:tnLst>
+  </p:timing>
+</p:sld>
+</file>
+
+<file path=ppt/slides/slide20.xml><?xml version="1.0" encoding="utf-8"?>
+<p:sld xmlns:a="http://schemas.openxmlformats.org/drawingml/2006/main" xmlns:r="http://schemas.openxmlformats.org/officeDocument/2006/relationships" xmlns:p="http://schemas.openxmlformats.org/presentationml/2006/main">
+  <p:cSld>
+    <p:spTree>
+      <p:nvGrpSpPr>
+        <p:cNvPr id="1" name=""/>
+        <p:cNvGrpSpPr/>
+        <p:nvPr/>
+      </p:nvGrpSpPr>
+      <p:grpSpPr>
+        <a:xfrm>
+          <a:off x="0" y="0"/>
+          <a:ext cx="0" cy="0"/>
+          <a:chOff x="0" y="0"/>
+          <a:chExt cx="0" cy="0"/>
+        </a:xfrm>
+      </p:grpSpPr>
+      <p:sp>
+        <p:nvSpPr>
+          <p:cNvPr id="2" name="1 Título"/>
+          <p:cNvSpPr>
+            <a:spLocks noGrp="1"/>
+          </p:cNvSpPr>
+          <p:nvPr>
+            <p:ph type="title"/>
+          </p:nvPr>
+        </p:nvSpPr>
+        <p:spPr/>
+        <p:txBody>
+          <a:bodyPr/>
+          <a:lstStyle/>
+          <a:p>
+            <a:r>
+              <a:rPr lang="en-US" dirty="0" smtClean="0"/>
               <a:t>Data Persistence</a:t>
             </a:r>
             <a:endParaRPr lang="es-ES" dirty="0"/>
@@ -6596,7 +8205,6 @@
               <a:rPr lang="en-US" dirty="0" smtClean="0"/>
               <a:t>Hadoop</a:t>
             </a:r>
-            <a:endParaRPr lang="en-US" dirty="0" smtClean="0"/>
           </a:p>
         </p:txBody>
       </p:sp>
@@ -6862,430 +8470,6 @@
 </p:sld>
 </file>
 
-<file path=ppt/slides/slide19.xml><?xml version="1.0" encoding="utf-8"?>
-<p:sld xmlns:a="http://schemas.openxmlformats.org/drawingml/2006/main" xmlns:r="http://schemas.openxmlformats.org/officeDocument/2006/relationships" xmlns:p="http://schemas.openxmlformats.org/presentationml/2006/main">
-  <p:cSld>
-    <p:spTree>
-      <p:nvGrpSpPr>
-        <p:cNvPr id="1" name=""/>
-        <p:cNvGrpSpPr/>
-        <p:nvPr/>
-      </p:nvGrpSpPr>
-      <p:grpSpPr>
-        <a:xfrm>
-          <a:off x="0" y="0"/>
-          <a:ext cx="0" cy="0"/>
-          <a:chOff x="0" y="0"/>
-          <a:chExt cx="0" cy="0"/>
-        </a:xfrm>
-      </p:grpSpPr>
-      <p:sp>
-        <p:nvSpPr>
-          <p:cNvPr id="2" name="1 Título"/>
-          <p:cNvSpPr>
-            <a:spLocks noGrp="1"/>
-          </p:cNvSpPr>
-          <p:nvPr>
-            <p:ph type="title"/>
-          </p:nvPr>
-        </p:nvSpPr>
-        <p:spPr/>
-        <p:txBody>
-          <a:bodyPr/>
-          <a:lstStyle/>
-          <a:p>
-            <a:r>
-              <a:rPr lang="en-US" dirty="0" smtClean="0"/>
-              <a:t>Data Persistence</a:t>
-            </a:r>
-            <a:endParaRPr lang="es-ES" dirty="0"/>
-          </a:p>
-        </p:txBody>
-      </p:sp>
-      <p:sp>
-        <p:nvSpPr>
-          <p:cNvPr id="4" name="3 Marcador de contenido"/>
-          <p:cNvSpPr>
-            <a:spLocks noGrp="1"/>
-          </p:cNvSpPr>
-          <p:nvPr>
-            <p:ph sz="quarter" idx="1"/>
-          </p:nvPr>
-        </p:nvSpPr>
-        <p:spPr>
-          <a:xfrm>
-            <a:off x="1219200" y="1447800"/>
-            <a:ext cx="5241758" cy="4572000"/>
-          </a:xfrm>
-        </p:spPr>
-        <p:txBody>
-          <a:bodyPr>
-            <a:normAutofit/>
-          </a:bodyPr>
-          <a:lstStyle/>
-          <a:p>
-            <a:pPr marL="0" indent="0">
-              <a:buNone/>
-            </a:pPr>
-            <a:r>
-              <a:rPr lang="en-US" b="1" dirty="0"/>
-              <a:t>On-line </a:t>
-            </a:r>
-            <a:r>
-              <a:rPr lang="en-US" b="1" dirty="0" smtClean="0"/>
-              <a:t>Transaction Processing</a:t>
-            </a:r>
-          </a:p>
-          <a:p>
-            <a:r>
-              <a:rPr lang="en-US" dirty="0" smtClean="0"/>
-              <a:t>Operational data</a:t>
-            </a:r>
-          </a:p>
-          <a:p>
-            <a:r>
-              <a:rPr lang="en-US" dirty="0" smtClean="0"/>
-              <a:t>Control and run fundamental business tasks</a:t>
-            </a:r>
-            <a:endParaRPr lang="en-US" dirty="0"/>
-          </a:p>
-          <a:p>
-            <a:r>
-              <a:rPr lang="en-US" dirty="0" smtClean="0"/>
-              <a:t>Source of business facts</a:t>
-            </a:r>
-          </a:p>
-          <a:p>
-            <a:r>
-              <a:rPr lang="en-US" dirty="0" smtClean="0"/>
-              <a:t>Short and fast updates</a:t>
-            </a:r>
-            <a:endParaRPr lang="en-US" dirty="0"/>
-          </a:p>
-          <a:p>
-            <a:r>
-              <a:rPr lang="en-US" dirty="0" smtClean="0"/>
-              <a:t>Simple queries and short results</a:t>
-            </a:r>
-            <a:endParaRPr lang="en-US" dirty="0"/>
-          </a:p>
-          <a:p>
-            <a:r>
-              <a:rPr lang="en-US" dirty="0" smtClean="0"/>
-              <a:t>Requires small space</a:t>
-            </a:r>
-          </a:p>
-          <a:p>
-            <a:r>
-              <a:rPr lang="en-US" dirty="0" smtClean="0"/>
-              <a:t>Backup critical</a:t>
-            </a:r>
-            <a:endParaRPr lang="es-ES" dirty="0"/>
-          </a:p>
-        </p:txBody>
-      </p:sp>
-      <p:sp>
-        <p:nvSpPr>
-          <p:cNvPr id="6" name="5 Marcador de contenido"/>
-          <p:cNvSpPr>
-            <a:spLocks noGrp="1"/>
-          </p:cNvSpPr>
-          <p:nvPr>
-            <p:ph sz="quarter" idx="2"/>
-          </p:nvPr>
-        </p:nvSpPr>
-        <p:spPr>
-          <a:xfrm>
-            <a:off x="6578600" y="1447800"/>
-            <a:ext cx="5308600" cy="4572000"/>
-          </a:xfrm>
-        </p:spPr>
-        <p:txBody>
-          <a:bodyPr/>
-          <a:lstStyle/>
-          <a:p>
-            <a:pPr marL="0" indent="0">
-              <a:buNone/>
-            </a:pPr>
-            <a:r>
-              <a:rPr lang="en-US" b="1" dirty="0"/>
-              <a:t>On-line Analytical Processing</a:t>
-            </a:r>
-            <a:endParaRPr lang="en-US" b="1" dirty="0" smtClean="0"/>
-          </a:p>
-          <a:p>
-            <a:r>
-              <a:rPr lang="en-US" dirty="0" smtClean="0"/>
-              <a:t>Consolidation data</a:t>
-            </a:r>
-            <a:endParaRPr lang="en-US" dirty="0"/>
-          </a:p>
-          <a:p>
-            <a:r>
-              <a:rPr lang="en-US" dirty="0" smtClean="0"/>
-              <a:t>Planning, problem solving and decision support</a:t>
-            </a:r>
-          </a:p>
-          <a:p>
-            <a:r>
-              <a:rPr lang="en-US" dirty="0" smtClean="0"/>
-              <a:t>Multidimensional views</a:t>
-            </a:r>
-          </a:p>
-          <a:p>
-            <a:r>
-              <a:rPr lang="en-US" dirty="0" smtClean="0"/>
-              <a:t>Complex stream/batch updates</a:t>
-            </a:r>
-          </a:p>
-          <a:p>
-            <a:r>
-              <a:rPr lang="en-US" dirty="0" smtClean="0"/>
-              <a:t>Complex indexed queries</a:t>
-            </a:r>
-            <a:endParaRPr lang="en-US" dirty="0"/>
-          </a:p>
-          <a:p>
-            <a:r>
-              <a:rPr lang="en-US" dirty="0" smtClean="0"/>
-              <a:t>Large space, data duplication</a:t>
-            </a:r>
-          </a:p>
-          <a:p>
-            <a:r>
-              <a:rPr lang="en-US" dirty="0" smtClean="0"/>
-              <a:t>Derived from OLTP system</a:t>
-            </a:r>
-            <a:endParaRPr lang="en-US" dirty="0"/>
-          </a:p>
-          <a:p>
-            <a:endParaRPr lang="en-US" dirty="0" smtClean="0"/>
-          </a:p>
-        </p:txBody>
-      </p:sp>
-    </p:spTree>
-    <p:extLst>
-      <p:ext uri="{BB962C8B-B14F-4D97-AF65-F5344CB8AC3E}">
-        <p14:creationId xmlns:p14="http://schemas.microsoft.com/office/powerpoint/2010/main" val="2051132868"/>
-      </p:ext>
-    </p:extLst>
-  </p:cSld>
-  <p:clrMapOvr>
-    <a:masterClrMapping/>
-  </p:clrMapOvr>
-  <p:timing>
-    <p:tnLst>
-      <p:par>
-        <p:cTn id="1" dur="indefinite" restart="never" nodeType="tmRoot"/>
-      </p:par>
-    </p:tnLst>
-  </p:timing>
-</p:sld>
-</file>
-
-<file path=ppt/slides/slide2.xml><?xml version="1.0" encoding="utf-8"?>
-<p:sld xmlns:a="http://schemas.openxmlformats.org/drawingml/2006/main" xmlns:r="http://schemas.openxmlformats.org/officeDocument/2006/relationships" xmlns:p="http://schemas.openxmlformats.org/presentationml/2006/main">
-  <p:cSld>
-    <p:spTree>
-      <p:nvGrpSpPr>
-        <p:cNvPr id="1" name=""/>
-        <p:cNvGrpSpPr/>
-        <p:nvPr/>
-      </p:nvGrpSpPr>
-      <p:grpSpPr>
-        <a:xfrm>
-          <a:off x="0" y="0"/>
-          <a:ext cx="0" cy="0"/>
-          <a:chOff x="0" y="0"/>
-          <a:chExt cx="0" cy="0"/>
-        </a:xfrm>
-      </p:grpSpPr>
-      <p:sp>
-        <p:nvSpPr>
-          <p:cNvPr id="2" name="1 Título"/>
-          <p:cNvSpPr>
-            <a:spLocks noGrp="1"/>
-          </p:cNvSpPr>
-          <p:nvPr>
-            <p:ph type="title"/>
-          </p:nvPr>
-        </p:nvSpPr>
-        <p:spPr/>
-        <p:txBody>
-          <a:bodyPr/>
-          <a:lstStyle/>
-          <a:p>
-            <a:r>
-              <a:rPr lang="en-US" dirty="0" smtClean="0"/>
-              <a:t>CAP Theorem</a:t>
-            </a:r>
-            <a:endParaRPr lang="es-ES" dirty="0"/>
-          </a:p>
-        </p:txBody>
-      </p:sp>
-      <p:sp>
-        <p:nvSpPr>
-          <p:cNvPr id="5" name="4 Marcador de contenido"/>
-          <p:cNvSpPr>
-            <a:spLocks noGrp="1"/>
-          </p:cNvSpPr>
-          <p:nvPr>
-            <p:ph sz="quarter" idx="1"/>
-          </p:nvPr>
-        </p:nvSpPr>
-        <p:spPr/>
-        <p:txBody>
-          <a:bodyPr/>
-          <a:lstStyle/>
-          <a:p>
-            <a:r>
-              <a:rPr lang="en-US" dirty="0" smtClean="0"/>
-              <a:t>The CAP theorem states that it is impossible for a distributed computer system to simultaneously provide all three of the following guarantees:</a:t>
-            </a:r>
-          </a:p>
-          <a:p>
-            <a:pPr lvl="1"/>
-            <a:r>
-              <a:rPr lang="en-US" b="1" dirty="0" smtClean="0"/>
-              <a:t>Consistency</a:t>
-            </a:r>
-            <a:r>
-              <a:rPr lang="en-US" dirty="0" smtClean="0"/>
-              <a:t>: all nodes see the same data at the same time</a:t>
-            </a:r>
-          </a:p>
-          <a:p>
-            <a:pPr lvl="1"/>
-            <a:r>
-              <a:rPr lang="en-US" b="1" dirty="0" smtClean="0"/>
-              <a:t>Availability</a:t>
-            </a:r>
-            <a:r>
-              <a:rPr lang="en-US" dirty="0" smtClean="0"/>
-              <a:t>: every request receives a response about whether it succeeded or failed</a:t>
-            </a:r>
-          </a:p>
-          <a:p>
-            <a:pPr lvl="1"/>
-            <a:r>
-              <a:rPr lang="en-US" b="1" dirty="0" smtClean="0"/>
-              <a:t>Partition</a:t>
-            </a:r>
-            <a:r>
-              <a:rPr lang="en-US" dirty="0" smtClean="0"/>
-              <a:t> </a:t>
-            </a:r>
-            <a:r>
-              <a:rPr lang="en-US" b="1" dirty="0" smtClean="0"/>
-              <a:t>tolerance</a:t>
-            </a:r>
-            <a:r>
-              <a:rPr lang="en-US" dirty="0" smtClean="0"/>
-              <a:t>: the system continues to operate despite arbitrary partitioning due to network failures</a:t>
-            </a:r>
-            <a:endParaRPr lang="es-ES" dirty="0"/>
-          </a:p>
-        </p:txBody>
-      </p:sp>
-    </p:spTree>
-    <p:extLst>
-      <p:ext uri="{BB962C8B-B14F-4D97-AF65-F5344CB8AC3E}">
-        <p14:creationId xmlns:p14="http://schemas.microsoft.com/office/powerpoint/2010/main" val="1893210387"/>
-      </p:ext>
-    </p:extLst>
-  </p:cSld>
-  <p:clrMapOvr>
-    <a:masterClrMapping/>
-  </p:clrMapOvr>
-  <p:timing>
-    <p:tnLst>
-      <p:par>
-        <p:cTn id="1" dur="indefinite" restart="never" nodeType="tmRoot"/>
-      </p:par>
-    </p:tnLst>
-  </p:timing>
-</p:sld>
-</file>
-
-<file path=ppt/slides/slide20.xml><?xml version="1.0" encoding="utf-8"?>
-<p:sld xmlns:a="http://schemas.openxmlformats.org/drawingml/2006/main" xmlns:r="http://schemas.openxmlformats.org/officeDocument/2006/relationships" xmlns:p="http://schemas.openxmlformats.org/presentationml/2006/main">
-  <p:cSld>
-    <p:spTree>
-      <p:nvGrpSpPr>
-        <p:cNvPr id="1" name=""/>
-        <p:cNvGrpSpPr/>
-        <p:nvPr/>
-      </p:nvGrpSpPr>
-      <p:grpSpPr>
-        <a:xfrm>
-          <a:off x="0" y="0"/>
-          <a:ext cx="0" cy="0"/>
-          <a:chOff x="0" y="0"/>
-          <a:chExt cx="0" cy="0"/>
-        </a:xfrm>
-      </p:grpSpPr>
-      <p:sp>
-        <p:nvSpPr>
-          <p:cNvPr id="2" name="1 Título"/>
-          <p:cNvSpPr>
-            <a:spLocks noGrp="1"/>
-          </p:cNvSpPr>
-          <p:nvPr>
-            <p:ph type="title"/>
-          </p:nvPr>
-        </p:nvSpPr>
-        <p:spPr/>
-        <p:txBody>
-          <a:bodyPr/>
-          <a:lstStyle/>
-          <a:p>
-            <a:r>
-              <a:rPr lang="en-US" dirty="0" smtClean="0"/>
-              <a:t>Actors Model</a:t>
-            </a:r>
-            <a:endParaRPr lang="es-ES" dirty="0"/>
-          </a:p>
-        </p:txBody>
-      </p:sp>
-      <p:sp>
-        <p:nvSpPr>
-          <p:cNvPr id="3" name="2 Marcador de contenido"/>
-          <p:cNvSpPr>
-            <a:spLocks noGrp="1"/>
-          </p:cNvSpPr>
-          <p:nvPr>
-            <p:ph sz="quarter" idx="1"/>
-          </p:nvPr>
-        </p:nvSpPr>
-        <p:spPr/>
-        <p:txBody>
-          <a:bodyPr/>
-          <a:lstStyle/>
-          <a:p>
-            <a:endParaRPr lang="es-ES"/>
-          </a:p>
-        </p:txBody>
-      </p:sp>
-    </p:spTree>
-    <p:extLst>
-      <p:ext uri="{BB962C8B-B14F-4D97-AF65-F5344CB8AC3E}">
-        <p14:creationId xmlns:p14="http://schemas.microsoft.com/office/powerpoint/2010/main" val="2102007711"/>
-      </p:ext>
-    </p:extLst>
-  </p:cSld>
-  <p:clrMapOvr>
-    <a:masterClrMapping/>
-  </p:clrMapOvr>
-  <p:timing>
-    <p:tnLst>
-      <p:par>
-        <p:cTn id="1" dur="indefinite" restart="never" nodeType="tmRoot"/>
-      </p:par>
-    </p:tnLst>
-  </p:timing>
-</p:sld>
-</file>
-
 <file path=ppt/slides/slide21.xml><?xml version="1.0" encoding="utf-8"?>
 <p:sld xmlns:a="http://schemas.openxmlformats.org/drawingml/2006/main" xmlns:r="http://schemas.openxmlformats.org/officeDocument/2006/relationships" xmlns:p="http://schemas.openxmlformats.org/presentationml/2006/main">
   <p:cSld>
@@ -7320,7 +8504,7 @@
           <a:p>
             <a:r>
               <a:rPr lang="en-US" dirty="0" smtClean="0"/>
-              <a:t>Data Visualization</a:t>
+              <a:t>Data Persistence</a:t>
             </a:r>
             <a:endParaRPr lang="es-ES" dirty="0"/>
           </a:p>
@@ -7328,7 +8512,7 @@
       </p:sp>
       <p:sp>
         <p:nvSpPr>
-          <p:cNvPr id="3" name="2 Marcador de contenido"/>
+          <p:cNvPr id="4" name="3 Marcador de contenido"/>
           <p:cNvSpPr>
             <a:spLocks noGrp="1"/>
           </p:cNvSpPr>
@@ -7336,19 +8520,161 @@
             <p:ph sz="quarter" idx="1"/>
           </p:nvPr>
         </p:nvSpPr>
-        <p:spPr/>
+        <p:spPr>
+          <a:xfrm>
+            <a:off x="1219200" y="1447800"/>
+            <a:ext cx="5241758" cy="4572000"/>
+          </a:xfrm>
+        </p:spPr>
+        <p:txBody>
+          <a:bodyPr>
+            <a:normAutofit/>
+          </a:bodyPr>
+          <a:lstStyle/>
+          <a:p>
+            <a:pPr marL="0" indent="0">
+              <a:buNone/>
+            </a:pPr>
+            <a:r>
+              <a:rPr lang="en-US" b="1" dirty="0"/>
+              <a:t>On-line </a:t>
+            </a:r>
+            <a:r>
+              <a:rPr lang="en-US" b="1" dirty="0" smtClean="0"/>
+              <a:t>Transaction Processing</a:t>
+            </a:r>
+          </a:p>
+          <a:p>
+            <a:r>
+              <a:rPr lang="en-US" dirty="0" smtClean="0"/>
+              <a:t>Operational data</a:t>
+            </a:r>
+          </a:p>
+          <a:p>
+            <a:r>
+              <a:rPr lang="en-US" dirty="0" smtClean="0"/>
+              <a:t>Control and run fundamental business tasks</a:t>
+            </a:r>
+            <a:endParaRPr lang="en-US" dirty="0"/>
+          </a:p>
+          <a:p>
+            <a:r>
+              <a:rPr lang="en-US" dirty="0" smtClean="0"/>
+              <a:t>Source of business facts</a:t>
+            </a:r>
+          </a:p>
+          <a:p>
+            <a:r>
+              <a:rPr lang="en-US" dirty="0" smtClean="0"/>
+              <a:t>Short and fast updates</a:t>
+            </a:r>
+            <a:endParaRPr lang="en-US" dirty="0"/>
+          </a:p>
+          <a:p>
+            <a:r>
+              <a:rPr lang="en-US" dirty="0" smtClean="0"/>
+              <a:t>Simple queries and short results</a:t>
+            </a:r>
+            <a:endParaRPr lang="en-US" dirty="0"/>
+          </a:p>
+          <a:p>
+            <a:r>
+              <a:rPr lang="en-US" dirty="0" smtClean="0"/>
+              <a:t>Requires small space</a:t>
+            </a:r>
+          </a:p>
+          <a:p>
+            <a:r>
+              <a:rPr lang="en-US" dirty="0" smtClean="0"/>
+              <a:t>Backup critical</a:t>
+            </a:r>
+            <a:endParaRPr lang="es-ES" dirty="0"/>
+          </a:p>
+        </p:txBody>
+      </p:sp>
+      <p:sp>
+        <p:nvSpPr>
+          <p:cNvPr id="6" name="5 Marcador de contenido"/>
+          <p:cNvSpPr>
+            <a:spLocks noGrp="1"/>
+          </p:cNvSpPr>
+          <p:nvPr>
+            <p:ph sz="quarter" idx="2"/>
+          </p:nvPr>
+        </p:nvSpPr>
+        <p:spPr>
+          <a:xfrm>
+            <a:off x="6578600" y="1447800"/>
+            <a:ext cx="5308600" cy="4572000"/>
+          </a:xfrm>
+        </p:spPr>
         <p:txBody>
           <a:bodyPr/>
           <a:lstStyle/>
           <a:p>
-            <a:endParaRPr lang="es-ES"/>
+            <a:pPr marL="0" indent="0">
+              <a:buNone/>
+            </a:pPr>
+            <a:r>
+              <a:rPr lang="en-US" b="1" dirty="0"/>
+              <a:t>On-line Analytical Processing</a:t>
+            </a:r>
+            <a:endParaRPr lang="en-US" b="1" dirty="0" smtClean="0"/>
+          </a:p>
+          <a:p>
+            <a:r>
+              <a:rPr lang="en-US" dirty="0" smtClean="0"/>
+              <a:t>Consolidation data</a:t>
+            </a:r>
+            <a:endParaRPr lang="en-US" dirty="0"/>
+          </a:p>
+          <a:p>
+            <a:r>
+              <a:rPr lang="en-US" dirty="0" smtClean="0"/>
+              <a:t>Planning, problem solving and decision support</a:t>
+            </a:r>
+          </a:p>
+          <a:p>
+            <a:r>
+              <a:rPr lang="en-US" dirty="0" smtClean="0"/>
+              <a:t>Multidimensional views</a:t>
+            </a:r>
+          </a:p>
+          <a:p>
+            <a:r>
+              <a:rPr lang="en-US" dirty="0" smtClean="0"/>
+              <a:t>Complex stream/batch updates</a:t>
+            </a:r>
+          </a:p>
+          <a:p>
+            <a:r>
+              <a:rPr lang="en-US" dirty="0" smtClean="0"/>
+              <a:t>Complex indexed queries</a:t>
+            </a:r>
+            <a:endParaRPr lang="en-US" dirty="0"/>
+          </a:p>
+          <a:p>
+            <a:r>
+              <a:rPr lang="en-US" dirty="0" smtClean="0"/>
+              <a:t>Large space, data duplication</a:t>
+            </a:r>
+          </a:p>
+          <a:p>
+            <a:r>
+              <a:rPr lang="en-US" dirty="0" smtClean="0"/>
+              <a:t>Derived from OLTP system</a:t>
+            </a:r>
+            <a:endParaRPr lang="en-US" dirty="0"/>
+          </a:p>
+          <a:p>
+            <a:endParaRPr lang="en-US" dirty="0" smtClean="0"/>
           </a:p>
         </p:txBody>
       </p:sp>
     </p:spTree>
     <p:extLst>
       <p:ext uri="{BB962C8B-B14F-4D97-AF65-F5344CB8AC3E}">
-        <p14:creationId xmlns:p14="http://schemas.microsoft.com/office/powerpoint/2010/main" val="980619019"/>
+        <p14:creationId xmlns:p14="http://schemas.microsoft.com/office/powerpoint/2010/main" val="2051132868"/>
       </p:ext>
     </p:extLst>
   </p:cSld>
@@ -7366,7 +8692,7 @@
 </file>
 
 <file path=ppt/slides/slide22.xml><?xml version="1.0" encoding="utf-8"?>
-<p:sld xmlns:a="http://schemas.openxmlformats.org/drawingml/2006/main" xmlns:r="http://schemas.openxmlformats.org/officeDocument/2006/relationships" xmlns:p="http://schemas.openxmlformats.org/presentationml/2006/main">
+<p:sld xmlns:a="http://schemas.openxmlformats.org/drawingml/2006/main" xmlns:r="http://schemas.openxmlformats.org/officeDocument/2006/relationships" xmlns:p="http://schemas.openxmlformats.org/presentationml/2006/main" show="0">
   <p:cSld>
     <p:spTree>
       <p:nvGrpSpPr>
@@ -7399,7 +8725,7 @@
           <a:p>
             <a:r>
               <a:rPr lang="en-US" dirty="0" smtClean="0"/>
-              <a:t>HTTP and REST</a:t>
+              <a:t>Actors Model</a:t>
             </a:r>
             <a:endParaRPr lang="es-ES" dirty="0"/>
           </a:p>
@@ -7427,13 +8753,21 @@
     </p:spTree>
     <p:extLst>
       <p:ext uri="{BB962C8B-B14F-4D97-AF65-F5344CB8AC3E}">
-        <p14:creationId xmlns:p14="http://schemas.microsoft.com/office/powerpoint/2010/main" val="3232929249"/>
+        <p14:creationId xmlns:p14="http://schemas.microsoft.com/office/powerpoint/2010/main" val="2102007711"/>
       </p:ext>
     </p:extLst>
   </p:cSld>
   <p:clrMapOvr>
     <a:masterClrMapping/>
   </p:clrMapOvr>
+  <mc:AlternateContent xmlns:mc="http://schemas.openxmlformats.org/markup-compatibility/2006">
+    <mc:Choice xmlns:p14="http://schemas.microsoft.com/office/powerpoint/2010/main" Requires="p14">
+      <p:transition spd="slow" p14:dur="2000"/>
+    </mc:Choice>
+    <mc:Fallback>
+      <p:transition spd="slow"/>
+    </mc:Fallback>
+  </mc:AlternateContent>
   <p:timing>
     <p:tnLst>
       <p:par>
@@ -7445,7 +8779,7 @@
 </file>
 
 <file path=ppt/slides/slide23.xml><?xml version="1.0" encoding="utf-8"?>
-<p:sld xmlns:a="http://schemas.openxmlformats.org/drawingml/2006/main" xmlns:r="http://schemas.openxmlformats.org/officeDocument/2006/relationships" xmlns:p="http://schemas.openxmlformats.org/presentationml/2006/main">
+<p:sld xmlns:a="http://schemas.openxmlformats.org/drawingml/2006/main" xmlns:r="http://schemas.openxmlformats.org/officeDocument/2006/relationships" xmlns:p="http://schemas.openxmlformats.org/presentationml/2006/main" show="0">
   <p:cSld>
     <p:spTree>
       <p:nvGrpSpPr>
@@ -7478,7 +8812,7 @@
           <a:p>
             <a:r>
               <a:rPr lang="en-US" dirty="0" smtClean="0"/>
-              <a:t>Azure IaaS and PaaS</a:t>
+              <a:t>Data Visualization</a:t>
             </a:r>
             <a:endParaRPr lang="es-ES" dirty="0"/>
           </a:p>
@@ -7506,13 +8840,21 @@
     </p:spTree>
     <p:extLst>
       <p:ext uri="{BB962C8B-B14F-4D97-AF65-F5344CB8AC3E}">
-        <p14:creationId xmlns:p14="http://schemas.microsoft.com/office/powerpoint/2010/main" val="3468625466"/>
+        <p14:creationId xmlns:p14="http://schemas.microsoft.com/office/powerpoint/2010/main" val="980619019"/>
       </p:ext>
     </p:extLst>
   </p:cSld>
   <p:clrMapOvr>
     <a:masterClrMapping/>
   </p:clrMapOvr>
+  <mc:AlternateContent xmlns:mc="http://schemas.openxmlformats.org/markup-compatibility/2006">
+    <mc:Choice xmlns:p14="http://schemas.microsoft.com/office/powerpoint/2010/main" Requires="p14">
+      <p:transition spd="slow" p14:dur="2000"/>
+    </mc:Choice>
+    <mc:Fallback>
+      <p:transition spd="slow"/>
+    </mc:Fallback>
+  </mc:AlternateContent>
   <p:timing>
     <p:tnLst>
       <p:par>
@@ -7524,7 +8866,181 @@
 </file>
 
 <file path=ppt/slides/slide24.xml><?xml version="1.0" encoding="utf-8"?>
-<p:sld xmlns:a="http://schemas.openxmlformats.org/drawingml/2006/main" xmlns:r="http://schemas.openxmlformats.org/officeDocument/2006/relationships" xmlns:p="http://schemas.openxmlformats.org/presentationml/2006/main">
+<p:sld xmlns:a="http://schemas.openxmlformats.org/drawingml/2006/main" xmlns:r="http://schemas.openxmlformats.org/officeDocument/2006/relationships" xmlns:p="http://schemas.openxmlformats.org/presentationml/2006/main" show="0">
+  <p:cSld>
+    <p:spTree>
+      <p:nvGrpSpPr>
+        <p:cNvPr id="1" name=""/>
+        <p:cNvGrpSpPr/>
+        <p:nvPr/>
+      </p:nvGrpSpPr>
+      <p:grpSpPr>
+        <a:xfrm>
+          <a:off x="0" y="0"/>
+          <a:ext cx="0" cy="0"/>
+          <a:chOff x="0" y="0"/>
+          <a:chExt cx="0" cy="0"/>
+        </a:xfrm>
+      </p:grpSpPr>
+      <p:sp>
+        <p:nvSpPr>
+          <p:cNvPr id="2" name="1 Título"/>
+          <p:cNvSpPr>
+            <a:spLocks noGrp="1"/>
+          </p:cNvSpPr>
+          <p:nvPr>
+            <p:ph type="title"/>
+          </p:nvPr>
+        </p:nvSpPr>
+        <p:spPr/>
+        <p:txBody>
+          <a:bodyPr/>
+          <a:lstStyle/>
+          <a:p>
+            <a:r>
+              <a:rPr lang="en-US" dirty="0" smtClean="0"/>
+              <a:t>HTTP and REST</a:t>
+            </a:r>
+            <a:endParaRPr lang="es-ES" dirty="0"/>
+          </a:p>
+        </p:txBody>
+      </p:sp>
+      <p:sp>
+        <p:nvSpPr>
+          <p:cNvPr id="3" name="2 Marcador de contenido"/>
+          <p:cNvSpPr>
+            <a:spLocks noGrp="1"/>
+          </p:cNvSpPr>
+          <p:nvPr>
+            <p:ph sz="quarter" idx="1"/>
+          </p:nvPr>
+        </p:nvSpPr>
+        <p:spPr/>
+        <p:txBody>
+          <a:bodyPr/>
+          <a:lstStyle/>
+          <a:p>
+            <a:endParaRPr lang="es-ES"/>
+          </a:p>
+        </p:txBody>
+      </p:sp>
+    </p:spTree>
+    <p:extLst>
+      <p:ext uri="{BB962C8B-B14F-4D97-AF65-F5344CB8AC3E}">
+        <p14:creationId xmlns:p14="http://schemas.microsoft.com/office/powerpoint/2010/main" val="3232929249"/>
+      </p:ext>
+    </p:extLst>
+  </p:cSld>
+  <p:clrMapOvr>
+    <a:masterClrMapping/>
+  </p:clrMapOvr>
+  <mc:AlternateContent xmlns:mc="http://schemas.openxmlformats.org/markup-compatibility/2006">
+    <mc:Choice xmlns:p14="http://schemas.microsoft.com/office/powerpoint/2010/main" Requires="p14">
+      <p:transition spd="slow" p14:dur="2000"/>
+    </mc:Choice>
+    <mc:Fallback>
+      <p:transition spd="slow"/>
+    </mc:Fallback>
+  </mc:AlternateContent>
+  <p:timing>
+    <p:tnLst>
+      <p:par>
+        <p:cTn id="1" dur="indefinite" restart="never" nodeType="tmRoot"/>
+      </p:par>
+    </p:tnLst>
+  </p:timing>
+</p:sld>
+</file>
+
+<file path=ppt/slides/slide25.xml><?xml version="1.0" encoding="utf-8"?>
+<p:sld xmlns:a="http://schemas.openxmlformats.org/drawingml/2006/main" xmlns:r="http://schemas.openxmlformats.org/officeDocument/2006/relationships" xmlns:p="http://schemas.openxmlformats.org/presentationml/2006/main" show="0">
+  <p:cSld>
+    <p:spTree>
+      <p:nvGrpSpPr>
+        <p:cNvPr id="1" name=""/>
+        <p:cNvGrpSpPr/>
+        <p:nvPr/>
+      </p:nvGrpSpPr>
+      <p:grpSpPr>
+        <a:xfrm>
+          <a:off x="0" y="0"/>
+          <a:ext cx="0" cy="0"/>
+          <a:chOff x="0" y="0"/>
+          <a:chExt cx="0" cy="0"/>
+        </a:xfrm>
+      </p:grpSpPr>
+      <p:sp>
+        <p:nvSpPr>
+          <p:cNvPr id="2" name="1 Título"/>
+          <p:cNvSpPr>
+            <a:spLocks noGrp="1"/>
+          </p:cNvSpPr>
+          <p:nvPr>
+            <p:ph type="title"/>
+          </p:nvPr>
+        </p:nvSpPr>
+        <p:spPr/>
+        <p:txBody>
+          <a:bodyPr/>
+          <a:lstStyle/>
+          <a:p>
+            <a:r>
+              <a:rPr lang="en-US" dirty="0" smtClean="0"/>
+              <a:t>Azure IaaS and PaaS</a:t>
+            </a:r>
+            <a:endParaRPr lang="es-ES" dirty="0"/>
+          </a:p>
+        </p:txBody>
+      </p:sp>
+      <p:sp>
+        <p:nvSpPr>
+          <p:cNvPr id="3" name="2 Marcador de contenido"/>
+          <p:cNvSpPr>
+            <a:spLocks noGrp="1"/>
+          </p:cNvSpPr>
+          <p:nvPr>
+            <p:ph sz="quarter" idx="1"/>
+          </p:nvPr>
+        </p:nvSpPr>
+        <p:spPr/>
+        <p:txBody>
+          <a:bodyPr/>
+          <a:lstStyle/>
+          <a:p>
+            <a:endParaRPr lang="es-ES"/>
+          </a:p>
+        </p:txBody>
+      </p:sp>
+    </p:spTree>
+    <p:extLst>
+      <p:ext uri="{BB962C8B-B14F-4D97-AF65-F5344CB8AC3E}">
+        <p14:creationId xmlns:p14="http://schemas.microsoft.com/office/powerpoint/2010/main" val="3468625466"/>
+      </p:ext>
+    </p:extLst>
+  </p:cSld>
+  <p:clrMapOvr>
+    <a:masterClrMapping/>
+  </p:clrMapOvr>
+  <mc:AlternateContent xmlns:mc="http://schemas.openxmlformats.org/markup-compatibility/2006">
+    <mc:Choice xmlns:p14="http://schemas.microsoft.com/office/powerpoint/2010/main" Requires="p14">
+      <p:transition spd="slow" p14:dur="2000"/>
+    </mc:Choice>
+    <mc:Fallback>
+      <p:transition spd="slow"/>
+    </mc:Fallback>
+  </mc:AlternateContent>
+  <p:timing>
+    <p:tnLst>
+      <p:par>
+        <p:cTn id="1" dur="indefinite" restart="never" nodeType="tmRoot"/>
+      </p:par>
+    </p:tnLst>
+  </p:timing>
+</p:sld>
+</file>
+
+<file path=ppt/slides/slide26.xml><?xml version="1.0" encoding="utf-8"?>
+<p:sld xmlns:a="http://schemas.openxmlformats.org/drawingml/2006/main" xmlns:r="http://schemas.openxmlformats.org/officeDocument/2006/relationships" xmlns:p="http://schemas.openxmlformats.org/presentationml/2006/main" show="0">
   <p:cSld>
     <p:spTree>
       <p:nvGrpSpPr>
@@ -7604,7 +9120,6 @@
               <a:rPr lang="en-US" dirty="0" smtClean="0"/>
               <a:t>Automation</a:t>
             </a:r>
-            <a:endParaRPr lang="en-US" dirty="0" smtClean="0"/>
           </a:p>
         </p:txBody>
       </p:sp>
@@ -7618,6 +9133,14 @@
   <p:clrMapOvr>
     <a:masterClrMapping/>
   </p:clrMapOvr>
+  <mc:AlternateContent xmlns:mc="http://schemas.openxmlformats.org/markup-compatibility/2006">
+    <mc:Choice xmlns:p14="http://schemas.microsoft.com/office/powerpoint/2010/main" Requires="p14">
+      <p:transition spd="slow" p14:dur="2000"/>
+    </mc:Choice>
+    <mc:Fallback>
+      <p:transition spd="slow"/>
+    </mc:Fallback>
+  </mc:AlternateContent>
   <p:timing>
     <p:tnLst>
       <p:par>
@@ -7628,7 +9151,7 @@
 </p:sld>
 </file>
 
-<file path=ppt/slides/slide25.xml><?xml version="1.0" encoding="utf-8"?>
+<file path=ppt/slides/slide27.xml><?xml version="1.0" encoding="utf-8"?>
 <p:sld xmlns:a="http://schemas.openxmlformats.org/drawingml/2006/main" xmlns:r="http://schemas.openxmlformats.org/officeDocument/2006/relationships" xmlns:p="http://schemas.openxmlformats.org/presentationml/2006/main">
   <p:cSld>
     <p:spTree>
@@ -8145,7 +9668,7 @@
 </p:sld>
 </file>
 
-<file path=ppt/slides/slide26.xml><?xml version="1.0" encoding="utf-8"?>
+<file path=ppt/slides/slide28.xml><?xml version="1.0" encoding="utf-8"?>
 <p:sld xmlns:a="http://schemas.openxmlformats.org/drawingml/2006/main" xmlns:r="http://schemas.openxmlformats.org/officeDocument/2006/relationships" xmlns:p="http://schemas.openxmlformats.org/presentationml/2006/main">
   <p:cSld>
     <p:spTree>
@@ -11140,860 +12663,6 @@
 </p:sld>
 </file>
 
-<file path=ppt/slides/slide27.xml><?xml version="1.0" encoding="utf-8"?>
-<p:sld xmlns:a="http://schemas.openxmlformats.org/drawingml/2006/main" xmlns:r="http://schemas.openxmlformats.org/officeDocument/2006/relationships" xmlns:p="http://schemas.openxmlformats.org/presentationml/2006/main">
-  <p:cSld>
-    <p:spTree>
-      <p:nvGrpSpPr>
-        <p:cNvPr id="1" name=""/>
-        <p:cNvGrpSpPr/>
-        <p:nvPr/>
-      </p:nvGrpSpPr>
-      <p:grpSpPr>
-        <a:xfrm>
-          <a:off x="0" y="0"/>
-          <a:ext cx="0" cy="0"/>
-          <a:chOff x="0" y="0"/>
-          <a:chExt cx="0" cy="0"/>
-        </a:xfrm>
-      </p:grpSpPr>
-      <p:sp>
-        <p:nvSpPr>
-          <p:cNvPr id="2" name="Título 1"/>
-          <p:cNvSpPr>
-            <a:spLocks noGrp="1"/>
-          </p:cNvSpPr>
-          <p:nvPr>
-            <p:ph type="title"/>
-          </p:nvPr>
-        </p:nvSpPr>
-        <p:spPr/>
-        <p:txBody>
-          <a:bodyPr/>
-          <a:lstStyle/>
-          <a:p>
-            <a:r>
-              <a:rPr lang="es-ES" dirty="0" err="1"/>
-              <a:t>Communication</a:t>
-            </a:r>
-            <a:r>
-              <a:rPr lang="es-ES" dirty="0"/>
-              <a:t> Interface</a:t>
-            </a:r>
-          </a:p>
-        </p:txBody>
-      </p:sp>
-      <p:graphicFrame>
-        <p:nvGraphicFramePr>
-          <p:cNvPr id="7" name="Marcador de contenido 6"/>
-          <p:cNvGraphicFramePr>
-            <a:graphicFrameLocks noGrp="1"/>
-          </p:cNvGraphicFramePr>
-          <p:nvPr>
-            <p:ph sz="quarter" idx="1"/>
-            <p:extLst>
-              <p:ext uri="{D42A27DB-BD31-4B8C-83A1-F6EECF244321}">
-                <p14:modId xmlns:p14="http://schemas.microsoft.com/office/powerpoint/2010/main" val="3841776917"/>
-              </p:ext>
-            </p:extLst>
-          </p:nvPr>
-        </p:nvGraphicFramePr>
-        <p:xfrm>
-          <a:off x="1219200" y="1447800"/>
-          <a:ext cx="10363200" cy="2595880"/>
-        </p:xfrm>
-        <a:graphic>
-          <a:graphicData uri="http://schemas.openxmlformats.org/drawingml/2006/table">
-            <a:tbl>
-              <a:tblPr firstRow="1" bandRow="1">
-                <a:tableStyleId>{5C22544A-7EE6-4342-B048-85BDC9FD1C3A}</a:tableStyleId>
-              </a:tblPr>
-              <a:tblGrid>
-                <a:gridCol w="1727200">
-                  <a:extLst>
-                    <a:ext uri="{9D8B030D-6E8A-4147-A177-3AD203B41FA5}">
-                      <a16:colId xmlns="" xmlns:a16="http://schemas.microsoft.com/office/drawing/2014/main" val="2691101568"/>
-                    </a:ext>
-                  </a:extLst>
-                </a:gridCol>
-                <a:gridCol w="1727200">
-                  <a:extLst>
-                    <a:ext uri="{9D8B030D-6E8A-4147-A177-3AD203B41FA5}">
-                      <a16:colId xmlns="" xmlns:a16="http://schemas.microsoft.com/office/drawing/2014/main" val="3750635945"/>
-                    </a:ext>
-                  </a:extLst>
-                </a:gridCol>
-                <a:gridCol w="1727200">
-                  <a:extLst>
-                    <a:ext uri="{9D8B030D-6E8A-4147-A177-3AD203B41FA5}">
-                      <a16:colId xmlns="" xmlns:a16="http://schemas.microsoft.com/office/drawing/2014/main" val="3085604721"/>
-                    </a:ext>
-                  </a:extLst>
-                </a:gridCol>
-                <a:gridCol w="1727200">
-                  <a:extLst>
-                    <a:ext uri="{9D8B030D-6E8A-4147-A177-3AD203B41FA5}">
-                      <a16:colId xmlns="" xmlns:a16="http://schemas.microsoft.com/office/drawing/2014/main" val="2859422141"/>
-                    </a:ext>
-                  </a:extLst>
-                </a:gridCol>
-                <a:gridCol w="1727200">
-                  <a:extLst>
-                    <a:ext uri="{9D8B030D-6E8A-4147-A177-3AD203B41FA5}">
-                      <a16:colId xmlns="" xmlns:a16="http://schemas.microsoft.com/office/drawing/2014/main" val="792373700"/>
-                    </a:ext>
-                  </a:extLst>
-                </a:gridCol>
-                <a:gridCol w="1727200">
-                  <a:extLst>
-                    <a:ext uri="{9D8B030D-6E8A-4147-A177-3AD203B41FA5}">
-                      <a16:colId xmlns="" xmlns:a16="http://schemas.microsoft.com/office/drawing/2014/main" val="1596226727"/>
-                    </a:ext>
-                  </a:extLst>
-                </a:gridCol>
-              </a:tblGrid>
-              <a:tr h="370840">
-                <a:tc>
-                  <a:txBody>
-                    <a:bodyPr/>
-                    <a:lstStyle/>
-                    <a:p>
-                      <a:endParaRPr lang="es-ES" sz="1600" dirty="0"/>
-                    </a:p>
-                  </a:txBody>
-                  <a:tcPr marL="110235" marR="110235"/>
-                </a:tc>
-                <a:tc>
-                  <a:txBody>
-                    <a:bodyPr/>
-                    <a:lstStyle/>
-                    <a:p>
-                      <a:pPr algn="ctr"/>
-                      <a:r>
-                        <a:rPr lang="es-ES" dirty="0"/>
-                        <a:t>Standard</a:t>
-                      </a:r>
-                    </a:p>
-                  </a:txBody>
-                  <a:tcPr marL="110235" marR="110235"/>
-                </a:tc>
-                <a:tc>
-                  <a:txBody>
-                    <a:bodyPr/>
-                    <a:lstStyle/>
-                    <a:p>
-                      <a:pPr algn="ctr"/>
-                      <a:r>
-                        <a:rPr lang="es-ES" dirty="0" err="1"/>
-                        <a:t>Performant</a:t>
-                      </a:r>
-                      <a:endParaRPr lang="es-ES" dirty="0"/>
-                    </a:p>
-                  </a:txBody>
-                  <a:tcPr marL="110235" marR="110235"/>
-                </a:tc>
-                <a:tc>
-                  <a:txBody>
-                    <a:bodyPr/>
-                    <a:lstStyle/>
-                    <a:p>
-                      <a:pPr algn="ctr"/>
-                      <a:r>
-                        <a:rPr lang="es-ES" dirty="0" err="1"/>
-                        <a:t>Scalable</a:t>
-                      </a:r>
-                      <a:endParaRPr lang="es-ES" dirty="0"/>
-                    </a:p>
-                  </a:txBody>
-                  <a:tcPr marL="110235" marR="110235"/>
-                </a:tc>
-                <a:tc>
-                  <a:txBody>
-                    <a:bodyPr/>
-                    <a:lstStyle/>
-                    <a:p>
-                      <a:pPr algn="ctr"/>
-                      <a:r>
-                        <a:rPr lang="es-ES" dirty="0" err="1"/>
-                        <a:t>Supported</a:t>
-                      </a:r>
-                      <a:endParaRPr lang="es-ES" dirty="0"/>
-                    </a:p>
-                  </a:txBody>
-                  <a:tcPr marL="110235" marR="110235"/>
-                </a:tc>
-                <a:tc>
-                  <a:txBody>
-                    <a:bodyPr/>
-                    <a:lstStyle/>
-                    <a:p>
-                      <a:pPr algn="ctr"/>
-                      <a:r>
-                        <a:rPr lang="es-ES" dirty="0"/>
-                        <a:t>Total</a:t>
-                      </a:r>
-                    </a:p>
-                  </a:txBody>
-                  <a:tcPr marL="110235" marR="110235"/>
-                </a:tc>
-                <a:extLst>
-                  <a:ext uri="{0D108BD9-81ED-4DB2-BD59-A6C34878D82A}">
-                    <a16:rowId xmlns="" xmlns:a16="http://schemas.microsoft.com/office/drawing/2014/main" val="2267519754"/>
-                  </a:ext>
-                </a:extLst>
-              </a:tr>
-              <a:tr h="370840">
-                <a:tc>
-                  <a:txBody>
-                    <a:bodyPr/>
-                    <a:lstStyle/>
-                    <a:p>
-                      <a:pPr algn="r"/>
-                      <a:r>
-                        <a:rPr lang="es-ES" sz="1600" b="1" dirty="0">
-                          <a:solidFill>
-                            <a:schemeClr val="bg1"/>
-                          </a:solidFill>
-                        </a:rPr>
-                        <a:t>HTTP/S</a:t>
-                      </a:r>
-                    </a:p>
-                  </a:txBody>
-                  <a:tcPr marL="110235" marR="110235">
-                    <a:solidFill>
-                      <a:schemeClr val="accent5">
-                        <a:lumMod val="50000"/>
-                      </a:schemeClr>
-                    </a:solidFill>
-                  </a:tcPr>
-                </a:tc>
-                <a:tc>
-                  <a:txBody>
-                    <a:bodyPr/>
-                    <a:lstStyle/>
-                    <a:p>
-                      <a:pPr algn="ctr"/>
-                      <a:r>
-                        <a:rPr lang="es-ES" b="1" dirty="0">
-                          <a:solidFill>
-                            <a:schemeClr val="bg1"/>
-                          </a:solidFill>
-                        </a:rPr>
-                        <a:t>5</a:t>
-                      </a:r>
-                    </a:p>
-                  </a:txBody>
-                  <a:tcPr marL="110235" marR="110235">
-                    <a:solidFill>
-                      <a:schemeClr val="accent5">
-                        <a:lumMod val="50000"/>
-                      </a:schemeClr>
-                    </a:solidFill>
-                  </a:tcPr>
-                </a:tc>
-                <a:tc>
-                  <a:txBody>
-                    <a:bodyPr/>
-                    <a:lstStyle/>
-                    <a:p>
-                      <a:pPr algn="ctr"/>
-                      <a:r>
-                        <a:rPr lang="es-ES" b="1" dirty="0">
-                          <a:solidFill>
-                            <a:schemeClr val="bg1"/>
-                          </a:solidFill>
-                        </a:rPr>
-                        <a:t>3</a:t>
-                      </a:r>
-                    </a:p>
-                  </a:txBody>
-                  <a:tcPr marL="110235" marR="110235">
-                    <a:solidFill>
-                      <a:schemeClr val="accent5">
-                        <a:lumMod val="50000"/>
-                      </a:schemeClr>
-                    </a:solidFill>
-                  </a:tcPr>
-                </a:tc>
-                <a:tc>
-                  <a:txBody>
-                    <a:bodyPr/>
-                    <a:lstStyle/>
-                    <a:p>
-                      <a:pPr algn="ctr"/>
-                      <a:r>
-                        <a:rPr lang="es-ES" b="1" dirty="0">
-                          <a:solidFill>
-                            <a:schemeClr val="bg1"/>
-                          </a:solidFill>
-                        </a:rPr>
-                        <a:t>5</a:t>
-                      </a:r>
-                    </a:p>
-                  </a:txBody>
-                  <a:tcPr marL="110235" marR="110235">
-                    <a:solidFill>
-                      <a:schemeClr val="accent5">
-                        <a:lumMod val="50000"/>
-                      </a:schemeClr>
-                    </a:solidFill>
-                  </a:tcPr>
-                </a:tc>
-                <a:tc>
-                  <a:txBody>
-                    <a:bodyPr/>
-                    <a:lstStyle/>
-                    <a:p>
-                      <a:pPr algn="ctr"/>
-                      <a:r>
-                        <a:rPr lang="es-ES" b="1" dirty="0">
-                          <a:solidFill>
-                            <a:schemeClr val="bg1"/>
-                          </a:solidFill>
-                        </a:rPr>
-                        <a:t>5</a:t>
-                      </a:r>
-                    </a:p>
-                  </a:txBody>
-                  <a:tcPr marL="110235" marR="110235">
-                    <a:solidFill>
-                      <a:schemeClr val="accent5">
-                        <a:lumMod val="50000"/>
-                      </a:schemeClr>
-                    </a:solidFill>
-                  </a:tcPr>
-                </a:tc>
-                <a:tc>
-                  <a:txBody>
-                    <a:bodyPr/>
-                    <a:lstStyle/>
-                    <a:p>
-                      <a:pPr algn="ctr"/>
-                      <a:r>
-                        <a:rPr lang="es-ES" b="1" dirty="0">
-                          <a:solidFill>
-                            <a:schemeClr val="bg1"/>
-                          </a:solidFill>
-                        </a:rPr>
-                        <a:t>18</a:t>
-                      </a:r>
-                    </a:p>
-                  </a:txBody>
-                  <a:tcPr marL="110235" marR="110235">
-                    <a:solidFill>
-                      <a:schemeClr val="accent5">
-                        <a:lumMod val="50000"/>
-                      </a:schemeClr>
-                    </a:solidFill>
-                  </a:tcPr>
-                </a:tc>
-                <a:extLst>
-                  <a:ext uri="{0D108BD9-81ED-4DB2-BD59-A6C34878D82A}">
-                    <a16:rowId xmlns="" xmlns:a16="http://schemas.microsoft.com/office/drawing/2014/main" val="4130436109"/>
-                  </a:ext>
-                </a:extLst>
-              </a:tr>
-              <a:tr h="370840">
-                <a:tc>
-                  <a:txBody>
-                    <a:bodyPr/>
-                    <a:lstStyle/>
-                    <a:p>
-                      <a:pPr algn="r"/>
-                      <a:r>
-                        <a:rPr lang="es-ES" sz="1600" dirty="0"/>
-                        <a:t>TCP</a:t>
-                      </a:r>
-                    </a:p>
-                  </a:txBody>
-                  <a:tcPr marL="110235" marR="110235"/>
-                </a:tc>
-                <a:tc>
-                  <a:txBody>
-                    <a:bodyPr/>
-                    <a:lstStyle/>
-                    <a:p>
-                      <a:pPr algn="ctr"/>
-                      <a:r>
-                        <a:rPr lang="es-ES" dirty="0"/>
-                        <a:t>0</a:t>
-                      </a:r>
-                    </a:p>
-                  </a:txBody>
-                  <a:tcPr marL="110235" marR="110235"/>
-                </a:tc>
-                <a:tc>
-                  <a:txBody>
-                    <a:bodyPr/>
-                    <a:lstStyle/>
-                    <a:p>
-                      <a:pPr algn="ctr"/>
-                      <a:r>
-                        <a:rPr lang="es-ES" dirty="0"/>
-                        <a:t>5</a:t>
-                      </a:r>
-                    </a:p>
-                  </a:txBody>
-                  <a:tcPr marL="110235" marR="110235"/>
-                </a:tc>
-                <a:tc>
-                  <a:txBody>
-                    <a:bodyPr/>
-                    <a:lstStyle/>
-                    <a:p>
-                      <a:pPr algn="ctr"/>
-                      <a:r>
-                        <a:rPr lang="es-ES" dirty="0"/>
-                        <a:t>5</a:t>
-                      </a:r>
-                    </a:p>
-                  </a:txBody>
-                  <a:tcPr marL="110235" marR="110235"/>
-                </a:tc>
-                <a:tc>
-                  <a:txBody>
-                    <a:bodyPr/>
-                    <a:lstStyle/>
-                    <a:p>
-                      <a:pPr algn="ctr"/>
-                      <a:r>
-                        <a:rPr lang="es-ES" dirty="0"/>
-                        <a:t>3</a:t>
-                      </a:r>
-                    </a:p>
-                  </a:txBody>
-                  <a:tcPr marL="110235" marR="110235"/>
-                </a:tc>
-                <a:tc>
-                  <a:txBody>
-                    <a:bodyPr/>
-                    <a:lstStyle/>
-                    <a:p>
-                      <a:pPr algn="ctr"/>
-                      <a:r>
-                        <a:rPr lang="es-ES" b="1" dirty="0"/>
-                        <a:t>13</a:t>
-                      </a:r>
-                    </a:p>
-                  </a:txBody>
-                  <a:tcPr marL="110235" marR="110235"/>
-                </a:tc>
-                <a:extLst>
-                  <a:ext uri="{0D108BD9-81ED-4DB2-BD59-A6C34878D82A}">
-                    <a16:rowId xmlns="" xmlns:a16="http://schemas.microsoft.com/office/drawing/2014/main" val="3240719446"/>
-                  </a:ext>
-                </a:extLst>
-              </a:tr>
-              <a:tr h="370840">
-                <a:tc>
-                  <a:txBody>
-                    <a:bodyPr/>
-                    <a:lstStyle/>
-                    <a:p>
-                      <a:pPr algn="r"/>
-                      <a:r>
-                        <a:rPr lang="es-ES" sz="1600" dirty="0" err="1"/>
-                        <a:t>Event</a:t>
-                      </a:r>
-                      <a:r>
-                        <a:rPr lang="es-ES" sz="1600" dirty="0"/>
-                        <a:t> </a:t>
-                      </a:r>
-                      <a:r>
-                        <a:rPr lang="es-ES" sz="1600" dirty="0" err="1"/>
-                        <a:t>Hub</a:t>
-                      </a:r>
-                      <a:endParaRPr lang="es-ES" sz="1600" dirty="0"/>
-                    </a:p>
-                  </a:txBody>
-                  <a:tcPr marL="110235" marR="110235"/>
-                </a:tc>
-                <a:tc>
-                  <a:txBody>
-                    <a:bodyPr/>
-                    <a:lstStyle/>
-                    <a:p>
-                      <a:pPr algn="ctr"/>
-                      <a:r>
-                        <a:rPr lang="es-ES" dirty="0"/>
-                        <a:t>2</a:t>
-                      </a:r>
-                    </a:p>
-                  </a:txBody>
-                  <a:tcPr marL="110235" marR="110235"/>
-                </a:tc>
-                <a:tc>
-                  <a:txBody>
-                    <a:bodyPr/>
-                    <a:lstStyle/>
-                    <a:p>
-                      <a:pPr algn="ctr"/>
-                      <a:r>
-                        <a:rPr lang="es-ES" dirty="0"/>
-                        <a:t>5</a:t>
-                      </a:r>
-                    </a:p>
-                  </a:txBody>
-                  <a:tcPr marL="110235" marR="110235"/>
-                </a:tc>
-                <a:tc>
-                  <a:txBody>
-                    <a:bodyPr/>
-                    <a:lstStyle/>
-                    <a:p>
-                      <a:pPr algn="ctr"/>
-                      <a:r>
-                        <a:rPr lang="es-ES" dirty="0"/>
-                        <a:t>5</a:t>
-                      </a:r>
-                    </a:p>
-                  </a:txBody>
-                  <a:tcPr marL="110235" marR="110235"/>
-                </a:tc>
-                <a:tc>
-                  <a:txBody>
-                    <a:bodyPr/>
-                    <a:lstStyle/>
-                    <a:p>
-                      <a:pPr algn="ctr"/>
-                      <a:r>
-                        <a:rPr lang="es-ES" dirty="0"/>
-                        <a:t>5</a:t>
-                      </a:r>
-                    </a:p>
-                  </a:txBody>
-                  <a:tcPr marL="110235" marR="110235"/>
-                </a:tc>
-                <a:tc>
-                  <a:txBody>
-                    <a:bodyPr/>
-                    <a:lstStyle/>
-                    <a:p>
-                      <a:pPr algn="ctr"/>
-                      <a:r>
-                        <a:rPr lang="es-ES" b="1" dirty="0"/>
-                        <a:t>17</a:t>
-                      </a:r>
-                    </a:p>
-                  </a:txBody>
-                  <a:tcPr marL="110235" marR="110235"/>
-                </a:tc>
-                <a:extLst>
-                  <a:ext uri="{0D108BD9-81ED-4DB2-BD59-A6C34878D82A}">
-                    <a16:rowId xmlns="" xmlns:a16="http://schemas.microsoft.com/office/drawing/2014/main" val="2761823154"/>
-                  </a:ext>
-                </a:extLst>
-              </a:tr>
-              <a:tr h="370840">
-                <a:tc>
-                  <a:txBody>
-                    <a:bodyPr/>
-                    <a:lstStyle/>
-                    <a:p>
-                      <a:pPr algn="r"/>
-                      <a:r>
-                        <a:rPr lang="es-ES" sz="1600" dirty="0" err="1"/>
-                        <a:t>Azure</a:t>
-                      </a:r>
-                      <a:r>
-                        <a:rPr lang="es-ES" sz="1600" dirty="0"/>
-                        <a:t> </a:t>
-                      </a:r>
-                      <a:r>
-                        <a:rPr lang="es-ES" sz="1600" dirty="0" err="1"/>
-                        <a:t>Queue</a:t>
-                      </a:r>
-                      <a:endParaRPr lang="es-ES" sz="1600" dirty="0"/>
-                    </a:p>
-                  </a:txBody>
-                  <a:tcPr marL="110235" marR="110235"/>
-                </a:tc>
-                <a:tc>
-                  <a:txBody>
-                    <a:bodyPr/>
-                    <a:lstStyle/>
-                    <a:p>
-                      <a:pPr algn="ctr"/>
-                      <a:r>
-                        <a:rPr lang="es-ES" dirty="0"/>
-                        <a:t>2</a:t>
-                      </a:r>
-                    </a:p>
-                  </a:txBody>
-                  <a:tcPr marL="110235" marR="110235"/>
-                </a:tc>
-                <a:tc>
-                  <a:txBody>
-                    <a:bodyPr/>
-                    <a:lstStyle/>
-                    <a:p>
-                      <a:pPr algn="ctr"/>
-                      <a:r>
-                        <a:rPr lang="es-ES" dirty="0"/>
-                        <a:t>3</a:t>
-                      </a:r>
-                    </a:p>
-                  </a:txBody>
-                  <a:tcPr marL="110235" marR="110235"/>
-                </a:tc>
-                <a:tc>
-                  <a:txBody>
-                    <a:bodyPr/>
-                    <a:lstStyle/>
-                    <a:p>
-                      <a:pPr algn="ctr"/>
-                      <a:r>
-                        <a:rPr lang="es-ES" dirty="0"/>
-                        <a:t>5</a:t>
-                      </a:r>
-                    </a:p>
-                  </a:txBody>
-                  <a:tcPr marL="110235" marR="110235"/>
-                </a:tc>
-                <a:tc>
-                  <a:txBody>
-                    <a:bodyPr/>
-                    <a:lstStyle/>
-                    <a:p>
-                      <a:pPr algn="ctr"/>
-                      <a:r>
-                        <a:rPr lang="es-ES" dirty="0"/>
-                        <a:t>5</a:t>
-                      </a:r>
-                    </a:p>
-                  </a:txBody>
-                  <a:tcPr marL="110235" marR="110235"/>
-                </a:tc>
-                <a:tc>
-                  <a:txBody>
-                    <a:bodyPr/>
-                    <a:lstStyle/>
-                    <a:p>
-                      <a:pPr algn="ctr"/>
-                      <a:r>
-                        <a:rPr lang="es-ES" b="1" dirty="0"/>
-                        <a:t>15</a:t>
-                      </a:r>
-                    </a:p>
-                  </a:txBody>
-                  <a:tcPr marL="110235" marR="110235"/>
-                </a:tc>
-                <a:extLst>
-                  <a:ext uri="{0D108BD9-81ED-4DB2-BD59-A6C34878D82A}">
-                    <a16:rowId xmlns="" xmlns:a16="http://schemas.microsoft.com/office/drawing/2014/main" val="2554094136"/>
-                  </a:ext>
-                </a:extLst>
-              </a:tr>
-              <a:tr h="370840">
-                <a:tc>
-                  <a:txBody>
-                    <a:bodyPr/>
-                    <a:lstStyle/>
-                    <a:p>
-                      <a:pPr algn="r"/>
-                      <a:r>
-                        <a:rPr lang="es-ES" sz="1600" dirty="0" err="1"/>
-                        <a:t>Service</a:t>
-                      </a:r>
-                      <a:r>
-                        <a:rPr lang="es-ES" sz="1600" dirty="0"/>
-                        <a:t> Bus</a:t>
-                      </a:r>
-                    </a:p>
-                  </a:txBody>
-                  <a:tcPr marL="110235" marR="110235"/>
-                </a:tc>
-                <a:tc>
-                  <a:txBody>
-                    <a:bodyPr/>
-                    <a:lstStyle/>
-                    <a:p>
-                      <a:pPr algn="ctr"/>
-                      <a:r>
-                        <a:rPr lang="es-ES" dirty="0"/>
-                        <a:t>2</a:t>
-                      </a:r>
-                    </a:p>
-                  </a:txBody>
-                  <a:tcPr marL="110235" marR="110235"/>
-                </a:tc>
-                <a:tc>
-                  <a:txBody>
-                    <a:bodyPr/>
-                    <a:lstStyle/>
-                    <a:p>
-                      <a:pPr algn="ctr"/>
-                      <a:r>
-                        <a:rPr lang="es-ES" dirty="0"/>
-                        <a:t>3</a:t>
-                      </a:r>
-                    </a:p>
-                  </a:txBody>
-                  <a:tcPr marL="110235" marR="110235"/>
-                </a:tc>
-                <a:tc>
-                  <a:txBody>
-                    <a:bodyPr/>
-                    <a:lstStyle/>
-                    <a:p>
-                      <a:pPr algn="ctr"/>
-                      <a:r>
-                        <a:rPr lang="es-ES" dirty="0"/>
-                        <a:t>5</a:t>
-                      </a:r>
-                    </a:p>
-                  </a:txBody>
-                  <a:tcPr marL="110235" marR="110235"/>
-                </a:tc>
-                <a:tc>
-                  <a:txBody>
-                    <a:bodyPr/>
-                    <a:lstStyle/>
-                    <a:p>
-                      <a:pPr algn="ctr"/>
-                      <a:r>
-                        <a:rPr lang="es-ES" dirty="0"/>
-                        <a:t>5</a:t>
-                      </a:r>
-                    </a:p>
-                  </a:txBody>
-                  <a:tcPr marL="110235" marR="110235"/>
-                </a:tc>
-                <a:tc>
-                  <a:txBody>
-                    <a:bodyPr/>
-                    <a:lstStyle/>
-                    <a:p>
-                      <a:pPr algn="ctr"/>
-                      <a:r>
-                        <a:rPr lang="es-ES" b="1" dirty="0"/>
-                        <a:t>15</a:t>
-                      </a:r>
-                    </a:p>
-                  </a:txBody>
-                  <a:tcPr marL="110235" marR="110235"/>
-                </a:tc>
-                <a:extLst>
-                  <a:ext uri="{0D108BD9-81ED-4DB2-BD59-A6C34878D82A}">
-                    <a16:rowId xmlns="" xmlns:a16="http://schemas.microsoft.com/office/drawing/2014/main" val="1368826944"/>
-                  </a:ext>
-                </a:extLst>
-              </a:tr>
-              <a:tr h="370840">
-                <a:tc>
-                  <a:txBody>
-                    <a:bodyPr/>
-                    <a:lstStyle/>
-                    <a:p>
-                      <a:pPr algn="r"/>
-                      <a:r>
-                        <a:rPr lang="es-ES" sz="1600" dirty="0"/>
-                        <a:t>WCF/SOAP</a:t>
-                      </a:r>
-                    </a:p>
-                  </a:txBody>
-                  <a:tcPr marL="110235" marR="110235"/>
-                </a:tc>
-                <a:tc>
-                  <a:txBody>
-                    <a:bodyPr/>
-                    <a:lstStyle/>
-                    <a:p>
-                      <a:pPr algn="ctr"/>
-                      <a:r>
-                        <a:rPr lang="es-ES" dirty="0"/>
-                        <a:t>5</a:t>
-                      </a:r>
-                    </a:p>
-                  </a:txBody>
-                  <a:tcPr marL="110235" marR="110235"/>
-                </a:tc>
-                <a:tc>
-                  <a:txBody>
-                    <a:bodyPr/>
-                    <a:lstStyle/>
-                    <a:p>
-                      <a:pPr algn="ctr"/>
-                      <a:r>
-                        <a:rPr lang="es-ES" dirty="0"/>
-                        <a:t>1</a:t>
-                      </a:r>
-                    </a:p>
-                  </a:txBody>
-                  <a:tcPr marL="110235" marR="110235"/>
-                </a:tc>
-                <a:tc>
-                  <a:txBody>
-                    <a:bodyPr/>
-                    <a:lstStyle/>
-                    <a:p>
-                      <a:pPr algn="ctr"/>
-                      <a:r>
-                        <a:rPr lang="es-ES" dirty="0"/>
-                        <a:t>5</a:t>
-                      </a:r>
-                    </a:p>
-                  </a:txBody>
-                  <a:tcPr marL="110235" marR="110235"/>
-                </a:tc>
-                <a:tc>
-                  <a:txBody>
-                    <a:bodyPr/>
-                    <a:lstStyle/>
-                    <a:p>
-                      <a:pPr algn="ctr"/>
-                      <a:r>
-                        <a:rPr lang="es-ES" dirty="0"/>
-                        <a:t>5</a:t>
-                      </a:r>
-                    </a:p>
-                  </a:txBody>
-                  <a:tcPr marL="110235" marR="110235"/>
-                </a:tc>
-                <a:tc>
-                  <a:txBody>
-                    <a:bodyPr/>
-                    <a:lstStyle/>
-                    <a:p>
-                      <a:pPr algn="ctr"/>
-                      <a:r>
-                        <a:rPr lang="es-ES" b="1" dirty="0"/>
-                        <a:t>16</a:t>
-                      </a:r>
-                    </a:p>
-                  </a:txBody>
-                  <a:tcPr marL="110235" marR="110235"/>
-                </a:tc>
-                <a:extLst>
-                  <a:ext uri="{0D108BD9-81ED-4DB2-BD59-A6C34878D82A}">
-                    <a16:rowId xmlns="" xmlns:a16="http://schemas.microsoft.com/office/drawing/2014/main" val="2033652620"/>
-                  </a:ext>
-                </a:extLst>
-              </a:tr>
-            </a:tbl>
-          </a:graphicData>
-        </a:graphic>
-      </p:graphicFrame>
-    </p:spTree>
-    <p:extLst>
-      <p:ext uri="{BB962C8B-B14F-4D97-AF65-F5344CB8AC3E}">
-        <p14:creationId xmlns:p14="http://schemas.microsoft.com/office/powerpoint/2010/main" val="2890404914"/>
-      </p:ext>
-    </p:extLst>
-  </p:cSld>
-  <p:clrMapOvr>
-    <a:masterClrMapping/>
-  </p:clrMapOvr>
-  <p:timing>
-    <p:tnLst>
-      <p:par>
-        <p:cTn id="1" dur="indefinite" restart="never" nodeType="tmRoot"/>
-      </p:par>
-    </p:tnLst>
-  </p:timing>
-</p:sld>
-</file>
-
 <file path=ppt/slides/slide3.xml><?xml version="1.0" encoding="utf-8"?>
 <p:sld xmlns:a="http://schemas.openxmlformats.org/drawingml/2006/main" xmlns:r="http://schemas.openxmlformats.org/officeDocument/2006/relationships" xmlns:p="http://schemas.openxmlformats.org/presentationml/2006/main">
   <p:cSld>
@@ -12086,105 +12755,120 @@
           </a:p>
         </p:txBody>
       </p:sp>
-      <p:pic>
-        <p:nvPicPr>
-          <p:cNvPr id="3074" name="Picture 2" descr="https://upload.wikimedia.org/wikipedia/commons/thumb/c/c6/Distributed-parallel.svg/300px-Distributed-parallel.svg.png"/>
-          <p:cNvPicPr>
-            <a:picLocks noChangeAspect="1" noChangeArrowheads="1"/>
-          </p:cNvPicPr>
+      <p:grpSp>
+        <p:nvGrpSpPr>
+          <p:cNvPr id="5" name="4 Grupo"/>
+          <p:cNvGrpSpPr/>
           <p:nvPr/>
-        </p:nvPicPr>
-        <p:blipFill rotWithShape="1">
-          <a:blip r:embed="rId2">
+        </p:nvGrpSpPr>
+        <p:grpSpPr>
+          <a:xfrm>
+            <a:off x="8830343" y="1708483"/>
+            <a:ext cx="2857500" cy="3990838"/>
+            <a:chOff x="8830343" y="1708483"/>
+            <a:chExt cx="2857500" cy="3990838"/>
+          </a:xfrm>
+        </p:grpSpPr>
+        <p:pic>
+          <p:nvPicPr>
+            <p:cNvPr id="3074" name="Picture 2" descr="https://upload.wikimedia.org/wikipedia/commons/thumb/c/c6/Distributed-parallel.svg/300px-Distributed-parallel.svg.png"/>
+            <p:cNvPicPr>
+              <a:picLocks noChangeAspect="1" noChangeArrowheads="1"/>
+            </p:cNvPicPr>
+            <p:nvPr/>
+          </p:nvPicPr>
+          <p:blipFill rotWithShape="1">
+            <a:blip r:embed="rId2">
+              <a:extLst>
+                <a:ext uri="{28A0092B-C50C-407E-A947-70E740481C1C}">
+                  <a14:useLocalDpi xmlns:a14="http://schemas.microsoft.com/office/drawing/2010/main" val="0"/>
+                </a:ext>
+              </a:extLst>
+            </a:blip>
+            <a:srcRect t="20957"/>
+            <a:stretch/>
+          </p:blipFill>
+          <p:spPr bwMode="auto">
+            <a:xfrm>
+              <a:off x="8830343" y="2117556"/>
+              <a:ext cx="2857500" cy="3101893"/>
+            </a:xfrm>
+            <a:prstGeom prst="rect">
+              <a:avLst/>
+            </a:prstGeom>
+            <a:noFill/>
             <a:extLst>
-              <a:ext uri="{28A0092B-C50C-407E-A947-70E740481C1C}">
-                <a14:useLocalDpi xmlns:a14="http://schemas.microsoft.com/office/drawing/2010/main" val="0"/>
+              <a:ext uri="{909E8E84-426E-40DD-AFC4-6F175D3DCCD1}">
+                <a14:hiddenFill xmlns:a14="http://schemas.microsoft.com/office/drawing/2010/main">
+                  <a:solidFill>
+                    <a:srgbClr val="FFFFFF"/>
+                  </a:solidFill>
+                </a14:hiddenFill>
               </a:ext>
             </a:extLst>
-          </a:blip>
-          <a:srcRect t="20957"/>
-          <a:stretch/>
-        </p:blipFill>
-        <p:spPr bwMode="auto">
-          <a:xfrm>
-            <a:off x="8830343" y="2117556"/>
-            <a:ext cx="2857500" cy="3101893"/>
-          </a:xfrm>
-          <a:prstGeom prst="rect">
-            <a:avLst/>
-          </a:prstGeom>
-          <a:noFill/>
-          <a:extLst>
-            <a:ext uri="{909E8E84-426E-40DD-AFC4-6F175D3DCCD1}">
-              <a14:hiddenFill xmlns:a14="http://schemas.microsoft.com/office/drawing/2010/main">
-                <a:solidFill>
-                  <a:srgbClr val="FFFFFF"/>
-                </a:solidFill>
-              </a14:hiddenFill>
-            </a:ext>
-          </a:extLst>
-        </p:spPr>
-      </p:pic>
-      <p:sp>
-        <p:nvSpPr>
-          <p:cNvPr id="4" name="3 CuadroTexto"/>
-          <p:cNvSpPr txBox="1"/>
-          <p:nvPr/>
-        </p:nvSpPr>
-        <p:spPr>
-          <a:xfrm>
-            <a:off x="9217782" y="1708483"/>
-            <a:ext cx="2082621" cy="369332"/>
-          </a:xfrm>
-          <a:prstGeom prst="rect">
-            <a:avLst/>
-          </a:prstGeom>
-          <a:noFill/>
-        </p:spPr>
-        <p:txBody>
-          <a:bodyPr wrap="none" rtlCol="0">
-            <a:spAutoFit/>
-          </a:bodyPr>
-          <a:lstStyle/>
-          <a:p>
-            <a:r>
-              <a:rPr lang="en-US" dirty="0" smtClean="0"/>
-              <a:t>Distributed system</a:t>
-            </a:r>
-            <a:endParaRPr lang="es-ES" dirty="0"/>
-          </a:p>
-        </p:txBody>
-      </p:sp>
-      <p:sp>
-        <p:nvSpPr>
-          <p:cNvPr id="6" name="5 CuadroTexto"/>
-          <p:cNvSpPr txBox="1"/>
-          <p:nvPr/>
-        </p:nvSpPr>
-        <p:spPr>
-          <a:xfrm>
-            <a:off x="9384494" y="5329989"/>
-            <a:ext cx="1749197" cy="369332"/>
-          </a:xfrm>
-          <a:prstGeom prst="rect">
-            <a:avLst/>
-          </a:prstGeom>
-          <a:noFill/>
-        </p:spPr>
-        <p:txBody>
-          <a:bodyPr wrap="none" rtlCol="0">
-            <a:spAutoFit/>
-          </a:bodyPr>
-          <a:lstStyle/>
-          <a:p>
-            <a:r>
-              <a:rPr lang="en-US" dirty="0" smtClean="0"/>
-              <a:t>Parallel system</a:t>
-            </a:r>
-            <a:endParaRPr lang="es-ES" dirty="0"/>
-          </a:p>
-        </p:txBody>
-      </p:sp>
+          </p:spPr>
+        </p:pic>
+        <p:sp>
+          <p:nvSpPr>
+            <p:cNvPr id="4" name="3 CuadroTexto"/>
+            <p:cNvSpPr txBox="1"/>
+            <p:nvPr/>
+          </p:nvSpPr>
+          <p:spPr>
+            <a:xfrm>
+              <a:off x="9217782" y="1708483"/>
+              <a:ext cx="2082621" cy="369332"/>
+            </a:xfrm>
+            <a:prstGeom prst="rect">
+              <a:avLst/>
+            </a:prstGeom>
+            <a:noFill/>
+          </p:spPr>
+          <p:txBody>
+            <a:bodyPr wrap="none" rtlCol="0">
+              <a:spAutoFit/>
+            </a:bodyPr>
+            <a:lstStyle/>
+            <a:p>
+              <a:r>
+                <a:rPr lang="en-US" dirty="0" smtClean="0"/>
+                <a:t>Distributed system</a:t>
+              </a:r>
+              <a:endParaRPr lang="es-ES" dirty="0"/>
+            </a:p>
+          </p:txBody>
+        </p:sp>
+        <p:sp>
+          <p:nvSpPr>
+            <p:cNvPr id="6" name="5 CuadroTexto"/>
+            <p:cNvSpPr txBox="1"/>
+            <p:nvPr/>
+          </p:nvSpPr>
+          <p:spPr>
+            <a:xfrm>
+              <a:off x="9384494" y="5329989"/>
+              <a:ext cx="1749197" cy="369332"/>
+            </a:xfrm>
+            <a:prstGeom prst="rect">
+              <a:avLst/>
+            </a:prstGeom>
+            <a:noFill/>
+          </p:spPr>
+          <p:txBody>
+            <a:bodyPr wrap="none" rtlCol="0">
+              <a:spAutoFit/>
+            </a:bodyPr>
+            <a:lstStyle/>
+            <a:p>
+              <a:r>
+                <a:rPr lang="en-US" dirty="0" smtClean="0"/>
+                <a:t>Parallel system</a:t>
+              </a:r>
+              <a:endParaRPr lang="es-ES" dirty="0"/>
+            </a:p>
+          </p:txBody>
+        </p:sp>
+      </p:grpSp>
     </p:spTree>
     <p:extLst>
       <p:ext uri="{BB962C8B-B14F-4D97-AF65-F5344CB8AC3E}">
@@ -12198,9 +12882,631 @@
   <p:timing>
     <p:tnLst>
       <p:par>
-        <p:cTn id="1" dur="indefinite" restart="never" nodeType="tmRoot"/>
+        <p:cTn id="1" dur="indefinite" restart="never" nodeType="tmRoot">
+          <p:childTnLst>
+            <p:seq concurrent="1" nextAc="seek">
+              <p:cTn id="2" dur="indefinite" nodeType="mainSeq">
+                <p:childTnLst>
+                  <p:par>
+                    <p:cTn id="3" fill="hold">
+                      <p:stCondLst>
+                        <p:cond delay="indefinite"/>
+                        <p:cond evt="onBegin" delay="0">
+                          <p:tn val="2"/>
+                        </p:cond>
+                      </p:stCondLst>
+                      <p:childTnLst>
+                        <p:par>
+                          <p:cTn id="4" fill="hold">
+                            <p:stCondLst>
+                              <p:cond delay="0"/>
+                            </p:stCondLst>
+                            <p:childTnLst>
+                              <p:par>
+                                <p:cTn id="5" presetID="42" presetClass="entr" presetSubtype="0" fill="hold" grpId="0" nodeType="withEffect">
+                                  <p:stCondLst>
+                                    <p:cond delay="0"/>
+                                  </p:stCondLst>
+                                  <p:childTnLst>
+                                    <p:set>
+                                      <p:cBhvr>
+                                        <p:cTn id="6" dur="1" fill="hold">
+                                          <p:stCondLst>
+                                            <p:cond delay="0"/>
+                                          </p:stCondLst>
+                                        </p:cTn>
+                                        <p:tgtEl>
+                                          <p:spTgt spid="3">
+                                            <p:txEl>
+                                              <p:pRg st="0" end="0"/>
+                                            </p:txEl>
+                                          </p:spTgt>
+                                        </p:tgtEl>
+                                        <p:attrNameLst>
+                                          <p:attrName>style.visibility</p:attrName>
+                                        </p:attrNameLst>
+                                      </p:cBhvr>
+                                      <p:to>
+                                        <p:strVal val="visible"/>
+                                      </p:to>
+                                    </p:set>
+                                    <p:animEffect transition="in" filter="fade">
+                                      <p:cBhvr>
+                                        <p:cTn id="7" dur="500"/>
+                                        <p:tgtEl>
+                                          <p:spTgt spid="3">
+                                            <p:txEl>
+                                              <p:pRg st="0" end="0"/>
+                                            </p:txEl>
+                                          </p:spTgt>
+                                        </p:tgtEl>
+                                      </p:cBhvr>
+                                    </p:animEffect>
+                                    <p:anim calcmode="lin" valueType="num">
+                                      <p:cBhvr>
+                                        <p:cTn id="8" dur="500" fill="hold"/>
+                                        <p:tgtEl>
+                                          <p:spTgt spid="3">
+                                            <p:txEl>
+                                              <p:pRg st="0" end="0"/>
+                                            </p:txEl>
+                                          </p:spTgt>
+                                        </p:tgtEl>
+                                        <p:attrNameLst>
+                                          <p:attrName>ppt_x</p:attrName>
+                                        </p:attrNameLst>
+                                      </p:cBhvr>
+                                      <p:tavLst>
+                                        <p:tav tm="0">
+                                          <p:val>
+                                            <p:strVal val="#ppt_x"/>
+                                          </p:val>
+                                        </p:tav>
+                                        <p:tav tm="100000">
+                                          <p:val>
+                                            <p:strVal val="#ppt_x"/>
+                                          </p:val>
+                                        </p:tav>
+                                      </p:tavLst>
+                                    </p:anim>
+                                    <p:anim calcmode="lin" valueType="num">
+                                      <p:cBhvr>
+                                        <p:cTn id="9" dur="500" fill="hold"/>
+                                        <p:tgtEl>
+                                          <p:spTgt spid="3">
+                                            <p:txEl>
+                                              <p:pRg st="0" end="0"/>
+                                            </p:txEl>
+                                          </p:spTgt>
+                                        </p:tgtEl>
+                                        <p:attrNameLst>
+                                          <p:attrName>ppt_y</p:attrName>
+                                        </p:attrNameLst>
+                                      </p:cBhvr>
+                                      <p:tavLst>
+                                        <p:tav tm="0">
+                                          <p:val>
+                                            <p:strVal val="#ppt_y+.1"/>
+                                          </p:val>
+                                        </p:tav>
+                                        <p:tav tm="100000">
+                                          <p:val>
+                                            <p:strVal val="#ppt_y"/>
+                                          </p:val>
+                                        </p:tav>
+                                      </p:tavLst>
+                                    </p:anim>
+                                  </p:childTnLst>
+                                </p:cTn>
+                              </p:par>
+                              <p:par>
+                                <p:cTn id="10" presetID="42" presetClass="entr" presetSubtype="0" fill="hold" grpId="0" nodeType="withEffect">
+                                  <p:stCondLst>
+                                    <p:cond delay="200"/>
+                                  </p:stCondLst>
+                                  <p:childTnLst>
+                                    <p:set>
+                                      <p:cBhvr>
+                                        <p:cTn id="11" dur="1" fill="hold">
+                                          <p:stCondLst>
+                                            <p:cond delay="0"/>
+                                          </p:stCondLst>
+                                        </p:cTn>
+                                        <p:tgtEl>
+                                          <p:spTgt spid="3">
+                                            <p:txEl>
+                                              <p:pRg st="1" end="1"/>
+                                            </p:txEl>
+                                          </p:spTgt>
+                                        </p:tgtEl>
+                                        <p:attrNameLst>
+                                          <p:attrName>style.visibility</p:attrName>
+                                        </p:attrNameLst>
+                                      </p:cBhvr>
+                                      <p:to>
+                                        <p:strVal val="visible"/>
+                                      </p:to>
+                                    </p:set>
+                                    <p:animEffect transition="in" filter="fade">
+                                      <p:cBhvr>
+                                        <p:cTn id="12" dur="500"/>
+                                        <p:tgtEl>
+                                          <p:spTgt spid="3">
+                                            <p:txEl>
+                                              <p:pRg st="1" end="1"/>
+                                            </p:txEl>
+                                          </p:spTgt>
+                                        </p:tgtEl>
+                                      </p:cBhvr>
+                                    </p:animEffect>
+                                    <p:anim calcmode="lin" valueType="num">
+                                      <p:cBhvr>
+                                        <p:cTn id="13" dur="500" fill="hold"/>
+                                        <p:tgtEl>
+                                          <p:spTgt spid="3">
+                                            <p:txEl>
+                                              <p:pRg st="1" end="1"/>
+                                            </p:txEl>
+                                          </p:spTgt>
+                                        </p:tgtEl>
+                                        <p:attrNameLst>
+                                          <p:attrName>ppt_x</p:attrName>
+                                        </p:attrNameLst>
+                                      </p:cBhvr>
+                                      <p:tavLst>
+                                        <p:tav tm="0">
+                                          <p:val>
+                                            <p:strVal val="#ppt_x"/>
+                                          </p:val>
+                                        </p:tav>
+                                        <p:tav tm="100000">
+                                          <p:val>
+                                            <p:strVal val="#ppt_x"/>
+                                          </p:val>
+                                        </p:tav>
+                                      </p:tavLst>
+                                    </p:anim>
+                                    <p:anim calcmode="lin" valueType="num">
+                                      <p:cBhvr>
+                                        <p:cTn id="14" dur="500" fill="hold"/>
+                                        <p:tgtEl>
+                                          <p:spTgt spid="3">
+                                            <p:txEl>
+                                              <p:pRg st="1" end="1"/>
+                                            </p:txEl>
+                                          </p:spTgt>
+                                        </p:tgtEl>
+                                        <p:attrNameLst>
+                                          <p:attrName>ppt_y</p:attrName>
+                                        </p:attrNameLst>
+                                      </p:cBhvr>
+                                      <p:tavLst>
+                                        <p:tav tm="0">
+                                          <p:val>
+                                            <p:strVal val="#ppt_y+.1"/>
+                                          </p:val>
+                                        </p:tav>
+                                        <p:tav tm="100000">
+                                          <p:val>
+                                            <p:strVal val="#ppt_y"/>
+                                          </p:val>
+                                        </p:tav>
+                                      </p:tavLst>
+                                    </p:anim>
+                                  </p:childTnLst>
+                                </p:cTn>
+                              </p:par>
+                              <p:par>
+                                <p:cTn id="15" presetID="42" presetClass="entr" presetSubtype="0" fill="hold" grpId="0" nodeType="withEffect">
+                                  <p:stCondLst>
+                                    <p:cond delay="400"/>
+                                  </p:stCondLst>
+                                  <p:childTnLst>
+                                    <p:set>
+                                      <p:cBhvr>
+                                        <p:cTn id="16" dur="1" fill="hold">
+                                          <p:stCondLst>
+                                            <p:cond delay="0"/>
+                                          </p:stCondLst>
+                                        </p:cTn>
+                                        <p:tgtEl>
+                                          <p:spTgt spid="3">
+                                            <p:txEl>
+                                              <p:pRg st="2" end="2"/>
+                                            </p:txEl>
+                                          </p:spTgt>
+                                        </p:tgtEl>
+                                        <p:attrNameLst>
+                                          <p:attrName>style.visibility</p:attrName>
+                                        </p:attrNameLst>
+                                      </p:cBhvr>
+                                      <p:to>
+                                        <p:strVal val="visible"/>
+                                      </p:to>
+                                    </p:set>
+                                    <p:animEffect transition="in" filter="fade">
+                                      <p:cBhvr>
+                                        <p:cTn id="17" dur="500"/>
+                                        <p:tgtEl>
+                                          <p:spTgt spid="3">
+                                            <p:txEl>
+                                              <p:pRg st="2" end="2"/>
+                                            </p:txEl>
+                                          </p:spTgt>
+                                        </p:tgtEl>
+                                      </p:cBhvr>
+                                    </p:animEffect>
+                                    <p:anim calcmode="lin" valueType="num">
+                                      <p:cBhvr>
+                                        <p:cTn id="18" dur="500" fill="hold"/>
+                                        <p:tgtEl>
+                                          <p:spTgt spid="3">
+                                            <p:txEl>
+                                              <p:pRg st="2" end="2"/>
+                                            </p:txEl>
+                                          </p:spTgt>
+                                        </p:tgtEl>
+                                        <p:attrNameLst>
+                                          <p:attrName>ppt_x</p:attrName>
+                                        </p:attrNameLst>
+                                      </p:cBhvr>
+                                      <p:tavLst>
+                                        <p:tav tm="0">
+                                          <p:val>
+                                            <p:strVal val="#ppt_x"/>
+                                          </p:val>
+                                        </p:tav>
+                                        <p:tav tm="100000">
+                                          <p:val>
+                                            <p:strVal val="#ppt_x"/>
+                                          </p:val>
+                                        </p:tav>
+                                      </p:tavLst>
+                                    </p:anim>
+                                    <p:anim calcmode="lin" valueType="num">
+                                      <p:cBhvr>
+                                        <p:cTn id="19" dur="500" fill="hold"/>
+                                        <p:tgtEl>
+                                          <p:spTgt spid="3">
+                                            <p:txEl>
+                                              <p:pRg st="2" end="2"/>
+                                            </p:txEl>
+                                          </p:spTgt>
+                                        </p:tgtEl>
+                                        <p:attrNameLst>
+                                          <p:attrName>ppt_y</p:attrName>
+                                        </p:attrNameLst>
+                                      </p:cBhvr>
+                                      <p:tavLst>
+                                        <p:tav tm="0">
+                                          <p:val>
+                                            <p:strVal val="#ppt_y+.1"/>
+                                          </p:val>
+                                        </p:tav>
+                                        <p:tav tm="100000">
+                                          <p:val>
+                                            <p:strVal val="#ppt_y"/>
+                                          </p:val>
+                                        </p:tav>
+                                      </p:tavLst>
+                                    </p:anim>
+                                  </p:childTnLst>
+                                </p:cTn>
+                              </p:par>
+                              <p:par>
+                                <p:cTn id="20" presetID="42" presetClass="entr" presetSubtype="0" fill="hold" grpId="0" nodeType="withEffect">
+                                  <p:stCondLst>
+                                    <p:cond delay="600"/>
+                                  </p:stCondLst>
+                                  <p:childTnLst>
+                                    <p:set>
+                                      <p:cBhvr>
+                                        <p:cTn id="21" dur="1" fill="hold">
+                                          <p:stCondLst>
+                                            <p:cond delay="0"/>
+                                          </p:stCondLst>
+                                        </p:cTn>
+                                        <p:tgtEl>
+                                          <p:spTgt spid="3">
+                                            <p:txEl>
+                                              <p:pRg st="3" end="3"/>
+                                            </p:txEl>
+                                          </p:spTgt>
+                                        </p:tgtEl>
+                                        <p:attrNameLst>
+                                          <p:attrName>style.visibility</p:attrName>
+                                        </p:attrNameLst>
+                                      </p:cBhvr>
+                                      <p:to>
+                                        <p:strVal val="visible"/>
+                                      </p:to>
+                                    </p:set>
+                                    <p:animEffect transition="in" filter="fade">
+                                      <p:cBhvr>
+                                        <p:cTn id="22" dur="500"/>
+                                        <p:tgtEl>
+                                          <p:spTgt spid="3">
+                                            <p:txEl>
+                                              <p:pRg st="3" end="3"/>
+                                            </p:txEl>
+                                          </p:spTgt>
+                                        </p:tgtEl>
+                                      </p:cBhvr>
+                                    </p:animEffect>
+                                    <p:anim calcmode="lin" valueType="num">
+                                      <p:cBhvr>
+                                        <p:cTn id="23" dur="500" fill="hold"/>
+                                        <p:tgtEl>
+                                          <p:spTgt spid="3">
+                                            <p:txEl>
+                                              <p:pRg st="3" end="3"/>
+                                            </p:txEl>
+                                          </p:spTgt>
+                                        </p:tgtEl>
+                                        <p:attrNameLst>
+                                          <p:attrName>ppt_x</p:attrName>
+                                        </p:attrNameLst>
+                                      </p:cBhvr>
+                                      <p:tavLst>
+                                        <p:tav tm="0">
+                                          <p:val>
+                                            <p:strVal val="#ppt_x"/>
+                                          </p:val>
+                                        </p:tav>
+                                        <p:tav tm="100000">
+                                          <p:val>
+                                            <p:strVal val="#ppt_x"/>
+                                          </p:val>
+                                        </p:tav>
+                                      </p:tavLst>
+                                    </p:anim>
+                                    <p:anim calcmode="lin" valueType="num">
+                                      <p:cBhvr>
+                                        <p:cTn id="24" dur="500" fill="hold"/>
+                                        <p:tgtEl>
+                                          <p:spTgt spid="3">
+                                            <p:txEl>
+                                              <p:pRg st="3" end="3"/>
+                                            </p:txEl>
+                                          </p:spTgt>
+                                        </p:tgtEl>
+                                        <p:attrNameLst>
+                                          <p:attrName>ppt_y</p:attrName>
+                                        </p:attrNameLst>
+                                      </p:cBhvr>
+                                      <p:tavLst>
+                                        <p:tav tm="0">
+                                          <p:val>
+                                            <p:strVal val="#ppt_y+.1"/>
+                                          </p:val>
+                                        </p:tav>
+                                        <p:tav tm="100000">
+                                          <p:val>
+                                            <p:strVal val="#ppt_y"/>
+                                          </p:val>
+                                        </p:tav>
+                                      </p:tavLst>
+                                    </p:anim>
+                                  </p:childTnLst>
+                                </p:cTn>
+                              </p:par>
+                              <p:par>
+                                <p:cTn id="25" presetID="42" presetClass="entr" presetSubtype="0" fill="hold" grpId="0" nodeType="withEffect">
+                                  <p:stCondLst>
+                                    <p:cond delay="800"/>
+                                  </p:stCondLst>
+                                  <p:childTnLst>
+                                    <p:set>
+                                      <p:cBhvr>
+                                        <p:cTn id="26" dur="1" fill="hold">
+                                          <p:stCondLst>
+                                            <p:cond delay="0"/>
+                                          </p:stCondLst>
+                                        </p:cTn>
+                                        <p:tgtEl>
+                                          <p:spTgt spid="3">
+                                            <p:txEl>
+                                              <p:pRg st="4" end="4"/>
+                                            </p:txEl>
+                                          </p:spTgt>
+                                        </p:tgtEl>
+                                        <p:attrNameLst>
+                                          <p:attrName>style.visibility</p:attrName>
+                                        </p:attrNameLst>
+                                      </p:cBhvr>
+                                      <p:to>
+                                        <p:strVal val="visible"/>
+                                      </p:to>
+                                    </p:set>
+                                    <p:animEffect transition="in" filter="fade">
+                                      <p:cBhvr>
+                                        <p:cTn id="27" dur="500"/>
+                                        <p:tgtEl>
+                                          <p:spTgt spid="3">
+                                            <p:txEl>
+                                              <p:pRg st="4" end="4"/>
+                                            </p:txEl>
+                                          </p:spTgt>
+                                        </p:tgtEl>
+                                      </p:cBhvr>
+                                    </p:animEffect>
+                                    <p:anim calcmode="lin" valueType="num">
+                                      <p:cBhvr>
+                                        <p:cTn id="28" dur="500" fill="hold"/>
+                                        <p:tgtEl>
+                                          <p:spTgt spid="3">
+                                            <p:txEl>
+                                              <p:pRg st="4" end="4"/>
+                                            </p:txEl>
+                                          </p:spTgt>
+                                        </p:tgtEl>
+                                        <p:attrNameLst>
+                                          <p:attrName>ppt_x</p:attrName>
+                                        </p:attrNameLst>
+                                      </p:cBhvr>
+                                      <p:tavLst>
+                                        <p:tav tm="0">
+                                          <p:val>
+                                            <p:strVal val="#ppt_x"/>
+                                          </p:val>
+                                        </p:tav>
+                                        <p:tav tm="100000">
+                                          <p:val>
+                                            <p:strVal val="#ppt_x"/>
+                                          </p:val>
+                                        </p:tav>
+                                      </p:tavLst>
+                                    </p:anim>
+                                    <p:anim calcmode="lin" valueType="num">
+                                      <p:cBhvr>
+                                        <p:cTn id="29" dur="500" fill="hold"/>
+                                        <p:tgtEl>
+                                          <p:spTgt spid="3">
+                                            <p:txEl>
+                                              <p:pRg st="4" end="4"/>
+                                            </p:txEl>
+                                          </p:spTgt>
+                                        </p:tgtEl>
+                                        <p:attrNameLst>
+                                          <p:attrName>ppt_y</p:attrName>
+                                        </p:attrNameLst>
+                                      </p:cBhvr>
+                                      <p:tavLst>
+                                        <p:tav tm="0">
+                                          <p:val>
+                                            <p:strVal val="#ppt_y+.1"/>
+                                          </p:val>
+                                        </p:tav>
+                                        <p:tav tm="100000">
+                                          <p:val>
+                                            <p:strVal val="#ppt_y"/>
+                                          </p:val>
+                                        </p:tav>
+                                      </p:tavLst>
+                                    </p:anim>
+                                  </p:childTnLst>
+                                </p:cTn>
+                              </p:par>
+                            </p:childTnLst>
+                          </p:cTn>
+                        </p:par>
+                        <p:par>
+                          <p:cTn id="30" fill="hold">
+                            <p:stCondLst>
+                              <p:cond delay="1300"/>
+                            </p:stCondLst>
+                            <p:childTnLst>
+                              <p:par>
+                                <p:cTn id="31" presetID="53" presetClass="entr" presetSubtype="16" fill="hold" nodeType="afterEffect">
+                                  <p:stCondLst>
+                                    <p:cond delay="0"/>
+                                  </p:stCondLst>
+                                  <p:childTnLst>
+                                    <p:set>
+                                      <p:cBhvr>
+                                        <p:cTn id="32" dur="1" fill="hold">
+                                          <p:stCondLst>
+                                            <p:cond delay="0"/>
+                                          </p:stCondLst>
+                                        </p:cTn>
+                                        <p:tgtEl>
+                                          <p:spTgt spid="5"/>
+                                        </p:tgtEl>
+                                        <p:attrNameLst>
+                                          <p:attrName>style.visibility</p:attrName>
+                                        </p:attrNameLst>
+                                      </p:cBhvr>
+                                      <p:to>
+                                        <p:strVal val="visible"/>
+                                      </p:to>
+                                    </p:set>
+                                    <p:anim calcmode="lin" valueType="num">
+                                      <p:cBhvr>
+                                        <p:cTn id="33" dur="500" fill="hold"/>
+                                        <p:tgtEl>
+                                          <p:spTgt spid="5"/>
+                                        </p:tgtEl>
+                                        <p:attrNameLst>
+                                          <p:attrName>ppt_w</p:attrName>
+                                        </p:attrNameLst>
+                                      </p:cBhvr>
+                                      <p:tavLst>
+                                        <p:tav tm="0">
+                                          <p:val>
+                                            <p:fltVal val="0"/>
+                                          </p:val>
+                                        </p:tav>
+                                        <p:tav tm="100000">
+                                          <p:val>
+                                            <p:strVal val="#ppt_w"/>
+                                          </p:val>
+                                        </p:tav>
+                                      </p:tavLst>
+                                    </p:anim>
+                                    <p:anim calcmode="lin" valueType="num">
+                                      <p:cBhvr>
+                                        <p:cTn id="34" dur="500" fill="hold"/>
+                                        <p:tgtEl>
+                                          <p:spTgt spid="5"/>
+                                        </p:tgtEl>
+                                        <p:attrNameLst>
+                                          <p:attrName>ppt_h</p:attrName>
+                                        </p:attrNameLst>
+                                      </p:cBhvr>
+                                      <p:tavLst>
+                                        <p:tav tm="0">
+                                          <p:val>
+                                            <p:fltVal val="0"/>
+                                          </p:val>
+                                        </p:tav>
+                                        <p:tav tm="100000">
+                                          <p:val>
+                                            <p:strVal val="#ppt_h"/>
+                                          </p:val>
+                                        </p:tav>
+                                      </p:tavLst>
+                                    </p:anim>
+                                    <p:animEffect transition="in" filter="fade">
+                                      <p:cBhvr>
+                                        <p:cTn id="35" dur="500"/>
+                                        <p:tgtEl>
+                                          <p:spTgt spid="5"/>
+                                        </p:tgtEl>
+                                      </p:cBhvr>
+                                    </p:animEffect>
+                                  </p:childTnLst>
+                                </p:cTn>
+                              </p:par>
+                            </p:childTnLst>
+                          </p:cTn>
+                        </p:par>
+                      </p:childTnLst>
+                    </p:cTn>
+                  </p:par>
+                </p:childTnLst>
+              </p:cTn>
+              <p:prevCondLst>
+                <p:cond evt="onPrev" delay="0">
+                  <p:tgtEl>
+                    <p:sldTgt/>
+                  </p:tgtEl>
+                </p:cond>
+              </p:prevCondLst>
+              <p:nextCondLst>
+                <p:cond evt="onNext" delay="0">
+                  <p:tgtEl>
+                    <p:sldTgt/>
+                  </p:tgtEl>
+                </p:cond>
+              </p:nextCondLst>
+            </p:seq>
+          </p:childTnLst>
+        </p:cTn>
       </p:par>
     </p:tnLst>
+    <p:bldLst>
+      <p:bldP spid="3" grpId="0" uiExpand="1" build="p"/>
+    </p:bldLst>
   </p:timing>
 </p:sld>
 </file>
@@ -12416,9 +13722,1109 @@
   <p:timing>
     <p:tnLst>
       <p:par>
-        <p:cTn id="1" dur="indefinite" restart="never" nodeType="tmRoot"/>
+        <p:cTn id="1" dur="indefinite" restart="never" nodeType="tmRoot">
+          <p:childTnLst>
+            <p:seq concurrent="1" nextAc="seek">
+              <p:cTn id="2" dur="indefinite" nodeType="mainSeq">
+                <p:childTnLst>
+                  <p:par>
+                    <p:cTn id="3" fill="hold">
+                      <p:stCondLst>
+                        <p:cond delay="indefinite"/>
+                        <p:cond evt="onBegin" delay="0">
+                          <p:tn val="2"/>
+                        </p:cond>
+                      </p:stCondLst>
+                      <p:childTnLst>
+                        <p:par>
+                          <p:cTn id="4" fill="hold">
+                            <p:stCondLst>
+                              <p:cond delay="0"/>
+                            </p:stCondLst>
+                            <p:childTnLst>
+                              <p:par>
+                                <p:cTn id="5" presetID="42" presetClass="entr" presetSubtype="0" fill="hold" grpId="0" nodeType="withEffect">
+                                  <p:stCondLst>
+                                    <p:cond delay="0"/>
+                                  </p:stCondLst>
+                                  <p:childTnLst>
+                                    <p:set>
+                                      <p:cBhvr>
+                                        <p:cTn id="6" dur="1" fill="hold">
+                                          <p:stCondLst>
+                                            <p:cond delay="0"/>
+                                          </p:stCondLst>
+                                        </p:cTn>
+                                        <p:tgtEl>
+                                          <p:spTgt spid="3">
+                                            <p:txEl>
+                                              <p:pRg st="1" end="1"/>
+                                            </p:txEl>
+                                          </p:spTgt>
+                                        </p:tgtEl>
+                                        <p:attrNameLst>
+                                          <p:attrName>style.visibility</p:attrName>
+                                        </p:attrNameLst>
+                                      </p:cBhvr>
+                                      <p:to>
+                                        <p:strVal val="visible"/>
+                                      </p:to>
+                                    </p:set>
+                                    <p:animEffect transition="in" filter="fade">
+                                      <p:cBhvr>
+                                        <p:cTn id="7" dur="500"/>
+                                        <p:tgtEl>
+                                          <p:spTgt spid="3">
+                                            <p:txEl>
+                                              <p:pRg st="1" end="1"/>
+                                            </p:txEl>
+                                          </p:spTgt>
+                                        </p:tgtEl>
+                                      </p:cBhvr>
+                                    </p:animEffect>
+                                    <p:anim calcmode="lin" valueType="num">
+                                      <p:cBhvr>
+                                        <p:cTn id="8" dur="500" fill="hold"/>
+                                        <p:tgtEl>
+                                          <p:spTgt spid="3">
+                                            <p:txEl>
+                                              <p:pRg st="1" end="1"/>
+                                            </p:txEl>
+                                          </p:spTgt>
+                                        </p:tgtEl>
+                                        <p:attrNameLst>
+                                          <p:attrName>ppt_x</p:attrName>
+                                        </p:attrNameLst>
+                                      </p:cBhvr>
+                                      <p:tavLst>
+                                        <p:tav tm="0">
+                                          <p:val>
+                                            <p:strVal val="#ppt_x"/>
+                                          </p:val>
+                                        </p:tav>
+                                        <p:tav tm="100000">
+                                          <p:val>
+                                            <p:strVal val="#ppt_x"/>
+                                          </p:val>
+                                        </p:tav>
+                                      </p:tavLst>
+                                    </p:anim>
+                                    <p:anim calcmode="lin" valueType="num">
+                                      <p:cBhvr>
+                                        <p:cTn id="9" dur="500" fill="hold"/>
+                                        <p:tgtEl>
+                                          <p:spTgt spid="3">
+                                            <p:txEl>
+                                              <p:pRg st="1" end="1"/>
+                                            </p:txEl>
+                                          </p:spTgt>
+                                        </p:tgtEl>
+                                        <p:attrNameLst>
+                                          <p:attrName>ppt_y</p:attrName>
+                                        </p:attrNameLst>
+                                      </p:cBhvr>
+                                      <p:tavLst>
+                                        <p:tav tm="0">
+                                          <p:val>
+                                            <p:strVal val="#ppt_y+.1"/>
+                                          </p:val>
+                                        </p:tav>
+                                        <p:tav tm="100000">
+                                          <p:val>
+                                            <p:strVal val="#ppt_y"/>
+                                          </p:val>
+                                        </p:tav>
+                                      </p:tavLst>
+                                    </p:anim>
+                                  </p:childTnLst>
+                                </p:cTn>
+                              </p:par>
+                            </p:childTnLst>
+                          </p:cTn>
+                        </p:par>
+                      </p:childTnLst>
+                    </p:cTn>
+                  </p:par>
+                  <p:par>
+                    <p:cTn id="10" fill="hold">
+                      <p:stCondLst>
+                        <p:cond delay="indefinite"/>
+                      </p:stCondLst>
+                      <p:childTnLst>
+                        <p:par>
+                          <p:cTn id="11" fill="hold">
+                            <p:stCondLst>
+                              <p:cond delay="0"/>
+                            </p:stCondLst>
+                            <p:childTnLst>
+                              <p:par>
+                                <p:cTn id="12" presetID="42" presetClass="entr" presetSubtype="0" fill="hold" grpId="0" nodeType="clickEffect">
+                                  <p:stCondLst>
+                                    <p:cond delay="0"/>
+                                  </p:stCondLst>
+                                  <p:childTnLst>
+                                    <p:set>
+                                      <p:cBhvr>
+                                        <p:cTn id="13" dur="1" fill="hold">
+                                          <p:stCondLst>
+                                            <p:cond delay="0"/>
+                                          </p:stCondLst>
+                                        </p:cTn>
+                                        <p:tgtEl>
+                                          <p:spTgt spid="3">
+                                            <p:txEl>
+                                              <p:pRg st="2" end="2"/>
+                                            </p:txEl>
+                                          </p:spTgt>
+                                        </p:tgtEl>
+                                        <p:attrNameLst>
+                                          <p:attrName>style.visibility</p:attrName>
+                                        </p:attrNameLst>
+                                      </p:cBhvr>
+                                      <p:to>
+                                        <p:strVal val="visible"/>
+                                      </p:to>
+                                    </p:set>
+                                    <p:animEffect transition="in" filter="fade">
+                                      <p:cBhvr>
+                                        <p:cTn id="14" dur="500"/>
+                                        <p:tgtEl>
+                                          <p:spTgt spid="3">
+                                            <p:txEl>
+                                              <p:pRg st="2" end="2"/>
+                                            </p:txEl>
+                                          </p:spTgt>
+                                        </p:tgtEl>
+                                      </p:cBhvr>
+                                    </p:animEffect>
+                                    <p:anim calcmode="lin" valueType="num">
+                                      <p:cBhvr>
+                                        <p:cTn id="15" dur="500" fill="hold"/>
+                                        <p:tgtEl>
+                                          <p:spTgt spid="3">
+                                            <p:txEl>
+                                              <p:pRg st="2" end="2"/>
+                                            </p:txEl>
+                                          </p:spTgt>
+                                        </p:tgtEl>
+                                        <p:attrNameLst>
+                                          <p:attrName>ppt_x</p:attrName>
+                                        </p:attrNameLst>
+                                      </p:cBhvr>
+                                      <p:tavLst>
+                                        <p:tav tm="0">
+                                          <p:val>
+                                            <p:strVal val="#ppt_x"/>
+                                          </p:val>
+                                        </p:tav>
+                                        <p:tav tm="100000">
+                                          <p:val>
+                                            <p:strVal val="#ppt_x"/>
+                                          </p:val>
+                                        </p:tav>
+                                      </p:tavLst>
+                                    </p:anim>
+                                    <p:anim calcmode="lin" valueType="num">
+                                      <p:cBhvr>
+                                        <p:cTn id="16" dur="500" fill="hold"/>
+                                        <p:tgtEl>
+                                          <p:spTgt spid="3">
+                                            <p:txEl>
+                                              <p:pRg st="2" end="2"/>
+                                            </p:txEl>
+                                          </p:spTgt>
+                                        </p:tgtEl>
+                                        <p:attrNameLst>
+                                          <p:attrName>ppt_y</p:attrName>
+                                        </p:attrNameLst>
+                                      </p:cBhvr>
+                                      <p:tavLst>
+                                        <p:tav tm="0">
+                                          <p:val>
+                                            <p:strVal val="#ppt_y+.1"/>
+                                          </p:val>
+                                        </p:tav>
+                                        <p:tav tm="100000">
+                                          <p:val>
+                                            <p:strVal val="#ppt_y"/>
+                                          </p:val>
+                                        </p:tav>
+                                      </p:tavLst>
+                                    </p:anim>
+                                  </p:childTnLst>
+                                </p:cTn>
+                              </p:par>
+                            </p:childTnLst>
+                          </p:cTn>
+                        </p:par>
+                      </p:childTnLst>
+                    </p:cTn>
+                  </p:par>
+                  <p:par>
+                    <p:cTn id="17" fill="hold">
+                      <p:stCondLst>
+                        <p:cond delay="indefinite"/>
+                      </p:stCondLst>
+                      <p:childTnLst>
+                        <p:par>
+                          <p:cTn id="18" fill="hold">
+                            <p:stCondLst>
+                              <p:cond delay="0"/>
+                            </p:stCondLst>
+                            <p:childTnLst>
+                              <p:par>
+                                <p:cTn id="19" presetID="42" presetClass="entr" presetSubtype="0" fill="hold" grpId="0" nodeType="clickEffect">
+                                  <p:stCondLst>
+                                    <p:cond delay="0"/>
+                                  </p:stCondLst>
+                                  <p:childTnLst>
+                                    <p:set>
+                                      <p:cBhvr>
+                                        <p:cTn id="20" dur="1" fill="hold">
+                                          <p:stCondLst>
+                                            <p:cond delay="0"/>
+                                          </p:stCondLst>
+                                        </p:cTn>
+                                        <p:tgtEl>
+                                          <p:spTgt spid="3">
+                                            <p:txEl>
+                                              <p:pRg st="3" end="3"/>
+                                            </p:txEl>
+                                          </p:spTgt>
+                                        </p:tgtEl>
+                                        <p:attrNameLst>
+                                          <p:attrName>style.visibility</p:attrName>
+                                        </p:attrNameLst>
+                                      </p:cBhvr>
+                                      <p:to>
+                                        <p:strVal val="visible"/>
+                                      </p:to>
+                                    </p:set>
+                                    <p:animEffect transition="in" filter="fade">
+                                      <p:cBhvr>
+                                        <p:cTn id="21" dur="500"/>
+                                        <p:tgtEl>
+                                          <p:spTgt spid="3">
+                                            <p:txEl>
+                                              <p:pRg st="3" end="3"/>
+                                            </p:txEl>
+                                          </p:spTgt>
+                                        </p:tgtEl>
+                                      </p:cBhvr>
+                                    </p:animEffect>
+                                    <p:anim calcmode="lin" valueType="num">
+                                      <p:cBhvr>
+                                        <p:cTn id="22" dur="500" fill="hold"/>
+                                        <p:tgtEl>
+                                          <p:spTgt spid="3">
+                                            <p:txEl>
+                                              <p:pRg st="3" end="3"/>
+                                            </p:txEl>
+                                          </p:spTgt>
+                                        </p:tgtEl>
+                                        <p:attrNameLst>
+                                          <p:attrName>ppt_x</p:attrName>
+                                        </p:attrNameLst>
+                                      </p:cBhvr>
+                                      <p:tavLst>
+                                        <p:tav tm="0">
+                                          <p:val>
+                                            <p:strVal val="#ppt_x"/>
+                                          </p:val>
+                                        </p:tav>
+                                        <p:tav tm="100000">
+                                          <p:val>
+                                            <p:strVal val="#ppt_x"/>
+                                          </p:val>
+                                        </p:tav>
+                                      </p:tavLst>
+                                    </p:anim>
+                                    <p:anim calcmode="lin" valueType="num">
+                                      <p:cBhvr>
+                                        <p:cTn id="23" dur="500" fill="hold"/>
+                                        <p:tgtEl>
+                                          <p:spTgt spid="3">
+                                            <p:txEl>
+                                              <p:pRg st="3" end="3"/>
+                                            </p:txEl>
+                                          </p:spTgt>
+                                        </p:tgtEl>
+                                        <p:attrNameLst>
+                                          <p:attrName>ppt_y</p:attrName>
+                                        </p:attrNameLst>
+                                      </p:cBhvr>
+                                      <p:tavLst>
+                                        <p:tav tm="0">
+                                          <p:val>
+                                            <p:strVal val="#ppt_y+.1"/>
+                                          </p:val>
+                                        </p:tav>
+                                        <p:tav tm="100000">
+                                          <p:val>
+                                            <p:strVal val="#ppt_y"/>
+                                          </p:val>
+                                        </p:tav>
+                                      </p:tavLst>
+                                    </p:anim>
+                                  </p:childTnLst>
+                                </p:cTn>
+                              </p:par>
+                            </p:childTnLst>
+                          </p:cTn>
+                        </p:par>
+                      </p:childTnLst>
+                    </p:cTn>
+                  </p:par>
+                  <p:par>
+                    <p:cTn id="24" fill="hold">
+                      <p:stCondLst>
+                        <p:cond delay="indefinite"/>
+                      </p:stCondLst>
+                      <p:childTnLst>
+                        <p:par>
+                          <p:cTn id="25" fill="hold">
+                            <p:stCondLst>
+                              <p:cond delay="0"/>
+                            </p:stCondLst>
+                            <p:childTnLst>
+                              <p:par>
+                                <p:cTn id="26" presetID="53" presetClass="entr" presetSubtype="16" fill="hold" nodeType="clickEffect">
+                                  <p:stCondLst>
+                                    <p:cond delay="0"/>
+                                  </p:stCondLst>
+                                  <p:childTnLst>
+                                    <p:set>
+                                      <p:cBhvr>
+                                        <p:cTn id="27" dur="1" fill="hold">
+                                          <p:stCondLst>
+                                            <p:cond delay="0"/>
+                                          </p:stCondLst>
+                                        </p:cTn>
+                                        <p:tgtEl>
+                                          <p:spTgt spid="7170"/>
+                                        </p:tgtEl>
+                                        <p:attrNameLst>
+                                          <p:attrName>style.visibility</p:attrName>
+                                        </p:attrNameLst>
+                                      </p:cBhvr>
+                                      <p:to>
+                                        <p:strVal val="visible"/>
+                                      </p:to>
+                                    </p:set>
+                                    <p:anim calcmode="lin" valueType="num">
+                                      <p:cBhvr>
+                                        <p:cTn id="28" dur="500" fill="hold"/>
+                                        <p:tgtEl>
+                                          <p:spTgt spid="7170"/>
+                                        </p:tgtEl>
+                                        <p:attrNameLst>
+                                          <p:attrName>ppt_w</p:attrName>
+                                        </p:attrNameLst>
+                                      </p:cBhvr>
+                                      <p:tavLst>
+                                        <p:tav tm="0">
+                                          <p:val>
+                                            <p:fltVal val="0"/>
+                                          </p:val>
+                                        </p:tav>
+                                        <p:tav tm="100000">
+                                          <p:val>
+                                            <p:strVal val="#ppt_w"/>
+                                          </p:val>
+                                        </p:tav>
+                                      </p:tavLst>
+                                    </p:anim>
+                                    <p:anim calcmode="lin" valueType="num">
+                                      <p:cBhvr>
+                                        <p:cTn id="29" dur="500" fill="hold"/>
+                                        <p:tgtEl>
+                                          <p:spTgt spid="7170"/>
+                                        </p:tgtEl>
+                                        <p:attrNameLst>
+                                          <p:attrName>ppt_h</p:attrName>
+                                        </p:attrNameLst>
+                                      </p:cBhvr>
+                                      <p:tavLst>
+                                        <p:tav tm="0">
+                                          <p:val>
+                                            <p:fltVal val="0"/>
+                                          </p:val>
+                                        </p:tav>
+                                        <p:tav tm="100000">
+                                          <p:val>
+                                            <p:strVal val="#ppt_h"/>
+                                          </p:val>
+                                        </p:tav>
+                                      </p:tavLst>
+                                    </p:anim>
+                                    <p:animEffect transition="in" filter="fade">
+                                      <p:cBhvr>
+                                        <p:cTn id="30" dur="500"/>
+                                        <p:tgtEl>
+                                          <p:spTgt spid="7170"/>
+                                        </p:tgtEl>
+                                      </p:cBhvr>
+                                    </p:animEffect>
+                                  </p:childTnLst>
+                                </p:cTn>
+                              </p:par>
+                            </p:childTnLst>
+                          </p:cTn>
+                        </p:par>
+                      </p:childTnLst>
+                    </p:cTn>
+                  </p:par>
+                  <p:par>
+                    <p:cTn id="31" fill="hold">
+                      <p:stCondLst>
+                        <p:cond delay="indefinite"/>
+                      </p:stCondLst>
+                      <p:childTnLst>
+                        <p:par>
+                          <p:cTn id="32" fill="hold">
+                            <p:stCondLst>
+                              <p:cond delay="0"/>
+                            </p:stCondLst>
+                            <p:childTnLst>
+                              <p:par>
+                                <p:cTn id="33" presetID="42" presetClass="entr" presetSubtype="0" fill="hold" grpId="0" nodeType="clickEffect">
+                                  <p:stCondLst>
+                                    <p:cond delay="0"/>
+                                  </p:stCondLst>
+                                  <p:childTnLst>
+                                    <p:set>
+                                      <p:cBhvr>
+                                        <p:cTn id="34" dur="1" fill="hold">
+                                          <p:stCondLst>
+                                            <p:cond delay="0"/>
+                                          </p:stCondLst>
+                                        </p:cTn>
+                                        <p:tgtEl>
+                                          <p:spTgt spid="3">
+                                            <p:txEl>
+                                              <p:pRg st="4" end="4"/>
+                                            </p:txEl>
+                                          </p:spTgt>
+                                        </p:tgtEl>
+                                        <p:attrNameLst>
+                                          <p:attrName>style.visibility</p:attrName>
+                                        </p:attrNameLst>
+                                      </p:cBhvr>
+                                      <p:to>
+                                        <p:strVal val="visible"/>
+                                      </p:to>
+                                    </p:set>
+                                    <p:animEffect transition="in" filter="fade">
+                                      <p:cBhvr>
+                                        <p:cTn id="35" dur="500"/>
+                                        <p:tgtEl>
+                                          <p:spTgt spid="3">
+                                            <p:txEl>
+                                              <p:pRg st="4" end="4"/>
+                                            </p:txEl>
+                                          </p:spTgt>
+                                        </p:tgtEl>
+                                      </p:cBhvr>
+                                    </p:animEffect>
+                                    <p:anim calcmode="lin" valueType="num">
+                                      <p:cBhvr>
+                                        <p:cTn id="36" dur="500" fill="hold"/>
+                                        <p:tgtEl>
+                                          <p:spTgt spid="3">
+                                            <p:txEl>
+                                              <p:pRg st="4" end="4"/>
+                                            </p:txEl>
+                                          </p:spTgt>
+                                        </p:tgtEl>
+                                        <p:attrNameLst>
+                                          <p:attrName>ppt_x</p:attrName>
+                                        </p:attrNameLst>
+                                      </p:cBhvr>
+                                      <p:tavLst>
+                                        <p:tav tm="0">
+                                          <p:val>
+                                            <p:strVal val="#ppt_x"/>
+                                          </p:val>
+                                        </p:tav>
+                                        <p:tav tm="100000">
+                                          <p:val>
+                                            <p:strVal val="#ppt_x"/>
+                                          </p:val>
+                                        </p:tav>
+                                      </p:tavLst>
+                                    </p:anim>
+                                    <p:anim calcmode="lin" valueType="num">
+                                      <p:cBhvr>
+                                        <p:cTn id="37" dur="500" fill="hold"/>
+                                        <p:tgtEl>
+                                          <p:spTgt spid="3">
+                                            <p:txEl>
+                                              <p:pRg st="4" end="4"/>
+                                            </p:txEl>
+                                          </p:spTgt>
+                                        </p:tgtEl>
+                                        <p:attrNameLst>
+                                          <p:attrName>ppt_y</p:attrName>
+                                        </p:attrNameLst>
+                                      </p:cBhvr>
+                                      <p:tavLst>
+                                        <p:tav tm="0">
+                                          <p:val>
+                                            <p:strVal val="#ppt_y+.1"/>
+                                          </p:val>
+                                        </p:tav>
+                                        <p:tav tm="100000">
+                                          <p:val>
+                                            <p:strVal val="#ppt_y"/>
+                                          </p:val>
+                                        </p:tav>
+                                      </p:tavLst>
+                                    </p:anim>
+                                  </p:childTnLst>
+                                </p:cTn>
+                              </p:par>
+                            </p:childTnLst>
+                          </p:cTn>
+                        </p:par>
+                      </p:childTnLst>
+                    </p:cTn>
+                  </p:par>
+                  <p:par>
+                    <p:cTn id="38" fill="hold">
+                      <p:stCondLst>
+                        <p:cond delay="indefinite"/>
+                      </p:stCondLst>
+                      <p:childTnLst>
+                        <p:par>
+                          <p:cTn id="39" fill="hold">
+                            <p:stCondLst>
+                              <p:cond delay="0"/>
+                            </p:stCondLst>
+                            <p:childTnLst>
+                              <p:par>
+                                <p:cTn id="40" presetID="42" presetClass="entr" presetSubtype="0" fill="hold" grpId="0" nodeType="clickEffect">
+                                  <p:stCondLst>
+                                    <p:cond delay="0"/>
+                                  </p:stCondLst>
+                                  <p:childTnLst>
+                                    <p:set>
+                                      <p:cBhvr>
+                                        <p:cTn id="41" dur="1" fill="hold">
+                                          <p:stCondLst>
+                                            <p:cond delay="0"/>
+                                          </p:stCondLst>
+                                        </p:cTn>
+                                        <p:tgtEl>
+                                          <p:spTgt spid="3">
+                                            <p:txEl>
+                                              <p:pRg st="5" end="5"/>
+                                            </p:txEl>
+                                          </p:spTgt>
+                                        </p:tgtEl>
+                                        <p:attrNameLst>
+                                          <p:attrName>style.visibility</p:attrName>
+                                        </p:attrNameLst>
+                                      </p:cBhvr>
+                                      <p:to>
+                                        <p:strVal val="visible"/>
+                                      </p:to>
+                                    </p:set>
+                                    <p:animEffect transition="in" filter="fade">
+                                      <p:cBhvr>
+                                        <p:cTn id="42" dur="500"/>
+                                        <p:tgtEl>
+                                          <p:spTgt spid="3">
+                                            <p:txEl>
+                                              <p:pRg st="5" end="5"/>
+                                            </p:txEl>
+                                          </p:spTgt>
+                                        </p:tgtEl>
+                                      </p:cBhvr>
+                                    </p:animEffect>
+                                    <p:anim calcmode="lin" valueType="num">
+                                      <p:cBhvr>
+                                        <p:cTn id="43" dur="500" fill="hold"/>
+                                        <p:tgtEl>
+                                          <p:spTgt spid="3">
+                                            <p:txEl>
+                                              <p:pRg st="5" end="5"/>
+                                            </p:txEl>
+                                          </p:spTgt>
+                                        </p:tgtEl>
+                                        <p:attrNameLst>
+                                          <p:attrName>ppt_x</p:attrName>
+                                        </p:attrNameLst>
+                                      </p:cBhvr>
+                                      <p:tavLst>
+                                        <p:tav tm="0">
+                                          <p:val>
+                                            <p:strVal val="#ppt_x"/>
+                                          </p:val>
+                                        </p:tav>
+                                        <p:tav tm="100000">
+                                          <p:val>
+                                            <p:strVal val="#ppt_x"/>
+                                          </p:val>
+                                        </p:tav>
+                                      </p:tavLst>
+                                    </p:anim>
+                                    <p:anim calcmode="lin" valueType="num">
+                                      <p:cBhvr>
+                                        <p:cTn id="44" dur="500" fill="hold"/>
+                                        <p:tgtEl>
+                                          <p:spTgt spid="3">
+                                            <p:txEl>
+                                              <p:pRg st="5" end="5"/>
+                                            </p:txEl>
+                                          </p:spTgt>
+                                        </p:tgtEl>
+                                        <p:attrNameLst>
+                                          <p:attrName>ppt_y</p:attrName>
+                                        </p:attrNameLst>
+                                      </p:cBhvr>
+                                      <p:tavLst>
+                                        <p:tav tm="0">
+                                          <p:val>
+                                            <p:strVal val="#ppt_y+.1"/>
+                                          </p:val>
+                                        </p:tav>
+                                        <p:tav tm="100000">
+                                          <p:val>
+                                            <p:strVal val="#ppt_y"/>
+                                          </p:val>
+                                        </p:tav>
+                                      </p:tavLst>
+                                    </p:anim>
+                                  </p:childTnLst>
+                                </p:cTn>
+                              </p:par>
+                            </p:childTnLst>
+                          </p:cTn>
+                        </p:par>
+                      </p:childTnLst>
+                    </p:cTn>
+                  </p:par>
+                  <p:par>
+                    <p:cTn id="45" fill="hold">
+                      <p:stCondLst>
+                        <p:cond delay="indefinite"/>
+                      </p:stCondLst>
+                      <p:childTnLst>
+                        <p:par>
+                          <p:cTn id="46" fill="hold">
+                            <p:stCondLst>
+                              <p:cond delay="0"/>
+                            </p:stCondLst>
+                            <p:childTnLst>
+                              <p:par>
+                                <p:cTn id="47" presetID="42" presetClass="entr" presetSubtype="0" fill="hold" grpId="0" nodeType="clickEffect">
+                                  <p:stCondLst>
+                                    <p:cond delay="0"/>
+                                  </p:stCondLst>
+                                  <p:childTnLst>
+                                    <p:set>
+                                      <p:cBhvr>
+                                        <p:cTn id="48" dur="1" fill="hold">
+                                          <p:stCondLst>
+                                            <p:cond delay="0"/>
+                                          </p:stCondLst>
+                                        </p:cTn>
+                                        <p:tgtEl>
+                                          <p:spTgt spid="3">
+                                            <p:txEl>
+                                              <p:pRg st="6" end="6"/>
+                                            </p:txEl>
+                                          </p:spTgt>
+                                        </p:tgtEl>
+                                        <p:attrNameLst>
+                                          <p:attrName>style.visibility</p:attrName>
+                                        </p:attrNameLst>
+                                      </p:cBhvr>
+                                      <p:to>
+                                        <p:strVal val="visible"/>
+                                      </p:to>
+                                    </p:set>
+                                    <p:animEffect transition="in" filter="fade">
+                                      <p:cBhvr>
+                                        <p:cTn id="49" dur="500"/>
+                                        <p:tgtEl>
+                                          <p:spTgt spid="3">
+                                            <p:txEl>
+                                              <p:pRg st="6" end="6"/>
+                                            </p:txEl>
+                                          </p:spTgt>
+                                        </p:tgtEl>
+                                      </p:cBhvr>
+                                    </p:animEffect>
+                                    <p:anim calcmode="lin" valueType="num">
+                                      <p:cBhvr>
+                                        <p:cTn id="50" dur="500" fill="hold"/>
+                                        <p:tgtEl>
+                                          <p:spTgt spid="3">
+                                            <p:txEl>
+                                              <p:pRg st="6" end="6"/>
+                                            </p:txEl>
+                                          </p:spTgt>
+                                        </p:tgtEl>
+                                        <p:attrNameLst>
+                                          <p:attrName>ppt_x</p:attrName>
+                                        </p:attrNameLst>
+                                      </p:cBhvr>
+                                      <p:tavLst>
+                                        <p:tav tm="0">
+                                          <p:val>
+                                            <p:strVal val="#ppt_x"/>
+                                          </p:val>
+                                        </p:tav>
+                                        <p:tav tm="100000">
+                                          <p:val>
+                                            <p:strVal val="#ppt_x"/>
+                                          </p:val>
+                                        </p:tav>
+                                      </p:tavLst>
+                                    </p:anim>
+                                    <p:anim calcmode="lin" valueType="num">
+                                      <p:cBhvr>
+                                        <p:cTn id="51" dur="500" fill="hold"/>
+                                        <p:tgtEl>
+                                          <p:spTgt spid="3">
+                                            <p:txEl>
+                                              <p:pRg st="6" end="6"/>
+                                            </p:txEl>
+                                          </p:spTgt>
+                                        </p:tgtEl>
+                                        <p:attrNameLst>
+                                          <p:attrName>ppt_y</p:attrName>
+                                        </p:attrNameLst>
+                                      </p:cBhvr>
+                                      <p:tavLst>
+                                        <p:tav tm="0">
+                                          <p:val>
+                                            <p:strVal val="#ppt_y+.1"/>
+                                          </p:val>
+                                        </p:tav>
+                                        <p:tav tm="100000">
+                                          <p:val>
+                                            <p:strVal val="#ppt_y"/>
+                                          </p:val>
+                                        </p:tav>
+                                      </p:tavLst>
+                                    </p:anim>
+                                  </p:childTnLst>
+                                </p:cTn>
+                              </p:par>
+                            </p:childTnLst>
+                          </p:cTn>
+                        </p:par>
+                      </p:childTnLst>
+                    </p:cTn>
+                  </p:par>
+                  <p:par>
+                    <p:cTn id="52" fill="hold">
+                      <p:stCondLst>
+                        <p:cond delay="indefinite"/>
+                      </p:stCondLst>
+                      <p:childTnLst>
+                        <p:par>
+                          <p:cTn id="53" fill="hold">
+                            <p:stCondLst>
+                              <p:cond delay="0"/>
+                            </p:stCondLst>
+                            <p:childTnLst>
+                              <p:par>
+                                <p:cTn id="54" presetID="42" presetClass="entr" presetSubtype="0" fill="hold" grpId="0" nodeType="clickEffect">
+                                  <p:stCondLst>
+                                    <p:cond delay="0"/>
+                                  </p:stCondLst>
+                                  <p:childTnLst>
+                                    <p:set>
+                                      <p:cBhvr>
+                                        <p:cTn id="55" dur="1" fill="hold">
+                                          <p:stCondLst>
+                                            <p:cond delay="0"/>
+                                          </p:stCondLst>
+                                        </p:cTn>
+                                        <p:tgtEl>
+                                          <p:spTgt spid="3">
+                                            <p:txEl>
+                                              <p:pRg st="7" end="7"/>
+                                            </p:txEl>
+                                          </p:spTgt>
+                                        </p:tgtEl>
+                                        <p:attrNameLst>
+                                          <p:attrName>style.visibility</p:attrName>
+                                        </p:attrNameLst>
+                                      </p:cBhvr>
+                                      <p:to>
+                                        <p:strVal val="visible"/>
+                                      </p:to>
+                                    </p:set>
+                                    <p:animEffect transition="in" filter="fade">
+                                      <p:cBhvr>
+                                        <p:cTn id="56" dur="500"/>
+                                        <p:tgtEl>
+                                          <p:spTgt spid="3">
+                                            <p:txEl>
+                                              <p:pRg st="7" end="7"/>
+                                            </p:txEl>
+                                          </p:spTgt>
+                                        </p:tgtEl>
+                                      </p:cBhvr>
+                                    </p:animEffect>
+                                    <p:anim calcmode="lin" valueType="num">
+                                      <p:cBhvr>
+                                        <p:cTn id="57" dur="500" fill="hold"/>
+                                        <p:tgtEl>
+                                          <p:spTgt spid="3">
+                                            <p:txEl>
+                                              <p:pRg st="7" end="7"/>
+                                            </p:txEl>
+                                          </p:spTgt>
+                                        </p:tgtEl>
+                                        <p:attrNameLst>
+                                          <p:attrName>ppt_x</p:attrName>
+                                        </p:attrNameLst>
+                                      </p:cBhvr>
+                                      <p:tavLst>
+                                        <p:tav tm="0">
+                                          <p:val>
+                                            <p:strVal val="#ppt_x"/>
+                                          </p:val>
+                                        </p:tav>
+                                        <p:tav tm="100000">
+                                          <p:val>
+                                            <p:strVal val="#ppt_x"/>
+                                          </p:val>
+                                        </p:tav>
+                                      </p:tavLst>
+                                    </p:anim>
+                                    <p:anim calcmode="lin" valueType="num">
+                                      <p:cBhvr>
+                                        <p:cTn id="58" dur="500" fill="hold"/>
+                                        <p:tgtEl>
+                                          <p:spTgt spid="3">
+                                            <p:txEl>
+                                              <p:pRg st="7" end="7"/>
+                                            </p:txEl>
+                                          </p:spTgt>
+                                        </p:tgtEl>
+                                        <p:attrNameLst>
+                                          <p:attrName>ppt_y</p:attrName>
+                                        </p:attrNameLst>
+                                      </p:cBhvr>
+                                      <p:tavLst>
+                                        <p:tav tm="0">
+                                          <p:val>
+                                            <p:strVal val="#ppt_y+.1"/>
+                                          </p:val>
+                                        </p:tav>
+                                        <p:tav tm="100000">
+                                          <p:val>
+                                            <p:strVal val="#ppt_y"/>
+                                          </p:val>
+                                        </p:tav>
+                                      </p:tavLst>
+                                    </p:anim>
+                                  </p:childTnLst>
+                                </p:cTn>
+                              </p:par>
+                            </p:childTnLst>
+                          </p:cTn>
+                        </p:par>
+                      </p:childTnLst>
+                    </p:cTn>
+                  </p:par>
+                  <p:par>
+                    <p:cTn id="59" fill="hold">
+                      <p:stCondLst>
+                        <p:cond delay="indefinite"/>
+                      </p:stCondLst>
+                      <p:childTnLst>
+                        <p:par>
+                          <p:cTn id="60" fill="hold">
+                            <p:stCondLst>
+                              <p:cond delay="0"/>
+                            </p:stCondLst>
+                            <p:childTnLst>
+                              <p:par>
+                                <p:cTn id="61" presetID="42" presetClass="entr" presetSubtype="0" fill="hold" grpId="0" nodeType="clickEffect">
+                                  <p:stCondLst>
+                                    <p:cond delay="0"/>
+                                  </p:stCondLst>
+                                  <p:childTnLst>
+                                    <p:set>
+                                      <p:cBhvr>
+                                        <p:cTn id="62" dur="1" fill="hold">
+                                          <p:stCondLst>
+                                            <p:cond delay="0"/>
+                                          </p:stCondLst>
+                                        </p:cTn>
+                                        <p:tgtEl>
+                                          <p:spTgt spid="3">
+                                            <p:txEl>
+                                              <p:pRg st="8" end="8"/>
+                                            </p:txEl>
+                                          </p:spTgt>
+                                        </p:tgtEl>
+                                        <p:attrNameLst>
+                                          <p:attrName>style.visibility</p:attrName>
+                                        </p:attrNameLst>
+                                      </p:cBhvr>
+                                      <p:to>
+                                        <p:strVal val="visible"/>
+                                      </p:to>
+                                    </p:set>
+                                    <p:animEffect transition="in" filter="fade">
+                                      <p:cBhvr>
+                                        <p:cTn id="63" dur="500"/>
+                                        <p:tgtEl>
+                                          <p:spTgt spid="3">
+                                            <p:txEl>
+                                              <p:pRg st="8" end="8"/>
+                                            </p:txEl>
+                                          </p:spTgt>
+                                        </p:tgtEl>
+                                      </p:cBhvr>
+                                    </p:animEffect>
+                                    <p:anim calcmode="lin" valueType="num">
+                                      <p:cBhvr>
+                                        <p:cTn id="64" dur="500" fill="hold"/>
+                                        <p:tgtEl>
+                                          <p:spTgt spid="3">
+                                            <p:txEl>
+                                              <p:pRg st="8" end="8"/>
+                                            </p:txEl>
+                                          </p:spTgt>
+                                        </p:tgtEl>
+                                        <p:attrNameLst>
+                                          <p:attrName>ppt_x</p:attrName>
+                                        </p:attrNameLst>
+                                      </p:cBhvr>
+                                      <p:tavLst>
+                                        <p:tav tm="0">
+                                          <p:val>
+                                            <p:strVal val="#ppt_x"/>
+                                          </p:val>
+                                        </p:tav>
+                                        <p:tav tm="100000">
+                                          <p:val>
+                                            <p:strVal val="#ppt_x"/>
+                                          </p:val>
+                                        </p:tav>
+                                      </p:tavLst>
+                                    </p:anim>
+                                    <p:anim calcmode="lin" valueType="num">
+                                      <p:cBhvr>
+                                        <p:cTn id="65" dur="500" fill="hold"/>
+                                        <p:tgtEl>
+                                          <p:spTgt spid="3">
+                                            <p:txEl>
+                                              <p:pRg st="8" end="8"/>
+                                            </p:txEl>
+                                          </p:spTgt>
+                                        </p:tgtEl>
+                                        <p:attrNameLst>
+                                          <p:attrName>ppt_y</p:attrName>
+                                        </p:attrNameLst>
+                                      </p:cBhvr>
+                                      <p:tavLst>
+                                        <p:tav tm="0">
+                                          <p:val>
+                                            <p:strVal val="#ppt_y+.1"/>
+                                          </p:val>
+                                        </p:tav>
+                                        <p:tav tm="100000">
+                                          <p:val>
+                                            <p:strVal val="#ppt_y"/>
+                                          </p:val>
+                                        </p:tav>
+                                      </p:tavLst>
+                                    </p:anim>
+                                  </p:childTnLst>
+                                </p:cTn>
+                              </p:par>
+                            </p:childTnLst>
+                          </p:cTn>
+                        </p:par>
+                        <p:par>
+                          <p:cTn id="66" fill="hold">
+                            <p:stCondLst>
+                              <p:cond delay="500"/>
+                            </p:stCondLst>
+                            <p:childTnLst>
+                              <p:par>
+                                <p:cTn id="67" presetID="10" presetClass="entr" presetSubtype="0" fill="hold" grpId="0" nodeType="afterEffect">
+                                  <p:stCondLst>
+                                    <p:cond delay="0"/>
+                                  </p:stCondLst>
+                                  <p:childTnLst>
+                                    <p:set>
+                                      <p:cBhvr>
+                                        <p:cTn id="68" dur="1" fill="hold">
+                                          <p:stCondLst>
+                                            <p:cond delay="0"/>
+                                          </p:stCondLst>
+                                        </p:cTn>
+                                        <p:tgtEl>
+                                          <p:spTgt spid="3">
+                                            <p:txEl>
+                                              <p:pRg st="9" end="9"/>
+                                            </p:txEl>
+                                          </p:spTgt>
+                                        </p:tgtEl>
+                                        <p:attrNameLst>
+                                          <p:attrName>style.visibility</p:attrName>
+                                        </p:attrNameLst>
+                                      </p:cBhvr>
+                                      <p:to>
+                                        <p:strVal val="visible"/>
+                                      </p:to>
+                                    </p:set>
+                                    <p:animEffect transition="in" filter="fade">
+                                      <p:cBhvr>
+                                        <p:cTn id="69" dur="500"/>
+                                        <p:tgtEl>
+                                          <p:spTgt spid="3">
+                                            <p:txEl>
+                                              <p:pRg st="9" end="9"/>
+                                            </p:txEl>
+                                          </p:spTgt>
+                                        </p:tgtEl>
+                                      </p:cBhvr>
+                                    </p:animEffect>
+                                  </p:childTnLst>
+                                </p:cTn>
+                              </p:par>
+                            </p:childTnLst>
+                          </p:cTn>
+                        </p:par>
+                      </p:childTnLst>
+                    </p:cTn>
+                  </p:par>
+                </p:childTnLst>
+              </p:cTn>
+              <p:prevCondLst>
+                <p:cond evt="onPrev" delay="0">
+                  <p:tgtEl>
+                    <p:sldTgt/>
+                  </p:tgtEl>
+                </p:cond>
+              </p:prevCondLst>
+              <p:nextCondLst>
+                <p:cond evt="onNext" delay="0">
+                  <p:tgtEl>
+                    <p:sldTgt/>
+                  </p:tgtEl>
+                </p:cond>
+              </p:nextCondLst>
+            </p:seq>
+          </p:childTnLst>
+        </p:cTn>
       </p:par>
     </p:tnLst>
+    <p:bldLst>
+      <p:bldP spid="3" grpId="0" uiExpand="1" build="p"/>
+    </p:bldLst>
   </p:timing>
 </p:sld>
 </file>
@@ -12492,7 +14898,6 @@
               <a:rPr lang="en-US" b="1" dirty="0" smtClean="0"/>
               <a:t>Architectural Styles</a:t>
             </a:r>
-            <a:endParaRPr lang="en-US" b="1" dirty="0" smtClean="0"/>
           </a:p>
           <a:p>
             <a:r>
@@ -12549,8 +14954,20 @@
               <a:t>: </a:t>
             </a:r>
             <a:r>
+              <a:rPr lang="en-US" dirty="0" smtClean="0"/>
+              <a:t>Partition </a:t>
+            </a:r>
+            <a:r>
               <a:rPr lang="en-US" dirty="0"/>
-              <a:t>Partitions the concerns of the application into stacked groups (layers</a:t>
+              <a:t>the concerns of the </a:t>
+            </a:r>
+            <a:r>
+              <a:rPr lang="en-US" dirty="0" smtClean="0"/>
+              <a:t>application </a:t>
+            </a:r>
+            <a:r>
+              <a:rPr lang="en-US" dirty="0"/>
+              <a:t>into stacked groups (layers</a:t>
             </a:r>
             <a:r>
               <a:rPr lang="en-US" dirty="0" smtClean="0"/>
@@ -12591,9 +15008,498 @@
   <p:timing>
     <p:tnLst>
       <p:par>
-        <p:cTn id="1" dur="indefinite" restart="never" nodeType="tmRoot"/>
+        <p:cTn id="1" dur="indefinite" restart="never" nodeType="tmRoot">
+          <p:childTnLst>
+            <p:seq concurrent="1" nextAc="seek">
+              <p:cTn id="2" dur="indefinite" nodeType="mainSeq">
+                <p:childTnLst>
+                  <p:par>
+                    <p:cTn id="3" fill="hold">
+                      <p:stCondLst>
+                        <p:cond delay="indefinite"/>
+                        <p:cond evt="onBegin" delay="0">
+                          <p:tn val="2"/>
+                        </p:cond>
+                      </p:stCondLst>
+                      <p:childTnLst>
+                        <p:par>
+                          <p:cTn id="4" fill="hold">
+                            <p:stCondLst>
+                              <p:cond delay="0"/>
+                            </p:stCondLst>
+                            <p:childTnLst>
+                              <p:par>
+                                <p:cTn id="5" presetID="42" presetClass="entr" presetSubtype="0" fill="hold" grpId="0" nodeType="withEffect">
+                                  <p:stCondLst>
+                                    <p:cond delay="0"/>
+                                  </p:stCondLst>
+                                  <p:childTnLst>
+                                    <p:set>
+                                      <p:cBhvr>
+                                        <p:cTn id="6" dur="1" fill="hold">
+                                          <p:stCondLst>
+                                            <p:cond delay="0"/>
+                                          </p:stCondLst>
+                                        </p:cTn>
+                                        <p:tgtEl>
+                                          <p:spTgt spid="3">
+                                            <p:txEl>
+                                              <p:pRg st="1" end="1"/>
+                                            </p:txEl>
+                                          </p:spTgt>
+                                        </p:tgtEl>
+                                        <p:attrNameLst>
+                                          <p:attrName>style.visibility</p:attrName>
+                                        </p:attrNameLst>
+                                      </p:cBhvr>
+                                      <p:to>
+                                        <p:strVal val="visible"/>
+                                      </p:to>
+                                    </p:set>
+                                    <p:animEffect transition="in" filter="fade">
+                                      <p:cBhvr>
+                                        <p:cTn id="7" dur="500"/>
+                                        <p:tgtEl>
+                                          <p:spTgt spid="3">
+                                            <p:txEl>
+                                              <p:pRg st="1" end="1"/>
+                                            </p:txEl>
+                                          </p:spTgt>
+                                        </p:tgtEl>
+                                      </p:cBhvr>
+                                    </p:animEffect>
+                                    <p:anim calcmode="lin" valueType="num">
+                                      <p:cBhvr>
+                                        <p:cTn id="8" dur="500" fill="hold"/>
+                                        <p:tgtEl>
+                                          <p:spTgt spid="3">
+                                            <p:txEl>
+                                              <p:pRg st="1" end="1"/>
+                                            </p:txEl>
+                                          </p:spTgt>
+                                        </p:tgtEl>
+                                        <p:attrNameLst>
+                                          <p:attrName>ppt_x</p:attrName>
+                                        </p:attrNameLst>
+                                      </p:cBhvr>
+                                      <p:tavLst>
+                                        <p:tav tm="0">
+                                          <p:val>
+                                            <p:strVal val="#ppt_x"/>
+                                          </p:val>
+                                        </p:tav>
+                                        <p:tav tm="100000">
+                                          <p:val>
+                                            <p:strVal val="#ppt_x"/>
+                                          </p:val>
+                                        </p:tav>
+                                      </p:tavLst>
+                                    </p:anim>
+                                    <p:anim calcmode="lin" valueType="num">
+                                      <p:cBhvr>
+                                        <p:cTn id="9" dur="500" fill="hold"/>
+                                        <p:tgtEl>
+                                          <p:spTgt spid="3">
+                                            <p:txEl>
+                                              <p:pRg st="1" end="1"/>
+                                            </p:txEl>
+                                          </p:spTgt>
+                                        </p:tgtEl>
+                                        <p:attrNameLst>
+                                          <p:attrName>ppt_y</p:attrName>
+                                        </p:attrNameLst>
+                                      </p:cBhvr>
+                                      <p:tavLst>
+                                        <p:tav tm="0">
+                                          <p:val>
+                                            <p:strVal val="#ppt_y+.1"/>
+                                          </p:val>
+                                        </p:tav>
+                                        <p:tav tm="100000">
+                                          <p:val>
+                                            <p:strVal val="#ppt_y"/>
+                                          </p:val>
+                                        </p:tav>
+                                      </p:tavLst>
+                                    </p:anim>
+                                  </p:childTnLst>
+                                </p:cTn>
+                              </p:par>
+                            </p:childTnLst>
+                          </p:cTn>
+                        </p:par>
+                      </p:childTnLst>
+                    </p:cTn>
+                  </p:par>
+                  <p:par>
+                    <p:cTn id="10" fill="hold">
+                      <p:stCondLst>
+                        <p:cond delay="indefinite"/>
+                      </p:stCondLst>
+                      <p:childTnLst>
+                        <p:par>
+                          <p:cTn id="11" fill="hold">
+                            <p:stCondLst>
+                              <p:cond delay="0"/>
+                            </p:stCondLst>
+                            <p:childTnLst>
+                              <p:par>
+                                <p:cTn id="12" presetID="42" presetClass="entr" presetSubtype="0" fill="hold" grpId="0" nodeType="clickEffect">
+                                  <p:stCondLst>
+                                    <p:cond delay="0"/>
+                                  </p:stCondLst>
+                                  <p:childTnLst>
+                                    <p:set>
+                                      <p:cBhvr>
+                                        <p:cTn id="13" dur="1" fill="hold">
+                                          <p:stCondLst>
+                                            <p:cond delay="0"/>
+                                          </p:stCondLst>
+                                        </p:cTn>
+                                        <p:tgtEl>
+                                          <p:spTgt spid="3">
+                                            <p:txEl>
+                                              <p:pRg st="2" end="2"/>
+                                            </p:txEl>
+                                          </p:spTgt>
+                                        </p:tgtEl>
+                                        <p:attrNameLst>
+                                          <p:attrName>style.visibility</p:attrName>
+                                        </p:attrNameLst>
+                                      </p:cBhvr>
+                                      <p:to>
+                                        <p:strVal val="visible"/>
+                                      </p:to>
+                                    </p:set>
+                                    <p:animEffect transition="in" filter="fade">
+                                      <p:cBhvr>
+                                        <p:cTn id="14" dur="500"/>
+                                        <p:tgtEl>
+                                          <p:spTgt spid="3">
+                                            <p:txEl>
+                                              <p:pRg st="2" end="2"/>
+                                            </p:txEl>
+                                          </p:spTgt>
+                                        </p:tgtEl>
+                                      </p:cBhvr>
+                                    </p:animEffect>
+                                    <p:anim calcmode="lin" valueType="num">
+                                      <p:cBhvr>
+                                        <p:cTn id="15" dur="500" fill="hold"/>
+                                        <p:tgtEl>
+                                          <p:spTgt spid="3">
+                                            <p:txEl>
+                                              <p:pRg st="2" end="2"/>
+                                            </p:txEl>
+                                          </p:spTgt>
+                                        </p:tgtEl>
+                                        <p:attrNameLst>
+                                          <p:attrName>ppt_x</p:attrName>
+                                        </p:attrNameLst>
+                                      </p:cBhvr>
+                                      <p:tavLst>
+                                        <p:tav tm="0">
+                                          <p:val>
+                                            <p:strVal val="#ppt_x"/>
+                                          </p:val>
+                                        </p:tav>
+                                        <p:tav tm="100000">
+                                          <p:val>
+                                            <p:strVal val="#ppt_x"/>
+                                          </p:val>
+                                        </p:tav>
+                                      </p:tavLst>
+                                    </p:anim>
+                                    <p:anim calcmode="lin" valueType="num">
+                                      <p:cBhvr>
+                                        <p:cTn id="16" dur="500" fill="hold"/>
+                                        <p:tgtEl>
+                                          <p:spTgt spid="3">
+                                            <p:txEl>
+                                              <p:pRg st="2" end="2"/>
+                                            </p:txEl>
+                                          </p:spTgt>
+                                        </p:tgtEl>
+                                        <p:attrNameLst>
+                                          <p:attrName>ppt_y</p:attrName>
+                                        </p:attrNameLst>
+                                      </p:cBhvr>
+                                      <p:tavLst>
+                                        <p:tav tm="0">
+                                          <p:val>
+                                            <p:strVal val="#ppt_y+.1"/>
+                                          </p:val>
+                                        </p:tav>
+                                        <p:tav tm="100000">
+                                          <p:val>
+                                            <p:strVal val="#ppt_y"/>
+                                          </p:val>
+                                        </p:tav>
+                                      </p:tavLst>
+                                    </p:anim>
+                                  </p:childTnLst>
+                                </p:cTn>
+                              </p:par>
+                            </p:childTnLst>
+                          </p:cTn>
+                        </p:par>
+                      </p:childTnLst>
+                    </p:cTn>
+                  </p:par>
+                  <p:par>
+                    <p:cTn id="17" fill="hold">
+                      <p:stCondLst>
+                        <p:cond delay="indefinite"/>
+                      </p:stCondLst>
+                      <p:childTnLst>
+                        <p:par>
+                          <p:cTn id="18" fill="hold">
+                            <p:stCondLst>
+                              <p:cond delay="0"/>
+                            </p:stCondLst>
+                            <p:childTnLst>
+                              <p:par>
+                                <p:cTn id="19" presetID="42" presetClass="entr" presetSubtype="0" fill="hold" grpId="0" nodeType="clickEffect">
+                                  <p:stCondLst>
+                                    <p:cond delay="0"/>
+                                  </p:stCondLst>
+                                  <p:childTnLst>
+                                    <p:set>
+                                      <p:cBhvr>
+                                        <p:cTn id="20" dur="1" fill="hold">
+                                          <p:stCondLst>
+                                            <p:cond delay="0"/>
+                                          </p:stCondLst>
+                                        </p:cTn>
+                                        <p:tgtEl>
+                                          <p:spTgt spid="3">
+                                            <p:txEl>
+                                              <p:pRg st="3" end="3"/>
+                                            </p:txEl>
+                                          </p:spTgt>
+                                        </p:tgtEl>
+                                        <p:attrNameLst>
+                                          <p:attrName>style.visibility</p:attrName>
+                                        </p:attrNameLst>
+                                      </p:cBhvr>
+                                      <p:to>
+                                        <p:strVal val="visible"/>
+                                      </p:to>
+                                    </p:set>
+                                    <p:animEffect transition="in" filter="fade">
+                                      <p:cBhvr>
+                                        <p:cTn id="21" dur="500"/>
+                                        <p:tgtEl>
+                                          <p:spTgt spid="3">
+                                            <p:txEl>
+                                              <p:pRg st="3" end="3"/>
+                                            </p:txEl>
+                                          </p:spTgt>
+                                        </p:tgtEl>
+                                      </p:cBhvr>
+                                    </p:animEffect>
+                                    <p:anim calcmode="lin" valueType="num">
+                                      <p:cBhvr>
+                                        <p:cTn id="22" dur="500" fill="hold"/>
+                                        <p:tgtEl>
+                                          <p:spTgt spid="3">
+                                            <p:txEl>
+                                              <p:pRg st="3" end="3"/>
+                                            </p:txEl>
+                                          </p:spTgt>
+                                        </p:tgtEl>
+                                        <p:attrNameLst>
+                                          <p:attrName>ppt_x</p:attrName>
+                                        </p:attrNameLst>
+                                      </p:cBhvr>
+                                      <p:tavLst>
+                                        <p:tav tm="0">
+                                          <p:val>
+                                            <p:strVal val="#ppt_x"/>
+                                          </p:val>
+                                        </p:tav>
+                                        <p:tav tm="100000">
+                                          <p:val>
+                                            <p:strVal val="#ppt_x"/>
+                                          </p:val>
+                                        </p:tav>
+                                      </p:tavLst>
+                                    </p:anim>
+                                    <p:anim calcmode="lin" valueType="num">
+                                      <p:cBhvr>
+                                        <p:cTn id="23" dur="500" fill="hold"/>
+                                        <p:tgtEl>
+                                          <p:spTgt spid="3">
+                                            <p:txEl>
+                                              <p:pRg st="3" end="3"/>
+                                            </p:txEl>
+                                          </p:spTgt>
+                                        </p:tgtEl>
+                                        <p:attrNameLst>
+                                          <p:attrName>ppt_y</p:attrName>
+                                        </p:attrNameLst>
+                                      </p:cBhvr>
+                                      <p:tavLst>
+                                        <p:tav tm="0">
+                                          <p:val>
+                                            <p:strVal val="#ppt_y+.1"/>
+                                          </p:val>
+                                        </p:tav>
+                                        <p:tav tm="100000">
+                                          <p:val>
+                                            <p:strVal val="#ppt_y"/>
+                                          </p:val>
+                                        </p:tav>
+                                      </p:tavLst>
+                                    </p:anim>
+                                  </p:childTnLst>
+                                </p:cTn>
+                              </p:par>
+                            </p:childTnLst>
+                          </p:cTn>
+                        </p:par>
+                      </p:childTnLst>
+                    </p:cTn>
+                  </p:par>
+                  <p:par>
+                    <p:cTn id="24" fill="hold">
+                      <p:stCondLst>
+                        <p:cond delay="indefinite"/>
+                      </p:stCondLst>
+                      <p:childTnLst>
+                        <p:par>
+                          <p:cTn id="25" fill="hold">
+                            <p:stCondLst>
+                              <p:cond delay="0"/>
+                            </p:stCondLst>
+                            <p:childTnLst>
+                              <p:par>
+                                <p:cTn id="26" presetID="42" presetClass="entr" presetSubtype="0" fill="hold" grpId="0" nodeType="clickEffect">
+                                  <p:stCondLst>
+                                    <p:cond delay="0"/>
+                                  </p:stCondLst>
+                                  <p:childTnLst>
+                                    <p:set>
+                                      <p:cBhvr>
+                                        <p:cTn id="27" dur="1" fill="hold">
+                                          <p:stCondLst>
+                                            <p:cond delay="0"/>
+                                          </p:stCondLst>
+                                        </p:cTn>
+                                        <p:tgtEl>
+                                          <p:spTgt spid="3">
+                                            <p:txEl>
+                                              <p:pRg st="4" end="4"/>
+                                            </p:txEl>
+                                          </p:spTgt>
+                                        </p:tgtEl>
+                                        <p:attrNameLst>
+                                          <p:attrName>style.visibility</p:attrName>
+                                        </p:attrNameLst>
+                                      </p:cBhvr>
+                                      <p:to>
+                                        <p:strVal val="visible"/>
+                                      </p:to>
+                                    </p:set>
+                                    <p:animEffect transition="in" filter="fade">
+                                      <p:cBhvr>
+                                        <p:cTn id="28" dur="500"/>
+                                        <p:tgtEl>
+                                          <p:spTgt spid="3">
+                                            <p:txEl>
+                                              <p:pRg st="4" end="4"/>
+                                            </p:txEl>
+                                          </p:spTgt>
+                                        </p:tgtEl>
+                                      </p:cBhvr>
+                                    </p:animEffect>
+                                    <p:anim calcmode="lin" valueType="num">
+                                      <p:cBhvr>
+                                        <p:cTn id="29" dur="500" fill="hold"/>
+                                        <p:tgtEl>
+                                          <p:spTgt spid="3">
+                                            <p:txEl>
+                                              <p:pRg st="4" end="4"/>
+                                            </p:txEl>
+                                          </p:spTgt>
+                                        </p:tgtEl>
+                                        <p:attrNameLst>
+                                          <p:attrName>ppt_x</p:attrName>
+                                        </p:attrNameLst>
+                                      </p:cBhvr>
+                                      <p:tavLst>
+                                        <p:tav tm="0">
+                                          <p:val>
+                                            <p:strVal val="#ppt_x"/>
+                                          </p:val>
+                                        </p:tav>
+                                        <p:tav tm="100000">
+                                          <p:val>
+                                            <p:strVal val="#ppt_x"/>
+                                          </p:val>
+                                        </p:tav>
+                                      </p:tavLst>
+                                    </p:anim>
+                                    <p:anim calcmode="lin" valueType="num">
+                                      <p:cBhvr>
+                                        <p:cTn id="30" dur="500" fill="hold"/>
+                                        <p:tgtEl>
+                                          <p:spTgt spid="3">
+                                            <p:txEl>
+                                              <p:pRg st="4" end="4"/>
+                                            </p:txEl>
+                                          </p:spTgt>
+                                        </p:tgtEl>
+                                        <p:attrNameLst>
+                                          <p:attrName>ppt_y</p:attrName>
+                                        </p:attrNameLst>
+                                      </p:cBhvr>
+                                      <p:tavLst>
+                                        <p:tav tm="0">
+                                          <p:val>
+                                            <p:strVal val="#ppt_y+.1"/>
+                                          </p:val>
+                                        </p:tav>
+                                        <p:tav tm="100000">
+                                          <p:val>
+                                            <p:strVal val="#ppt_y"/>
+                                          </p:val>
+                                        </p:tav>
+                                      </p:tavLst>
+                                    </p:anim>
+                                  </p:childTnLst>
+                                </p:cTn>
+                              </p:par>
+                            </p:childTnLst>
+                          </p:cTn>
+                        </p:par>
+                      </p:childTnLst>
+                    </p:cTn>
+                  </p:par>
+                </p:childTnLst>
+              </p:cTn>
+              <p:prevCondLst>
+                <p:cond evt="onPrev" delay="0">
+                  <p:tgtEl>
+                    <p:sldTgt/>
+                  </p:tgtEl>
+                </p:cond>
+              </p:prevCondLst>
+              <p:nextCondLst>
+                <p:cond evt="onNext" delay="0">
+                  <p:tgtEl>
+                    <p:sldTgt/>
+                  </p:tgtEl>
+                </p:cond>
+              </p:nextCondLst>
+            </p:seq>
+          </p:childTnLst>
+        </p:cTn>
       </p:par>
     </p:tnLst>
+    <p:bldLst>
+      <p:bldP spid="3" grpId="0" uiExpand="1" build="p"/>
+    </p:bldLst>
   </p:timing>
 </p:sld>
 </file>
@@ -12667,7 +15573,6 @@
               <a:rPr lang="en-US" b="1" dirty="0" smtClean="0"/>
               <a:t>Architectural Styles</a:t>
             </a:r>
-            <a:endParaRPr lang="en-US" b="1" dirty="0" smtClean="0"/>
           </a:p>
           <a:p>
             <a:r>
@@ -12732,9 +15637,383 @@
   <p:timing>
     <p:tnLst>
       <p:par>
-        <p:cTn id="1" dur="indefinite" restart="never" nodeType="tmRoot"/>
+        <p:cTn id="1" dur="indefinite" restart="never" nodeType="tmRoot">
+          <p:childTnLst>
+            <p:seq concurrent="1" nextAc="seek">
+              <p:cTn id="2" dur="indefinite" nodeType="mainSeq">
+                <p:childTnLst>
+                  <p:par>
+                    <p:cTn id="3" fill="hold">
+                      <p:stCondLst>
+                        <p:cond delay="indefinite"/>
+                        <p:cond evt="onBegin" delay="0">
+                          <p:tn val="2"/>
+                        </p:cond>
+                      </p:stCondLst>
+                      <p:childTnLst>
+                        <p:par>
+                          <p:cTn id="4" fill="hold">
+                            <p:stCondLst>
+                              <p:cond delay="0"/>
+                            </p:stCondLst>
+                            <p:childTnLst>
+                              <p:par>
+                                <p:cTn id="5" presetID="42" presetClass="entr" presetSubtype="0" fill="hold" grpId="0" nodeType="withEffect">
+                                  <p:stCondLst>
+                                    <p:cond delay="0"/>
+                                  </p:stCondLst>
+                                  <p:childTnLst>
+                                    <p:set>
+                                      <p:cBhvr>
+                                        <p:cTn id="6" dur="1" fill="hold">
+                                          <p:stCondLst>
+                                            <p:cond delay="0"/>
+                                          </p:stCondLst>
+                                        </p:cTn>
+                                        <p:tgtEl>
+                                          <p:spTgt spid="3">
+                                            <p:txEl>
+                                              <p:pRg st="1" end="1"/>
+                                            </p:txEl>
+                                          </p:spTgt>
+                                        </p:tgtEl>
+                                        <p:attrNameLst>
+                                          <p:attrName>style.visibility</p:attrName>
+                                        </p:attrNameLst>
+                                      </p:cBhvr>
+                                      <p:to>
+                                        <p:strVal val="visible"/>
+                                      </p:to>
+                                    </p:set>
+                                    <p:animEffect transition="in" filter="fade">
+                                      <p:cBhvr>
+                                        <p:cTn id="7" dur="500"/>
+                                        <p:tgtEl>
+                                          <p:spTgt spid="3">
+                                            <p:txEl>
+                                              <p:pRg st="1" end="1"/>
+                                            </p:txEl>
+                                          </p:spTgt>
+                                        </p:tgtEl>
+                                      </p:cBhvr>
+                                    </p:animEffect>
+                                    <p:anim calcmode="lin" valueType="num">
+                                      <p:cBhvr>
+                                        <p:cTn id="8" dur="500" fill="hold"/>
+                                        <p:tgtEl>
+                                          <p:spTgt spid="3">
+                                            <p:txEl>
+                                              <p:pRg st="1" end="1"/>
+                                            </p:txEl>
+                                          </p:spTgt>
+                                        </p:tgtEl>
+                                        <p:attrNameLst>
+                                          <p:attrName>ppt_x</p:attrName>
+                                        </p:attrNameLst>
+                                      </p:cBhvr>
+                                      <p:tavLst>
+                                        <p:tav tm="0">
+                                          <p:val>
+                                            <p:strVal val="#ppt_x"/>
+                                          </p:val>
+                                        </p:tav>
+                                        <p:tav tm="100000">
+                                          <p:val>
+                                            <p:strVal val="#ppt_x"/>
+                                          </p:val>
+                                        </p:tav>
+                                      </p:tavLst>
+                                    </p:anim>
+                                    <p:anim calcmode="lin" valueType="num">
+                                      <p:cBhvr>
+                                        <p:cTn id="9" dur="500" fill="hold"/>
+                                        <p:tgtEl>
+                                          <p:spTgt spid="3">
+                                            <p:txEl>
+                                              <p:pRg st="1" end="1"/>
+                                            </p:txEl>
+                                          </p:spTgt>
+                                        </p:tgtEl>
+                                        <p:attrNameLst>
+                                          <p:attrName>ppt_y</p:attrName>
+                                        </p:attrNameLst>
+                                      </p:cBhvr>
+                                      <p:tavLst>
+                                        <p:tav tm="0">
+                                          <p:val>
+                                            <p:strVal val="#ppt_y+.1"/>
+                                          </p:val>
+                                        </p:tav>
+                                        <p:tav tm="100000">
+                                          <p:val>
+                                            <p:strVal val="#ppt_y"/>
+                                          </p:val>
+                                        </p:tav>
+                                      </p:tavLst>
+                                    </p:anim>
+                                  </p:childTnLst>
+                                </p:cTn>
+                              </p:par>
+                            </p:childTnLst>
+                          </p:cTn>
+                        </p:par>
+                      </p:childTnLst>
+                    </p:cTn>
+                  </p:par>
+                  <p:par>
+                    <p:cTn id="10" fill="hold">
+                      <p:stCondLst>
+                        <p:cond delay="indefinite"/>
+                      </p:stCondLst>
+                      <p:childTnLst>
+                        <p:par>
+                          <p:cTn id="11" fill="hold">
+                            <p:stCondLst>
+                              <p:cond delay="0"/>
+                            </p:stCondLst>
+                            <p:childTnLst>
+                              <p:par>
+                                <p:cTn id="12" presetID="42" presetClass="entr" presetSubtype="0" fill="hold" grpId="0" nodeType="clickEffect">
+                                  <p:stCondLst>
+                                    <p:cond delay="0"/>
+                                  </p:stCondLst>
+                                  <p:childTnLst>
+                                    <p:set>
+                                      <p:cBhvr>
+                                        <p:cTn id="13" dur="1" fill="hold">
+                                          <p:stCondLst>
+                                            <p:cond delay="0"/>
+                                          </p:stCondLst>
+                                        </p:cTn>
+                                        <p:tgtEl>
+                                          <p:spTgt spid="3">
+                                            <p:txEl>
+                                              <p:pRg st="2" end="2"/>
+                                            </p:txEl>
+                                          </p:spTgt>
+                                        </p:tgtEl>
+                                        <p:attrNameLst>
+                                          <p:attrName>style.visibility</p:attrName>
+                                        </p:attrNameLst>
+                                      </p:cBhvr>
+                                      <p:to>
+                                        <p:strVal val="visible"/>
+                                      </p:to>
+                                    </p:set>
+                                    <p:animEffect transition="in" filter="fade">
+                                      <p:cBhvr>
+                                        <p:cTn id="14" dur="500"/>
+                                        <p:tgtEl>
+                                          <p:spTgt spid="3">
+                                            <p:txEl>
+                                              <p:pRg st="2" end="2"/>
+                                            </p:txEl>
+                                          </p:spTgt>
+                                        </p:tgtEl>
+                                      </p:cBhvr>
+                                    </p:animEffect>
+                                    <p:anim calcmode="lin" valueType="num">
+                                      <p:cBhvr>
+                                        <p:cTn id="15" dur="500" fill="hold"/>
+                                        <p:tgtEl>
+                                          <p:spTgt spid="3">
+                                            <p:txEl>
+                                              <p:pRg st="2" end="2"/>
+                                            </p:txEl>
+                                          </p:spTgt>
+                                        </p:tgtEl>
+                                        <p:attrNameLst>
+                                          <p:attrName>ppt_x</p:attrName>
+                                        </p:attrNameLst>
+                                      </p:cBhvr>
+                                      <p:tavLst>
+                                        <p:tav tm="0">
+                                          <p:val>
+                                            <p:strVal val="#ppt_x"/>
+                                          </p:val>
+                                        </p:tav>
+                                        <p:tav tm="100000">
+                                          <p:val>
+                                            <p:strVal val="#ppt_x"/>
+                                          </p:val>
+                                        </p:tav>
+                                      </p:tavLst>
+                                    </p:anim>
+                                    <p:anim calcmode="lin" valueType="num">
+                                      <p:cBhvr>
+                                        <p:cTn id="16" dur="500" fill="hold"/>
+                                        <p:tgtEl>
+                                          <p:spTgt spid="3">
+                                            <p:txEl>
+                                              <p:pRg st="2" end="2"/>
+                                            </p:txEl>
+                                          </p:spTgt>
+                                        </p:tgtEl>
+                                        <p:attrNameLst>
+                                          <p:attrName>ppt_y</p:attrName>
+                                        </p:attrNameLst>
+                                      </p:cBhvr>
+                                      <p:tavLst>
+                                        <p:tav tm="0">
+                                          <p:val>
+                                            <p:strVal val="#ppt_y+.1"/>
+                                          </p:val>
+                                        </p:tav>
+                                        <p:tav tm="100000">
+                                          <p:val>
+                                            <p:strVal val="#ppt_y"/>
+                                          </p:val>
+                                        </p:tav>
+                                      </p:tavLst>
+                                    </p:anim>
+                                  </p:childTnLst>
+                                </p:cTn>
+                              </p:par>
+                            </p:childTnLst>
+                          </p:cTn>
+                        </p:par>
+                      </p:childTnLst>
+                    </p:cTn>
+                  </p:par>
+                  <p:par>
+                    <p:cTn id="17" fill="hold">
+                      <p:stCondLst>
+                        <p:cond delay="indefinite"/>
+                      </p:stCondLst>
+                      <p:childTnLst>
+                        <p:par>
+                          <p:cTn id="18" fill="hold">
+                            <p:stCondLst>
+                              <p:cond delay="0"/>
+                            </p:stCondLst>
+                            <p:childTnLst>
+                              <p:par>
+                                <p:cTn id="19" presetID="42" presetClass="entr" presetSubtype="0" fill="hold" grpId="0" nodeType="clickEffect">
+                                  <p:stCondLst>
+                                    <p:cond delay="0"/>
+                                  </p:stCondLst>
+                                  <p:childTnLst>
+                                    <p:set>
+                                      <p:cBhvr>
+                                        <p:cTn id="20" dur="1" fill="hold">
+                                          <p:stCondLst>
+                                            <p:cond delay="0"/>
+                                          </p:stCondLst>
+                                        </p:cTn>
+                                        <p:tgtEl>
+                                          <p:spTgt spid="3">
+                                            <p:txEl>
+                                              <p:pRg st="3" end="3"/>
+                                            </p:txEl>
+                                          </p:spTgt>
+                                        </p:tgtEl>
+                                        <p:attrNameLst>
+                                          <p:attrName>style.visibility</p:attrName>
+                                        </p:attrNameLst>
+                                      </p:cBhvr>
+                                      <p:to>
+                                        <p:strVal val="visible"/>
+                                      </p:to>
+                                    </p:set>
+                                    <p:animEffect transition="in" filter="fade">
+                                      <p:cBhvr>
+                                        <p:cTn id="21" dur="500"/>
+                                        <p:tgtEl>
+                                          <p:spTgt spid="3">
+                                            <p:txEl>
+                                              <p:pRg st="3" end="3"/>
+                                            </p:txEl>
+                                          </p:spTgt>
+                                        </p:tgtEl>
+                                      </p:cBhvr>
+                                    </p:animEffect>
+                                    <p:anim calcmode="lin" valueType="num">
+                                      <p:cBhvr>
+                                        <p:cTn id="22" dur="500" fill="hold"/>
+                                        <p:tgtEl>
+                                          <p:spTgt spid="3">
+                                            <p:txEl>
+                                              <p:pRg st="3" end="3"/>
+                                            </p:txEl>
+                                          </p:spTgt>
+                                        </p:tgtEl>
+                                        <p:attrNameLst>
+                                          <p:attrName>ppt_x</p:attrName>
+                                        </p:attrNameLst>
+                                      </p:cBhvr>
+                                      <p:tavLst>
+                                        <p:tav tm="0">
+                                          <p:val>
+                                            <p:strVal val="#ppt_x"/>
+                                          </p:val>
+                                        </p:tav>
+                                        <p:tav tm="100000">
+                                          <p:val>
+                                            <p:strVal val="#ppt_x"/>
+                                          </p:val>
+                                        </p:tav>
+                                      </p:tavLst>
+                                    </p:anim>
+                                    <p:anim calcmode="lin" valueType="num">
+                                      <p:cBhvr>
+                                        <p:cTn id="23" dur="500" fill="hold"/>
+                                        <p:tgtEl>
+                                          <p:spTgt spid="3">
+                                            <p:txEl>
+                                              <p:pRg st="3" end="3"/>
+                                            </p:txEl>
+                                          </p:spTgt>
+                                        </p:tgtEl>
+                                        <p:attrNameLst>
+                                          <p:attrName>ppt_y</p:attrName>
+                                        </p:attrNameLst>
+                                      </p:cBhvr>
+                                      <p:tavLst>
+                                        <p:tav tm="0">
+                                          <p:val>
+                                            <p:strVal val="#ppt_y+.1"/>
+                                          </p:val>
+                                        </p:tav>
+                                        <p:tav tm="100000">
+                                          <p:val>
+                                            <p:strVal val="#ppt_y"/>
+                                          </p:val>
+                                        </p:tav>
+                                      </p:tavLst>
+                                    </p:anim>
+                                  </p:childTnLst>
+                                </p:cTn>
+                              </p:par>
+                            </p:childTnLst>
+                          </p:cTn>
+                        </p:par>
+                      </p:childTnLst>
+                    </p:cTn>
+                  </p:par>
+                </p:childTnLst>
+              </p:cTn>
+              <p:prevCondLst>
+                <p:cond evt="onPrev" delay="0">
+                  <p:tgtEl>
+                    <p:sldTgt/>
+                  </p:tgtEl>
+                </p:cond>
+              </p:prevCondLst>
+              <p:nextCondLst>
+                <p:cond evt="onNext" delay="0">
+                  <p:tgtEl>
+                    <p:sldTgt/>
+                  </p:tgtEl>
+                </p:cond>
+              </p:nextCondLst>
+            </p:seq>
+          </p:childTnLst>
+        </p:cTn>
       </p:par>
     </p:tnLst>
+    <p:bldLst>
+      <p:bldP spid="3" grpId="0" uiExpand="1" build="p"/>
+    </p:bldLst>
   </p:timing>
 </p:sld>
 </file>
@@ -13108,9 +16387,613 @@
   <p:timing>
     <p:tnLst>
       <p:par>
-        <p:cTn id="1" dur="indefinite" restart="never" nodeType="tmRoot"/>
+        <p:cTn id="1" dur="indefinite" restart="never" nodeType="tmRoot">
+          <p:childTnLst>
+            <p:seq concurrent="1" nextAc="seek">
+              <p:cTn id="2" dur="indefinite" nodeType="mainSeq">
+                <p:childTnLst>
+                  <p:par>
+                    <p:cTn id="3" fill="hold">
+                      <p:stCondLst>
+                        <p:cond delay="indefinite"/>
+                        <p:cond evt="onBegin" delay="0">
+                          <p:tn val="2"/>
+                        </p:cond>
+                      </p:stCondLst>
+                      <p:childTnLst>
+                        <p:par>
+                          <p:cTn id="4" fill="hold">
+                            <p:stCondLst>
+                              <p:cond delay="0"/>
+                            </p:stCondLst>
+                            <p:childTnLst>
+                              <p:par>
+                                <p:cTn id="5" presetID="42" presetClass="entr" presetSubtype="0" fill="hold" grpId="0" nodeType="withEffect">
+                                  <p:stCondLst>
+                                    <p:cond delay="0"/>
+                                  </p:stCondLst>
+                                  <p:childTnLst>
+                                    <p:set>
+                                      <p:cBhvr>
+                                        <p:cTn id="6" dur="1" fill="hold">
+                                          <p:stCondLst>
+                                            <p:cond delay="0"/>
+                                          </p:stCondLst>
+                                        </p:cTn>
+                                        <p:tgtEl>
+                                          <p:spTgt spid="3">
+                                            <p:txEl>
+                                              <p:pRg st="0" end="0"/>
+                                            </p:txEl>
+                                          </p:spTgt>
+                                        </p:tgtEl>
+                                        <p:attrNameLst>
+                                          <p:attrName>style.visibility</p:attrName>
+                                        </p:attrNameLst>
+                                      </p:cBhvr>
+                                      <p:to>
+                                        <p:strVal val="visible"/>
+                                      </p:to>
+                                    </p:set>
+                                    <p:animEffect transition="in" filter="fade">
+                                      <p:cBhvr>
+                                        <p:cTn id="7" dur="500"/>
+                                        <p:tgtEl>
+                                          <p:spTgt spid="3">
+                                            <p:txEl>
+                                              <p:pRg st="0" end="0"/>
+                                            </p:txEl>
+                                          </p:spTgt>
+                                        </p:tgtEl>
+                                      </p:cBhvr>
+                                    </p:animEffect>
+                                    <p:anim calcmode="lin" valueType="num">
+                                      <p:cBhvr>
+                                        <p:cTn id="8" dur="500" fill="hold"/>
+                                        <p:tgtEl>
+                                          <p:spTgt spid="3">
+                                            <p:txEl>
+                                              <p:pRg st="0" end="0"/>
+                                            </p:txEl>
+                                          </p:spTgt>
+                                        </p:tgtEl>
+                                        <p:attrNameLst>
+                                          <p:attrName>ppt_x</p:attrName>
+                                        </p:attrNameLst>
+                                      </p:cBhvr>
+                                      <p:tavLst>
+                                        <p:tav tm="0">
+                                          <p:val>
+                                            <p:strVal val="#ppt_x"/>
+                                          </p:val>
+                                        </p:tav>
+                                        <p:tav tm="100000">
+                                          <p:val>
+                                            <p:strVal val="#ppt_x"/>
+                                          </p:val>
+                                        </p:tav>
+                                      </p:tavLst>
+                                    </p:anim>
+                                    <p:anim calcmode="lin" valueType="num">
+                                      <p:cBhvr>
+                                        <p:cTn id="9" dur="500" fill="hold"/>
+                                        <p:tgtEl>
+                                          <p:spTgt spid="3">
+                                            <p:txEl>
+                                              <p:pRg st="0" end="0"/>
+                                            </p:txEl>
+                                          </p:spTgt>
+                                        </p:tgtEl>
+                                        <p:attrNameLst>
+                                          <p:attrName>ppt_y</p:attrName>
+                                        </p:attrNameLst>
+                                      </p:cBhvr>
+                                      <p:tavLst>
+                                        <p:tav tm="0">
+                                          <p:val>
+                                            <p:strVal val="#ppt_y+.1"/>
+                                          </p:val>
+                                        </p:tav>
+                                        <p:tav tm="100000">
+                                          <p:val>
+                                            <p:strVal val="#ppt_y"/>
+                                          </p:val>
+                                        </p:tav>
+                                      </p:tavLst>
+                                    </p:anim>
+                                  </p:childTnLst>
+                                </p:cTn>
+                              </p:par>
+                            </p:childTnLst>
+                          </p:cTn>
+                        </p:par>
+                      </p:childTnLst>
+                    </p:cTn>
+                  </p:par>
+                  <p:par>
+                    <p:cTn id="10" fill="hold">
+                      <p:stCondLst>
+                        <p:cond delay="indefinite"/>
+                      </p:stCondLst>
+                      <p:childTnLst>
+                        <p:par>
+                          <p:cTn id="11" fill="hold">
+                            <p:stCondLst>
+                              <p:cond delay="0"/>
+                            </p:stCondLst>
+                            <p:childTnLst>
+                              <p:par>
+                                <p:cTn id="12" presetID="42" presetClass="entr" presetSubtype="0" fill="hold" grpId="0" nodeType="clickEffect">
+                                  <p:stCondLst>
+                                    <p:cond delay="0"/>
+                                  </p:stCondLst>
+                                  <p:childTnLst>
+                                    <p:set>
+                                      <p:cBhvr>
+                                        <p:cTn id="13" dur="1" fill="hold">
+                                          <p:stCondLst>
+                                            <p:cond delay="0"/>
+                                          </p:stCondLst>
+                                        </p:cTn>
+                                        <p:tgtEl>
+                                          <p:spTgt spid="3">
+                                            <p:txEl>
+                                              <p:pRg st="1" end="1"/>
+                                            </p:txEl>
+                                          </p:spTgt>
+                                        </p:tgtEl>
+                                        <p:attrNameLst>
+                                          <p:attrName>style.visibility</p:attrName>
+                                        </p:attrNameLst>
+                                      </p:cBhvr>
+                                      <p:to>
+                                        <p:strVal val="visible"/>
+                                      </p:to>
+                                    </p:set>
+                                    <p:animEffect transition="in" filter="fade">
+                                      <p:cBhvr>
+                                        <p:cTn id="14" dur="500"/>
+                                        <p:tgtEl>
+                                          <p:spTgt spid="3">
+                                            <p:txEl>
+                                              <p:pRg st="1" end="1"/>
+                                            </p:txEl>
+                                          </p:spTgt>
+                                        </p:tgtEl>
+                                      </p:cBhvr>
+                                    </p:animEffect>
+                                    <p:anim calcmode="lin" valueType="num">
+                                      <p:cBhvr>
+                                        <p:cTn id="15" dur="500" fill="hold"/>
+                                        <p:tgtEl>
+                                          <p:spTgt spid="3">
+                                            <p:txEl>
+                                              <p:pRg st="1" end="1"/>
+                                            </p:txEl>
+                                          </p:spTgt>
+                                        </p:tgtEl>
+                                        <p:attrNameLst>
+                                          <p:attrName>ppt_x</p:attrName>
+                                        </p:attrNameLst>
+                                      </p:cBhvr>
+                                      <p:tavLst>
+                                        <p:tav tm="0">
+                                          <p:val>
+                                            <p:strVal val="#ppt_x"/>
+                                          </p:val>
+                                        </p:tav>
+                                        <p:tav tm="100000">
+                                          <p:val>
+                                            <p:strVal val="#ppt_x"/>
+                                          </p:val>
+                                        </p:tav>
+                                      </p:tavLst>
+                                    </p:anim>
+                                    <p:anim calcmode="lin" valueType="num">
+                                      <p:cBhvr>
+                                        <p:cTn id="16" dur="500" fill="hold"/>
+                                        <p:tgtEl>
+                                          <p:spTgt spid="3">
+                                            <p:txEl>
+                                              <p:pRg st="1" end="1"/>
+                                            </p:txEl>
+                                          </p:spTgt>
+                                        </p:tgtEl>
+                                        <p:attrNameLst>
+                                          <p:attrName>ppt_y</p:attrName>
+                                        </p:attrNameLst>
+                                      </p:cBhvr>
+                                      <p:tavLst>
+                                        <p:tav tm="0">
+                                          <p:val>
+                                            <p:strVal val="#ppt_y+.1"/>
+                                          </p:val>
+                                        </p:tav>
+                                        <p:tav tm="100000">
+                                          <p:val>
+                                            <p:strVal val="#ppt_y"/>
+                                          </p:val>
+                                        </p:tav>
+                                      </p:tavLst>
+                                    </p:anim>
+                                  </p:childTnLst>
+                                </p:cTn>
+                              </p:par>
+                            </p:childTnLst>
+                          </p:cTn>
+                        </p:par>
+                      </p:childTnLst>
+                    </p:cTn>
+                  </p:par>
+                  <p:par>
+                    <p:cTn id="17" fill="hold">
+                      <p:stCondLst>
+                        <p:cond delay="indefinite"/>
+                      </p:stCondLst>
+                      <p:childTnLst>
+                        <p:par>
+                          <p:cTn id="18" fill="hold">
+                            <p:stCondLst>
+                              <p:cond delay="0"/>
+                            </p:stCondLst>
+                            <p:childTnLst>
+                              <p:par>
+                                <p:cTn id="19" presetID="42" presetClass="entr" presetSubtype="0" fill="hold" grpId="0" nodeType="clickEffect">
+                                  <p:stCondLst>
+                                    <p:cond delay="0"/>
+                                  </p:stCondLst>
+                                  <p:childTnLst>
+                                    <p:set>
+                                      <p:cBhvr>
+                                        <p:cTn id="20" dur="1" fill="hold">
+                                          <p:stCondLst>
+                                            <p:cond delay="0"/>
+                                          </p:stCondLst>
+                                        </p:cTn>
+                                        <p:tgtEl>
+                                          <p:spTgt spid="3">
+                                            <p:txEl>
+                                              <p:pRg st="2" end="2"/>
+                                            </p:txEl>
+                                          </p:spTgt>
+                                        </p:tgtEl>
+                                        <p:attrNameLst>
+                                          <p:attrName>style.visibility</p:attrName>
+                                        </p:attrNameLst>
+                                      </p:cBhvr>
+                                      <p:to>
+                                        <p:strVal val="visible"/>
+                                      </p:to>
+                                    </p:set>
+                                    <p:animEffect transition="in" filter="fade">
+                                      <p:cBhvr>
+                                        <p:cTn id="21" dur="500"/>
+                                        <p:tgtEl>
+                                          <p:spTgt spid="3">
+                                            <p:txEl>
+                                              <p:pRg st="2" end="2"/>
+                                            </p:txEl>
+                                          </p:spTgt>
+                                        </p:tgtEl>
+                                      </p:cBhvr>
+                                    </p:animEffect>
+                                    <p:anim calcmode="lin" valueType="num">
+                                      <p:cBhvr>
+                                        <p:cTn id="22" dur="500" fill="hold"/>
+                                        <p:tgtEl>
+                                          <p:spTgt spid="3">
+                                            <p:txEl>
+                                              <p:pRg st="2" end="2"/>
+                                            </p:txEl>
+                                          </p:spTgt>
+                                        </p:tgtEl>
+                                        <p:attrNameLst>
+                                          <p:attrName>ppt_x</p:attrName>
+                                        </p:attrNameLst>
+                                      </p:cBhvr>
+                                      <p:tavLst>
+                                        <p:tav tm="0">
+                                          <p:val>
+                                            <p:strVal val="#ppt_x"/>
+                                          </p:val>
+                                        </p:tav>
+                                        <p:tav tm="100000">
+                                          <p:val>
+                                            <p:strVal val="#ppt_x"/>
+                                          </p:val>
+                                        </p:tav>
+                                      </p:tavLst>
+                                    </p:anim>
+                                    <p:anim calcmode="lin" valueType="num">
+                                      <p:cBhvr>
+                                        <p:cTn id="23" dur="500" fill="hold"/>
+                                        <p:tgtEl>
+                                          <p:spTgt spid="3">
+                                            <p:txEl>
+                                              <p:pRg st="2" end="2"/>
+                                            </p:txEl>
+                                          </p:spTgt>
+                                        </p:tgtEl>
+                                        <p:attrNameLst>
+                                          <p:attrName>ppt_y</p:attrName>
+                                        </p:attrNameLst>
+                                      </p:cBhvr>
+                                      <p:tavLst>
+                                        <p:tav tm="0">
+                                          <p:val>
+                                            <p:strVal val="#ppt_y+.1"/>
+                                          </p:val>
+                                        </p:tav>
+                                        <p:tav tm="100000">
+                                          <p:val>
+                                            <p:strVal val="#ppt_y"/>
+                                          </p:val>
+                                        </p:tav>
+                                      </p:tavLst>
+                                    </p:anim>
+                                  </p:childTnLst>
+                                </p:cTn>
+                              </p:par>
+                            </p:childTnLst>
+                          </p:cTn>
+                        </p:par>
+                      </p:childTnLst>
+                    </p:cTn>
+                  </p:par>
+                  <p:par>
+                    <p:cTn id="24" fill="hold">
+                      <p:stCondLst>
+                        <p:cond delay="indefinite"/>
+                      </p:stCondLst>
+                      <p:childTnLst>
+                        <p:par>
+                          <p:cTn id="25" fill="hold">
+                            <p:stCondLst>
+                              <p:cond delay="0"/>
+                            </p:stCondLst>
+                            <p:childTnLst>
+                              <p:par>
+                                <p:cTn id="26" presetID="42" presetClass="entr" presetSubtype="0" fill="hold" grpId="0" nodeType="clickEffect">
+                                  <p:stCondLst>
+                                    <p:cond delay="0"/>
+                                  </p:stCondLst>
+                                  <p:childTnLst>
+                                    <p:set>
+                                      <p:cBhvr>
+                                        <p:cTn id="27" dur="1" fill="hold">
+                                          <p:stCondLst>
+                                            <p:cond delay="0"/>
+                                          </p:stCondLst>
+                                        </p:cTn>
+                                        <p:tgtEl>
+                                          <p:spTgt spid="3">
+                                            <p:txEl>
+                                              <p:pRg st="3" end="3"/>
+                                            </p:txEl>
+                                          </p:spTgt>
+                                        </p:tgtEl>
+                                        <p:attrNameLst>
+                                          <p:attrName>style.visibility</p:attrName>
+                                        </p:attrNameLst>
+                                      </p:cBhvr>
+                                      <p:to>
+                                        <p:strVal val="visible"/>
+                                      </p:to>
+                                    </p:set>
+                                    <p:animEffect transition="in" filter="fade">
+                                      <p:cBhvr>
+                                        <p:cTn id="28" dur="500"/>
+                                        <p:tgtEl>
+                                          <p:spTgt spid="3">
+                                            <p:txEl>
+                                              <p:pRg st="3" end="3"/>
+                                            </p:txEl>
+                                          </p:spTgt>
+                                        </p:tgtEl>
+                                      </p:cBhvr>
+                                    </p:animEffect>
+                                    <p:anim calcmode="lin" valueType="num">
+                                      <p:cBhvr>
+                                        <p:cTn id="29" dur="500" fill="hold"/>
+                                        <p:tgtEl>
+                                          <p:spTgt spid="3">
+                                            <p:txEl>
+                                              <p:pRg st="3" end="3"/>
+                                            </p:txEl>
+                                          </p:spTgt>
+                                        </p:tgtEl>
+                                        <p:attrNameLst>
+                                          <p:attrName>ppt_x</p:attrName>
+                                        </p:attrNameLst>
+                                      </p:cBhvr>
+                                      <p:tavLst>
+                                        <p:tav tm="0">
+                                          <p:val>
+                                            <p:strVal val="#ppt_x"/>
+                                          </p:val>
+                                        </p:tav>
+                                        <p:tav tm="100000">
+                                          <p:val>
+                                            <p:strVal val="#ppt_x"/>
+                                          </p:val>
+                                        </p:tav>
+                                      </p:tavLst>
+                                    </p:anim>
+                                    <p:anim calcmode="lin" valueType="num">
+                                      <p:cBhvr>
+                                        <p:cTn id="30" dur="500" fill="hold"/>
+                                        <p:tgtEl>
+                                          <p:spTgt spid="3">
+                                            <p:txEl>
+                                              <p:pRg st="3" end="3"/>
+                                            </p:txEl>
+                                          </p:spTgt>
+                                        </p:tgtEl>
+                                        <p:attrNameLst>
+                                          <p:attrName>ppt_y</p:attrName>
+                                        </p:attrNameLst>
+                                      </p:cBhvr>
+                                      <p:tavLst>
+                                        <p:tav tm="0">
+                                          <p:val>
+                                            <p:strVal val="#ppt_y+.1"/>
+                                          </p:val>
+                                        </p:tav>
+                                        <p:tav tm="100000">
+                                          <p:val>
+                                            <p:strVal val="#ppt_y"/>
+                                          </p:val>
+                                        </p:tav>
+                                      </p:tavLst>
+                                    </p:anim>
+                                  </p:childTnLst>
+                                </p:cTn>
+                              </p:par>
+                            </p:childTnLst>
+                          </p:cTn>
+                        </p:par>
+                      </p:childTnLst>
+                    </p:cTn>
+                  </p:par>
+                  <p:par>
+                    <p:cTn id="31" fill="hold">
+                      <p:stCondLst>
+                        <p:cond delay="indefinite"/>
+                      </p:stCondLst>
+                      <p:childTnLst>
+                        <p:par>
+                          <p:cTn id="32" fill="hold">
+                            <p:stCondLst>
+                              <p:cond delay="0"/>
+                            </p:stCondLst>
+                            <p:childTnLst>
+                              <p:par>
+                                <p:cTn id="33" presetID="42" presetClass="entr" presetSubtype="0" fill="hold" grpId="0" nodeType="clickEffect">
+                                  <p:stCondLst>
+                                    <p:cond delay="0"/>
+                                  </p:stCondLst>
+                                  <p:childTnLst>
+                                    <p:set>
+                                      <p:cBhvr>
+                                        <p:cTn id="34" dur="1" fill="hold">
+                                          <p:stCondLst>
+                                            <p:cond delay="0"/>
+                                          </p:stCondLst>
+                                        </p:cTn>
+                                        <p:tgtEl>
+                                          <p:spTgt spid="3">
+                                            <p:txEl>
+                                              <p:pRg st="4" end="4"/>
+                                            </p:txEl>
+                                          </p:spTgt>
+                                        </p:tgtEl>
+                                        <p:attrNameLst>
+                                          <p:attrName>style.visibility</p:attrName>
+                                        </p:attrNameLst>
+                                      </p:cBhvr>
+                                      <p:to>
+                                        <p:strVal val="visible"/>
+                                      </p:to>
+                                    </p:set>
+                                    <p:animEffect transition="in" filter="fade">
+                                      <p:cBhvr>
+                                        <p:cTn id="35" dur="500"/>
+                                        <p:tgtEl>
+                                          <p:spTgt spid="3">
+                                            <p:txEl>
+                                              <p:pRg st="4" end="4"/>
+                                            </p:txEl>
+                                          </p:spTgt>
+                                        </p:tgtEl>
+                                      </p:cBhvr>
+                                    </p:animEffect>
+                                    <p:anim calcmode="lin" valueType="num">
+                                      <p:cBhvr>
+                                        <p:cTn id="36" dur="500" fill="hold"/>
+                                        <p:tgtEl>
+                                          <p:spTgt spid="3">
+                                            <p:txEl>
+                                              <p:pRg st="4" end="4"/>
+                                            </p:txEl>
+                                          </p:spTgt>
+                                        </p:tgtEl>
+                                        <p:attrNameLst>
+                                          <p:attrName>ppt_x</p:attrName>
+                                        </p:attrNameLst>
+                                      </p:cBhvr>
+                                      <p:tavLst>
+                                        <p:tav tm="0">
+                                          <p:val>
+                                            <p:strVal val="#ppt_x"/>
+                                          </p:val>
+                                        </p:tav>
+                                        <p:tav tm="100000">
+                                          <p:val>
+                                            <p:strVal val="#ppt_x"/>
+                                          </p:val>
+                                        </p:tav>
+                                      </p:tavLst>
+                                    </p:anim>
+                                    <p:anim calcmode="lin" valueType="num">
+                                      <p:cBhvr>
+                                        <p:cTn id="37" dur="500" fill="hold"/>
+                                        <p:tgtEl>
+                                          <p:spTgt spid="3">
+                                            <p:txEl>
+                                              <p:pRg st="4" end="4"/>
+                                            </p:txEl>
+                                          </p:spTgt>
+                                        </p:tgtEl>
+                                        <p:attrNameLst>
+                                          <p:attrName>ppt_y</p:attrName>
+                                        </p:attrNameLst>
+                                      </p:cBhvr>
+                                      <p:tavLst>
+                                        <p:tav tm="0">
+                                          <p:val>
+                                            <p:strVal val="#ppt_y+.1"/>
+                                          </p:val>
+                                        </p:tav>
+                                        <p:tav tm="100000">
+                                          <p:val>
+                                            <p:strVal val="#ppt_y"/>
+                                          </p:val>
+                                        </p:tav>
+                                      </p:tavLst>
+                                    </p:anim>
+                                  </p:childTnLst>
+                                </p:cTn>
+                              </p:par>
+                            </p:childTnLst>
+                          </p:cTn>
+                        </p:par>
+                      </p:childTnLst>
+                    </p:cTn>
+                  </p:par>
+                </p:childTnLst>
+              </p:cTn>
+              <p:prevCondLst>
+                <p:cond evt="onPrev" delay="0">
+                  <p:tgtEl>
+                    <p:sldTgt/>
+                  </p:tgtEl>
+                </p:cond>
+              </p:prevCondLst>
+              <p:nextCondLst>
+                <p:cond evt="onNext" delay="0">
+                  <p:tgtEl>
+                    <p:sldTgt/>
+                  </p:tgtEl>
+                </p:cond>
+              </p:nextCondLst>
+            </p:seq>
+          </p:childTnLst>
+        </p:cTn>
       </p:par>
     </p:tnLst>
+    <p:bldLst>
+      <p:bldP spid="3" grpId="0" uiExpand="1" build="p"/>
+    </p:bldLst>
   </p:timing>
 </p:sld>
 </file>
@@ -13196,56 +17079,114 @@
           <a:p>
             <a:pPr lvl="1"/>
             <a:r>
-              <a:rPr lang="en-US" b="1" dirty="0" smtClean="0"/>
-              <a:t>1</a:t>
-            </a:r>
+              <a:rPr lang="en-US" sz="2000" dirty="0" smtClean="0">
+                <a:latin typeface="Consolas" panose="020B0609020204030204" pitchFamily="49" charset="0"/>
+                <a:cs typeface="Consolas" panose="020B0609020204030204" pitchFamily="49" charset="0"/>
+              </a:rPr>
+              <a:t>42</a:t>
+            </a:r>
+            <a:endParaRPr lang="en-US" sz="2000" dirty="0" smtClean="0">
+              <a:latin typeface="Consolas" panose="020B0609020204030204" pitchFamily="49" charset="0"/>
+              <a:cs typeface="Consolas" panose="020B0609020204030204" pitchFamily="49" charset="0"/>
+            </a:endParaRPr>
           </a:p>
           <a:p>
             <a:pPr lvl="1"/>
             <a:r>
-              <a:rPr lang="en-US" b="1" dirty="0" smtClean="0"/>
-              <a:t>“Hello”</a:t>
-            </a:r>
+              <a:rPr lang="en-US" sz="2000" dirty="0" smtClean="0">
+                <a:latin typeface="Consolas" panose="020B0609020204030204" pitchFamily="49" charset="0"/>
+                <a:cs typeface="Consolas" panose="020B0609020204030204" pitchFamily="49" charset="0"/>
+              </a:rPr>
+              <a:t>“What is the answer to the Ultimate Question of Life, the Universe, and Everything"</a:t>
+            </a:r>
+            <a:endParaRPr lang="en-US" sz="2000" dirty="0" smtClean="0">
+              <a:latin typeface="Consolas" panose="020B0609020204030204" pitchFamily="49" charset="0"/>
+              <a:cs typeface="Consolas" panose="020B0609020204030204" pitchFamily="49" charset="0"/>
+            </a:endParaRPr>
           </a:p>
           <a:p>
             <a:pPr lvl="1"/>
             <a:r>
-              <a:rPr lang="en-US" b="1" dirty="0" smtClean="0"/>
+              <a:rPr lang="en-US" sz="2000" dirty="0" smtClean="0">
+                <a:latin typeface="Consolas" panose="020B0609020204030204" pitchFamily="49" charset="0"/>
+                <a:cs typeface="Consolas" panose="020B0609020204030204" pitchFamily="49" charset="0"/>
+              </a:rPr>
               <a:t>&lt;</a:t>
             </a:r>
             <a:r>
-              <a:rPr lang="en-US" b="1" dirty="0" err="1" smtClean="0"/>
+              <a:rPr lang="en-US" sz="2000" dirty="0" err="1" smtClean="0">
+                <a:latin typeface="Consolas" panose="020B0609020204030204" pitchFamily="49" charset="0"/>
+                <a:cs typeface="Consolas" panose="020B0609020204030204" pitchFamily="49" charset="0"/>
+              </a:rPr>
               <a:t>LogError</a:t>
             </a:r>
             <a:r>
-              <a:rPr lang="en-US" b="1" dirty="0" smtClean="0"/>
+              <a:rPr lang="en-US" sz="2000" dirty="0" smtClean="0">
+                <a:latin typeface="Consolas" panose="020B0609020204030204" pitchFamily="49" charset="0"/>
+                <a:cs typeface="Consolas" panose="020B0609020204030204" pitchFamily="49" charset="0"/>
+              </a:rPr>
               <a:t>&gt;Error on remote system&lt;/</a:t>
             </a:r>
             <a:r>
-              <a:rPr lang="en-US" b="1" dirty="0" err="1" smtClean="0"/>
+              <a:rPr lang="en-US" sz="2000" dirty="0" err="1" smtClean="0">
+                <a:latin typeface="Consolas" panose="020B0609020204030204" pitchFamily="49" charset="0"/>
+                <a:cs typeface="Consolas" panose="020B0609020204030204" pitchFamily="49" charset="0"/>
+              </a:rPr>
               <a:t>LogError</a:t>
             </a:r>
             <a:r>
-              <a:rPr lang="en-US" b="1" dirty="0" smtClean="0"/>
+              <a:rPr lang="en-US" sz="2000" dirty="0" smtClean="0">
+                <a:latin typeface="Consolas" panose="020B0609020204030204" pitchFamily="49" charset="0"/>
+                <a:cs typeface="Consolas" panose="020B0609020204030204" pitchFamily="49" charset="0"/>
+              </a:rPr>
               <a:t>&gt;</a:t>
             </a:r>
           </a:p>
           <a:p>
             <a:pPr lvl="1"/>
             <a:r>
-              <a:rPr lang="en-US" b="1" dirty="0" smtClean="0"/>
-              <a:t>{ command: “create-order”, zone: “East Building”, date: …}</a:t>
-            </a:r>
-          </a:p>
-          <a:p>
-            <a:pPr marL="0" indent="0">
-              <a:buNone/>
-            </a:pPr>
+              <a:rPr lang="en-US" sz="2000" dirty="0" smtClean="0">
+                <a:latin typeface="Consolas" panose="020B0609020204030204" pitchFamily="49" charset="0"/>
+                <a:cs typeface="Consolas" panose="020B0609020204030204" pitchFamily="49" charset="0"/>
+              </a:rPr>
+              <a:t>{ command: “create-order”, zone: “East Building”, date: </a:t>
+            </a:r>
+            <a:r>
+              <a:rPr lang="en-US" sz="2000" dirty="0" smtClean="0">
+                <a:latin typeface="Consolas" panose="020B0609020204030204" pitchFamily="49" charset="0"/>
+                <a:cs typeface="Consolas" panose="020B0609020204030204" pitchFamily="49" charset="0"/>
+              </a:rPr>
+              <a:t>...}</a:t>
+            </a:r>
             <a:endParaRPr lang="en-US" b="1" dirty="0"/>
           </a:p>
           <a:p>
             <a:pPr lvl="1"/>
-            <a:endParaRPr lang="en-US" b="1" dirty="0" smtClean="0"/>
+            <a:r>
+              <a:rPr lang="en-US" sz="2000" dirty="0" smtClean="0">
+                <a:latin typeface="Consolas" panose="020B0609020204030204" pitchFamily="49" charset="0"/>
+                <a:cs typeface="Consolas" panose="020B0609020204030204" pitchFamily="49" charset="0"/>
+              </a:rPr>
+              <a:t>[... </a:t>
+            </a:r>
+            <a:r>
+              <a:rPr lang="en-US" sz="2000" dirty="0">
+                <a:latin typeface="Consolas" panose="020B0609020204030204" pitchFamily="49" charset="0"/>
+                <a:cs typeface="Consolas" panose="020B0609020204030204" pitchFamily="49" charset="0"/>
+              </a:rPr>
+              <a:t>binary content </a:t>
+            </a:r>
+            <a:r>
+              <a:rPr lang="en-US" sz="2000" dirty="0" smtClean="0">
+                <a:latin typeface="Consolas" panose="020B0609020204030204" pitchFamily="49" charset="0"/>
+                <a:cs typeface="Consolas" panose="020B0609020204030204" pitchFamily="49" charset="0"/>
+              </a:rPr>
+              <a:t>...]</a:t>
+            </a:r>
+            <a:endParaRPr lang="en-US" sz="2000" dirty="0">
+              <a:latin typeface="Consolas" panose="020B0609020204030204" pitchFamily="49" charset="0"/>
+              <a:cs typeface="Consolas" panose="020B0609020204030204" pitchFamily="49" charset="0"/>
+            </a:endParaRPr>
           </a:p>
         </p:txBody>
       </p:sp>
@@ -13262,7 +17203,548 @@
   <p:timing>
     <p:tnLst>
       <p:par>
-        <p:cTn id="1" dur="indefinite" restart="never" nodeType="tmRoot"/>
+        <p:cTn id="1" dur="indefinite" restart="never" nodeType="tmRoot">
+          <p:childTnLst>
+            <p:seq concurrent="1" nextAc="seek">
+              <p:cTn id="2" dur="indefinite" nodeType="mainSeq">
+                <p:childTnLst>
+                  <p:par>
+                    <p:cTn id="3" fill="hold">
+                      <p:stCondLst>
+                        <p:cond delay="indefinite"/>
+                        <p:cond evt="onBegin" delay="0">
+                          <p:tn val="2"/>
+                        </p:cond>
+                      </p:stCondLst>
+                      <p:childTnLst>
+                        <p:par>
+                          <p:cTn id="4" fill="hold">
+                            <p:stCondLst>
+                              <p:cond delay="0"/>
+                            </p:stCondLst>
+                            <p:childTnLst>
+                              <p:par>
+                                <p:cTn id="5" presetID="2" presetClass="entr" presetSubtype="2" fill="hold" nodeType="withEffect">
+                                  <p:stCondLst>
+                                    <p:cond delay="0"/>
+                                  </p:stCondLst>
+                                  <p:childTnLst>
+                                    <p:set>
+                                      <p:cBhvr>
+                                        <p:cTn id="6" dur="1" fill="hold">
+                                          <p:stCondLst>
+                                            <p:cond delay="0"/>
+                                          </p:stCondLst>
+                                        </p:cTn>
+                                        <p:tgtEl>
+                                          <p:spTgt spid="3">
+                                            <p:txEl>
+                                              <p:pRg st="2" end="2"/>
+                                            </p:txEl>
+                                          </p:spTgt>
+                                        </p:tgtEl>
+                                        <p:attrNameLst>
+                                          <p:attrName>style.visibility</p:attrName>
+                                        </p:attrNameLst>
+                                      </p:cBhvr>
+                                      <p:to>
+                                        <p:strVal val="visible"/>
+                                      </p:to>
+                                    </p:set>
+                                    <p:anim calcmode="lin" valueType="num">
+                                      <p:cBhvr additive="base">
+                                        <p:cTn id="7" dur="500" fill="hold"/>
+                                        <p:tgtEl>
+                                          <p:spTgt spid="3">
+                                            <p:txEl>
+                                              <p:pRg st="2" end="2"/>
+                                            </p:txEl>
+                                          </p:spTgt>
+                                        </p:tgtEl>
+                                        <p:attrNameLst>
+                                          <p:attrName>ppt_x</p:attrName>
+                                        </p:attrNameLst>
+                                      </p:cBhvr>
+                                      <p:tavLst>
+                                        <p:tav tm="0">
+                                          <p:val>
+                                            <p:strVal val="1+#ppt_w/2"/>
+                                          </p:val>
+                                        </p:tav>
+                                        <p:tav tm="100000">
+                                          <p:val>
+                                            <p:strVal val="#ppt_x"/>
+                                          </p:val>
+                                        </p:tav>
+                                      </p:tavLst>
+                                    </p:anim>
+                                    <p:anim calcmode="lin" valueType="num">
+                                      <p:cBhvr additive="base">
+                                        <p:cTn id="8" dur="500" fill="hold"/>
+                                        <p:tgtEl>
+                                          <p:spTgt spid="3">
+                                            <p:txEl>
+                                              <p:pRg st="2" end="2"/>
+                                            </p:txEl>
+                                          </p:spTgt>
+                                        </p:tgtEl>
+                                        <p:attrNameLst>
+                                          <p:attrName>ppt_y</p:attrName>
+                                        </p:attrNameLst>
+                                      </p:cBhvr>
+                                      <p:tavLst>
+                                        <p:tav tm="0">
+                                          <p:val>
+                                            <p:strVal val="#ppt_y"/>
+                                          </p:val>
+                                        </p:tav>
+                                        <p:tav tm="100000">
+                                          <p:val>
+                                            <p:strVal val="#ppt_y"/>
+                                          </p:val>
+                                        </p:tav>
+                                      </p:tavLst>
+                                    </p:anim>
+                                  </p:childTnLst>
+                                </p:cTn>
+                              </p:par>
+                            </p:childTnLst>
+                          </p:cTn>
+                        </p:par>
+                      </p:childTnLst>
+                    </p:cTn>
+                  </p:par>
+                  <p:par>
+                    <p:cTn id="9" fill="hold">
+                      <p:stCondLst>
+                        <p:cond delay="indefinite"/>
+                      </p:stCondLst>
+                      <p:childTnLst>
+                        <p:par>
+                          <p:cTn id="10" fill="hold">
+                            <p:stCondLst>
+                              <p:cond delay="0"/>
+                            </p:stCondLst>
+                            <p:childTnLst>
+                              <p:par>
+                                <p:cTn id="11" presetID="2" presetClass="entr" presetSubtype="2" fill="hold" nodeType="clickEffect">
+                                  <p:stCondLst>
+                                    <p:cond delay="0"/>
+                                  </p:stCondLst>
+                                  <p:childTnLst>
+                                    <p:set>
+                                      <p:cBhvr>
+                                        <p:cTn id="12" dur="1" fill="hold">
+                                          <p:stCondLst>
+                                            <p:cond delay="0"/>
+                                          </p:stCondLst>
+                                        </p:cTn>
+                                        <p:tgtEl>
+                                          <p:spTgt spid="3">
+                                            <p:txEl>
+                                              <p:pRg st="3" end="3"/>
+                                            </p:txEl>
+                                          </p:spTgt>
+                                        </p:tgtEl>
+                                        <p:attrNameLst>
+                                          <p:attrName>style.visibility</p:attrName>
+                                        </p:attrNameLst>
+                                      </p:cBhvr>
+                                      <p:to>
+                                        <p:strVal val="visible"/>
+                                      </p:to>
+                                    </p:set>
+                                    <p:anim calcmode="lin" valueType="num">
+                                      <p:cBhvr additive="base">
+                                        <p:cTn id="13" dur="500" fill="hold"/>
+                                        <p:tgtEl>
+                                          <p:spTgt spid="3">
+                                            <p:txEl>
+                                              <p:pRg st="3" end="3"/>
+                                            </p:txEl>
+                                          </p:spTgt>
+                                        </p:tgtEl>
+                                        <p:attrNameLst>
+                                          <p:attrName>ppt_x</p:attrName>
+                                        </p:attrNameLst>
+                                      </p:cBhvr>
+                                      <p:tavLst>
+                                        <p:tav tm="0">
+                                          <p:val>
+                                            <p:strVal val="1+#ppt_w/2"/>
+                                          </p:val>
+                                        </p:tav>
+                                        <p:tav tm="100000">
+                                          <p:val>
+                                            <p:strVal val="#ppt_x"/>
+                                          </p:val>
+                                        </p:tav>
+                                      </p:tavLst>
+                                    </p:anim>
+                                    <p:anim calcmode="lin" valueType="num">
+                                      <p:cBhvr additive="base">
+                                        <p:cTn id="14" dur="500" fill="hold"/>
+                                        <p:tgtEl>
+                                          <p:spTgt spid="3">
+                                            <p:txEl>
+                                              <p:pRg st="3" end="3"/>
+                                            </p:txEl>
+                                          </p:spTgt>
+                                        </p:tgtEl>
+                                        <p:attrNameLst>
+                                          <p:attrName>ppt_y</p:attrName>
+                                        </p:attrNameLst>
+                                      </p:cBhvr>
+                                      <p:tavLst>
+                                        <p:tav tm="0">
+                                          <p:val>
+                                            <p:strVal val="#ppt_y"/>
+                                          </p:val>
+                                        </p:tav>
+                                        <p:tav tm="100000">
+                                          <p:val>
+                                            <p:strVal val="#ppt_y"/>
+                                          </p:val>
+                                        </p:tav>
+                                      </p:tavLst>
+                                    </p:anim>
+                                  </p:childTnLst>
+                                </p:cTn>
+                              </p:par>
+                            </p:childTnLst>
+                          </p:cTn>
+                        </p:par>
+                      </p:childTnLst>
+                    </p:cTn>
+                  </p:par>
+                  <p:par>
+                    <p:cTn id="15" fill="hold">
+                      <p:stCondLst>
+                        <p:cond delay="indefinite"/>
+                      </p:stCondLst>
+                      <p:childTnLst>
+                        <p:par>
+                          <p:cTn id="16" fill="hold">
+                            <p:stCondLst>
+                              <p:cond delay="0"/>
+                            </p:stCondLst>
+                            <p:childTnLst>
+                              <p:par>
+                                <p:cTn id="17" presetID="2" presetClass="entr" presetSubtype="2" fill="hold" nodeType="clickEffect">
+                                  <p:stCondLst>
+                                    <p:cond delay="0"/>
+                                  </p:stCondLst>
+                                  <p:childTnLst>
+                                    <p:set>
+                                      <p:cBhvr>
+                                        <p:cTn id="18" dur="1" fill="hold">
+                                          <p:stCondLst>
+                                            <p:cond delay="0"/>
+                                          </p:stCondLst>
+                                        </p:cTn>
+                                        <p:tgtEl>
+                                          <p:spTgt spid="3">
+                                            <p:txEl>
+                                              <p:pRg st="4" end="4"/>
+                                            </p:txEl>
+                                          </p:spTgt>
+                                        </p:tgtEl>
+                                        <p:attrNameLst>
+                                          <p:attrName>style.visibility</p:attrName>
+                                        </p:attrNameLst>
+                                      </p:cBhvr>
+                                      <p:to>
+                                        <p:strVal val="visible"/>
+                                      </p:to>
+                                    </p:set>
+                                    <p:anim calcmode="lin" valueType="num">
+                                      <p:cBhvr additive="base">
+                                        <p:cTn id="19" dur="500" fill="hold"/>
+                                        <p:tgtEl>
+                                          <p:spTgt spid="3">
+                                            <p:txEl>
+                                              <p:pRg st="4" end="4"/>
+                                            </p:txEl>
+                                          </p:spTgt>
+                                        </p:tgtEl>
+                                        <p:attrNameLst>
+                                          <p:attrName>ppt_x</p:attrName>
+                                        </p:attrNameLst>
+                                      </p:cBhvr>
+                                      <p:tavLst>
+                                        <p:tav tm="0">
+                                          <p:val>
+                                            <p:strVal val="1+#ppt_w/2"/>
+                                          </p:val>
+                                        </p:tav>
+                                        <p:tav tm="100000">
+                                          <p:val>
+                                            <p:strVal val="#ppt_x"/>
+                                          </p:val>
+                                        </p:tav>
+                                      </p:tavLst>
+                                    </p:anim>
+                                    <p:anim calcmode="lin" valueType="num">
+                                      <p:cBhvr additive="base">
+                                        <p:cTn id="20" dur="500" fill="hold"/>
+                                        <p:tgtEl>
+                                          <p:spTgt spid="3">
+                                            <p:txEl>
+                                              <p:pRg st="4" end="4"/>
+                                            </p:txEl>
+                                          </p:spTgt>
+                                        </p:tgtEl>
+                                        <p:attrNameLst>
+                                          <p:attrName>ppt_y</p:attrName>
+                                        </p:attrNameLst>
+                                      </p:cBhvr>
+                                      <p:tavLst>
+                                        <p:tav tm="0">
+                                          <p:val>
+                                            <p:strVal val="#ppt_y"/>
+                                          </p:val>
+                                        </p:tav>
+                                        <p:tav tm="100000">
+                                          <p:val>
+                                            <p:strVal val="#ppt_y"/>
+                                          </p:val>
+                                        </p:tav>
+                                      </p:tavLst>
+                                    </p:anim>
+                                  </p:childTnLst>
+                                </p:cTn>
+                              </p:par>
+                            </p:childTnLst>
+                          </p:cTn>
+                        </p:par>
+                      </p:childTnLst>
+                    </p:cTn>
+                  </p:par>
+                  <p:par>
+                    <p:cTn id="21" fill="hold">
+                      <p:stCondLst>
+                        <p:cond delay="indefinite"/>
+                      </p:stCondLst>
+                      <p:childTnLst>
+                        <p:par>
+                          <p:cTn id="22" fill="hold">
+                            <p:stCondLst>
+                              <p:cond delay="0"/>
+                            </p:stCondLst>
+                            <p:childTnLst>
+                              <p:par>
+                                <p:cTn id="23" presetID="2" presetClass="entr" presetSubtype="2" fill="hold" nodeType="clickEffect">
+                                  <p:stCondLst>
+                                    <p:cond delay="0"/>
+                                  </p:stCondLst>
+                                  <p:childTnLst>
+                                    <p:set>
+                                      <p:cBhvr>
+                                        <p:cTn id="24" dur="1" fill="hold">
+                                          <p:stCondLst>
+                                            <p:cond delay="0"/>
+                                          </p:stCondLst>
+                                        </p:cTn>
+                                        <p:tgtEl>
+                                          <p:spTgt spid="3">
+                                            <p:txEl>
+                                              <p:pRg st="5" end="5"/>
+                                            </p:txEl>
+                                          </p:spTgt>
+                                        </p:tgtEl>
+                                        <p:attrNameLst>
+                                          <p:attrName>style.visibility</p:attrName>
+                                        </p:attrNameLst>
+                                      </p:cBhvr>
+                                      <p:to>
+                                        <p:strVal val="visible"/>
+                                      </p:to>
+                                    </p:set>
+                                    <p:anim calcmode="lin" valueType="num">
+                                      <p:cBhvr additive="base">
+                                        <p:cTn id="25" dur="500" fill="hold"/>
+                                        <p:tgtEl>
+                                          <p:spTgt spid="3">
+                                            <p:txEl>
+                                              <p:pRg st="5" end="5"/>
+                                            </p:txEl>
+                                          </p:spTgt>
+                                        </p:tgtEl>
+                                        <p:attrNameLst>
+                                          <p:attrName>ppt_x</p:attrName>
+                                        </p:attrNameLst>
+                                      </p:cBhvr>
+                                      <p:tavLst>
+                                        <p:tav tm="0">
+                                          <p:val>
+                                            <p:strVal val="1+#ppt_w/2"/>
+                                          </p:val>
+                                        </p:tav>
+                                        <p:tav tm="100000">
+                                          <p:val>
+                                            <p:strVal val="#ppt_x"/>
+                                          </p:val>
+                                        </p:tav>
+                                      </p:tavLst>
+                                    </p:anim>
+                                    <p:anim calcmode="lin" valueType="num">
+                                      <p:cBhvr additive="base">
+                                        <p:cTn id="26" dur="500" fill="hold"/>
+                                        <p:tgtEl>
+                                          <p:spTgt spid="3">
+                                            <p:txEl>
+                                              <p:pRg st="5" end="5"/>
+                                            </p:txEl>
+                                          </p:spTgt>
+                                        </p:tgtEl>
+                                        <p:attrNameLst>
+                                          <p:attrName>ppt_y</p:attrName>
+                                        </p:attrNameLst>
+                                      </p:cBhvr>
+                                      <p:tavLst>
+                                        <p:tav tm="0">
+                                          <p:val>
+                                            <p:strVal val="#ppt_y"/>
+                                          </p:val>
+                                        </p:tav>
+                                        <p:tav tm="100000">
+                                          <p:val>
+                                            <p:strVal val="#ppt_y"/>
+                                          </p:val>
+                                        </p:tav>
+                                      </p:tavLst>
+                                    </p:anim>
+                                  </p:childTnLst>
+                                </p:cTn>
+                              </p:par>
+                            </p:childTnLst>
+                          </p:cTn>
+                        </p:par>
+                      </p:childTnLst>
+                    </p:cTn>
+                  </p:par>
+                  <p:par>
+                    <p:cTn id="27" fill="hold">
+                      <p:stCondLst>
+                        <p:cond delay="indefinite"/>
+                      </p:stCondLst>
+                      <p:childTnLst>
+                        <p:par>
+                          <p:cTn id="28" fill="hold">
+                            <p:stCondLst>
+                              <p:cond delay="0"/>
+                            </p:stCondLst>
+                            <p:childTnLst>
+                              <p:par>
+                                <p:cTn id="29" presetID="2" presetClass="entr" presetSubtype="2" fill="hold" nodeType="clickEffect">
+                                  <p:stCondLst>
+                                    <p:cond delay="0"/>
+                                  </p:stCondLst>
+                                  <p:childTnLst>
+                                    <p:set>
+                                      <p:cBhvr>
+                                        <p:cTn id="30" dur="1" fill="hold">
+                                          <p:stCondLst>
+                                            <p:cond delay="0"/>
+                                          </p:stCondLst>
+                                        </p:cTn>
+                                        <p:tgtEl>
+                                          <p:spTgt spid="3">
+                                            <p:txEl>
+                                              <p:pRg st="6" end="6"/>
+                                            </p:txEl>
+                                          </p:spTgt>
+                                        </p:tgtEl>
+                                        <p:attrNameLst>
+                                          <p:attrName>style.visibility</p:attrName>
+                                        </p:attrNameLst>
+                                      </p:cBhvr>
+                                      <p:to>
+                                        <p:strVal val="visible"/>
+                                      </p:to>
+                                    </p:set>
+                                    <p:anim calcmode="lin" valueType="num">
+                                      <p:cBhvr additive="base">
+                                        <p:cTn id="31" dur="500" fill="hold"/>
+                                        <p:tgtEl>
+                                          <p:spTgt spid="3">
+                                            <p:txEl>
+                                              <p:pRg st="6" end="6"/>
+                                            </p:txEl>
+                                          </p:spTgt>
+                                        </p:tgtEl>
+                                        <p:attrNameLst>
+                                          <p:attrName>ppt_x</p:attrName>
+                                        </p:attrNameLst>
+                                      </p:cBhvr>
+                                      <p:tavLst>
+                                        <p:tav tm="0">
+                                          <p:val>
+                                            <p:strVal val="1+#ppt_w/2"/>
+                                          </p:val>
+                                        </p:tav>
+                                        <p:tav tm="100000">
+                                          <p:val>
+                                            <p:strVal val="#ppt_x"/>
+                                          </p:val>
+                                        </p:tav>
+                                      </p:tavLst>
+                                    </p:anim>
+                                    <p:anim calcmode="lin" valueType="num">
+                                      <p:cBhvr additive="base">
+                                        <p:cTn id="32" dur="500" fill="hold"/>
+                                        <p:tgtEl>
+                                          <p:spTgt spid="3">
+                                            <p:txEl>
+                                              <p:pRg st="6" end="6"/>
+                                            </p:txEl>
+                                          </p:spTgt>
+                                        </p:tgtEl>
+                                        <p:attrNameLst>
+                                          <p:attrName>ppt_y</p:attrName>
+                                        </p:attrNameLst>
+                                      </p:cBhvr>
+                                      <p:tavLst>
+                                        <p:tav tm="0">
+                                          <p:val>
+                                            <p:strVal val="#ppt_y"/>
+                                          </p:val>
+                                        </p:tav>
+                                        <p:tav tm="100000">
+                                          <p:val>
+                                            <p:strVal val="#ppt_y"/>
+                                          </p:val>
+                                        </p:tav>
+                                      </p:tavLst>
+                                    </p:anim>
+                                  </p:childTnLst>
+                                </p:cTn>
+                              </p:par>
+                            </p:childTnLst>
+                          </p:cTn>
+                        </p:par>
+                      </p:childTnLst>
+                    </p:cTn>
+                  </p:par>
+                </p:childTnLst>
+              </p:cTn>
+              <p:prevCondLst>
+                <p:cond evt="onPrev" delay="0">
+                  <p:tgtEl>
+                    <p:sldTgt/>
+                  </p:tgtEl>
+                </p:cond>
+              </p:prevCondLst>
+              <p:nextCondLst>
+                <p:cond evt="onNext" delay="0">
+                  <p:tgtEl>
+                    <p:sldTgt/>
+                  </p:tgtEl>
+                </p:cond>
+              </p:nextCondLst>
+            </p:seq>
+          </p:childTnLst>
+        </p:cTn>
       </p:par>
     </p:tnLst>
   </p:timing>
